--- a/年末発表.pptx
+++ b/年末発表.pptx
@@ -122,7 +122,7 @@
 <file path=ppt/revisionInfo.xml><?xml version="1.0" encoding="utf-8"?>
 <p1510:revInfo xmlns:a="http://schemas.openxmlformats.org/drawingml/2006/main" xmlns:r="http://schemas.openxmlformats.org/officeDocument/2006/relationships" xmlns:p1510="http://schemas.microsoft.com/office/powerpoint/2015/10/main">
   <p1510:revLst>
-    <p1510:client id="{CF3E7ECF-B960-40AF-B4C7-DEE912BB0699}" v="7" dt="2024-12-13T06:59:28.172"/>
+    <p1510:client id="{CF3E7ECF-B960-40AF-B4C7-DEE912BB0699}" v="12" dt="2024-12-13T07:48:58.703"/>
   </p1510:revLst>
 </p1510:revInfo>
 </file>
@@ -132,7 +132,7 @@
   <pc:docChgLst>
     <pc:chgData name="谷　知紘(s21t317)" userId="a3db8153-261a-4ffb-baa1-abaad328fd73" providerId="ADAL" clId="{CF3E7ECF-B960-40AF-B4C7-DEE912BB0699}"/>
     <pc:docChg chg="undo redo custSel addSld delSld modSld">
-      <pc:chgData name="谷　知紘(s21t317)" userId="a3db8153-261a-4ffb-baa1-abaad328fd73" providerId="ADAL" clId="{CF3E7ECF-B960-40AF-B4C7-DEE912BB0699}" dt="2024-12-13T07:19:20.206" v="840" actId="478"/>
+      <pc:chgData name="谷　知紘(s21t317)" userId="a3db8153-261a-4ffb-baa1-abaad328fd73" providerId="ADAL" clId="{CF3E7ECF-B960-40AF-B4C7-DEE912BB0699}" dt="2024-12-13T07:51:25.124" v="904" actId="1076"/>
       <pc:docMkLst>
         <pc:docMk/>
       </pc:docMkLst>
@@ -427,12 +427,28 @@
           </ac:spMkLst>
         </pc:spChg>
       </pc:sldChg>
-      <pc:sldChg chg="delSp modSp add mod">
-        <pc:chgData name="谷　知紘(s21t317)" userId="a3db8153-261a-4ffb-baa1-abaad328fd73" providerId="ADAL" clId="{CF3E7ECF-B960-40AF-B4C7-DEE912BB0699}" dt="2024-12-13T07:19:20.206" v="840" actId="478"/>
+      <pc:sldChg chg="addSp delSp modSp add mod">
+        <pc:chgData name="谷　知紘(s21t317)" userId="a3db8153-261a-4ffb-baa1-abaad328fd73" providerId="ADAL" clId="{CF3E7ECF-B960-40AF-B4C7-DEE912BB0699}" dt="2024-12-13T07:51:25.124" v="904" actId="1076"/>
         <pc:sldMkLst>
           <pc:docMk/>
           <pc:sldMk cId="117810025" sldId="260"/>
         </pc:sldMkLst>
+        <pc:spChg chg="add mod">
+          <ac:chgData name="谷　知紘(s21t317)" userId="a3db8153-261a-4ffb-baa1-abaad328fd73" providerId="ADAL" clId="{CF3E7ECF-B960-40AF-B4C7-DEE912BB0699}" dt="2024-12-13T07:48:11.958" v="856" actId="1076"/>
+          <ac:spMkLst>
+            <pc:docMk/>
+            <pc:sldMk cId="117810025" sldId="260"/>
+            <ac:spMk id="2" creationId="{4248C635-E709-47EB-056D-45A5309C6245}"/>
+          </ac:spMkLst>
+        </pc:spChg>
+        <pc:spChg chg="add mod">
+          <ac:chgData name="谷　知紘(s21t317)" userId="a3db8153-261a-4ffb-baa1-abaad328fd73" providerId="ADAL" clId="{CF3E7ECF-B960-40AF-B4C7-DEE912BB0699}" dt="2024-12-13T07:48:08.866" v="855" actId="1076"/>
+          <ac:spMkLst>
+            <pc:docMk/>
+            <pc:sldMk cId="117810025" sldId="260"/>
+            <ac:spMk id="3" creationId="{2599B226-174F-7CCC-55D4-E7E114D9D8AD}"/>
+          </ac:spMkLst>
+        </pc:spChg>
         <pc:spChg chg="mod">
           <ac:chgData name="谷　知紘(s21t317)" userId="a3db8153-261a-4ffb-baa1-abaad328fd73" providerId="ADAL" clId="{CF3E7ECF-B960-40AF-B4C7-DEE912BB0699}" dt="2024-12-13T07:19:13.804" v="839"/>
           <ac:spMkLst>
@@ -449,12 +465,28 @@
             <ac:spMk id="5" creationId="{0B7A6DE8-0FAA-A9ED-0505-F9D33AA9CD77}"/>
           </ac:spMkLst>
         </pc:spChg>
+        <pc:spChg chg="add mod">
+          <ac:chgData name="谷　知紘(s21t317)" userId="a3db8153-261a-4ffb-baa1-abaad328fd73" providerId="ADAL" clId="{CF3E7ECF-B960-40AF-B4C7-DEE912BB0699}" dt="2024-12-13T07:48:14.644" v="857" actId="1076"/>
+          <ac:spMkLst>
+            <pc:docMk/>
+            <pc:sldMk cId="117810025" sldId="260"/>
+            <ac:spMk id="5" creationId="{A840EDA7-1040-9513-6B5C-A42180115C4B}"/>
+          </ac:spMkLst>
+        </pc:spChg>
         <pc:spChg chg="del">
           <ac:chgData name="谷　知紘(s21t317)" userId="a3db8153-261a-4ffb-baa1-abaad328fd73" providerId="ADAL" clId="{CF3E7ECF-B960-40AF-B4C7-DEE912BB0699}" dt="2024-12-13T07:19:20.206" v="840" actId="478"/>
           <ac:spMkLst>
             <pc:docMk/>
             <pc:sldMk cId="117810025" sldId="260"/>
             <ac:spMk id="6" creationId="{4C1B8B03-6A81-8304-7D35-2213647B44EC}"/>
+          </ac:spMkLst>
+        </pc:spChg>
+        <pc:spChg chg="add mod">
+          <ac:chgData name="谷　知紘(s21t317)" userId="a3db8153-261a-4ffb-baa1-abaad328fd73" providerId="ADAL" clId="{CF3E7ECF-B960-40AF-B4C7-DEE912BB0699}" dt="2024-12-13T07:48:17.206" v="858" actId="1076"/>
+          <ac:spMkLst>
+            <pc:docMk/>
+            <pc:sldMk cId="117810025" sldId="260"/>
+            <ac:spMk id="6" creationId="{965F20B3-E870-F660-8F4E-5FA2D239A0E1}"/>
           </ac:spMkLst>
         </pc:spChg>
         <pc:spChg chg="del">
@@ -465,12 +497,84 @@
             <ac:spMk id="7" creationId="{1CDEF0DE-6A14-3EE2-B23F-7A304356AFEF}"/>
           </ac:spMkLst>
         </pc:spChg>
+        <pc:spChg chg="add del mod">
+          <ac:chgData name="谷　知紘(s21t317)" userId="a3db8153-261a-4ffb-baa1-abaad328fd73" providerId="ADAL" clId="{CF3E7ECF-B960-40AF-B4C7-DEE912BB0699}" dt="2024-12-13T07:44:00.297" v="846" actId="478"/>
+          <ac:spMkLst>
+            <pc:docMk/>
+            <pc:sldMk cId="117810025" sldId="260"/>
+            <ac:spMk id="7" creationId="{EFB832F0-EC5E-0AF4-6A98-C25B12C924B6}"/>
+          </ac:spMkLst>
+        </pc:spChg>
+        <pc:spChg chg="add mod">
+          <ac:chgData name="谷　知紘(s21t317)" userId="a3db8153-261a-4ffb-baa1-abaad328fd73" providerId="ADAL" clId="{CF3E7ECF-B960-40AF-B4C7-DEE912BB0699}" dt="2024-12-13T07:51:25.124" v="904" actId="1076"/>
+          <ac:spMkLst>
+            <pc:docMk/>
+            <pc:sldMk cId="117810025" sldId="260"/>
+            <ac:spMk id="8" creationId="{B8B785CA-88B2-2747-44DD-4A4CAE753571}"/>
+          </ac:spMkLst>
+        </pc:spChg>
+        <pc:spChg chg="add del mod">
+          <ac:chgData name="谷　知紘(s21t317)" userId="a3db8153-261a-4ffb-baa1-abaad328fd73" providerId="ADAL" clId="{CF3E7ECF-B960-40AF-B4C7-DEE912BB0699}" dt="2024-12-13T07:44:00.297" v="846" actId="478"/>
+          <ac:spMkLst>
+            <pc:docMk/>
+            <pc:sldMk cId="117810025" sldId="260"/>
+            <ac:spMk id="9" creationId="{63B8EF76-A113-7969-C37E-CB16F9F63B6D}"/>
+          </ac:spMkLst>
+        </pc:spChg>
+        <pc:spChg chg="add mod">
+          <ac:chgData name="谷　知紘(s21t317)" userId="a3db8153-261a-4ffb-baa1-abaad328fd73" providerId="ADAL" clId="{CF3E7ECF-B960-40AF-B4C7-DEE912BB0699}" dt="2024-12-13T07:48:20.609" v="859" actId="1076"/>
+          <ac:spMkLst>
+            <pc:docMk/>
+            <pc:sldMk cId="117810025" sldId="260"/>
+            <ac:spMk id="10" creationId="{66FBDD28-E41C-FC35-608A-4505E6A94018}"/>
+          </ac:spMkLst>
+        </pc:spChg>
         <pc:spChg chg="del">
           <ac:chgData name="谷　知紘(s21t317)" userId="a3db8153-261a-4ffb-baa1-abaad328fd73" providerId="ADAL" clId="{CF3E7ECF-B960-40AF-B4C7-DEE912BB0699}" dt="2024-12-13T07:19:20.206" v="840" actId="478"/>
           <ac:spMkLst>
             <pc:docMk/>
             <pc:sldMk cId="117810025" sldId="260"/>
             <ac:spMk id="10" creationId="{D4A15D12-AC57-5941-7D16-B2961E461161}"/>
+          </ac:spMkLst>
+        </pc:spChg>
+        <pc:spChg chg="add mod">
+          <ac:chgData name="谷　知紘(s21t317)" userId="a3db8153-261a-4ffb-baa1-abaad328fd73" providerId="ADAL" clId="{CF3E7ECF-B960-40AF-B4C7-DEE912BB0699}" dt="2024-12-13T07:48:27.234" v="861" actId="1076"/>
+          <ac:spMkLst>
+            <pc:docMk/>
+            <pc:sldMk cId="117810025" sldId="260"/>
+            <ac:spMk id="11" creationId="{F97B7671-B12F-0FE4-0704-F18CA696AD01}"/>
+          </ac:spMkLst>
+        </pc:spChg>
+        <pc:spChg chg="add mod">
+          <ac:chgData name="谷　知紘(s21t317)" userId="a3db8153-261a-4ffb-baa1-abaad328fd73" providerId="ADAL" clId="{CF3E7ECF-B960-40AF-B4C7-DEE912BB0699}" dt="2024-12-13T07:48:46.944" v="864" actId="1076"/>
+          <ac:spMkLst>
+            <pc:docMk/>
+            <pc:sldMk cId="117810025" sldId="260"/>
+            <ac:spMk id="12" creationId="{80A09DB9-7D88-8A63-91D8-06789882FAB6}"/>
+          </ac:spMkLst>
+        </pc:spChg>
+        <pc:spChg chg="add mod">
+          <ac:chgData name="谷　知紘(s21t317)" userId="a3db8153-261a-4ffb-baa1-abaad328fd73" providerId="ADAL" clId="{CF3E7ECF-B960-40AF-B4C7-DEE912BB0699}" dt="2024-12-13T07:49:04.974" v="866" actId="1076"/>
+          <ac:spMkLst>
+            <pc:docMk/>
+            <pc:sldMk cId="117810025" sldId="260"/>
+            <ac:spMk id="13" creationId="{DCE41433-4B8E-73BE-EA06-3FF529629562}"/>
+          </ac:spMkLst>
+        </pc:spChg>
+        <pc:spChg chg="add mod">
+          <ac:chgData name="谷　知紘(s21t317)" userId="a3db8153-261a-4ffb-baa1-abaad328fd73" providerId="ADAL" clId="{CF3E7ECF-B960-40AF-B4C7-DEE912BB0699}" dt="2024-12-13T07:51:16.712" v="903" actId="1076"/>
+          <ac:spMkLst>
+            <pc:docMk/>
+            <pc:sldMk cId="117810025" sldId="260"/>
+            <ac:spMk id="14" creationId="{A3DE6DD8-0091-873D-463A-974780521FC6}"/>
+          </ac:spMkLst>
+        </pc:spChg>
+        <pc:spChg chg="add del">
+          <ac:chgData name="谷　知紘(s21t317)" userId="a3db8153-261a-4ffb-baa1-abaad328fd73" providerId="ADAL" clId="{CF3E7ECF-B960-40AF-B4C7-DEE912BB0699}" dt="2024-12-13T07:49:45.593" v="871" actId="22"/>
+          <ac:spMkLst>
+            <pc:docMk/>
+            <pc:sldMk cId="117810025" sldId="260"/>
+            <ac:spMk id="16" creationId="{ECD6D9F5-8D3B-AF42-2898-12AB0CFBD264}"/>
           </ac:spMkLst>
         </pc:spChg>
       </pc:sldChg>
@@ -6037,6 +6141,599 @@
               </a:rPr>
               <a:t>１．早口に注目した歌唱難易度</a:t>
             </a:r>
+          </a:p>
+        </p:txBody>
+      </p:sp>
+      <p:sp>
+        <p:nvSpPr>
+          <p:cNvPr id="2" name="テキスト ボックス 1">
+            <a:extLst>
+              <a:ext uri="{FF2B5EF4-FFF2-40B4-BE49-F238E27FC236}">
+                <a16:creationId xmlns:a16="http://schemas.microsoft.com/office/drawing/2014/main" id="{4248C635-E709-47EB-056D-45A5309C6245}"/>
+              </a:ext>
+            </a:extLst>
+          </p:cNvPr>
+          <p:cNvSpPr txBox="1"/>
+          <p:nvPr/>
+        </p:nvSpPr>
+        <p:spPr>
+          <a:xfrm>
+            <a:off x="905902" y="1911226"/>
+            <a:ext cx="5534209" cy="411075"/>
+          </a:xfrm>
+          <a:prstGeom prst="rect">
+            <a:avLst/>
+          </a:prstGeom>
+          <a:noFill/>
+        </p:spPr>
+        <p:txBody>
+          <a:bodyPr wrap="square" rtlCol="0">
+            <a:spAutoFit/>
+          </a:bodyPr>
+          <a:lstStyle/>
+          <a:p>
+            <a:pPr>
+              <a:lnSpc>
+                <a:spcPct val="110000"/>
+              </a:lnSpc>
+            </a:pPr>
+            <a:r>
+              <a:rPr kumimoji="1" lang="ja-JP" altLang="en-US" sz="2000" dirty="0">
+                <a:ea typeface="BIZ UDPゴシック" panose="020B0400000000000000" pitchFamily="50" charset="-128"/>
+              </a:rPr>
+              <a:t>「早口」＝「単位時間あたりの音素数が多い」</a:t>
+            </a:r>
+            <a:endParaRPr kumimoji="1" lang="en-US" altLang="ja-JP" sz="2000" dirty="0">
+              <a:ea typeface="BIZ UDPゴシック" panose="020B0400000000000000" pitchFamily="50" charset="-128"/>
+            </a:endParaRPr>
+          </a:p>
+        </p:txBody>
+      </p:sp>
+      <p:sp>
+        <p:nvSpPr>
+          <p:cNvPr id="3" name="テキスト ボックス 2">
+            <a:extLst>
+              <a:ext uri="{FF2B5EF4-FFF2-40B4-BE49-F238E27FC236}">
+                <a16:creationId xmlns:a16="http://schemas.microsoft.com/office/drawing/2014/main" id="{2599B226-174F-7CCC-55D4-E7E114D9D8AD}"/>
+              </a:ext>
+            </a:extLst>
+          </p:cNvPr>
+          <p:cNvSpPr txBox="1"/>
+          <p:nvPr/>
+        </p:nvSpPr>
+        <p:spPr>
+          <a:xfrm>
+            <a:off x="213479" y="1300732"/>
+            <a:ext cx="4065006" cy="474104"/>
+          </a:xfrm>
+          <a:prstGeom prst="rect">
+            <a:avLst/>
+          </a:prstGeom>
+          <a:noFill/>
+        </p:spPr>
+        <p:txBody>
+          <a:bodyPr wrap="square" rtlCol="0">
+            <a:spAutoFit/>
+          </a:bodyPr>
+          <a:lstStyle/>
+          <a:p>
+            <a:pPr>
+              <a:lnSpc>
+                <a:spcPct val="110000"/>
+              </a:lnSpc>
+            </a:pPr>
+            <a:r>
+              <a:rPr kumimoji="1" lang="ja-JP" altLang="en-US" sz="2400" b="1" dirty="0">
+                <a:ea typeface="BIZ UDPゴシック" panose="020B0400000000000000" pitchFamily="50" charset="-128"/>
+              </a:rPr>
+              <a:t>本研究における定義</a:t>
+            </a:r>
+          </a:p>
+        </p:txBody>
+      </p:sp>
+      <p:sp>
+        <p:nvSpPr>
+          <p:cNvPr id="5" name="テキスト ボックス 4">
+            <a:extLst>
+              <a:ext uri="{FF2B5EF4-FFF2-40B4-BE49-F238E27FC236}">
+                <a16:creationId xmlns:a16="http://schemas.microsoft.com/office/drawing/2014/main" id="{A840EDA7-1040-9513-6B5C-A42180115C4B}"/>
+              </a:ext>
+            </a:extLst>
+          </p:cNvPr>
+          <p:cNvSpPr txBox="1"/>
+          <p:nvPr/>
+        </p:nvSpPr>
+        <p:spPr>
+          <a:xfrm>
+            <a:off x="213479" y="2397364"/>
+            <a:ext cx="4572000" cy="474104"/>
+          </a:xfrm>
+          <a:prstGeom prst="rect">
+            <a:avLst/>
+          </a:prstGeom>
+          <a:noFill/>
+        </p:spPr>
+        <p:txBody>
+          <a:bodyPr wrap="square" rtlCol="0">
+            <a:spAutoFit/>
+          </a:bodyPr>
+          <a:lstStyle/>
+          <a:p>
+            <a:pPr>
+              <a:lnSpc>
+                <a:spcPct val="110000"/>
+              </a:lnSpc>
+            </a:pPr>
+            <a:r>
+              <a:rPr kumimoji="1" lang="ja-JP" altLang="en-US" sz="2400" b="1" dirty="0">
+                <a:ea typeface="BIZ UDPゴシック" panose="020B0400000000000000" pitchFamily="50" charset="-128"/>
+              </a:rPr>
+              <a:t>音素数の算出</a:t>
+            </a:r>
+          </a:p>
+        </p:txBody>
+      </p:sp>
+      <p:sp>
+        <p:nvSpPr>
+          <p:cNvPr id="6" name="テキスト ボックス 5">
+            <a:extLst>
+              <a:ext uri="{FF2B5EF4-FFF2-40B4-BE49-F238E27FC236}">
+                <a16:creationId xmlns:a16="http://schemas.microsoft.com/office/drawing/2014/main" id="{965F20B3-E870-F660-8F4E-5FA2D239A0E1}"/>
+              </a:ext>
+            </a:extLst>
+          </p:cNvPr>
+          <p:cNvSpPr txBox="1"/>
+          <p:nvPr/>
+        </p:nvSpPr>
+        <p:spPr>
+          <a:xfrm>
+            <a:off x="904593" y="3029084"/>
+            <a:ext cx="7697145" cy="749629"/>
+          </a:xfrm>
+          <a:prstGeom prst="rect">
+            <a:avLst/>
+          </a:prstGeom>
+          <a:noFill/>
+        </p:spPr>
+        <p:txBody>
+          <a:bodyPr wrap="square" rtlCol="0">
+            <a:spAutoFit/>
+          </a:bodyPr>
+          <a:lstStyle/>
+          <a:p>
+            <a:pPr>
+              <a:lnSpc>
+                <a:spcPct val="110000"/>
+              </a:lnSpc>
+            </a:pPr>
+            <a:r>
+              <a:rPr kumimoji="1" lang="ja-JP" altLang="en-US" sz="2000" dirty="0">
+                <a:ea typeface="BIZ UDPゴシック" panose="020B0400000000000000" pitchFamily="50" charset="-128"/>
+              </a:rPr>
+              <a:t>ローマ字変換済みの歌詞を使用</a:t>
+            </a:r>
+            <a:endParaRPr kumimoji="1" lang="en-US" altLang="ja-JP" sz="2000" dirty="0">
+              <a:ea typeface="BIZ UDPゴシック" panose="020B0400000000000000" pitchFamily="50" charset="-128"/>
+            </a:endParaRPr>
+          </a:p>
+          <a:p>
+            <a:pPr>
+              <a:lnSpc>
+                <a:spcPct val="110000"/>
+              </a:lnSpc>
+            </a:pPr>
+            <a:r>
+              <a:rPr kumimoji="1" lang="ja-JP" altLang="en-US" sz="2000" dirty="0">
+                <a:ea typeface="BIZ UDPゴシック" panose="020B0400000000000000" pitchFamily="50" charset="-128"/>
+              </a:rPr>
+              <a:t>歌詞中に登場するアルファベット数を</a:t>
+            </a:r>
+            <a:r>
+              <a:rPr kumimoji="1" lang="ja-JP" altLang="en-US" sz="2000" dirty="0">
+                <a:solidFill>
+                  <a:srgbClr val="FF0000"/>
+                </a:solidFill>
+                <a:ea typeface="BIZ UDPゴシック" panose="020B0400000000000000" pitchFamily="50" charset="-128"/>
+              </a:rPr>
+              <a:t>疑似音素数</a:t>
+            </a:r>
+            <a:r>
+              <a:rPr kumimoji="1" lang="ja-JP" altLang="en-US" sz="2000" dirty="0">
+                <a:ea typeface="BIZ UDPゴシック" panose="020B0400000000000000" pitchFamily="50" charset="-128"/>
+              </a:rPr>
+              <a:t>としてカウント</a:t>
+            </a:r>
+          </a:p>
+        </p:txBody>
+      </p:sp>
+      <p:sp>
+        <p:nvSpPr>
+          <p:cNvPr id="8" name="楕円 7">
+            <a:extLst>
+              <a:ext uri="{FF2B5EF4-FFF2-40B4-BE49-F238E27FC236}">
+                <a16:creationId xmlns:a16="http://schemas.microsoft.com/office/drawing/2014/main" id="{B8B785CA-88B2-2747-44DD-4A4CAE753571}"/>
+              </a:ext>
+            </a:extLst>
+          </p:cNvPr>
+          <p:cNvSpPr/>
+          <p:nvPr/>
+        </p:nvSpPr>
+        <p:spPr>
+          <a:xfrm>
+            <a:off x="8432129" y="1442267"/>
+            <a:ext cx="3251044" cy="1436559"/>
+          </a:xfrm>
+          <a:prstGeom prst="ellipse">
+            <a:avLst/>
+          </a:prstGeom>
+        </p:spPr>
+        <p:style>
+          <a:lnRef idx="2">
+            <a:schemeClr val="accent1">
+              <a:shade val="15000"/>
+            </a:schemeClr>
+          </a:lnRef>
+          <a:fillRef idx="1">
+            <a:schemeClr val="accent1"/>
+          </a:fillRef>
+          <a:effectRef idx="0">
+            <a:schemeClr val="accent1"/>
+          </a:effectRef>
+          <a:fontRef idx="minor">
+            <a:schemeClr val="lt1"/>
+          </a:fontRef>
+        </p:style>
+        <p:txBody>
+          <a:bodyPr rtlCol="0" anchor="ctr"/>
+          <a:lstStyle/>
+          <a:p>
+            <a:pPr>
+              <a:lnSpc>
+                <a:spcPct val="110000"/>
+              </a:lnSpc>
+            </a:pPr>
+            <a:r>
+              <a:rPr kumimoji="1" lang="ja-JP" altLang="en-US" dirty="0">
+                <a:latin typeface="BIZ UDPゴシック" panose="020B0400000000000000" pitchFamily="50" charset="-128"/>
+                <a:ea typeface="BIZ UDPゴシック" panose="020B0400000000000000" pitchFamily="50" charset="-128"/>
+              </a:rPr>
+              <a:t>「音素」</a:t>
+            </a:r>
+            <a:endParaRPr kumimoji="1" lang="en-US" altLang="ja-JP" dirty="0">
+              <a:latin typeface="BIZ UDPゴシック" panose="020B0400000000000000" pitchFamily="50" charset="-128"/>
+              <a:ea typeface="BIZ UDPゴシック" panose="020B0400000000000000" pitchFamily="50" charset="-128"/>
+            </a:endParaRPr>
+          </a:p>
+          <a:p>
+            <a:pPr>
+              <a:lnSpc>
+                <a:spcPct val="110000"/>
+              </a:lnSpc>
+            </a:pPr>
+            <a:r>
+              <a:rPr kumimoji="1" lang="ja-JP" altLang="en-US" dirty="0">
+                <a:latin typeface="BIZ UDPゴシック" panose="020B0400000000000000" pitchFamily="50" charset="-128"/>
+                <a:ea typeface="BIZ UDPゴシック" panose="020B0400000000000000" pitchFamily="50" charset="-128"/>
+              </a:rPr>
+              <a:t>意味の違いに関わる</a:t>
+            </a:r>
+            <a:endParaRPr kumimoji="1" lang="en-US" altLang="ja-JP" dirty="0">
+              <a:latin typeface="BIZ UDPゴシック" panose="020B0400000000000000" pitchFamily="50" charset="-128"/>
+              <a:ea typeface="BIZ UDPゴシック" panose="020B0400000000000000" pitchFamily="50" charset="-128"/>
+            </a:endParaRPr>
+          </a:p>
+          <a:p>
+            <a:pPr>
+              <a:lnSpc>
+                <a:spcPct val="110000"/>
+              </a:lnSpc>
+            </a:pPr>
+            <a:r>
+              <a:rPr kumimoji="1" lang="ja-JP" altLang="en-US" dirty="0">
+                <a:latin typeface="BIZ UDPゴシック" panose="020B0400000000000000" pitchFamily="50" charset="-128"/>
+                <a:ea typeface="BIZ UDPゴシック" panose="020B0400000000000000" pitchFamily="50" charset="-128"/>
+              </a:rPr>
+              <a:t>最小の音の単位</a:t>
+            </a:r>
+          </a:p>
+        </p:txBody>
+      </p:sp>
+      <p:sp>
+        <p:nvSpPr>
+          <p:cNvPr id="10" name="テキスト ボックス 9">
+            <a:extLst>
+              <a:ext uri="{FF2B5EF4-FFF2-40B4-BE49-F238E27FC236}">
+                <a16:creationId xmlns:a16="http://schemas.microsoft.com/office/drawing/2014/main" id="{66FBDD28-E41C-FC35-608A-4505E6A94018}"/>
+              </a:ext>
+            </a:extLst>
+          </p:cNvPr>
+          <p:cNvSpPr txBox="1"/>
+          <p:nvPr/>
+        </p:nvSpPr>
+        <p:spPr>
+          <a:xfrm>
+            <a:off x="213479" y="3986533"/>
+            <a:ext cx="4065006" cy="461665"/>
+          </a:xfrm>
+          <a:prstGeom prst="rect">
+            <a:avLst/>
+          </a:prstGeom>
+          <a:noFill/>
+        </p:spPr>
+        <p:txBody>
+          <a:bodyPr wrap="square" rtlCol="0">
+            <a:spAutoFit/>
+          </a:bodyPr>
+          <a:lstStyle/>
+          <a:p>
+            <a:r>
+              <a:rPr kumimoji="1" lang="ja-JP" altLang="en-US" sz="2400" b="1" dirty="0"/>
+              <a:t>単位時間の基準</a:t>
+            </a:r>
+          </a:p>
+        </p:txBody>
+      </p:sp>
+      <p:sp>
+        <p:nvSpPr>
+          <p:cNvPr id="11" name="テキスト ボックス 10">
+            <a:extLst>
+              <a:ext uri="{FF2B5EF4-FFF2-40B4-BE49-F238E27FC236}">
+                <a16:creationId xmlns:a16="http://schemas.microsoft.com/office/drawing/2014/main" id="{F97B7671-B12F-0FE4-0704-F18CA696AD01}"/>
+              </a:ext>
+            </a:extLst>
+          </p:cNvPr>
+          <p:cNvSpPr txBox="1"/>
+          <p:nvPr/>
+        </p:nvSpPr>
+        <p:spPr>
+          <a:xfrm>
+            <a:off x="904593" y="4656018"/>
+            <a:ext cx="7785980" cy="400110"/>
+          </a:xfrm>
+          <a:prstGeom prst="rect">
+            <a:avLst/>
+          </a:prstGeom>
+          <a:noFill/>
+        </p:spPr>
+        <p:txBody>
+          <a:bodyPr wrap="square" rtlCol="0">
+            <a:spAutoFit/>
+          </a:bodyPr>
+          <a:lstStyle/>
+          <a:p>
+            <a:r>
+              <a:rPr kumimoji="1" lang="en-US" altLang="ja-JP" sz="2000" dirty="0">
+                <a:latin typeface="BIZ UDPゴシック" panose="020B0400000000000000" pitchFamily="50" charset="-128"/>
+                <a:ea typeface="BIZ UDPゴシック" panose="020B0400000000000000" pitchFamily="50" charset="-128"/>
+              </a:rPr>
+              <a:t>1</a:t>
+            </a:r>
+            <a:r>
+              <a:rPr kumimoji="1" lang="ja-JP" altLang="en-US" sz="2000" dirty="0">
+                <a:latin typeface="BIZ UDPゴシック" panose="020B0400000000000000" pitchFamily="50" charset="-128"/>
+                <a:ea typeface="BIZ UDPゴシック" panose="020B0400000000000000" pitchFamily="50" charset="-128"/>
+              </a:rPr>
+              <a:t>分間における拍の数を表す</a:t>
+            </a:r>
+            <a:r>
+              <a:rPr kumimoji="1" lang="en-US" altLang="ja-JP" sz="2000" dirty="0">
+                <a:latin typeface="BIZ UDPゴシック" panose="020B0400000000000000" pitchFamily="50" charset="-128"/>
+                <a:ea typeface="BIZ UDPゴシック" panose="020B0400000000000000" pitchFamily="50" charset="-128"/>
+              </a:rPr>
+              <a:t>BPM(Beats Per Minute)</a:t>
+            </a:r>
+            <a:r>
+              <a:rPr kumimoji="1" lang="ja-JP" altLang="en-US" sz="2000" dirty="0">
+                <a:latin typeface="BIZ UDPゴシック" panose="020B0400000000000000" pitchFamily="50" charset="-128"/>
+                <a:ea typeface="BIZ UDPゴシック" panose="020B0400000000000000" pitchFamily="50" charset="-128"/>
+              </a:rPr>
+              <a:t>を採用</a:t>
+            </a:r>
+            <a:endParaRPr kumimoji="1" lang="en-US" altLang="ja-JP" sz="2000" dirty="0">
+              <a:latin typeface="BIZ UDPゴシック" panose="020B0400000000000000" pitchFamily="50" charset="-128"/>
+              <a:ea typeface="BIZ UDPゴシック" panose="020B0400000000000000" pitchFamily="50" charset="-128"/>
+            </a:endParaRPr>
+          </a:p>
+        </p:txBody>
+      </p:sp>
+      <p:sp>
+        <p:nvSpPr>
+          <p:cNvPr id="12" name="テキスト ボックス 11">
+            <a:extLst>
+              <a:ext uri="{FF2B5EF4-FFF2-40B4-BE49-F238E27FC236}">
+                <a16:creationId xmlns:a16="http://schemas.microsoft.com/office/drawing/2014/main" id="{80A09DB9-7D88-8A63-91D8-06789882FAB6}"/>
+              </a:ext>
+            </a:extLst>
+          </p:cNvPr>
+          <p:cNvSpPr txBox="1"/>
+          <p:nvPr/>
+        </p:nvSpPr>
+        <p:spPr>
+          <a:xfrm>
+            <a:off x="213479" y="5263948"/>
+            <a:ext cx="6068370" cy="461665"/>
+          </a:xfrm>
+          <a:prstGeom prst="rect">
+            <a:avLst/>
+          </a:prstGeom>
+          <a:noFill/>
+        </p:spPr>
+        <p:txBody>
+          <a:bodyPr wrap="square" rtlCol="0">
+            <a:spAutoFit/>
+          </a:bodyPr>
+          <a:lstStyle/>
+          <a:p>
+            <a:r>
+              <a:rPr kumimoji="1" lang="ja-JP" altLang="en-US" sz="2400" b="1" dirty="0"/>
+              <a:t>歌唱難易度の定義</a:t>
+            </a:r>
+          </a:p>
+        </p:txBody>
+      </p:sp>
+      <p:sp>
+        <p:nvSpPr>
+          <p:cNvPr id="13" name="テキスト ボックス 12">
+            <a:extLst>
+              <a:ext uri="{FF2B5EF4-FFF2-40B4-BE49-F238E27FC236}">
+                <a16:creationId xmlns:a16="http://schemas.microsoft.com/office/drawing/2014/main" id="{DCE41433-4B8E-73BE-EA06-3FF529629562}"/>
+              </a:ext>
+            </a:extLst>
+          </p:cNvPr>
+          <p:cNvSpPr txBox="1"/>
+          <p:nvPr/>
+        </p:nvSpPr>
+        <p:spPr>
+          <a:xfrm>
+            <a:off x="1994401" y="5811413"/>
+            <a:ext cx="6607337" cy="584775"/>
+          </a:xfrm>
+          <a:prstGeom prst="rect">
+            <a:avLst/>
+          </a:prstGeom>
+          <a:noFill/>
+        </p:spPr>
+        <p:txBody>
+          <a:bodyPr wrap="square" rtlCol="0">
+            <a:spAutoFit/>
+          </a:bodyPr>
+          <a:lstStyle/>
+          <a:p>
+            <a:r>
+              <a:rPr kumimoji="1" lang="ja-JP" altLang="en-US" sz="3200" b="1" dirty="0">
+                <a:latin typeface="BIZ UDPゴシック" panose="020B0400000000000000" pitchFamily="50" charset="-128"/>
+                <a:ea typeface="BIZ UDPゴシック" panose="020B0400000000000000" pitchFamily="50" charset="-128"/>
+              </a:rPr>
+              <a:t>歌唱難易度＝</a:t>
+            </a:r>
+            <a:r>
+              <a:rPr kumimoji="1" lang="en-US" altLang="ja-JP" sz="3200" b="1" dirty="0">
+                <a:latin typeface="BIZ UDPゴシック" panose="020B0400000000000000" pitchFamily="50" charset="-128"/>
+                <a:ea typeface="BIZ UDPゴシック" panose="020B0400000000000000" pitchFamily="50" charset="-128"/>
+              </a:rPr>
+              <a:t>BPM×</a:t>
+            </a:r>
+            <a:r>
+              <a:rPr kumimoji="1" lang="ja-JP" altLang="en-US" sz="3200" b="1" dirty="0">
+                <a:latin typeface="BIZ UDPゴシック" panose="020B0400000000000000" pitchFamily="50" charset="-128"/>
+                <a:ea typeface="BIZ UDPゴシック" panose="020B0400000000000000" pitchFamily="50" charset="-128"/>
+              </a:rPr>
+              <a:t>疑似音素数</a:t>
+            </a:r>
+          </a:p>
+        </p:txBody>
+      </p:sp>
+      <p:sp>
+        <p:nvSpPr>
+          <p:cNvPr id="14" name="四角形: 角を丸くする 13">
+            <a:extLst>
+              <a:ext uri="{FF2B5EF4-FFF2-40B4-BE49-F238E27FC236}">
+                <a16:creationId xmlns:a16="http://schemas.microsoft.com/office/drawing/2014/main" id="{A3DE6DD8-0091-873D-463A-974780521FC6}"/>
+              </a:ext>
+            </a:extLst>
+          </p:cNvPr>
+          <p:cNvSpPr/>
+          <p:nvPr/>
+        </p:nvSpPr>
+        <p:spPr>
+          <a:xfrm>
+            <a:off x="8432129" y="3472234"/>
+            <a:ext cx="3590262" cy="2923954"/>
+          </a:xfrm>
+          <a:prstGeom prst="roundRect">
+            <a:avLst/>
+          </a:prstGeom>
+          <a:noFill/>
+          <a:ln w="38100">
+            <a:solidFill>
+              <a:schemeClr val="accent1">
+                <a:lumMod val="60000"/>
+                <a:lumOff val="40000"/>
+              </a:schemeClr>
+            </a:solidFill>
+          </a:ln>
+        </p:spPr>
+        <p:style>
+          <a:lnRef idx="2">
+            <a:schemeClr val="accent6"/>
+          </a:lnRef>
+          <a:fillRef idx="1">
+            <a:schemeClr val="lt1"/>
+          </a:fillRef>
+          <a:effectRef idx="0">
+            <a:schemeClr val="accent6"/>
+          </a:effectRef>
+          <a:fontRef idx="minor">
+            <a:schemeClr val="dk1"/>
+          </a:fontRef>
+        </p:style>
+        <p:txBody>
+          <a:bodyPr rtlCol="0" anchor="ctr"/>
+          <a:lstStyle/>
+          <a:p>
+            <a:pPr>
+              <a:lnSpc>
+                <a:spcPct val="110000"/>
+              </a:lnSpc>
+            </a:pPr>
+            <a:r>
+              <a:rPr lang="en-US" altLang="ja-JP" sz="2400" dirty="0">
+                <a:latin typeface="BIZ UDPゴシック" panose="020B0400000000000000" pitchFamily="50" charset="-128"/>
+                <a:ea typeface="BIZ UDPゴシック" panose="020B0400000000000000" pitchFamily="50" charset="-128"/>
+              </a:rPr>
+              <a:t>【</a:t>
+            </a:r>
+            <a:r>
+              <a:rPr kumimoji="1" lang="ja-JP" altLang="en-US" sz="2400" dirty="0">
+                <a:latin typeface="BIZ UDPゴシック" panose="020B0400000000000000" pitchFamily="50" charset="-128"/>
+                <a:ea typeface="BIZ UDPゴシック" panose="020B0400000000000000" pitchFamily="50" charset="-128"/>
+              </a:rPr>
+              <a:t>仮定</a:t>
+            </a:r>
+            <a:r>
+              <a:rPr lang="en-US" altLang="ja-JP" sz="2400" dirty="0">
+                <a:latin typeface="BIZ UDPゴシック" panose="020B0400000000000000" pitchFamily="50" charset="-128"/>
+                <a:ea typeface="BIZ UDPゴシック" panose="020B0400000000000000" pitchFamily="50" charset="-128"/>
+              </a:rPr>
+              <a:t>】</a:t>
+            </a:r>
+            <a:endParaRPr kumimoji="1" lang="en-US" altLang="ja-JP" sz="2400" dirty="0">
+              <a:latin typeface="BIZ UDPゴシック" panose="020B0400000000000000" pitchFamily="50" charset="-128"/>
+              <a:ea typeface="BIZ UDPゴシック" panose="020B0400000000000000" pitchFamily="50" charset="-128"/>
+            </a:endParaRPr>
+          </a:p>
+          <a:p>
+            <a:pPr>
+              <a:lnSpc>
+                <a:spcPct val="110000"/>
+              </a:lnSpc>
+            </a:pPr>
+            <a:r>
+              <a:rPr kumimoji="1" lang="ja-JP" altLang="en-US" sz="2400" dirty="0">
+                <a:latin typeface="BIZ UDPゴシック" panose="020B0400000000000000" pitchFamily="50" charset="-128"/>
+                <a:ea typeface="BIZ UDPゴシック" panose="020B0400000000000000" pitchFamily="50" charset="-128"/>
+              </a:rPr>
+              <a:t>単位時間あたりの</a:t>
+            </a:r>
+            <a:endParaRPr kumimoji="1" lang="en-US" altLang="ja-JP" sz="2400" dirty="0">
+              <a:latin typeface="BIZ UDPゴシック" panose="020B0400000000000000" pitchFamily="50" charset="-128"/>
+              <a:ea typeface="BIZ UDPゴシック" panose="020B0400000000000000" pitchFamily="50" charset="-128"/>
+            </a:endParaRPr>
+          </a:p>
+          <a:p>
+            <a:pPr>
+              <a:lnSpc>
+                <a:spcPct val="110000"/>
+              </a:lnSpc>
+            </a:pPr>
+            <a:r>
+              <a:rPr kumimoji="1" lang="ja-JP" altLang="en-US" sz="2400" dirty="0">
+                <a:latin typeface="BIZ UDPゴシック" panose="020B0400000000000000" pitchFamily="50" charset="-128"/>
+                <a:ea typeface="BIZ UDPゴシック" panose="020B0400000000000000" pitchFamily="50" charset="-128"/>
+              </a:rPr>
+              <a:t>疑似音素数が多いほど歌唱難易度が上がる</a:t>
+            </a:r>
+            <a:endParaRPr kumimoji="1" lang="ja-JP" altLang="en-US" dirty="0"/>
           </a:p>
         </p:txBody>
       </p:sp>

--- a/年末発表.pptx
+++ b/年末発表.pptx
@@ -5,7 +5,7 @@
     <p:sldMasterId id="2147483648" r:id="rId1"/>
   </p:sldMasterIdLst>
   <p:notesMasterIdLst>
-    <p:notesMasterId r:id="rId7"/>
+    <p:notesMasterId r:id="rId13"/>
   </p:notesMasterIdLst>
   <p:sldIdLst>
     <p:sldId id="256" r:id="rId2"/>
@@ -13,6 +13,12 @@
     <p:sldId id="258" r:id="rId4"/>
     <p:sldId id="259" r:id="rId5"/>
     <p:sldId id="260" r:id="rId6"/>
+    <p:sldId id="261" r:id="rId7"/>
+    <p:sldId id="262" r:id="rId8"/>
+    <p:sldId id="264" r:id="rId9"/>
+    <p:sldId id="265" r:id="rId10"/>
+    <p:sldId id="266" r:id="rId11"/>
+    <p:sldId id="267" r:id="rId12"/>
   </p:sldIdLst>
   <p:sldSz cx="12192000" cy="6858000"/>
   <p:notesSz cx="6858000" cy="9144000"/>
@@ -122,7 +128,7 @@
 <file path=ppt/revisionInfo.xml><?xml version="1.0" encoding="utf-8"?>
 <p1510:revInfo xmlns:a="http://schemas.openxmlformats.org/drawingml/2006/main" xmlns:r="http://schemas.openxmlformats.org/officeDocument/2006/relationships" xmlns:p1510="http://schemas.microsoft.com/office/powerpoint/2015/10/main">
   <p1510:revLst>
-    <p1510:client id="{CF3E7ECF-B960-40AF-B4C7-DEE912BB0699}" v="12" dt="2024-12-13T07:48:58.703"/>
+    <p1510:client id="{CF3E7ECF-B960-40AF-B4C7-DEE912BB0699}" v="49" dt="2024-12-16T10:37:53.945"/>
   </p1510:revLst>
 </p1510:revInfo>
 </file>
@@ -131,8 +137,8 @@
 <pc:chgInfo xmlns:a="http://schemas.openxmlformats.org/drawingml/2006/main" xmlns:r="http://schemas.openxmlformats.org/officeDocument/2006/relationships" xmlns:ac="http://schemas.microsoft.com/office/drawing/2013/main/command" xmlns:pc="http://schemas.microsoft.com/office/powerpoint/2013/main/command">
   <pc:docChgLst>
     <pc:chgData name="谷　知紘(s21t317)" userId="a3db8153-261a-4ffb-baa1-abaad328fd73" providerId="ADAL" clId="{CF3E7ECF-B960-40AF-B4C7-DEE912BB0699}"/>
-    <pc:docChg chg="undo redo custSel addSld delSld modSld">
-      <pc:chgData name="谷　知紘(s21t317)" userId="a3db8153-261a-4ffb-baa1-abaad328fd73" providerId="ADAL" clId="{CF3E7ECF-B960-40AF-B4C7-DEE912BB0699}" dt="2024-12-13T07:51:25.124" v="904" actId="1076"/>
+    <pc:docChg chg="undo redo custSel addSld delSld modSld sldOrd">
+      <pc:chgData name="谷　知紘(s21t317)" userId="a3db8153-261a-4ffb-baa1-abaad328fd73" providerId="ADAL" clId="{CF3E7ECF-B960-40AF-B4C7-DEE912BB0699}" dt="2024-12-16T10:38:05.760" v="3498" actId="2696"/>
       <pc:docMkLst>
         <pc:docMk/>
       </pc:docMkLst>
@@ -428,7 +434,7 @@
         </pc:spChg>
       </pc:sldChg>
       <pc:sldChg chg="addSp delSp modSp add mod">
-        <pc:chgData name="谷　知紘(s21t317)" userId="a3db8153-261a-4ffb-baa1-abaad328fd73" providerId="ADAL" clId="{CF3E7ECF-B960-40AF-B4C7-DEE912BB0699}" dt="2024-12-13T07:51:25.124" v="904" actId="1076"/>
+        <pc:chgData name="谷　知紘(s21t317)" userId="a3db8153-261a-4ffb-baa1-abaad328fd73" providerId="ADAL" clId="{CF3E7ECF-B960-40AF-B4C7-DEE912BB0699}" dt="2024-12-15T12:58:14.164" v="1167" actId="20577"/>
         <pc:sldMkLst>
           <pc:docMk/>
           <pc:sldMk cId="117810025" sldId="260"/>
@@ -442,7 +448,7 @@
           </ac:spMkLst>
         </pc:spChg>
         <pc:spChg chg="add mod">
-          <ac:chgData name="谷　知紘(s21t317)" userId="a3db8153-261a-4ffb-baa1-abaad328fd73" providerId="ADAL" clId="{CF3E7ECF-B960-40AF-B4C7-DEE912BB0699}" dt="2024-12-13T07:48:08.866" v="855" actId="1076"/>
+          <ac:chgData name="谷　知紘(s21t317)" userId="a3db8153-261a-4ffb-baa1-abaad328fd73" providerId="ADAL" clId="{CF3E7ECF-B960-40AF-B4C7-DEE912BB0699}" dt="2024-12-15T12:58:14.164" v="1167" actId="20577"/>
           <ac:spMkLst>
             <pc:docMk/>
             <pc:sldMk cId="117810025" sldId="260"/>
@@ -578,9 +584,2461 @@
           </ac:spMkLst>
         </pc:spChg>
       </pc:sldChg>
+      <pc:sldChg chg="addSp delSp modSp add mod">
+        <pc:chgData name="谷　知紘(s21t317)" userId="a3db8153-261a-4ffb-baa1-abaad328fd73" providerId="ADAL" clId="{CF3E7ECF-B960-40AF-B4C7-DEE912BB0699}" dt="2024-12-16T08:48:16.801" v="1914" actId="1076"/>
+        <pc:sldMkLst>
+          <pc:docMk/>
+          <pc:sldMk cId="1122583501" sldId="261"/>
+        </pc:sldMkLst>
+        <pc:spChg chg="del">
+          <ac:chgData name="谷　知紘(s21t317)" userId="a3db8153-261a-4ffb-baa1-abaad328fd73" providerId="ADAL" clId="{CF3E7ECF-B960-40AF-B4C7-DEE912BB0699}" dt="2024-12-14T05:41:35.043" v="906" actId="478"/>
+          <ac:spMkLst>
+            <pc:docMk/>
+            <pc:sldMk cId="1122583501" sldId="261"/>
+            <ac:spMk id="2" creationId="{2B25A6AC-075D-5BC8-E24D-0B67415A3159}"/>
+          </ac:spMkLst>
+        </pc:spChg>
+        <pc:spChg chg="del">
+          <ac:chgData name="谷　知紘(s21t317)" userId="a3db8153-261a-4ffb-baa1-abaad328fd73" providerId="ADAL" clId="{CF3E7ECF-B960-40AF-B4C7-DEE912BB0699}" dt="2024-12-14T05:41:35.043" v="906" actId="478"/>
+          <ac:spMkLst>
+            <pc:docMk/>
+            <pc:sldMk cId="1122583501" sldId="261"/>
+            <ac:spMk id="3" creationId="{4A950A21-0E63-9F1C-516C-523BA8F932C0}"/>
+          </ac:spMkLst>
+        </pc:spChg>
+        <pc:spChg chg="mod">
+          <ac:chgData name="谷　知紘(s21t317)" userId="a3db8153-261a-4ffb-baa1-abaad328fd73" providerId="ADAL" clId="{CF3E7ECF-B960-40AF-B4C7-DEE912BB0699}" dt="2024-12-14T05:42:59.579" v="944" actId="20577"/>
+          <ac:spMkLst>
+            <pc:docMk/>
+            <pc:sldMk cId="1122583501" sldId="261"/>
+            <ac:spMk id="4" creationId="{DDFBCFE8-8909-71D8-6B34-D8A06A8271EA}"/>
+          </ac:spMkLst>
+        </pc:spChg>
+        <pc:spChg chg="del">
+          <ac:chgData name="谷　知紘(s21t317)" userId="a3db8153-261a-4ffb-baa1-abaad328fd73" providerId="ADAL" clId="{CF3E7ECF-B960-40AF-B4C7-DEE912BB0699}" dt="2024-12-14T05:41:35.043" v="906" actId="478"/>
+          <ac:spMkLst>
+            <pc:docMk/>
+            <pc:sldMk cId="1122583501" sldId="261"/>
+            <ac:spMk id="5" creationId="{1D0F5831-B550-1A83-A0C7-D6A3C2474D18}"/>
+          </ac:spMkLst>
+        </pc:spChg>
+        <pc:spChg chg="del">
+          <ac:chgData name="谷　知紘(s21t317)" userId="a3db8153-261a-4ffb-baa1-abaad328fd73" providerId="ADAL" clId="{CF3E7ECF-B960-40AF-B4C7-DEE912BB0699}" dt="2024-12-14T05:41:35.043" v="906" actId="478"/>
+          <ac:spMkLst>
+            <pc:docMk/>
+            <pc:sldMk cId="1122583501" sldId="261"/>
+            <ac:spMk id="6" creationId="{756E0A07-2233-35CF-802A-E676B1746956}"/>
+          </ac:spMkLst>
+        </pc:spChg>
+        <pc:spChg chg="add mod">
+          <ac:chgData name="谷　知紘(s21t317)" userId="a3db8153-261a-4ffb-baa1-abaad328fd73" providerId="ADAL" clId="{CF3E7ECF-B960-40AF-B4C7-DEE912BB0699}" dt="2024-12-15T13:00:44.856" v="1352" actId="2711"/>
+          <ac:spMkLst>
+            <pc:docMk/>
+            <pc:sldMk cId="1122583501" sldId="261"/>
+            <ac:spMk id="7" creationId="{23BD6EAD-66D6-61D3-B481-0556279AE64D}"/>
+          </ac:spMkLst>
+        </pc:spChg>
+        <pc:spChg chg="del">
+          <ac:chgData name="谷　知紘(s21t317)" userId="a3db8153-261a-4ffb-baa1-abaad328fd73" providerId="ADAL" clId="{CF3E7ECF-B960-40AF-B4C7-DEE912BB0699}" dt="2024-12-14T05:41:35.043" v="906" actId="478"/>
+          <ac:spMkLst>
+            <pc:docMk/>
+            <pc:sldMk cId="1122583501" sldId="261"/>
+            <ac:spMk id="8" creationId="{E16145B0-0C7D-7714-ACE2-650C57B5A4E5}"/>
+          </ac:spMkLst>
+        </pc:spChg>
+        <pc:spChg chg="add mod">
+          <ac:chgData name="谷　知紘(s21t317)" userId="a3db8153-261a-4ffb-baa1-abaad328fd73" providerId="ADAL" clId="{CF3E7ECF-B960-40AF-B4C7-DEE912BB0699}" dt="2024-12-14T05:46:04.507" v="966" actId="1076"/>
+          <ac:spMkLst>
+            <pc:docMk/>
+            <pc:sldMk cId="1122583501" sldId="261"/>
+            <ac:spMk id="9" creationId="{A7A04C6A-12A4-6402-1F89-7ACF7C961C12}"/>
+          </ac:spMkLst>
+        </pc:spChg>
+        <pc:spChg chg="del">
+          <ac:chgData name="谷　知紘(s21t317)" userId="a3db8153-261a-4ffb-baa1-abaad328fd73" providerId="ADAL" clId="{CF3E7ECF-B960-40AF-B4C7-DEE912BB0699}" dt="2024-12-14T05:41:35.043" v="906" actId="478"/>
+          <ac:spMkLst>
+            <pc:docMk/>
+            <pc:sldMk cId="1122583501" sldId="261"/>
+            <ac:spMk id="10" creationId="{83329940-12D9-700B-1064-C381380517EC}"/>
+          </ac:spMkLst>
+        </pc:spChg>
+        <pc:spChg chg="del">
+          <ac:chgData name="谷　知紘(s21t317)" userId="a3db8153-261a-4ffb-baa1-abaad328fd73" providerId="ADAL" clId="{CF3E7ECF-B960-40AF-B4C7-DEE912BB0699}" dt="2024-12-14T05:41:35.043" v="906" actId="478"/>
+          <ac:spMkLst>
+            <pc:docMk/>
+            <pc:sldMk cId="1122583501" sldId="261"/>
+            <ac:spMk id="11" creationId="{574DB439-BD21-82FB-45CD-C64AC81D488A}"/>
+          </ac:spMkLst>
+        </pc:spChg>
+        <pc:spChg chg="del">
+          <ac:chgData name="谷　知紘(s21t317)" userId="a3db8153-261a-4ffb-baa1-abaad328fd73" providerId="ADAL" clId="{CF3E7ECF-B960-40AF-B4C7-DEE912BB0699}" dt="2024-12-14T05:41:35.043" v="906" actId="478"/>
+          <ac:spMkLst>
+            <pc:docMk/>
+            <pc:sldMk cId="1122583501" sldId="261"/>
+            <ac:spMk id="12" creationId="{BDAD89EC-C8C7-EC94-AC30-53CA20091E25}"/>
+          </ac:spMkLst>
+        </pc:spChg>
+        <pc:spChg chg="del">
+          <ac:chgData name="谷　知紘(s21t317)" userId="a3db8153-261a-4ffb-baa1-abaad328fd73" providerId="ADAL" clId="{CF3E7ECF-B960-40AF-B4C7-DEE912BB0699}" dt="2024-12-14T05:41:35.043" v="906" actId="478"/>
+          <ac:spMkLst>
+            <pc:docMk/>
+            <pc:sldMk cId="1122583501" sldId="261"/>
+            <ac:spMk id="13" creationId="{527175AB-2340-D22A-3E75-04975E0F9700}"/>
+          </ac:spMkLst>
+        </pc:spChg>
+        <pc:spChg chg="del">
+          <ac:chgData name="谷　知紘(s21t317)" userId="a3db8153-261a-4ffb-baa1-abaad328fd73" providerId="ADAL" clId="{CF3E7ECF-B960-40AF-B4C7-DEE912BB0699}" dt="2024-12-14T05:41:35.043" v="906" actId="478"/>
+          <ac:spMkLst>
+            <pc:docMk/>
+            <pc:sldMk cId="1122583501" sldId="261"/>
+            <ac:spMk id="14" creationId="{26CD3831-1A3D-FA7E-E6E2-70D7439AD179}"/>
+          </ac:spMkLst>
+        </pc:spChg>
+        <pc:spChg chg="add mod">
+          <ac:chgData name="谷　知紘(s21t317)" userId="a3db8153-261a-4ffb-baa1-abaad328fd73" providerId="ADAL" clId="{CF3E7ECF-B960-40AF-B4C7-DEE912BB0699}" dt="2024-12-16T08:48:16.801" v="1914" actId="1076"/>
+          <ac:spMkLst>
+            <pc:docMk/>
+            <pc:sldMk cId="1122583501" sldId="261"/>
+            <ac:spMk id="15" creationId="{0CF1C647-9783-9A17-2EE1-4E2FD7059AEA}"/>
+          </ac:spMkLst>
+        </pc:spChg>
+        <pc:spChg chg="add mod">
+          <ac:chgData name="谷　知紘(s21t317)" userId="a3db8153-261a-4ffb-baa1-abaad328fd73" providerId="ADAL" clId="{CF3E7ECF-B960-40AF-B4C7-DEE912BB0699}" dt="2024-12-16T08:48:16.801" v="1914" actId="1076"/>
+          <ac:spMkLst>
+            <pc:docMk/>
+            <pc:sldMk cId="1122583501" sldId="261"/>
+            <ac:spMk id="16" creationId="{37318088-223C-0F2B-6BFE-0A39C1C16FD3}"/>
+          </ac:spMkLst>
+        </pc:spChg>
+        <pc:spChg chg="add mod">
+          <ac:chgData name="谷　知紘(s21t317)" userId="a3db8153-261a-4ffb-baa1-abaad328fd73" providerId="ADAL" clId="{CF3E7ECF-B960-40AF-B4C7-DEE912BB0699}" dt="2024-12-16T08:48:16.801" v="1914" actId="1076"/>
+          <ac:spMkLst>
+            <pc:docMk/>
+            <pc:sldMk cId="1122583501" sldId="261"/>
+            <ac:spMk id="17" creationId="{6AF1C7E6-F188-9CB0-B28F-EB1F5D77BDF9}"/>
+          </ac:spMkLst>
+        </pc:spChg>
+        <pc:spChg chg="add mod">
+          <ac:chgData name="谷　知紘(s21t317)" userId="a3db8153-261a-4ffb-baa1-abaad328fd73" providerId="ADAL" clId="{CF3E7ECF-B960-40AF-B4C7-DEE912BB0699}" dt="2024-12-16T08:48:16.801" v="1914" actId="1076"/>
+          <ac:spMkLst>
+            <pc:docMk/>
+            <pc:sldMk cId="1122583501" sldId="261"/>
+            <ac:spMk id="18" creationId="{4008445B-B470-7EEF-8719-0D79AD022898}"/>
+          </ac:spMkLst>
+        </pc:spChg>
+        <pc:spChg chg="add mod">
+          <ac:chgData name="谷　知紘(s21t317)" userId="a3db8153-261a-4ffb-baa1-abaad328fd73" providerId="ADAL" clId="{CF3E7ECF-B960-40AF-B4C7-DEE912BB0699}" dt="2024-12-14T05:49:07.041" v="980" actId="948"/>
+          <ac:spMkLst>
+            <pc:docMk/>
+            <pc:sldMk cId="1122583501" sldId="261"/>
+            <ac:spMk id="19" creationId="{A7A04C6A-12A4-6402-1F89-7ACF7C961C12}"/>
+          </ac:spMkLst>
+        </pc:spChg>
+        <pc:spChg chg="add mod">
+          <ac:chgData name="谷　知紘(s21t317)" userId="a3db8153-261a-4ffb-baa1-abaad328fd73" providerId="ADAL" clId="{CF3E7ECF-B960-40AF-B4C7-DEE912BB0699}" dt="2024-12-14T05:49:38.693" v="988" actId="14100"/>
+          <ac:spMkLst>
+            <pc:docMk/>
+            <pc:sldMk cId="1122583501" sldId="261"/>
+            <ac:spMk id="20" creationId="{4F8181AA-9675-5850-F6D2-1536DCAAAE5D}"/>
+          </ac:spMkLst>
+        </pc:spChg>
+        <pc:spChg chg="add mod">
+          <ac:chgData name="谷　知紘(s21t317)" userId="a3db8153-261a-4ffb-baa1-abaad328fd73" providerId="ADAL" clId="{CF3E7ECF-B960-40AF-B4C7-DEE912BB0699}" dt="2024-12-14T05:49:07.041" v="980" actId="948"/>
+          <ac:spMkLst>
+            <pc:docMk/>
+            <pc:sldMk cId="1122583501" sldId="261"/>
+            <ac:spMk id="21" creationId="{A2ADE638-3B1E-909C-73FF-5C4E53C6BA53}"/>
+          </ac:spMkLst>
+        </pc:spChg>
+        <pc:spChg chg="add mod">
+          <ac:chgData name="谷　知紘(s21t317)" userId="a3db8153-261a-4ffb-baa1-abaad328fd73" providerId="ADAL" clId="{CF3E7ECF-B960-40AF-B4C7-DEE912BB0699}" dt="2024-12-14T05:49:07.041" v="980" actId="948"/>
+          <ac:spMkLst>
+            <pc:docMk/>
+            <pc:sldMk cId="1122583501" sldId="261"/>
+            <ac:spMk id="22" creationId="{72841B52-3358-F25E-E24A-216182868323}"/>
+          </ac:spMkLst>
+        </pc:spChg>
+        <pc:spChg chg="add mod">
+          <ac:chgData name="谷　知紘(s21t317)" userId="a3db8153-261a-4ffb-baa1-abaad328fd73" providerId="ADAL" clId="{CF3E7ECF-B960-40AF-B4C7-DEE912BB0699}" dt="2024-12-14T05:49:52.622" v="991" actId="1076"/>
+          <ac:spMkLst>
+            <pc:docMk/>
+            <pc:sldMk cId="1122583501" sldId="261"/>
+            <ac:spMk id="24" creationId="{F707A817-9483-C869-405C-6DBAE3EFACC1}"/>
+          </ac:spMkLst>
+        </pc:spChg>
+        <pc:spChg chg="add mod">
+          <ac:chgData name="谷　知紘(s21t317)" userId="a3db8153-261a-4ffb-baa1-abaad328fd73" providerId="ADAL" clId="{CF3E7ECF-B960-40AF-B4C7-DEE912BB0699}" dt="2024-12-14T05:49:52.622" v="991" actId="1076"/>
+          <ac:spMkLst>
+            <pc:docMk/>
+            <pc:sldMk cId="1122583501" sldId="261"/>
+            <ac:spMk id="25" creationId="{4A9845F4-21F2-BCA4-EE1D-94AF9141DB73}"/>
+          </ac:spMkLst>
+        </pc:spChg>
+        <pc:picChg chg="add mod">
+          <ac:chgData name="谷　知紘(s21t317)" userId="a3db8153-261a-4ffb-baa1-abaad328fd73" providerId="ADAL" clId="{CF3E7ECF-B960-40AF-B4C7-DEE912BB0699}" dt="2024-12-14T05:48:44.300" v="978" actId="1076"/>
+          <ac:picMkLst>
+            <pc:docMk/>
+            <pc:sldMk cId="1122583501" sldId="261"/>
+            <ac:picMk id="23" creationId="{8C05C036-B5E1-217D-ED7A-3418322DBEDE}"/>
+          </ac:picMkLst>
+        </pc:picChg>
+      </pc:sldChg>
+      <pc:sldChg chg="addSp delSp modSp add mod">
+        <pc:chgData name="谷　知紘(s21t317)" userId="a3db8153-261a-4ffb-baa1-abaad328fd73" providerId="ADAL" clId="{CF3E7ECF-B960-40AF-B4C7-DEE912BB0699}" dt="2024-12-16T10:18:01.451" v="3492" actId="1076"/>
+        <pc:sldMkLst>
+          <pc:docMk/>
+          <pc:sldMk cId="1716504565" sldId="262"/>
+        </pc:sldMkLst>
+        <pc:spChg chg="add mod">
+          <ac:chgData name="谷　知紘(s21t317)" userId="a3db8153-261a-4ffb-baa1-abaad328fd73" providerId="ADAL" clId="{CF3E7ECF-B960-40AF-B4C7-DEE912BB0699}" dt="2024-12-14T05:54:58.436" v="1035" actId="1076"/>
+          <ac:spMkLst>
+            <pc:docMk/>
+            <pc:sldMk cId="1716504565" sldId="262"/>
+            <ac:spMk id="2" creationId="{100CEFA7-DC10-7BF0-4D4C-55BB86CE973D}"/>
+          </ac:spMkLst>
+        </pc:spChg>
+        <pc:spChg chg="mod">
+          <ac:chgData name="谷　知紘(s21t317)" userId="a3db8153-261a-4ffb-baa1-abaad328fd73" providerId="ADAL" clId="{CF3E7ECF-B960-40AF-B4C7-DEE912BB0699}" dt="2024-12-14T05:51:42.078" v="1010" actId="20577"/>
+          <ac:spMkLst>
+            <pc:docMk/>
+            <pc:sldMk cId="1716504565" sldId="262"/>
+            <ac:spMk id="4" creationId="{6E2F93E8-9587-C9D2-7537-3857A45132CA}"/>
+          </ac:spMkLst>
+        </pc:spChg>
+        <pc:spChg chg="add mod">
+          <ac:chgData name="谷　知紘(s21t317)" userId="a3db8153-261a-4ffb-baa1-abaad328fd73" providerId="ADAL" clId="{CF3E7ECF-B960-40AF-B4C7-DEE912BB0699}" dt="2024-12-14T05:55:25.440" v="1037" actId="1076"/>
+          <ac:spMkLst>
+            <pc:docMk/>
+            <pc:sldMk cId="1716504565" sldId="262"/>
+            <ac:spMk id="6" creationId="{1CABE7FD-D54B-CC5D-11C2-12270A9CBC88}"/>
+          </ac:spMkLst>
+        </pc:spChg>
+        <pc:spChg chg="add mod">
+          <ac:chgData name="谷　知紘(s21t317)" userId="a3db8153-261a-4ffb-baa1-abaad328fd73" providerId="ADAL" clId="{CF3E7ECF-B960-40AF-B4C7-DEE912BB0699}" dt="2024-12-16T10:17:21.586" v="3481" actId="1076"/>
+          <ac:spMkLst>
+            <pc:docMk/>
+            <pc:sldMk cId="1716504565" sldId="262"/>
+            <ac:spMk id="7" creationId="{1D40BB03-BC56-9F50-230C-2A63FF168A06}"/>
+          </ac:spMkLst>
+        </pc:spChg>
+        <pc:spChg chg="del">
+          <ac:chgData name="谷　知紘(s21t317)" userId="a3db8153-261a-4ffb-baa1-abaad328fd73" providerId="ADAL" clId="{CF3E7ECF-B960-40AF-B4C7-DEE912BB0699}" dt="2024-12-14T05:51:36.533" v="993" actId="478"/>
+          <ac:spMkLst>
+            <pc:docMk/>
+            <pc:sldMk cId="1716504565" sldId="262"/>
+            <ac:spMk id="7" creationId="{94620921-0703-4AD6-6E31-5191604716D7}"/>
+          </ac:spMkLst>
+        </pc:spChg>
+        <pc:spChg chg="add mod">
+          <ac:chgData name="谷　知紘(s21t317)" userId="a3db8153-261a-4ffb-baa1-abaad328fd73" providerId="ADAL" clId="{CF3E7ECF-B960-40AF-B4C7-DEE912BB0699}" dt="2024-12-16T10:17:12.928" v="3480" actId="20577"/>
+          <ac:spMkLst>
+            <pc:docMk/>
+            <pc:sldMk cId="1716504565" sldId="262"/>
+            <ac:spMk id="8" creationId="{6533AAC4-4411-2682-8C7E-ABD6195F1435}"/>
+          </ac:spMkLst>
+        </pc:spChg>
+        <pc:spChg chg="del">
+          <ac:chgData name="谷　知紘(s21t317)" userId="a3db8153-261a-4ffb-baa1-abaad328fd73" providerId="ADAL" clId="{CF3E7ECF-B960-40AF-B4C7-DEE912BB0699}" dt="2024-12-14T05:51:36.533" v="993" actId="478"/>
+          <ac:spMkLst>
+            <pc:docMk/>
+            <pc:sldMk cId="1716504565" sldId="262"/>
+            <ac:spMk id="9" creationId="{61B89A7E-A3F3-D274-91D1-5D21A4D58A90}"/>
+          </ac:spMkLst>
+        </pc:spChg>
+        <pc:spChg chg="add mod">
+          <ac:chgData name="谷　知紘(s21t317)" userId="a3db8153-261a-4ffb-baa1-abaad328fd73" providerId="ADAL" clId="{CF3E7ECF-B960-40AF-B4C7-DEE912BB0699}" dt="2024-12-16T10:17:53.134" v="3491" actId="1076"/>
+          <ac:spMkLst>
+            <pc:docMk/>
+            <pc:sldMk cId="1716504565" sldId="262"/>
+            <ac:spMk id="9" creationId="{E7D40219-E2FA-4EE4-24C3-DE1740D4C852}"/>
+          </ac:spMkLst>
+        </pc:spChg>
+        <pc:spChg chg="add mod">
+          <ac:chgData name="谷　知紘(s21t317)" userId="a3db8153-261a-4ffb-baa1-abaad328fd73" providerId="ADAL" clId="{CF3E7ECF-B960-40AF-B4C7-DEE912BB0699}" dt="2024-12-16T10:18:01.451" v="3492" actId="1076"/>
+          <ac:spMkLst>
+            <pc:docMk/>
+            <pc:sldMk cId="1716504565" sldId="262"/>
+            <ac:spMk id="10" creationId="{690CE7D4-FE0D-DAC1-CC24-02EACD5A08F0}"/>
+          </ac:spMkLst>
+        </pc:spChg>
+        <pc:spChg chg="del">
+          <ac:chgData name="谷　知紘(s21t317)" userId="a3db8153-261a-4ffb-baa1-abaad328fd73" providerId="ADAL" clId="{CF3E7ECF-B960-40AF-B4C7-DEE912BB0699}" dt="2024-12-14T05:51:36.533" v="993" actId="478"/>
+          <ac:spMkLst>
+            <pc:docMk/>
+            <pc:sldMk cId="1716504565" sldId="262"/>
+            <ac:spMk id="15" creationId="{0E707521-93BC-8411-771B-F20313C30F58}"/>
+          </ac:spMkLst>
+        </pc:spChg>
+        <pc:spChg chg="del">
+          <ac:chgData name="谷　知紘(s21t317)" userId="a3db8153-261a-4ffb-baa1-abaad328fd73" providerId="ADAL" clId="{CF3E7ECF-B960-40AF-B4C7-DEE912BB0699}" dt="2024-12-14T05:51:36.533" v="993" actId="478"/>
+          <ac:spMkLst>
+            <pc:docMk/>
+            <pc:sldMk cId="1716504565" sldId="262"/>
+            <ac:spMk id="16" creationId="{B0BC409D-831B-7580-5C8E-3535AE9717ED}"/>
+          </ac:spMkLst>
+        </pc:spChg>
+        <pc:spChg chg="del">
+          <ac:chgData name="谷　知紘(s21t317)" userId="a3db8153-261a-4ffb-baa1-abaad328fd73" providerId="ADAL" clId="{CF3E7ECF-B960-40AF-B4C7-DEE912BB0699}" dt="2024-12-14T05:51:36.533" v="993" actId="478"/>
+          <ac:spMkLst>
+            <pc:docMk/>
+            <pc:sldMk cId="1716504565" sldId="262"/>
+            <ac:spMk id="17" creationId="{0FBA13B2-2121-B7B6-47A3-28CA64602465}"/>
+          </ac:spMkLst>
+        </pc:spChg>
+        <pc:spChg chg="del">
+          <ac:chgData name="谷　知紘(s21t317)" userId="a3db8153-261a-4ffb-baa1-abaad328fd73" providerId="ADAL" clId="{CF3E7ECF-B960-40AF-B4C7-DEE912BB0699}" dt="2024-12-14T05:51:36.533" v="993" actId="478"/>
+          <ac:spMkLst>
+            <pc:docMk/>
+            <pc:sldMk cId="1716504565" sldId="262"/>
+            <ac:spMk id="18" creationId="{AE6CA702-5CC4-9B89-60F0-D3BA141F09E7}"/>
+          </ac:spMkLst>
+        </pc:spChg>
+        <pc:spChg chg="del">
+          <ac:chgData name="谷　知紘(s21t317)" userId="a3db8153-261a-4ffb-baa1-abaad328fd73" providerId="ADAL" clId="{CF3E7ECF-B960-40AF-B4C7-DEE912BB0699}" dt="2024-12-14T05:51:36.533" v="993" actId="478"/>
+          <ac:spMkLst>
+            <pc:docMk/>
+            <pc:sldMk cId="1716504565" sldId="262"/>
+            <ac:spMk id="19" creationId="{2031EE67-A011-FB29-35C6-9B5016016A65}"/>
+          </ac:spMkLst>
+        </pc:spChg>
+        <pc:spChg chg="del">
+          <ac:chgData name="谷　知紘(s21t317)" userId="a3db8153-261a-4ffb-baa1-abaad328fd73" providerId="ADAL" clId="{CF3E7ECF-B960-40AF-B4C7-DEE912BB0699}" dt="2024-12-14T05:51:36.533" v="993" actId="478"/>
+          <ac:spMkLst>
+            <pc:docMk/>
+            <pc:sldMk cId="1716504565" sldId="262"/>
+            <ac:spMk id="20" creationId="{B24B6EDA-C8EF-F07C-2CC0-9703C3CF1DFE}"/>
+          </ac:spMkLst>
+        </pc:spChg>
+        <pc:spChg chg="del">
+          <ac:chgData name="谷　知紘(s21t317)" userId="a3db8153-261a-4ffb-baa1-abaad328fd73" providerId="ADAL" clId="{CF3E7ECF-B960-40AF-B4C7-DEE912BB0699}" dt="2024-12-14T05:51:36.533" v="993" actId="478"/>
+          <ac:spMkLst>
+            <pc:docMk/>
+            <pc:sldMk cId="1716504565" sldId="262"/>
+            <ac:spMk id="21" creationId="{190D4101-ACA1-CF1C-4AE1-DF0F16F2C7FE}"/>
+          </ac:spMkLst>
+        </pc:spChg>
+        <pc:spChg chg="del">
+          <ac:chgData name="谷　知紘(s21t317)" userId="a3db8153-261a-4ffb-baa1-abaad328fd73" providerId="ADAL" clId="{CF3E7ECF-B960-40AF-B4C7-DEE912BB0699}" dt="2024-12-14T05:51:36.533" v="993" actId="478"/>
+          <ac:spMkLst>
+            <pc:docMk/>
+            <pc:sldMk cId="1716504565" sldId="262"/>
+            <ac:spMk id="22" creationId="{832B9337-33EC-3FC3-C552-D9E99318105A}"/>
+          </ac:spMkLst>
+        </pc:spChg>
+        <pc:spChg chg="del">
+          <ac:chgData name="谷　知紘(s21t317)" userId="a3db8153-261a-4ffb-baa1-abaad328fd73" providerId="ADAL" clId="{CF3E7ECF-B960-40AF-B4C7-DEE912BB0699}" dt="2024-12-14T05:51:36.533" v="993" actId="478"/>
+          <ac:spMkLst>
+            <pc:docMk/>
+            <pc:sldMk cId="1716504565" sldId="262"/>
+            <ac:spMk id="24" creationId="{D468506C-6426-066C-90C5-718CA6C5C515}"/>
+          </ac:spMkLst>
+        </pc:spChg>
+        <pc:spChg chg="del">
+          <ac:chgData name="谷　知紘(s21t317)" userId="a3db8153-261a-4ffb-baa1-abaad328fd73" providerId="ADAL" clId="{CF3E7ECF-B960-40AF-B4C7-DEE912BB0699}" dt="2024-12-14T05:51:36.533" v="993" actId="478"/>
+          <ac:spMkLst>
+            <pc:docMk/>
+            <pc:sldMk cId="1716504565" sldId="262"/>
+            <ac:spMk id="25" creationId="{11720008-40E7-E8FC-2D5F-897537D99930}"/>
+          </ac:spMkLst>
+        </pc:spChg>
+        <pc:picChg chg="add mod">
+          <ac:chgData name="谷　知紘(s21t317)" userId="a3db8153-261a-4ffb-baa1-abaad328fd73" providerId="ADAL" clId="{CF3E7ECF-B960-40AF-B4C7-DEE912BB0699}" dt="2024-12-14T05:54:58.436" v="1035" actId="1076"/>
+          <ac:picMkLst>
+            <pc:docMk/>
+            <pc:sldMk cId="1716504565" sldId="262"/>
+            <ac:picMk id="3" creationId="{4A7EF777-293E-93BE-8E67-BE594D9F8B32}"/>
+          </ac:picMkLst>
+        </pc:picChg>
+        <pc:picChg chg="add mod">
+          <ac:chgData name="谷　知紘(s21t317)" userId="a3db8153-261a-4ffb-baa1-abaad328fd73" providerId="ADAL" clId="{CF3E7ECF-B960-40AF-B4C7-DEE912BB0699}" dt="2024-12-14T05:55:25.440" v="1037" actId="1076"/>
+          <ac:picMkLst>
+            <pc:docMk/>
+            <pc:sldMk cId="1716504565" sldId="262"/>
+            <ac:picMk id="5" creationId="{0A7C152D-1718-710B-6366-5CE010CC7706}"/>
+          </ac:picMkLst>
+        </pc:picChg>
+        <pc:picChg chg="del">
+          <ac:chgData name="谷　知紘(s21t317)" userId="a3db8153-261a-4ffb-baa1-abaad328fd73" providerId="ADAL" clId="{CF3E7ECF-B960-40AF-B4C7-DEE912BB0699}" dt="2024-12-14T05:51:36.533" v="993" actId="478"/>
+          <ac:picMkLst>
+            <pc:docMk/>
+            <pc:sldMk cId="1716504565" sldId="262"/>
+            <ac:picMk id="23" creationId="{989D4AC8-5DF5-27D1-FD40-AF294CF6D8AD}"/>
+          </ac:picMkLst>
+        </pc:picChg>
+      </pc:sldChg>
+      <pc:sldChg chg="addSp delSp modSp add del mod ord">
+        <pc:chgData name="谷　知紘(s21t317)" userId="a3db8153-261a-4ffb-baa1-abaad328fd73" providerId="ADAL" clId="{CF3E7ECF-B960-40AF-B4C7-DEE912BB0699}" dt="2024-12-16T10:38:05.760" v="3498" actId="2696"/>
+        <pc:sldMkLst>
+          <pc:docMk/>
+          <pc:sldMk cId="3072227429" sldId="263"/>
+        </pc:sldMkLst>
+        <pc:spChg chg="del">
+          <ac:chgData name="谷　知紘(s21t317)" userId="a3db8153-261a-4ffb-baa1-abaad328fd73" providerId="ADAL" clId="{CF3E7ECF-B960-40AF-B4C7-DEE912BB0699}" dt="2024-12-14T06:00:17.996" v="1046" actId="478"/>
+          <ac:spMkLst>
+            <pc:docMk/>
+            <pc:sldMk cId="3072227429" sldId="263"/>
+            <ac:spMk id="2" creationId="{6E0434E3-96C1-1579-DFEC-8CA952C7B190}"/>
+          </ac:spMkLst>
+        </pc:spChg>
+        <pc:spChg chg="add mod">
+          <ac:chgData name="谷　知紘(s21t317)" userId="a3db8153-261a-4ffb-baa1-abaad328fd73" providerId="ADAL" clId="{CF3E7ECF-B960-40AF-B4C7-DEE912BB0699}" dt="2024-12-16T07:51:29.760" v="1857" actId="1076"/>
+          <ac:spMkLst>
+            <pc:docMk/>
+            <pc:sldMk cId="3072227429" sldId="263"/>
+            <ac:spMk id="2" creationId="{6F8DB3EF-D82D-530B-C0CB-05A0339F095D}"/>
+          </ac:spMkLst>
+        </pc:spChg>
+        <pc:spChg chg="add mod">
+          <ac:chgData name="谷　知紘(s21t317)" userId="a3db8153-261a-4ffb-baa1-abaad328fd73" providerId="ADAL" clId="{CF3E7ECF-B960-40AF-B4C7-DEE912BB0699}" dt="2024-12-16T07:51:29.760" v="1857" actId="1076"/>
+          <ac:spMkLst>
+            <pc:docMk/>
+            <pc:sldMk cId="3072227429" sldId="263"/>
+            <ac:spMk id="3" creationId="{BA5EA58E-D341-4C20-EB76-CCADA2D8321F}"/>
+          </ac:spMkLst>
+        </pc:spChg>
+        <pc:spChg chg="mod">
+          <ac:chgData name="谷　知紘(s21t317)" userId="a3db8153-261a-4ffb-baa1-abaad328fd73" providerId="ADAL" clId="{CF3E7ECF-B960-40AF-B4C7-DEE912BB0699}" dt="2024-12-14T06:00:50.964" v="1062" actId="20577"/>
+          <ac:spMkLst>
+            <pc:docMk/>
+            <pc:sldMk cId="3072227429" sldId="263"/>
+            <ac:spMk id="4" creationId="{AC500E5B-5804-7DBF-7485-FC0C10BA46A7}"/>
+          </ac:spMkLst>
+        </pc:spChg>
+        <pc:spChg chg="add mod">
+          <ac:chgData name="谷　知紘(s21t317)" userId="a3db8153-261a-4ffb-baa1-abaad328fd73" providerId="ADAL" clId="{CF3E7ECF-B960-40AF-B4C7-DEE912BB0699}" dt="2024-12-16T07:51:51.789" v="1868" actId="14100"/>
+          <ac:spMkLst>
+            <pc:docMk/>
+            <pc:sldMk cId="3072227429" sldId="263"/>
+            <ac:spMk id="5" creationId="{10B7AB61-72C8-63DD-3DDF-762956F65744}"/>
+          </ac:spMkLst>
+        </pc:spChg>
+        <pc:spChg chg="del">
+          <ac:chgData name="谷　知紘(s21t317)" userId="a3db8153-261a-4ffb-baa1-abaad328fd73" providerId="ADAL" clId="{CF3E7ECF-B960-40AF-B4C7-DEE912BB0699}" dt="2024-12-14T06:00:17.996" v="1046" actId="478"/>
+          <ac:spMkLst>
+            <pc:docMk/>
+            <pc:sldMk cId="3072227429" sldId="263"/>
+            <ac:spMk id="6" creationId="{512E2936-B450-7A48-30DF-05CEB80BFF99}"/>
+          </ac:spMkLst>
+        </pc:spChg>
+        <pc:spChg chg="add mod">
+          <ac:chgData name="谷　知紘(s21t317)" userId="a3db8153-261a-4ffb-baa1-abaad328fd73" providerId="ADAL" clId="{CF3E7ECF-B960-40AF-B4C7-DEE912BB0699}" dt="2024-12-16T07:51:41.539" v="1859" actId="1076"/>
+          <ac:spMkLst>
+            <pc:docMk/>
+            <pc:sldMk cId="3072227429" sldId="263"/>
+            <ac:spMk id="6" creationId="{D1EA48CB-4573-340C-EE80-404253760A04}"/>
+          </ac:spMkLst>
+        </pc:spChg>
+        <pc:spChg chg="add mod">
+          <ac:chgData name="谷　知紘(s21t317)" userId="a3db8153-261a-4ffb-baa1-abaad328fd73" providerId="ADAL" clId="{CF3E7ECF-B960-40AF-B4C7-DEE912BB0699}" dt="2024-12-16T07:52:00.620" v="1869" actId="1076"/>
+          <ac:spMkLst>
+            <pc:docMk/>
+            <pc:sldMk cId="3072227429" sldId="263"/>
+            <ac:spMk id="7" creationId="{EEEE3C8B-3176-D419-9F85-FBC85CBF745E}"/>
+          </ac:spMkLst>
+        </pc:spChg>
+        <pc:spChg chg="del">
+          <ac:chgData name="谷　知紘(s21t317)" userId="a3db8153-261a-4ffb-baa1-abaad328fd73" providerId="ADAL" clId="{CF3E7ECF-B960-40AF-B4C7-DEE912BB0699}" dt="2024-12-14T06:00:17.996" v="1046" actId="478"/>
+          <ac:spMkLst>
+            <pc:docMk/>
+            <pc:sldMk cId="3072227429" sldId="263"/>
+            <ac:spMk id="8" creationId="{21FDAAAB-A529-2D23-AD25-AD866BBB9060}"/>
+          </ac:spMkLst>
+        </pc:spChg>
+        <pc:spChg chg="add mod">
+          <ac:chgData name="谷　知紘(s21t317)" userId="a3db8153-261a-4ffb-baa1-abaad328fd73" providerId="ADAL" clId="{CF3E7ECF-B960-40AF-B4C7-DEE912BB0699}" dt="2024-12-16T07:51:12.312" v="1854" actId="1076"/>
+          <ac:spMkLst>
+            <pc:docMk/>
+            <pc:sldMk cId="3072227429" sldId="263"/>
+            <ac:spMk id="9" creationId="{E0B293D6-82B9-68DA-8E64-97830F21861E}"/>
+          </ac:spMkLst>
+        </pc:spChg>
+        <pc:spChg chg="del">
+          <ac:chgData name="谷　知紘(s21t317)" userId="a3db8153-261a-4ffb-baa1-abaad328fd73" providerId="ADAL" clId="{CF3E7ECF-B960-40AF-B4C7-DEE912BB0699}" dt="2024-12-14T06:00:17.996" v="1046" actId="478"/>
+          <ac:spMkLst>
+            <pc:docMk/>
+            <pc:sldMk cId="3072227429" sldId="263"/>
+            <ac:spMk id="10" creationId="{9BF35FBA-1B23-A86B-09A0-A576821D1E86}"/>
+          </ac:spMkLst>
+        </pc:spChg>
+        <pc:spChg chg="add del mod">
+          <ac:chgData name="谷　知紘(s21t317)" userId="a3db8153-261a-4ffb-baa1-abaad328fd73" providerId="ADAL" clId="{CF3E7ECF-B960-40AF-B4C7-DEE912BB0699}" dt="2024-12-16T07:51:12.312" v="1854" actId="1076"/>
+          <ac:spMkLst>
+            <pc:docMk/>
+            <pc:sldMk cId="3072227429" sldId="263"/>
+            <ac:spMk id="11" creationId="{A674B214-31B7-0A57-6C8E-BA62167C993C}"/>
+          </ac:spMkLst>
+        </pc:spChg>
+        <pc:picChg chg="del">
+          <ac:chgData name="谷　知紘(s21t317)" userId="a3db8153-261a-4ffb-baa1-abaad328fd73" providerId="ADAL" clId="{CF3E7ECF-B960-40AF-B4C7-DEE912BB0699}" dt="2024-12-14T06:00:17.996" v="1046" actId="478"/>
+          <ac:picMkLst>
+            <pc:docMk/>
+            <pc:sldMk cId="3072227429" sldId="263"/>
+            <ac:picMk id="3" creationId="{ED296475-F3EC-FFB6-AE06-0B97E825E6CA}"/>
+          </ac:picMkLst>
+        </pc:picChg>
+        <pc:picChg chg="del">
+          <ac:chgData name="谷　知紘(s21t317)" userId="a3db8153-261a-4ffb-baa1-abaad328fd73" providerId="ADAL" clId="{CF3E7ECF-B960-40AF-B4C7-DEE912BB0699}" dt="2024-12-14T06:00:17.996" v="1046" actId="478"/>
+          <ac:picMkLst>
+            <pc:docMk/>
+            <pc:sldMk cId="3072227429" sldId="263"/>
+            <ac:picMk id="5" creationId="{A35D6D20-FAE0-BB42-0BA3-929928B579EF}"/>
+          </ac:picMkLst>
+        </pc:picChg>
+      </pc:sldChg>
+      <pc:sldChg chg="addSp delSp modSp add mod ord">
+        <pc:chgData name="谷　知紘(s21t317)" userId="a3db8153-261a-4ffb-baa1-abaad328fd73" providerId="ADAL" clId="{CF3E7ECF-B960-40AF-B4C7-DEE912BB0699}" dt="2024-12-16T09:52:17.227" v="2681" actId="14100"/>
+        <pc:sldMkLst>
+          <pc:docMk/>
+          <pc:sldMk cId="285224269" sldId="264"/>
+        </pc:sldMkLst>
+        <pc:spChg chg="add mod">
+          <ac:chgData name="谷　知紘(s21t317)" userId="a3db8153-261a-4ffb-baa1-abaad328fd73" providerId="ADAL" clId="{CF3E7ECF-B960-40AF-B4C7-DEE912BB0699}" dt="2024-12-16T09:51:07.501" v="2668" actId="1076"/>
+          <ac:spMkLst>
+            <pc:docMk/>
+            <pc:sldMk cId="285224269" sldId="264"/>
+            <ac:spMk id="2" creationId="{B9E6179B-B5B9-080D-8A28-FE66646E0433}"/>
+          </ac:spMkLst>
+        </pc:spChg>
+        <pc:spChg chg="add mod">
+          <ac:chgData name="谷　知紘(s21t317)" userId="a3db8153-261a-4ffb-baa1-abaad328fd73" providerId="ADAL" clId="{CF3E7ECF-B960-40AF-B4C7-DEE912BB0699}" dt="2024-12-16T09:51:07.501" v="2668" actId="1076"/>
+          <ac:spMkLst>
+            <pc:docMk/>
+            <pc:sldMk cId="285224269" sldId="264"/>
+            <ac:spMk id="3" creationId="{7384694D-E6B6-89D3-7AC0-5F3A75133E71}"/>
+          </ac:spMkLst>
+        </pc:spChg>
+        <pc:spChg chg="mod">
+          <ac:chgData name="谷　知紘(s21t317)" userId="a3db8153-261a-4ffb-baa1-abaad328fd73" providerId="ADAL" clId="{CF3E7ECF-B960-40AF-B4C7-DEE912BB0699}" dt="2024-12-16T08:45:03.679" v="1905"/>
+          <ac:spMkLst>
+            <pc:docMk/>
+            <pc:sldMk cId="285224269" sldId="264"/>
+            <ac:spMk id="4" creationId="{4A079C07-A50C-65CA-56A9-3950E857B18A}"/>
+          </ac:spMkLst>
+        </pc:spChg>
+        <pc:spChg chg="add mod">
+          <ac:chgData name="谷　知紘(s21t317)" userId="a3db8153-261a-4ffb-baa1-abaad328fd73" providerId="ADAL" clId="{CF3E7ECF-B960-40AF-B4C7-DEE912BB0699}" dt="2024-12-16T09:52:11.112" v="2680" actId="1076"/>
+          <ac:spMkLst>
+            <pc:docMk/>
+            <pc:sldMk cId="285224269" sldId="264"/>
+            <ac:spMk id="5" creationId="{9007C648-5483-507B-ECD2-6ADFE9AA2CBD}"/>
+          </ac:spMkLst>
+        </pc:spChg>
+        <pc:spChg chg="add del mod">
+          <ac:chgData name="谷　知紘(s21t317)" userId="a3db8153-261a-4ffb-baa1-abaad328fd73" providerId="ADAL" clId="{CF3E7ECF-B960-40AF-B4C7-DEE912BB0699}" dt="2024-12-16T09:50:38.682" v="2663" actId="478"/>
+          <ac:spMkLst>
+            <pc:docMk/>
+            <pc:sldMk cId="285224269" sldId="264"/>
+            <ac:spMk id="6" creationId="{0CD0D432-632C-B8F5-E6DC-10556F6B6962}"/>
+          </ac:spMkLst>
+        </pc:spChg>
+        <pc:spChg chg="add del mod">
+          <ac:chgData name="谷　知紘(s21t317)" userId="a3db8153-261a-4ffb-baa1-abaad328fd73" providerId="ADAL" clId="{CF3E7ECF-B960-40AF-B4C7-DEE912BB0699}" dt="2024-12-16T08:44:00.983" v="1881" actId="478"/>
+          <ac:spMkLst>
+            <pc:docMk/>
+            <pc:sldMk cId="285224269" sldId="264"/>
+            <ac:spMk id="7" creationId="{303F79E0-B272-27B8-26D5-DDC8A6CED9FE}"/>
+          </ac:spMkLst>
+        </pc:spChg>
+        <pc:spChg chg="add mod">
+          <ac:chgData name="谷　知紘(s21t317)" userId="a3db8153-261a-4ffb-baa1-abaad328fd73" providerId="ADAL" clId="{CF3E7ECF-B960-40AF-B4C7-DEE912BB0699}" dt="2024-12-16T09:51:59.068" v="2679" actId="14100"/>
+          <ac:spMkLst>
+            <pc:docMk/>
+            <pc:sldMk cId="285224269" sldId="264"/>
+            <ac:spMk id="8" creationId="{9BFCB3DC-CB02-E3C2-4737-00471AF7A196}"/>
+          </ac:spMkLst>
+        </pc:spChg>
+        <pc:spChg chg="add del mod">
+          <ac:chgData name="谷　知紘(s21t317)" userId="a3db8153-261a-4ffb-baa1-abaad328fd73" providerId="ADAL" clId="{CF3E7ECF-B960-40AF-B4C7-DEE912BB0699}" dt="2024-12-16T09:52:17.227" v="2681" actId="14100"/>
+          <ac:spMkLst>
+            <pc:docMk/>
+            <pc:sldMk cId="285224269" sldId="264"/>
+            <ac:spMk id="9" creationId="{2209734F-45C7-9AF0-4E52-586B165AD6C0}"/>
+          </ac:spMkLst>
+        </pc:spChg>
+        <pc:spChg chg="add mod">
+          <ac:chgData name="谷　知紘(s21t317)" userId="a3db8153-261a-4ffb-baa1-abaad328fd73" providerId="ADAL" clId="{CF3E7ECF-B960-40AF-B4C7-DEE912BB0699}" dt="2024-12-16T09:49:13.260" v="2651"/>
+          <ac:spMkLst>
+            <pc:docMk/>
+            <pc:sldMk cId="285224269" sldId="264"/>
+            <ac:spMk id="10" creationId="{021F8164-8191-8847-55F1-6741221C6459}"/>
+          </ac:spMkLst>
+        </pc:spChg>
+        <pc:spChg chg="add mod">
+          <ac:chgData name="谷　知紘(s21t317)" userId="a3db8153-261a-4ffb-baa1-abaad328fd73" providerId="ADAL" clId="{CF3E7ECF-B960-40AF-B4C7-DEE912BB0699}" dt="2024-12-16T09:51:31.448" v="2674" actId="1076"/>
+          <ac:spMkLst>
+            <pc:docMk/>
+            <pc:sldMk cId="285224269" sldId="264"/>
+            <ac:spMk id="11" creationId="{AF8F38E0-E41F-884E-4BD9-925E647198B4}"/>
+          </ac:spMkLst>
+        </pc:spChg>
+        <pc:spChg chg="add del">
+          <ac:chgData name="谷　知紘(s21t317)" userId="a3db8153-261a-4ffb-baa1-abaad328fd73" providerId="ADAL" clId="{CF3E7ECF-B960-40AF-B4C7-DEE912BB0699}" dt="2024-12-16T09:50:13.201" v="2659" actId="478"/>
+          <ac:spMkLst>
+            <pc:docMk/>
+            <pc:sldMk cId="285224269" sldId="264"/>
+            <ac:spMk id="13" creationId="{59ECB26C-78C5-B4C2-6C6E-1BA36468FC12}"/>
+          </ac:spMkLst>
+        </pc:spChg>
+      </pc:sldChg>
+      <pc:sldChg chg="addSp delSp modSp add mod ord">
+        <pc:chgData name="谷　知紘(s21t317)" userId="a3db8153-261a-4ffb-baa1-abaad328fd73" providerId="ADAL" clId="{CF3E7ECF-B960-40AF-B4C7-DEE912BB0699}" dt="2024-12-16T10:16:43.747" v="3476" actId="1076"/>
+        <pc:sldMkLst>
+          <pc:docMk/>
+          <pc:sldMk cId="395813214" sldId="265"/>
+        </pc:sldMkLst>
+        <pc:spChg chg="add del mod">
+          <ac:chgData name="谷　知紘(s21t317)" userId="a3db8153-261a-4ffb-baa1-abaad328fd73" providerId="ADAL" clId="{CF3E7ECF-B960-40AF-B4C7-DEE912BB0699}" dt="2024-12-16T09:58:10.885" v="2729"/>
+          <ac:spMkLst>
+            <pc:docMk/>
+            <pc:sldMk cId="395813214" sldId="265"/>
+            <ac:spMk id="3" creationId="{737E144F-48E4-A3D1-FE16-88F56CF02474}"/>
+          </ac:spMkLst>
+        </pc:spChg>
+        <pc:spChg chg="add del mod">
+          <ac:chgData name="谷　知紘(s21t317)" userId="a3db8153-261a-4ffb-baa1-abaad328fd73" providerId="ADAL" clId="{CF3E7ECF-B960-40AF-B4C7-DEE912BB0699}" dt="2024-12-16T10:01:46.145" v="2763" actId="478"/>
+          <ac:spMkLst>
+            <pc:docMk/>
+            <pc:sldMk cId="395813214" sldId="265"/>
+            <ac:spMk id="5" creationId="{5B885146-5ADA-C773-ADE5-17D67F172DD9}"/>
+          </ac:spMkLst>
+        </pc:spChg>
+        <pc:spChg chg="add del mod">
+          <ac:chgData name="谷　知紘(s21t317)" userId="a3db8153-261a-4ffb-baa1-abaad328fd73" providerId="ADAL" clId="{CF3E7ECF-B960-40AF-B4C7-DEE912BB0699}" dt="2024-12-16T10:01:46.145" v="2763" actId="478"/>
+          <ac:spMkLst>
+            <pc:docMk/>
+            <pc:sldMk cId="395813214" sldId="265"/>
+            <ac:spMk id="6" creationId="{BD30D77C-4666-A180-E2A8-09916BE2AA99}"/>
+          </ac:spMkLst>
+        </pc:spChg>
+        <pc:spChg chg="add del mod">
+          <ac:chgData name="谷　知紘(s21t317)" userId="a3db8153-261a-4ffb-baa1-abaad328fd73" providerId="ADAL" clId="{CF3E7ECF-B960-40AF-B4C7-DEE912BB0699}" dt="2024-12-16T10:01:46.145" v="2763" actId="478"/>
+          <ac:spMkLst>
+            <pc:docMk/>
+            <pc:sldMk cId="395813214" sldId="265"/>
+            <ac:spMk id="7" creationId="{E5B4A05D-E865-63FC-3FBF-2B850904F790}"/>
+          </ac:spMkLst>
+        </pc:spChg>
+        <pc:spChg chg="add del mod">
+          <ac:chgData name="谷　知紘(s21t317)" userId="a3db8153-261a-4ffb-baa1-abaad328fd73" providerId="ADAL" clId="{CF3E7ECF-B960-40AF-B4C7-DEE912BB0699}" dt="2024-12-16T10:05:54.604" v="2871" actId="478"/>
+          <ac:spMkLst>
+            <pc:docMk/>
+            <pc:sldMk cId="395813214" sldId="265"/>
+            <ac:spMk id="8" creationId="{EC2C23E8-4B97-A83B-BF96-C0E9EEEA478A}"/>
+          </ac:spMkLst>
+        </pc:spChg>
+        <pc:spChg chg="add mod ord">
+          <ac:chgData name="谷　知紘(s21t317)" userId="a3db8153-261a-4ffb-baa1-abaad328fd73" providerId="ADAL" clId="{CF3E7ECF-B960-40AF-B4C7-DEE912BB0699}" dt="2024-12-16T10:06:02.686" v="2872" actId="1076"/>
+          <ac:spMkLst>
+            <pc:docMk/>
+            <pc:sldMk cId="395813214" sldId="265"/>
+            <ac:spMk id="9" creationId="{1C325B2E-E045-AD1E-F0B7-44B2CE9ADE7D}"/>
+          </ac:spMkLst>
+        </pc:spChg>
+        <pc:spChg chg="add mod">
+          <ac:chgData name="谷　知紘(s21t317)" userId="a3db8153-261a-4ffb-baa1-abaad328fd73" providerId="ADAL" clId="{CF3E7ECF-B960-40AF-B4C7-DEE912BB0699}" dt="2024-12-16T10:06:02.686" v="2872" actId="1076"/>
+          <ac:spMkLst>
+            <pc:docMk/>
+            <pc:sldMk cId="395813214" sldId="265"/>
+            <ac:spMk id="10" creationId="{FE46E5E6-63FF-1FDB-2F92-B47FE0797D4C}"/>
+          </ac:spMkLst>
+        </pc:spChg>
+        <pc:spChg chg="add mod">
+          <ac:chgData name="谷　知紘(s21t317)" userId="a3db8153-261a-4ffb-baa1-abaad328fd73" providerId="ADAL" clId="{CF3E7ECF-B960-40AF-B4C7-DEE912BB0699}" dt="2024-12-16T10:16:30.589" v="3474" actId="1076"/>
+          <ac:spMkLst>
+            <pc:docMk/>
+            <pc:sldMk cId="395813214" sldId="265"/>
+            <ac:spMk id="11" creationId="{0C1E31EF-9328-774B-93F9-861A9794C31E}"/>
+          </ac:spMkLst>
+        </pc:spChg>
+        <pc:spChg chg="add mod">
+          <ac:chgData name="谷　知紘(s21t317)" userId="a3db8153-261a-4ffb-baa1-abaad328fd73" providerId="ADAL" clId="{CF3E7ECF-B960-40AF-B4C7-DEE912BB0699}" dt="2024-12-16T10:16:43.747" v="3476" actId="1076"/>
+          <ac:spMkLst>
+            <pc:docMk/>
+            <pc:sldMk cId="395813214" sldId="265"/>
+            <ac:spMk id="12" creationId="{1A8DE479-19BB-5E34-3277-E5C53D18A488}"/>
+          </ac:spMkLst>
+        </pc:spChg>
+        <pc:spChg chg="add mod">
+          <ac:chgData name="谷　知紘(s21t317)" userId="a3db8153-261a-4ffb-baa1-abaad328fd73" providerId="ADAL" clId="{CF3E7ECF-B960-40AF-B4C7-DEE912BB0699}" dt="2024-12-16T10:16:35.191" v="3475" actId="1076"/>
+          <ac:spMkLst>
+            <pc:docMk/>
+            <pc:sldMk cId="395813214" sldId="265"/>
+            <ac:spMk id="13" creationId="{BFB26BBE-3E86-ABF9-A723-9DFB28595607}"/>
+          </ac:spMkLst>
+        </pc:spChg>
+        <pc:spChg chg="add mod">
+          <ac:chgData name="谷　知紘(s21t317)" userId="a3db8153-261a-4ffb-baa1-abaad328fd73" providerId="ADAL" clId="{CF3E7ECF-B960-40AF-B4C7-DEE912BB0699}" dt="2024-12-16T10:16:25.854" v="3473" actId="1076"/>
+          <ac:spMkLst>
+            <pc:docMk/>
+            <pc:sldMk cId="395813214" sldId="265"/>
+            <ac:spMk id="14" creationId="{12C0C438-3EB8-0EF1-329E-48EAD1BCC081}"/>
+          </ac:spMkLst>
+        </pc:spChg>
+        <pc:graphicFrameChg chg="add mod">
+          <ac:chgData name="谷　知紘(s21t317)" userId="a3db8153-261a-4ffb-baa1-abaad328fd73" providerId="ADAL" clId="{CF3E7ECF-B960-40AF-B4C7-DEE912BB0699}" dt="2024-12-16T10:15:14.412" v="3449" actId="1076"/>
+          <ac:graphicFrameMkLst>
+            <pc:docMk/>
+            <pc:sldMk cId="395813214" sldId="265"/>
+            <ac:graphicFrameMk id="2" creationId="{F1CB573B-08AF-F44F-E1AD-7D78E4DCD935}"/>
+          </ac:graphicFrameMkLst>
+        </pc:graphicFrameChg>
+      </pc:sldChg>
+      <pc:sldChg chg="addSp modSp add mod ord">
+        <pc:chgData name="谷　知紘(s21t317)" userId="a3db8153-261a-4ffb-baa1-abaad328fd73" providerId="ADAL" clId="{CF3E7ECF-B960-40AF-B4C7-DEE912BB0699}" dt="2024-12-16T10:37:53.945" v="3497"/>
+        <pc:sldMkLst>
+          <pc:docMk/>
+          <pc:sldMk cId="503107946" sldId="266"/>
+        </pc:sldMkLst>
+        <pc:spChg chg="add mod">
+          <ac:chgData name="谷　知紘(s21t317)" userId="a3db8153-261a-4ffb-baa1-abaad328fd73" providerId="ADAL" clId="{CF3E7ECF-B960-40AF-B4C7-DEE912BB0699}" dt="2024-12-16T10:37:34.979" v="3494"/>
+          <ac:spMkLst>
+            <pc:docMk/>
+            <pc:sldMk cId="503107946" sldId="266"/>
+            <ac:spMk id="2" creationId="{0F74D52C-51B1-CFBB-532F-B1DA5B49BF5F}"/>
+          </ac:spMkLst>
+        </pc:spChg>
+        <pc:spChg chg="add mod">
+          <ac:chgData name="谷　知紘(s21t317)" userId="a3db8153-261a-4ffb-baa1-abaad328fd73" providerId="ADAL" clId="{CF3E7ECF-B960-40AF-B4C7-DEE912BB0699}" dt="2024-12-16T10:37:45.789" v="3496" actId="207"/>
+          <ac:spMkLst>
+            <pc:docMk/>
+            <pc:sldMk cId="503107946" sldId="266"/>
+            <ac:spMk id="3" creationId="{3D444745-B7CB-8CA7-C1EA-21B95761B119}"/>
+          </ac:spMkLst>
+        </pc:spChg>
+        <pc:spChg chg="mod">
+          <ac:chgData name="谷　知紘(s21t317)" userId="a3db8153-261a-4ffb-baa1-abaad328fd73" providerId="ADAL" clId="{CF3E7ECF-B960-40AF-B4C7-DEE912BB0699}" dt="2024-12-16T10:37:23.821" v="3493"/>
+          <ac:spMkLst>
+            <pc:docMk/>
+            <pc:sldMk cId="503107946" sldId="266"/>
+            <ac:spMk id="4" creationId="{291F9902-FF91-72C4-D9FE-5317FAADEF6F}"/>
+          </ac:spMkLst>
+        </pc:spChg>
+        <pc:spChg chg="add mod">
+          <ac:chgData name="谷　知紘(s21t317)" userId="a3db8153-261a-4ffb-baa1-abaad328fd73" providerId="ADAL" clId="{CF3E7ECF-B960-40AF-B4C7-DEE912BB0699}" dt="2024-12-16T10:37:53.945" v="3497"/>
+          <ac:spMkLst>
+            <pc:docMk/>
+            <pc:sldMk cId="503107946" sldId="266"/>
+            <ac:spMk id="5" creationId="{630669D1-3782-36D1-752C-FEA0FC75923F}"/>
+          </ac:spMkLst>
+        </pc:spChg>
+      </pc:sldChg>
+      <pc:sldChg chg="add">
+        <pc:chgData name="谷　知紘(s21t317)" userId="a3db8153-261a-4ffb-baa1-abaad328fd73" providerId="ADAL" clId="{CF3E7ECF-B960-40AF-B4C7-DEE912BB0699}" dt="2024-12-16T10:10:21.157" v="3226" actId="2890"/>
+        <pc:sldMkLst>
+          <pc:docMk/>
+          <pc:sldMk cId="1004728229" sldId="267"/>
+        </pc:sldMkLst>
+      </pc:sldChg>
     </pc:docChg>
   </pc:docChgLst>
 </pc:chgInfo>
+</file>
+
+<file path=ppt/charts/chart1.xml><?xml version="1.0" encoding="utf-8"?>
+<c:chartSpace xmlns:c="http://schemas.openxmlformats.org/drawingml/2006/chart" xmlns:a="http://schemas.openxmlformats.org/drawingml/2006/main" xmlns:r="http://schemas.openxmlformats.org/officeDocument/2006/relationships" xmlns:c16r2="http://schemas.microsoft.com/office/drawing/2015/06/chart">
+  <c:date1904 val="0"/>
+  <c:lang val="ja-JP"/>
+  <c:roundedCorners val="0"/>
+  <mc:AlternateContent xmlns:mc="http://schemas.openxmlformats.org/markup-compatibility/2006">
+    <mc:Choice xmlns:c14="http://schemas.microsoft.com/office/drawing/2007/8/2/chart" Requires="c14">
+      <c14:style val="102"/>
+    </mc:Choice>
+    <mc:Fallback>
+      <c:style val="2"/>
+    </mc:Fallback>
+  </mc:AlternateContent>
+  <c:chart>
+    <c:title>
+      <c:tx>
+        <c:rich>
+          <a:bodyPr rot="0" spcFirstLastPara="1" vertOverflow="ellipsis" vert="horz" wrap="square" anchor="ctr" anchorCtr="1"/>
+          <a:lstStyle/>
+          <a:p>
+            <a:pPr>
+              <a:defRPr sz="1400" b="0" i="0" u="none" strike="noStrike" kern="1200" spc="0" baseline="0">
+                <a:solidFill>
+                  <a:schemeClr val="tx1">
+                    <a:lumMod val="65000"/>
+                    <a:lumOff val="35000"/>
+                  </a:schemeClr>
+                </a:solidFill>
+                <a:latin typeface="+mn-lt"/>
+                <a:ea typeface="+mn-ea"/>
+                <a:cs typeface="+mn-cs"/>
+              </a:defRPr>
+            </a:pPr>
+            <a:r>
+              <a:rPr lang="ja-JP" altLang="en-US"/>
+              <a:t>レベル別 級別漢字割合</a:t>
+            </a:r>
+          </a:p>
+        </c:rich>
+      </c:tx>
+      <c:overlay val="0"/>
+      <c:spPr>
+        <a:noFill/>
+        <a:ln>
+          <a:noFill/>
+        </a:ln>
+        <a:effectLst/>
+      </c:spPr>
+      <c:txPr>
+        <a:bodyPr rot="0" spcFirstLastPara="1" vertOverflow="ellipsis" vert="horz" wrap="square" anchor="ctr" anchorCtr="1"/>
+        <a:lstStyle/>
+        <a:p>
+          <a:pPr>
+            <a:defRPr sz="1400" b="0" i="0" u="none" strike="noStrike" kern="1200" spc="0" baseline="0">
+              <a:solidFill>
+                <a:schemeClr val="tx1">
+                  <a:lumMod val="65000"/>
+                  <a:lumOff val="35000"/>
+                </a:schemeClr>
+              </a:solidFill>
+              <a:latin typeface="+mn-lt"/>
+              <a:ea typeface="+mn-ea"/>
+              <a:cs typeface="+mn-cs"/>
+            </a:defRPr>
+          </a:pPr>
+          <a:endParaRPr lang="ja-JP"/>
+        </a:p>
+      </c:txPr>
+    </c:title>
+    <c:autoTitleDeleted val="0"/>
+    <c:plotArea>
+      <c:layout/>
+      <c:lineChart>
+        <c:grouping val="standard"/>
+        <c:varyColors val="0"/>
+        <c:ser>
+          <c:idx val="0"/>
+          <c:order val="0"/>
+          <c:tx>
+            <c:strRef>
+              <c:f>[figure.xlsx]Sheet1!$A$2</c:f>
+              <c:strCache>
+                <c:ptCount val="1"/>
+                <c:pt idx="0">
+                  <c:v>ssss</c:v>
+                </c:pt>
+              </c:strCache>
+            </c:strRef>
+          </c:tx>
+          <c:spPr>
+            <a:ln w="28575" cap="rnd">
+              <a:solidFill>
+                <a:schemeClr val="accent1"/>
+              </a:solidFill>
+              <a:round/>
+            </a:ln>
+            <a:effectLst/>
+          </c:spPr>
+          <c:marker>
+            <c:symbol val="none"/>
+          </c:marker>
+          <c:cat>
+            <c:strRef>
+              <c:f>[figure.xlsx]Sheet1!$B$1:$K$1</c:f>
+              <c:strCache>
+                <c:ptCount val="10"/>
+                <c:pt idx="0">
+                  <c:v>2級</c:v>
+                </c:pt>
+                <c:pt idx="1">
+                  <c:v>準2級</c:v>
+                </c:pt>
+                <c:pt idx="2">
+                  <c:v>3級</c:v>
+                </c:pt>
+                <c:pt idx="3">
+                  <c:v>4級</c:v>
+                </c:pt>
+                <c:pt idx="4">
+                  <c:v>5級</c:v>
+                </c:pt>
+                <c:pt idx="5">
+                  <c:v>6級</c:v>
+                </c:pt>
+                <c:pt idx="6">
+                  <c:v>7級</c:v>
+                </c:pt>
+                <c:pt idx="7">
+                  <c:v>8級</c:v>
+                </c:pt>
+                <c:pt idx="8">
+                  <c:v>9級</c:v>
+                </c:pt>
+                <c:pt idx="9">
+                  <c:v>10級</c:v>
+                </c:pt>
+              </c:strCache>
+            </c:strRef>
+          </c:cat>
+          <c:val>
+            <c:numRef>
+              <c:f>[figure.xlsx]Sheet1!$B$2:$K$2</c:f>
+              <c:numCache>
+                <c:formatCode>General</c:formatCode>
+                <c:ptCount val="10"/>
+                <c:pt idx="0">
+                  <c:v>3.74</c:v>
+                </c:pt>
+                <c:pt idx="1">
+                  <c:v>2.4900000000000002</c:v>
+                </c:pt>
+                <c:pt idx="2">
+                  <c:v>6.56</c:v>
+                </c:pt>
+                <c:pt idx="3">
+                  <c:v>10.64</c:v>
+                </c:pt>
+                <c:pt idx="4">
+                  <c:v>8.02</c:v>
+                </c:pt>
+                <c:pt idx="5">
+                  <c:v>11.38</c:v>
+                </c:pt>
+                <c:pt idx="6">
+                  <c:v>13.52</c:v>
+                </c:pt>
+                <c:pt idx="7">
+                  <c:v>16.55</c:v>
+                </c:pt>
+                <c:pt idx="8">
+                  <c:v>14.11</c:v>
+                </c:pt>
+                <c:pt idx="9">
+                  <c:v>12.97</c:v>
+                </c:pt>
+              </c:numCache>
+            </c:numRef>
+          </c:val>
+          <c:smooth val="0"/>
+          <c:extLst>
+            <c:ext xmlns:c16="http://schemas.microsoft.com/office/drawing/2014/chart" uri="{C3380CC4-5D6E-409C-BE32-E72D297353CC}">
+              <c16:uniqueId val="{00000000-B04B-4672-B215-3283A522F581}"/>
+            </c:ext>
+          </c:extLst>
+        </c:ser>
+        <c:ser>
+          <c:idx val="1"/>
+          <c:order val="1"/>
+          <c:tx>
+            <c:strRef>
+              <c:f>[figure.xlsx]Sheet1!$A$3</c:f>
+              <c:strCache>
+                <c:ptCount val="1"/>
+                <c:pt idx="0">
+                  <c:v>sss</c:v>
+                </c:pt>
+              </c:strCache>
+            </c:strRef>
+          </c:tx>
+          <c:spPr>
+            <a:ln w="28575" cap="rnd">
+              <a:solidFill>
+                <a:schemeClr val="accent2"/>
+              </a:solidFill>
+              <a:round/>
+            </a:ln>
+            <a:effectLst/>
+          </c:spPr>
+          <c:marker>
+            <c:symbol val="none"/>
+          </c:marker>
+          <c:cat>
+            <c:strRef>
+              <c:f>[figure.xlsx]Sheet1!$B$1:$K$1</c:f>
+              <c:strCache>
+                <c:ptCount val="10"/>
+                <c:pt idx="0">
+                  <c:v>2級</c:v>
+                </c:pt>
+                <c:pt idx="1">
+                  <c:v>準2級</c:v>
+                </c:pt>
+                <c:pt idx="2">
+                  <c:v>3級</c:v>
+                </c:pt>
+                <c:pt idx="3">
+                  <c:v>4級</c:v>
+                </c:pt>
+                <c:pt idx="4">
+                  <c:v>5級</c:v>
+                </c:pt>
+                <c:pt idx="5">
+                  <c:v>6級</c:v>
+                </c:pt>
+                <c:pt idx="6">
+                  <c:v>7級</c:v>
+                </c:pt>
+                <c:pt idx="7">
+                  <c:v>8級</c:v>
+                </c:pt>
+                <c:pt idx="8">
+                  <c:v>9級</c:v>
+                </c:pt>
+                <c:pt idx="9">
+                  <c:v>10級</c:v>
+                </c:pt>
+              </c:strCache>
+            </c:strRef>
+          </c:cat>
+          <c:val>
+            <c:numRef>
+              <c:f>[figure.xlsx]Sheet1!$B$3:$K$3</c:f>
+              <c:numCache>
+                <c:formatCode>General</c:formatCode>
+                <c:ptCount val="10"/>
+                <c:pt idx="0">
+                  <c:v>1.73</c:v>
+                </c:pt>
+                <c:pt idx="1">
+                  <c:v>4.18</c:v>
+                </c:pt>
+                <c:pt idx="2">
+                  <c:v>4.75</c:v>
+                </c:pt>
+                <c:pt idx="3">
+                  <c:v>9.6199999999999992</c:v>
+                </c:pt>
+                <c:pt idx="4">
+                  <c:v>6.56</c:v>
+                </c:pt>
+                <c:pt idx="5">
+                  <c:v>7.33</c:v>
+                </c:pt>
+                <c:pt idx="6">
+                  <c:v>11.12</c:v>
+                </c:pt>
+                <c:pt idx="7">
+                  <c:v>17.55</c:v>
+                </c:pt>
+                <c:pt idx="8">
+                  <c:v>22.54</c:v>
+                </c:pt>
+                <c:pt idx="9">
+                  <c:v>14.62</c:v>
+                </c:pt>
+              </c:numCache>
+            </c:numRef>
+          </c:val>
+          <c:smooth val="0"/>
+          <c:extLst>
+            <c:ext xmlns:c16="http://schemas.microsoft.com/office/drawing/2014/chart" uri="{C3380CC4-5D6E-409C-BE32-E72D297353CC}">
+              <c16:uniqueId val="{00000001-B04B-4672-B215-3283A522F581}"/>
+            </c:ext>
+          </c:extLst>
+        </c:ser>
+        <c:ser>
+          <c:idx val="2"/>
+          <c:order val="2"/>
+          <c:tx>
+            <c:strRef>
+              <c:f>[figure.xlsx]Sheet1!$A$4</c:f>
+              <c:strCache>
+                <c:ptCount val="1"/>
+                <c:pt idx="0">
+                  <c:v>ss</c:v>
+                </c:pt>
+              </c:strCache>
+            </c:strRef>
+          </c:tx>
+          <c:spPr>
+            <a:ln w="28575" cap="rnd">
+              <a:solidFill>
+                <a:schemeClr val="accent3"/>
+              </a:solidFill>
+              <a:round/>
+            </a:ln>
+            <a:effectLst/>
+          </c:spPr>
+          <c:marker>
+            <c:symbol val="none"/>
+          </c:marker>
+          <c:cat>
+            <c:strRef>
+              <c:f>[figure.xlsx]Sheet1!$B$1:$K$1</c:f>
+              <c:strCache>
+                <c:ptCount val="10"/>
+                <c:pt idx="0">
+                  <c:v>2級</c:v>
+                </c:pt>
+                <c:pt idx="1">
+                  <c:v>準2級</c:v>
+                </c:pt>
+                <c:pt idx="2">
+                  <c:v>3級</c:v>
+                </c:pt>
+                <c:pt idx="3">
+                  <c:v>4級</c:v>
+                </c:pt>
+                <c:pt idx="4">
+                  <c:v>5級</c:v>
+                </c:pt>
+                <c:pt idx="5">
+                  <c:v>6級</c:v>
+                </c:pt>
+                <c:pt idx="6">
+                  <c:v>7級</c:v>
+                </c:pt>
+                <c:pt idx="7">
+                  <c:v>8級</c:v>
+                </c:pt>
+                <c:pt idx="8">
+                  <c:v>9級</c:v>
+                </c:pt>
+                <c:pt idx="9">
+                  <c:v>10級</c:v>
+                </c:pt>
+              </c:strCache>
+            </c:strRef>
+          </c:cat>
+          <c:val>
+            <c:numRef>
+              <c:f>[figure.xlsx]Sheet1!$B$4:$K$4</c:f>
+              <c:numCache>
+                <c:formatCode>General</c:formatCode>
+                <c:ptCount val="10"/>
+                <c:pt idx="0">
+                  <c:v>2.15</c:v>
+                </c:pt>
+                <c:pt idx="1">
+                  <c:v>5.47</c:v>
+                </c:pt>
+                <c:pt idx="2">
+                  <c:v>3.97</c:v>
+                </c:pt>
+                <c:pt idx="3">
+                  <c:v>10.33</c:v>
+                </c:pt>
+                <c:pt idx="4">
+                  <c:v>5.1100000000000003</c:v>
+                </c:pt>
+                <c:pt idx="5">
+                  <c:v>4.62</c:v>
+                </c:pt>
+                <c:pt idx="6">
+                  <c:v>11.88</c:v>
+                </c:pt>
+                <c:pt idx="7">
+                  <c:v>19.48</c:v>
+                </c:pt>
+                <c:pt idx="8">
+                  <c:v>22.81</c:v>
+                </c:pt>
+                <c:pt idx="9">
+                  <c:v>14.17</c:v>
+                </c:pt>
+              </c:numCache>
+            </c:numRef>
+          </c:val>
+          <c:smooth val="0"/>
+          <c:extLst>
+            <c:ext xmlns:c16="http://schemas.microsoft.com/office/drawing/2014/chart" uri="{C3380CC4-5D6E-409C-BE32-E72D297353CC}">
+              <c16:uniqueId val="{00000002-B04B-4672-B215-3283A522F581}"/>
+            </c:ext>
+          </c:extLst>
+        </c:ser>
+        <c:ser>
+          <c:idx val="3"/>
+          <c:order val="3"/>
+          <c:tx>
+            <c:strRef>
+              <c:f>[figure.xlsx]Sheet1!$A$5</c:f>
+              <c:strCache>
+                <c:ptCount val="1"/>
+                <c:pt idx="0">
+                  <c:v>s</c:v>
+                </c:pt>
+              </c:strCache>
+            </c:strRef>
+          </c:tx>
+          <c:spPr>
+            <a:ln w="28575" cap="rnd">
+              <a:solidFill>
+                <a:schemeClr val="accent4"/>
+              </a:solidFill>
+              <a:round/>
+            </a:ln>
+            <a:effectLst/>
+          </c:spPr>
+          <c:marker>
+            <c:symbol val="none"/>
+          </c:marker>
+          <c:cat>
+            <c:strRef>
+              <c:f>[figure.xlsx]Sheet1!$B$1:$K$1</c:f>
+              <c:strCache>
+                <c:ptCount val="10"/>
+                <c:pt idx="0">
+                  <c:v>2級</c:v>
+                </c:pt>
+                <c:pt idx="1">
+                  <c:v>準2級</c:v>
+                </c:pt>
+                <c:pt idx="2">
+                  <c:v>3級</c:v>
+                </c:pt>
+                <c:pt idx="3">
+                  <c:v>4級</c:v>
+                </c:pt>
+                <c:pt idx="4">
+                  <c:v>5級</c:v>
+                </c:pt>
+                <c:pt idx="5">
+                  <c:v>6級</c:v>
+                </c:pt>
+                <c:pt idx="6">
+                  <c:v>7級</c:v>
+                </c:pt>
+                <c:pt idx="7">
+                  <c:v>8級</c:v>
+                </c:pt>
+                <c:pt idx="8">
+                  <c:v>9級</c:v>
+                </c:pt>
+                <c:pt idx="9">
+                  <c:v>10級</c:v>
+                </c:pt>
+              </c:strCache>
+            </c:strRef>
+          </c:cat>
+          <c:val>
+            <c:numRef>
+              <c:f>[figure.xlsx]Sheet1!$B$5:$K$5</c:f>
+              <c:numCache>
+                <c:formatCode>General</c:formatCode>
+                <c:ptCount val="10"/>
+                <c:pt idx="0">
+                  <c:v>1.62</c:v>
+                </c:pt>
+                <c:pt idx="1">
+                  <c:v>4.04</c:v>
+                </c:pt>
+                <c:pt idx="2">
+                  <c:v>2.36</c:v>
+                </c:pt>
+                <c:pt idx="3">
+                  <c:v>11.01</c:v>
+                </c:pt>
+                <c:pt idx="4">
+                  <c:v>6.35</c:v>
+                </c:pt>
+                <c:pt idx="5">
+                  <c:v>4.12</c:v>
+                </c:pt>
+                <c:pt idx="6">
+                  <c:v>13.39</c:v>
+                </c:pt>
+                <c:pt idx="7">
+                  <c:v>16.95</c:v>
+                </c:pt>
+                <c:pt idx="8">
+                  <c:v>21.92</c:v>
+                </c:pt>
+                <c:pt idx="9">
+                  <c:v>18.239999999999998</c:v>
+                </c:pt>
+              </c:numCache>
+            </c:numRef>
+          </c:val>
+          <c:smooth val="0"/>
+          <c:extLst>
+            <c:ext xmlns:c16="http://schemas.microsoft.com/office/drawing/2014/chart" uri="{C3380CC4-5D6E-409C-BE32-E72D297353CC}">
+              <c16:uniqueId val="{00000003-B04B-4672-B215-3283A522F581}"/>
+            </c:ext>
+          </c:extLst>
+        </c:ser>
+        <c:ser>
+          <c:idx val="4"/>
+          <c:order val="4"/>
+          <c:tx>
+            <c:strRef>
+              <c:f>[figure.xlsx]Sheet1!$A$6</c:f>
+              <c:strCache>
+                <c:ptCount val="1"/>
+                <c:pt idx="0">
+                  <c:v>a+</c:v>
+                </c:pt>
+              </c:strCache>
+            </c:strRef>
+          </c:tx>
+          <c:spPr>
+            <a:ln w="28575" cap="rnd">
+              <a:solidFill>
+                <a:schemeClr val="accent5"/>
+              </a:solidFill>
+              <a:round/>
+            </a:ln>
+            <a:effectLst/>
+          </c:spPr>
+          <c:marker>
+            <c:symbol val="none"/>
+          </c:marker>
+          <c:cat>
+            <c:strRef>
+              <c:f>[figure.xlsx]Sheet1!$B$1:$K$1</c:f>
+              <c:strCache>
+                <c:ptCount val="10"/>
+                <c:pt idx="0">
+                  <c:v>2級</c:v>
+                </c:pt>
+                <c:pt idx="1">
+                  <c:v>準2級</c:v>
+                </c:pt>
+                <c:pt idx="2">
+                  <c:v>3級</c:v>
+                </c:pt>
+                <c:pt idx="3">
+                  <c:v>4級</c:v>
+                </c:pt>
+                <c:pt idx="4">
+                  <c:v>5級</c:v>
+                </c:pt>
+                <c:pt idx="5">
+                  <c:v>6級</c:v>
+                </c:pt>
+                <c:pt idx="6">
+                  <c:v>7級</c:v>
+                </c:pt>
+                <c:pt idx="7">
+                  <c:v>8級</c:v>
+                </c:pt>
+                <c:pt idx="8">
+                  <c:v>9級</c:v>
+                </c:pt>
+                <c:pt idx="9">
+                  <c:v>10級</c:v>
+                </c:pt>
+              </c:strCache>
+            </c:strRef>
+          </c:cat>
+          <c:val>
+            <c:numRef>
+              <c:f>[figure.xlsx]Sheet1!$B$6:$K$6</c:f>
+              <c:numCache>
+                <c:formatCode>General</c:formatCode>
+                <c:ptCount val="10"/>
+                <c:pt idx="0">
+                  <c:v>1.77</c:v>
+                </c:pt>
+                <c:pt idx="1">
+                  <c:v>2.69</c:v>
+                </c:pt>
+                <c:pt idx="2">
+                  <c:v>4.21</c:v>
+                </c:pt>
+                <c:pt idx="3">
+                  <c:v>10.83</c:v>
+                </c:pt>
+                <c:pt idx="4">
+                  <c:v>8.4700000000000006</c:v>
+                </c:pt>
+                <c:pt idx="5">
+                  <c:v>6.83</c:v>
+                </c:pt>
+                <c:pt idx="6">
+                  <c:v>11.78</c:v>
+                </c:pt>
+                <c:pt idx="7">
+                  <c:v>17.22</c:v>
+                </c:pt>
+                <c:pt idx="8">
+                  <c:v>21.12</c:v>
+                </c:pt>
+                <c:pt idx="9">
+                  <c:v>15.08</c:v>
+                </c:pt>
+              </c:numCache>
+            </c:numRef>
+          </c:val>
+          <c:smooth val="0"/>
+          <c:extLst>
+            <c:ext xmlns:c16="http://schemas.microsoft.com/office/drawing/2014/chart" uri="{C3380CC4-5D6E-409C-BE32-E72D297353CC}">
+              <c16:uniqueId val="{00000004-B04B-4672-B215-3283A522F581}"/>
+            </c:ext>
+          </c:extLst>
+        </c:ser>
+        <c:ser>
+          <c:idx val="5"/>
+          <c:order val="5"/>
+          <c:tx>
+            <c:strRef>
+              <c:f>[figure.xlsx]Sheet1!$A$7</c:f>
+              <c:strCache>
+                <c:ptCount val="1"/>
+                <c:pt idx="0">
+                  <c:v>a</c:v>
+                </c:pt>
+              </c:strCache>
+            </c:strRef>
+          </c:tx>
+          <c:spPr>
+            <a:ln w="28575" cap="rnd">
+              <a:solidFill>
+                <a:schemeClr val="accent6"/>
+              </a:solidFill>
+              <a:round/>
+            </a:ln>
+            <a:effectLst/>
+          </c:spPr>
+          <c:marker>
+            <c:symbol val="none"/>
+          </c:marker>
+          <c:cat>
+            <c:strRef>
+              <c:f>[figure.xlsx]Sheet1!$B$1:$K$1</c:f>
+              <c:strCache>
+                <c:ptCount val="10"/>
+                <c:pt idx="0">
+                  <c:v>2級</c:v>
+                </c:pt>
+                <c:pt idx="1">
+                  <c:v>準2級</c:v>
+                </c:pt>
+                <c:pt idx="2">
+                  <c:v>3級</c:v>
+                </c:pt>
+                <c:pt idx="3">
+                  <c:v>4級</c:v>
+                </c:pt>
+                <c:pt idx="4">
+                  <c:v>5級</c:v>
+                </c:pt>
+                <c:pt idx="5">
+                  <c:v>6級</c:v>
+                </c:pt>
+                <c:pt idx="6">
+                  <c:v>7級</c:v>
+                </c:pt>
+                <c:pt idx="7">
+                  <c:v>8級</c:v>
+                </c:pt>
+                <c:pt idx="8">
+                  <c:v>9級</c:v>
+                </c:pt>
+                <c:pt idx="9">
+                  <c:v>10級</c:v>
+                </c:pt>
+              </c:strCache>
+            </c:strRef>
+          </c:cat>
+          <c:val>
+            <c:numRef>
+              <c:f>[figure.xlsx]Sheet1!$B$7:$K$7</c:f>
+              <c:numCache>
+                <c:formatCode>General</c:formatCode>
+                <c:ptCount val="10"/>
+                <c:pt idx="0">
+                  <c:v>2.64</c:v>
+                </c:pt>
+                <c:pt idx="1">
+                  <c:v>4.51</c:v>
+                </c:pt>
+                <c:pt idx="2">
+                  <c:v>2.88</c:v>
+                </c:pt>
+                <c:pt idx="3">
+                  <c:v>9.4600000000000009</c:v>
+                </c:pt>
+                <c:pt idx="4">
+                  <c:v>6.5</c:v>
+                </c:pt>
+                <c:pt idx="5">
+                  <c:v>6.24</c:v>
+                </c:pt>
+                <c:pt idx="6">
+                  <c:v>9.61</c:v>
+                </c:pt>
+                <c:pt idx="7">
+                  <c:v>16.190000000000001</c:v>
+                </c:pt>
+                <c:pt idx="8">
+                  <c:v>23.69</c:v>
+                </c:pt>
+                <c:pt idx="9">
+                  <c:v>18.28</c:v>
+                </c:pt>
+              </c:numCache>
+            </c:numRef>
+          </c:val>
+          <c:smooth val="0"/>
+          <c:extLst>
+            <c:ext xmlns:c16="http://schemas.microsoft.com/office/drawing/2014/chart" uri="{C3380CC4-5D6E-409C-BE32-E72D297353CC}">
+              <c16:uniqueId val="{00000005-B04B-4672-B215-3283A522F581}"/>
+            </c:ext>
+          </c:extLst>
+        </c:ser>
+        <c:ser>
+          <c:idx val="6"/>
+          <c:order val="6"/>
+          <c:tx>
+            <c:strRef>
+              <c:f>[figure.xlsx]Sheet1!$A$8</c:f>
+              <c:strCache>
+                <c:ptCount val="1"/>
+                <c:pt idx="0">
+                  <c:v>b</c:v>
+                </c:pt>
+              </c:strCache>
+            </c:strRef>
+          </c:tx>
+          <c:spPr>
+            <a:ln w="28575" cap="rnd">
+              <a:solidFill>
+                <a:schemeClr val="accent1">
+                  <a:lumMod val="60000"/>
+                </a:schemeClr>
+              </a:solidFill>
+              <a:round/>
+            </a:ln>
+            <a:effectLst/>
+          </c:spPr>
+          <c:marker>
+            <c:symbol val="none"/>
+          </c:marker>
+          <c:cat>
+            <c:strRef>
+              <c:f>[figure.xlsx]Sheet1!$B$1:$K$1</c:f>
+              <c:strCache>
+                <c:ptCount val="10"/>
+                <c:pt idx="0">
+                  <c:v>2級</c:v>
+                </c:pt>
+                <c:pt idx="1">
+                  <c:v>準2級</c:v>
+                </c:pt>
+                <c:pt idx="2">
+                  <c:v>3級</c:v>
+                </c:pt>
+                <c:pt idx="3">
+                  <c:v>4級</c:v>
+                </c:pt>
+                <c:pt idx="4">
+                  <c:v>5級</c:v>
+                </c:pt>
+                <c:pt idx="5">
+                  <c:v>6級</c:v>
+                </c:pt>
+                <c:pt idx="6">
+                  <c:v>7級</c:v>
+                </c:pt>
+                <c:pt idx="7">
+                  <c:v>8級</c:v>
+                </c:pt>
+                <c:pt idx="8">
+                  <c:v>9級</c:v>
+                </c:pt>
+                <c:pt idx="9">
+                  <c:v>10級</c:v>
+                </c:pt>
+              </c:strCache>
+            </c:strRef>
+          </c:cat>
+          <c:val>
+            <c:numRef>
+              <c:f>[figure.xlsx]Sheet1!$B$8:$K$8</c:f>
+              <c:numCache>
+                <c:formatCode>General</c:formatCode>
+                <c:ptCount val="10"/>
+                <c:pt idx="0">
+                  <c:v>2.89</c:v>
+                </c:pt>
+                <c:pt idx="1">
+                  <c:v>4.55</c:v>
+                </c:pt>
+                <c:pt idx="2">
+                  <c:v>3.73</c:v>
+                </c:pt>
+                <c:pt idx="3">
+                  <c:v>10.55</c:v>
+                </c:pt>
+                <c:pt idx="4">
+                  <c:v>6.04</c:v>
+                </c:pt>
+                <c:pt idx="5">
+                  <c:v>5.94</c:v>
+                </c:pt>
+                <c:pt idx="6">
+                  <c:v>10.8</c:v>
+                </c:pt>
+                <c:pt idx="7">
+                  <c:v>14.36</c:v>
+                </c:pt>
+                <c:pt idx="8">
+                  <c:v>22.23</c:v>
+                </c:pt>
+                <c:pt idx="9">
+                  <c:v>18.91</c:v>
+                </c:pt>
+              </c:numCache>
+            </c:numRef>
+          </c:val>
+          <c:smooth val="0"/>
+          <c:extLst>
+            <c:ext xmlns:c16="http://schemas.microsoft.com/office/drawing/2014/chart" uri="{C3380CC4-5D6E-409C-BE32-E72D297353CC}">
+              <c16:uniqueId val="{00000006-B04B-4672-B215-3283A522F581}"/>
+            </c:ext>
+          </c:extLst>
+        </c:ser>
+        <c:ser>
+          <c:idx val="7"/>
+          <c:order val="7"/>
+          <c:tx>
+            <c:strRef>
+              <c:f>[figure.xlsx]Sheet1!$A$9</c:f>
+              <c:strCache>
+                <c:ptCount val="1"/>
+                <c:pt idx="0">
+                  <c:v>c</c:v>
+                </c:pt>
+              </c:strCache>
+            </c:strRef>
+          </c:tx>
+          <c:spPr>
+            <a:ln w="28575" cap="rnd">
+              <a:solidFill>
+                <a:schemeClr val="accent2">
+                  <a:lumMod val="60000"/>
+                </a:schemeClr>
+              </a:solidFill>
+              <a:round/>
+            </a:ln>
+            <a:effectLst/>
+          </c:spPr>
+          <c:marker>
+            <c:symbol val="none"/>
+          </c:marker>
+          <c:cat>
+            <c:strRef>
+              <c:f>[figure.xlsx]Sheet1!$B$1:$K$1</c:f>
+              <c:strCache>
+                <c:ptCount val="10"/>
+                <c:pt idx="0">
+                  <c:v>2級</c:v>
+                </c:pt>
+                <c:pt idx="1">
+                  <c:v>準2級</c:v>
+                </c:pt>
+                <c:pt idx="2">
+                  <c:v>3級</c:v>
+                </c:pt>
+                <c:pt idx="3">
+                  <c:v>4級</c:v>
+                </c:pt>
+                <c:pt idx="4">
+                  <c:v>5級</c:v>
+                </c:pt>
+                <c:pt idx="5">
+                  <c:v>6級</c:v>
+                </c:pt>
+                <c:pt idx="6">
+                  <c:v>7級</c:v>
+                </c:pt>
+                <c:pt idx="7">
+                  <c:v>8級</c:v>
+                </c:pt>
+                <c:pt idx="8">
+                  <c:v>9級</c:v>
+                </c:pt>
+                <c:pt idx="9">
+                  <c:v>10級</c:v>
+                </c:pt>
+              </c:strCache>
+            </c:strRef>
+          </c:cat>
+          <c:val>
+            <c:numRef>
+              <c:f>[figure.xlsx]Sheet1!$B$9:$K$9</c:f>
+              <c:numCache>
+                <c:formatCode>General</c:formatCode>
+                <c:ptCount val="10"/>
+                <c:pt idx="0">
+                  <c:v>1.92</c:v>
+                </c:pt>
+                <c:pt idx="1">
+                  <c:v>4.4800000000000004</c:v>
+                </c:pt>
+                <c:pt idx="2">
+                  <c:v>3.05</c:v>
+                </c:pt>
+                <c:pt idx="3">
+                  <c:v>9.6</c:v>
+                </c:pt>
+                <c:pt idx="4">
+                  <c:v>7.38</c:v>
+                </c:pt>
+                <c:pt idx="5">
+                  <c:v>4.0599999999999996</c:v>
+                </c:pt>
+                <c:pt idx="6">
+                  <c:v>11.76</c:v>
+                </c:pt>
+                <c:pt idx="7">
+                  <c:v>21.12</c:v>
+                </c:pt>
+                <c:pt idx="8">
+                  <c:v>23.6</c:v>
+                </c:pt>
+                <c:pt idx="9">
+                  <c:v>13.02</c:v>
+                </c:pt>
+              </c:numCache>
+            </c:numRef>
+          </c:val>
+          <c:smooth val="0"/>
+          <c:extLst>
+            <c:ext xmlns:c16="http://schemas.microsoft.com/office/drawing/2014/chart" uri="{C3380CC4-5D6E-409C-BE32-E72D297353CC}">
+              <c16:uniqueId val="{00000007-B04B-4672-B215-3283A522F581}"/>
+            </c:ext>
+          </c:extLst>
+        </c:ser>
+        <c:dLbls>
+          <c:showLegendKey val="0"/>
+          <c:showVal val="0"/>
+          <c:showCatName val="0"/>
+          <c:showSerName val="0"/>
+          <c:showPercent val="0"/>
+          <c:showBubbleSize val="0"/>
+        </c:dLbls>
+        <c:smooth val="0"/>
+        <c:axId val="1593677536"/>
+        <c:axId val="1593678976"/>
+      </c:lineChart>
+      <c:catAx>
+        <c:axId val="1593677536"/>
+        <c:scaling>
+          <c:orientation val="minMax"/>
+        </c:scaling>
+        <c:delete val="0"/>
+        <c:axPos val="b"/>
+        <c:numFmt formatCode="General" sourceLinked="1"/>
+        <c:majorTickMark val="none"/>
+        <c:minorTickMark val="none"/>
+        <c:tickLblPos val="nextTo"/>
+        <c:spPr>
+          <a:noFill/>
+          <a:ln w="9525" cap="flat" cmpd="sng" algn="ctr">
+            <a:solidFill>
+              <a:schemeClr val="tx1">
+                <a:lumMod val="15000"/>
+                <a:lumOff val="85000"/>
+              </a:schemeClr>
+            </a:solidFill>
+            <a:round/>
+          </a:ln>
+          <a:effectLst/>
+        </c:spPr>
+        <c:txPr>
+          <a:bodyPr rot="-60000000" spcFirstLastPara="1" vertOverflow="ellipsis" vert="horz" wrap="square" anchor="ctr" anchorCtr="1"/>
+          <a:lstStyle/>
+          <a:p>
+            <a:pPr>
+              <a:defRPr sz="900" b="0" i="0" u="none" strike="noStrike" kern="1200" baseline="0">
+                <a:solidFill>
+                  <a:schemeClr val="tx1">
+                    <a:lumMod val="65000"/>
+                    <a:lumOff val="35000"/>
+                  </a:schemeClr>
+                </a:solidFill>
+                <a:latin typeface="+mn-lt"/>
+                <a:ea typeface="+mn-ea"/>
+                <a:cs typeface="+mn-cs"/>
+              </a:defRPr>
+            </a:pPr>
+            <a:endParaRPr lang="ja-JP"/>
+          </a:p>
+        </c:txPr>
+        <c:crossAx val="1593678976"/>
+        <c:crosses val="autoZero"/>
+        <c:auto val="1"/>
+        <c:lblAlgn val="ctr"/>
+        <c:lblOffset val="100"/>
+        <c:noMultiLvlLbl val="0"/>
+      </c:catAx>
+      <c:valAx>
+        <c:axId val="1593678976"/>
+        <c:scaling>
+          <c:orientation val="minMax"/>
+        </c:scaling>
+        <c:delete val="0"/>
+        <c:axPos val="l"/>
+        <c:majorGridlines>
+          <c:spPr>
+            <a:ln w="9525" cap="flat" cmpd="sng" algn="ctr">
+              <a:solidFill>
+                <a:schemeClr val="tx1">
+                  <a:lumMod val="15000"/>
+                  <a:lumOff val="85000"/>
+                </a:schemeClr>
+              </a:solidFill>
+              <a:round/>
+            </a:ln>
+            <a:effectLst/>
+          </c:spPr>
+        </c:majorGridlines>
+        <c:numFmt formatCode="General" sourceLinked="1"/>
+        <c:majorTickMark val="none"/>
+        <c:minorTickMark val="none"/>
+        <c:tickLblPos val="nextTo"/>
+        <c:spPr>
+          <a:noFill/>
+          <a:ln>
+            <a:noFill/>
+          </a:ln>
+          <a:effectLst/>
+        </c:spPr>
+        <c:txPr>
+          <a:bodyPr rot="-60000000" spcFirstLastPara="1" vertOverflow="ellipsis" vert="horz" wrap="square" anchor="ctr" anchorCtr="1"/>
+          <a:lstStyle/>
+          <a:p>
+            <a:pPr>
+              <a:defRPr sz="900" b="0" i="0" u="none" strike="noStrike" kern="1200" baseline="0">
+                <a:solidFill>
+                  <a:schemeClr val="tx1">
+                    <a:lumMod val="65000"/>
+                    <a:lumOff val="35000"/>
+                  </a:schemeClr>
+                </a:solidFill>
+                <a:latin typeface="+mn-lt"/>
+                <a:ea typeface="+mn-ea"/>
+                <a:cs typeface="+mn-cs"/>
+              </a:defRPr>
+            </a:pPr>
+            <a:endParaRPr lang="ja-JP"/>
+          </a:p>
+        </c:txPr>
+        <c:crossAx val="1593677536"/>
+        <c:crosses val="autoZero"/>
+        <c:crossBetween val="between"/>
+      </c:valAx>
+      <c:spPr>
+        <a:noFill/>
+        <a:ln>
+          <a:noFill/>
+        </a:ln>
+        <a:effectLst/>
+      </c:spPr>
+    </c:plotArea>
+    <c:legend>
+      <c:legendPos val="b"/>
+      <c:overlay val="0"/>
+      <c:spPr>
+        <a:noFill/>
+        <a:ln>
+          <a:noFill/>
+        </a:ln>
+        <a:effectLst/>
+      </c:spPr>
+      <c:txPr>
+        <a:bodyPr rot="0" spcFirstLastPara="1" vertOverflow="ellipsis" vert="horz" wrap="square" anchor="ctr" anchorCtr="1"/>
+        <a:lstStyle/>
+        <a:p>
+          <a:pPr>
+            <a:defRPr sz="900" b="0" i="0" u="none" strike="noStrike" kern="1200" baseline="0">
+              <a:solidFill>
+                <a:schemeClr val="tx1">
+                  <a:lumMod val="65000"/>
+                  <a:lumOff val="35000"/>
+                </a:schemeClr>
+              </a:solidFill>
+              <a:latin typeface="+mn-lt"/>
+              <a:ea typeface="+mn-ea"/>
+              <a:cs typeface="+mn-cs"/>
+            </a:defRPr>
+          </a:pPr>
+          <a:endParaRPr lang="ja-JP"/>
+        </a:p>
+      </c:txPr>
+    </c:legend>
+    <c:plotVisOnly val="1"/>
+    <c:dispBlanksAs val="gap"/>
+    <c:extLst>
+      <c:ext xmlns:c16r3="http://schemas.microsoft.com/office/drawing/2017/03/chart" uri="{56B9EC1D-385E-4148-901F-78D8002777C0}">
+        <c16r3:dataDisplayOptions16>
+          <c16r3:dispNaAsBlank val="1"/>
+        </c16r3:dataDisplayOptions16>
+      </c:ext>
+    </c:extLst>
+    <c:showDLblsOverMax val="0"/>
+  </c:chart>
+  <c:spPr>
+    <a:noFill/>
+    <a:ln>
+      <a:noFill/>
+    </a:ln>
+    <a:effectLst/>
+  </c:spPr>
+  <c:txPr>
+    <a:bodyPr/>
+    <a:lstStyle/>
+    <a:p>
+      <a:pPr>
+        <a:defRPr/>
+      </a:pPr>
+      <a:endParaRPr lang="ja-JP"/>
+    </a:p>
+  </c:txPr>
+  <c:externalData r:id="rId3">
+    <c:autoUpdate val="0"/>
+  </c:externalData>
+</c:chartSpace>
+</file>
+
+<file path=ppt/charts/colors1.xml><?xml version="1.0" encoding="utf-8"?>
+<cs:colorStyle xmlns:cs="http://schemas.microsoft.com/office/drawing/2012/chartStyle" xmlns:a="http://schemas.openxmlformats.org/drawingml/2006/main" meth="cycle" id="10">
+  <a:schemeClr val="accent1"/>
+  <a:schemeClr val="accent2"/>
+  <a:schemeClr val="accent3"/>
+  <a:schemeClr val="accent4"/>
+  <a:schemeClr val="accent5"/>
+  <a:schemeClr val="accent6"/>
+  <cs:variation/>
+  <cs:variation>
+    <a:lumMod val="60000"/>
+  </cs:variation>
+  <cs:variation>
+    <a:lumMod val="80000"/>
+    <a:lumOff val="20000"/>
+  </cs:variation>
+  <cs:variation>
+    <a:lumMod val="80000"/>
+  </cs:variation>
+  <cs:variation>
+    <a:lumMod val="60000"/>
+    <a:lumOff val="40000"/>
+  </cs:variation>
+  <cs:variation>
+    <a:lumMod val="50000"/>
+  </cs:variation>
+  <cs:variation>
+    <a:lumMod val="70000"/>
+    <a:lumOff val="30000"/>
+  </cs:variation>
+  <cs:variation>
+    <a:lumMod val="70000"/>
+  </cs:variation>
+  <cs:variation>
+    <a:lumMod val="50000"/>
+    <a:lumOff val="50000"/>
+  </cs:variation>
+</cs:colorStyle>
+</file>
+
+<file path=ppt/charts/style1.xml><?xml version="1.0" encoding="utf-8"?>
+<cs:chartStyle xmlns:cs="http://schemas.microsoft.com/office/drawing/2012/chartStyle" xmlns:a="http://schemas.openxmlformats.org/drawingml/2006/main" id="227">
+  <cs:axisTitle>
+    <cs:lnRef idx="0"/>
+    <cs:fillRef idx="0"/>
+    <cs:effectRef idx="0"/>
+    <cs:fontRef idx="minor">
+      <a:schemeClr val="tx1">
+        <a:lumMod val="65000"/>
+        <a:lumOff val="35000"/>
+      </a:schemeClr>
+    </cs:fontRef>
+    <cs:defRPr sz="1000" kern="1200"/>
+  </cs:axisTitle>
+  <cs:categoryAxis>
+    <cs:lnRef idx="0"/>
+    <cs:fillRef idx="0"/>
+    <cs:effectRef idx="0"/>
+    <cs:fontRef idx="minor">
+      <a:schemeClr val="tx1">
+        <a:lumMod val="65000"/>
+        <a:lumOff val="35000"/>
+      </a:schemeClr>
+    </cs:fontRef>
+    <cs:spPr>
+      <a:ln w="9525" cap="flat" cmpd="sng" algn="ctr">
+        <a:solidFill>
+          <a:schemeClr val="tx1">
+            <a:lumMod val="15000"/>
+            <a:lumOff val="85000"/>
+          </a:schemeClr>
+        </a:solidFill>
+        <a:round/>
+      </a:ln>
+    </cs:spPr>
+    <cs:defRPr sz="900" kern="1200"/>
+  </cs:categoryAxis>
+  <cs:chartArea mods="allowNoFillOverride allowNoLineOverride">
+    <cs:lnRef idx="0"/>
+    <cs:fillRef idx="0"/>
+    <cs:effectRef idx="0"/>
+    <cs:fontRef idx="minor">
+      <a:schemeClr val="tx1"/>
+    </cs:fontRef>
+    <cs:spPr>
+      <a:solidFill>
+        <a:schemeClr val="bg1"/>
+      </a:solidFill>
+      <a:ln w="9525" cap="flat" cmpd="sng" algn="ctr">
+        <a:solidFill>
+          <a:schemeClr val="tx1">
+            <a:lumMod val="15000"/>
+            <a:lumOff val="85000"/>
+          </a:schemeClr>
+        </a:solidFill>
+        <a:round/>
+      </a:ln>
+    </cs:spPr>
+    <cs:defRPr sz="1000" kern="1200"/>
+  </cs:chartArea>
+  <cs:dataLabel>
+    <cs:lnRef idx="0"/>
+    <cs:fillRef idx="0"/>
+    <cs:effectRef idx="0"/>
+    <cs:fontRef idx="minor">
+      <a:schemeClr val="tx1">
+        <a:lumMod val="75000"/>
+        <a:lumOff val="25000"/>
+      </a:schemeClr>
+    </cs:fontRef>
+    <cs:defRPr sz="900" kern="1200"/>
+  </cs:dataLabel>
+  <cs:dataLabelCallout>
+    <cs:lnRef idx="0"/>
+    <cs:fillRef idx="0"/>
+    <cs:effectRef idx="0"/>
+    <cs:fontRef idx="minor">
+      <a:schemeClr val="dk1">
+        <a:lumMod val="65000"/>
+        <a:lumOff val="35000"/>
+      </a:schemeClr>
+    </cs:fontRef>
+    <cs:spPr>
+      <a:solidFill>
+        <a:schemeClr val="lt1"/>
+      </a:solidFill>
+      <a:ln>
+        <a:solidFill>
+          <a:schemeClr val="dk1">
+            <a:lumMod val="25000"/>
+            <a:lumOff val="75000"/>
+          </a:schemeClr>
+        </a:solidFill>
+      </a:ln>
+    </cs:spPr>
+    <cs:defRPr sz="900" kern="1200"/>
+    <cs:bodyPr rot="0" spcFirstLastPara="1" vertOverflow="clip" horzOverflow="clip" vert="horz" wrap="square" lIns="36576" tIns="18288" rIns="36576" bIns="18288" anchor="ctr" anchorCtr="1">
+      <a:spAutoFit/>
+    </cs:bodyPr>
+  </cs:dataLabelCallout>
+  <cs:dataPoint>
+    <cs:lnRef idx="0"/>
+    <cs:fillRef idx="1">
+      <cs:styleClr val="auto"/>
+    </cs:fillRef>
+    <cs:effectRef idx="0"/>
+    <cs:fontRef idx="minor">
+      <a:schemeClr val="tx1"/>
+    </cs:fontRef>
+    <cs:spPr>
+      <a:solidFill>
+        <a:schemeClr val="phClr"/>
+      </a:solidFill>
+    </cs:spPr>
+  </cs:dataPoint>
+  <cs:dataPoint3D>
+    <cs:lnRef idx="0"/>
+    <cs:fillRef idx="1">
+      <cs:styleClr val="auto"/>
+    </cs:fillRef>
+    <cs:effectRef idx="0"/>
+    <cs:fontRef idx="minor">
+      <a:schemeClr val="tx1"/>
+    </cs:fontRef>
+    <cs:spPr>
+      <a:solidFill>
+        <a:schemeClr val="phClr"/>
+      </a:solidFill>
+    </cs:spPr>
+  </cs:dataPoint3D>
+  <cs:dataPointLine>
+    <cs:lnRef idx="0">
+      <cs:styleClr val="auto"/>
+    </cs:lnRef>
+    <cs:fillRef idx="1"/>
+    <cs:effectRef idx="0"/>
+    <cs:fontRef idx="minor">
+      <a:schemeClr val="tx1"/>
+    </cs:fontRef>
+    <cs:spPr>
+      <a:ln w="28575" cap="rnd">
+        <a:solidFill>
+          <a:schemeClr val="phClr"/>
+        </a:solidFill>
+        <a:round/>
+      </a:ln>
+    </cs:spPr>
+  </cs:dataPointLine>
+  <cs:dataPointMarker>
+    <cs:lnRef idx="0">
+      <cs:styleClr val="auto"/>
+    </cs:lnRef>
+    <cs:fillRef idx="1">
+      <cs:styleClr val="auto"/>
+    </cs:fillRef>
+    <cs:effectRef idx="0"/>
+    <cs:fontRef idx="minor">
+      <a:schemeClr val="tx1"/>
+    </cs:fontRef>
+    <cs:spPr>
+      <a:solidFill>
+        <a:schemeClr val="phClr"/>
+      </a:solidFill>
+      <a:ln w="9525">
+        <a:solidFill>
+          <a:schemeClr val="phClr"/>
+        </a:solidFill>
+      </a:ln>
+    </cs:spPr>
+  </cs:dataPointMarker>
+  <cs:dataPointMarkerLayout symbol="circle" size="5"/>
+  <cs:dataPointWireframe>
+    <cs:lnRef idx="0">
+      <cs:styleClr val="auto"/>
+    </cs:lnRef>
+    <cs:fillRef idx="1"/>
+    <cs:effectRef idx="0"/>
+    <cs:fontRef idx="minor">
+      <a:schemeClr val="tx1"/>
+    </cs:fontRef>
+    <cs:spPr>
+      <a:ln w="9525" cap="rnd">
+        <a:solidFill>
+          <a:schemeClr val="phClr"/>
+        </a:solidFill>
+        <a:round/>
+      </a:ln>
+    </cs:spPr>
+  </cs:dataPointWireframe>
+  <cs:dataTable>
+    <cs:lnRef idx="0"/>
+    <cs:fillRef idx="0"/>
+    <cs:effectRef idx="0"/>
+    <cs:fontRef idx="minor">
+      <a:schemeClr val="tx1">
+        <a:lumMod val="65000"/>
+        <a:lumOff val="35000"/>
+      </a:schemeClr>
+    </cs:fontRef>
+    <cs:spPr>
+      <a:noFill/>
+      <a:ln w="9525" cap="flat" cmpd="sng" algn="ctr">
+        <a:solidFill>
+          <a:schemeClr val="tx1">
+            <a:lumMod val="15000"/>
+            <a:lumOff val="85000"/>
+          </a:schemeClr>
+        </a:solidFill>
+        <a:round/>
+      </a:ln>
+    </cs:spPr>
+    <cs:defRPr sz="900" kern="1200"/>
+  </cs:dataTable>
+  <cs:downBar>
+    <cs:lnRef idx="0"/>
+    <cs:fillRef idx="0"/>
+    <cs:effectRef idx="0"/>
+    <cs:fontRef idx="minor">
+      <a:schemeClr val="dk1"/>
+    </cs:fontRef>
+    <cs:spPr>
+      <a:solidFill>
+        <a:schemeClr val="dk1">
+          <a:lumMod val="65000"/>
+          <a:lumOff val="35000"/>
+        </a:schemeClr>
+      </a:solidFill>
+      <a:ln w="9525">
+        <a:solidFill>
+          <a:schemeClr val="tx1">
+            <a:lumMod val="65000"/>
+            <a:lumOff val="35000"/>
+          </a:schemeClr>
+        </a:solidFill>
+      </a:ln>
+    </cs:spPr>
+  </cs:downBar>
+  <cs:dropLine>
+    <cs:lnRef idx="0"/>
+    <cs:fillRef idx="0"/>
+    <cs:effectRef idx="0"/>
+    <cs:fontRef idx="minor">
+      <a:schemeClr val="tx1"/>
+    </cs:fontRef>
+    <cs:spPr>
+      <a:ln w="9525" cap="flat" cmpd="sng" algn="ctr">
+        <a:solidFill>
+          <a:schemeClr val="tx1">
+            <a:lumMod val="35000"/>
+            <a:lumOff val="65000"/>
+          </a:schemeClr>
+        </a:solidFill>
+        <a:round/>
+      </a:ln>
+    </cs:spPr>
+  </cs:dropLine>
+  <cs:errorBar>
+    <cs:lnRef idx="0"/>
+    <cs:fillRef idx="0"/>
+    <cs:effectRef idx="0"/>
+    <cs:fontRef idx="minor">
+      <a:schemeClr val="tx1"/>
+    </cs:fontRef>
+    <cs:spPr>
+      <a:ln w="9525" cap="flat" cmpd="sng" algn="ctr">
+        <a:solidFill>
+          <a:schemeClr val="tx1">
+            <a:lumMod val="65000"/>
+            <a:lumOff val="35000"/>
+          </a:schemeClr>
+        </a:solidFill>
+        <a:round/>
+      </a:ln>
+    </cs:spPr>
+  </cs:errorBar>
+  <cs:floor>
+    <cs:lnRef idx="0"/>
+    <cs:fillRef idx="0"/>
+    <cs:effectRef idx="0"/>
+    <cs:fontRef idx="minor">
+      <a:schemeClr val="tx1"/>
+    </cs:fontRef>
+    <cs:spPr>
+      <a:noFill/>
+      <a:ln>
+        <a:noFill/>
+      </a:ln>
+    </cs:spPr>
+  </cs:floor>
+  <cs:gridlineMajor>
+    <cs:lnRef idx="0"/>
+    <cs:fillRef idx="0"/>
+    <cs:effectRef idx="0"/>
+    <cs:fontRef idx="minor">
+      <a:schemeClr val="tx1"/>
+    </cs:fontRef>
+    <cs:spPr>
+      <a:ln w="9525" cap="flat" cmpd="sng" algn="ctr">
+        <a:solidFill>
+          <a:schemeClr val="tx1">
+            <a:lumMod val="15000"/>
+            <a:lumOff val="85000"/>
+          </a:schemeClr>
+        </a:solidFill>
+        <a:round/>
+      </a:ln>
+    </cs:spPr>
+  </cs:gridlineMajor>
+  <cs:gridlineMinor>
+    <cs:lnRef idx="0"/>
+    <cs:fillRef idx="0"/>
+    <cs:effectRef idx="0"/>
+    <cs:fontRef idx="minor">
+      <a:schemeClr val="tx1"/>
+    </cs:fontRef>
+    <cs:spPr>
+      <a:ln w="9525" cap="flat" cmpd="sng" algn="ctr">
+        <a:solidFill>
+          <a:schemeClr val="tx1">
+            <a:lumMod val="5000"/>
+            <a:lumOff val="95000"/>
+          </a:schemeClr>
+        </a:solidFill>
+        <a:round/>
+      </a:ln>
+    </cs:spPr>
+  </cs:gridlineMinor>
+  <cs:hiLoLine>
+    <cs:lnRef idx="0"/>
+    <cs:fillRef idx="0"/>
+    <cs:effectRef idx="0"/>
+    <cs:fontRef idx="minor">
+      <a:schemeClr val="tx1"/>
+    </cs:fontRef>
+    <cs:spPr>
+      <a:ln w="9525" cap="flat" cmpd="sng" algn="ctr">
+        <a:solidFill>
+          <a:schemeClr val="tx1">
+            <a:lumMod val="75000"/>
+            <a:lumOff val="25000"/>
+          </a:schemeClr>
+        </a:solidFill>
+        <a:round/>
+      </a:ln>
+    </cs:spPr>
+  </cs:hiLoLine>
+  <cs:leaderLine>
+    <cs:lnRef idx="0"/>
+    <cs:fillRef idx="0"/>
+    <cs:effectRef idx="0"/>
+    <cs:fontRef idx="minor">
+      <a:schemeClr val="tx1"/>
+    </cs:fontRef>
+    <cs:spPr>
+      <a:ln w="9525" cap="flat" cmpd="sng" algn="ctr">
+        <a:solidFill>
+          <a:schemeClr val="tx1">
+            <a:lumMod val="35000"/>
+            <a:lumOff val="65000"/>
+          </a:schemeClr>
+        </a:solidFill>
+        <a:round/>
+      </a:ln>
+    </cs:spPr>
+  </cs:leaderLine>
+  <cs:legend>
+    <cs:lnRef idx="0"/>
+    <cs:fillRef idx="0"/>
+    <cs:effectRef idx="0"/>
+    <cs:fontRef idx="minor">
+      <a:schemeClr val="tx1">
+        <a:lumMod val="65000"/>
+        <a:lumOff val="35000"/>
+      </a:schemeClr>
+    </cs:fontRef>
+    <cs:defRPr sz="900" kern="1200"/>
+  </cs:legend>
+  <cs:plotArea mods="allowNoFillOverride allowNoLineOverride">
+    <cs:lnRef idx="0"/>
+    <cs:fillRef idx="0"/>
+    <cs:effectRef idx="0"/>
+    <cs:fontRef idx="minor">
+      <a:schemeClr val="tx1"/>
+    </cs:fontRef>
+  </cs:plotArea>
+  <cs:plotArea3D mods="allowNoFillOverride allowNoLineOverride">
+    <cs:lnRef idx="0"/>
+    <cs:fillRef idx="0"/>
+    <cs:effectRef idx="0"/>
+    <cs:fontRef idx="minor">
+      <a:schemeClr val="tx1"/>
+    </cs:fontRef>
+  </cs:plotArea3D>
+  <cs:seriesAxis>
+    <cs:lnRef idx="0"/>
+    <cs:fillRef idx="0"/>
+    <cs:effectRef idx="0"/>
+    <cs:fontRef idx="minor">
+      <a:schemeClr val="tx1">
+        <a:lumMod val="65000"/>
+        <a:lumOff val="35000"/>
+      </a:schemeClr>
+    </cs:fontRef>
+    <cs:defRPr sz="900" kern="1200"/>
+  </cs:seriesAxis>
+  <cs:seriesLine>
+    <cs:lnRef idx="0"/>
+    <cs:fillRef idx="0"/>
+    <cs:effectRef idx="0"/>
+    <cs:fontRef idx="minor">
+      <a:schemeClr val="tx1"/>
+    </cs:fontRef>
+    <cs:spPr>
+      <a:ln w="9525" cap="flat" cmpd="sng" algn="ctr">
+        <a:solidFill>
+          <a:schemeClr val="tx1">
+            <a:lumMod val="35000"/>
+            <a:lumOff val="65000"/>
+          </a:schemeClr>
+        </a:solidFill>
+        <a:round/>
+      </a:ln>
+    </cs:spPr>
+  </cs:seriesLine>
+  <cs:title>
+    <cs:lnRef idx="0"/>
+    <cs:fillRef idx="0"/>
+    <cs:effectRef idx="0"/>
+    <cs:fontRef idx="minor">
+      <a:schemeClr val="tx1">
+        <a:lumMod val="65000"/>
+        <a:lumOff val="35000"/>
+      </a:schemeClr>
+    </cs:fontRef>
+    <cs:defRPr sz="1400" b="0" kern="1200" spc="0" baseline="0"/>
+  </cs:title>
+  <cs:trendline>
+    <cs:lnRef idx="0">
+      <cs:styleClr val="auto"/>
+    </cs:lnRef>
+    <cs:fillRef idx="0"/>
+    <cs:effectRef idx="0"/>
+    <cs:fontRef idx="minor">
+      <a:schemeClr val="tx1"/>
+    </cs:fontRef>
+    <cs:spPr>
+      <a:ln w="19050" cap="rnd">
+        <a:solidFill>
+          <a:schemeClr val="phClr"/>
+        </a:solidFill>
+        <a:prstDash val="sysDot"/>
+      </a:ln>
+    </cs:spPr>
+  </cs:trendline>
+  <cs:trendlineLabel>
+    <cs:lnRef idx="0"/>
+    <cs:fillRef idx="0"/>
+    <cs:effectRef idx="0"/>
+    <cs:fontRef idx="minor">
+      <a:schemeClr val="tx1">
+        <a:lumMod val="65000"/>
+        <a:lumOff val="35000"/>
+      </a:schemeClr>
+    </cs:fontRef>
+    <cs:defRPr sz="900" kern="1200"/>
+  </cs:trendlineLabel>
+  <cs:upBar>
+    <cs:lnRef idx="0"/>
+    <cs:fillRef idx="0"/>
+    <cs:effectRef idx="0"/>
+    <cs:fontRef idx="minor">
+      <a:schemeClr val="dk1"/>
+    </cs:fontRef>
+    <cs:spPr>
+      <a:solidFill>
+        <a:schemeClr val="lt1"/>
+      </a:solidFill>
+      <a:ln w="9525">
+        <a:solidFill>
+          <a:schemeClr val="tx1">
+            <a:lumMod val="15000"/>
+            <a:lumOff val="85000"/>
+          </a:schemeClr>
+        </a:solidFill>
+      </a:ln>
+    </cs:spPr>
+  </cs:upBar>
+  <cs:valueAxis>
+    <cs:lnRef idx="0"/>
+    <cs:fillRef idx="0"/>
+    <cs:effectRef idx="0"/>
+    <cs:fontRef idx="minor">
+      <a:schemeClr val="tx1">
+        <a:lumMod val="65000"/>
+        <a:lumOff val="35000"/>
+      </a:schemeClr>
+    </cs:fontRef>
+    <cs:defRPr sz="900" kern="1200"/>
+  </cs:valueAxis>
+  <cs:wall>
+    <cs:lnRef idx="0"/>
+    <cs:fillRef idx="0"/>
+    <cs:effectRef idx="0"/>
+    <cs:fontRef idx="minor">
+      <a:schemeClr val="tx1"/>
+    </cs:fontRef>
+    <cs:spPr>
+      <a:noFill/>
+      <a:ln>
+        <a:noFill/>
+      </a:ln>
+    </cs:spPr>
+  </cs:wall>
+</cs:chartStyle>
 </file>
 
 <file path=ppt/notesMasters/notesMaster1.xml><?xml version="1.0" encoding="utf-8"?>
@@ -665,7 +3123,7 @@
           <a:p>
             <a:fld id="{8C5FB4E6-B225-494F-BCB9-8197F5578D89}" type="datetimeFigureOut">
               <a:rPr kumimoji="1" lang="ja-JP" altLang="en-US" smtClean="0"/>
-              <a:t>2024/12/13</a:t>
+              <a:t>2024/12/16</a:t>
             </a:fld>
             <a:endParaRPr kumimoji="1" lang="ja-JP" altLang="en-US"/>
           </a:p>
@@ -1195,7 +3653,7 @@
           <a:p>
             <a:fld id="{02782626-011F-44C0-9ACA-60A7883AD368}" type="datetimeFigureOut">
               <a:rPr kumimoji="1" lang="ja-JP" altLang="en-US" smtClean="0"/>
-              <a:t>2024/12/13</a:t>
+              <a:t>2024/12/16</a:t>
             </a:fld>
             <a:endParaRPr kumimoji="1" lang="ja-JP" altLang="en-US"/>
           </a:p>
@@ -1425,7 +3883,7 @@
           <a:p>
             <a:fld id="{02782626-011F-44C0-9ACA-60A7883AD368}" type="datetimeFigureOut">
               <a:rPr kumimoji="1" lang="ja-JP" altLang="en-US" smtClean="0"/>
-              <a:t>2024/12/13</a:t>
+              <a:t>2024/12/16</a:t>
             </a:fld>
             <a:endParaRPr kumimoji="1" lang="ja-JP" altLang="en-US"/>
           </a:p>
@@ -1665,7 +4123,7 @@
           <a:p>
             <a:fld id="{02782626-011F-44C0-9ACA-60A7883AD368}" type="datetimeFigureOut">
               <a:rPr kumimoji="1" lang="ja-JP" altLang="en-US" smtClean="0"/>
-              <a:t>2024/12/13</a:t>
+              <a:t>2024/12/16</a:t>
             </a:fld>
             <a:endParaRPr kumimoji="1" lang="ja-JP" altLang="en-US"/>
           </a:p>
@@ -1895,7 +4353,7 @@
           <a:p>
             <a:fld id="{02782626-011F-44C0-9ACA-60A7883AD368}" type="datetimeFigureOut">
               <a:rPr kumimoji="1" lang="ja-JP" altLang="en-US" smtClean="0"/>
-              <a:t>2024/12/13</a:t>
+              <a:t>2024/12/16</a:t>
             </a:fld>
             <a:endParaRPr kumimoji="1" lang="ja-JP" altLang="en-US"/>
           </a:p>
@@ -2170,7 +4628,7 @@
           <a:p>
             <a:fld id="{02782626-011F-44C0-9ACA-60A7883AD368}" type="datetimeFigureOut">
               <a:rPr kumimoji="1" lang="ja-JP" altLang="en-US" smtClean="0"/>
-              <a:t>2024/12/13</a:t>
+              <a:t>2024/12/16</a:t>
             </a:fld>
             <a:endParaRPr kumimoji="1" lang="ja-JP" altLang="en-US"/>
           </a:p>
@@ -2499,7 +4957,7 @@
           <a:p>
             <a:fld id="{02782626-011F-44C0-9ACA-60A7883AD368}" type="datetimeFigureOut">
               <a:rPr kumimoji="1" lang="ja-JP" altLang="en-US" smtClean="0"/>
-              <a:t>2024/12/13</a:t>
+              <a:t>2024/12/16</a:t>
             </a:fld>
             <a:endParaRPr kumimoji="1" lang="ja-JP" altLang="en-US"/>
           </a:p>
@@ -2975,7 +5433,7 @@
           <a:p>
             <a:fld id="{02782626-011F-44C0-9ACA-60A7883AD368}" type="datetimeFigureOut">
               <a:rPr kumimoji="1" lang="ja-JP" altLang="en-US" smtClean="0"/>
-              <a:t>2024/12/13</a:t>
+              <a:t>2024/12/16</a:t>
             </a:fld>
             <a:endParaRPr kumimoji="1" lang="ja-JP" altLang="en-US"/>
           </a:p>
@@ -3116,7 +5574,7 @@
           <a:p>
             <a:fld id="{02782626-011F-44C0-9ACA-60A7883AD368}" type="datetimeFigureOut">
               <a:rPr kumimoji="1" lang="ja-JP" altLang="en-US" smtClean="0"/>
-              <a:t>2024/12/13</a:t>
+              <a:t>2024/12/16</a:t>
             </a:fld>
             <a:endParaRPr kumimoji="1" lang="ja-JP" altLang="en-US"/>
           </a:p>
@@ -3229,7 +5687,7 @@
           <a:p>
             <a:fld id="{02782626-011F-44C0-9ACA-60A7883AD368}" type="datetimeFigureOut">
               <a:rPr kumimoji="1" lang="ja-JP" altLang="en-US" smtClean="0"/>
-              <a:t>2024/12/13</a:t>
+              <a:t>2024/12/16</a:t>
             </a:fld>
             <a:endParaRPr kumimoji="1" lang="ja-JP" altLang="en-US"/>
           </a:p>
@@ -3572,7 +6030,7 @@
           <a:p>
             <a:fld id="{02782626-011F-44C0-9ACA-60A7883AD368}" type="datetimeFigureOut">
               <a:rPr kumimoji="1" lang="ja-JP" altLang="en-US" smtClean="0"/>
-              <a:t>2024/12/13</a:t>
+              <a:t>2024/12/16</a:t>
             </a:fld>
             <a:endParaRPr kumimoji="1" lang="ja-JP" altLang="en-US"/>
           </a:p>
@@ -3860,7 +6318,7 @@
           <a:p>
             <a:fld id="{02782626-011F-44C0-9ACA-60A7883AD368}" type="datetimeFigureOut">
               <a:rPr kumimoji="1" lang="ja-JP" altLang="en-US" smtClean="0"/>
-              <a:t>2024/12/13</a:t>
+              <a:t>2024/12/16</a:t>
             </a:fld>
             <a:endParaRPr kumimoji="1" lang="ja-JP" altLang="en-US"/>
           </a:p>
@@ -4133,7 +6591,7 @@
           <a:p>
             <a:fld id="{02782626-011F-44C0-9ACA-60A7883AD368}" type="datetimeFigureOut">
               <a:rPr kumimoji="1" lang="ja-JP" altLang="en-US" smtClean="0"/>
-              <a:t>2024/12/13</a:t>
+              <a:t>2024/12/16</a:t>
             </a:fld>
             <a:endParaRPr kumimoji="1" lang="ja-JP" altLang="en-US"/>
           </a:p>
@@ -4726,6 +7184,641 @@
 </p:sld>
 </file>
 
+<file path=ppt/slides/slide10.xml><?xml version="1.0" encoding="utf-8"?>
+<p:sld xmlns:a="http://schemas.openxmlformats.org/drawingml/2006/main" xmlns:r="http://schemas.openxmlformats.org/officeDocument/2006/relationships" xmlns:p="http://schemas.openxmlformats.org/presentationml/2006/main">
+  <p:cSld>
+    <p:spTree>
+      <p:nvGrpSpPr>
+        <p:cNvPr id="1" name="">
+          <a:extLst>
+            <a:ext uri="{FF2B5EF4-FFF2-40B4-BE49-F238E27FC236}">
+              <a16:creationId xmlns:a16="http://schemas.microsoft.com/office/drawing/2014/main" id="{79CDDA47-0B29-43CA-AFC1-4D4060984DC9}"/>
+            </a:ext>
+          </a:extLst>
+        </p:cNvPr>
+        <p:cNvGrpSpPr/>
+        <p:nvPr/>
+      </p:nvGrpSpPr>
+      <p:grpSpPr>
+        <a:xfrm>
+          <a:off x="0" y="0"/>
+          <a:ext cx="0" cy="0"/>
+          <a:chOff x="0" y="0"/>
+          <a:chExt cx="0" cy="0"/>
+        </a:xfrm>
+      </p:grpSpPr>
+      <p:sp>
+        <p:nvSpPr>
+          <p:cNvPr id="4" name="正方形/長方形 3">
+            <a:extLst>
+              <a:ext uri="{FF2B5EF4-FFF2-40B4-BE49-F238E27FC236}">
+                <a16:creationId xmlns:a16="http://schemas.microsoft.com/office/drawing/2014/main" id="{291F9902-FF91-72C4-D9FE-5317FAADEF6F}"/>
+              </a:ext>
+            </a:extLst>
+          </p:cNvPr>
+          <p:cNvSpPr/>
+          <p:nvPr/>
+        </p:nvSpPr>
+        <p:spPr>
+          <a:xfrm>
+            <a:off x="0" y="-1"/>
+            <a:ext cx="12192000" cy="995881"/>
+          </a:xfrm>
+          <a:prstGeom prst="rect">
+            <a:avLst/>
+          </a:prstGeom>
+          <a:solidFill>
+            <a:schemeClr val="accent1">
+              <a:lumMod val="60000"/>
+              <a:lumOff val="40000"/>
+            </a:schemeClr>
+          </a:solidFill>
+          <a:ln>
+            <a:noFill/>
+          </a:ln>
+        </p:spPr>
+        <p:style>
+          <a:lnRef idx="2">
+            <a:schemeClr val="accent1">
+              <a:shade val="15000"/>
+            </a:schemeClr>
+          </a:lnRef>
+          <a:fillRef idx="1">
+            <a:schemeClr val="accent1"/>
+          </a:fillRef>
+          <a:effectRef idx="0">
+            <a:schemeClr val="accent1"/>
+          </a:effectRef>
+          <a:fontRef idx="minor">
+            <a:schemeClr val="lt1"/>
+          </a:fontRef>
+        </p:style>
+        <p:txBody>
+          <a:bodyPr rtlCol="0" anchor="ctr"/>
+          <a:lstStyle/>
+          <a:p>
+            <a:r>
+              <a:rPr kumimoji="1" lang="ja-JP" altLang="en-US" sz="3600" dirty="0">
+                <a:latin typeface="BIZ UDPゴシック" panose="020B0400000000000000" pitchFamily="50" charset="-128"/>
+                <a:ea typeface="BIZ UDPゴシック" panose="020B0400000000000000" pitchFamily="50" charset="-128"/>
+              </a:rPr>
+              <a:t>２．歌詞に用いられる単語の難易度による算出法</a:t>
+            </a:r>
+            <a:endParaRPr kumimoji="1" lang="en-US" altLang="ja-JP" sz="3600" dirty="0">
+              <a:latin typeface="BIZ UDPゴシック" panose="020B0400000000000000" pitchFamily="50" charset="-128"/>
+              <a:ea typeface="BIZ UDPゴシック" panose="020B0400000000000000" pitchFamily="50" charset="-128"/>
+            </a:endParaRPr>
+          </a:p>
+        </p:txBody>
+      </p:sp>
+      <p:sp>
+        <p:nvSpPr>
+          <p:cNvPr id="2" name="テキスト ボックス 5">
+            <a:extLst>
+              <a:ext uri="{FF2B5EF4-FFF2-40B4-BE49-F238E27FC236}">
+                <a16:creationId xmlns:a16="http://schemas.microsoft.com/office/drawing/2014/main" id="{0F74D52C-51B1-CFBB-532F-B1DA5B49BF5F}"/>
+              </a:ext>
+            </a:extLst>
+          </p:cNvPr>
+          <p:cNvSpPr txBox="1"/>
+          <p:nvPr/>
+        </p:nvSpPr>
+        <p:spPr>
+          <a:xfrm>
+            <a:off x="461971" y="1440408"/>
+            <a:ext cx="3015573" cy="461665"/>
+          </a:xfrm>
+          <a:prstGeom prst="rect">
+            <a:avLst/>
+          </a:prstGeom>
+          <a:noFill/>
+        </p:spPr>
+        <p:txBody>
+          <a:bodyPr wrap="square" rtlCol="0">
+            <a:spAutoFit/>
+          </a:bodyPr>
+          <a:lstStyle>
+            <a:defPPr>
+              <a:defRPr lang="en-US"/>
+            </a:defPPr>
+            <a:lvl1pPr marL="0" algn="l" defTabSz="457200" rtl="0" eaLnBrk="1" latinLnBrk="0" hangingPunct="1">
+              <a:defRPr sz="1800" kern="1200">
+                <a:solidFill>
+                  <a:schemeClr val="tx1"/>
+                </a:solidFill>
+                <a:latin typeface="+mn-lt"/>
+                <a:ea typeface="+mn-ea"/>
+                <a:cs typeface="+mn-cs"/>
+              </a:defRPr>
+            </a:lvl1pPr>
+            <a:lvl2pPr marL="457200" algn="l" defTabSz="457200" rtl="0" eaLnBrk="1" latinLnBrk="0" hangingPunct="1">
+              <a:defRPr sz="1800" kern="1200">
+                <a:solidFill>
+                  <a:schemeClr val="tx1"/>
+                </a:solidFill>
+                <a:latin typeface="+mn-lt"/>
+                <a:ea typeface="+mn-ea"/>
+                <a:cs typeface="+mn-cs"/>
+              </a:defRPr>
+            </a:lvl2pPr>
+            <a:lvl3pPr marL="914400" algn="l" defTabSz="457200" rtl="0" eaLnBrk="1" latinLnBrk="0" hangingPunct="1">
+              <a:defRPr sz="1800" kern="1200">
+                <a:solidFill>
+                  <a:schemeClr val="tx1"/>
+                </a:solidFill>
+                <a:latin typeface="+mn-lt"/>
+                <a:ea typeface="+mn-ea"/>
+                <a:cs typeface="+mn-cs"/>
+              </a:defRPr>
+            </a:lvl3pPr>
+            <a:lvl4pPr marL="1371600" algn="l" defTabSz="457200" rtl="0" eaLnBrk="1" latinLnBrk="0" hangingPunct="1">
+              <a:defRPr sz="1800" kern="1200">
+                <a:solidFill>
+                  <a:schemeClr val="tx1"/>
+                </a:solidFill>
+                <a:latin typeface="+mn-lt"/>
+                <a:ea typeface="+mn-ea"/>
+                <a:cs typeface="+mn-cs"/>
+              </a:defRPr>
+            </a:lvl4pPr>
+            <a:lvl5pPr marL="1828800" algn="l" defTabSz="457200" rtl="0" eaLnBrk="1" latinLnBrk="0" hangingPunct="1">
+              <a:defRPr sz="1800" kern="1200">
+                <a:solidFill>
+                  <a:schemeClr val="tx1"/>
+                </a:solidFill>
+                <a:latin typeface="+mn-lt"/>
+                <a:ea typeface="+mn-ea"/>
+                <a:cs typeface="+mn-cs"/>
+              </a:defRPr>
+            </a:lvl5pPr>
+            <a:lvl6pPr marL="2286000" algn="l" defTabSz="457200" rtl="0" eaLnBrk="1" latinLnBrk="0" hangingPunct="1">
+              <a:defRPr sz="1800" kern="1200">
+                <a:solidFill>
+                  <a:schemeClr val="tx1"/>
+                </a:solidFill>
+                <a:latin typeface="+mn-lt"/>
+                <a:ea typeface="+mn-ea"/>
+                <a:cs typeface="+mn-cs"/>
+              </a:defRPr>
+            </a:lvl6pPr>
+            <a:lvl7pPr marL="2743200" algn="l" defTabSz="457200" rtl="0" eaLnBrk="1" latinLnBrk="0" hangingPunct="1">
+              <a:defRPr sz="1800" kern="1200">
+                <a:solidFill>
+                  <a:schemeClr val="tx1"/>
+                </a:solidFill>
+                <a:latin typeface="+mn-lt"/>
+                <a:ea typeface="+mn-ea"/>
+                <a:cs typeface="+mn-cs"/>
+              </a:defRPr>
+            </a:lvl7pPr>
+            <a:lvl8pPr marL="3200400" algn="l" defTabSz="457200" rtl="0" eaLnBrk="1" latinLnBrk="0" hangingPunct="1">
+              <a:defRPr sz="1800" kern="1200">
+                <a:solidFill>
+                  <a:schemeClr val="tx1"/>
+                </a:solidFill>
+                <a:latin typeface="+mn-lt"/>
+                <a:ea typeface="+mn-ea"/>
+                <a:cs typeface="+mn-cs"/>
+              </a:defRPr>
+            </a:lvl8pPr>
+            <a:lvl9pPr marL="3657600" algn="l" defTabSz="457200" rtl="0" eaLnBrk="1" latinLnBrk="0" hangingPunct="1">
+              <a:defRPr sz="1800" kern="1200">
+                <a:solidFill>
+                  <a:schemeClr val="tx1"/>
+                </a:solidFill>
+                <a:latin typeface="+mn-lt"/>
+                <a:ea typeface="+mn-ea"/>
+                <a:cs typeface="+mn-cs"/>
+              </a:defRPr>
+            </a:lvl9pPr>
+          </a:lstStyle>
+          <a:p>
+            <a:r>
+              <a:rPr kumimoji="1" lang="ja-JP" altLang="en-US" sz="2400" b="1" dirty="0">
+                <a:solidFill>
+                  <a:schemeClr val="tx1">
+                    <a:lumMod val="75000"/>
+                    <a:lumOff val="25000"/>
+                  </a:schemeClr>
+                </a:solidFill>
+                <a:latin typeface="BIZ UDPゴシック" panose="020B0400000000000000" pitchFamily="50" charset="-128"/>
+                <a:ea typeface="BIZ UDPゴシック" panose="020B0400000000000000" pitchFamily="50" charset="-128"/>
+              </a:rPr>
+              <a:t>単語の難易度とは</a:t>
+            </a:r>
+          </a:p>
+        </p:txBody>
+      </p:sp>
+      <p:sp>
+        <p:nvSpPr>
+          <p:cNvPr id="3" name="テキスト ボックス 1">
+            <a:extLst>
+              <a:ext uri="{FF2B5EF4-FFF2-40B4-BE49-F238E27FC236}">
+                <a16:creationId xmlns:a16="http://schemas.microsoft.com/office/drawing/2014/main" id="{3D444745-B7CB-8CA7-C1EA-21B95761B119}"/>
+              </a:ext>
+            </a:extLst>
+          </p:cNvPr>
+          <p:cNvSpPr txBox="1"/>
+          <p:nvPr/>
+        </p:nvSpPr>
+        <p:spPr>
+          <a:xfrm>
+            <a:off x="461971" y="1902073"/>
+            <a:ext cx="5123773" cy="721736"/>
+          </a:xfrm>
+          <a:prstGeom prst="rect">
+            <a:avLst/>
+          </a:prstGeom>
+          <a:noFill/>
+        </p:spPr>
+        <p:txBody>
+          <a:bodyPr wrap="square" rtlCol="0">
+            <a:spAutoFit/>
+          </a:bodyPr>
+          <a:lstStyle>
+            <a:defPPr>
+              <a:defRPr lang="en-US"/>
+            </a:defPPr>
+            <a:lvl1pPr marL="0" algn="l" defTabSz="457200" rtl="0" eaLnBrk="1" latinLnBrk="0" hangingPunct="1">
+              <a:defRPr sz="1800" kern="1200">
+                <a:solidFill>
+                  <a:schemeClr val="tx1"/>
+                </a:solidFill>
+                <a:latin typeface="+mn-lt"/>
+                <a:ea typeface="+mn-ea"/>
+                <a:cs typeface="+mn-cs"/>
+              </a:defRPr>
+            </a:lvl1pPr>
+            <a:lvl2pPr marL="457200" algn="l" defTabSz="457200" rtl="0" eaLnBrk="1" latinLnBrk="0" hangingPunct="1">
+              <a:defRPr sz="1800" kern="1200">
+                <a:solidFill>
+                  <a:schemeClr val="tx1"/>
+                </a:solidFill>
+                <a:latin typeface="+mn-lt"/>
+                <a:ea typeface="+mn-ea"/>
+                <a:cs typeface="+mn-cs"/>
+              </a:defRPr>
+            </a:lvl2pPr>
+            <a:lvl3pPr marL="914400" algn="l" defTabSz="457200" rtl="0" eaLnBrk="1" latinLnBrk="0" hangingPunct="1">
+              <a:defRPr sz="1800" kern="1200">
+                <a:solidFill>
+                  <a:schemeClr val="tx1"/>
+                </a:solidFill>
+                <a:latin typeface="+mn-lt"/>
+                <a:ea typeface="+mn-ea"/>
+                <a:cs typeface="+mn-cs"/>
+              </a:defRPr>
+            </a:lvl3pPr>
+            <a:lvl4pPr marL="1371600" algn="l" defTabSz="457200" rtl="0" eaLnBrk="1" latinLnBrk="0" hangingPunct="1">
+              <a:defRPr sz="1800" kern="1200">
+                <a:solidFill>
+                  <a:schemeClr val="tx1"/>
+                </a:solidFill>
+                <a:latin typeface="+mn-lt"/>
+                <a:ea typeface="+mn-ea"/>
+                <a:cs typeface="+mn-cs"/>
+              </a:defRPr>
+            </a:lvl4pPr>
+            <a:lvl5pPr marL="1828800" algn="l" defTabSz="457200" rtl="0" eaLnBrk="1" latinLnBrk="0" hangingPunct="1">
+              <a:defRPr sz="1800" kern="1200">
+                <a:solidFill>
+                  <a:schemeClr val="tx1"/>
+                </a:solidFill>
+                <a:latin typeface="+mn-lt"/>
+                <a:ea typeface="+mn-ea"/>
+                <a:cs typeface="+mn-cs"/>
+              </a:defRPr>
+            </a:lvl5pPr>
+            <a:lvl6pPr marL="2286000" algn="l" defTabSz="457200" rtl="0" eaLnBrk="1" latinLnBrk="0" hangingPunct="1">
+              <a:defRPr sz="1800" kern="1200">
+                <a:solidFill>
+                  <a:schemeClr val="tx1"/>
+                </a:solidFill>
+                <a:latin typeface="+mn-lt"/>
+                <a:ea typeface="+mn-ea"/>
+                <a:cs typeface="+mn-cs"/>
+              </a:defRPr>
+            </a:lvl6pPr>
+            <a:lvl7pPr marL="2743200" algn="l" defTabSz="457200" rtl="0" eaLnBrk="1" latinLnBrk="0" hangingPunct="1">
+              <a:defRPr sz="1800" kern="1200">
+                <a:solidFill>
+                  <a:schemeClr val="tx1"/>
+                </a:solidFill>
+                <a:latin typeface="+mn-lt"/>
+                <a:ea typeface="+mn-ea"/>
+                <a:cs typeface="+mn-cs"/>
+              </a:defRPr>
+            </a:lvl7pPr>
+            <a:lvl8pPr marL="3200400" algn="l" defTabSz="457200" rtl="0" eaLnBrk="1" latinLnBrk="0" hangingPunct="1">
+              <a:defRPr sz="1800" kern="1200">
+                <a:solidFill>
+                  <a:schemeClr val="tx1"/>
+                </a:solidFill>
+                <a:latin typeface="+mn-lt"/>
+                <a:ea typeface="+mn-ea"/>
+                <a:cs typeface="+mn-cs"/>
+              </a:defRPr>
+            </a:lvl8pPr>
+            <a:lvl9pPr marL="3657600" algn="l" defTabSz="457200" rtl="0" eaLnBrk="1" latinLnBrk="0" hangingPunct="1">
+              <a:defRPr sz="1800" kern="1200">
+                <a:solidFill>
+                  <a:schemeClr val="tx1"/>
+                </a:solidFill>
+                <a:latin typeface="+mn-lt"/>
+                <a:ea typeface="+mn-ea"/>
+                <a:cs typeface="+mn-cs"/>
+              </a:defRPr>
+            </a:lvl9pPr>
+          </a:lstStyle>
+          <a:p>
+            <a:pPr marL="342900" indent="-342900">
+              <a:lnSpc>
+                <a:spcPct val="110000"/>
+              </a:lnSpc>
+              <a:buFontTx/>
+              <a:buChar char="-"/>
+            </a:pPr>
+            <a:r>
+              <a:rPr kumimoji="1" lang="ja-JP" altLang="en-US" sz="2000" dirty="0">
+                <a:latin typeface="BIZ UDPゴシック" panose="020B0400000000000000" pitchFamily="50" charset="-128"/>
+                <a:ea typeface="BIZ UDPゴシック" panose="020B0400000000000000" pitchFamily="50" charset="-128"/>
+              </a:rPr>
+              <a:t>使用される単語（漢字）が難しい</a:t>
+            </a:r>
+            <a:endParaRPr kumimoji="1" lang="en-US" altLang="ja-JP" sz="2000" dirty="0">
+              <a:latin typeface="BIZ UDPゴシック" panose="020B0400000000000000" pitchFamily="50" charset="-128"/>
+              <a:ea typeface="BIZ UDPゴシック" panose="020B0400000000000000" pitchFamily="50" charset="-128"/>
+            </a:endParaRPr>
+          </a:p>
+          <a:p>
+            <a:pPr marL="342900" indent="-342900">
+              <a:lnSpc>
+                <a:spcPct val="110000"/>
+              </a:lnSpc>
+              <a:buFontTx/>
+              <a:buChar char="-"/>
+            </a:pPr>
+            <a:r>
+              <a:rPr lang="ja-JP" altLang="en-US" sz="2000" dirty="0">
+                <a:solidFill>
+                  <a:srgbClr val="FF0000"/>
+                </a:solidFill>
+                <a:latin typeface="BIZ UDPゴシック" panose="020B0400000000000000" pitchFamily="50" charset="-128"/>
+                <a:ea typeface="BIZ UDPゴシック" panose="020B0400000000000000" pitchFamily="50" charset="-128"/>
+              </a:rPr>
+              <a:t>使用される単語が日常的に馴染みがない</a:t>
+            </a:r>
+            <a:endParaRPr kumimoji="1" lang="en-US" altLang="ja-JP" sz="2000" dirty="0">
+              <a:solidFill>
+                <a:srgbClr val="FF0000"/>
+              </a:solidFill>
+              <a:latin typeface="BIZ UDPゴシック" panose="020B0400000000000000" pitchFamily="50" charset="-128"/>
+              <a:ea typeface="BIZ UDPゴシック" panose="020B0400000000000000" pitchFamily="50" charset="-128"/>
+            </a:endParaRPr>
+          </a:p>
+        </p:txBody>
+      </p:sp>
+      <p:sp>
+        <p:nvSpPr>
+          <p:cNvPr id="5" name="四角形: 角を丸くする 4">
+            <a:extLst>
+              <a:ext uri="{FF2B5EF4-FFF2-40B4-BE49-F238E27FC236}">
+                <a16:creationId xmlns:a16="http://schemas.microsoft.com/office/drawing/2014/main" id="{630669D1-3782-36D1-752C-FEA0FC75923F}"/>
+              </a:ext>
+            </a:extLst>
+          </p:cNvPr>
+          <p:cNvSpPr/>
+          <p:nvPr/>
+        </p:nvSpPr>
+        <p:spPr>
+          <a:xfrm>
+            <a:off x="6536748" y="1600461"/>
+            <a:ext cx="5193282" cy="2046696"/>
+          </a:xfrm>
+          <a:prstGeom prst="roundRect">
+            <a:avLst/>
+          </a:prstGeom>
+          <a:noFill/>
+          <a:ln w="38100">
+            <a:solidFill>
+              <a:schemeClr val="accent1">
+                <a:lumMod val="60000"/>
+                <a:lumOff val="40000"/>
+              </a:schemeClr>
+            </a:solidFill>
+          </a:ln>
+        </p:spPr>
+        <p:style>
+          <a:lnRef idx="2">
+            <a:schemeClr val="accent6"/>
+          </a:lnRef>
+          <a:fillRef idx="1">
+            <a:schemeClr val="lt1"/>
+          </a:fillRef>
+          <a:effectRef idx="0">
+            <a:schemeClr val="accent6"/>
+          </a:effectRef>
+          <a:fontRef idx="minor">
+            <a:schemeClr val="dk1"/>
+          </a:fontRef>
+        </p:style>
+        <p:txBody>
+          <a:bodyPr rtlCol="0" anchor="ctr"/>
+          <a:lstStyle/>
+          <a:p>
+            <a:pPr>
+              <a:lnSpc>
+                <a:spcPct val="110000"/>
+              </a:lnSpc>
+            </a:pPr>
+            <a:r>
+              <a:rPr lang="en-US" altLang="ja-JP" sz="2400" dirty="0">
+                <a:latin typeface="BIZ UDPゴシック" panose="020B0400000000000000" pitchFamily="50" charset="-128"/>
+                <a:ea typeface="BIZ UDPゴシック" panose="020B0400000000000000" pitchFamily="50" charset="-128"/>
+              </a:rPr>
+              <a:t>【</a:t>
+            </a:r>
+            <a:r>
+              <a:rPr kumimoji="1" lang="ja-JP" altLang="en-US" sz="2400" dirty="0">
+                <a:latin typeface="BIZ UDPゴシック" panose="020B0400000000000000" pitchFamily="50" charset="-128"/>
+                <a:ea typeface="BIZ UDPゴシック" panose="020B0400000000000000" pitchFamily="50" charset="-128"/>
+              </a:rPr>
+              <a:t>仮定</a:t>
+            </a:r>
+            <a:r>
+              <a:rPr lang="en-US" altLang="ja-JP" sz="2400" dirty="0">
+                <a:latin typeface="BIZ UDPゴシック" panose="020B0400000000000000" pitchFamily="50" charset="-128"/>
+                <a:ea typeface="BIZ UDPゴシック" panose="020B0400000000000000" pitchFamily="50" charset="-128"/>
+              </a:rPr>
+              <a:t>】</a:t>
+            </a:r>
+            <a:endParaRPr kumimoji="1" lang="en-US" altLang="ja-JP" sz="2400" dirty="0">
+              <a:latin typeface="BIZ UDPゴシック" panose="020B0400000000000000" pitchFamily="50" charset="-128"/>
+              <a:ea typeface="BIZ UDPゴシック" panose="020B0400000000000000" pitchFamily="50" charset="-128"/>
+            </a:endParaRPr>
+          </a:p>
+          <a:p>
+            <a:pPr>
+              <a:lnSpc>
+                <a:spcPct val="110000"/>
+              </a:lnSpc>
+            </a:pPr>
+            <a:r>
+              <a:rPr lang="ja-JP" altLang="en-US" sz="2400" dirty="0">
+                <a:latin typeface="BIZ UDPゴシック" panose="020B0400000000000000" pitchFamily="50" charset="-128"/>
+                <a:ea typeface="BIZ UDPゴシック" panose="020B0400000000000000" pitchFamily="50" charset="-128"/>
+              </a:rPr>
+              <a:t>歌詞に用いられる漢字が難しい</a:t>
+            </a:r>
+            <a:r>
+              <a:rPr kumimoji="1" lang="ja-JP" altLang="en-US" sz="2400" dirty="0">
+                <a:latin typeface="BIZ UDPゴシック" panose="020B0400000000000000" pitchFamily="50" charset="-128"/>
+                <a:ea typeface="BIZ UDPゴシック" panose="020B0400000000000000" pitchFamily="50" charset="-128"/>
+              </a:rPr>
+              <a:t>ほど</a:t>
+            </a:r>
+            <a:endParaRPr kumimoji="1" lang="en-US" altLang="ja-JP" sz="2400" dirty="0">
+              <a:latin typeface="BIZ UDPゴシック" panose="020B0400000000000000" pitchFamily="50" charset="-128"/>
+              <a:ea typeface="BIZ UDPゴシック" panose="020B0400000000000000" pitchFamily="50" charset="-128"/>
+            </a:endParaRPr>
+          </a:p>
+          <a:p>
+            <a:pPr>
+              <a:lnSpc>
+                <a:spcPct val="110000"/>
+              </a:lnSpc>
+            </a:pPr>
+            <a:r>
+              <a:rPr kumimoji="1" lang="ja-JP" altLang="en-US" sz="2400" dirty="0">
+                <a:latin typeface="BIZ UDPゴシック" panose="020B0400000000000000" pitchFamily="50" charset="-128"/>
+                <a:ea typeface="BIZ UDPゴシック" panose="020B0400000000000000" pitchFamily="50" charset="-128"/>
+              </a:rPr>
+              <a:t>歌唱難易度が上がる</a:t>
+            </a:r>
+            <a:endParaRPr kumimoji="1" lang="ja-JP" altLang="en-US" dirty="0"/>
+          </a:p>
+        </p:txBody>
+      </p:sp>
+    </p:spTree>
+    <p:extLst>
+      <p:ext uri="{BB962C8B-B14F-4D97-AF65-F5344CB8AC3E}">
+        <p14:creationId xmlns:p14="http://schemas.microsoft.com/office/powerpoint/2010/main" val="503107946"/>
+      </p:ext>
+    </p:extLst>
+  </p:cSld>
+  <p:clrMapOvr>
+    <a:masterClrMapping/>
+  </p:clrMapOvr>
+</p:sld>
+</file>
+
+<file path=ppt/slides/slide11.xml><?xml version="1.0" encoding="utf-8"?>
+<p:sld xmlns:a="http://schemas.openxmlformats.org/drawingml/2006/main" xmlns:r="http://schemas.openxmlformats.org/officeDocument/2006/relationships" xmlns:p="http://schemas.openxmlformats.org/presentationml/2006/main">
+  <p:cSld>
+    <p:spTree>
+      <p:nvGrpSpPr>
+        <p:cNvPr id="1" name="">
+          <a:extLst>
+            <a:ext uri="{FF2B5EF4-FFF2-40B4-BE49-F238E27FC236}">
+              <a16:creationId xmlns:a16="http://schemas.microsoft.com/office/drawing/2014/main" id="{1D73B31F-CFD2-02CD-8F49-A1F0F0E16066}"/>
+            </a:ext>
+          </a:extLst>
+        </p:cNvPr>
+        <p:cNvGrpSpPr/>
+        <p:nvPr/>
+      </p:nvGrpSpPr>
+      <p:grpSpPr>
+        <a:xfrm>
+          <a:off x="0" y="0"/>
+          <a:ext cx="0" cy="0"/>
+          <a:chOff x="0" y="0"/>
+          <a:chExt cx="0" cy="0"/>
+        </a:xfrm>
+      </p:grpSpPr>
+      <p:sp>
+        <p:nvSpPr>
+          <p:cNvPr id="4" name="正方形/長方形 3">
+            <a:extLst>
+              <a:ext uri="{FF2B5EF4-FFF2-40B4-BE49-F238E27FC236}">
+                <a16:creationId xmlns:a16="http://schemas.microsoft.com/office/drawing/2014/main" id="{4638CAD1-5E2D-3CD0-2878-1DF9BB8AF838}"/>
+              </a:ext>
+            </a:extLst>
+          </p:cNvPr>
+          <p:cNvSpPr/>
+          <p:nvPr/>
+        </p:nvSpPr>
+        <p:spPr>
+          <a:xfrm>
+            <a:off x="0" y="-1"/>
+            <a:ext cx="12192000" cy="995881"/>
+          </a:xfrm>
+          <a:prstGeom prst="rect">
+            <a:avLst/>
+          </a:prstGeom>
+          <a:solidFill>
+            <a:schemeClr val="accent1">
+              <a:lumMod val="60000"/>
+              <a:lumOff val="40000"/>
+            </a:schemeClr>
+          </a:solidFill>
+          <a:ln>
+            <a:noFill/>
+          </a:ln>
+        </p:spPr>
+        <p:style>
+          <a:lnRef idx="2">
+            <a:schemeClr val="accent1">
+              <a:shade val="15000"/>
+            </a:schemeClr>
+          </a:lnRef>
+          <a:fillRef idx="1">
+            <a:schemeClr val="accent1"/>
+          </a:fillRef>
+          <a:effectRef idx="0">
+            <a:schemeClr val="accent1"/>
+          </a:effectRef>
+          <a:fontRef idx="minor">
+            <a:schemeClr val="lt1"/>
+          </a:fontRef>
+        </p:style>
+        <p:txBody>
+          <a:bodyPr rtlCol="0" anchor="ctr"/>
+          <a:lstStyle/>
+          <a:p>
+            <a:r>
+              <a:rPr kumimoji="1" lang="ja-JP" altLang="en-US" sz="3600" dirty="0">
+                <a:latin typeface="BIZ UDPゴシック" panose="020B0400000000000000" pitchFamily="50" charset="-128"/>
+                <a:ea typeface="BIZ UDPゴシック" panose="020B0400000000000000" pitchFamily="50" charset="-128"/>
+              </a:rPr>
+              <a:t>実験</a:t>
+            </a:r>
+            <a:r>
+              <a:rPr lang="ja-JP" altLang="en-US" sz="3600" dirty="0">
+                <a:latin typeface="BIZ UDPゴシック" panose="020B0400000000000000" pitchFamily="50" charset="-128"/>
+                <a:ea typeface="BIZ UDPゴシック" panose="020B0400000000000000" pitchFamily="50" charset="-128"/>
+              </a:rPr>
+              <a:t>結果</a:t>
+            </a:r>
+            <a:endParaRPr kumimoji="1" lang="ja-JP" altLang="en-US" sz="3600" dirty="0">
+              <a:latin typeface="BIZ UDPゴシック" panose="020B0400000000000000" pitchFamily="50" charset="-128"/>
+              <a:ea typeface="BIZ UDPゴシック" panose="020B0400000000000000" pitchFamily="50" charset="-128"/>
+            </a:endParaRPr>
+          </a:p>
+        </p:txBody>
+      </p:sp>
+    </p:spTree>
+    <p:extLst>
+      <p:ext uri="{BB962C8B-B14F-4D97-AF65-F5344CB8AC3E}">
+        <p14:creationId xmlns:p14="http://schemas.microsoft.com/office/powerpoint/2010/main" val="1004728229"/>
+      </p:ext>
+    </p:extLst>
+  </p:cSld>
+  <p:clrMapOvr>
+    <a:masterClrMapping/>
+  </p:clrMapOvr>
+</p:sld>
+</file>
+
 <file path=ppt/slides/slide2.xml><?xml version="1.0" encoding="utf-8"?>
 <p:sld xmlns:a="http://schemas.openxmlformats.org/drawingml/2006/main" xmlns:r="http://schemas.openxmlformats.org/officeDocument/2006/relationships" xmlns:p="http://schemas.openxmlformats.org/presentationml/2006/main">
   <p:cSld>
@@ -6226,7 +9319,7 @@
               <a:rPr kumimoji="1" lang="ja-JP" altLang="en-US" sz="2400" b="1" dirty="0">
                 <a:ea typeface="BIZ UDPゴシック" panose="020B0400000000000000" pitchFamily="50" charset="-128"/>
               </a:rPr>
-              <a:t>本研究における定義</a:t>
+              <a:t>定義</a:t>
             </a:r>
           </a:p>
         </p:txBody>
@@ -6741,6 +9834,5055 @@
     <p:extLst>
       <p:ext uri="{BB962C8B-B14F-4D97-AF65-F5344CB8AC3E}">
         <p14:creationId xmlns:p14="http://schemas.microsoft.com/office/powerpoint/2010/main" val="117810025"/>
+      </p:ext>
+    </p:extLst>
+  </p:cSld>
+  <p:clrMapOvr>
+    <a:masterClrMapping/>
+  </p:clrMapOvr>
+</p:sld>
+</file>
+
+<file path=ppt/slides/slide6.xml><?xml version="1.0" encoding="utf-8"?>
+<p:sld xmlns:a="http://schemas.openxmlformats.org/drawingml/2006/main" xmlns:r="http://schemas.openxmlformats.org/officeDocument/2006/relationships" xmlns:p="http://schemas.openxmlformats.org/presentationml/2006/main">
+  <p:cSld>
+    <p:spTree>
+      <p:nvGrpSpPr>
+        <p:cNvPr id="1" name="">
+          <a:extLst>
+            <a:ext uri="{FF2B5EF4-FFF2-40B4-BE49-F238E27FC236}">
+              <a16:creationId xmlns:a16="http://schemas.microsoft.com/office/drawing/2014/main" id="{F23B75C4-DDC7-3D09-D623-7B35BD641700}"/>
+            </a:ext>
+          </a:extLst>
+        </p:cNvPr>
+        <p:cNvGrpSpPr/>
+        <p:nvPr/>
+      </p:nvGrpSpPr>
+      <p:grpSpPr>
+        <a:xfrm>
+          <a:off x="0" y="0"/>
+          <a:ext cx="0" cy="0"/>
+          <a:chOff x="0" y="0"/>
+          <a:chExt cx="0" cy="0"/>
+        </a:xfrm>
+      </p:grpSpPr>
+      <p:sp>
+        <p:nvSpPr>
+          <p:cNvPr id="4" name="正方形/長方形 3">
+            <a:extLst>
+              <a:ext uri="{FF2B5EF4-FFF2-40B4-BE49-F238E27FC236}">
+                <a16:creationId xmlns:a16="http://schemas.microsoft.com/office/drawing/2014/main" id="{DDFBCFE8-8909-71D8-6B34-D8A06A8271EA}"/>
+              </a:ext>
+            </a:extLst>
+          </p:cNvPr>
+          <p:cNvSpPr/>
+          <p:nvPr/>
+        </p:nvSpPr>
+        <p:spPr>
+          <a:xfrm>
+            <a:off x="0" y="-1"/>
+            <a:ext cx="12192000" cy="995881"/>
+          </a:xfrm>
+          <a:prstGeom prst="rect">
+            <a:avLst/>
+          </a:prstGeom>
+          <a:solidFill>
+            <a:schemeClr val="accent1">
+              <a:lumMod val="60000"/>
+              <a:lumOff val="40000"/>
+            </a:schemeClr>
+          </a:solidFill>
+          <a:ln>
+            <a:noFill/>
+          </a:ln>
+        </p:spPr>
+        <p:style>
+          <a:lnRef idx="2">
+            <a:schemeClr val="accent1">
+              <a:shade val="15000"/>
+            </a:schemeClr>
+          </a:lnRef>
+          <a:fillRef idx="1">
+            <a:schemeClr val="accent1"/>
+          </a:fillRef>
+          <a:effectRef idx="0">
+            <a:schemeClr val="accent1"/>
+          </a:effectRef>
+          <a:fontRef idx="minor">
+            <a:schemeClr val="lt1"/>
+          </a:fontRef>
+        </p:style>
+        <p:txBody>
+          <a:bodyPr rtlCol="0" anchor="ctr"/>
+          <a:lstStyle/>
+          <a:p>
+            <a:r>
+              <a:rPr kumimoji="1" lang="ja-JP" altLang="en-US" sz="3600" dirty="0">
+                <a:latin typeface="BIZ UDPゴシック" panose="020B0400000000000000" pitchFamily="50" charset="-128"/>
+                <a:ea typeface="BIZ UDPゴシック" panose="020B0400000000000000" pitchFamily="50" charset="-128"/>
+              </a:rPr>
+              <a:t>実験設定</a:t>
+            </a:r>
+          </a:p>
+        </p:txBody>
+      </p:sp>
+      <p:sp>
+        <p:nvSpPr>
+          <p:cNvPr id="7" name="テキスト ボックス 5">
+            <a:extLst>
+              <a:ext uri="{FF2B5EF4-FFF2-40B4-BE49-F238E27FC236}">
+                <a16:creationId xmlns:a16="http://schemas.microsoft.com/office/drawing/2014/main" id="{23BD6EAD-66D6-61D3-B481-0556279AE64D}"/>
+              </a:ext>
+            </a:extLst>
+          </p:cNvPr>
+          <p:cNvSpPr txBox="1"/>
+          <p:nvPr/>
+        </p:nvSpPr>
+        <p:spPr>
+          <a:xfrm>
+            <a:off x="203877" y="1284306"/>
+            <a:ext cx="1018867" cy="461665"/>
+          </a:xfrm>
+          <a:prstGeom prst="rect">
+            <a:avLst/>
+          </a:prstGeom>
+          <a:noFill/>
+        </p:spPr>
+        <p:txBody>
+          <a:bodyPr wrap="square" rtlCol="0">
+            <a:spAutoFit/>
+          </a:bodyPr>
+          <a:lstStyle>
+            <a:defPPr>
+              <a:defRPr lang="en-US"/>
+            </a:defPPr>
+            <a:lvl1pPr marL="0" algn="l" defTabSz="457200" rtl="0" eaLnBrk="1" latinLnBrk="0" hangingPunct="1">
+              <a:defRPr sz="1800" kern="1200">
+                <a:solidFill>
+                  <a:schemeClr val="tx1"/>
+                </a:solidFill>
+                <a:latin typeface="+mn-lt"/>
+                <a:ea typeface="+mn-ea"/>
+                <a:cs typeface="+mn-cs"/>
+              </a:defRPr>
+            </a:lvl1pPr>
+            <a:lvl2pPr marL="457200" algn="l" defTabSz="457200" rtl="0" eaLnBrk="1" latinLnBrk="0" hangingPunct="1">
+              <a:defRPr sz="1800" kern="1200">
+                <a:solidFill>
+                  <a:schemeClr val="tx1"/>
+                </a:solidFill>
+                <a:latin typeface="+mn-lt"/>
+                <a:ea typeface="+mn-ea"/>
+                <a:cs typeface="+mn-cs"/>
+              </a:defRPr>
+            </a:lvl2pPr>
+            <a:lvl3pPr marL="914400" algn="l" defTabSz="457200" rtl="0" eaLnBrk="1" latinLnBrk="0" hangingPunct="1">
+              <a:defRPr sz="1800" kern="1200">
+                <a:solidFill>
+                  <a:schemeClr val="tx1"/>
+                </a:solidFill>
+                <a:latin typeface="+mn-lt"/>
+                <a:ea typeface="+mn-ea"/>
+                <a:cs typeface="+mn-cs"/>
+              </a:defRPr>
+            </a:lvl3pPr>
+            <a:lvl4pPr marL="1371600" algn="l" defTabSz="457200" rtl="0" eaLnBrk="1" latinLnBrk="0" hangingPunct="1">
+              <a:defRPr sz="1800" kern="1200">
+                <a:solidFill>
+                  <a:schemeClr val="tx1"/>
+                </a:solidFill>
+                <a:latin typeface="+mn-lt"/>
+                <a:ea typeface="+mn-ea"/>
+                <a:cs typeface="+mn-cs"/>
+              </a:defRPr>
+            </a:lvl4pPr>
+            <a:lvl5pPr marL="1828800" algn="l" defTabSz="457200" rtl="0" eaLnBrk="1" latinLnBrk="0" hangingPunct="1">
+              <a:defRPr sz="1800" kern="1200">
+                <a:solidFill>
+                  <a:schemeClr val="tx1"/>
+                </a:solidFill>
+                <a:latin typeface="+mn-lt"/>
+                <a:ea typeface="+mn-ea"/>
+                <a:cs typeface="+mn-cs"/>
+              </a:defRPr>
+            </a:lvl5pPr>
+            <a:lvl6pPr marL="2286000" algn="l" defTabSz="457200" rtl="0" eaLnBrk="1" latinLnBrk="0" hangingPunct="1">
+              <a:defRPr sz="1800" kern="1200">
+                <a:solidFill>
+                  <a:schemeClr val="tx1"/>
+                </a:solidFill>
+                <a:latin typeface="+mn-lt"/>
+                <a:ea typeface="+mn-ea"/>
+                <a:cs typeface="+mn-cs"/>
+              </a:defRPr>
+            </a:lvl6pPr>
+            <a:lvl7pPr marL="2743200" algn="l" defTabSz="457200" rtl="0" eaLnBrk="1" latinLnBrk="0" hangingPunct="1">
+              <a:defRPr sz="1800" kern="1200">
+                <a:solidFill>
+                  <a:schemeClr val="tx1"/>
+                </a:solidFill>
+                <a:latin typeface="+mn-lt"/>
+                <a:ea typeface="+mn-ea"/>
+                <a:cs typeface="+mn-cs"/>
+              </a:defRPr>
+            </a:lvl7pPr>
+            <a:lvl8pPr marL="3200400" algn="l" defTabSz="457200" rtl="0" eaLnBrk="1" latinLnBrk="0" hangingPunct="1">
+              <a:defRPr sz="1800" kern="1200">
+                <a:solidFill>
+                  <a:schemeClr val="tx1"/>
+                </a:solidFill>
+                <a:latin typeface="+mn-lt"/>
+                <a:ea typeface="+mn-ea"/>
+                <a:cs typeface="+mn-cs"/>
+              </a:defRPr>
+            </a:lvl8pPr>
+            <a:lvl9pPr marL="3657600" algn="l" defTabSz="457200" rtl="0" eaLnBrk="1" latinLnBrk="0" hangingPunct="1">
+              <a:defRPr sz="1800" kern="1200">
+                <a:solidFill>
+                  <a:schemeClr val="tx1"/>
+                </a:solidFill>
+                <a:latin typeface="+mn-lt"/>
+                <a:ea typeface="+mn-ea"/>
+                <a:cs typeface="+mn-cs"/>
+              </a:defRPr>
+            </a:lvl9pPr>
+          </a:lstStyle>
+          <a:p>
+            <a:r>
+              <a:rPr kumimoji="1" lang="ja-JP" altLang="en-US" sz="2400" b="1" dirty="0">
+                <a:latin typeface="BIZ UDPゴシック" panose="020B0400000000000000" pitchFamily="50" charset="-128"/>
+                <a:ea typeface="BIZ UDPゴシック" panose="020B0400000000000000" pitchFamily="50" charset="-128"/>
+              </a:rPr>
+              <a:t>手法</a:t>
+            </a:r>
+          </a:p>
+        </p:txBody>
+      </p:sp>
+      <p:sp>
+        <p:nvSpPr>
+          <p:cNvPr id="9" name="テキスト ボックス 1">
+            <a:extLst>
+              <a:ext uri="{FF2B5EF4-FFF2-40B4-BE49-F238E27FC236}">
+                <a16:creationId xmlns:a16="http://schemas.microsoft.com/office/drawing/2014/main" id="{A7A04C6A-12A4-6402-1F89-7ACF7C961C12}"/>
+              </a:ext>
+            </a:extLst>
+          </p:cNvPr>
+          <p:cNvSpPr txBox="1"/>
+          <p:nvPr/>
+        </p:nvSpPr>
+        <p:spPr>
+          <a:xfrm>
+            <a:off x="203877" y="1745971"/>
+            <a:ext cx="7319875" cy="2111284"/>
+          </a:xfrm>
+          <a:prstGeom prst="rect">
+            <a:avLst/>
+          </a:prstGeom>
+          <a:noFill/>
+        </p:spPr>
+        <p:txBody>
+          <a:bodyPr wrap="square" rtlCol="0">
+            <a:spAutoFit/>
+          </a:bodyPr>
+          <a:lstStyle>
+            <a:defPPr>
+              <a:defRPr lang="en-US"/>
+            </a:defPPr>
+            <a:lvl1pPr marL="0" algn="l" defTabSz="457200" rtl="0" eaLnBrk="1" latinLnBrk="0" hangingPunct="1">
+              <a:defRPr sz="1800" kern="1200">
+                <a:solidFill>
+                  <a:schemeClr val="tx1"/>
+                </a:solidFill>
+                <a:latin typeface="+mn-lt"/>
+                <a:ea typeface="+mn-ea"/>
+                <a:cs typeface="+mn-cs"/>
+              </a:defRPr>
+            </a:lvl1pPr>
+            <a:lvl2pPr marL="457200" algn="l" defTabSz="457200" rtl="0" eaLnBrk="1" latinLnBrk="0" hangingPunct="1">
+              <a:defRPr sz="1800" kern="1200">
+                <a:solidFill>
+                  <a:schemeClr val="tx1"/>
+                </a:solidFill>
+                <a:latin typeface="+mn-lt"/>
+                <a:ea typeface="+mn-ea"/>
+                <a:cs typeface="+mn-cs"/>
+              </a:defRPr>
+            </a:lvl2pPr>
+            <a:lvl3pPr marL="914400" algn="l" defTabSz="457200" rtl="0" eaLnBrk="1" latinLnBrk="0" hangingPunct="1">
+              <a:defRPr sz="1800" kern="1200">
+                <a:solidFill>
+                  <a:schemeClr val="tx1"/>
+                </a:solidFill>
+                <a:latin typeface="+mn-lt"/>
+                <a:ea typeface="+mn-ea"/>
+                <a:cs typeface="+mn-cs"/>
+              </a:defRPr>
+            </a:lvl3pPr>
+            <a:lvl4pPr marL="1371600" algn="l" defTabSz="457200" rtl="0" eaLnBrk="1" latinLnBrk="0" hangingPunct="1">
+              <a:defRPr sz="1800" kern="1200">
+                <a:solidFill>
+                  <a:schemeClr val="tx1"/>
+                </a:solidFill>
+                <a:latin typeface="+mn-lt"/>
+                <a:ea typeface="+mn-ea"/>
+                <a:cs typeface="+mn-cs"/>
+              </a:defRPr>
+            </a:lvl4pPr>
+            <a:lvl5pPr marL="1828800" algn="l" defTabSz="457200" rtl="0" eaLnBrk="1" latinLnBrk="0" hangingPunct="1">
+              <a:defRPr sz="1800" kern="1200">
+                <a:solidFill>
+                  <a:schemeClr val="tx1"/>
+                </a:solidFill>
+                <a:latin typeface="+mn-lt"/>
+                <a:ea typeface="+mn-ea"/>
+                <a:cs typeface="+mn-cs"/>
+              </a:defRPr>
+            </a:lvl5pPr>
+            <a:lvl6pPr marL="2286000" algn="l" defTabSz="457200" rtl="0" eaLnBrk="1" latinLnBrk="0" hangingPunct="1">
+              <a:defRPr sz="1800" kern="1200">
+                <a:solidFill>
+                  <a:schemeClr val="tx1"/>
+                </a:solidFill>
+                <a:latin typeface="+mn-lt"/>
+                <a:ea typeface="+mn-ea"/>
+                <a:cs typeface="+mn-cs"/>
+              </a:defRPr>
+            </a:lvl6pPr>
+            <a:lvl7pPr marL="2743200" algn="l" defTabSz="457200" rtl="0" eaLnBrk="1" latinLnBrk="0" hangingPunct="1">
+              <a:defRPr sz="1800" kern="1200">
+                <a:solidFill>
+                  <a:schemeClr val="tx1"/>
+                </a:solidFill>
+                <a:latin typeface="+mn-lt"/>
+                <a:ea typeface="+mn-ea"/>
+                <a:cs typeface="+mn-cs"/>
+              </a:defRPr>
+            </a:lvl7pPr>
+            <a:lvl8pPr marL="3200400" algn="l" defTabSz="457200" rtl="0" eaLnBrk="1" latinLnBrk="0" hangingPunct="1">
+              <a:defRPr sz="1800" kern="1200">
+                <a:solidFill>
+                  <a:schemeClr val="tx1"/>
+                </a:solidFill>
+                <a:latin typeface="+mn-lt"/>
+                <a:ea typeface="+mn-ea"/>
+                <a:cs typeface="+mn-cs"/>
+              </a:defRPr>
+            </a:lvl8pPr>
+            <a:lvl9pPr marL="3657600" algn="l" defTabSz="457200" rtl="0" eaLnBrk="1" latinLnBrk="0" hangingPunct="1">
+              <a:defRPr sz="1800" kern="1200">
+                <a:solidFill>
+                  <a:schemeClr val="tx1"/>
+                </a:solidFill>
+                <a:latin typeface="+mn-lt"/>
+                <a:ea typeface="+mn-ea"/>
+                <a:cs typeface="+mn-cs"/>
+              </a:defRPr>
+            </a:lvl9pPr>
+          </a:lstStyle>
+          <a:p>
+            <a:pPr>
+              <a:lnSpc>
+                <a:spcPct val="110000"/>
+              </a:lnSpc>
+            </a:pPr>
+            <a:r>
+              <a:rPr kumimoji="1" lang="ja-JP" altLang="en-US" sz="2000" dirty="0">
+                <a:latin typeface="BIZ UDPゴシック" panose="020B0400000000000000" pitchFamily="50" charset="-128"/>
+                <a:ea typeface="BIZ UDPゴシック" panose="020B0400000000000000" pitchFamily="50" charset="-128"/>
+              </a:rPr>
+              <a:t>有志により作成された「</a:t>
+            </a:r>
+            <a:r>
+              <a:rPr kumimoji="1" lang="en-US" altLang="ja-JP" sz="2000" dirty="0">
+                <a:latin typeface="BIZ UDPゴシック" panose="020B0400000000000000" pitchFamily="50" charset="-128"/>
+                <a:ea typeface="BIZ UDPゴシック" panose="020B0400000000000000" pitchFamily="50" charset="-128"/>
+              </a:rPr>
+              <a:t>VOCALOID</a:t>
+            </a:r>
+            <a:r>
+              <a:rPr kumimoji="1" lang="ja-JP" altLang="en-US" sz="2000" dirty="0">
+                <a:latin typeface="BIZ UDPゴシック" panose="020B0400000000000000" pitchFamily="50" charset="-128"/>
+                <a:ea typeface="BIZ UDPゴシック" panose="020B0400000000000000" pitchFamily="50" charset="-128"/>
+              </a:rPr>
+              <a:t>曲難易度表」を用いる</a:t>
+            </a:r>
+            <a:endParaRPr kumimoji="1" lang="en-US" altLang="ja-JP" sz="2000" dirty="0">
+              <a:latin typeface="BIZ UDPゴシック" panose="020B0400000000000000" pitchFamily="50" charset="-128"/>
+              <a:ea typeface="BIZ UDPゴシック" panose="020B0400000000000000" pitchFamily="50" charset="-128"/>
+            </a:endParaRPr>
+          </a:p>
+          <a:p>
+            <a:pPr>
+              <a:lnSpc>
+                <a:spcPct val="110000"/>
+              </a:lnSpc>
+            </a:pPr>
+            <a:r>
+              <a:rPr kumimoji="1" lang="ja-JP" altLang="en-US" sz="2000" dirty="0">
+                <a:latin typeface="BIZ UDPゴシック" panose="020B0400000000000000" pitchFamily="50" charset="-128"/>
+                <a:ea typeface="BIZ UDPゴシック" panose="020B0400000000000000" pitchFamily="50" charset="-128"/>
+              </a:rPr>
+              <a:t>音域の広さ・リズム・低音高音の頻度のみを基準にランク付け</a:t>
+            </a:r>
+            <a:endParaRPr kumimoji="1" lang="en-US" altLang="ja-JP" sz="2000" dirty="0">
+              <a:latin typeface="BIZ UDPゴシック" panose="020B0400000000000000" pitchFamily="50" charset="-128"/>
+              <a:ea typeface="BIZ UDPゴシック" panose="020B0400000000000000" pitchFamily="50" charset="-128"/>
+            </a:endParaRPr>
+          </a:p>
+          <a:p>
+            <a:pPr>
+              <a:lnSpc>
+                <a:spcPct val="110000"/>
+              </a:lnSpc>
+            </a:pPr>
+            <a:endParaRPr kumimoji="1" lang="en-US" altLang="ja-JP" sz="2000" dirty="0">
+              <a:latin typeface="BIZ UDPゴシック" panose="020B0400000000000000" pitchFamily="50" charset="-128"/>
+              <a:ea typeface="BIZ UDPゴシック" panose="020B0400000000000000" pitchFamily="50" charset="-128"/>
+            </a:endParaRPr>
+          </a:p>
+          <a:p>
+            <a:pPr>
+              <a:lnSpc>
+                <a:spcPct val="110000"/>
+              </a:lnSpc>
+            </a:pPr>
+            <a:r>
+              <a:rPr kumimoji="1" lang="en-US" altLang="ja-JP" sz="2000" dirty="0">
+                <a:latin typeface="BIZ UDPゴシック" panose="020B0400000000000000" pitchFamily="50" charset="-128"/>
+                <a:ea typeface="BIZ UDPゴシック" panose="020B0400000000000000" pitchFamily="50" charset="-128"/>
+              </a:rPr>
+              <a:t>VOCALOID</a:t>
+            </a:r>
+            <a:r>
+              <a:rPr kumimoji="1" lang="ja-JP" altLang="en-US" sz="2000" dirty="0">
+                <a:latin typeface="BIZ UDPゴシック" panose="020B0400000000000000" pitchFamily="50" charset="-128"/>
+                <a:ea typeface="BIZ UDPゴシック" panose="020B0400000000000000" pitchFamily="50" charset="-128"/>
+              </a:rPr>
+              <a:t>曲難易度表のうち</a:t>
+            </a:r>
+            <a:endParaRPr kumimoji="1" lang="en-US" altLang="ja-JP" sz="2000" dirty="0">
+              <a:latin typeface="BIZ UDPゴシック" panose="020B0400000000000000" pitchFamily="50" charset="-128"/>
+              <a:ea typeface="BIZ UDPゴシック" panose="020B0400000000000000" pitchFamily="50" charset="-128"/>
+            </a:endParaRPr>
+          </a:p>
+          <a:p>
+            <a:pPr>
+              <a:lnSpc>
+                <a:spcPct val="110000"/>
+              </a:lnSpc>
+            </a:pPr>
+            <a:r>
+              <a:rPr kumimoji="1" lang="ja-JP" altLang="en-US" sz="2000" dirty="0">
+                <a:latin typeface="BIZ UDPゴシック" panose="020B0400000000000000" pitchFamily="50" charset="-128"/>
+                <a:ea typeface="BIZ UDPゴシック" panose="020B0400000000000000" pitchFamily="50" charset="-128"/>
+              </a:rPr>
+              <a:t>・上位</a:t>
+            </a:r>
+            <a:r>
+              <a:rPr kumimoji="1" lang="en-US" altLang="ja-JP" sz="2000" dirty="0">
+                <a:latin typeface="BIZ UDPゴシック" panose="020B0400000000000000" pitchFamily="50" charset="-128"/>
+                <a:ea typeface="BIZ UDPゴシック" panose="020B0400000000000000" pitchFamily="50" charset="-128"/>
+              </a:rPr>
+              <a:t>20</a:t>
+            </a:r>
+            <a:r>
+              <a:rPr kumimoji="1" lang="ja-JP" altLang="en-US" sz="2000" dirty="0">
+                <a:latin typeface="BIZ UDPゴシック" panose="020B0400000000000000" pitchFamily="50" charset="-128"/>
+                <a:ea typeface="BIZ UDPゴシック" panose="020B0400000000000000" pitchFamily="50" charset="-128"/>
+              </a:rPr>
+              <a:t>曲→「歌いにくい」</a:t>
+            </a:r>
+            <a:endParaRPr kumimoji="1" lang="en-US" altLang="ja-JP" sz="2000" dirty="0">
+              <a:latin typeface="BIZ UDPゴシック" panose="020B0400000000000000" pitchFamily="50" charset="-128"/>
+              <a:ea typeface="BIZ UDPゴシック" panose="020B0400000000000000" pitchFamily="50" charset="-128"/>
+            </a:endParaRPr>
+          </a:p>
+          <a:p>
+            <a:pPr>
+              <a:lnSpc>
+                <a:spcPct val="110000"/>
+              </a:lnSpc>
+            </a:pPr>
+            <a:r>
+              <a:rPr kumimoji="1" lang="ja-JP" altLang="en-US" sz="2000" dirty="0">
+                <a:latin typeface="BIZ UDPゴシック" panose="020B0400000000000000" pitchFamily="50" charset="-128"/>
+                <a:ea typeface="BIZ UDPゴシック" panose="020B0400000000000000" pitchFamily="50" charset="-128"/>
+              </a:rPr>
+              <a:t>・下位</a:t>
+            </a:r>
+            <a:r>
+              <a:rPr kumimoji="1" lang="en-US" altLang="ja-JP" sz="2000" dirty="0">
+                <a:latin typeface="BIZ UDPゴシック" panose="020B0400000000000000" pitchFamily="50" charset="-128"/>
+                <a:ea typeface="BIZ UDPゴシック" panose="020B0400000000000000" pitchFamily="50" charset="-128"/>
+              </a:rPr>
+              <a:t>20</a:t>
+            </a:r>
+            <a:r>
+              <a:rPr kumimoji="1" lang="ja-JP" altLang="en-US" sz="2000" dirty="0">
+                <a:latin typeface="BIZ UDPゴシック" panose="020B0400000000000000" pitchFamily="50" charset="-128"/>
+                <a:ea typeface="BIZ UDPゴシック" panose="020B0400000000000000" pitchFamily="50" charset="-128"/>
+              </a:rPr>
+              <a:t>曲→「歌いやすい」</a:t>
+            </a:r>
+            <a:endParaRPr kumimoji="1" lang="en-US" altLang="ja-JP" sz="2000" dirty="0">
+              <a:latin typeface="BIZ UDPゴシック" panose="020B0400000000000000" pitchFamily="50" charset="-128"/>
+              <a:ea typeface="BIZ UDPゴシック" panose="020B0400000000000000" pitchFamily="50" charset="-128"/>
+            </a:endParaRPr>
+          </a:p>
+        </p:txBody>
+      </p:sp>
+      <p:sp>
+        <p:nvSpPr>
+          <p:cNvPr id="15" name="四角形: 角を丸くする 14">
+            <a:extLst>
+              <a:ext uri="{FF2B5EF4-FFF2-40B4-BE49-F238E27FC236}">
+                <a16:creationId xmlns:a16="http://schemas.microsoft.com/office/drawing/2014/main" id="{0CF1C647-9783-9A17-2EE1-4E2FD7059AEA}"/>
+              </a:ext>
+            </a:extLst>
+          </p:cNvPr>
+          <p:cNvSpPr/>
+          <p:nvPr/>
+        </p:nvSpPr>
+        <p:spPr>
+          <a:xfrm>
+            <a:off x="8287399" y="1727407"/>
+            <a:ext cx="2283231" cy="862543"/>
+          </a:xfrm>
+          <a:prstGeom prst="roundRect">
+            <a:avLst/>
+          </a:prstGeom>
+          <a:solidFill>
+            <a:schemeClr val="bg1"/>
+          </a:solidFill>
+          <a:ln>
+            <a:solidFill>
+              <a:schemeClr val="accent2"/>
+            </a:solidFill>
+          </a:ln>
+        </p:spPr>
+        <p:style>
+          <a:lnRef idx="2">
+            <a:schemeClr val="accent1">
+              <a:shade val="15000"/>
+            </a:schemeClr>
+          </a:lnRef>
+          <a:fillRef idx="1">
+            <a:schemeClr val="accent1"/>
+          </a:fillRef>
+          <a:effectRef idx="0">
+            <a:schemeClr val="accent1"/>
+          </a:effectRef>
+          <a:fontRef idx="minor">
+            <a:schemeClr val="lt1"/>
+          </a:fontRef>
+        </p:style>
+        <p:txBody>
+          <a:bodyPr rtlCol="0" anchor="ctr"/>
+          <a:lstStyle>
+            <a:defPPr>
+              <a:defRPr lang="en-US"/>
+            </a:defPPr>
+            <a:lvl1pPr marL="0" algn="l" defTabSz="457200" rtl="0" eaLnBrk="1" latinLnBrk="0" hangingPunct="1">
+              <a:defRPr sz="1800" kern="1200">
+                <a:solidFill>
+                  <a:schemeClr val="lt1"/>
+                </a:solidFill>
+                <a:latin typeface="+mn-lt"/>
+                <a:ea typeface="+mn-ea"/>
+                <a:cs typeface="+mn-cs"/>
+              </a:defRPr>
+            </a:lvl1pPr>
+            <a:lvl2pPr marL="457200" algn="l" defTabSz="457200" rtl="0" eaLnBrk="1" latinLnBrk="0" hangingPunct="1">
+              <a:defRPr sz="1800" kern="1200">
+                <a:solidFill>
+                  <a:schemeClr val="lt1"/>
+                </a:solidFill>
+                <a:latin typeface="+mn-lt"/>
+                <a:ea typeface="+mn-ea"/>
+                <a:cs typeface="+mn-cs"/>
+              </a:defRPr>
+            </a:lvl2pPr>
+            <a:lvl3pPr marL="914400" algn="l" defTabSz="457200" rtl="0" eaLnBrk="1" latinLnBrk="0" hangingPunct="1">
+              <a:defRPr sz="1800" kern="1200">
+                <a:solidFill>
+                  <a:schemeClr val="lt1"/>
+                </a:solidFill>
+                <a:latin typeface="+mn-lt"/>
+                <a:ea typeface="+mn-ea"/>
+                <a:cs typeface="+mn-cs"/>
+              </a:defRPr>
+            </a:lvl3pPr>
+            <a:lvl4pPr marL="1371600" algn="l" defTabSz="457200" rtl="0" eaLnBrk="1" latinLnBrk="0" hangingPunct="1">
+              <a:defRPr sz="1800" kern="1200">
+                <a:solidFill>
+                  <a:schemeClr val="lt1"/>
+                </a:solidFill>
+                <a:latin typeface="+mn-lt"/>
+                <a:ea typeface="+mn-ea"/>
+                <a:cs typeface="+mn-cs"/>
+              </a:defRPr>
+            </a:lvl4pPr>
+            <a:lvl5pPr marL="1828800" algn="l" defTabSz="457200" rtl="0" eaLnBrk="1" latinLnBrk="0" hangingPunct="1">
+              <a:defRPr sz="1800" kern="1200">
+                <a:solidFill>
+                  <a:schemeClr val="lt1"/>
+                </a:solidFill>
+                <a:latin typeface="+mn-lt"/>
+                <a:ea typeface="+mn-ea"/>
+                <a:cs typeface="+mn-cs"/>
+              </a:defRPr>
+            </a:lvl5pPr>
+            <a:lvl6pPr marL="2286000" algn="l" defTabSz="457200" rtl="0" eaLnBrk="1" latinLnBrk="0" hangingPunct="1">
+              <a:defRPr sz="1800" kern="1200">
+                <a:solidFill>
+                  <a:schemeClr val="lt1"/>
+                </a:solidFill>
+                <a:latin typeface="+mn-lt"/>
+                <a:ea typeface="+mn-ea"/>
+                <a:cs typeface="+mn-cs"/>
+              </a:defRPr>
+            </a:lvl6pPr>
+            <a:lvl7pPr marL="2743200" algn="l" defTabSz="457200" rtl="0" eaLnBrk="1" latinLnBrk="0" hangingPunct="1">
+              <a:defRPr sz="1800" kern="1200">
+                <a:solidFill>
+                  <a:schemeClr val="lt1"/>
+                </a:solidFill>
+                <a:latin typeface="+mn-lt"/>
+                <a:ea typeface="+mn-ea"/>
+                <a:cs typeface="+mn-cs"/>
+              </a:defRPr>
+            </a:lvl7pPr>
+            <a:lvl8pPr marL="3200400" algn="l" defTabSz="457200" rtl="0" eaLnBrk="1" latinLnBrk="0" hangingPunct="1">
+              <a:defRPr sz="1800" kern="1200">
+                <a:solidFill>
+                  <a:schemeClr val="lt1"/>
+                </a:solidFill>
+                <a:latin typeface="+mn-lt"/>
+                <a:ea typeface="+mn-ea"/>
+                <a:cs typeface="+mn-cs"/>
+              </a:defRPr>
+            </a:lvl8pPr>
+            <a:lvl9pPr marL="3657600" algn="l" defTabSz="457200" rtl="0" eaLnBrk="1" latinLnBrk="0" hangingPunct="1">
+              <a:defRPr sz="1800" kern="1200">
+                <a:solidFill>
+                  <a:schemeClr val="lt1"/>
+                </a:solidFill>
+                <a:latin typeface="+mn-lt"/>
+                <a:ea typeface="+mn-ea"/>
+                <a:cs typeface="+mn-cs"/>
+              </a:defRPr>
+            </a:lvl9pPr>
+          </a:lstStyle>
+          <a:p>
+            <a:pPr>
+              <a:lnSpc>
+                <a:spcPct val="110000"/>
+              </a:lnSpc>
+            </a:pPr>
+            <a:r>
+              <a:rPr kumimoji="1" lang="ja-JP" altLang="en-US" sz="1200" dirty="0">
+                <a:solidFill>
+                  <a:schemeClr val="tx1"/>
+                </a:solidFill>
+                <a:latin typeface="BIZ UDPゴシック" panose="020B0400000000000000" pitchFamily="50" charset="-128"/>
+                <a:ea typeface="BIZ UDPゴシック" panose="020B0400000000000000" pitchFamily="50" charset="-128"/>
+              </a:rPr>
+              <a:t>・炉心融解</a:t>
+            </a:r>
+            <a:endParaRPr kumimoji="1" lang="en-US" altLang="ja-JP" sz="1200" dirty="0">
+              <a:solidFill>
+                <a:schemeClr val="tx1"/>
+              </a:solidFill>
+              <a:latin typeface="BIZ UDPゴシック" panose="020B0400000000000000" pitchFamily="50" charset="-128"/>
+              <a:ea typeface="BIZ UDPゴシック" panose="020B0400000000000000" pitchFamily="50" charset="-128"/>
+            </a:endParaRPr>
+          </a:p>
+          <a:p>
+            <a:pPr>
+              <a:lnSpc>
+                <a:spcPct val="110000"/>
+              </a:lnSpc>
+            </a:pPr>
+            <a:r>
+              <a:rPr kumimoji="1" lang="ja-JP" altLang="en-US" sz="1200" dirty="0">
+                <a:solidFill>
+                  <a:schemeClr val="tx1"/>
+                </a:solidFill>
+                <a:latin typeface="BIZ UDPゴシック" panose="020B0400000000000000" pitchFamily="50" charset="-128"/>
+                <a:ea typeface="BIZ UDPゴシック" panose="020B0400000000000000" pitchFamily="50" charset="-128"/>
+              </a:rPr>
+              <a:t>・ワールズエンド・ダンスホール</a:t>
+            </a:r>
+            <a:endParaRPr kumimoji="1" lang="en-US" altLang="ja-JP" sz="1200" dirty="0">
+              <a:solidFill>
+                <a:schemeClr val="tx1"/>
+              </a:solidFill>
+              <a:latin typeface="BIZ UDPゴシック" panose="020B0400000000000000" pitchFamily="50" charset="-128"/>
+              <a:ea typeface="BIZ UDPゴシック" panose="020B0400000000000000" pitchFamily="50" charset="-128"/>
+            </a:endParaRPr>
+          </a:p>
+          <a:p>
+            <a:pPr>
+              <a:lnSpc>
+                <a:spcPct val="110000"/>
+              </a:lnSpc>
+            </a:pPr>
+            <a:r>
+              <a:rPr kumimoji="1" lang="ja-JP" altLang="en-US" sz="1200" dirty="0">
+                <a:solidFill>
+                  <a:schemeClr val="tx1"/>
+                </a:solidFill>
+                <a:latin typeface="BIZ UDPゴシック" panose="020B0400000000000000" pitchFamily="50" charset="-128"/>
+                <a:ea typeface="BIZ UDPゴシック" panose="020B0400000000000000" pitchFamily="50" charset="-128"/>
+              </a:rPr>
+              <a:t>・初音ミクの激唱</a:t>
+            </a:r>
+          </a:p>
+          <a:p>
+            <a:pPr>
+              <a:lnSpc>
+                <a:spcPct val="110000"/>
+              </a:lnSpc>
+            </a:pPr>
+            <a:r>
+              <a:rPr kumimoji="1" lang="ja-JP" altLang="en-US" sz="1200" dirty="0">
+                <a:solidFill>
+                  <a:schemeClr val="tx1"/>
+                </a:solidFill>
+                <a:ea typeface="BIZ UDPゴシック" panose="020B0400000000000000" pitchFamily="50" charset="-128"/>
+              </a:rPr>
+              <a:t>・</a:t>
+            </a:r>
+            <a:r>
+              <a:rPr kumimoji="1" lang="en-US" altLang="ja-JP" sz="1200" dirty="0">
+                <a:solidFill>
+                  <a:schemeClr val="tx1"/>
+                </a:solidFill>
+                <a:ea typeface="BIZ UDPゴシック" panose="020B0400000000000000" pitchFamily="50" charset="-128"/>
+              </a:rPr>
+              <a:t>…</a:t>
+            </a:r>
+            <a:endParaRPr kumimoji="1" lang="ja-JP" altLang="en-US" sz="1200" dirty="0">
+              <a:solidFill>
+                <a:schemeClr val="tx1"/>
+              </a:solidFill>
+              <a:ea typeface="BIZ UDPゴシック" panose="020B0400000000000000" pitchFamily="50" charset="-128"/>
+            </a:endParaRPr>
+          </a:p>
+        </p:txBody>
+      </p:sp>
+      <p:sp>
+        <p:nvSpPr>
+          <p:cNvPr id="16" name="四角形: 角を丸くする 15">
+            <a:extLst>
+              <a:ext uri="{FF2B5EF4-FFF2-40B4-BE49-F238E27FC236}">
+                <a16:creationId xmlns:a16="http://schemas.microsoft.com/office/drawing/2014/main" id="{37318088-223C-0F2B-6BFE-0A39C1C16FD3}"/>
+              </a:ext>
+            </a:extLst>
+          </p:cNvPr>
+          <p:cNvSpPr/>
+          <p:nvPr/>
+        </p:nvSpPr>
+        <p:spPr>
+          <a:xfrm>
+            <a:off x="8287398" y="2978467"/>
+            <a:ext cx="2283231" cy="862543"/>
+          </a:xfrm>
+          <a:prstGeom prst="roundRect">
+            <a:avLst/>
+          </a:prstGeom>
+          <a:solidFill>
+            <a:schemeClr val="bg1"/>
+          </a:solidFill>
+          <a:ln>
+            <a:solidFill>
+              <a:schemeClr val="accent2"/>
+            </a:solidFill>
+          </a:ln>
+        </p:spPr>
+        <p:style>
+          <a:lnRef idx="2">
+            <a:schemeClr val="accent1">
+              <a:shade val="15000"/>
+            </a:schemeClr>
+          </a:lnRef>
+          <a:fillRef idx="1">
+            <a:schemeClr val="accent1"/>
+          </a:fillRef>
+          <a:effectRef idx="0">
+            <a:schemeClr val="accent1"/>
+          </a:effectRef>
+          <a:fontRef idx="minor">
+            <a:schemeClr val="lt1"/>
+          </a:fontRef>
+        </p:style>
+        <p:txBody>
+          <a:bodyPr rtlCol="0" anchor="ctr"/>
+          <a:lstStyle>
+            <a:defPPr>
+              <a:defRPr lang="en-US"/>
+            </a:defPPr>
+            <a:lvl1pPr marL="0" algn="l" defTabSz="457200" rtl="0" eaLnBrk="1" latinLnBrk="0" hangingPunct="1">
+              <a:defRPr sz="1800" kern="1200">
+                <a:solidFill>
+                  <a:schemeClr val="lt1"/>
+                </a:solidFill>
+                <a:latin typeface="+mn-lt"/>
+                <a:ea typeface="+mn-ea"/>
+                <a:cs typeface="+mn-cs"/>
+              </a:defRPr>
+            </a:lvl1pPr>
+            <a:lvl2pPr marL="457200" algn="l" defTabSz="457200" rtl="0" eaLnBrk="1" latinLnBrk="0" hangingPunct="1">
+              <a:defRPr sz="1800" kern="1200">
+                <a:solidFill>
+                  <a:schemeClr val="lt1"/>
+                </a:solidFill>
+                <a:latin typeface="+mn-lt"/>
+                <a:ea typeface="+mn-ea"/>
+                <a:cs typeface="+mn-cs"/>
+              </a:defRPr>
+            </a:lvl2pPr>
+            <a:lvl3pPr marL="914400" algn="l" defTabSz="457200" rtl="0" eaLnBrk="1" latinLnBrk="0" hangingPunct="1">
+              <a:defRPr sz="1800" kern="1200">
+                <a:solidFill>
+                  <a:schemeClr val="lt1"/>
+                </a:solidFill>
+                <a:latin typeface="+mn-lt"/>
+                <a:ea typeface="+mn-ea"/>
+                <a:cs typeface="+mn-cs"/>
+              </a:defRPr>
+            </a:lvl3pPr>
+            <a:lvl4pPr marL="1371600" algn="l" defTabSz="457200" rtl="0" eaLnBrk="1" latinLnBrk="0" hangingPunct="1">
+              <a:defRPr sz="1800" kern="1200">
+                <a:solidFill>
+                  <a:schemeClr val="lt1"/>
+                </a:solidFill>
+                <a:latin typeface="+mn-lt"/>
+                <a:ea typeface="+mn-ea"/>
+                <a:cs typeface="+mn-cs"/>
+              </a:defRPr>
+            </a:lvl4pPr>
+            <a:lvl5pPr marL="1828800" algn="l" defTabSz="457200" rtl="0" eaLnBrk="1" latinLnBrk="0" hangingPunct="1">
+              <a:defRPr sz="1800" kern="1200">
+                <a:solidFill>
+                  <a:schemeClr val="lt1"/>
+                </a:solidFill>
+                <a:latin typeface="+mn-lt"/>
+                <a:ea typeface="+mn-ea"/>
+                <a:cs typeface="+mn-cs"/>
+              </a:defRPr>
+            </a:lvl5pPr>
+            <a:lvl6pPr marL="2286000" algn="l" defTabSz="457200" rtl="0" eaLnBrk="1" latinLnBrk="0" hangingPunct="1">
+              <a:defRPr sz="1800" kern="1200">
+                <a:solidFill>
+                  <a:schemeClr val="lt1"/>
+                </a:solidFill>
+                <a:latin typeface="+mn-lt"/>
+                <a:ea typeface="+mn-ea"/>
+                <a:cs typeface="+mn-cs"/>
+              </a:defRPr>
+            </a:lvl6pPr>
+            <a:lvl7pPr marL="2743200" algn="l" defTabSz="457200" rtl="0" eaLnBrk="1" latinLnBrk="0" hangingPunct="1">
+              <a:defRPr sz="1800" kern="1200">
+                <a:solidFill>
+                  <a:schemeClr val="lt1"/>
+                </a:solidFill>
+                <a:latin typeface="+mn-lt"/>
+                <a:ea typeface="+mn-ea"/>
+                <a:cs typeface="+mn-cs"/>
+              </a:defRPr>
+            </a:lvl7pPr>
+            <a:lvl8pPr marL="3200400" algn="l" defTabSz="457200" rtl="0" eaLnBrk="1" latinLnBrk="0" hangingPunct="1">
+              <a:defRPr sz="1800" kern="1200">
+                <a:solidFill>
+                  <a:schemeClr val="lt1"/>
+                </a:solidFill>
+                <a:latin typeface="+mn-lt"/>
+                <a:ea typeface="+mn-ea"/>
+                <a:cs typeface="+mn-cs"/>
+              </a:defRPr>
+            </a:lvl8pPr>
+            <a:lvl9pPr marL="3657600" algn="l" defTabSz="457200" rtl="0" eaLnBrk="1" latinLnBrk="0" hangingPunct="1">
+              <a:defRPr sz="1800" kern="1200">
+                <a:solidFill>
+                  <a:schemeClr val="lt1"/>
+                </a:solidFill>
+                <a:latin typeface="+mn-lt"/>
+                <a:ea typeface="+mn-ea"/>
+                <a:cs typeface="+mn-cs"/>
+              </a:defRPr>
+            </a:lvl9pPr>
+          </a:lstStyle>
+          <a:p>
+            <a:pPr>
+              <a:lnSpc>
+                <a:spcPct val="110000"/>
+              </a:lnSpc>
+            </a:pPr>
+            <a:r>
+              <a:rPr kumimoji="1" lang="ja-JP" altLang="en-US" sz="1200" dirty="0">
+                <a:solidFill>
+                  <a:schemeClr val="tx1"/>
+                </a:solidFill>
+                <a:latin typeface="BIZ UDPゴシック" panose="020B0400000000000000" pitchFamily="50" charset="-128"/>
+                <a:ea typeface="BIZ UDPゴシック" panose="020B0400000000000000" pitchFamily="50" charset="-128"/>
+              </a:rPr>
+              <a:t>・メランコリック</a:t>
+            </a:r>
+            <a:endParaRPr kumimoji="1" lang="en-US" altLang="ja-JP" sz="1200" dirty="0">
+              <a:solidFill>
+                <a:schemeClr val="tx1"/>
+              </a:solidFill>
+              <a:latin typeface="BIZ UDPゴシック" panose="020B0400000000000000" pitchFamily="50" charset="-128"/>
+              <a:ea typeface="BIZ UDPゴシック" panose="020B0400000000000000" pitchFamily="50" charset="-128"/>
+            </a:endParaRPr>
+          </a:p>
+          <a:p>
+            <a:pPr>
+              <a:lnSpc>
+                <a:spcPct val="110000"/>
+              </a:lnSpc>
+            </a:pPr>
+            <a:r>
+              <a:rPr kumimoji="1" lang="ja-JP" altLang="en-US" sz="1200" dirty="0">
+                <a:solidFill>
+                  <a:schemeClr val="tx1"/>
+                </a:solidFill>
+                <a:latin typeface="BIZ UDPゴシック" panose="020B0400000000000000" pitchFamily="50" charset="-128"/>
+                <a:ea typeface="BIZ UDPゴシック" panose="020B0400000000000000" pitchFamily="50" charset="-128"/>
+              </a:rPr>
+              <a:t>・からくりピエロ</a:t>
+            </a:r>
+            <a:endParaRPr kumimoji="1" lang="en-US" altLang="ja-JP" sz="1200" dirty="0">
+              <a:solidFill>
+                <a:schemeClr val="tx1"/>
+              </a:solidFill>
+              <a:latin typeface="BIZ UDPゴシック" panose="020B0400000000000000" pitchFamily="50" charset="-128"/>
+              <a:ea typeface="BIZ UDPゴシック" panose="020B0400000000000000" pitchFamily="50" charset="-128"/>
+            </a:endParaRPr>
+          </a:p>
+          <a:p>
+            <a:pPr>
+              <a:lnSpc>
+                <a:spcPct val="110000"/>
+              </a:lnSpc>
+            </a:pPr>
+            <a:r>
+              <a:rPr kumimoji="1" lang="ja-JP" altLang="en-US" sz="1200" dirty="0">
+                <a:solidFill>
+                  <a:schemeClr val="tx1"/>
+                </a:solidFill>
+                <a:latin typeface="BIZ UDPゴシック" panose="020B0400000000000000" pitchFamily="50" charset="-128"/>
+                <a:ea typeface="BIZ UDPゴシック" panose="020B0400000000000000" pitchFamily="50" charset="-128"/>
+              </a:rPr>
+              <a:t>・モザイクロール</a:t>
+            </a:r>
+          </a:p>
+          <a:p>
+            <a:pPr>
+              <a:lnSpc>
+                <a:spcPct val="110000"/>
+              </a:lnSpc>
+            </a:pPr>
+            <a:r>
+              <a:rPr kumimoji="1" lang="ja-JP" altLang="en-US" sz="1200" dirty="0">
+                <a:solidFill>
+                  <a:schemeClr val="tx1"/>
+                </a:solidFill>
+                <a:ea typeface="BIZ UDPゴシック" panose="020B0400000000000000" pitchFamily="50" charset="-128"/>
+              </a:rPr>
+              <a:t>・</a:t>
+            </a:r>
+            <a:r>
+              <a:rPr kumimoji="1" lang="en-US" altLang="ja-JP" sz="1200" dirty="0">
+                <a:solidFill>
+                  <a:schemeClr val="tx1"/>
+                </a:solidFill>
+                <a:ea typeface="BIZ UDPゴシック" panose="020B0400000000000000" pitchFamily="50" charset="-128"/>
+              </a:rPr>
+              <a:t>…</a:t>
+            </a:r>
+            <a:endParaRPr kumimoji="1" lang="ja-JP" altLang="en-US" sz="1200" dirty="0">
+              <a:solidFill>
+                <a:schemeClr val="tx1"/>
+              </a:solidFill>
+              <a:ea typeface="BIZ UDPゴシック" panose="020B0400000000000000" pitchFamily="50" charset="-128"/>
+            </a:endParaRPr>
+          </a:p>
+        </p:txBody>
+      </p:sp>
+      <p:sp>
+        <p:nvSpPr>
+          <p:cNvPr id="17" name="テキスト ボックス 2">
+            <a:extLst>
+              <a:ext uri="{FF2B5EF4-FFF2-40B4-BE49-F238E27FC236}">
+                <a16:creationId xmlns:a16="http://schemas.microsoft.com/office/drawing/2014/main" id="{6AF1C7E6-F188-9CB0-B28F-EB1F5D77BDF9}"/>
+              </a:ext>
+            </a:extLst>
+          </p:cNvPr>
+          <p:cNvSpPr txBox="1"/>
+          <p:nvPr/>
+        </p:nvSpPr>
+        <p:spPr>
+          <a:xfrm>
+            <a:off x="8287398" y="1450408"/>
+            <a:ext cx="1435396" cy="276999"/>
+          </a:xfrm>
+          <a:prstGeom prst="rect">
+            <a:avLst/>
+          </a:prstGeom>
+          <a:noFill/>
+        </p:spPr>
+        <p:txBody>
+          <a:bodyPr wrap="square" rtlCol="0">
+            <a:spAutoFit/>
+          </a:bodyPr>
+          <a:lstStyle>
+            <a:defPPr>
+              <a:defRPr lang="en-US"/>
+            </a:defPPr>
+            <a:lvl1pPr marL="0" algn="l" defTabSz="457200" rtl="0" eaLnBrk="1" latinLnBrk="0" hangingPunct="1">
+              <a:defRPr sz="1800" kern="1200">
+                <a:solidFill>
+                  <a:schemeClr val="tx1"/>
+                </a:solidFill>
+                <a:latin typeface="+mn-lt"/>
+                <a:ea typeface="+mn-ea"/>
+                <a:cs typeface="+mn-cs"/>
+              </a:defRPr>
+            </a:lvl1pPr>
+            <a:lvl2pPr marL="457200" algn="l" defTabSz="457200" rtl="0" eaLnBrk="1" latinLnBrk="0" hangingPunct="1">
+              <a:defRPr sz="1800" kern="1200">
+                <a:solidFill>
+                  <a:schemeClr val="tx1"/>
+                </a:solidFill>
+                <a:latin typeface="+mn-lt"/>
+                <a:ea typeface="+mn-ea"/>
+                <a:cs typeface="+mn-cs"/>
+              </a:defRPr>
+            </a:lvl2pPr>
+            <a:lvl3pPr marL="914400" algn="l" defTabSz="457200" rtl="0" eaLnBrk="1" latinLnBrk="0" hangingPunct="1">
+              <a:defRPr sz="1800" kern="1200">
+                <a:solidFill>
+                  <a:schemeClr val="tx1"/>
+                </a:solidFill>
+                <a:latin typeface="+mn-lt"/>
+                <a:ea typeface="+mn-ea"/>
+                <a:cs typeface="+mn-cs"/>
+              </a:defRPr>
+            </a:lvl3pPr>
+            <a:lvl4pPr marL="1371600" algn="l" defTabSz="457200" rtl="0" eaLnBrk="1" latinLnBrk="0" hangingPunct="1">
+              <a:defRPr sz="1800" kern="1200">
+                <a:solidFill>
+                  <a:schemeClr val="tx1"/>
+                </a:solidFill>
+                <a:latin typeface="+mn-lt"/>
+                <a:ea typeface="+mn-ea"/>
+                <a:cs typeface="+mn-cs"/>
+              </a:defRPr>
+            </a:lvl4pPr>
+            <a:lvl5pPr marL="1828800" algn="l" defTabSz="457200" rtl="0" eaLnBrk="1" latinLnBrk="0" hangingPunct="1">
+              <a:defRPr sz="1800" kern="1200">
+                <a:solidFill>
+                  <a:schemeClr val="tx1"/>
+                </a:solidFill>
+                <a:latin typeface="+mn-lt"/>
+                <a:ea typeface="+mn-ea"/>
+                <a:cs typeface="+mn-cs"/>
+              </a:defRPr>
+            </a:lvl5pPr>
+            <a:lvl6pPr marL="2286000" algn="l" defTabSz="457200" rtl="0" eaLnBrk="1" latinLnBrk="0" hangingPunct="1">
+              <a:defRPr sz="1800" kern="1200">
+                <a:solidFill>
+                  <a:schemeClr val="tx1"/>
+                </a:solidFill>
+                <a:latin typeface="+mn-lt"/>
+                <a:ea typeface="+mn-ea"/>
+                <a:cs typeface="+mn-cs"/>
+              </a:defRPr>
+            </a:lvl6pPr>
+            <a:lvl7pPr marL="2743200" algn="l" defTabSz="457200" rtl="0" eaLnBrk="1" latinLnBrk="0" hangingPunct="1">
+              <a:defRPr sz="1800" kern="1200">
+                <a:solidFill>
+                  <a:schemeClr val="tx1"/>
+                </a:solidFill>
+                <a:latin typeface="+mn-lt"/>
+                <a:ea typeface="+mn-ea"/>
+                <a:cs typeface="+mn-cs"/>
+              </a:defRPr>
+            </a:lvl7pPr>
+            <a:lvl8pPr marL="3200400" algn="l" defTabSz="457200" rtl="0" eaLnBrk="1" latinLnBrk="0" hangingPunct="1">
+              <a:defRPr sz="1800" kern="1200">
+                <a:solidFill>
+                  <a:schemeClr val="tx1"/>
+                </a:solidFill>
+                <a:latin typeface="+mn-lt"/>
+                <a:ea typeface="+mn-ea"/>
+                <a:cs typeface="+mn-cs"/>
+              </a:defRPr>
+            </a:lvl8pPr>
+            <a:lvl9pPr marL="3657600" algn="l" defTabSz="457200" rtl="0" eaLnBrk="1" latinLnBrk="0" hangingPunct="1">
+              <a:defRPr sz="1800" kern="1200">
+                <a:solidFill>
+                  <a:schemeClr val="tx1"/>
+                </a:solidFill>
+                <a:latin typeface="+mn-lt"/>
+                <a:ea typeface="+mn-ea"/>
+                <a:cs typeface="+mn-cs"/>
+              </a:defRPr>
+            </a:lvl9pPr>
+          </a:lstStyle>
+          <a:p>
+            <a:pPr>
+              <a:lnSpc>
+                <a:spcPct val="110000"/>
+              </a:lnSpc>
+            </a:pPr>
+            <a:r>
+              <a:rPr kumimoji="1" lang="ja-JP" altLang="en-US" sz="1200" dirty="0">
+                <a:latin typeface="BIZ UDPゴシック" panose="020B0400000000000000" pitchFamily="50" charset="-128"/>
+                <a:ea typeface="BIZ UDPゴシック" panose="020B0400000000000000" pitchFamily="50" charset="-128"/>
+              </a:rPr>
+              <a:t>上位</a:t>
+            </a:r>
+            <a:r>
+              <a:rPr kumimoji="1" lang="en-US" altLang="ja-JP" sz="1200" dirty="0">
+                <a:latin typeface="BIZ UDPゴシック" panose="020B0400000000000000" pitchFamily="50" charset="-128"/>
+                <a:ea typeface="BIZ UDPゴシック" panose="020B0400000000000000" pitchFamily="50" charset="-128"/>
+              </a:rPr>
+              <a:t>20</a:t>
+            </a:r>
+            <a:r>
+              <a:rPr kumimoji="1" lang="ja-JP" altLang="en-US" sz="1200" dirty="0">
+                <a:latin typeface="BIZ UDPゴシック" panose="020B0400000000000000" pitchFamily="50" charset="-128"/>
+                <a:ea typeface="BIZ UDPゴシック" panose="020B0400000000000000" pitchFamily="50" charset="-128"/>
+              </a:rPr>
+              <a:t>曲</a:t>
+            </a:r>
+          </a:p>
+        </p:txBody>
+      </p:sp>
+      <p:sp>
+        <p:nvSpPr>
+          <p:cNvPr id="18" name="テキスト ボックス 9">
+            <a:extLst>
+              <a:ext uri="{FF2B5EF4-FFF2-40B4-BE49-F238E27FC236}">
+                <a16:creationId xmlns:a16="http://schemas.microsoft.com/office/drawing/2014/main" id="{4008445B-B470-7EEF-8719-0D79AD022898}"/>
+              </a:ext>
+            </a:extLst>
+          </p:cNvPr>
+          <p:cNvSpPr txBox="1"/>
+          <p:nvPr/>
+        </p:nvSpPr>
+        <p:spPr>
+          <a:xfrm>
+            <a:off x="8287398" y="2688519"/>
+            <a:ext cx="1435396" cy="276999"/>
+          </a:xfrm>
+          <a:prstGeom prst="rect">
+            <a:avLst/>
+          </a:prstGeom>
+          <a:noFill/>
+        </p:spPr>
+        <p:txBody>
+          <a:bodyPr wrap="square" rtlCol="0">
+            <a:spAutoFit/>
+          </a:bodyPr>
+          <a:lstStyle>
+            <a:defPPr>
+              <a:defRPr lang="en-US"/>
+            </a:defPPr>
+            <a:lvl1pPr marL="0" algn="l" defTabSz="457200" rtl="0" eaLnBrk="1" latinLnBrk="0" hangingPunct="1">
+              <a:defRPr sz="1800" kern="1200">
+                <a:solidFill>
+                  <a:schemeClr val="tx1"/>
+                </a:solidFill>
+                <a:latin typeface="+mn-lt"/>
+                <a:ea typeface="+mn-ea"/>
+                <a:cs typeface="+mn-cs"/>
+              </a:defRPr>
+            </a:lvl1pPr>
+            <a:lvl2pPr marL="457200" algn="l" defTabSz="457200" rtl="0" eaLnBrk="1" latinLnBrk="0" hangingPunct="1">
+              <a:defRPr sz="1800" kern="1200">
+                <a:solidFill>
+                  <a:schemeClr val="tx1"/>
+                </a:solidFill>
+                <a:latin typeface="+mn-lt"/>
+                <a:ea typeface="+mn-ea"/>
+                <a:cs typeface="+mn-cs"/>
+              </a:defRPr>
+            </a:lvl2pPr>
+            <a:lvl3pPr marL="914400" algn="l" defTabSz="457200" rtl="0" eaLnBrk="1" latinLnBrk="0" hangingPunct="1">
+              <a:defRPr sz="1800" kern="1200">
+                <a:solidFill>
+                  <a:schemeClr val="tx1"/>
+                </a:solidFill>
+                <a:latin typeface="+mn-lt"/>
+                <a:ea typeface="+mn-ea"/>
+                <a:cs typeface="+mn-cs"/>
+              </a:defRPr>
+            </a:lvl3pPr>
+            <a:lvl4pPr marL="1371600" algn="l" defTabSz="457200" rtl="0" eaLnBrk="1" latinLnBrk="0" hangingPunct="1">
+              <a:defRPr sz="1800" kern="1200">
+                <a:solidFill>
+                  <a:schemeClr val="tx1"/>
+                </a:solidFill>
+                <a:latin typeface="+mn-lt"/>
+                <a:ea typeface="+mn-ea"/>
+                <a:cs typeface="+mn-cs"/>
+              </a:defRPr>
+            </a:lvl4pPr>
+            <a:lvl5pPr marL="1828800" algn="l" defTabSz="457200" rtl="0" eaLnBrk="1" latinLnBrk="0" hangingPunct="1">
+              <a:defRPr sz="1800" kern="1200">
+                <a:solidFill>
+                  <a:schemeClr val="tx1"/>
+                </a:solidFill>
+                <a:latin typeface="+mn-lt"/>
+                <a:ea typeface="+mn-ea"/>
+                <a:cs typeface="+mn-cs"/>
+              </a:defRPr>
+            </a:lvl5pPr>
+            <a:lvl6pPr marL="2286000" algn="l" defTabSz="457200" rtl="0" eaLnBrk="1" latinLnBrk="0" hangingPunct="1">
+              <a:defRPr sz="1800" kern="1200">
+                <a:solidFill>
+                  <a:schemeClr val="tx1"/>
+                </a:solidFill>
+                <a:latin typeface="+mn-lt"/>
+                <a:ea typeface="+mn-ea"/>
+                <a:cs typeface="+mn-cs"/>
+              </a:defRPr>
+            </a:lvl6pPr>
+            <a:lvl7pPr marL="2743200" algn="l" defTabSz="457200" rtl="0" eaLnBrk="1" latinLnBrk="0" hangingPunct="1">
+              <a:defRPr sz="1800" kern="1200">
+                <a:solidFill>
+                  <a:schemeClr val="tx1"/>
+                </a:solidFill>
+                <a:latin typeface="+mn-lt"/>
+                <a:ea typeface="+mn-ea"/>
+                <a:cs typeface="+mn-cs"/>
+              </a:defRPr>
+            </a:lvl7pPr>
+            <a:lvl8pPr marL="3200400" algn="l" defTabSz="457200" rtl="0" eaLnBrk="1" latinLnBrk="0" hangingPunct="1">
+              <a:defRPr sz="1800" kern="1200">
+                <a:solidFill>
+                  <a:schemeClr val="tx1"/>
+                </a:solidFill>
+                <a:latin typeface="+mn-lt"/>
+                <a:ea typeface="+mn-ea"/>
+                <a:cs typeface="+mn-cs"/>
+              </a:defRPr>
+            </a:lvl8pPr>
+            <a:lvl9pPr marL="3657600" algn="l" defTabSz="457200" rtl="0" eaLnBrk="1" latinLnBrk="0" hangingPunct="1">
+              <a:defRPr sz="1800" kern="1200">
+                <a:solidFill>
+                  <a:schemeClr val="tx1"/>
+                </a:solidFill>
+                <a:latin typeface="+mn-lt"/>
+                <a:ea typeface="+mn-ea"/>
+                <a:cs typeface="+mn-cs"/>
+              </a:defRPr>
+            </a:lvl9pPr>
+          </a:lstStyle>
+          <a:p>
+            <a:pPr>
+              <a:lnSpc>
+                <a:spcPct val="110000"/>
+              </a:lnSpc>
+            </a:pPr>
+            <a:r>
+              <a:rPr kumimoji="1" lang="ja-JP" altLang="en-US" sz="1200" dirty="0">
+                <a:latin typeface="BIZ UDPゴシック" panose="020B0400000000000000" pitchFamily="50" charset="-128"/>
+                <a:ea typeface="BIZ UDPゴシック" panose="020B0400000000000000" pitchFamily="50" charset="-128"/>
+              </a:rPr>
+              <a:t>下位</a:t>
+            </a:r>
+            <a:r>
+              <a:rPr kumimoji="1" lang="en-US" altLang="ja-JP" sz="1200" dirty="0">
+                <a:latin typeface="BIZ UDPゴシック" panose="020B0400000000000000" pitchFamily="50" charset="-128"/>
+                <a:ea typeface="BIZ UDPゴシック" panose="020B0400000000000000" pitchFamily="50" charset="-128"/>
+              </a:rPr>
+              <a:t>20</a:t>
+            </a:r>
+            <a:r>
+              <a:rPr kumimoji="1" lang="ja-JP" altLang="en-US" sz="1200" dirty="0">
+                <a:latin typeface="BIZ UDPゴシック" panose="020B0400000000000000" pitchFamily="50" charset="-128"/>
+                <a:ea typeface="BIZ UDPゴシック" panose="020B0400000000000000" pitchFamily="50" charset="-128"/>
+              </a:rPr>
+              <a:t>曲</a:t>
+            </a:r>
+          </a:p>
+        </p:txBody>
+      </p:sp>
+      <p:sp>
+        <p:nvSpPr>
+          <p:cNvPr id="19" name="テキスト ボックス 1">
+            <a:extLst>
+              <a:ext uri="{FF2B5EF4-FFF2-40B4-BE49-F238E27FC236}">
+                <a16:creationId xmlns:a16="http://schemas.microsoft.com/office/drawing/2014/main" id="{A7A04C6A-12A4-6402-1F89-7ACF7C961C12}"/>
+              </a:ext>
+            </a:extLst>
+          </p:cNvPr>
+          <p:cNvSpPr txBox="1"/>
+          <p:nvPr/>
+        </p:nvSpPr>
+        <p:spPr>
+          <a:xfrm>
+            <a:off x="203877" y="4290103"/>
+            <a:ext cx="7841475" cy="383182"/>
+          </a:xfrm>
+          <a:prstGeom prst="rect">
+            <a:avLst/>
+          </a:prstGeom>
+          <a:noFill/>
+        </p:spPr>
+        <p:txBody>
+          <a:bodyPr wrap="square" rtlCol="0">
+            <a:spAutoFit/>
+          </a:bodyPr>
+          <a:lstStyle>
+            <a:defPPr>
+              <a:defRPr lang="en-US"/>
+            </a:defPPr>
+            <a:lvl1pPr marL="0" algn="l" defTabSz="457200" rtl="0" eaLnBrk="1" latinLnBrk="0" hangingPunct="1">
+              <a:defRPr sz="1800" kern="1200">
+                <a:solidFill>
+                  <a:schemeClr val="tx1"/>
+                </a:solidFill>
+                <a:latin typeface="+mn-lt"/>
+                <a:ea typeface="+mn-ea"/>
+                <a:cs typeface="+mn-cs"/>
+              </a:defRPr>
+            </a:lvl1pPr>
+            <a:lvl2pPr marL="457200" algn="l" defTabSz="457200" rtl="0" eaLnBrk="1" latinLnBrk="0" hangingPunct="1">
+              <a:defRPr sz="1800" kern="1200">
+                <a:solidFill>
+                  <a:schemeClr val="tx1"/>
+                </a:solidFill>
+                <a:latin typeface="+mn-lt"/>
+                <a:ea typeface="+mn-ea"/>
+                <a:cs typeface="+mn-cs"/>
+              </a:defRPr>
+            </a:lvl2pPr>
+            <a:lvl3pPr marL="914400" algn="l" defTabSz="457200" rtl="0" eaLnBrk="1" latinLnBrk="0" hangingPunct="1">
+              <a:defRPr sz="1800" kern="1200">
+                <a:solidFill>
+                  <a:schemeClr val="tx1"/>
+                </a:solidFill>
+                <a:latin typeface="+mn-lt"/>
+                <a:ea typeface="+mn-ea"/>
+                <a:cs typeface="+mn-cs"/>
+              </a:defRPr>
+            </a:lvl3pPr>
+            <a:lvl4pPr marL="1371600" algn="l" defTabSz="457200" rtl="0" eaLnBrk="1" latinLnBrk="0" hangingPunct="1">
+              <a:defRPr sz="1800" kern="1200">
+                <a:solidFill>
+                  <a:schemeClr val="tx1"/>
+                </a:solidFill>
+                <a:latin typeface="+mn-lt"/>
+                <a:ea typeface="+mn-ea"/>
+                <a:cs typeface="+mn-cs"/>
+              </a:defRPr>
+            </a:lvl4pPr>
+            <a:lvl5pPr marL="1828800" algn="l" defTabSz="457200" rtl="0" eaLnBrk="1" latinLnBrk="0" hangingPunct="1">
+              <a:defRPr sz="1800" kern="1200">
+                <a:solidFill>
+                  <a:schemeClr val="tx1"/>
+                </a:solidFill>
+                <a:latin typeface="+mn-lt"/>
+                <a:ea typeface="+mn-ea"/>
+                <a:cs typeface="+mn-cs"/>
+              </a:defRPr>
+            </a:lvl5pPr>
+            <a:lvl6pPr marL="2286000" algn="l" defTabSz="457200" rtl="0" eaLnBrk="1" latinLnBrk="0" hangingPunct="1">
+              <a:defRPr sz="1800" kern="1200">
+                <a:solidFill>
+                  <a:schemeClr val="tx1"/>
+                </a:solidFill>
+                <a:latin typeface="+mn-lt"/>
+                <a:ea typeface="+mn-ea"/>
+                <a:cs typeface="+mn-cs"/>
+              </a:defRPr>
+            </a:lvl6pPr>
+            <a:lvl7pPr marL="2743200" algn="l" defTabSz="457200" rtl="0" eaLnBrk="1" latinLnBrk="0" hangingPunct="1">
+              <a:defRPr sz="1800" kern="1200">
+                <a:solidFill>
+                  <a:schemeClr val="tx1"/>
+                </a:solidFill>
+                <a:latin typeface="+mn-lt"/>
+                <a:ea typeface="+mn-ea"/>
+                <a:cs typeface="+mn-cs"/>
+              </a:defRPr>
+            </a:lvl7pPr>
+            <a:lvl8pPr marL="3200400" algn="l" defTabSz="457200" rtl="0" eaLnBrk="1" latinLnBrk="0" hangingPunct="1">
+              <a:defRPr sz="1800" kern="1200">
+                <a:solidFill>
+                  <a:schemeClr val="tx1"/>
+                </a:solidFill>
+                <a:latin typeface="+mn-lt"/>
+                <a:ea typeface="+mn-ea"/>
+                <a:cs typeface="+mn-cs"/>
+              </a:defRPr>
+            </a:lvl8pPr>
+            <a:lvl9pPr marL="3657600" algn="l" defTabSz="457200" rtl="0" eaLnBrk="1" latinLnBrk="0" hangingPunct="1">
+              <a:defRPr sz="1800" kern="1200">
+                <a:solidFill>
+                  <a:schemeClr val="tx1"/>
+                </a:solidFill>
+                <a:latin typeface="+mn-lt"/>
+                <a:ea typeface="+mn-ea"/>
+                <a:cs typeface="+mn-cs"/>
+              </a:defRPr>
+            </a:lvl9pPr>
+          </a:lstStyle>
+          <a:p>
+            <a:pPr>
+              <a:lnSpc>
+                <a:spcPct val="110000"/>
+              </a:lnSpc>
+            </a:pPr>
+            <a:r>
+              <a:rPr kumimoji="1" lang="ja-JP" altLang="en-US" sz="2000" dirty="0">
+                <a:latin typeface="BIZ UDPゴシック" panose="020B0400000000000000" pitchFamily="50" charset="-128"/>
+                <a:ea typeface="BIZ UDPゴシック" panose="020B0400000000000000" pitchFamily="50" charset="-128"/>
+              </a:rPr>
+              <a:t>全</a:t>
+            </a:r>
+            <a:r>
+              <a:rPr kumimoji="1" lang="en-US" altLang="ja-JP" sz="2000" dirty="0">
+                <a:latin typeface="BIZ UDPゴシック" panose="020B0400000000000000" pitchFamily="50" charset="-128"/>
+                <a:ea typeface="BIZ UDPゴシック" panose="020B0400000000000000" pitchFamily="50" charset="-128"/>
+              </a:rPr>
+              <a:t>40</a:t>
+            </a:r>
+            <a:r>
+              <a:rPr kumimoji="1" lang="ja-JP" altLang="en-US" sz="2000" dirty="0">
+                <a:latin typeface="BIZ UDPゴシック" panose="020B0400000000000000" pitchFamily="50" charset="-128"/>
+                <a:ea typeface="BIZ UDPゴシック" panose="020B0400000000000000" pitchFamily="50" charset="-128"/>
+              </a:rPr>
+              <a:t>曲における歌唱難易度の平均値と中央値を閾値として利用</a:t>
+            </a:r>
+            <a:endParaRPr kumimoji="1" lang="en-US" altLang="ja-JP" sz="2000" dirty="0">
+              <a:latin typeface="BIZ UDPゴシック" panose="020B0400000000000000" pitchFamily="50" charset="-128"/>
+              <a:ea typeface="BIZ UDPゴシック" panose="020B0400000000000000" pitchFamily="50" charset="-128"/>
+            </a:endParaRPr>
+          </a:p>
+        </p:txBody>
+      </p:sp>
+      <p:sp>
+        <p:nvSpPr>
+          <p:cNvPr id="20" name="テキスト ボックス 6">
+            <a:extLst>
+              <a:ext uri="{FF2B5EF4-FFF2-40B4-BE49-F238E27FC236}">
+                <a16:creationId xmlns:a16="http://schemas.microsoft.com/office/drawing/2014/main" id="{4F8181AA-9675-5850-F6D2-1536DCAAAE5D}"/>
+              </a:ext>
+            </a:extLst>
+          </p:cNvPr>
+          <p:cNvSpPr txBox="1"/>
+          <p:nvPr/>
+        </p:nvSpPr>
+        <p:spPr>
+          <a:xfrm>
+            <a:off x="8241450" y="4290102"/>
+            <a:ext cx="3018429" cy="409899"/>
+          </a:xfrm>
+          <a:prstGeom prst="rect">
+            <a:avLst/>
+          </a:prstGeom>
+          <a:noFill/>
+        </p:spPr>
+        <p:txBody>
+          <a:bodyPr wrap="square" rtlCol="0">
+            <a:spAutoFit/>
+          </a:bodyPr>
+          <a:lstStyle>
+            <a:defPPr>
+              <a:defRPr lang="en-US"/>
+            </a:defPPr>
+            <a:lvl1pPr marL="0" algn="l" defTabSz="457200" rtl="0" eaLnBrk="1" latinLnBrk="0" hangingPunct="1">
+              <a:defRPr sz="1800" kern="1200">
+                <a:solidFill>
+                  <a:schemeClr val="tx1"/>
+                </a:solidFill>
+                <a:latin typeface="+mn-lt"/>
+                <a:ea typeface="+mn-ea"/>
+                <a:cs typeface="+mn-cs"/>
+              </a:defRPr>
+            </a:lvl1pPr>
+            <a:lvl2pPr marL="457200" algn="l" defTabSz="457200" rtl="0" eaLnBrk="1" latinLnBrk="0" hangingPunct="1">
+              <a:defRPr sz="1800" kern="1200">
+                <a:solidFill>
+                  <a:schemeClr val="tx1"/>
+                </a:solidFill>
+                <a:latin typeface="+mn-lt"/>
+                <a:ea typeface="+mn-ea"/>
+                <a:cs typeface="+mn-cs"/>
+              </a:defRPr>
+            </a:lvl2pPr>
+            <a:lvl3pPr marL="914400" algn="l" defTabSz="457200" rtl="0" eaLnBrk="1" latinLnBrk="0" hangingPunct="1">
+              <a:defRPr sz="1800" kern="1200">
+                <a:solidFill>
+                  <a:schemeClr val="tx1"/>
+                </a:solidFill>
+                <a:latin typeface="+mn-lt"/>
+                <a:ea typeface="+mn-ea"/>
+                <a:cs typeface="+mn-cs"/>
+              </a:defRPr>
+            </a:lvl3pPr>
+            <a:lvl4pPr marL="1371600" algn="l" defTabSz="457200" rtl="0" eaLnBrk="1" latinLnBrk="0" hangingPunct="1">
+              <a:defRPr sz="1800" kern="1200">
+                <a:solidFill>
+                  <a:schemeClr val="tx1"/>
+                </a:solidFill>
+                <a:latin typeface="+mn-lt"/>
+                <a:ea typeface="+mn-ea"/>
+                <a:cs typeface="+mn-cs"/>
+              </a:defRPr>
+            </a:lvl4pPr>
+            <a:lvl5pPr marL="1828800" algn="l" defTabSz="457200" rtl="0" eaLnBrk="1" latinLnBrk="0" hangingPunct="1">
+              <a:defRPr sz="1800" kern="1200">
+                <a:solidFill>
+                  <a:schemeClr val="tx1"/>
+                </a:solidFill>
+                <a:latin typeface="+mn-lt"/>
+                <a:ea typeface="+mn-ea"/>
+                <a:cs typeface="+mn-cs"/>
+              </a:defRPr>
+            </a:lvl5pPr>
+            <a:lvl6pPr marL="2286000" algn="l" defTabSz="457200" rtl="0" eaLnBrk="1" latinLnBrk="0" hangingPunct="1">
+              <a:defRPr sz="1800" kern="1200">
+                <a:solidFill>
+                  <a:schemeClr val="tx1"/>
+                </a:solidFill>
+                <a:latin typeface="+mn-lt"/>
+                <a:ea typeface="+mn-ea"/>
+                <a:cs typeface="+mn-cs"/>
+              </a:defRPr>
+            </a:lvl6pPr>
+            <a:lvl7pPr marL="2743200" algn="l" defTabSz="457200" rtl="0" eaLnBrk="1" latinLnBrk="0" hangingPunct="1">
+              <a:defRPr sz="1800" kern="1200">
+                <a:solidFill>
+                  <a:schemeClr val="tx1"/>
+                </a:solidFill>
+                <a:latin typeface="+mn-lt"/>
+                <a:ea typeface="+mn-ea"/>
+                <a:cs typeface="+mn-cs"/>
+              </a:defRPr>
+            </a:lvl7pPr>
+            <a:lvl8pPr marL="3200400" algn="l" defTabSz="457200" rtl="0" eaLnBrk="1" latinLnBrk="0" hangingPunct="1">
+              <a:defRPr sz="1800" kern="1200">
+                <a:solidFill>
+                  <a:schemeClr val="tx1"/>
+                </a:solidFill>
+                <a:latin typeface="+mn-lt"/>
+                <a:ea typeface="+mn-ea"/>
+                <a:cs typeface="+mn-cs"/>
+              </a:defRPr>
+            </a:lvl8pPr>
+            <a:lvl9pPr marL="3657600" algn="l" defTabSz="457200" rtl="0" eaLnBrk="1" latinLnBrk="0" hangingPunct="1">
+              <a:defRPr sz="1800" kern="1200">
+                <a:solidFill>
+                  <a:schemeClr val="tx1"/>
+                </a:solidFill>
+                <a:latin typeface="+mn-lt"/>
+                <a:ea typeface="+mn-ea"/>
+                <a:cs typeface="+mn-cs"/>
+              </a:defRPr>
+            </a:lvl9pPr>
+          </a:lstStyle>
+          <a:p>
+            <a:r>
+              <a:rPr kumimoji="1" lang="ja-JP" altLang="en-US" sz="2000" dirty="0">
+                <a:latin typeface="BIZ UDPゴシック" panose="020B0400000000000000" pitchFamily="50" charset="-128"/>
+                <a:ea typeface="BIZ UDPゴシック" panose="020B0400000000000000" pitchFamily="50" charset="-128"/>
+              </a:rPr>
+              <a:t>各楽曲を</a:t>
+            </a:r>
+            <a:r>
+              <a:rPr kumimoji="1" lang="en-US" altLang="ja-JP" sz="2000" dirty="0">
+                <a:latin typeface="BIZ UDPゴシック" panose="020B0400000000000000" pitchFamily="50" charset="-128"/>
+                <a:ea typeface="BIZ UDPゴシック" panose="020B0400000000000000" pitchFamily="50" charset="-128"/>
+              </a:rPr>
+              <a:t>2</a:t>
+            </a:r>
+            <a:r>
+              <a:rPr kumimoji="1" lang="ja-JP" altLang="en-US" sz="2000" dirty="0">
+                <a:latin typeface="BIZ UDPゴシック" panose="020B0400000000000000" pitchFamily="50" charset="-128"/>
+                <a:ea typeface="BIZ UDPゴシック" panose="020B0400000000000000" pitchFamily="50" charset="-128"/>
+              </a:rPr>
+              <a:t>クラス分類</a:t>
+            </a:r>
+          </a:p>
+        </p:txBody>
+      </p:sp>
+      <p:sp>
+        <p:nvSpPr>
+          <p:cNvPr id="21" name="矢印: 右 20">
+            <a:extLst>
+              <a:ext uri="{FF2B5EF4-FFF2-40B4-BE49-F238E27FC236}">
+                <a16:creationId xmlns:a16="http://schemas.microsoft.com/office/drawing/2014/main" id="{A2ADE638-3B1E-909C-73FF-5C4E53C6BA53}"/>
+              </a:ext>
+            </a:extLst>
+          </p:cNvPr>
+          <p:cNvSpPr/>
+          <p:nvPr/>
+        </p:nvSpPr>
+        <p:spPr>
+          <a:xfrm>
+            <a:off x="7622405" y="4307031"/>
+            <a:ext cx="520996" cy="383182"/>
+          </a:xfrm>
+          <a:prstGeom prst="rightArrow">
+            <a:avLst/>
+          </a:prstGeom>
+        </p:spPr>
+        <p:style>
+          <a:lnRef idx="2">
+            <a:schemeClr val="accent1">
+              <a:shade val="15000"/>
+            </a:schemeClr>
+          </a:lnRef>
+          <a:fillRef idx="1">
+            <a:schemeClr val="accent1"/>
+          </a:fillRef>
+          <a:effectRef idx="0">
+            <a:schemeClr val="accent1"/>
+          </a:effectRef>
+          <a:fontRef idx="minor">
+            <a:schemeClr val="lt1"/>
+          </a:fontRef>
+        </p:style>
+        <p:txBody>
+          <a:bodyPr rtlCol="0" anchor="ctr"/>
+          <a:lstStyle/>
+          <a:p>
+            <a:pPr algn="ctr">
+              <a:lnSpc>
+                <a:spcPct val="110000"/>
+              </a:lnSpc>
+            </a:pPr>
+            <a:endParaRPr kumimoji="1" lang="ja-JP" altLang="en-US">
+              <a:latin typeface="BIZ UDPゴシック" panose="020B0400000000000000" pitchFamily="50" charset="-128"/>
+              <a:ea typeface="BIZ UDPゴシック" panose="020B0400000000000000" pitchFamily="50" charset="-128"/>
+            </a:endParaRPr>
+          </a:p>
+        </p:txBody>
+      </p:sp>
+      <p:sp>
+        <p:nvSpPr>
+          <p:cNvPr id="22" name="テキスト ボックス 18">
+            <a:extLst>
+              <a:ext uri="{FF2B5EF4-FFF2-40B4-BE49-F238E27FC236}">
+                <a16:creationId xmlns:a16="http://schemas.microsoft.com/office/drawing/2014/main" id="{72841B52-3358-F25E-E24A-216182868323}"/>
+              </a:ext>
+            </a:extLst>
+          </p:cNvPr>
+          <p:cNvSpPr txBox="1"/>
+          <p:nvPr/>
+        </p:nvSpPr>
+        <p:spPr>
+          <a:xfrm>
+            <a:off x="1793358" y="4932670"/>
+            <a:ext cx="3700120" cy="354071"/>
+          </a:xfrm>
+          <a:prstGeom prst="rect">
+            <a:avLst/>
+          </a:prstGeom>
+          <a:noFill/>
+        </p:spPr>
+        <p:txBody>
+          <a:bodyPr wrap="square" rtlCol="0">
+            <a:spAutoFit/>
+          </a:bodyPr>
+          <a:lstStyle>
+            <a:defPPr>
+              <a:defRPr lang="en-US"/>
+            </a:defPPr>
+            <a:lvl1pPr marL="0" algn="l" defTabSz="457200" rtl="0" eaLnBrk="1" latinLnBrk="0" hangingPunct="1">
+              <a:defRPr sz="1800" kern="1200">
+                <a:solidFill>
+                  <a:schemeClr val="tx1"/>
+                </a:solidFill>
+                <a:latin typeface="+mn-lt"/>
+                <a:ea typeface="+mn-ea"/>
+                <a:cs typeface="+mn-cs"/>
+              </a:defRPr>
+            </a:lvl1pPr>
+            <a:lvl2pPr marL="457200" algn="l" defTabSz="457200" rtl="0" eaLnBrk="1" latinLnBrk="0" hangingPunct="1">
+              <a:defRPr sz="1800" kern="1200">
+                <a:solidFill>
+                  <a:schemeClr val="tx1"/>
+                </a:solidFill>
+                <a:latin typeface="+mn-lt"/>
+                <a:ea typeface="+mn-ea"/>
+                <a:cs typeface="+mn-cs"/>
+              </a:defRPr>
+            </a:lvl2pPr>
+            <a:lvl3pPr marL="914400" algn="l" defTabSz="457200" rtl="0" eaLnBrk="1" latinLnBrk="0" hangingPunct="1">
+              <a:defRPr sz="1800" kern="1200">
+                <a:solidFill>
+                  <a:schemeClr val="tx1"/>
+                </a:solidFill>
+                <a:latin typeface="+mn-lt"/>
+                <a:ea typeface="+mn-ea"/>
+                <a:cs typeface="+mn-cs"/>
+              </a:defRPr>
+            </a:lvl3pPr>
+            <a:lvl4pPr marL="1371600" algn="l" defTabSz="457200" rtl="0" eaLnBrk="1" latinLnBrk="0" hangingPunct="1">
+              <a:defRPr sz="1800" kern="1200">
+                <a:solidFill>
+                  <a:schemeClr val="tx1"/>
+                </a:solidFill>
+                <a:latin typeface="+mn-lt"/>
+                <a:ea typeface="+mn-ea"/>
+                <a:cs typeface="+mn-cs"/>
+              </a:defRPr>
+            </a:lvl4pPr>
+            <a:lvl5pPr marL="1828800" algn="l" defTabSz="457200" rtl="0" eaLnBrk="1" latinLnBrk="0" hangingPunct="1">
+              <a:defRPr sz="1800" kern="1200">
+                <a:solidFill>
+                  <a:schemeClr val="tx1"/>
+                </a:solidFill>
+                <a:latin typeface="+mn-lt"/>
+                <a:ea typeface="+mn-ea"/>
+                <a:cs typeface="+mn-cs"/>
+              </a:defRPr>
+            </a:lvl5pPr>
+            <a:lvl6pPr marL="2286000" algn="l" defTabSz="457200" rtl="0" eaLnBrk="1" latinLnBrk="0" hangingPunct="1">
+              <a:defRPr sz="1800" kern="1200">
+                <a:solidFill>
+                  <a:schemeClr val="tx1"/>
+                </a:solidFill>
+                <a:latin typeface="+mn-lt"/>
+                <a:ea typeface="+mn-ea"/>
+                <a:cs typeface="+mn-cs"/>
+              </a:defRPr>
+            </a:lvl6pPr>
+            <a:lvl7pPr marL="2743200" algn="l" defTabSz="457200" rtl="0" eaLnBrk="1" latinLnBrk="0" hangingPunct="1">
+              <a:defRPr sz="1800" kern="1200">
+                <a:solidFill>
+                  <a:schemeClr val="tx1"/>
+                </a:solidFill>
+                <a:latin typeface="+mn-lt"/>
+                <a:ea typeface="+mn-ea"/>
+                <a:cs typeface="+mn-cs"/>
+              </a:defRPr>
+            </a:lvl7pPr>
+            <a:lvl8pPr marL="3200400" algn="l" defTabSz="457200" rtl="0" eaLnBrk="1" latinLnBrk="0" hangingPunct="1">
+              <a:defRPr sz="1800" kern="1200">
+                <a:solidFill>
+                  <a:schemeClr val="tx1"/>
+                </a:solidFill>
+                <a:latin typeface="+mn-lt"/>
+                <a:ea typeface="+mn-ea"/>
+                <a:cs typeface="+mn-cs"/>
+              </a:defRPr>
+            </a:lvl8pPr>
+            <a:lvl9pPr marL="3657600" algn="l" defTabSz="457200" rtl="0" eaLnBrk="1" latinLnBrk="0" hangingPunct="1">
+              <a:defRPr sz="1800" kern="1200">
+                <a:solidFill>
+                  <a:schemeClr val="tx1"/>
+                </a:solidFill>
+                <a:latin typeface="+mn-lt"/>
+                <a:ea typeface="+mn-ea"/>
+                <a:cs typeface="+mn-cs"/>
+              </a:defRPr>
+            </a:lvl9pPr>
+          </a:lstStyle>
+          <a:p>
+            <a:pPr>
+              <a:lnSpc>
+                <a:spcPct val="110000"/>
+              </a:lnSpc>
+            </a:pPr>
+            <a:r>
+              <a:rPr kumimoji="1" lang="ja-JP" altLang="en-US" dirty="0">
+                <a:latin typeface="BIZ UDPゴシック" panose="020B0400000000000000" pitchFamily="50" charset="-128"/>
+                <a:ea typeface="BIZ UDPゴシック" panose="020B0400000000000000" pitchFamily="50" charset="-128"/>
+              </a:rPr>
+              <a:t>表</a:t>
+            </a:r>
+            <a:r>
+              <a:rPr kumimoji="1" lang="en-US" altLang="ja-JP" dirty="0">
+                <a:latin typeface="BIZ UDPゴシック" panose="020B0400000000000000" pitchFamily="50" charset="-128"/>
+                <a:ea typeface="BIZ UDPゴシック" panose="020B0400000000000000" pitchFamily="50" charset="-128"/>
+              </a:rPr>
+              <a:t>1</a:t>
+            </a:r>
+            <a:r>
+              <a:rPr kumimoji="1" lang="ja-JP" altLang="en-US" dirty="0">
+                <a:latin typeface="BIZ UDPゴシック" panose="020B0400000000000000" pitchFamily="50" charset="-128"/>
+                <a:ea typeface="BIZ UDPゴシック" panose="020B0400000000000000" pitchFamily="50" charset="-128"/>
+              </a:rPr>
+              <a:t>：歌唱難易度の平均値と中央値</a:t>
+            </a:r>
+          </a:p>
+        </p:txBody>
+      </p:sp>
+      <p:pic>
+        <p:nvPicPr>
+          <p:cNvPr id="23" name="table">
+            <a:extLst>
+              <a:ext uri="{FF2B5EF4-FFF2-40B4-BE49-F238E27FC236}">
+                <a16:creationId xmlns:a16="http://schemas.microsoft.com/office/drawing/2014/main" id="{8C05C036-B5E1-217D-ED7A-3418322DBEDE}"/>
+              </a:ext>
+            </a:extLst>
+          </p:cNvPr>
+          <p:cNvPicPr>
+            <a:picLocks noChangeAspect="1"/>
+          </p:cNvPicPr>
+          <p:nvPr/>
+        </p:nvPicPr>
+        <p:blipFill>
+          <a:blip r:embed="rId2"/>
+          <a:stretch>
+            <a:fillRect/>
+          </a:stretch>
+        </p:blipFill>
+        <p:spPr>
+          <a:xfrm>
+            <a:off x="595418" y="5391347"/>
+            <a:ext cx="6096000" cy="1112520"/>
+          </a:xfrm>
+          <a:prstGeom prst="rect">
+            <a:avLst/>
+          </a:prstGeom>
+        </p:spPr>
+      </p:pic>
+      <p:sp>
+        <p:nvSpPr>
+          <p:cNvPr id="24" name="四角形: 角を丸くする 23">
+            <a:extLst>
+              <a:ext uri="{FF2B5EF4-FFF2-40B4-BE49-F238E27FC236}">
+                <a16:creationId xmlns:a16="http://schemas.microsoft.com/office/drawing/2014/main" id="{F707A817-9483-C869-405C-6DBAE3EFACC1}"/>
+              </a:ext>
+            </a:extLst>
+          </p:cNvPr>
+          <p:cNvSpPr/>
+          <p:nvPr/>
+        </p:nvSpPr>
+        <p:spPr>
+          <a:xfrm>
+            <a:off x="8241450" y="4824403"/>
+            <a:ext cx="2557057" cy="1911910"/>
+          </a:xfrm>
+          <a:prstGeom prst="roundRect">
+            <a:avLst/>
+          </a:prstGeom>
+          <a:solidFill>
+            <a:schemeClr val="bg1"/>
+          </a:solidFill>
+          <a:ln w="38100">
+            <a:solidFill>
+              <a:srgbClr val="0070C0"/>
+            </a:solidFill>
+          </a:ln>
+        </p:spPr>
+        <p:style>
+          <a:lnRef idx="2">
+            <a:schemeClr val="accent1">
+              <a:shade val="15000"/>
+            </a:schemeClr>
+          </a:lnRef>
+          <a:fillRef idx="1">
+            <a:schemeClr val="accent1"/>
+          </a:fillRef>
+          <a:effectRef idx="0">
+            <a:schemeClr val="accent1"/>
+          </a:effectRef>
+          <a:fontRef idx="minor">
+            <a:schemeClr val="lt1"/>
+          </a:fontRef>
+        </p:style>
+        <p:txBody>
+          <a:bodyPr rtlCol="0" anchor="ctr"/>
+          <a:lstStyle>
+            <a:defPPr>
+              <a:defRPr lang="en-US"/>
+            </a:defPPr>
+            <a:lvl1pPr marL="0" algn="l" defTabSz="457200" rtl="0" eaLnBrk="1" latinLnBrk="0" hangingPunct="1">
+              <a:defRPr sz="1800" kern="1200">
+                <a:solidFill>
+                  <a:schemeClr val="lt1"/>
+                </a:solidFill>
+                <a:latin typeface="+mn-lt"/>
+                <a:ea typeface="+mn-ea"/>
+                <a:cs typeface="+mn-cs"/>
+              </a:defRPr>
+            </a:lvl1pPr>
+            <a:lvl2pPr marL="457200" algn="l" defTabSz="457200" rtl="0" eaLnBrk="1" latinLnBrk="0" hangingPunct="1">
+              <a:defRPr sz="1800" kern="1200">
+                <a:solidFill>
+                  <a:schemeClr val="lt1"/>
+                </a:solidFill>
+                <a:latin typeface="+mn-lt"/>
+                <a:ea typeface="+mn-ea"/>
+                <a:cs typeface="+mn-cs"/>
+              </a:defRPr>
+            </a:lvl2pPr>
+            <a:lvl3pPr marL="914400" algn="l" defTabSz="457200" rtl="0" eaLnBrk="1" latinLnBrk="0" hangingPunct="1">
+              <a:defRPr sz="1800" kern="1200">
+                <a:solidFill>
+                  <a:schemeClr val="lt1"/>
+                </a:solidFill>
+                <a:latin typeface="+mn-lt"/>
+                <a:ea typeface="+mn-ea"/>
+                <a:cs typeface="+mn-cs"/>
+              </a:defRPr>
+            </a:lvl3pPr>
+            <a:lvl4pPr marL="1371600" algn="l" defTabSz="457200" rtl="0" eaLnBrk="1" latinLnBrk="0" hangingPunct="1">
+              <a:defRPr sz="1800" kern="1200">
+                <a:solidFill>
+                  <a:schemeClr val="lt1"/>
+                </a:solidFill>
+                <a:latin typeface="+mn-lt"/>
+                <a:ea typeface="+mn-ea"/>
+                <a:cs typeface="+mn-cs"/>
+              </a:defRPr>
+            </a:lvl4pPr>
+            <a:lvl5pPr marL="1828800" algn="l" defTabSz="457200" rtl="0" eaLnBrk="1" latinLnBrk="0" hangingPunct="1">
+              <a:defRPr sz="1800" kern="1200">
+                <a:solidFill>
+                  <a:schemeClr val="lt1"/>
+                </a:solidFill>
+                <a:latin typeface="+mn-lt"/>
+                <a:ea typeface="+mn-ea"/>
+                <a:cs typeface="+mn-cs"/>
+              </a:defRPr>
+            </a:lvl5pPr>
+            <a:lvl6pPr marL="2286000" algn="l" defTabSz="457200" rtl="0" eaLnBrk="1" latinLnBrk="0" hangingPunct="1">
+              <a:defRPr sz="1800" kern="1200">
+                <a:solidFill>
+                  <a:schemeClr val="lt1"/>
+                </a:solidFill>
+                <a:latin typeface="+mn-lt"/>
+                <a:ea typeface="+mn-ea"/>
+                <a:cs typeface="+mn-cs"/>
+              </a:defRPr>
+            </a:lvl6pPr>
+            <a:lvl7pPr marL="2743200" algn="l" defTabSz="457200" rtl="0" eaLnBrk="1" latinLnBrk="0" hangingPunct="1">
+              <a:defRPr sz="1800" kern="1200">
+                <a:solidFill>
+                  <a:schemeClr val="lt1"/>
+                </a:solidFill>
+                <a:latin typeface="+mn-lt"/>
+                <a:ea typeface="+mn-ea"/>
+                <a:cs typeface="+mn-cs"/>
+              </a:defRPr>
+            </a:lvl7pPr>
+            <a:lvl8pPr marL="3200400" algn="l" defTabSz="457200" rtl="0" eaLnBrk="1" latinLnBrk="0" hangingPunct="1">
+              <a:defRPr sz="1800" kern="1200">
+                <a:solidFill>
+                  <a:schemeClr val="lt1"/>
+                </a:solidFill>
+                <a:latin typeface="+mn-lt"/>
+                <a:ea typeface="+mn-ea"/>
+                <a:cs typeface="+mn-cs"/>
+              </a:defRPr>
+            </a:lvl8pPr>
+            <a:lvl9pPr marL="3657600" algn="l" defTabSz="457200" rtl="0" eaLnBrk="1" latinLnBrk="0" hangingPunct="1">
+              <a:defRPr sz="1800" kern="1200">
+                <a:solidFill>
+                  <a:schemeClr val="lt1"/>
+                </a:solidFill>
+                <a:latin typeface="+mn-lt"/>
+                <a:ea typeface="+mn-ea"/>
+                <a:cs typeface="+mn-cs"/>
+              </a:defRPr>
+            </a:lvl9pPr>
+          </a:lstStyle>
+          <a:p>
+            <a:pPr algn="ctr">
+              <a:lnSpc>
+                <a:spcPct val="110000"/>
+              </a:lnSpc>
+            </a:pPr>
+            <a:endParaRPr kumimoji="1" lang="ja-JP" altLang="en-US" dirty="0">
+              <a:solidFill>
+                <a:schemeClr val="tx1"/>
+              </a:solidFill>
+              <a:latin typeface="BIZ UDPゴシック" panose="020B0400000000000000" pitchFamily="50" charset="-128"/>
+              <a:ea typeface="BIZ UDPゴシック" panose="020B0400000000000000" pitchFamily="50" charset="-128"/>
+            </a:endParaRPr>
+          </a:p>
+        </p:txBody>
+      </p:sp>
+      <p:sp>
+        <p:nvSpPr>
+          <p:cNvPr id="25" name="テキスト ボックス 10">
+            <a:extLst>
+              <a:ext uri="{FF2B5EF4-FFF2-40B4-BE49-F238E27FC236}">
+                <a16:creationId xmlns:a16="http://schemas.microsoft.com/office/drawing/2014/main" id="{4A9845F4-21F2-BCA4-EE1D-94AF9141DB73}"/>
+              </a:ext>
+            </a:extLst>
+          </p:cNvPr>
+          <p:cNvSpPr txBox="1"/>
+          <p:nvPr/>
+        </p:nvSpPr>
+        <p:spPr>
+          <a:xfrm>
+            <a:off x="8287398" y="4932670"/>
+            <a:ext cx="2511110" cy="1679242"/>
+          </a:xfrm>
+          <a:prstGeom prst="rect">
+            <a:avLst/>
+          </a:prstGeom>
+          <a:noFill/>
+        </p:spPr>
+        <p:txBody>
+          <a:bodyPr wrap="square" rtlCol="0">
+            <a:spAutoFit/>
+          </a:bodyPr>
+          <a:lstStyle>
+            <a:defPPr>
+              <a:defRPr lang="en-US"/>
+            </a:defPPr>
+            <a:lvl1pPr marL="0" algn="l" defTabSz="457200" rtl="0" eaLnBrk="1" latinLnBrk="0" hangingPunct="1">
+              <a:defRPr sz="1800" kern="1200">
+                <a:solidFill>
+                  <a:schemeClr val="tx1"/>
+                </a:solidFill>
+                <a:latin typeface="+mn-lt"/>
+                <a:ea typeface="+mn-ea"/>
+                <a:cs typeface="+mn-cs"/>
+              </a:defRPr>
+            </a:lvl1pPr>
+            <a:lvl2pPr marL="457200" algn="l" defTabSz="457200" rtl="0" eaLnBrk="1" latinLnBrk="0" hangingPunct="1">
+              <a:defRPr sz="1800" kern="1200">
+                <a:solidFill>
+                  <a:schemeClr val="tx1"/>
+                </a:solidFill>
+                <a:latin typeface="+mn-lt"/>
+                <a:ea typeface="+mn-ea"/>
+                <a:cs typeface="+mn-cs"/>
+              </a:defRPr>
+            </a:lvl2pPr>
+            <a:lvl3pPr marL="914400" algn="l" defTabSz="457200" rtl="0" eaLnBrk="1" latinLnBrk="0" hangingPunct="1">
+              <a:defRPr sz="1800" kern="1200">
+                <a:solidFill>
+                  <a:schemeClr val="tx1"/>
+                </a:solidFill>
+                <a:latin typeface="+mn-lt"/>
+                <a:ea typeface="+mn-ea"/>
+                <a:cs typeface="+mn-cs"/>
+              </a:defRPr>
+            </a:lvl3pPr>
+            <a:lvl4pPr marL="1371600" algn="l" defTabSz="457200" rtl="0" eaLnBrk="1" latinLnBrk="0" hangingPunct="1">
+              <a:defRPr sz="1800" kern="1200">
+                <a:solidFill>
+                  <a:schemeClr val="tx1"/>
+                </a:solidFill>
+                <a:latin typeface="+mn-lt"/>
+                <a:ea typeface="+mn-ea"/>
+                <a:cs typeface="+mn-cs"/>
+              </a:defRPr>
+            </a:lvl4pPr>
+            <a:lvl5pPr marL="1828800" algn="l" defTabSz="457200" rtl="0" eaLnBrk="1" latinLnBrk="0" hangingPunct="1">
+              <a:defRPr sz="1800" kern="1200">
+                <a:solidFill>
+                  <a:schemeClr val="tx1"/>
+                </a:solidFill>
+                <a:latin typeface="+mn-lt"/>
+                <a:ea typeface="+mn-ea"/>
+                <a:cs typeface="+mn-cs"/>
+              </a:defRPr>
+            </a:lvl5pPr>
+            <a:lvl6pPr marL="2286000" algn="l" defTabSz="457200" rtl="0" eaLnBrk="1" latinLnBrk="0" hangingPunct="1">
+              <a:defRPr sz="1800" kern="1200">
+                <a:solidFill>
+                  <a:schemeClr val="tx1"/>
+                </a:solidFill>
+                <a:latin typeface="+mn-lt"/>
+                <a:ea typeface="+mn-ea"/>
+                <a:cs typeface="+mn-cs"/>
+              </a:defRPr>
+            </a:lvl6pPr>
+            <a:lvl7pPr marL="2743200" algn="l" defTabSz="457200" rtl="0" eaLnBrk="1" latinLnBrk="0" hangingPunct="1">
+              <a:defRPr sz="1800" kern="1200">
+                <a:solidFill>
+                  <a:schemeClr val="tx1"/>
+                </a:solidFill>
+                <a:latin typeface="+mn-lt"/>
+                <a:ea typeface="+mn-ea"/>
+                <a:cs typeface="+mn-cs"/>
+              </a:defRPr>
+            </a:lvl7pPr>
+            <a:lvl8pPr marL="3200400" algn="l" defTabSz="457200" rtl="0" eaLnBrk="1" latinLnBrk="0" hangingPunct="1">
+              <a:defRPr sz="1800" kern="1200">
+                <a:solidFill>
+                  <a:schemeClr val="tx1"/>
+                </a:solidFill>
+                <a:latin typeface="+mn-lt"/>
+                <a:ea typeface="+mn-ea"/>
+                <a:cs typeface="+mn-cs"/>
+              </a:defRPr>
+            </a:lvl8pPr>
+            <a:lvl9pPr marL="3657600" algn="l" defTabSz="457200" rtl="0" eaLnBrk="1" latinLnBrk="0" hangingPunct="1">
+              <a:defRPr sz="1800" kern="1200">
+                <a:solidFill>
+                  <a:schemeClr val="tx1"/>
+                </a:solidFill>
+                <a:latin typeface="+mn-lt"/>
+                <a:ea typeface="+mn-ea"/>
+                <a:cs typeface="+mn-cs"/>
+              </a:defRPr>
+            </a:lvl9pPr>
+          </a:lstStyle>
+          <a:p>
+            <a:pPr>
+              <a:lnSpc>
+                <a:spcPct val="110000"/>
+              </a:lnSpc>
+            </a:pPr>
+            <a:r>
+              <a:rPr kumimoji="1" lang="ja-JP" altLang="en-US" sz="1600" dirty="0">
+                <a:solidFill>
+                  <a:schemeClr val="tx1"/>
+                </a:solidFill>
+                <a:latin typeface="BIZ UDPゴシック" panose="020B0400000000000000" pitchFamily="50" charset="-128"/>
+                <a:ea typeface="BIZ UDPゴシック" panose="020B0400000000000000" pitchFamily="50" charset="-128"/>
+              </a:rPr>
+              <a:t>・上位</a:t>
+            </a:r>
+            <a:r>
+              <a:rPr kumimoji="1" lang="en-US" altLang="ja-JP" sz="1600" dirty="0">
+                <a:solidFill>
+                  <a:schemeClr val="tx1"/>
+                </a:solidFill>
+                <a:latin typeface="BIZ UDPゴシック" panose="020B0400000000000000" pitchFamily="50" charset="-128"/>
+                <a:ea typeface="BIZ UDPゴシック" panose="020B0400000000000000" pitchFamily="50" charset="-128"/>
+              </a:rPr>
+              <a:t>20</a:t>
+            </a:r>
+            <a:r>
+              <a:rPr kumimoji="1" lang="ja-JP" altLang="en-US" sz="1600" dirty="0">
+                <a:solidFill>
+                  <a:schemeClr val="tx1"/>
+                </a:solidFill>
+                <a:latin typeface="BIZ UDPゴシック" panose="020B0400000000000000" pitchFamily="50" charset="-128"/>
+                <a:ea typeface="BIZ UDPゴシック" panose="020B0400000000000000" pitchFamily="50" charset="-128"/>
+              </a:rPr>
+              <a:t>曲</a:t>
+            </a:r>
+            <a:endParaRPr kumimoji="1" lang="en-US" altLang="ja-JP" sz="1600" dirty="0">
+              <a:solidFill>
+                <a:schemeClr val="tx1"/>
+              </a:solidFill>
+              <a:latin typeface="BIZ UDPゴシック" panose="020B0400000000000000" pitchFamily="50" charset="-128"/>
+              <a:ea typeface="BIZ UDPゴシック" panose="020B0400000000000000" pitchFamily="50" charset="-128"/>
+            </a:endParaRPr>
+          </a:p>
+          <a:p>
+            <a:pPr>
+              <a:lnSpc>
+                <a:spcPct val="110000"/>
+              </a:lnSpc>
+            </a:pPr>
+            <a:r>
+              <a:rPr kumimoji="1" lang="ja-JP" altLang="en-US" sz="1600" dirty="0">
+                <a:solidFill>
+                  <a:schemeClr val="tx1"/>
+                </a:solidFill>
+                <a:latin typeface="BIZ UDPゴシック" panose="020B0400000000000000" pitchFamily="50" charset="-128"/>
+                <a:ea typeface="BIZ UDPゴシック" panose="020B0400000000000000" pitchFamily="50" charset="-128"/>
+              </a:rPr>
+              <a:t>・下位</a:t>
+            </a:r>
+            <a:r>
+              <a:rPr kumimoji="1" lang="en-US" altLang="ja-JP" sz="1600" dirty="0">
+                <a:solidFill>
+                  <a:schemeClr val="tx1"/>
+                </a:solidFill>
+                <a:latin typeface="BIZ UDPゴシック" panose="020B0400000000000000" pitchFamily="50" charset="-128"/>
+                <a:ea typeface="BIZ UDPゴシック" panose="020B0400000000000000" pitchFamily="50" charset="-128"/>
+              </a:rPr>
+              <a:t>20</a:t>
+            </a:r>
+            <a:r>
+              <a:rPr kumimoji="1" lang="ja-JP" altLang="en-US" sz="1600" dirty="0">
+                <a:solidFill>
+                  <a:schemeClr val="tx1"/>
+                </a:solidFill>
+                <a:latin typeface="BIZ UDPゴシック" panose="020B0400000000000000" pitchFamily="50" charset="-128"/>
+                <a:ea typeface="BIZ UDPゴシック" panose="020B0400000000000000" pitchFamily="50" charset="-128"/>
+              </a:rPr>
+              <a:t>曲</a:t>
+            </a:r>
+            <a:endParaRPr kumimoji="1" lang="en-US" altLang="ja-JP" sz="1600" dirty="0">
+              <a:solidFill>
+                <a:schemeClr val="tx1"/>
+              </a:solidFill>
+              <a:latin typeface="BIZ UDPゴシック" panose="020B0400000000000000" pitchFamily="50" charset="-128"/>
+              <a:ea typeface="BIZ UDPゴシック" panose="020B0400000000000000" pitchFamily="50" charset="-128"/>
+            </a:endParaRPr>
+          </a:p>
+          <a:p>
+            <a:pPr>
+              <a:lnSpc>
+                <a:spcPct val="110000"/>
+              </a:lnSpc>
+            </a:pPr>
+            <a:endParaRPr kumimoji="1" lang="en-US" altLang="ja-JP" sz="1600" dirty="0">
+              <a:solidFill>
+                <a:schemeClr val="tx1"/>
+              </a:solidFill>
+              <a:latin typeface="BIZ UDPゴシック" panose="020B0400000000000000" pitchFamily="50" charset="-128"/>
+              <a:ea typeface="BIZ UDPゴシック" panose="020B0400000000000000" pitchFamily="50" charset="-128"/>
+            </a:endParaRPr>
+          </a:p>
+          <a:p>
+            <a:pPr>
+              <a:lnSpc>
+                <a:spcPct val="110000"/>
+              </a:lnSpc>
+            </a:pPr>
+            <a:r>
+              <a:rPr lang="ja-JP" altLang="en-US" sz="1600" dirty="0">
+                <a:latin typeface="BIZ UDPゴシック" panose="020B0400000000000000" pitchFamily="50" charset="-128"/>
+                <a:ea typeface="BIZ UDPゴシック" panose="020B0400000000000000" pitchFamily="50" charset="-128"/>
+              </a:rPr>
+              <a:t>全</a:t>
+            </a:r>
+            <a:r>
+              <a:rPr lang="en-US" altLang="ja-JP" sz="1600" dirty="0">
+                <a:latin typeface="BIZ UDPゴシック" panose="020B0400000000000000" pitchFamily="50" charset="-128"/>
+                <a:ea typeface="BIZ UDPゴシック" panose="020B0400000000000000" pitchFamily="50" charset="-128"/>
+              </a:rPr>
+              <a:t>40</a:t>
+            </a:r>
+            <a:r>
+              <a:rPr lang="ja-JP" altLang="en-US" sz="1600" dirty="0">
+                <a:latin typeface="BIZ UDPゴシック" panose="020B0400000000000000" pitchFamily="50" charset="-128"/>
+                <a:ea typeface="BIZ UDPゴシック" panose="020B0400000000000000" pitchFamily="50" charset="-128"/>
+              </a:rPr>
+              <a:t>曲の歌唱難易度を閾値で分けたときの分類性能を測る</a:t>
+            </a:r>
+            <a:endParaRPr kumimoji="1" lang="en-US" altLang="ja-JP" sz="1600" dirty="0">
+              <a:solidFill>
+                <a:schemeClr val="tx1"/>
+              </a:solidFill>
+              <a:latin typeface="BIZ UDPゴシック" panose="020B0400000000000000" pitchFamily="50" charset="-128"/>
+              <a:ea typeface="BIZ UDPゴシック" panose="020B0400000000000000" pitchFamily="50" charset="-128"/>
+            </a:endParaRPr>
+          </a:p>
+        </p:txBody>
+      </p:sp>
+    </p:spTree>
+    <p:extLst>
+      <p:ext uri="{BB962C8B-B14F-4D97-AF65-F5344CB8AC3E}">
+        <p14:creationId xmlns:p14="http://schemas.microsoft.com/office/powerpoint/2010/main" val="1122583501"/>
+      </p:ext>
+    </p:extLst>
+  </p:cSld>
+  <p:clrMapOvr>
+    <a:masterClrMapping/>
+  </p:clrMapOvr>
+</p:sld>
+</file>
+
+<file path=ppt/slides/slide7.xml><?xml version="1.0" encoding="utf-8"?>
+<p:sld xmlns:a="http://schemas.openxmlformats.org/drawingml/2006/main" xmlns:r="http://schemas.openxmlformats.org/officeDocument/2006/relationships" xmlns:p="http://schemas.openxmlformats.org/presentationml/2006/main">
+  <p:cSld>
+    <p:spTree>
+      <p:nvGrpSpPr>
+        <p:cNvPr id="1" name="">
+          <a:extLst>
+            <a:ext uri="{FF2B5EF4-FFF2-40B4-BE49-F238E27FC236}">
+              <a16:creationId xmlns:a16="http://schemas.microsoft.com/office/drawing/2014/main" id="{A5497AAD-FF03-94F9-B5D1-50EE06A02F95}"/>
+            </a:ext>
+          </a:extLst>
+        </p:cNvPr>
+        <p:cNvGrpSpPr/>
+        <p:nvPr/>
+      </p:nvGrpSpPr>
+      <p:grpSpPr>
+        <a:xfrm>
+          <a:off x="0" y="0"/>
+          <a:ext cx="0" cy="0"/>
+          <a:chOff x="0" y="0"/>
+          <a:chExt cx="0" cy="0"/>
+        </a:xfrm>
+      </p:grpSpPr>
+      <p:sp>
+        <p:nvSpPr>
+          <p:cNvPr id="4" name="正方形/長方形 3">
+            <a:extLst>
+              <a:ext uri="{FF2B5EF4-FFF2-40B4-BE49-F238E27FC236}">
+                <a16:creationId xmlns:a16="http://schemas.microsoft.com/office/drawing/2014/main" id="{6E2F93E8-9587-C9D2-7537-3857A45132CA}"/>
+              </a:ext>
+            </a:extLst>
+          </p:cNvPr>
+          <p:cNvSpPr/>
+          <p:nvPr/>
+        </p:nvSpPr>
+        <p:spPr>
+          <a:xfrm>
+            <a:off x="0" y="-1"/>
+            <a:ext cx="12192000" cy="995881"/>
+          </a:xfrm>
+          <a:prstGeom prst="rect">
+            <a:avLst/>
+          </a:prstGeom>
+          <a:solidFill>
+            <a:schemeClr val="accent1">
+              <a:lumMod val="60000"/>
+              <a:lumOff val="40000"/>
+            </a:schemeClr>
+          </a:solidFill>
+          <a:ln>
+            <a:noFill/>
+          </a:ln>
+        </p:spPr>
+        <p:style>
+          <a:lnRef idx="2">
+            <a:schemeClr val="accent1">
+              <a:shade val="15000"/>
+            </a:schemeClr>
+          </a:lnRef>
+          <a:fillRef idx="1">
+            <a:schemeClr val="accent1"/>
+          </a:fillRef>
+          <a:effectRef idx="0">
+            <a:schemeClr val="accent1"/>
+          </a:effectRef>
+          <a:fontRef idx="minor">
+            <a:schemeClr val="lt1"/>
+          </a:fontRef>
+        </p:style>
+        <p:txBody>
+          <a:bodyPr rtlCol="0" anchor="ctr"/>
+          <a:lstStyle/>
+          <a:p>
+            <a:r>
+              <a:rPr kumimoji="1" lang="ja-JP" altLang="en-US" sz="3600" dirty="0">
+                <a:latin typeface="BIZ UDPゴシック" panose="020B0400000000000000" pitchFamily="50" charset="-128"/>
+                <a:ea typeface="BIZ UDPゴシック" panose="020B0400000000000000" pitchFamily="50" charset="-128"/>
+              </a:rPr>
+              <a:t>実験</a:t>
+            </a:r>
+            <a:r>
+              <a:rPr lang="ja-JP" altLang="en-US" sz="3600" dirty="0">
+                <a:latin typeface="BIZ UDPゴシック" panose="020B0400000000000000" pitchFamily="50" charset="-128"/>
+                <a:ea typeface="BIZ UDPゴシック" panose="020B0400000000000000" pitchFamily="50" charset="-128"/>
+              </a:rPr>
+              <a:t>結果</a:t>
+            </a:r>
+            <a:endParaRPr kumimoji="1" lang="ja-JP" altLang="en-US" sz="3600" dirty="0">
+              <a:latin typeface="BIZ UDPゴシック" panose="020B0400000000000000" pitchFamily="50" charset="-128"/>
+              <a:ea typeface="BIZ UDPゴシック" panose="020B0400000000000000" pitchFamily="50" charset="-128"/>
+            </a:endParaRPr>
+          </a:p>
+        </p:txBody>
+      </p:sp>
+      <p:sp>
+        <p:nvSpPr>
+          <p:cNvPr id="2" name="テキスト ボックス 2">
+            <a:extLst>
+              <a:ext uri="{FF2B5EF4-FFF2-40B4-BE49-F238E27FC236}">
+                <a16:creationId xmlns:a16="http://schemas.microsoft.com/office/drawing/2014/main" id="{100CEFA7-DC10-7BF0-4D4C-55BB86CE973D}"/>
+              </a:ext>
+            </a:extLst>
+          </p:cNvPr>
+          <p:cNvSpPr txBox="1"/>
+          <p:nvPr/>
+        </p:nvSpPr>
+        <p:spPr>
+          <a:xfrm>
+            <a:off x="4686443" y="1229498"/>
+            <a:ext cx="2819114" cy="354071"/>
+          </a:xfrm>
+          <a:prstGeom prst="rect">
+            <a:avLst/>
+          </a:prstGeom>
+          <a:noFill/>
+        </p:spPr>
+        <p:txBody>
+          <a:bodyPr wrap="square" rtlCol="0">
+            <a:spAutoFit/>
+          </a:bodyPr>
+          <a:lstStyle>
+            <a:defPPr>
+              <a:defRPr lang="en-US"/>
+            </a:defPPr>
+            <a:lvl1pPr marL="0" algn="l" defTabSz="457200" rtl="0" eaLnBrk="1" latinLnBrk="0" hangingPunct="1">
+              <a:defRPr sz="1800" kern="1200">
+                <a:solidFill>
+                  <a:schemeClr val="tx1"/>
+                </a:solidFill>
+                <a:latin typeface="+mn-lt"/>
+                <a:ea typeface="+mn-ea"/>
+                <a:cs typeface="+mn-cs"/>
+              </a:defRPr>
+            </a:lvl1pPr>
+            <a:lvl2pPr marL="457200" algn="l" defTabSz="457200" rtl="0" eaLnBrk="1" latinLnBrk="0" hangingPunct="1">
+              <a:defRPr sz="1800" kern="1200">
+                <a:solidFill>
+                  <a:schemeClr val="tx1"/>
+                </a:solidFill>
+                <a:latin typeface="+mn-lt"/>
+                <a:ea typeface="+mn-ea"/>
+                <a:cs typeface="+mn-cs"/>
+              </a:defRPr>
+            </a:lvl2pPr>
+            <a:lvl3pPr marL="914400" algn="l" defTabSz="457200" rtl="0" eaLnBrk="1" latinLnBrk="0" hangingPunct="1">
+              <a:defRPr sz="1800" kern="1200">
+                <a:solidFill>
+                  <a:schemeClr val="tx1"/>
+                </a:solidFill>
+                <a:latin typeface="+mn-lt"/>
+                <a:ea typeface="+mn-ea"/>
+                <a:cs typeface="+mn-cs"/>
+              </a:defRPr>
+            </a:lvl3pPr>
+            <a:lvl4pPr marL="1371600" algn="l" defTabSz="457200" rtl="0" eaLnBrk="1" latinLnBrk="0" hangingPunct="1">
+              <a:defRPr sz="1800" kern="1200">
+                <a:solidFill>
+                  <a:schemeClr val="tx1"/>
+                </a:solidFill>
+                <a:latin typeface="+mn-lt"/>
+                <a:ea typeface="+mn-ea"/>
+                <a:cs typeface="+mn-cs"/>
+              </a:defRPr>
+            </a:lvl4pPr>
+            <a:lvl5pPr marL="1828800" algn="l" defTabSz="457200" rtl="0" eaLnBrk="1" latinLnBrk="0" hangingPunct="1">
+              <a:defRPr sz="1800" kern="1200">
+                <a:solidFill>
+                  <a:schemeClr val="tx1"/>
+                </a:solidFill>
+                <a:latin typeface="+mn-lt"/>
+                <a:ea typeface="+mn-ea"/>
+                <a:cs typeface="+mn-cs"/>
+              </a:defRPr>
+            </a:lvl5pPr>
+            <a:lvl6pPr marL="2286000" algn="l" defTabSz="457200" rtl="0" eaLnBrk="1" latinLnBrk="0" hangingPunct="1">
+              <a:defRPr sz="1800" kern="1200">
+                <a:solidFill>
+                  <a:schemeClr val="tx1"/>
+                </a:solidFill>
+                <a:latin typeface="+mn-lt"/>
+                <a:ea typeface="+mn-ea"/>
+                <a:cs typeface="+mn-cs"/>
+              </a:defRPr>
+            </a:lvl6pPr>
+            <a:lvl7pPr marL="2743200" algn="l" defTabSz="457200" rtl="0" eaLnBrk="1" latinLnBrk="0" hangingPunct="1">
+              <a:defRPr sz="1800" kern="1200">
+                <a:solidFill>
+                  <a:schemeClr val="tx1"/>
+                </a:solidFill>
+                <a:latin typeface="+mn-lt"/>
+                <a:ea typeface="+mn-ea"/>
+                <a:cs typeface="+mn-cs"/>
+              </a:defRPr>
+            </a:lvl7pPr>
+            <a:lvl8pPr marL="3200400" algn="l" defTabSz="457200" rtl="0" eaLnBrk="1" latinLnBrk="0" hangingPunct="1">
+              <a:defRPr sz="1800" kern="1200">
+                <a:solidFill>
+                  <a:schemeClr val="tx1"/>
+                </a:solidFill>
+                <a:latin typeface="+mn-lt"/>
+                <a:ea typeface="+mn-ea"/>
+                <a:cs typeface="+mn-cs"/>
+              </a:defRPr>
+            </a:lvl8pPr>
+            <a:lvl9pPr marL="3657600" algn="l" defTabSz="457200" rtl="0" eaLnBrk="1" latinLnBrk="0" hangingPunct="1">
+              <a:defRPr sz="1800" kern="1200">
+                <a:solidFill>
+                  <a:schemeClr val="tx1"/>
+                </a:solidFill>
+                <a:latin typeface="+mn-lt"/>
+                <a:ea typeface="+mn-ea"/>
+                <a:cs typeface="+mn-cs"/>
+              </a:defRPr>
+            </a:lvl9pPr>
+          </a:lstStyle>
+          <a:p>
+            <a:pPr>
+              <a:lnSpc>
+                <a:spcPct val="110000"/>
+              </a:lnSpc>
+            </a:pPr>
+            <a:r>
+              <a:rPr kumimoji="1" lang="ja-JP" altLang="en-US" dirty="0">
+                <a:latin typeface="BIZ UDPゴシック" panose="020B0400000000000000" pitchFamily="50" charset="-128"/>
+                <a:ea typeface="BIZ UDPゴシック" panose="020B0400000000000000" pitchFamily="50" charset="-128"/>
+              </a:rPr>
+              <a:t>表</a:t>
+            </a:r>
+            <a:r>
+              <a:rPr kumimoji="1" lang="en-US" altLang="ja-JP" dirty="0">
+                <a:latin typeface="BIZ UDPゴシック" panose="020B0400000000000000" pitchFamily="50" charset="-128"/>
+                <a:ea typeface="BIZ UDPゴシック" panose="020B0400000000000000" pitchFamily="50" charset="-128"/>
+              </a:rPr>
+              <a:t>2</a:t>
+            </a:r>
+            <a:r>
+              <a:rPr kumimoji="1" lang="ja-JP" altLang="en-US" dirty="0">
+                <a:latin typeface="BIZ UDPゴシック" panose="020B0400000000000000" pitchFamily="50" charset="-128"/>
+                <a:ea typeface="BIZ UDPゴシック" panose="020B0400000000000000" pitchFamily="50" charset="-128"/>
+              </a:rPr>
+              <a:t>：</a:t>
+            </a:r>
+            <a:r>
+              <a:rPr kumimoji="1" lang="en-US" altLang="ja-JP" dirty="0">
+                <a:latin typeface="BIZ UDPゴシック" panose="020B0400000000000000" pitchFamily="50" charset="-128"/>
+                <a:ea typeface="BIZ UDPゴシック" panose="020B0400000000000000" pitchFamily="50" charset="-128"/>
+              </a:rPr>
+              <a:t>2</a:t>
+            </a:r>
+            <a:r>
+              <a:rPr kumimoji="1" lang="ja-JP" altLang="en-US" dirty="0">
+                <a:latin typeface="BIZ UDPゴシック" panose="020B0400000000000000" pitchFamily="50" charset="-128"/>
+                <a:ea typeface="BIZ UDPゴシック" panose="020B0400000000000000" pitchFamily="50" charset="-128"/>
+              </a:rPr>
+              <a:t>クラス分類のスコア</a:t>
+            </a:r>
+          </a:p>
+        </p:txBody>
+      </p:sp>
+      <p:pic>
+        <p:nvPicPr>
+          <p:cNvPr id="3" name="table">
+            <a:extLst>
+              <a:ext uri="{FF2B5EF4-FFF2-40B4-BE49-F238E27FC236}">
+                <a16:creationId xmlns:a16="http://schemas.microsoft.com/office/drawing/2014/main" id="{4A7EF777-293E-93BE-8E67-BE594D9F8B32}"/>
+              </a:ext>
+            </a:extLst>
+          </p:cNvPr>
+          <p:cNvPicPr>
+            <a:picLocks noChangeAspect="1"/>
+          </p:cNvPicPr>
+          <p:nvPr/>
+        </p:nvPicPr>
+        <p:blipFill>
+          <a:blip r:embed="rId2"/>
+          <a:stretch>
+            <a:fillRect/>
+          </a:stretch>
+        </p:blipFill>
+        <p:spPr>
+          <a:xfrm>
+            <a:off x="2340633" y="1680076"/>
+            <a:ext cx="7510734" cy="1734143"/>
+          </a:xfrm>
+          <a:prstGeom prst="rect">
+            <a:avLst/>
+          </a:prstGeom>
+        </p:spPr>
+      </p:pic>
+      <p:pic>
+        <p:nvPicPr>
+          <p:cNvPr id="5" name="table">
+            <a:extLst>
+              <a:ext uri="{FF2B5EF4-FFF2-40B4-BE49-F238E27FC236}">
+                <a16:creationId xmlns:a16="http://schemas.microsoft.com/office/drawing/2014/main" id="{0A7C152D-1718-710B-6366-5CE010CC7706}"/>
+              </a:ext>
+            </a:extLst>
+          </p:cNvPr>
+          <p:cNvPicPr>
+            <a:picLocks noChangeAspect="1"/>
+          </p:cNvPicPr>
+          <p:nvPr/>
+        </p:nvPicPr>
+        <p:blipFill>
+          <a:blip r:embed="rId3"/>
+          <a:stretch>
+            <a:fillRect/>
+          </a:stretch>
+        </p:blipFill>
+        <p:spPr>
+          <a:xfrm>
+            <a:off x="337336" y="4515982"/>
+            <a:ext cx="5442763" cy="1112520"/>
+          </a:xfrm>
+          <a:prstGeom prst="rect">
+            <a:avLst/>
+          </a:prstGeom>
+        </p:spPr>
+      </p:pic>
+      <p:sp>
+        <p:nvSpPr>
+          <p:cNvPr id="6" name="テキスト ボックス 6">
+            <a:extLst>
+              <a:ext uri="{FF2B5EF4-FFF2-40B4-BE49-F238E27FC236}">
+                <a16:creationId xmlns:a16="http://schemas.microsoft.com/office/drawing/2014/main" id="{1CABE7FD-D54B-CC5D-11C2-12270A9CBC88}"/>
+              </a:ext>
+            </a:extLst>
+          </p:cNvPr>
+          <p:cNvSpPr txBox="1"/>
+          <p:nvPr/>
+        </p:nvSpPr>
+        <p:spPr>
+          <a:xfrm>
+            <a:off x="1001461" y="4049185"/>
+            <a:ext cx="4114515" cy="354071"/>
+          </a:xfrm>
+          <a:prstGeom prst="rect">
+            <a:avLst/>
+          </a:prstGeom>
+          <a:noFill/>
+        </p:spPr>
+        <p:txBody>
+          <a:bodyPr wrap="square" rtlCol="0">
+            <a:spAutoFit/>
+          </a:bodyPr>
+          <a:lstStyle>
+            <a:defPPr>
+              <a:defRPr lang="en-US"/>
+            </a:defPPr>
+            <a:lvl1pPr marL="0" algn="l" defTabSz="457200" rtl="0" eaLnBrk="1" latinLnBrk="0" hangingPunct="1">
+              <a:defRPr sz="1800" kern="1200">
+                <a:solidFill>
+                  <a:schemeClr val="tx1"/>
+                </a:solidFill>
+                <a:latin typeface="+mn-lt"/>
+                <a:ea typeface="+mn-ea"/>
+                <a:cs typeface="+mn-cs"/>
+              </a:defRPr>
+            </a:lvl1pPr>
+            <a:lvl2pPr marL="457200" algn="l" defTabSz="457200" rtl="0" eaLnBrk="1" latinLnBrk="0" hangingPunct="1">
+              <a:defRPr sz="1800" kern="1200">
+                <a:solidFill>
+                  <a:schemeClr val="tx1"/>
+                </a:solidFill>
+                <a:latin typeface="+mn-lt"/>
+                <a:ea typeface="+mn-ea"/>
+                <a:cs typeface="+mn-cs"/>
+              </a:defRPr>
+            </a:lvl2pPr>
+            <a:lvl3pPr marL="914400" algn="l" defTabSz="457200" rtl="0" eaLnBrk="1" latinLnBrk="0" hangingPunct="1">
+              <a:defRPr sz="1800" kern="1200">
+                <a:solidFill>
+                  <a:schemeClr val="tx1"/>
+                </a:solidFill>
+                <a:latin typeface="+mn-lt"/>
+                <a:ea typeface="+mn-ea"/>
+                <a:cs typeface="+mn-cs"/>
+              </a:defRPr>
+            </a:lvl3pPr>
+            <a:lvl4pPr marL="1371600" algn="l" defTabSz="457200" rtl="0" eaLnBrk="1" latinLnBrk="0" hangingPunct="1">
+              <a:defRPr sz="1800" kern="1200">
+                <a:solidFill>
+                  <a:schemeClr val="tx1"/>
+                </a:solidFill>
+                <a:latin typeface="+mn-lt"/>
+                <a:ea typeface="+mn-ea"/>
+                <a:cs typeface="+mn-cs"/>
+              </a:defRPr>
+            </a:lvl4pPr>
+            <a:lvl5pPr marL="1828800" algn="l" defTabSz="457200" rtl="0" eaLnBrk="1" latinLnBrk="0" hangingPunct="1">
+              <a:defRPr sz="1800" kern="1200">
+                <a:solidFill>
+                  <a:schemeClr val="tx1"/>
+                </a:solidFill>
+                <a:latin typeface="+mn-lt"/>
+                <a:ea typeface="+mn-ea"/>
+                <a:cs typeface="+mn-cs"/>
+              </a:defRPr>
+            </a:lvl5pPr>
+            <a:lvl6pPr marL="2286000" algn="l" defTabSz="457200" rtl="0" eaLnBrk="1" latinLnBrk="0" hangingPunct="1">
+              <a:defRPr sz="1800" kern="1200">
+                <a:solidFill>
+                  <a:schemeClr val="tx1"/>
+                </a:solidFill>
+                <a:latin typeface="+mn-lt"/>
+                <a:ea typeface="+mn-ea"/>
+                <a:cs typeface="+mn-cs"/>
+              </a:defRPr>
+            </a:lvl6pPr>
+            <a:lvl7pPr marL="2743200" algn="l" defTabSz="457200" rtl="0" eaLnBrk="1" latinLnBrk="0" hangingPunct="1">
+              <a:defRPr sz="1800" kern="1200">
+                <a:solidFill>
+                  <a:schemeClr val="tx1"/>
+                </a:solidFill>
+                <a:latin typeface="+mn-lt"/>
+                <a:ea typeface="+mn-ea"/>
+                <a:cs typeface="+mn-cs"/>
+              </a:defRPr>
+            </a:lvl7pPr>
+            <a:lvl8pPr marL="3200400" algn="l" defTabSz="457200" rtl="0" eaLnBrk="1" latinLnBrk="0" hangingPunct="1">
+              <a:defRPr sz="1800" kern="1200">
+                <a:solidFill>
+                  <a:schemeClr val="tx1"/>
+                </a:solidFill>
+                <a:latin typeface="+mn-lt"/>
+                <a:ea typeface="+mn-ea"/>
+                <a:cs typeface="+mn-cs"/>
+              </a:defRPr>
+            </a:lvl8pPr>
+            <a:lvl9pPr marL="3657600" algn="l" defTabSz="457200" rtl="0" eaLnBrk="1" latinLnBrk="0" hangingPunct="1">
+              <a:defRPr sz="1800" kern="1200">
+                <a:solidFill>
+                  <a:schemeClr val="tx1"/>
+                </a:solidFill>
+                <a:latin typeface="+mn-lt"/>
+                <a:ea typeface="+mn-ea"/>
+                <a:cs typeface="+mn-cs"/>
+              </a:defRPr>
+            </a:lvl9pPr>
+          </a:lstStyle>
+          <a:p>
+            <a:pPr>
+              <a:lnSpc>
+                <a:spcPct val="110000"/>
+              </a:lnSpc>
+            </a:pPr>
+            <a:r>
+              <a:rPr kumimoji="1" lang="ja-JP" altLang="en-US" dirty="0">
+                <a:latin typeface="BIZ UDPゴシック" panose="020B0400000000000000" pitchFamily="50" charset="-128"/>
+                <a:ea typeface="BIZ UDPゴシック" panose="020B0400000000000000" pitchFamily="50" charset="-128"/>
+              </a:rPr>
+              <a:t>表</a:t>
+            </a:r>
+            <a:r>
+              <a:rPr kumimoji="1" lang="en-US" altLang="ja-JP" dirty="0">
+                <a:latin typeface="BIZ UDPゴシック" panose="020B0400000000000000" pitchFamily="50" charset="-128"/>
+                <a:ea typeface="BIZ UDPゴシック" panose="020B0400000000000000" pitchFamily="50" charset="-128"/>
+              </a:rPr>
+              <a:t>3</a:t>
+            </a:r>
+            <a:r>
+              <a:rPr kumimoji="1" lang="ja-JP" altLang="en-US" dirty="0">
+                <a:latin typeface="BIZ UDPゴシック" panose="020B0400000000000000" pitchFamily="50" charset="-128"/>
+                <a:ea typeface="BIZ UDPゴシック" panose="020B0400000000000000" pitchFamily="50" charset="-128"/>
+              </a:rPr>
+              <a:t>：</a:t>
+            </a:r>
+            <a:r>
+              <a:rPr kumimoji="1" lang="en-US" altLang="ja-JP" dirty="0">
+                <a:latin typeface="BIZ UDPゴシック" panose="020B0400000000000000" pitchFamily="50" charset="-128"/>
+                <a:ea typeface="BIZ UDPゴシック" panose="020B0400000000000000" pitchFamily="50" charset="-128"/>
+              </a:rPr>
+              <a:t>2</a:t>
+            </a:r>
+            <a:r>
+              <a:rPr kumimoji="1" lang="ja-JP" altLang="en-US" dirty="0">
+                <a:latin typeface="BIZ UDPゴシック" panose="020B0400000000000000" pitchFamily="50" charset="-128"/>
+                <a:ea typeface="BIZ UDPゴシック" panose="020B0400000000000000" pitchFamily="50" charset="-128"/>
+              </a:rPr>
+              <a:t>クラス分類のスコア（マクロ平均）</a:t>
+            </a:r>
+          </a:p>
+        </p:txBody>
+      </p:sp>
+      <p:sp>
+        <p:nvSpPr>
+          <p:cNvPr id="8" name="テキスト ボックス 1">
+            <a:extLst>
+              <a:ext uri="{FF2B5EF4-FFF2-40B4-BE49-F238E27FC236}">
+                <a16:creationId xmlns:a16="http://schemas.microsoft.com/office/drawing/2014/main" id="{6533AAC4-4411-2682-8C7E-ABD6195F1435}"/>
+              </a:ext>
+            </a:extLst>
+          </p:cNvPr>
+          <p:cNvSpPr txBox="1"/>
+          <p:nvPr/>
+        </p:nvSpPr>
+        <p:spPr>
+          <a:xfrm>
+            <a:off x="6691302" y="4087145"/>
+            <a:ext cx="4695252" cy="963469"/>
+          </a:xfrm>
+          <a:prstGeom prst="rect">
+            <a:avLst/>
+          </a:prstGeom>
+          <a:noFill/>
+        </p:spPr>
+        <p:txBody>
+          <a:bodyPr wrap="square" rtlCol="0">
+            <a:spAutoFit/>
+          </a:bodyPr>
+          <a:lstStyle>
+            <a:defPPr>
+              <a:defRPr lang="en-US"/>
+            </a:defPPr>
+            <a:lvl1pPr marL="0" algn="l" defTabSz="457200" rtl="0" eaLnBrk="1" latinLnBrk="0" hangingPunct="1">
+              <a:defRPr sz="1800" kern="1200">
+                <a:solidFill>
+                  <a:schemeClr val="tx1"/>
+                </a:solidFill>
+                <a:latin typeface="+mn-lt"/>
+                <a:ea typeface="+mn-ea"/>
+                <a:cs typeface="+mn-cs"/>
+              </a:defRPr>
+            </a:lvl1pPr>
+            <a:lvl2pPr marL="457200" algn="l" defTabSz="457200" rtl="0" eaLnBrk="1" latinLnBrk="0" hangingPunct="1">
+              <a:defRPr sz="1800" kern="1200">
+                <a:solidFill>
+                  <a:schemeClr val="tx1"/>
+                </a:solidFill>
+                <a:latin typeface="+mn-lt"/>
+                <a:ea typeface="+mn-ea"/>
+                <a:cs typeface="+mn-cs"/>
+              </a:defRPr>
+            </a:lvl2pPr>
+            <a:lvl3pPr marL="914400" algn="l" defTabSz="457200" rtl="0" eaLnBrk="1" latinLnBrk="0" hangingPunct="1">
+              <a:defRPr sz="1800" kern="1200">
+                <a:solidFill>
+                  <a:schemeClr val="tx1"/>
+                </a:solidFill>
+                <a:latin typeface="+mn-lt"/>
+                <a:ea typeface="+mn-ea"/>
+                <a:cs typeface="+mn-cs"/>
+              </a:defRPr>
+            </a:lvl3pPr>
+            <a:lvl4pPr marL="1371600" algn="l" defTabSz="457200" rtl="0" eaLnBrk="1" latinLnBrk="0" hangingPunct="1">
+              <a:defRPr sz="1800" kern="1200">
+                <a:solidFill>
+                  <a:schemeClr val="tx1"/>
+                </a:solidFill>
+                <a:latin typeface="+mn-lt"/>
+                <a:ea typeface="+mn-ea"/>
+                <a:cs typeface="+mn-cs"/>
+              </a:defRPr>
+            </a:lvl4pPr>
+            <a:lvl5pPr marL="1828800" algn="l" defTabSz="457200" rtl="0" eaLnBrk="1" latinLnBrk="0" hangingPunct="1">
+              <a:defRPr sz="1800" kern="1200">
+                <a:solidFill>
+                  <a:schemeClr val="tx1"/>
+                </a:solidFill>
+                <a:latin typeface="+mn-lt"/>
+                <a:ea typeface="+mn-ea"/>
+                <a:cs typeface="+mn-cs"/>
+              </a:defRPr>
+            </a:lvl5pPr>
+            <a:lvl6pPr marL="2286000" algn="l" defTabSz="457200" rtl="0" eaLnBrk="1" latinLnBrk="0" hangingPunct="1">
+              <a:defRPr sz="1800" kern="1200">
+                <a:solidFill>
+                  <a:schemeClr val="tx1"/>
+                </a:solidFill>
+                <a:latin typeface="+mn-lt"/>
+                <a:ea typeface="+mn-ea"/>
+                <a:cs typeface="+mn-cs"/>
+              </a:defRPr>
+            </a:lvl6pPr>
+            <a:lvl7pPr marL="2743200" algn="l" defTabSz="457200" rtl="0" eaLnBrk="1" latinLnBrk="0" hangingPunct="1">
+              <a:defRPr sz="1800" kern="1200">
+                <a:solidFill>
+                  <a:schemeClr val="tx1"/>
+                </a:solidFill>
+                <a:latin typeface="+mn-lt"/>
+                <a:ea typeface="+mn-ea"/>
+                <a:cs typeface="+mn-cs"/>
+              </a:defRPr>
+            </a:lvl7pPr>
+            <a:lvl8pPr marL="3200400" algn="l" defTabSz="457200" rtl="0" eaLnBrk="1" latinLnBrk="0" hangingPunct="1">
+              <a:defRPr sz="1800" kern="1200">
+                <a:solidFill>
+                  <a:schemeClr val="tx1"/>
+                </a:solidFill>
+                <a:latin typeface="+mn-lt"/>
+                <a:ea typeface="+mn-ea"/>
+                <a:cs typeface="+mn-cs"/>
+              </a:defRPr>
+            </a:lvl8pPr>
+            <a:lvl9pPr marL="3657600" algn="l" defTabSz="457200" rtl="0" eaLnBrk="1" latinLnBrk="0" hangingPunct="1">
+              <a:defRPr sz="1800" kern="1200">
+                <a:solidFill>
+                  <a:schemeClr val="tx1"/>
+                </a:solidFill>
+                <a:latin typeface="+mn-lt"/>
+                <a:ea typeface="+mn-ea"/>
+                <a:cs typeface="+mn-cs"/>
+              </a:defRPr>
+            </a:lvl9pPr>
+          </a:lstStyle>
+          <a:p>
+            <a:pPr>
+              <a:lnSpc>
+                <a:spcPct val="110000"/>
+              </a:lnSpc>
+            </a:pPr>
+            <a:r>
+              <a:rPr kumimoji="1" lang="ja-JP" altLang="en-US" dirty="0">
+                <a:latin typeface="BIZ UDPゴシック" panose="020B0400000000000000" pitchFamily="50" charset="-128"/>
+                <a:ea typeface="BIZ UDPゴシック" panose="020B0400000000000000" pitchFamily="50" charset="-128"/>
+              </a:rPr>
+              <a:t>全体的に低い歌唱難易度が広く分布した</a:t>
+            </a:r>
+            <a:endParaRPr kumimoji="1" lang="en-US" altLang="ja-JP" dirty="0">
+              <a:latin typeface="BIZ UDPゴシック" panose="020B0400000000000000" pitchFamily="50" charset="-128"/>
+              <a:ea typeface="BIZ UDPゴシック" panose="020B0400000000000000" pitchFamily="50" charset="-128"/>
+            </a:endParaRPr>
+          </a:p>
+          <a:p>
+            <a:pPr>
+              <a:lnSpc>
+                <a:spcPct val="110000"/>
+              </a:lnSpc>
+            </a:pPr>
+            <a:r>
+              <a:rPr kumimoji="1" lang="ja-JP" altLang="en-US" dirty="0">
+                <a:latin typeface="BIZ UDPゴシック" panose="020B0400000000000000" pitchFamily="50" charset="-128"/>
+                <a:ea typeface="BIZ UDPゴシック" panose="020B0400000000000000" pitchFamily="50" charset="-128"/>
+              </a:rPr>
+              <a:t>     低い歌唱難易度：多</a:t>
+            </a:r>
+            <a:endParaRPr kumimoji="1" lang="en-US" altLang="ja-JP" dirty="0">
+              <a:latin typeface="BIZ UDPゴシック" panose="020B0400000000000000" pitchFamily="50" charset="-128"/>
+              <a:ea typeface="BIZ UDPゴシック" panose="020B0400000000000000" pitchFamily="50" charset="-128"/>
+            </a:endParaRPr>
+          </a:p>
+          <a:p>
+            <a:pPr>
+              <a:lnSpc>
+                <a:spcPct val="110000"/>
+              </a:lnSpc>
+            </a:pPr>
+            <a:r>
+              <a:rPr kumimoji="1" lang="ja-JP" altLang="en-US" dirty="0">
+                <a:latin typeface="BIZ UDPゴシック" panose="020B0400000000000000" pitchFamily="50" charset="-128"/>
+                <a:ea typeface="BIZ UDPゴシック" panose="020B0400000000000000" pitchFamily="50" charset="-128"/>
+              </a:rPr>
+              <a:t>     高い歌唱難易度：少</a:t>
+            </a:r>
+            <a:endParaRPr kumimoji="1" lang="en-US" altLang="ja-JP" dirty="0">
+              <a:latin typeface="BIZ UDPゴシック" panose="020B0400000000000000" pitchFamily="50" charset="-128"/>
+              <a:ea typeface="BIZ UDPゴシック" panose="020B0400000000000000" pitchFamily="50" charset="-128"/>
+            </a:endParaRPr>
+          </a:p>
+        </p:txBody>
+      </p:sp>
+      <p:sp>
+        <p:nvSpPr>
+          <p:cNvPr id="10" name="テキスト ボックス 1">
+            <a:extLst>
+              <a:ext uri="{FF2B5EF4-FFF2-40B4-BE49-F238E27FC236}">
+                <a16:creationId xmlns:a16="http://schemas.microsoft.com/office/drawing/2014/main" id="{690CE7D4-FE0D-DAC1-CC24-02EACD5A08F0}"/>
+              </a:ext>
+            </a:extLst>
+          </p:cNvPr>
+          <p:cNvSpPr txBox="1"/>
+          <p:nvPr/>
+        </p:nvSpPr>
+        <p:spPr>
+          <a:xfrm>
+            <a:off x="6691302" y="6010696"/>
+            <a:ext cx="5049995" cy="383182"/>
+          </a:xfrm>
+          <a:prstGeom prst="rect">
+            <a:avLst/>
+          </a:prstGeom>
+          <a:noFill/>
+        </p:spPr>
+        <p:txBody>
+          <a:bodyPr wrap="square" rtlCol="0">
+            <a:spAutoFit/>
+          </a:bodyPr>
+          <a:lstStyle>
+            <a:defPPr>
+              <a:defRPr lang="en-US"/>
+            </a:defPPr>
+            <a:lvl1pPr marL="0" algn="l" defTabSz="457200" rtl="0" eaLnBrk="1" latinLnBrk="0" hangingPunct="1">
+              <a:defRPr sz="1800" kern="1200">
+                <a:solidFill>
+                  <a:schemeClr val="tx1"/>
+                </a:solidFill>
+                <a:latin typeface="+mn-lt"/>
+                <a:ea typeface="+mn-ea"/>
+                <a:cs typeface="+mn-cs"/>
+              </a:defRPr>
+            </a:lvl1pPr>
+            <a:lvl2pPr marL="457200" algn="l" defTabSz="457200" rtl="0" eaLnBrk="1" latinLnBrk="0" hangingPunct="1">
+              <a:defRPr sz="1800" kern="1200">
+                <a:solidFill>
+                  <a:schemeClr val="tx1"/>
+                </a:solidFill>
+                <a:latin typeface="+mn-lt"/>
+                <a:ea typeface="+mn-ea"/>
+                <a:cs typeface="+mn-cs"/>
+              </a:defRPr>
+            </a:lvl2pPr>
+            <a:lvl3pPr marL="914400" algn="l" defTabSz="457200" rtl="0" eaLnBrk="1" latinLnBrk="0" hangingPunct="1">
+              <a:defRPr sz="1800" kern="1200">
+                <a:solidFill>
+                  <a:schemeClr val="tx1"/>
+                </a:solidFill>
+                <a:latin typeface="+mn-lt"/>
+                <a:ea typeface="+mn-ea"/>
+                <a:cs typeface="+mn-cs"/>
+              </a:defRPr>
+            </a:lvl3pPr>
+            <a:lvl4pPr marL="1371600" algn="l" defTabSz="457200" rtl="0" eaLnBrk="1" latinLnBrk="0" hangingPunct="1">
+              <a:defRPr sz="1800" kern="1200">
+                <a:solidFill>
+                  <a:schemeClr val="tx1"/>
+                </a:solidFill>
+                <a:latin typeface="+mn-lt"/>
+                <a:ea typeface="+mn-ea"/>
+                <a:cs typeface="+mn-cs"/>
+              </a:defRPr>
+            </a:lvl4pPr>
+            <a:lvl5pPr marL="1828800" algn="l" defTabSz="457200" rtl="0" eaLnBrk="1" latinLnBrk="0" hangingPunct="1">
+              <a:defRPr sz="1800" kern="1200">
+                <a:solidFill>
+                  <a:schemeClr val="tx1"/>
+                </a:solidFill>
+                <a:latin typeface="+mn-lt"/>
+                <a:ea typeface="+mn-ea"/>
+                <a:cs typeface="+mn-cs"/>
+              </a:defRPr>
+            </a:lvl5pPr>
+            <a:lvl6pPr marL="2286000" algn="l" defTabSz="457200" rtl="0" eaLnBrk="1" latinLnBrk="0" hangingPunct="1">
+              <a:defRPr sz="1800" kern="1200">
+                <a:solidFill>
+                  <a:schemeClr val="tx1"/>
+                </a:solidFill>
+                <a:latin typeface="+mn-lt"/>
+                <a:ea typeface="+mn-ea"/>
+                <a:cs typeface="+mn-cs"/>
+              </a:defRPr>
+            </a:lvl6pPr>
+            <a:lvl7pPr marL="2743200" algn="l" defTabSz="457200" rtl="0" eaLnBrk="1" latinLnBrk="0" hangingPunct="1">
+              <a:defRPr sz="1800" kern="1200">
+                <a:solidFill>
+                  <a:schemeClr val="tx1"/>
+                </a:solidFill>
+                <a:latin typeface="+mn-lt"/>
+                <a:ea typeface="+mn-ea"/>
+                <a:cs typeface="+mn-cs"/>
+              </a:defRPr>
+            </a:lvl7pPr>
+            <a:lvl8pPr marL="3200400" algn="l" defTabSz="457200" rtl="0" eaLnBrk="1" latinLnBrk="0" hangingPunct="1">
+              <a:defRPr sz="1800" kern="1200">
+                <a:solidFill>
+                  <a:schemeClr val="tx1"/>
+                </a:solidFill>
+                <a:latin typeface="+mn-lt"/>
+                <a:ea typeface="+mn-ea"/>
+                <a:cs typeface="+mn-cs"/>
+              </a:defRPr>
+            </a:lvl8pPr>
+            <a:lvl9pPr marL="3657600" algn="l" defTabSz="457200" rtl="0" eaLnBrk="1" latinLnBrk="0" hangingPunct="1">
+              <a:defRPr sz="1800" kern="1200">
+                <a:solidFill>
+                  <a:schemeClr val="tx1"/>
+                </a:solidFill>
+                <a:latin typeface="+mn-lt"/>
+                <a:ea typeface="+mn-ea"/>
+                <a:cs typeface="+mn-cs"/>
+              </a:defRPr>
+            </a:lvl9pPr>
+          </a:lstStyle>
+          <a:p>
+            <a:pPr>
+              <a:lnSpc>
+                <a:spcPct val="110000"/>
+              </a:lnSpc>
+            </a:pPr>
+            <a:r>
+              <a:rPr kumimoji="1" lang="ja-JP" altLang="en-US" sz="2000" dirty="0">
+                <a:latin typeface="BIZ UDPゴシック" panose="020B0400000000000000" pitchFamily="50" charset="-128"/>
+                <a:ea typeface="BIZ UDPゴシック" panose="020B0400000000000000" pitchFamily="50" charset="-128"/>
+              </a:rPr>
+              <a:t>各性能が約</a:t>
+            </a:r>
+            <a:r>
+              <a:rPr kumimoji="1" lang="en-US" altLang="ja-JP" sz="2000" dirty="0">
+                <a:latin typeface="BIZ UDPゴシック" panose="020B0400000000000000" pitchFamily="50" charset="-128"/>
+                <a:ea typeface="BIZ UDPゴシック" panose="020B0400000000000000" pitchFamily="50" charset="-128"/>
+              </a:rPr>
+              <a:t>0.75</a:t>
+            </a:r>
+            <a:r>
+              <a:rPr kumimoji="1" lang="ja-JP" altLang="en-US" sz="2000" dirty="0">
+                <a:latin typeface="BIZ UDPゴシック" panose="020B0400000000000000" pitchFamily="50" charset="-128"/>
+                <a:ea typeface="BIZ UDPゴシック" panose="020B0400000000000000" pitchFamily="50" charset="-128"/>
+              </a:rPr>
+              <a:t>と，高い有効性を確認</a:t>
+            </a:r>
+            <a:endParaRPr kumimoji="1" lang="en-US" altLang="ja-JP" sz="2000" dirty="0">
+              <a:latin typeface="BIZ UDPゴシック" panose="020B0400000000000000" pitchFamily="50" charset="-128"/>
+              <a:ea typeface="BIZ UDPゴシック" panose="020B0400000000000000" pitchFamily="50" charset="-128"/>
+            </a:endParaRPr>
+          </a:p>
+        </p:txBody>
+      </p:sp>
+      <p:sp>
+        <p:nvSpPr>
+          <p:cNvPr id="7" name="テキスト ボックス 6">
+            <a:extLst>
+              <a:ext uri="{FF2B5EF4-FFF2-40B4-BE49-F238E27FC236}">
+                <a16:creationId xmlns:a16="http://schemas.microsoft.com/office/drawing/2014/main" id="{1D40BB03-BC56-9F50-230C-2A63FF168A06}"/>
+              </a:ext>
+            </a:extLst>
+          </p:cNvPr>
+          <p:cNvSpPr txBox="1"/>
+          <p:nvPr/>
+        </p:nvSpPr>
+        <p:spPr>
+          <a:xfrm>
+            <a:off x="6411902" y="3553983"/>
+            <a:ext cx="981074" cy="461665"/>
+          </a:xfrm>
+          <a:prstGeom prst="rect">
+            <a:avLst/>
+          </a:prstGeom>
+          <a:noFill/>
+        </p:spPr>
+        <p:txBody>
+          <a:bodyPr wrap="square" rtlCol="0">
+            <a:spAutoFit/>
+          </a:bodyPr>
+          <a:lstStyle/>
+          <a:p>
+            <a:r>
+              <a:rPr lang="ja-JP" altLang="en-US" sz="2400" b="1" dirty="0">
+                <a:latin typeface="BIZ UDPゴシック" panose="020B0400000000000000" pitchFamily="50" charset="-128"/>
+                <a:ea typeface="BIZ UDPゴシック" panose="020B0400000000000000" pitchFamily="50" charset="-128"/>
+              </a:rPr>
+              <a:t>考察</a:t>
+            </a:r>
+            <a:endParaRPr kumimoji="1" lang="en-US" altLang="ja-JP" sz="2400" b="1" dirty="0">
+              <a:latin typeface="BIZ UDPゴシック" panose="020B0400000000000000" pitchFamily="50" charset="-128"/>
+              <a:ea typeface="BIZ UDPゴシック" panose="020B0400000000000000" pitchFamily="50" charset="-128"/>
+            </a:endParaRPr>
+          </a:p>
+        </p:txBody>
+      </p:sp>
+      <p:sp>
+        <p:nvSpPr>
+          <p:cNvPr id="9" name="テキスト ボックス 8">
+            <a:extLst>
+              <a:ext uri="{FF2B5EF4-FFF2-40B4-BE49-F238E27FC236}">
+                <a16:creationId xmlns:a16="http://schemas.microsoft.com/office/drawing/2014/main" id="{E7D40219-E2FA-4EE4-24C3-DE1740D4C852}"/>
+              </a:ext>
+            </a:extLst>
+          </p:cNvPr>
+          <p:cNvSpPr txBox="1"/>
+          <p:nvPr/>
+        </p:nvSpPr>
+        <p:spPr>
+          <a:xfrm>
+            <a:off x="6411902" y="5340148"/>
+            <a:ext cx="3575050" cy="461665"/>
+          </a:xfrm>
+          <a:prstGeom prst="rect">
+            <a:avLst/>
+          </a:prstGeom>
+          <a:noFill/>
+        </p:spPr>
+        <p:txBody>
+          <a:bodyPr wrap="square" rtlCol="0">
+            <a:spAutoFit/>
+          </a:bodyPr>
+          <a:lstStyle/>
+          <a:p>
+            <a:r>
+              <a:rPr kumimoji="1" lang="ja-JP" altLang="en-US" sz="2400" b="1" dirty="0">
+                <a:latin typeface="BIZ UDPゴシック" panose="020B0400000000000000" pitchFamily="50" charset="-128"/>
+                <a:ea typeface="BIZ UDPゴシック" panose="020B0400000000000000" pitchFamily="50" charset="-128"/>
+              </a:rPr>
+              <a:t>実験データの分析結果</a:t>
+            </a:r>
+            <a:endParaRPr kumimoji="1" lang="en-US" altLang="ja-JP" sz="2400" b="1" dirty="0">
+              <a:latin typeface="BIZ UDPゴシック" panose="020B0400000000000000" pitchFamily="50" charset="-128"/>
+              <a:ea typeface="BIZ UDPゴシック" panose="020B0400000000000000" pitchFamily="50" charset="-128"/>
+            </a:endParaRPr>
+          </a:p>
+        </p:txBody>
+      </p:sp>
+    </p:spTree>
+    <p:extLst>
+      <p:ext uri="{BB962C8B-B14F-4D97-AF65-F5344CB8AC3E}">
+        <p14:creationId xmlns:p14="http://schemas.microsoft.com/office/powerpoint/2010/main" val="1716504565"/>
+      </p:ext>
+    </p:extLst>
+  </p:cSld>
+  <p:clrMapOvr>
+    <a:masterClrMapping/>
+  </p:clrMapOvr>
+</p:sld>
+</file>
+
+<file path=ppt/slides/slide8.xml><?xml version="1.0" encoding="utf-8"?>
+<p:sld xmlns:a="http://schemas.openxmlformats.org/drawingml/2006/main" xmlns:r="http://schemas.openxmlformats.org/officeDocument/2006/relationships" xmlns:p="http://schemas.openxmlformats.org/presentationml/2006/main">
+  <p:cSld>
+    <p:spTree>
+      <p:nvGrpSpPr>
+        <p:cNvPr id="1" name="">
+          <a:extLst>
+            <a:ext uri="{FF2B5EF4-FFF2-40B4-BE49-F238E27FC236}">
+              <a16:creationId xmlns:a16="http://schemas.microsoft.com/office/drawing/2014/main" id="{C6213D5B-C5C2-939E-74F2-3D07C8C87464}"/>
+            </a:ext>
+          </a:extLst>
+        </p:cNvPr>
+        <p:cNvGrpSpPr/>
+        <p:nvPr/>
+      </p:nvGrpSpPr>
+      <p:grpSpPr>
+        <a:xfrm>
+          <a:off x="0" y="0"/>
+          <a:ext cx="0" cy="0"/>
+          <a:chOff x="0" y="0"/>
+          <a:chExt cx="0" cy="0"/>
+        </a:xfrm>
+      </p:grpSpPr>
+      <p:sp>
+        <p:nvSpPr>
+          <p:cNvPr id="4" name="正方形/長方形 3">
+            <a:extLst>
+              <a:ext uri="{FF2B5EF4-FFF2-40B4-BE49-F238E27FC236}">
+                <a16:creationId xmlns:a16="http://schemas.microsoft.com/office/drawing/2014/main" id="{4A079C07-A50C-65CA-56A9-3950E857B18A}"/>
+              </a:ext>
+            </a:extLst>
+          </p:cNvPr>
+          <p:cNvSpPr/>
+          <p:nvPr/>
+        </p:nvSpPr>
+        <p:spPr>
+          <a:xfrm>
+            <a:off x="0" y="-1"/>
+            <a:ext cx="12192000" cy="995881"/>
+          </a:xfrm>
+          <a:prstGeom prst="rect">
+            <a:avLst/>
+          </a:prstGeom>
+          <a:solidFill>
+            <a:schemeClr val="accent1">
+              <a:lumMod val="60000"/>
+              <a:lumOff val="40000"/>
+            </a:schemeClr>
+          </a:solidFill>
+          <a:ln>
+            <a:noFill/>
+          </a:ln>
+        </p:spPr>
+        <p:style>
+          <a:lnRef idx="2">
+            <a:schemeClr val="accent1">
+              <a:shade val="15000"/>
+            </a:schemeClr>
+          </a:lnRef>
+          <a:fillRef idx="1">
+            <a:schemeClr val="accent1"/>
+          </a:fillRef>
+          <a:effectRef idx="0">
+            <a:schemeClr val="accent1"/>
+          </a:effectRef>
+          <a:fontRef idx="minor">
+            <a:schemeClr val="lt1"/>
+          </a:fontRef>
+        </p:style>
+        <p:txBody>
+          <a:bodyPr rtlCol="0" anchor="ctr"/>
+          <a:lstStyle/>
+          <a:p>
+            <a:r>
+              <a:rPr kumimoji="1" lang="ja-JP" altLang="en-US" sz="3600" dirty="0">
+                <a:latin typeface="BIZ UDPゴシック" panose="020B0400000000000000" pitchFamily="50" charset="-128"/>
+                <a:ea typeface="BIZ UDPゴシック" panose="020B0400000000000000" pitchFamily="50" charset="-128"/>
+              </a:rPr>
+              <a:t>２．歌詞に用いられる単語の難易度による算出法</a:t>
+            </a:r>
+            <a:endParaRPr kumimoji="1" lang="en-US" altLang="ja-JP" sz="3600" dirty="0">
+              <a:latin typeface="BIZ UDPゴシック" panose="020B0400000000000000" pitchFamily="50" charset="-128"/>
+              <a:ea typeface="BIZ UDPゴシック" panose="020B0400000000000000" pitchFamily="50" charset="-128"/>
+            </a:endParaRPr>
+          </a:p>
+        </p:txBody>
+      </p:sp>
+      <p:sp>
+        <p:nvSpPr>
+          <p:cNvPr id="2" name="テキスト ボックス 5">
+            <a:extLst>
+              <a:ext uri="{FF2B5EF4-FFF2-40B4-BE49-F238E27FC236}">
+                <a16:creationId xmlns:a16="http://schemas.microsoft.com/office/drawing/2014/main" id="{B9E6179B-B5B9-080D-8A28-FE66646E0433}"/>
+              </a:ext>
+            </a:extLst>
+          </p:cNvPr>
+          <p:cNvSpPr txBox="1"/>
+          <p:nvPr/>
+        </p:nvSpPr>
+        <p:spPr>
+          <a:xfrm>
+            <a:off x="461971" y="1440408"/>
+            <a:ext cx="3015573" cy="461665"/>
+          </a:xfrm>
+          <a:prstGeom prst="rect">
+            <a:avLst/>
+          </a:prstGeom>
+          <a:noFill/>
+        </p:spPr>
+        <p:txBody>
+          <a:bodyPr wrap="square" rtlCol="0">
+            <a:spAutoFit/>
+          </a:bodyPr>
+          <a:lstStyle>
+            <a:defPPr>
+              <a:defRPr lang="en-US"/>
+            </a:defPPr>
+            <a:lvl1pPr marL="0" algn="l" defTabSz="457200" rtl="0" eaLnBrk="1" latinLnBrk="0" hangingPunct="1">
+              <a:defRPr sz="1800" kern="1200">
+                <a:solidFill>
+                  <a:schemeClr val="tx1"/>
+                </a:solidFill>
+                <a:latin typeface="+mn-lt"/>
+                <a:ea typeface="+mn-ea"/>
+                <a:cs typeface="+mn-cs"/>
+              </a:defRPr>
+            </a:lvl1pPr>
+            <a:lvl2pPr marL="457200" algn="l" defTabSz="457200" rtl="0" eaLnBrk="1" latinLnBrk="0" hangingPunct="1">
+              <a:defRPr sz="1800" kern="1200">
+                <a:solidFill>
+                  <a:schemeClr val="tx1"/>
+                </a:solidFill>
+                <a:latin typeface="+mn-lt"/>
+                <a:ea typeface="+mn-ea"/>
+                <a:cs typeface="+mn-cs"/>
+              </a:defRPr>
+            </a:lvl2pPr>
+            <a:lvl3pPr marL="914400" algn="l" defTabSz="457200" rtl="0" eaLnBrk="1" latinLnBrk="0" hangingPunct="1">
+              <a:defRPr sz="1800" kern="1200">
+                <a:solidFill>
+                  <a:schemeClr val="tx1"/>
+                </a:solidFill>
+                <a:latin typeface="+mn-lt"/>
+                <a:ea typeface="+mn-ea"/>
+                <a:cs typeface="+mn-cs"/>
+              </a:defRPr>
+            </a:lvl3pPr>
+            <a:lvl4pPr marL="1371600" algn="l" defTabSz="457200" rtl="0" eaLnBrk="1" latinLnBrk="0" hangingPunct="1">
+              <a:defRPr sz="1800" kern="1200">
+                <a:solidFill>
+                  <a:schemeClr val="tx1"/>
+                </a:solidFill>
+                <a:latin typeface="+mn-lt"/>
+                <a:ea typeface="+mn-ea"/>
+                <a:cs typeface="+mn-cs"/>
+              </a:defRPr>
+            </a:lvl4pPr>
+            <a:lvl5pPr marL="1828800" algn="l" defTabSz="457200" rtl="0" eaLnBrk="1" latinLnBrk="0" hangingPunct="1">
+              <a:defRPr sz="1800" kern="1200">
+                <a:solidFill>
+                  <a:schemeClr val="tx1"/>
+                </a:solidFill>
+                <a:latin typeface="+mn-lt"/>
+                <a:ea typeface="+mn-ea"/>
+                <a:cs typeface="+mn-cs"/>
+              </a:defRPr>
+            </a:lvl5pPr>
+            <a:lvl6pPr marL="2286000" algn="l" defTabSz="457200" rtl="0" eaLnBrk="1" latinLnBrk="0" hangingPunct="1">
+              <a:defRPr sz="1800" kern="1200">
+                <a:solidFill>
+                  <a:schemeClr val="tx1"/>
+                </a:solidFill>
+                <a:latin typeface="+mn-lt"/>
+                <a:ea typeface="+mn-ea"/>
+                <a:cs typeface="+mn-cs"/>
+              </a:defRPr>
+            </a:lvl6pPr>
+            <a:lvl7pPr marL="2743200" algn="l" defTabSz="457200" rtl="0" eaLnBrk="1" latinLnBrk="0" hangingPunct="1">
+              <a:defRPr sz="1800" kern="1200">
+                <a:solidFill>
+                  <a:schemeClr val="tx1"/>
+                </a:solidFill>
+                <a:latin typeface="+mn-lt"/>
+                <a:ea typeface="+mn-ea"/>
+                <a:cs typeface="+mn-cs"/>
+              </a:defRPr>
+            </a:lvl7pPr>
+            <a:lvl8pPr marL="3200400" algn="l" defTabSz="457200" rtl="0" eaLnBrk="1" latinLnBrk="0" hangingPunct="1">
+              <a:defRPr sz="1800" kern="1200">
+                <a:solidFill>
+                  <a:schemeClr val="tx1"/>
+                </a:solidFill>
+                <a:latin typeface="+mn-lt"/>
+                <a:ea typeface="+mn-ea"/>
+                <a:cs typeface="+mn-cs"/>
+              </a:defRPr>
+            </a:lvl8pPr>
+            <a:lvl9pPr marL="3657600" algn="l" defTabSz="457200" rtl="0" eaLnBrk="1" latinLnBrk="0" hangingPunct="1">
+              <a:defRPr sz="1800" kern="1200">
+                <a:solidFill>
+                  <a:schemeClr val="tx1"/>
+                </a:solidFill>
+                <a:latin typeface="+mn-lt"/>
+                <a:ea typeface="+mn-ea"/>
+                <a:cs typeface="+mn-cs"/>
+              </a:defRPr>
+            </a:lvl9pPr>
+          </a:lstStyle>
+          <a:p>
+            <a:r>
+              <a:rPr kumimoji="1" lang="ja-JP" altLang="en-US" sz="2400" b="1" dirty="0">
+                <a:solidFill>
+                  <a:schemeClr val="tx1">
+                    <a:lumMod val="75000"/>
+                    <a:lumOff val="25000"/>
+                  </a:schemeClr>
+                </a:solidFill>
+                <a:latin typeface="BIZ UDPゴシック" panose="020B0400000000000000" pitchFamily="50" charset="-128"/>
+                <a:ea typeface="BIZ UDPゴシック" panose="020B0400000000000000" pitchFamily="50" charset="-128"/>
+              </a:rPr>
+              <a:t>単語の難易度とは</a:t>
+            </a:r>
+          </a:p>
+        </p:txBody>
+      </p:sp>
+      <p:sp>
+        <p:nvSpPr>
+          <p:cNvPr id="3" name="テキスト ボックス 1">
+            <a:extLst>
+              <a:ext uri="{FF2B5EF4-FFF2-40B4-BE49-F238E27FC236}">
+                <a16:creationId xmlns:a16="http://schemas.microsoft.com/office/drawing/2014/main" id="{7384694D-E6B6-89D3-7AC0-5F3A75133E71}"/>
+              </a:ext>
+            </a:extLst>
+          </p:cNvPr>
+          <p:cNvSpPr txBox="1"/>
+          <p:nvPr/>
+        </p:nvSpPr>
+        <p:spPr>
+          <a:xfrm>
+            <a:off x="461971" y="1902073"/>
+            <a:ext cx="5123773" cy="721736"/>
+          </a:xfrm>
+          <a:prstGeom prst="rect">
+            <a:avLst/>
+          </a:prstGeom>
+          <a:noFill/>
+        </p:spPr>
+        <p:txBody>
+          <a:bodyPr wrap="square" rtlCol="0">
+            <a:spAutoFit/>
+          </a:bodyPr>
+          <a:lstStyle>
+            <a:defPPr>
+              <a:defRPr lang="en-US"/>
+            </a:defPPr>
+            <a:lvl1pPr marL="0" algn="l" defTabSz="457200" rtl="0" eaLnBrk="1" latinLnBrk="0" hangingPunct="1">
+              <a:defRPr sz="1800" kern="1200">
+                <a:solidFill>
+                  <a:schemeClr val="tx1"/>
+                </a:solidFill>
+                <a:latin typeface="+mn-lt"/>
+                <a:ea typeface="+mn-ea"/>
+                <a:cs typeface="+mn-cs"/>
+              </a:defRPr>
+            </a:lvl1pPr>
+            <a:lvl2pPr marL="457200" algn="l" defTabSz="457200" rtl="0" eaLnBrk="1" latinLnBrk="0" hangingPunct="1">
+              <a:defRPr sz="1800" kern="1200">
+                <a:solidFill>
+                  <a:schemeClr val="tx1"/>
+                </a:solidFill>
+                <a:latin typeface="+mn-lt"/>
+                <a:ea typeface="+mn-ea"/>
+                <a:cs typeface="+mn-cs"/>
+              </a:defRPr>
+            </a:lvl2pPr>
+            <a:lvl3pPr marL="914400" algn="l" defTabSz="457200" rtl="0" eaLnBrk="1" latinLnBrk="0" hangingPunct="1">
+              <a:defRPr sz="1800" kern="1200">
+                <a:solidFill>
+                  <a:schemeClr val="tx1"/>
+                </a:solidFill>
+                <a:latin typeface="+mn-lt"/>
+                <a:ea typeface="+mn-ea"/>
+                <a:cs typeface="+mn-cs"/>
+              </a:defRPr>
+            </a:lvl3pPr>
+            <a:lvl4pPr marL="1371600" algn="l" defTabSz="457200" rtl="0" eaLnBrk="1" latinLnBrk="0" hangingPunct="1">
+              <a:defRPr sz="1800" kern="1200">
+                <a:solidFill>
+                  <a:schemeClr val="tx1"/>
+                </a:solidFill>
+                <a:latin typeface="+mn-lt"/>
+                <a:ea typeface="+mn-ea"/>
+                <a:cs typeface="+mn-cs"/>
+              </a:defRPr>
+            </a:lvl4pPr>
+            <a:lvl5pPr marL="1828800" algn="l" defTabSz="457200" rtl="0" eaLnBrk="1" latinLnBrk="0" hangingPunct="1">
+              <a:defRPr sz="1800" kern="1200">
+                <a:solidFill>
+                  <a:schemeClr val="tx1"/>
+                </a:solidFill>
+                <a:latin typeface="+mn-lt"/>
+                <a:ea typeface="+mn-ea"/>
+                <a:cs typeface="+mn-cs"/>
+              </a:defRPr>
+            </a:lvl5pPr>
+            <a:lvl6pPr marL="2286000" algn="l" defTabSz="457200" rtl="0" eaLnBrk="1" latinLnBrk="0" hangingPunct="1">
+              <a:defRPr sz="1800" kern="1200">
+                <a:solidFill>
+                  <a:schemeClr val="tx1"/>
+                </a:solidFill>
+                <a:latin typeface="+mn-lt"/>
+                <a:ea typeface="+mn-ea"/>
+                <a:cs typeface="+mn-cs"/>
+              </a:defRPr>
+            </a:lvl6pPr>
+            <a:lvl7pPr marL="2743200" algn="l" defTabSz="457200" rtl="0" eaLnBrk="1" latinLnBrk="0" hangingPunct="1">
+              <a:defRPr sz="1800" kern="1200">
+                <a:solidFill>
+                  <a:schemeClr val="tx1"/>
+                </a:solidFill>
+                <a:latin typeface="+mn-lt"/>
+                <a:ea typeface="+mn-ea"/>
+                <a:cs typeface="+mn-cs"/>
+              </a:defRPr>
+            </a:lvl7pPr>
+            <a:lvl8pPr marL="3200400" algn="l" defTabSz="457200" rtl="0" eaLnBrk="1" latinLnBrk="0" hangingPunct="1">
+              <a:defRPr sz="1800" kern="1200">
+                <a:solidFill>
+                  <a:schemeClr val="tx1"/>
+                </a:solidFill>
+                <a:latin typeface="+mn-lt"/>
+                <a:ea typeface="+mn-ea"/>
+                <a:cs typeface="+mn-cs"/>
+              </a:defRPr>
+            </a:lvl8pPr>
+            <a:lvl9pPr marL="3657600" algn="l" defTabSz="457200" rtl="0" eaLnBrk="1" latinLnBrk="0" hangingPunct="1">
+              <a:defRPr sz="1800" kern="1200">
+                <a:solidFill>
+                  <a:schemeClr val="tx1"/>
+                </a:solidFill>
+                <a:latin typeface="+mn-lt"/>
+                <a:ea typeface="+mn-ea"/>
+                <a:cs typeface="+mn-cs"/>
+              </a:defRPr>
+            </a:lvl9pPr>
+          </a:lstStyle>
+          <a:p>
+            <a:pPr marL="342900" indent="-342900">
+              <a:lnSpc>
+                <a:spcPct val="110000"/>
+              </a:lnSpc>
+              <a:buFontTx/>
+              <a:buChar char="-"/>
+            </a:pPr>
+            <a:r>
+              <a:rPr kumimoji="1" lang="ja-JP" altLang="en-US" sz="2000" dirty="0">
+                <a:solidFill>
+                  <a:srgbClr val="FF0000"/>
+                </a:solidFill>
+                <a:latin typeface="BIZ UDPゴシック" panose="020B0400000000000000" pitchFamily="50" charset="-128"/>
+                <a:ea typeface="BIZ UDPゴシック" panose="020B0400000000000000" pitchFamily="50" charset="-128"/>
+              </a:rPr>
+              <a:t>使用される単語（漢字）が難しい</a:t>
+            </a:r>
+            <a:endParaRPr kumimoji="1" lang="en-US" altLang="ja-JP" sz="2000" dirty="0">
+              <a:solidFill>
+                <a:srgbClr val="FF0000"/>
+              </a:solidFill>
+              <a:latin typeface="BIZ UDPゴシック" panose="020B0400000000000000" pitchFamily="50" charset="-128"/>
+              <a:ea typeface="BIZ UDPゴシック" panose="020B0400000000000000" pitchFamily="50" charset="-128"/>
+            </a:endParaRPr>
+          </a:p>
+          <a:p>
+            <a:pPr marL="342900" indent="-342900">
+              <a:lnSpc>
+                <a:spcPct val="110000"/>
+              </a:lnSpc>
+              <a:buFontTx/>
+              <a:buChar char="-"/>
+            </a:pPr>
+            <a:r>
+              <a:rPr lang="ja-JP" altLang="en-US" sz="2000" dirty="0">
+                <a:solidFill>
+                  <a:schemeClr val="tx1">
+                    <a:lumMod val="75000"/>
+                    <a:lumOff val="25000"/>
+                  </a:schemeClr>
+                </a:solidFill>
+                <a:latin typeface="BIZ UDPゴシック" panose="020B0400000000000000" pitchFamily="50" charset="-128"/>
+                <a:ea typeface="BIZ UDPゴシック" panose="020B0400000000000000" pitchFamily="50" charset="-128"/>
+              </a:rPr>
+              <a:t>使用される単語が日常的に馴染みがない</a:t>
+            </a:r>
+            <a:endParaRPr kumimoji="1" lang="en-US" altLang="ja-JP" sz="2000" dirty="0">
+              <a:solidFill>
+                <a:schemeClr val="tx1">
+                  <a:lumMod val="75000"/>
+                  <a:lumOff val="25000"/>
+                </a:schemeClr>
+              </a:solidFill>
+              <a:latin typeface="BIZ UDPゴシック" panose="020B0400000000000000" pitchFamily="50" charset="-128"/>
+              <a:ea typeface="BIZ UDPゴシック" panose="020B0400000000000000" pitchFamily="50" charset="-128"/>
+            </a:endParaRPr>
+          </a:p>
+        </p:txBody>
+      </p:sp>
+      <p:sp>
+        <p:nvSpPr>
+          <p:cNvPr id="5" name="テキスト ボックス 5">
+            <a:extLst>
+              <a:ext uri="{FF2B5EF4-FFF2-40B4-BE49-F238E27FC236}">
+                <a16:creationId xmlns:a16="http://schemas.microsoft.com/office/drawing/2014/main" id="{9007C648-5483-507B-ECD2-6ADFE9AA2CBD}"/>
+              </a:ext>
+            </a:extLst>
+          </p:cNvPr>
+          <p:cNvSpPr txBox="1"/>
+          <p:nvPr/>
+        </p:nvSpPr>
+        <p:spPr>
+          <a:xfrm>
+            <a:off x="461970" y="3018725"/>
+            <a:ext cx="1018867" cy="461665"/>
+          </a:xfrm>
+          <a:prstGeom prst="rect">
+            <a:avLst/>
+          </a:prstGeom>
+          <a:noFill/>
+        </p:spPr>
+        <p:txBody>
+          <a:bodyPr wrap="square" rtlCol="0">
+            <a:spAutoFit/>
+          </a:bodyPr>
+          <a:lstStyle>
+            <a:defPPr>
+              <a:defRPr lang="en-US"/>
+            </a:defPPr>
+            <a:lvl1pPr marL="0" algn="l" defTabSz="457200" rtl="0" eaLnBrk="1" latinLnBrk="0" hangingPunct="1">
+              <a:defRPr sz="1800" kern="1200">
+                <a:solidFill>
+                  <a:schemeClr val="tx1"/>
+                </a:solidFill>
+                <a:latin typeface="+mn-lt"/>
+                <a:ea typeface="+mn-ea"/>
+                <a:cs typeface="+mn-cs"/>
+              </a:defRPr>
+            </a:lvl1pPr>
+            <a:lvl2pPr marL="457200" algn="l" defTabSz="457200" rtl="0" eaLnBrk="1" latinLnBrk="0" hangingPunct="1">
+              <a:defRPr sz="1800" kern="1200">
+                <a:solidFill>
+                  <a:schemeClr val="tx1"/>
+                </a:solidFill>
+                <a:latin typeface="+mn-lt"/>
+                <a:ea typeface="+mn-ea"/>
+                <a:cs typeface="+mn-cs"/>
+              </a:defRPr>
+            </a:lvl2pPr>
+            <a:lvl3pPr marL="914400" algn="l" defTabSz="457200" rtl="0" eaLnBrk="1" latinLnBrk="0" hangingPunct="1">
+              <a:defRPr sz="1800" kern="1200">
+                <a:solidFill>
+                  <a:schemeClr val="tx1"/>
+                </a:solidFill>
+                <a:latin typeface="+mn-lt"/>
+                <a:ea typeface="+mn-ea"/>
+                <a:cs typeface="+mn-cs"/>
+              </a:defRPr>
+            </a:lvl3pPr>
+            <a:lvl4pPr marL="1371600" algn="l" defTabSz="457200" rtl="0" eaLnBrk="1" latinLnBrk="0" hangingPunct="1">
+              <a:defRPr sz="1800" kern="1200">
+                <a:solidFill>
+                  <a:schemeClr val="tx1"/>
+                </a:solidFill>
+                <a:latin typeface="+mn-lt"/>
+                <a:ea typeface="+mn-ea"/>
+                <a:cs typeface="+mn-cs"/>
+              </a:defRPr>
+            </a:lvl4pPr>
+            <a:lvl5pPr marL="1828800" algn="l" defTabSz="457200" rtl="0" eaLnBrk="1" latinLnBrk="0" hangingPunct="1">
+              <a:defRPr sz="1800" kern="1200">
+                <a:solidFill>
+                  <a:schemeClr val="tx1"/>
+                </a:solidFill>
+                <a:latin typeface="+mn-lt"/>
+                <a:ea typeface="+mn-ea"/>
+                <a:cs typeface="+mn-cs"/>
+              </a:defRPr>
+            </a:lvl5pPr>
+            <a:lvl6pPr marL="2286000" algn="l" defTabSz="457200" rtl="0" eaLnBrk="1" latinLnBrk="0" hangingPunct="1">
+              <a:defRPr sz="1800" kern="1200">
+                <a:solidFill>
+                  <a:schemeClr val="tx1"/>
+                </a:solidFill>
+                <a:latin typeface="+mn-lt"/>
+                <a:ea typeface="+mn-ea"/>
+                <a:cs typeface="+mn-cs"/>
+              </a:defRPr>
+            </a:lvl6pPr>
+            <a:lvl7pPr marL="2743200" algn="l" defTabSz="457200" rtl="0" eaLnBrk="1" latinLnBrk="0" hangingPunct="1">
+              <a:defRPr sz="1800" kern="1200">
+                <a:solidFill>
+                  <a:schemeClr val="tx1"/>
+                </a:solidFill>
+                <a:latin typeface="+mn-lt"/>
+                <a:ea typeface="+mn-ea"/>
+                <a:cs typeface="+mn-cs"/>
+              </a:defRPr>
+            </a:lvl7pPr>
+            <a:lvl8pPr marL="3200400" algn="l" defTabSz="457200" rtl="0" eaLnBrk="1" latinLnBrk="0" hangingPunct="1">
+              <a:defRPr sz="1800" kern="1200">
+                <a:solidFill>
+                  <a:schemeClr val="tx1"/>
+                </a:solidFill>
+                <a:latin typeface="+mn-lt"/>
+                <a:ea typeface="+mn-ea"/>
+                <a:cs typeface="+mn-cs"/>
+              </a:defRPr>
+            </a:lvl8pPr>
+            <a:lvl9pPr marL="3657600" algn="l" defTabSz="457200" rtl="0" eaLnBrk="1" latinLnBrk="0" hangingPunct="1">
+              <a:defRPr sz="1800" kern="1200">
+                <a:solidFill>
+                  <a:schemeClr val="tx1"/>
+                </a:solidFill>
+                <a:latin typeface="+mn-lt"/>
+                <a:ea typeface="+mn-ea"/>
+                <a:cs typeface="+mn-cs"/>
+              </a:defRPr>
+            </a:lvl9pPr>
+          </a:lstStyle>
+          <a:p>
+            <a:r>
+              <a:rPr kumimoji="1" lang="ja-JP" altLang="en-US" sz="2400" b="1" dirty="0">
+                <a:latin typeface="BIZ UDPゴシック" panose="020B0400000000000000" pitchFamily="50" charset="-128"/>
+                <a:ea typeface="BIZ UDPゴシック" panose="020B0400000000000000" pitchFamily="50" charset="-128"/>
+              </a:rPr>
+              <a:t>手法</a:t>
+            </a:r>
+          </a:p>
+        </p:txBody>
+      </p:sp>
+      <p:sp>
+        <p:nvSpPr>
+          <p:cNvPr id="8" name="四角形: 角を丸くする 7">
+            <a:extLst>
+              <a:ext uri="{FF2B5EF4-FFF2-40B4-BE49-F238E27FC236}">
+                <a16:creationId xmlns:a16="http://schemas.microsoft.com/office/drawing/2014/main" id="{9BFCB3DC-CB02-E3C2-4737-00471AF7A196}"/>
+              </a:ext>
+            </a:extLst>
+          </p:cNvPr>
+          <p:cNvSpPr/>
+          <p:nvPr/>
+        </p:nvSpPr>
+        <p:spPr>
+          <a:xfrm>
+            <a:off x="6536748" y="1600461"/>
+            <a:ext cx="5193282" cy="2046696"/>
+          </a:xfrm>
+          <a:prstGeom prst="roundRect">
+            <a:avLst/>
+          </a:prstGeom>
+          <a:noFill/>
+          <a:ln w="38100">
+            <a:solidFill>
+              <a:schemeClr val="accent1">
+                <a:lumMod val="60000"/>
+                <a:lumOff val="40000"/>
+              </a:schemeClr>
+            </a:solidFill>
+          </a:ln>
+        </p:spPr>
+        <p:style>
+          <a:lnRef idx="2">
+            <a:schemeClr val="accent6"/>
+          </a:lnRef>
+          <a:fillRef idx="1">
+            <a:schemeClr val="lt1"/>
+          </a:fillRef>
+          <a:effectRef idx="0">
+            <a:schemeClr val="accent6"/>
+          </a:effectRef>
+          <a:fontRef idx="minor">
+            <a:schemeClr val="dk1"/>
+          </a:fontRef>
+        </p:style>
+        <p:txBody>
+          <a:bodyPr rtlCol="0" anchor="ctr"/>
+          <a:lstStyle/>
+          <a:p>
+            <a:pPr>
+              <a:lnSpc>
+                <a:spcPct val="110000"/>
+              </a:lnSpc>
+            </a:pPr>
+            <a:r>
+              <a:rPr lang="en-US" altLang="ja-JP" sz="2400" dirty="0">
+                <a:latin typeface="BIZ UDPゴシック" panose="020B0400000000000000" pitchFamily="50" charset="-128"/>
+                <a:ea typeface="BIZ UDPゴシック" panose="020B0400000000000000" pitchFamily="50" charset="-128"/>
+              </a:rPr>
+              <a:t>【</a:t>
+            </a:r>
+            <a:r>
+              <a:rPr kumimoji="1" lang="ja-JP" altLang="en-US" sz="2400" dirty="0">
+                <a:latin typeface="BIZ UDPゴシック" panose="020B0400000000000000" pitchFamily="50" charset="-128"/>
+                <a:ea typeface="BIZ UDPゴシック" panose="020B0400000000000000" pitchFamily="50" charset="-128"/>
+              </a:rPr>
+              <a:t>仮定</a:t>
+            </a:r>
+            <a:r>
+              <a:rPr lang="en-US" altLang="ja-JP" sz="2400" dirty="0">
+                <a:latin typeface="BIZ UDPゴシック" panose="020B0400000000000000" pitchFamily="50" charset="-128"/>
+                <a:ea typeface="BIZ UDPゴシック" panose="020B0400000000000000" pitchFamily="50" charset="-128"/>
+              </a:rPr>
+              <a:t>】</a:t>
+            </a:r>
+            <a:endParaRPr kumimoji="1" lang="en-US" altLang="ja-JP" sz="2400" dirty="0">
+              <a:latin typeface="BIZ UDPゴシック" panose="020B0400000000000000" pitchFamily="50" charset="-128"/>
+              <a:ea typeface="BIZ UDPゴシック" panose="020B0400000000000000" pitchFamily="50" charset="-128"/>
+            </a:endParaRPr>
+          </a:p>
+          <a:p>
+            <a:pPr>
+              <a:lnSpc>
+                <a:spcPct val="110000"/>
+              </a:lnSpc>
+            </a:pPr>
+            <a:r>
+              <a:rPr lang="ja-JP" altLang="en-US" sz="2400" dirty="0">
+                <a:latin typeface="BIZ UDPゴシック" panose="020B0400000000000000" pitchFamily="50" charset="-128"/>
+                <a:ea typeface="BIZ UDPゴシック" panose="020B0400000000000000" pitchFamily="50" charset="-128"/>
+              </a:rPr>
+              <a:t>歌詞に用いられる漢字が難しい</a:t>
+            </a:r>
+            <a:r>
+              <a:rPr kumimoji="1" lang="ja-JP" altLang="en-US" sz="2400" dirty="0">
+                <a:latin typeface="BIZ UDPゴシック" panose="020B0400000000000000" pitchFamily="50" charset="-128"/>
+                <a:ea typeface="BIZ UDPゴシック" panose="020B0400000000000000" pitchFamily="50" charset="-128"/>
+              </a:rPr>
+              <a:t>ほど</a:t>
+            </a:r>
+            <a:endParaRPr kumimoji="1" lang="en-US" altLang="ja-JP" sz="2400" dirty="0">
+              <a:latin typeface="BIZ UDPゴシック" panose="020B0400000000000000" pitchFamily="50" charset="-128"/>
+              <a:ea typeface="BIZ UDPゴシック" panose="020B0400000000000000" pitchFamily="50" charset="-128"/>
+            </a:endParaRPr>
+          </a:p>
+          <a:p>
+            <a:pPr>
+              <a:lnSpc>
+                <a:spcPct val="110000"/>
+              </a:lnSpc>
+            </a:pPr>
+            <a:r>
+              <a:rPr kumimoji="1" lang="ja-JP" altLang="en-US" sz="2400" dirty="0">
+                <a:latin typeface="BIZ UDPゴシック" panose="020B0400000000000000" pitchFamily="50" charset="-128"/>
+                <a:ea typeface="BIZ UDPゴシック" panose="020B0400000000000000" pitchFamily="50" charset="-128"/>
+              </a:rPr>
+              <a:t>歌唱難易度が上がる</a:t>
+            </a:r>
+            <a:endParaRPr kumimoji="1" lang="ja-JP" altLang="en-US" dirty="0"/>
+          </a:p>
+        </p:txBody>
+      </p:sp>
+      <p:sp>
+        <p:nvSpPr>
+          <p:cNvPr id="9" name="テキスト ボックス 1">
+            <a:extLst>
+              <a:ext uri="{FF2B5EF4-FFF2-40B4-BE49-F238E27FC236}">
+                <a16:creationId xmlns:a16="http://schemas.microsoft.com/office/drawing/2014/main" id="{2209734F-45C7-9AF0-4E52-586B165AD6C0}"/>
+              </a:ext>
+            </a:extLst>
+          </p:cNvPr>
+          <p:cNvSpPr txBox="1"/>
+          <p:nvPr/>
+        </p:nvSpPr>
+        <p:spPr>
+          <a:xfrm>
+            <a:off x="683202" y="3740461"/>
+            <a:ext cx="5666798" cy="2753061"/>
+          </a:xfrm>
+          <a:prstGeom prst="rect">
+            <a:avLst/>
+          </a:prstGeom>
+          <a:noFill/>
+        </p:spPr>
+        <p:txBody>
+          <a:bodyPr wrap="square" rtlCol="0">
+            <a:spAutoFit/>
+          </a:bodyPr>
+          <a:lstStyle>
+            <a:defPPr>
+              <a:defRPr lang="en-US"/>
+            </a:defPPr>
+            <a:lvl1pPr marL="0" algn="l" defTabSz="457200" rtl="0" eaLnBrk="1" latinLnBrk="0" hangingPunct="1">
+              <a:defRPr sz="1800" kern="1200">
+                <a:solidFill>
+                  <a:schemeClr val="tx1"/>
+                </a:solidFill>
+                <a:latin typeface="+mn-lt"/>
+                <a:ea typeface="+mn-ea"/>
+                <a:cs typeface="+mn-cs"/>
+              </a:defRPr>
+            </a:lvl1pPr>
+            <a:lvl2pPr marL="457200" algn="l" defTabSz="457200" rtl="0" eaLnBrk="1" latinLnBrk="0" hangingPunct="1">
+              <a:defRPr sz="1800" kern="1200">
+                <a:solidFill>
+                  <a:schemeClr val="tx1"/>
+                </a:solidFill>
+                <a:latin typeface="+mn-lt"/>
+                <a:ea typeface="+mn-ea"/>
+                <a:cs typeface="+mn-cs"/>
+              </a:defRPr>
+            </a:lvl2pPr>
+            <a:lvl3pPr marL="914400" algn="l" defTabSz="457200" rtl="0" eaLnBrk="1" latinLnBrk="0" hangingPunct="1">
+              <a:defRPr sz="1800" kern="1200">
+                <a:solidFill>
+                  <a:schemeClr val="tx1"/>
+                </a:solidFill>
+                <a:latin typeface="+mn-lt"/>
+                <a:ea typeface="+mn-ea"/>
+                <a:cs typeface="+mn-cs"/>
+              </a:defRPr>
+            </a:lvl3pPr>
+            <a:lvl4pPr marL="1371600" algn="l" defTabSz="457200" rtl="0" eaLnBrk="1" latinLnBrk="0" hangingPunct="1">
+              <a:defRPr sz="1800" kern="1200">
+                <a:solidFill>
+                  <a:schemeClr val="tx1"/>
+                </a:solidFill>
+                <a:latin typeface="+mn-lt"/>
+                <a:ea typeface="+mn-ea"/>
+                <a:cs typeface="+mn-cs"/>
+              </a:defRPr>
+            </a:lvl4pPr>
+            <a:lvl5pPr marL="1828800" algn="l" defTabSz="457200" rtl="0" eaLnBrk="1" latinLnBrk="0" hangingPunct="1">
+              <a:defRPr sz="1800" kern="1200">
+                <a:solidFill>
+                  <a:schemeClr val="tx1"/>
+                </a:solidFill>
+                <a:latin typeface="+mn-lt"/>
+                <a:ea typeface="+mn-ea"/>
+                <a:cs typeface="+mn-cs"/>
+              </a:defRPr>
+            </a:lvl5pPr>
+            <a:lvl6pPr marL="2286000" algn="l" defTabSz="457200" rtl="0" eaLnBrk="1" latinLnBrk="0" hangingPunct="1">
+              <a:defRPr sz="1800" kern="1200">
+                <a:solidFill>
+                  <a:schemeClr val="tx1"/>
+                </a:solidFill>
+                <a:latin typeface="+mn-lt"/>
+                <a:ea typeface="+mn-ea"/>
+                <a:cs typeface="+mn-cs"/>
+              </a:defRPr>
+            </a:lvl6pPr>
+            <a:lvl7pPr marL="2743200" algn="l" defTabSz="457200" rtl="0" eaLnBrk="1" latinLnBrk="0" hangingPunct="1">
+              <a:defRPr sz="1800" kern="1200">
+                <a:solidFill>
+                  <a:schemeClr val="tx1"/>
+                </a:solidFill>
+                <a:latin typeface="+mn-lt"/>
+                <a:ea typeface="+mn-ea"/>
+                <a:cs typeface="+mn-cs"/>
+              </a:defRPr>
+            </a:lvl7pPr>
+            <a:lvl8pPr marL="3200400" algn="l" defTabSz="457200" rtl="0" eaLnBrk="1" latinLnBrk="0" hangingPunct="1">
+              <a:defRPr sz="1800" kern="1200">
+                <a:solidFill>
+                  <a:schemeClr val="tx1"/>
+                </a:solidFill>
+                <a:latin typeface="+mn-lt"/>
+                <a:ea typeface="+mn-ea"/>
+                <a:cs typeface="+mn-cs"/>
+              </a:defRPr>
+            </a:lvl8pPr>
+            <a:lvl9pPr marL="3657600" algn="l" defTabSz="457200" rtl="0" eaLnBrk="1" latinLnBrk="0" hangingPunct="1">
+              <a:defRPr sz="1800" kern="1200">
+                <a:solidFill>
+                  <a:schemeClr val="tx1"/>
+                </a:solidFill>
+                <a:latin typeface="+mn-lt"/>
+                <a:ea typeface="+mn-ea"/>
+                <a:cs typeface="+mn-cs"/>
+              </a:defRPr>
+            </a:lvl9pPr>
+          </a:lstStyle>
+          <a:p>
+            <a:pPr>
+              <a:lnSpc>
+                <a:spcPct val="110000"/>
+              </a:lnSpc>
+            </a:pPr>
+            <a:r>
+              <a:rPr lang="ja-JP" altLang="en-US" sz="2000" dirty="0">
+                <a:latin typeface="BIZ UDPゴシック" panose="020B0400000000000000" pitchFamily="50" charset="-128"/>
+                <a:ea typeface="BIZ UDPゴシック" panose="020B0400000000000000" pitchFamily="50" charset="-128"/>
+              </a:rPr>
+              <a:t>歌詞に含まれる漢字の総数を</a:t>
+            </a:r>
+            <a:r>
+              <a:rPr lang="en-US" altLang="ja-JP" sz="2000" dirty="0">
+                <a:latin typeface="BIZ UDPゴシック" panose="020B0400000000000000" pitchFamily="50" charset="-128"/>
+                <a:ea typeface="BIZ UDPゴシック" panose="020B0400000000000000" pitchFamily="50" charset="-128"/>
+              </a:rPr>
+              <a:t>100%</a:t>
+            </a:r>
+            <a:r>
+              <a:rPr lang="ja-JP" altLang="en-US" sz="2000" dirty="0">
+                <a:latin typeface="BIZ UDPゴシック" panose="020B0400000000000000" pitchFamily="50" charset="-128"/>
+                <a:ea typeface="BIZ UDPゴシック" panose="020B0400000000000000" pitchFamily="50" charset="-128"/>
+              </a:rPr>
+              <a:t>とし，</a:t>
+            </a:r>
+            <a:endParaRPr kumimoji="1" lang="en-US" altLang="ja-JP" sz="2000" dirty="0">
+              <a:latin typeface="BIZ UDPゴシック" panose="020B0400000000000000" pitchFamily="50" charset="-128"/>
+              <a:ea typeface="BIZ UDPゴシック" panose="020B0400000000000000" pitchFamily="50" charset="-128"/>
+            </a:endParaRPr>
+          </a:p>
+          <a:p>
+            <a:pPr>
+              <a:lnSpc>
+                <a:spcPct val="110000"/>
+              </a:lnSpc>
+            </a:pPr>
+            <a:r>
+              <a:rPr kumimoji="1" lang="ja-JP" altLang="en-US" sz="2000" dirty="0">
+                <a:latin typeface="BIZ UDPゴシック" panose="020B0400000000000000" pitchFamily="50" charset="-128"/>
+                <a:ea typeface="BIZ UDPゴシック" panose="020B0400000000000000" pitchFamily="50" charset="-128"/>
+              </a:rPr>
+              <a:t>そのうち，漢字検定の各級（</a:t>
+            </a:r>
+            <a:r>
+              <a:rPr kumimoji="1" lang="en-US" altLang="ja-JP" sz="2000" dirty="0">
+                <a:latin typeface="BIZ UDPゴシック" panose="020B0400000000000000" pitchFamily="50" charset="-128"/>
+                <a:ea typeface="BIZ UDPゴシック" panose="020B0400000000000000" pitchFamily="50" charset="-128"/>
+              </a:rPr>
+              <a:t>2</a:t>
+            </a:r>
+            <a:r>
+              <a:rPr kumimoji="1" lang="ja-JP" altLang="en-US" sz="2000" dirty="0">
+                <a:latin typeface="BIZ UDPゴシック" panose="020B0400000000000000" pitchFamily="50" charset="-128"/>
+                <a:ea typeface="BIZ UDPゴシック" panose="020B0400000000000000" pitchFamily="50" charset="-128"/>
+              </a:rPr>
+              <a:t>～</a:t>
+            </a:r>
+            <a:r>
+              <a:rPr kumimoji="1" lang="en-US" altLang="ja-JP" sz="2000" dirty="0">
+                <a:latin typeface="BIZ UDPゴシック" panose="020B0400000000000000" pitchFamily="50" charset="-128"/>
+                <a:ea typeface="BIZ UDPゴシック" panose="020B0400000000000000" pitchFamily="50" charset="-128"/>
+              </a:rPr>
+              <a:t>10</a:t>
+            </a:r>
+            <a:r>
+              <a:rPr kumimoji="1" lang="ja-JP" altLang="en-US" sz="2000" dirty="0">
+                <a:latin typeface="BIZ UDPゴシック" panose="020B0400000000000000" pitchFamily="50" charset="-128"/>
+                <a:ea typeface="BIZ UDPゴシック" panose="020B0400000000000000" pitchFamily="50" charset="-128"/>
+              </a:rPr>
+              <a:t>級）の漢字が</a:t>
+            </a:r>
+            <a:endParaRPr kumimoji="1" lang="en-US" altLang="ja-JP" sz="2000" dirty="0">
+              <a:latin typeface="BIZ UDPゴシック" panose="020B0400000000000000" pitchFamily="50" charset="-128"/>
+              <a:ea typeface="BIZ UDPゴシック" panose="020B0400000000000000" pitchFamily="50" charset="-128"/>
+            </a:endParaRPr>
+          </a:p>
+          <a:p>
+            <a:pPr>
+              <a:lnSpc>
+                <a:spcPct val="110000"/>
+              </a:lnSpc>
+            </a:pPr>
+            <a:r>
+              <a:rPr kumimoji="1" lang="ja-JP" altLang="en-US" sz="2000" dirty="0">
+                <a:latin typeface="BIZ UDPゴシック" panose="020B0400000000000000" pitchFamily="50" charset="-128"/>
+                <a:ea typeface="BIZ UDPゴシック" panose="020B0400000000000000" pitchFamily="50" charset="-128"/>
+              </a:rPr>
+              <a:t>何割現れるかを調査する．</a:t>
+            </a:r>
+            <a:endParaRPr kumimoji="1" lang="en-US" altLang="ja-JP" sz="2000" dirty="0">
+              <a:latin typeface="BIZ UDPゴシック" panose="020B0400000000000000" pitchFamily="50" charset="-128"/>
+              <a:ea typeface="BIZ UDPゴシック" panose="020B0400000000000000" pitchFamily="50" charset="-128"/>
+            </a:endParaRPr>
+          </a:p>
+          <a:p>
+            <a:pPr>
+              <a:lnSpc>
+                <a:spcPct val="110000"/>
+              </a:lnSpc>
+            </a:pPr>
+            <a:endParaRPr lang="en-US" altLang="ja-JP" sz="2000" dirty="0">
+              <a:latin typeface="BIZ UDPゴシック" panose="020B0400000000000000" pitchFamily="50" charset="-128"/>
+              <a:ea typeface="BIZ UDPゴシック" panose="020B0400000000000000" pitchFamily="50" charset="-128"/>
+            </a:endParaRPr>
+          </a:p>
+          <a:p>
+            <a:pPr>
+              <a:lnSpc>
+                <a:spcPct val="110000"/>
+              </a:lnSpc>
+            </a:pPr>
+            <a:r>
+              <a:rPr lang="ja-JP" altLang="en-US" sz="2000" dirty="0">
+                <a:latin typeface="BIZ UDPゴシック" panose="020B0400000000000000" pitchFamily="50" charset="-128"/>
+                <a:ea typeface="BIZ UDPゴシック" panose="020B0400000000000000" pitchFamily="50" charset="-128"/>
+              </a:rPr>
+              <a:t>各歌詞の結果を，レベルごとに平均をとる．</a:t>
+            </a:r>
+            <a:endParaRPr lang="en-US" altLang="ja-JP" sz="2000" dirty="0">
+              <a:latin typeface="BIZ UDPゴシック" panose="020B0400000000000000" pitchFamily="50" charset="-128"/>
+              <a:ea typeface="BIZ UDPゴシック" panose="020B0400000000000000" pitchFamily="50" charset="-128"/>
+            </a:endParaRPr>
+          </a:p>
+          <a:p>
+            <a:pPr>
+              <a:lnSpc>
+                <a:spcPct val="110000"/>
+              </a:lnSpc>
+            </a:pPr>
+            <a:endParaRPr lang="en-US" altLang="ja-JP" sz="2000" dirty="0">
+              <a:latin typeface="BIZ UDPゴシック" panose="020B0400000000000000" pitchFamily="50" charset="-128"/>
+              <a:ea typeface="BIZ UDPゴシック" panose="020B0400000000000000" pitchFamily="50" charset="-128"/>
+            </a:endParaRPr>
+          </a:p>
+          <a:p>
+            <a:pPr>
+              <a:lnSpc>
+                <a:spcPct val="110000"/>
+              </a:lnSpc>
+            </a:pPr>
+            <a:r>
+              <a:rPr lang="ja-JP" altLang="en-US" sz="2000" dirty="0">
+                <a:latin typeface="BIZ UDPゴシック" panose="020B0400000000000000" pitchFamily="50" charset="-128"/>
+                <a:ea typeface="BIZ UDPゴシック" panose="020B0400000000000000" pitchFamily="50" charset="-128"/>
+              </a:rPr>
+              <a:t>各レベルの平均値をグラフで可視化し，</a:t>
+            </a:r>
+            <a:endParaRPr lang="en-US" altLang="ja-JP" sz="2000" dirty="0">
+              <a:latin typeface="BIZ UDPゴシック" panose="020B0400000000000000" pitchFamily="50" charset="-128"/>
+              <a:ea typeface="BIZ UDPゴシック" panose="020B0400000000000000" pitchFamily="50" charset="-128"/>
+            </a:endParaRPr>
+          </a:p>
+          <a:p>
+            <a:pPr>
+              <a:lnSpc>
+                <a:spcPct val="110000"/>
+              </a:lnSpc>
+            </a:pPr>
+            <a:r>
+              <a:rPr lang="ja-JP" altLang="en-US" sz="2000" dirty="0">
+                <a:latin typeface="BIZ UDPゴシック" panose="020B0400000000000000" pitchFamily="50" charset="-128"/>
+                <a:ea typeface="BIZ UDPゴシック" panose="020B0400000000000000" pitchFamily="50" charset="-128"/>
+              </a:rPr>
+              <a:t>振り分けのばらつき具合を確認する．</a:t>
+            </a:r>
+            <a:endParaRPr kumimoji="1" lang="en-US" altLang="ja-JP" sz="2000" dirty="0">
+              <a:latin typeface="BIZ UDPゴシック" panose="020B0400000000000000" pitchFamily="50" charset="-128"/>
+              <a:ea typeface="BIZ UDPゴシック" panose="020B0400000000000000" pitchFamily="50" charset="-128"/>
+            </a:endParaRPr>
+          </a:p>
+        </p:txBody>
+      </p:sp>
+      <p:sp>
+        <p:nvSpPr>
+          <p:cNvPr id="11" name="四角形: 角を丸くする 10">
+            <a:extLst>
+              <a:ext uri="{FF2B5EF4-FFF2-40B4-BE49-F238E27FC236}">
+                <a16:creationId xmlns:a16="http://schemas.microsoft.com/office/drawing/2014/main" id="{AF8F38E0-E41F-884E-4BD9-925E647198B4}"/>
+              </a:ext>
+            </a:extLst>
+          </p:cNvPr>
+          <p:cNvSpPr/>
+          <p:nvPr/>
+        </p:nvSpPr>
+        <p:spPr>
+          <a:xfrm>
+            <a:off x="6536748" y="4136784"/>
+            <a:ext cx="5194300" cy="2182847"/>
+          </a:xfrm>
+          <a:prstGeom prst="roundRect">
+            <a:avLst/>
+          </a:prstGeom>
+          <a:noFill/>
+          <a:ln w="38100">
+            <a:solidFill>
+              <a:schemeClr val="accent2">
+                <a:lumMod val="60000"/>
+                <a:lumOff val="40000"/>
+              </a:schemeClr>
+            </a:solidFill>
+          </a:ln>
+        </p:spPr>
+        <p:style>
+          <a:lnRef idx="2">
+            <a:schemeClr val="accent1">
+              <a:shade val="15000"/>
+            </a:schemeClr>
+          </a:lnRef>
+          <a:fillRef idx="1">
+            <a:schemeClr val="accent1"/>
+          </a:fillRef>
+          <a:effectRef idx="0">
+            <a:schemeClr val="accent1"/>
+          </a:effectRef>
+          <a:fontRef idx="minor">
+            <a:schemeClr val="lt1"/>
+          </a:fontRef>
+        </p:style>
+        <p:txBody>
+          <a:bodyPr rtlCol="0" anchor="ctr"/>
+          <a:lstStyle/>
+          <a:p>
+            <a:pPr>
+              <a:lnSpc>
+                <a:spcPct val="110000"/>
+              </a:lnSpc>
+            </a:pPr>
+            <a:r>
+              <a:rPr lang="ja-JP" altLang="en-US" sz="1800" dirty="0">
+                <a:solidFill>
+                  <a:schemeClr val="tx1"/>
+                </a:solidFill>
+                <a:latin typeface="BIZ UDPゴシック" panose="020B0400000000000000" pitchFamily="50" charset="-128"/>
+                <a:ea typeface="BIZ UDPゴシック" panose="020B0400000000000000" pitchFamily="50" charset="-128"/>
+              </a:rPr>
+              <a:t>級の振り分けには以下を用いる．</a:t>
+            </a:r>
+            <a:endParaRPr kumimoji="1" lang="en-US" altLang="ja-JP" sz="1800" dirty="0">
+              <a:solidFill>
+                <a:schemeClr val="tx1"/>
+              </a:solidFill>
+              <a:latin typeface="BIZ UDPゴシック" panose="020B0400000000000000" pitchFamily="50" charset="-128"/>
+              <a:ea typeface="BIZ UDPゴシック" panose="020B0400000000000000" pitchFamily="50" charset="-128"/>
+            </a:endParaRPr>
+          </a:p>
+          <a:p>
+            <a:pPr marL="342900" indent="-342900">
+              <a:lnSpc>
+                <a:spcPct val="110000"/>
+              </a:lnSpc>
+              <a:buFontTx/>
+              <a:buChar char="-"/>
+            </a:pPr>
+            <a:r>
+              <a:rPr lang="ja-JP" altLang="en-US" sz="1800" dirty="0">
+                <a:solidFill>
+                  <a:schemeClr val="tx1"/>
+                </a:solidFill>
+                <a:latin typeface="BIZ UDPゴシック" panose="020B0400000000000000" pitchFamily="50" charset="-128"/>
+                <a:ea typeface="BIZ UDPゴシック" panose="020B0400000000000000" pitchFamily="50" charset="-128"/>
+              </a:rPr>
+              <a:t>日本漢字能力検定 級別漢字表（</a:t>
+            </a:r>
+            <a:r>
+              <a:rPr lang="en-US" altLang="ja-JP" sz="1800" dirty="0">
+                <a:solidFill>
+                  <a:schemeClr val="tx1"/>
+                </a:solidFill>
+                <a:latin typeface="BIZ UDPゴシック" panose="020B0400000000000000" pitchFamily="50" charset="-128"/>
+                <a:ea typeface="BIZ UDPゴシック" panose="020B0400000000000000" pitchFamily="50" charset="-128"/>
+              </a:rPr>
+              <a:t>2</a:t>
+            </a:r>
+            <a:r>
+              <a:rPr lang="ja-JP" altLang="en-US" sz="1800" dirty="0">
+                <a:solidFill>
+                  <a:schemeClr val="tx1"/>
+                </a:solidFill>
+                <a:latin typeface="BIZ UDPゴシック" panose="020B0400000000000000" pitchFamily="50" charset="-128"/>
+                <a:ea typeface="BIZ UDPゴシック" panose="020B0400000000000000" pitchFamily="50" charset="-128"/>
+              </a:rPr>
+              <a:t>～</a:t>
+            </a:r>
+            <a:r>
+              <a:rPr lang="en-US" altLang="ja-JP" sz="1800" dirty="0">
+                <a:solidFill>
+                  <a:schemeClr val="tx1"/>
+                </a:solidFill>
+                <a:latin typeface="BIZ UDPゴシック" panose="020B0400000000000000" pitchFamily="50" charset="-128"/>
+                <a:ea typeface="BIZ UDPゴシック" panose="020B0400000000000000" pitchFamily="50" charset="-128"/>
+              </a:rPr>
+              <a:t>10</a:t>
+            </a:r>
+            <a:r>
+              <a:rPr lang="ja-JP" altLang="en-US" sz="1800" dirty="0">
+                <a:solidFill>
+                  <a:schemeClr val="tx1"/>
+                </a:solidFill>
+                <a:latin typeface="BIZ UDPゴシック" panose="020B0400000000000000" pitchFamily="50" charset="-128"/>
+                <a:ea typeface="BIZ UDPゴシック" panose="020B0400000000000000" pitchFamily="50" charset="-128"/>
+              </a:rPr>
+              <a:t>級）</a:t>
+            </a:r>
+            <a:endParaRPr lang="en-US" altLang="ja-JP" sz="1800" dirty="0">
+              <a:solidFill>
+                <a:schemeClr val="tx1"/>
+              </a:solidFill>
+              <a:latin typeface="BIZ UDPゴシック" panose="020B0400000000000000" pitchFamily="50" charset="-128"/>
+              <a:ea typeface="BIZ UDPゴシック" panose="020B0400000000000000" pitchFamily="50" charset="-128"/>
+            </a:endParaRPr>
+          </a:p>
+          <a:p>
+            <a:pPr>
+              <a:lnSpc>
+                <a:spcPct val="110000"/>
+              </a:lnSpc>
+            </a:pPr>
+            <a:endParaRPr lang="en-US" altLang="ja-JP" sz="1800" dirty="0">
+              <a:solidFill>
+                <a:schemeClr val="tx1"/>
+              </a:solidFill>
+              <a:latin typeface="BIZ UDPゴシック" panose="020B0400000000000000" pitchFamily="50" charset="-128"/>
+              <a:ea typeface="BIZ UDPゴシック" panose="020B0400000000000000" pitchFamily="50" charset="-128"/>
+            </a:endParaRPr>
+          </a:p>
+          <a:p>
+            <a:pPr>
+              <a:lnSpc>
+                <a:spcPct val="110000"/>
+              </a:lnSpc>
+            </a:pPr>
+            <a:r>
+              <a:rPr lang="ja-JP" altLang="en-US" sz="1800" dirty="0">
+                <a:solidFill>
+                  <a:schemeClr val="tx1"/>
+                </a:solidFill>
+                <a:latin typeface="BIZ UDPゴシック" panose="020B0400000000000000" pitchFamily="50" charset="-128"/>
+                <a:ea typeface="BIZ UDPゴシック" panose="020B0400000000000000" pitchFamily="50" charset="-128"/>
+              </a:rPr>
+              <a:t>歌詞データには以下を用いる．</a:t>
+            </a:r>
+            <a:endParaRPr lang="en-US" altLang="ja-JP" sz="1800" dirty="0">
+              <a:solidFill>
+                <a:schemeClr val="tx1"/>
+              </a:solidFill>
+              <a:latin typeface="BIZ UDPゴシック" panose="020B0400000000000000" pitchFamily="50" charset="-128"/>
+              <a:ea typeface="BIZ UDPゴシック" panose="020B0400000000000000" pitchFamily="50" charset="-128"/>
+            </a:endParaRPr>
+          </a:p>
+          <a:p>
+            <a:pPr marL="342900" indent="-342900">
+              <a:lnSpc>
+                <a:spcPct val="110000"/>
+              </a:lnSpc>
+              <a:buFontTx/>
+              <a:buChar char="-"/>
+            </a:pPr>
+            <a:r>
+              <a:rPr lang="en-US" altLang="ja-JP" sz="1800" dirty="0">
+                <a:solidFill>
+                  <a:schemeClr val="tx1"/>
+                </a:solidFill>
+                <a:latin typeface="BIZ UDPゴシック" panose="020B0400000000000000" pitchFamily="50" charset="-128"/>
+                <a:ea typeface="BIZ UDPゴシック" panose="020B0400000000000000" pitchFamily="50" charset="-128"/>
+              </a:rPr>
+              <a:t>VOCALOID</a:t>
+            </a:r>
+            <a:r>
+              <a:rPr lang="ja-JP" altLang="en-US" sz="1800" dirty="0">
+                <a:solidFill>
+                  <a:schemeClr val="tx1"/>
+                </a:solidFill>
+                <a:latin typeface="BIZ UDPゴシック" panose="020B0400000000000000" pitchFamily="50" charset="-128"/>
+                <a:ea typeface="BIZ UDPゴシック" panose="020B0400000000000000" pitchFamily="50" charset="-128"/>
+              </a:rPr>
+              <a:t>曲難易度表</a:t>
+            </a:r>
+            <a:endParaRPr kumimoji="1" lang="en-US" altLang="ja-JP" sz="1800" dirty="0">
+              <a:solidFill>
+                <a:schemeClr val="tx1"/>
+              </a:solidFill>
+              <a:latin typeface="BIZ UDPゴシック" panose="020B0400000000000000" pitchFamily="50" charset="-128"/>
+              <a:ea typeface="BIZ UDPゴシック" panose="020B0400000000000000" pitchFamily="50" charset="-128"/>
+            </a:endParaRPr>
+          </a:p>
+        </p:txBody>
+      </p:sp>
+    </p:spTree>
+    <p:extLst>
+      <p:ext uri="{BB962C8B-B14F-4D97-AF65-F5344CB8AC3E}">
+        <p14:creationId xmlns:p14="http://schemas.microsoft.com/office/powerpoint/2010/main" val="285224269"/>
+      </p:ext>
+    </p:extLst>
+  </p:cSld>
+  <p:clrMapOvr>
+    <a:masterClrMapping/>
+  </p:clrMapOvr>
+</p:sld>
+</file>
+
+<file path=ppt/slides/slide9.xml><?xml version="1.0" encoding="utf-8"?>
+<p:sld xmlns:a="http://schemas.openxmlformats.org/drawingml/2006/main" xmlns:r="http://schemas.openxmlformats.org/officeDocument/2006/relationships" xmlns:p="http://schemas.openxmlformats.org/presentationml/2006/main">
+  <p:cSld>
+    <p:spTree>
+      <p:nvGrpSpPr>
+        <p:cNvPr id="1" name="">
+          <a:extLst>
+            <a:ext uri="{FF2B5EF4-FFF2-40B4-BE49-F238E27FC236}">
+              <a16:creationId xmlns:a16="http://schemas.microsoft.com/office/drawing/2014/main" id="{062E1B38-D024-4FA0-9A6D-43BD70C44633}"/>
+            </a:ext>
+          </a:extLst>
+        </p:cNvPr>
+        <p:cNvGrpSpPr/>
+        <p:nvPr/>
+      </p:nvGrpSpPr>
+      <p:grpSpPr>
+        <a:xfrm>
+          <a:off x="0" y="0"/>
+          <a:ext cx="0" cy="0"/>
+          <a:chOff x="0" y="0"/>
+          <a:chExt cx="0" cy="0"/>
+        </a:xfrm>
+      </p:grpSpPr>
+      <p:sp>
+        <p:nvSpPr>
+          <p:cNvPr id="4" name="正方形/長方形 3">
+            <a:extLst>
+              <a:ext uri="{FF2B5EF4-FFF2-40B4-BE49-F238E27FC236}">
+                <a16:creationId xmlns:a16="http://schemas.microsoft.com/office/drawing/2014/main" id="{8870D87B-6B1C-852C-4BB9-DC4F020333E5}"/>
+              </a:ext>
+            </a:extLst>
+          </p:cNvPr>
+          <p:cNvSpPr/>
+          <p:nvPr/>
+        </p:nvSpPr>
+        <p:spPr>
+          <a:xfrm>
+            <a:off x="0" y="-1"/>
+            <a:ext cx="12192000" cy="995881"/>
+          </a:xfrm>
+          <a:prstGeom prst="rect">
+            <a:avLst/>
+          </a:prstGeom>
+          <a:solidFill>
+            <a:schemeClr val="accent1">
+              <a:lumMod val="60000"/>
+              <a:lumOff val="40000"/>
+            </a:schemeClr>
+          </a:solidFill>
+          <a:ln>
+            <a:noFill/>
+          </a:ln>
+        </p:spPr>
+        <p:style>
+          <a:lnRef idx="2">
+            <a:schemeClr val="accent1">
+              <a:shade val="15000"/>
+            </a:schemeClr>
+          </a:lnRef>
+          <a:fillRef idx="1">
+            <a:schemeClr val="accent1"/>
+          </a:fillRef>
+          <a:effectRef idx="0">
+            <a:schemeClr val="accent1"/>
+          </a:effectRef>
+          <a:fontRef idx="minor">
+            <a:schemeClr val="lt1"/>
+          </a:fontRef>
+        </p:style>
+        <p:txBody>
+          <a:bodyPr rtlCol="0" anchor="ctr"/>
+          <a:lstStyle/>
+          <a:p>
+            <a:r>
+              <a:rPr kumimoji="1" lang="ja-JP" altLang="en-US" sz="3600" dirty="0">
+                <a:latin typeface="BIZ UDPゴシック" panose="020B0400000000000000" pitchFamily="50" charset="-128"/>
+                <a:ea typeface="BIZ UDPゴシック" panose="020B0400000000000000" pitchFamily="50" charset="-128"/>
+              </a:rPr>
+              <a:t>実験</a:t>
+            </a:r>
+            <a:r>
+              <a:rPr lang="ja-JP" altLang="en-US" sz="3600" dirty="0">
+                <a:latin typeface="BIZ UDPゴシック" panose="020B0400000000000000" pitchFamily="50" charset="-128"/>
+                <a:ea typeface="BIZ UDPゴシック" panose="020B0400000000000000" pitchFamily="50" charset="-128"/>
+              </a:rPr>
+              <a:t>結果</a:t>
+            </a:r>
+            <a:endParaRPr kumimoji="1" lang="ja-JP" altLang="en-US" sz="3600" dirty="0">
+              <a:latin typeface="BIZ UDPゴシック" panose="020B0400000000000000" pitchFamily="50" charset="-128"/>
+              <a:ea typeface="BIZ UDPゴシック" panose="020B0400000000000000" pitchFamily="50" charset="-128"/>
+            </a:endParaRPr>
+          </a:p>
+        </p:txBody>
+      </p:sp>
+      <p:graphicFrame>
+        <p:nvGraphicFramePr>
+          <p:cNvPr id="2" name="グラフ 1">
+            <a:extLst>
+              <a:ext uri="{FF2B5EF4-FFF2-40B4-BE49-F238E27FC236}">
+                <a16:creationId xmlns:a16="http://schemas.microsoft.com/office/drawing/2014/main" id="{F1CB573B-08AF-F44F-E1AD-7D78E4DCD935}"/>
+              </a:ext>
+            </a:extLst>
+          </p:cNvPr>
+          <p:cNvGraphicFramePr>
+            <a:graphicFrameLocks/>
+          </p:cNvGraphicFramePr>
+          <p:nvPr>
+            <p:extLst>
+              <p:ext uri="{D42A27DB-BD31-4B8C-83A1-F6EECF244321}">
+                <p14:modId xmlns:p14="http://schemas.microsoft.com/office/powerpoint/2010/main" val="3202863319"/>
+              </p:ext>
+            </p:extLst>
+          </p:nvPr>
+        </p:nvGraphicFramePr>
+        <p:xfrm>
+          <a:off x="265913" y="1223157"/>
+          <a:ext cx="6864350" cy="3797300"/>
+        </p:xfrm>
+        <a:graphic>
+          <a:graphicData uri="http://schemas.openxmlformats.org/drawingml/2006/chart">
+            <c:chart xmlns:c="http://schemas.openxmlformats.org/drawingml/2006/chart" xmlns:r="http://schemas.openxmlformats.org/officeDocument/2006/relationships" r:id="rId2"/>
+          </a:graphicData>
+        </a:graphic>
+      </p:graphicFrame>
+      <p:sp>
+        <p:nvSpPr>
+          <p:cNvPr id="10" name="四角形: 角を丸くする 9">
+            <a:extLst>
+              <a:ext uri="{FF2B5EF4-FFF2-40B4-BE49-F238E27FC236}">
+                <a16:creationId xmlns:a16="http://schemas.microsoft.com/office/drawing/2014/main" id="{FE46E5E6-63FF-1FDB-2F92-B47FE0797D4C}"/>
+              </a:ext>
+            </a:extLst>
+          </p:cNvPr>
+          <p:cNvSpPr/>
+          <p:nvPr/>
+        </p:nvSpPr>
+        <p:spPr>
+          <a:xfrm>
+            <a:off x="527050" y="5131582"/>
+            <a:ext cx="2381250" cy="1549400"/>
+          </a:xfrm>
+          <a:prstGeom prst="roundRect">
+            <a:avLst/>
+          </a:prstGeom>
+        </p:spPr>
+        <p:style>
+          <a:lnRef idx="2">
+            <a:schemeClr val="accent2"/>
+          </a:lnRef>
+          <a:fillRef idx="1">
+            <a:schemeClr val="lt1"/>
+          </a:fillRef>
+          <a:effectRef idx="0">
+            <a:schemeClr val="accent2"/>
+          </a:effectRef>
+          <a:fontRef idx="minor">
+            <a:schemeClr val="dk1"/>
+          </a:fontRef>
+        </p:style>
+        <p:txBody>
+          <a:bodyPr rtlCol="0" anchor="ctr"/>
+          <a:lstStyle/>
+          <a:p>
+            <a:pPr marL="285750" indent="-285750">
+              <a:buFontTx/>
+              <a:buChar char="-"/>
+            </a:pPr>
+            <a:r>
+              <a:rPr kumimoji="1" lang="en-US" altLang="ja-JP" dirty="0" err="1">
+                <a:latin typeface="BIZ UDPゴシック" panose="020B0400000000000000" pitchFamily="50" charset="-128"/>
+                <a:ea typeface="BIZ UDPゴシック" panose="020B0400000000000000" pitchFamily="50" charset="-128"/>
+              </a:rPr>
+              <a:t>ssss</a:t>
+            </a:r>
+            <a:r>
+              <a:rPr kumimoji="1" lang="en-US" altLang="ja-JP" dirty="0">
+                <a:latin typeface="BIZ UDPゴシック" panose="020B0400000000000000" pitchFamily="50" charset="-128"/>
+                <a:ea typeface="BIZ UDPゴシック" panose="020B0400000000000000" pitchFamily="50" charset="-128"/>
+              </a:rPr>
+              <a:t>   </a:t>
+            </a:r>
+            <a:r>
+              <a:rPr kumimoji="1" lang="ja-JP" altLang="en-US" dirty="0">
+                <a:latin typeface="BIZ UDPゴシック" panose="020B0400000000000000" pitchFamily="50" charset="-128"/>
+                <a:ea typeface="BIZ UDPゴシック" panose="020B0400000000000000" pitchFamily="50" charset="-128"/>
+              </a:rPr>
+              <a:t>難</a:t>
+            </a:r>
+            <a:endParaRPr kumimoji="1" lang="en-US" altLang="ja-JP" dirty="0">
+              <a:latin typeface="BIZ UDPゴシック" panose="020B0400000000000000" pitchFamily="50" charset="-128"/>
+              <a:ea typeface="BIZ UDPゴシック" panose="020B0400000000000000" pitchFamily="50" charset="-128"/>
+            </a:endParaRPr>
+          </a:p>
+          <a:p>
+            <a:pPr marL="285750" indent="-285750">
+              <a:buFontTx/>
+              <a:buChar char="-"/>
+            </a:pPr>
+            <a:r>
+              <a:rPr lang="en-US" altLang="ja-JP" dirty="0" err="1">
+                <a:latin typeface="BIZ UDPゴシック" panose="020B0400000000000000" pitchFamily="50" charset="-128"/>
+                <a:ea typeface="BIZ UDPゴシック" panose="020B0400000000000000" pitchFamily="50" charset="-128"/>
+              </a:rPr>
+              <a:t>sss</a:t>
+            </a:r>
+            <a:endParaRPr lang="en-US" altLang="ja-JP" dirty="0">
+              <a:latin typeface="BIZ UDPゴシック" panose="020B0400000000000000" pitchFamily="50" charset="-128"/>
+              <a:ea typeface="BIZ UDPゴシック" panose="020B0400000000000000" pitchFamily="50" charset="-128"/>
+            </a:endParaRPr>
+          </a:p>
+          <a:p>
+            <a:r>
+              <a:rPr lang="en-US" altLang="ja-JP" dirty="0">
+                <a:latin typeface="BIZ UDPゴシック" panose="020B0400000000000000" pitchFamily="50" charset="-128"/>
+                <a:ea typeface="BIZ UDPゴシック" panose="020B0400000000000000" pitchFamily="50" charset="-128"/>
+              </a:rPr>
+              <a:t>…</a:t>
+            </a:r>
+          </a:p>
+          <a:p>
+            <a:pPr marL="285750" indent="-285750">
+              <a:buFontTx/>
+              <a:buChar char="-"/>
+            </a:pPr>
+            <a:r>
+              <a:rPr lang="en-US" altLang="ja-JP" dirty="0">
+                <a:latin typeface="BIZ UDPゴシック" panose="020B0400000000000000" pitchFamily="50" charset="-128"/>
+                <a:ea typeface="BIZ UDPゴシック" panose="020B0400000000000000" pitchFamily="50" charset="-128"/>
+              </a:rPr>
+              <a:t>b</a:t>
+            </a:r>
+            <a:endParaRPr kumimoji="1" lang="en-US" altLang="ja-JP" dirty="0">
+              <a:latin typeface="BIZ UDPゴシック" panose="020B0400000000000000" pitchFamily="50" charset="-128"/>
+              <a:ea typeface="BIZ UDPゴシック" panose="020B0400000000000000" pitchFamily="50" charset="-128"/>
+            </a:endParaRPr>
+          </a:p>
+          <a:p>
+            <a:pPr marL="285750" indent="-285750">
+              <a:buFontTx/>
+              <a:buChar char="-"/>
+            </a:pPr>
+            <a:r>
+              <a:rPr lang="en-US" altLang="ja-JP" dirty="0">
+                <a:latin typeface="BIZ UDPゴシック" panose="020B0400000000000000" pitchFamily="50" charset="-128"/>
+                <a:ea typeface="BIZ UDPゴシック" panose="020B0400000000000000" pitchFamily="50" charset="-128"/>
+              </a:rPr>
+              <a:t>c</a:t>
+            </a:r>
+            <a:r>
+              <a:rPr kumimoji="1" lang="ja-JP" altLang="en-US" dirty="0">
+                <a:latin typeface="BIZ UDPゴシック" panose="020B0400000000000000" pitchFamily="50" charset="-128"/>
+                <a:ea typeface="BIZ UDPゴシック" panose="020B0400000000000000" pitchFamily="50" charset="-128"/>
+              </a:rPr>
+              <a:t>        易</a:t>
+            </a:r>
+          </a:p>
+        </p:txBody>
+      </p:sp>
+      <p:sp>
+        <p:nvSpPr>
+          <p:cNvPr id="9" name="矢印: 上下 8">
+            <a:extLst>
+              <a:ext uri="{FF2B5EF4-FFF2-40B4-BE49-F238E27FC236}">
+                <a16:creationId xmlns:a16="http://schemas.microsoft.com/office/drawing/2014/main" id="{1C325B2E-E045-AD1E-F0B7-44B2CE9ADE7D}"/>
+              </a:ext>
+            </a:extLst>
+          </p:cNvPr>
+          <p:cNvSpPr/>
+          <p:nvPr/>
+        </p:nvSpPr>
+        <p:spPr>
+          <a:xfrm>
+            <a:off x="1790700" y="5607832"/>
+            <a:ext cx="114300" cy="596900"/>
+          </a:xfrm>
+          <a:prstGeom prst="upDownArrow">
+            <a:avLst/>
+          </a:prstGeom>
+        </p:spPr>
+        <p:style>
+          <a:lnRef idx="2">
+            <a:schemeClr val="accent1">
+              <a:shade val="15000"/>
+            </a:schemeClr>
+          </a:lnRef>
+          <a:fillRef idx="1">
+            <a:schemeClr val="accent1"/>
+          </a:fillRef>
+          <a:effectRef idx="0">
+            <a:schemeClr val="accent1"/>
+          </a:effectRef>
+          <a:fontRef idx="minor">
+            <a:schemeClr val="lt1"/>
+          </a:fontRef>
+        </p:style>
+        <p:txBody>
+          <a:bodyPr rtlCol="0" anchor="ctr"/>
+          <a:lstStyle/>
+          <a:p>
+            <a:pPr algn="ctr"/>
+            <a:endParaRPr kumimoji="1" lang="ja-JP" altLang="en-US"/>
+          </a:p>
+        </p:txBody>
+      </p:sp>
+      <p:sp>
+        <p:nvSpPr>
+          <p:cNvPr id="11" name="テキスト ボックス 10">
+            <a:extLst>
+              <a:ext uri="{FF2B5EF4-FFF2-40B4-BE49-F238E27FC236}">
+                <a16:creationId xmlns:a16="http://schemas.microsoft.com/office/drawing/2014/main" id="{0C1E31EF-9328-774B-93F9-861A9794C31E}"/>
+              </a:ext>
+            </a:extLst>
+          </p:cNvPr>
+          <p:cNvSpPr txBox="1"/>
+          <p:nvPr/>
+        </p:nvSpPr>
+        <p:spPr>
+          <a:xfrm>
+            <a:off x="7576337" y="1974345"/>
+            <a:ext cx="4000500" cy="2486963"/>
+          </a:xfrm>
+          <a:prstGeom prst="rect">
+            <a:avLst/>
+          </a:prstGeom>
+          <a:noFill/>
+        </p:spPr>
+        <p:txBody>
+          <a:bodyPr wrap="square" rtlCol="0">
+            <a:spAutoFit/>
+          </a:bodyPr>
+          <a:lstStyle/>
+          <a:p>
+            <a:pPr>
+              <a:lnSpc>
+                <a:spcPct val="110000"/>
+              </a:lnSpc>
+            </a:pPr>
+            <a:r>
+              <a:rPr lang="ja-JP" altLang="en-US" dirty="0">
+                <a:latin typeface="BIZ UDPゴシック" panose="020B0400000000000000" pitchFamily="50" charset="-128"/>
+                <a:ea typeface="BIZ UDPゴシック" panose="020B0400000000000000" pitchFamily="50" charset="-128"/>
+              </a:rPr>
+              <a:t>全体的に級のレベルが下がれるほど</a:t>
+            </a:r>
+            <a:endParaRPr lang="en-US" altLang="ja-JP" dirty="0">
+              <a:latin typeface="BIZ UDPゴシック" panose="020B0400000000000000" pitchFamily="50" charset="-128"/>
+              <a:ea typeface="BIZ UDPゴシック" panose="020B0400000000000000" pitchFamily="50" charset="-128"/>
+            </a:endParaRPr>
+          </a:p>
+          <a:p>
+            <a:pPr>
+              <a:lnSpc>
+                <a:spcPct val="110000"/>
+              </a:lnSpc>
+            </a:pPr>
+            <a:r>
+              <a:rPr kumimoji="1" lang="ja-JP" altLang="en-US" dirty="0">
+                <a:latin typeface="BIZ UDPゴシック" panose="020B0400000000000000" pitchFamily="50" charset="-128"/>
+                <a:ea typeface="BIZ UDPゴシック" panose="020B0400000000000000" pitchFamily="50" charset="-128"/>
+              </a:rPr>
+              <a:t>出現率が高くなる傾向があった．</a:t>
+            </a:r>
+            <a:endParaRPr kumimoji="1" lang="en-US" altLang="ja-JP" dirty="0">
+              <a:latin typeface="BIZ UDPゴシック" panose="020B0400000000000000" pitchFamily="50" charset="-128"/>
+              <a:ea typeface="BIZ UDPゴシック" panose="020B0400000000000000" pitchFamily="50" charset="-128"/>
+            </a:endParaRPr>
+          </a:p>
+          <a:p>
+            <a:pPr>
+              <a:lnSpc>
+                <a:spcPct val="110000"/>
+              </a:lnSpc>
+            </a:pPr>
+            <a:endParaRPr lang="en-US" altLang="ja-JP" dirty="0">
+              <a:latin typeface="BIZ UDPゴシック" panose="020B0400000000000000" pitchFamily="50" charset="-128"/>
+              <a:ea typeface="BIZ UDPゴシック" panose="020B0400000000000000" pitchFamily="50" charset="-128"/>
+            </a:endParaRPr>
+          </a:p>
+          <a:p>
+            <a:pPr>
+              <a:lnSpc>
+                <a:spcPct val="110000"/>
+              </a:lnSpc>
+            </a:pPr>
+            <a:r>
+              <a:rPr kumimoji="1" lang="ja-JP" altLang="en-US" dirty="0">
+                <a:latin typeface="BIZ UDPゴシック" panose="020B0400000000000000" pitchFamily="50" charset="-128"/>
+                <a:ea typeface="BIZ UDPゴシック" panose="020B0400000000000000" pitchFamily="50" charset="-128"/>
+              </a:rPr>
+              <a:t>例外的に，</a:t>
+            </a:r>
+            <a:r>
+              <a:rPr kumimoji="1" lang="en-US" altLang="ja-JP" dirty="0">
+                <a:latin typeface="BIZ UDPゴシック" panose="020B0400000000000000" pitchFamily="50" charset="-128"/>
+                <a:ea typeface="BIZ UDPゴシック" panose="020B0400000000000000" pitchFamily="50" charset="-128"/>
+              </a:rPr>
+              <a:t>4</a:t>
+            </a:r>
+            <a:r>
+              <a:rPr kumimoji="1" lang="ja-JP" altLang="en-US" dirty="0">
+                <a:latin typeface="BIZ UDPゴシック" panose="020B0400000000000000" pitchFamily="50" charset="-128"/>
+                <a:ea typeface="BIZ UDPゴシック" panose="020B0400000000000000" pitchFamily="50" charset="-128"/>
+              </a:rPr>
+              <a:t>級の漢字が前後の級に</a:t>
+            </a:r>
+            <a:endParaRPr kumimoji="1" lang="en-US" altLang="ja-JP" dirty="0">
+              <a:latin typeface="BIZ UDPゴシック" panose="020B0400000000000000" pitchFamily="50" charset="-128"/>
+              <a:ea typeface="BIZ UDPゴシック" panose="020B0400000000000000" pitchFamily="50" charset="-128"/>
+            </a:endParaRPr>
+          </a:p>
+          <a:p>
+            <a:pPr>
+              <a:lnSpc>
+                <a:spcPct val="110000"/>
+              </a:lnSpc>
+            </a:pPr>
+            <a:r>
+              <a:rPr kumimoji="1" lang="ja-JP" altLang="en-US" dirty="0">
+                <a:latin typeface="BIZ UDPゴシック" panose="020B0400000000000000" pitchFamily="50" charset="-128"/>
+                <a:ea typeface="BIZ UDPゴシック" panose="020B0400000000000000" pitchFamily="50" charset="-128"/>
+              </a:rPr>
+              <a:t>比べて出現率が高くなった．</a:t>
+            </a:r>
+            <a:endParaRPr kumimoji="1" lang="en-US" altLang="ja-JP" dirty="0">
+              <a:latin typeface="BIZ UDPゴシック" panose="020B0400000000000000" pitchFamily="50" charset="-128"/>
+              <a:ea typeface="BIZ UDPゴシック" panose="020B0400000000000000" pitchFamily="50" charset="-128"/>
+            </a:endParaRPr>
+          </a:p>
+          <a:p>
+            <a:pPr>
+              <a:lnSpc>
+                <a:spcPct val="110000"/>
+              </a:lnSpc>
+            </a:pPr>
+            <a:endParaRPr lang="en-US" altLang="ja-JP" dirty="0">
+              <a:latin typeface="BIZ UDPゴシック" panose="020B0400000000000000" pitchFamily="50" charset="-128"/>
+              <a:ea typeface="BIZ UDPゴシック" panose="020B0400000000000000" pitchFamily="50" charset="-128"/>
+            </a:endParaRPr>
+          </a:p>
+          <a:p>
+            <a:pPr>
+              <a:lnSpc>
+                <a:spcPct val="110000"/>
+              </a:lnSpc>
+            </a:pPr>
+            <a:r>
+              <a:rPr kumimoji="1" lang="ja-JP" altLang="en-US" dirty="0">
+                <a:latin typeface="BIZ UDPゴシック" panose="020B0400000000000000" pitchFamily="50" charset="-128"/>
+                <a:ea typeface="BIZ UDPゴシック" panose="020B0400000000000000" pitchFamily="50" charset="-128"/>
+              </a:rPr>
+              <a:t>どのレベルも，似通ったグラフになることを確認できた．</a:t>
+            </a:r>
+          </a:p>
+        </p:txBody>
+      </p:sp>
+      <p:sp>
+        <p:nvSpPr>
+          <p:cNvPr id="12" name="テキスト ボックス 1">
+            <a:extLst>
+              <a:ext uri="{FF2B5EF4-FFF2-40B4-BE49-F238E27FC236}">
+                <a16:creationId xmlns:a16="http://schemas.microsoft.com/office/drawing/2014/main" id="{1A8DE479-19BB-5E34-3277-E5C53D18A488}"/>
+              </a:ext>
+            </a:extLst>
+          </p:cNvPr>
+          <p:cNvSpPr txBox="1"/>
+          <p:nvPr/>
+        </p:nvSpPr>
+        <p:spPr>
+          <a:xfrm>
+            <a:off x="7576337" y="5742264"/>
+            <a:ext cx="4209263" cy="721736"/>
+          </a:xfrm>
+          <a:prstGeom prst="rect">
+            <a:avLst/>
+          </a:prstGeom>
+          <a:noFill/>
+        </p:spPr>
+        <p:txBody>
+          <a:bodyPr wrap="square" rtlCol="0">
+            <a:spAutoFit/>
+          </a:bodyPr>
+          <a:lstStyle>
+            <a:defPPr>
+              <a:defRPr lang="en-US"/>
+            </a:defPPr>
+            <a:lvl1pPr marL="0" algn="l" defTabSz="457200" rtl="0" eaLnBrk="1" latinLnBrk="0" hangingPunct="1">
+              <a:defRPr sz="1800" kern="1200">
+                <a:solidFill>
+                  <a:schemeClr val="tx1"/>
+                </a:solidFill>
+                <a:latin typeface="+mn-lt"/>
+                <a:ea typeface="+mn-ea"/>
+                <a:cs typeface="+mn-cs"/>
+              </a:defRPr>
+            </a:lvl1pPr>
+            <a:lvl2pPr marL="457200" algn="l" defTabSz="457200" rtl="0" eaLnBrk="1" latinLnBrk="0" hangingPunct="1">
+              <a:defRPr sz="1800" kern="1200">
+                <a:solidFill>
+                  <a:schemeClr val="tx1"/>
+                </a:solidFill>
+                <a:latin typeface="+mn-lt"/>
+                <a:ea typeface="+mn-ea"/>
+                <a:cs typeface="+mn-cs"/>
+              </a:defRPr>
+            </a:lvl2pPr>
+            <a:lvl3pPr marL="914400" algn="l" defTabSz="457200" rtl="0" eaLnBrk="1" latinLnBrk="0" hangingPunct="1">
+              <a:defRPr sz="1800" kern="1200">
+                <a:solidFill>
+                  <a:schemeClr val="tx1"/>
+                </a:solidFill>
+                <a:latin typeface="+mn-lt"/>
+                <a:ea typeface="+mn-ea"/>
+                <a:cs typeface="+mn-cs"/>
+              </a:defRPr>
+            </a:lvl3pPr>
+            <a:lvl4pPr marL="1371600" algn="l" defTabSz="457200" rtl="0" eaLnBrk="1" latinLnBrk="0" hangingPunct="1">
+              <a:defRPr sz="1800" kern="1200">
+                <a:solidFill>
+                  <a:schemeClr val="tx1"/>
+                </a:solidFill>
+                <a:latin typeface="+mn-lt"/>
+                <a:ea typeface="+mn-ea"/>
+                <a:cs typeface="+mn-cs"/>
+              </a:defRPr>
+            </a:lvl4pPr>
+            <a:lvl5pPr marL="1828800" algn="l" defTabSz="457200" rtl="0" eaLnBrk="1" latinLnBrk="0" hangingPunct="1">
+              <a:defRPr sz="1800" kern="1200">
+                <a:solidFill>
+                  <a:schemeClr val="tx1"/>
+                </a:solidFill>
+                <a:latin typeface="+mn-lt"/>
+                <a:ea typeface="+mn-ea"/>
+                <a:cs typeface="+mn-cs"/>
+              </a:defRPr>
+            </a:lvl5pPr>
+            <a:lvl6pPr marL="2286000" algn="l" defTabSz="457200" rtl="0" eaLnBrk="1" latinLnBrk="0" hangingPunct="1">
+              <a:defRPr sz="1800" kern="1200">
+                <a:solidFill>
+                  <a:schemeClr val="tx1"/>
+                </a:solidFill>
+                <a:latin typeface="+mn-lt"/>
+                <a:ea typeface="+mn-ea"/>
+                <a:cs typeface="+mn-cs"/>
+              </a:defRPr>
+            </a:lvl6pPr>
+            <a:lvl7pPr marL="2743200" algn="l" defTabSz="457200" rtl="0" eaLnBrk="1" latinLnBrk="0" hangingPunct="1">
+              <a:defRPr sz="1800" kern="1200">
+                <a:solidFill>
+                  <a:schemeClr val="tx1"/>
+                </a:solidFill>
+                <a:latin typeface="+mn-lt"/>
+                <a:ea typeface="+mn-ea"/>
+                <a:cs typeface="+mn-cs"/>
+              </a:defRPr>
+            </a:lvl7pPr>
+            <a:lvl8pPr marL="3200400" algn="l" defTabSz="457200" rtl="0" eaLnBrk="1" latinLnBrk="0" hangingPunct="1">
+              <a:defRPr sz="1800" kern="1200">
+                <a:solidFill>
+                  <a:schemeClr val="tx1"/>
+                </a:solidFill>
+                <a:latin typeface="+mn-lt"/>
+                <a:ea typeface="+mn-ea"/>
+                <a:cs typeface="+mn-cs"/>
+              </a:defRPr>
+            </a:lvl8pPr>
+            <a:lvl9pPr marL="3657600" algn="l" defTabSz="457200" rtl="0" eaLnBrk="1" latinLnBrk="0" hangingPunct="1">
+              <a:defRPr sz="1800" kern="1200">
+                <a:solidFill>
+                  <a:schemeClr val="tx1"/>
+                </a:solidFill>
+                <a:latin typeface="+mn-lt"/>
+                <a:ea typeface="+mn-ea"/>
+                <a:cs typeface="+mn-cs"/>
+              </a:defRPr>
+            </a:lvl9pPr>
+          </a:lstStyle>
+          <a:p>
+            <a:pPr>
+              <a:lnSpc>
+                <a:spcPct val="110000"/>
+              </a:lnSpc>
+            </a:pPr>
+            <a:r>
+              <a:rPr kumimoji="1" lang="ja-JP" altLang="en-US" sz="2000" dirty="0">
+                <a:latin typeface="BIZ UDPゴシック" panose="020B0400000000000000" pitchFamily="50" charset="-128"/>
+                <a:ea typeface="BIZ UDPゴシック" panose="020B0400000000000000" pitchFamily="50" charset="-128"/>
+              </a:rPr>
+              <a:t>歌詞に使用される漢字より算出する</a:t>
+            </a:r>
+            <a:endParaRPr kumimoji="1" lang="en-US" altLang="ja-JP" sz="2000" dirty="0">
+              <a:latin typeface="BIZ UDPゴシック" panose="020B0400000000000000" pitchFamily="50" charset="-128"/>
+              <a:ea typeface="BIZ UDPゴシック" panose="020B0400000000000000" pitchFamily="50" charset="-128"/>
+            </a:endParaRPr>
+          </a:p>
+          <a:p>
+            <a:pPr>
+              <a:lnSpc>
+                <a:spcPct val="110000"/>
+              </a:lnSpc>
+            </a:pPr>
+            <a:r>
+              <a:rPr kumimoji="1" lang="ja-JP" altLang="en-US" sz="2000" dirty="0">
+                <a:latin typeface="BIZ UDPゴシック" panose="020B0400000000000000" pitchFamily="50" charset="-128"/>
+                <a:ea typeface="BIZ UDPゴシック" panose="020B0400000000000000" pitchFamily="50" charset="-128"/>
+              </a:rPr>
+              <a:t>歌唱難易度</a:t>
+            </a:r>
+            <a:r>
+              <a:rPr lang="ja-JP" altLang="en-US" sz="2000" dirty="0">
+                <a:latin typeface="BIZ UDPゴシック" panose="020B0400000000000000" pitchFamily="50" charset="-128"/>
+                <a:ea typeface="BIZ UDPゴシック" panose="020B0400000000000000" pitchFamily="50" charset="-128"/>
+              </a:rPr>
+              <a:t>は，有効性が低い．</a:t>
+            </a:r>
+            <a:endParaRPr kumimoji="1" lang="en-US" altLang="ja-JP" sz="2000" dirty="0">
+              <a:latin typeface="BIZ UDPゴシック" panose="020B0400000000000000" pitchFamily="50" charset="-128"/>
+              <a:ea typeface="BIZ UDPゴシック" panose="020B0400000000000000" pitchFamily="50" charset="-128"/>
+            </a:endParaRPr>
+          </a:p>
+        </p:txBody>
+      </p:sp>
+      <p:sp>
+        <p:nvSpPr>
+          <p:cNvPr id="13" name="テキスト ボックス 12">
+            <a:extLst>
+              <a:ext uri="{FF2B5EF4-FFF2-40B4-BE49-F238E27FC236}">
+                <a16:creationId xmlns:a16="http://schemas.microsoft.com/office/drawing/2014/main" id="{BFB26BBE-3E86-ABF9-A723-9DFB28595607}"/>
+              </a:ext>
+            </a:extLst>
+          </p:cNvPr>
+          <p:cNvSpPr txBox="1"/>
+          <p:nvPr/>
+        </p:nvSpPr>
+        <p:spPr>
+          <a:xfrm>
+            <a:off x="7299326" y="4978108"/>
+            <a:ext cx="3575050" cy="461665"/>
+          </a:xfrm>
+          <a:prstGeom prst="rect">
+            <a:avLst/>
+          </a:prstGeom>
+          <a:noFill/>
+        </p:spPr>
+        <p:txBody>
+          <a:bodyPr wrap="square" rtlCol="0">
+            <a:spAutoFit/>
+          </a:bodyPr>
+          <a:lstStyle/>
+          <a:p>
+            <a:r>
+              <a:rPr kumimoji="1" lang="ja-JP" altLang="en-US" sz="2400" b="1" dirty="0">
+                <a:latin typeface="BIZ UDPゴシック" panose="020B0400000000000000" pitchFamily="50" charset="-128"/>
+                <a:ea typeface="BIZ UDPゴシック" panose="020B0400000000000000" pitchFamily="50" charset="-128"/>
+              </a:rPr>
+              <a:t>実験データの分析結果</a:t>
+            </a:r>
+            <a:endParaRPr kumimoji="1" lang="en-US" altLang="ja-JP" sz="2400" b="1" dirty="0">
+              <a:latin typeface="BIZ UDPゴシック" panose="020B0400000000000000" pitchFamily="50" charset="-128"/>
+              <a:ea typeface="BIZ UDPゴシック" panose="020B0400000000000000" pitchFamily="50" charset="-128"/>
+            </a:endParaRPr>
+          </a:p>
+        </p:txBody>
+      </p:sp>
+      <p:sp>
+        <p:nvSpPr>
+          <p:cNvPr id="14" name="テキスト ボックス 13">
+            <a:extLst>
+              <a:ext uri="{FF2B5EF4-FFF2-40B4-BE49-F238E27FC236}">
+                <a16:creationId xmlns:a16="http://schemas.microsoft.com/office/drawing/2014/main" id="{12C0C438-3EB8-0EF1-329E-48EAD1BCC081}"/>
+              </a:ext>
+            </a:extLst>
+          </p:cNvPr>
+          <p:cNvSpPr txBox="1"/>
+          <p:nvPr/>
+        </p:nvSpPr>
+        <p:spPr>
+          <a:xfrm>
+            <a:off x="7299326" y="1388609"/>
+            <a:ext cx="981074" cy="461665"/>
+          </a:xfrm>
+          <a:prstGeom prst="rect">
+            <a:avLst/>
+          </a:prstGeom>
+          <a:noFill/>
+        </p:spPr>
+        <p:txBody>
+          <a:bodyPr wrap="square" rtlCol="0">
+            <a:spAutoFit/>
+          </a:bodyPr>
+          <a:lstStyle/>
+          <a:p>
+            <a:r>
+              <a:rPr lang="ja-JP" altLang="en-US" sz="2400" b="1" dirty="0">
+                <a:latin typeface="BIZ UDPゴシック" panose="020B0400000000000000" pitchFamily="50" charset="-128"/>
+                <a:ea typeface="BIZ UDPゴシック" panose="020B0400000000000000" pitchFamily="50" charset="-128"/>
+              </a:rPr>
+              <a:t>考察</a:t>
+            </a:r>
+            <a:endParaRPr kumimoji="1" lang="en-US" altLang="ja-JP" sz="2400" b="1" dirty="0">
+              <a:latin typeface="BIZ UDPゴシック" panose="020B0400000000000000" pitchFamily="50" charset="-128"/>
+              <a:ea typeface="BIZ UDPゴシック" panose="020B0400000000000000" pitchFamily="50" charset="-128"/>
+            </a:endParaRPr>
+          </a:p>
+        </p:txBody>
+      </p:sp>
+    </p:spTree>
+    <p:extLst>
+      <p:ext uri="{BB962C8B-B14F-4D97-AF65-F5344CB8AC3E}">
+        <p14:creationId xmlns:p14="http://schemas.microsoft.com/office/powerpoint/2010/main" val="395813214"/>
       </p:ext>
     </p:extLst>
   </p:cSld>

--- a/年末発表.pptx
+++ b/年末発表.pptx
@@ -5,7 +5,7 @@
     <p:sldMasterId id="2147483648" r:id="rId1"/>
   </p:sldMasterIdLst>
   <p:notesMasterIdLst>
-    <p:notesMasterId r:id="rId13"/>
+    <p:notesMasterId r:id="rId14"/>
   </p:notesMasterIdLst>
   <p:sldIdLst>
     <p:sldId id="256" r:id="rId2"/>
@@ -19,6 +19,7 @@
     <p:sldId id="265" r:id="rId10"/>
     <p:sldId id="266" r:id="rId11"/>
     <p:sldId id="267" r:id="rId12"/>
+    <p:sldId id="268" r:id="rId13"/>
   </p:sldIdLst>
   <p:sldSz cx="12192000" cy="6858000"/>
   <p:notesSz cx="6858000" cy="9144000"/>
@@ -128,13 +129,68 @@
 <file path=ppt/revisionInfo.xml><?xml version="1.0" encoding="utf-8"?>
 <p1510:revInfo xmlns:a="http://schemas.openxmlformats.org/drawingml/2006/main" xmlns:r="http://schemas.openxmlformats.org/officeDocument/2006/relationships" xmlns:p1510="http://schemas.microsoft.com/office/powerpoint/2015/10/main">
   <p1510:revLst>
-    <p1510:client id="{CF3E7ECF-B960-40AF-B4C7-DEE912BB0699}" v="49" dt="2024-12-16T10:37:53.945"/>
+    <p1510:client id="{1418AA70-33E9-4B69-939A-C06B7A338941}" v="2" dt="2024-12-18T05:05:31.801"/>
   </p1510:revLst>
 </p1510:revInfo>
 </file>
 
 <file path=ppt/changesInfos/changesInfo1.xml><?xml version="1.0" encoding="utf-8"?>
 <pc:chgInfo xmlns:a="http://schemas.openxmlformats.org/drawingml/2006/main" xmlns:r="http://schemas.openxmlformats.org/officeDocument/2006/relationships" xmlns:ac="http://schemas.microsoft.com/office/drawing/2013/main/command" xmlns:pc="http://schemas.microsoft.com/office/powerpoint/2013/main/command">
+  <pc:docChgLst>
+    <pc:chgData name="谷　知紘(s21t317)" userId="a3db8153-261a-4ffb-baa1-abaad328fd73" providerId="ADAL" clId="{1418AA70-33E9-4B69-939A-C06B7A338941}"/>
+    <pc:docChg chg="undo redo custSel addSld modSld">
+      <pc:chgData name="谷　知紘(s21t317)" userId="a3db8153-261a-4ffb-baa1-abaad328fd73" providerId="ADAL" clId="{1418AA70-33E9-4B69-939A-C06B7A338941}" dt="2024-12-18T05:12:40.233" v="422" actId="2890"/>
+      <pc:docMkLst>
+        <pc:docMk/>
+      </pc:docMkLst>
+      <pc:sldChg chg="addSp modSp mod">
+        <pc:chgData name="谷　知紘(s21t317)" userId="a3db8153-261a-4ffb-baa1-abaad328fd73" providerId="ADAL" clId="{1418AA70-33E9-4B69-939A-C06B7A338941}" dt="2024-12-18T05:07:25.051" v="421" actId="20577"/>
+        <pc:sldMkLst>
+          <pc:docMk/>
+          <pc:sldMk cId="503107946" sldId="266"/>
+        </pc:sldMkLst>
+        <pc:spChg chg="mod">
+          <ac:chgData name="谷　知紘(s21t317)" userId="a3db8153-261a-4ffb-baa1-abaad328fd73" providerId="ADAL" clId="{1418AA70-33E9-4B69-939A-C06B7A338941}" dt="2024-12-18T05:05:14.809" v="320" actId="20577"/>
+          <ac:spMkLst>
+            <pc:docMk/>
+            <pc:sldMk cId="503107946" sldId="266"/>
+            <ac:spMk id="5" creationId="{630669D1-3782-36D1-752C-FEA0FC75923F}"/>
+          </ac:spMkLst>
+        </pc:spChg>
+        <pc:spChg chg="add mod">
+          <ac:chgData name="谷　知紘(s21t317)" userId="a3db8153-261a-4ffb-baa1-abaad328fd73" providerId="ADAL" clId="{1418AA70-33E9-4B69-939A-C06B7A338941}" dt="2024-12-18T05:00:28.073" v="0"/>
+          <ac:spMkLst>
+            <pc:docMk/>
+            <pc:sldMk cId="503107946" sldId="266"/>
+            <ac:spMk id="6" creationId="{7B21EF18-243F-07C5-DD7F-79741ED2D7E0}"/>
+          </ac:spMkLst>
+        </pc:spChg>
+        <pc:spChg chg="add mod">
+          <ac:chgData name="谷　知紘(s21t317)" userId="a3db8153-261a-4ffb-baa1-abaad328fd73" providerId="ADAL" clId="{1418AA70-33E9-4B69-939A-C06B7A338941}" dt="2024-12-18T05:04:20.819" v="270" actId="20577"/>
+          <ac:spMkLst>
+            <pc:docMk/>
+            <pc:sldMk cId="503107946" sldId="266"/>
+            <ac:spMk id="7" creationId="{789173B7-2453-0DC1-BADE-E16F158D78A1}"/>
+          </ac:spMkLst>
+        </pc:spChg>
+        <pc:spChg chg="add mod">
+          <ac:chgData name="谷　知紘(s21t317)" userId="a3db8153-261a-4ffb-baa1-abaad328fd73" providerId="ADAL" clId="{1418AA70-33E9-4B69-939A-C06B7A338941}" dt="2024-12-18T05:07:25.051" v="421" actId="20577"/>
+          <ac:spMkLst>
+            <pc:docMk/>
+            <pc:sldMk cId="503107946" sldId="266"/>
+            <ac:spMk id="8" creationId="{9360DBE4-3A76-9602-13C3-9DFE91E8A04C}"/>
+          </ac:spMkLst>
+        </pc:spChg>
+      </pc:sldChg>
+      <pc:sldChg chg="add">
+        <pc:chgData name="谷　知紘(s21t317)" userId="a3db8153-261a-4ffb-baa1-abaad328fd73" providerId="ADAL" clId="{1418AA70-33E9-4B69-939A-C06B7A338941}" dt="2024-12-18T05:12:40.233" v="422" actId="2890"/>
+        <pc:sldMkLst>
+          <pc:docMk/>
+          <pc:sldMk cId="453686876" sldId="268"/>
+        </pc:sldMkLst>
+      </pc:sldChg>
+    </pc:docChg>
+  </pc:docChgLst>
   <pc:docChgLst>
     <pc:chgData name="谷　知紘(s21t317)" userId="a3db8153-261a-4ffb-baa1-abaad328fd73" providerId="ADAL" clId="{CF3E7ECF-B960-40AF-B4C7-DEE912BB0699}"/>
     <pc:docChg chg="undo redo custSel addSld delSld modSld sldOrd">
@@ -171,14 +227,6 @@
           <pc:docMk/>
           <pc:sldMk cId="1288566691" sldId="256"/>
         </pc:sldMkLst>
-        <pc:spChg chg="mod">
-          <ac:chgData name="谷　知紘(s21t317)" userId="a3db8153-261a-4ffb-baa1-abaad328fd73" providerId="ADAL" clId="{CF3E7ECF-B960-40AF-B4C7-DEE912BB0699}" dt="2024-12-13T06:30:40.481" v="77" actId="20577"/>
-          <ac:spMkLst>
-            <pc:docMk/>
-            <pc:sldMk cId="1288566691" sldId="256"/>
-            <ac:spMk id="2" creationId="{1B245CC1-C104-74BE-759A-C1FD65C57D94}"/>
-          </ac:spMkLst>
-        </pc:spChg>
       </pc:sldChg>
       <pc:sldChg chg="addSp delSp modSp new mod">
         <pc:chgData name="谷　知紘(s21t317)" userId="a3db8153-261a-4ffb-baa1-abaad328fd73" providerId="ADAL" clId="{CF3E7ECF-B960-40AF-B4C7-DEE912BB0699}" dt="2024-12-13T06:55:56.841" v="263" actId="2711"/>
@@ -186,22 +234,6 @@
           <pc:docMk/>
           <pc:sldMk cId="1542432316" sldId="257"/>
         </pc:sldMkLst>
-        <pc:spChg chg="del">
-          <ac:chgData name="谷　知紘(s21t317)" userId="a3db8153-261a-4ffb-baa1-abaad328fd73" providerId="ADAL" clId="{CF3E7ECF-B960-40AF-B4C7-DEE912BB0699}" dt="2024-12-13T06:39:30.215" v="196" actId="478"/>
-          <ac:spMkLst>
-            <pc:docMk/>
-            <pc:sldMk cId="1542432316" sldId="257"/>
-            <ac:spMk id="2" creationId="{2AB4E1E7-F988-D954-9089-07FD6B6938AB}"/>
-          </ac:spMkLst>
-        </pc:spChg>
-        <pc:spChg chg="del">
-          <ac:chgData name="谷　知紘(s21t317)" userId="a3db8153-261a-4ffb-baa1-abaad328fd73" providerId="ADAL" clId="{CF3E7ECF-B960-40AF-B4C7-DEE912BB0699}" dt="2024-12-13T06:39:30.215" v="196" actId="478"/>
-          <ac:spMkLst>
-            <pc:docMk/>
-            <pc:sldMk cId="1542432316" sldId="257"/>
-            <ac:spMk id="3" creationId="{CE9DE885-9256-1B7C-83E9-6A5FBECD892D}"/>
-          </ac:spMkLst>
-        </pc:spChg>
         <pc:spChg chg="add mod">
           <ac:chgData name="谷　知紘(s21t317)" userId="a3db8153-261a-4ffb-baa1-abaad328fd73" providerId="ADAL" clId="{CF3E7ECF-B960-40AF-B4C7-DEE912BB0699}" dt="2024-12-13T06:39:42.908" v="197" actId="207"/>
           <ac:spMkLst>
@@ -273,54 +305,6 @@
             <ac:spMk id="3" creationId="{D5246B0C-A978-610E-3BB1-3F7FDB43B150}"/>
           </ac:spMkLst>
         </pc:spChg>
-        <pc:spChg chg="del">
-          <ac:chgData name="谷　知紘(s21t317)" userId="a3db8153-261a-4ffb-baa1-abaad328fd73" providerId="ADAL" clId="{CF3E7ECF-B960-40AF-B4C7-DEE912BB0699}" dt="2024-12-13T06:46:13.906" v="212" actId="478"/>
-          <ac:spMkLst>
-            <pc:docMk/>
-            <pc:sldMk cId="2104044874" sldId="258"/>
-            <ac:spMk id="5" creationId="{EC49995F-9830-7048-3F40-F1BDDA175F35}"/>
-          </ac:spMkLst>
-        </pc:spChg>
-        <pc:spChg chg="del">
-          <ac:chgData name="谷　知紘(s21t317)" userId="a3db8153-261a-4ffb-baa1-abaad328fd73" providerId="ADAL" clId="{CF3E7ECF-B960-40AF-B4C7-DEE912BB0699}" dt="2024-12-13T06:46:13.906" v="212" actId="478"/>
-          <ac:spMkLst>
-            <pc:docMk/>
-            <pc:sldMk cId="2104044874" sldId="258"/>
-            <ac:spMk id="6" creationId="{F056C7CB-EA2F-DFD5-E8A9-DEB6DB809A35}"/>
-          </ac:spMkLst>
-        </pc:spChg>
-        <pc:spChg chg="del">
-          <ac:chgData name="谷　知紘(s21t317)" userId="a3db8153-261a-4ffb-baa1-abaad328fd73" providerId="ADAL" clId="{CF3E7ECF-B960-40AF-B4C7-DEE912BB0699}" dt="2024-12-13T06:46:13.906" v="212" actId="478"/>
-          <ac:spMkLst>
-            <pc:docMk/>
-            <pc:sldMk cId="2104044874" sldId="258"/>
-            <ac:spMk id="7" creationId="{6F5BB975-6A58-EF93-4E7C-402887B49552}"/>
-          </ac:spMkLst>
-        </pc:spChg>
-        <pc:spChg chg="del">
-          <ac:chgData name="谷　知紘(s21t317)" userId="a3db8153-261a-4ffb-baa1-abaad328fd73" providerId="ADAL" clId="{CF3E7ECF-B960-40AF-B4C7-DEE912BB0699}" dt="2024-12-13T06:46:13.906" v="212" actId="478"/>
-          <ac:spMkLst>
-            <pc:docMk/>
-            <pc:sldMk cId="2104044874" sldId="258"/>
-            <ac:spMk id="8" creationId="{4F189DB2-5450-4A8D-2494-2E0B6FEFFA2A}"/>
-          </ac:spMkLst>
-        </pc:spChg>
-        <pc:spChg chg="del">
-          <ac:chgData name="谷　知紘(s21t317)" userId="a3db8153-261a-4ffb-baa1-abaad328fd73" providerId="ADAL" clId="{CF3E7ECF-B960-40AF-B4C7-DEE912BB0699}" dt="2024-12-13T06:46:13.906" v="212" actId="478"/>
-          <ac:spMkLst>
-            <pc:docMk/>
-            <pc:sldMk cId="2104044874" sldId="258"/>
-            <ac:spMk id="9" creationId="{61E11A15-6337-7ABD-4E6B-9024E7019C17}"/>
-          </ac:spMkLst>
-        </pc:spChg>
-        <pc:spChg chg="add del mod">
-          <ac:chgData name="谷　知紘(s21t317)" userId="a3db8153-261a-4ffb-baa1-abaad328fd73" providerId="ADAL" clId="{CF3E7ECF-B960-40AF-B4C7-DEE912BB0699}" dt="2024-12-13T06:48:22.557" v="221" actId="478"/>
-          <ac:spMkLst>
-            <pc:docMk/>
-            <pc:sldMk cId="2104044874" sldId="258"/>
-            <ac:spMk id="10" creationId="{AE304770-9425-7684-4167-673594F77703}"/>
-          </ac:spMkLst>
-        </pc:spChg>
         <pc:spChg chg="add mod">
           <ac:chgData name="谷　知紘(s21t317)" userId="a3db8153-261a-4ffb-baa1-abaad328fd73" providerId="ADAL" clId="{CF3E7ECF-B960-40AF-B4C7-DEE912BB0699}" dt="2024-12-13T06:48:57.491" v="226" actId="1076"/>
           <ac:spMkLst>
@@ -344,22 +328,6 @@
           <pc:docMk/>
           <pc:sldMk cId="3849086588" sldId="259"/>
         </pc:sldMkLst>
-        <pc:spChg chg="del">
-          <ac:chgData name="谷　知紘(s21t317)" userId="a3db8153-261a-4ffb-baa1-abaad328fd73" providerId="ADAL" clId="{CF3E7ECF-B960-40AF-B4C7-DEE912BB0699}" dt="2024-12-13T06:53:06.712" v="254" actId="478"/>
-          <ac:spMkLst>
-            <pc:docMk/>
-            <pc:sldMk cId="3849086588" sldId="259"/>
-            <ac:spMk id="2" creationId="{9FCCE81F-D766-F131-297C-FB656BDFBE61}"/>
-          </ac:spMkLst>
-        </pc:spChg>
-        <pc:spChg chg="del">
-          <ac:chgData name="谷　知紘(s21t317)" userId="a3db8153-261a-4ffb-baa1-abaad328fd73" providerId="ADAL" clId="{CF3E7ECF-B960-40AF-B4C7-DEE912BB0699}" dt="2024-12-13T06:53:06.712" v="254" actId="478"/>
-          <ac:spMkLst>
-            <pc:docMk/>
-            <pc:sldMk cId="3849086588" sldId="259"/>
-            <ac:spMk id="3" creationId="{DA75695A-B7F4-FCA6-1169-692335A2A668}"/>
-          </ac:spMkLst>
-        </pc:spChg>
         <pc:spChg chg="mod">
           <ac:chgData name="谷　知紘(s21t317)" userId="a3db8153-261a-4ffb-baa1-abaad328fd73" providerId="ADAL" clId="{CF3E7ECF-B960-40AF-B4C7-DEE912BB0699}" dt="2024-12-13T06:52:45.401" v="253" actId="20577"/>
           <ac:spMkLst>
@@ -392,44 +360,12 @@
             <ac:spMk id="7" creationId="{30CC52B7-E67F-4D38-2ADF-15022420AF65}"/>
           </ac:spMkLst>
         </pc:spChg>
-        <pc:spChg chg="add del mod">
-          <ac:chgData name="谷　知紘(s21t317)" userId="a3db8153-261a-4ffb-baa1-abaad328fd73" providerId="ADAL" clId="{CF3E7ECF-B960-40AF-B4C7-DEE912BB0699}" dt="2024-12-13T07:09:21.492" v="540" actId="478"/>
-          <ac:spMkLst>
-            <pc:docMk/>
-            <pc:sldMk cId="3849086588" sldId="259"/>
-            <ac:spMk id="8" creationId="{CDAC8CB9-261F-4047-F391-B3DDE3974AA1}"/>
-          </ac:spMkLst>
-        </pc:spChg>
-        <pc:spChg chg="add del mod">
-          <ac:chgData name="谷　知紘(s21t317)" userId="a3db8153-261a-4ffb-baa1-abaad328fd73" providerId="ADAL" clId="{CF3E7ECF-B960-40AF-B4C7-DEE912BB0699}" dt="2024-12-13T07:10:35.534" v="550" actId="478"/>
-          <ac:spMkLst>
-            <pc:docMk/>
-            <pc:sldMk cId="3849086588" sldId="259"/>
-            <ac:spMk id="9" creationId="{D4C85CE4-3916-7F18-356F-BD2290EA06F7}"/>
-          </ac:spMkLst>
-        </pc:spChg>
         <pc:spChg chg="add mod">
           <ac:chgData name="谷　知紘(s21t317)" userId="a3db8153-261a-4ffb-baa1-abaad328fd73" providerId="ADAL" clId="{CF3E7ECF-B960-40AF-B4C7-DEE912BB0699}" dt="2024-12-13T07:18:08.906" v="834" actId="20577"/>
           <ac:spMkLst>
             <pc:docMk/>
             <pc:sldMk cId="3849086588" sldId="259"/>
             <ac:spMk id="10" creationId="{3EC8EDBF-00DA-76EA-4E81-B20E1F0D63AF}"/>
-          </ac:spMkLst>
-        </pc:spChg>
-        <pc:spChg chg="del">
-          <ac:chgData name="谷　知紘(s21t317)" userId="a3db8153-261a-4ffb-baa1-abaad328fd73" providerId="ADAL" clId="{CF3E7ECF-B960-40AF-B4C7-DEE912BB0699}" dt="2024-12-13T06:53:06.712" v="254" actId="478"/>
-          <ac:spMkLst>
-            <pc:docMk/>
-            <pc:sldMk cId="3849086588" sldId="259"/>
-            <ac:spMk id="11" creationId="{460ED58E-58C7-289F-B626-2E4BF7F595FD}"/>
-          </ac:spMkLst>
-        </pc:spChg>
-        <pc:spChg chg="del">
-          <ac:chgData name="谷　知紘(s21t317)" userId="a3db8153-261a-4ffb-baa1-abaad328fd73" providerId="ADAL" clId="{CF3E7ECF-B960-40AF-B4C7-DEE912BB0699}" dt="2024-12-13T06:53:06.712" v="254" actId="478"/>
-          <ac:spMkLst>
-            <pc:docMk/>
-            <pc:sldMk cId="3849086588" sldId="259"/>
-            <ac:spMk id="12" creationId="{BB4A185B-7CBF-3926-0E50-F7E51A377D6A}"/>
           </ac:spMkLst>
         </pc:spChg>
       </pc:sldChg>
@@ -463,28 +399,12 @@
             <ac:spMk id="4" creationId="{D3334862-574C-AB42-4F1C-FA410AE9ECC8}"/>
           </ac:spMkLst>
         </pc:spChg>
-        <pc:spChg chg="del">
-          <ac:chgData name="谷　知紘(s21t317)" userId="a3db8153-261a-4ffb-baa1-abaad328fd73" providerId="ADAL" clId="{CF3E7ECF-B960-40AF-B4C7-DEE912BB0699}" dt="2024-12-13T07:19:20.206" v="840" actId="478"/>
-          <ac:spMkLst>
-            <pc:docMk/>
-            <pc:sldMk cId="117810025" sldId="260"/>
-            <ac:spMk id="5" creationId="{0B7A6DE8-0FAA-A9ED-0505-F9D33AA9CD77}"/>
-          </ac:spMkLst>
-        </pc:spChg>
         <pc:spChg chg="add mod">
           <ac:chgData name="谷　知紘(s21t317)" userId="a3db8153-261a-4ffb-baa1-abaad328fd73" providerId="ADAL" clId="{CF3E7ECF-B960-40AF-B4C7-DEE912BB0699}" dt="2024-12-13T07:48:14.644" v="857" actId="1076"/>
           <ac:spMkLst>
             <pc:docMk/>
             <pc:sldMk cId="117810025" sldId="260"/>
             <ac:spMk id="5" creationId="{A840EDA7-1040-9513-6B5C-A42180115C4B}"/>
-          </ac:spMkLst>
-        </pc:spChg>
-        <pc:spChg chg="del">
-          <ac:chgData name="谷　知紘(s21t317)" userId="a3db8153-261a-4ffb-baa1-abaad328fd73" providerId="ADAL" clId="{CF3E7ECF-B960-40AF-B4C7-DEE912BB0699}" dt="2024-12-13T07:19:20.206" v="840" actId="478"/>
-          <ac:spMkLst>
-            <pc:docMk/>
-            <pc:sldMk cId="117810025" sldId="260"/>
-            <ac:spMk id="6" creationId="{4C1B8B03-6A81-8304-7D35-2213647B44EC}"/>
           </ac:spMkLst>
         </pc:spChg>
         <pc:spChg chg="add mod">
@@ -495,22 +415,6 @@
             <ac:spMk id="6" creationId="{965F20B3-E870-F660-8F4E-5FA2D239A0E1}"/>
           </ac:spMkLst>
         </pc:spChg>
-        <pc:spChg chg="del">
-          <ac:chgData name="谷　知紘(s21t317)" userId="a3db8153-261a-4ffb-baa1-abaad328fd73" providerId="ADAL" clId="{CF3E7ECF-B960-40AF-B4C7-DEE912BB0699}" dt="2024-12-13T07:19:20.206" v="840" actId="478"/>
-          <ac:spMkLst>
-            <pc:docMk/>
-            <pc:sldMk cId="117810025" sldId="260"/>
-            <ac:spMk id="7" creationId="{1CDEF0DE-6A14-3EE2-B23F-7A304356AFEF}"/>
-          </ac:spMkLst>
-        </pc:spChg>
-        <pc:spChg chg="add del mod">
-          <ac:chgData name="谷　知紘(s21t317)" userId="a3db8153-261a-4ffb-baa1-abaad328fd73" providerId="ADAL" clId="{CF3E7ECF-B960-40AF-B4C7-DEE912BB0699}" dt="2024-12-13T07:44:00.297" v="846" actId="478"/>
-          <ac:spMkLst>
-            <pc:docMk/>
-            <pc:sldMk cId="117810025" sldId="260"/>
-            <ac:spMk id="7" creationId="{EFB832F0-EC5E-0AF4-6A98-C25B12C924B6}"/>
-          </ac:spMkLst>
-        </pc:spChg>
         <pc:spChg chg="add mod">
           <ac:chgData name="谷　知紘(s21t317)" userId="a3db8153-261a-4ffb-baa1-abaad328fd73" providerId="ADAL" clId="{CF3E7ECF-B960-40AF-B4C7-DEE912BB0699}" dt="2024-12-13T07:51:25.124" v="904" actId="1076"/>
           <ac:spMkLst>
@@ -519,28 +423,12 @@
             <ac:spMk id="8" creationId="{B8B785CA-88B2-2747-44DD-4A4CAE753571}"/>
           </ac:spMkLst>
         </pc:spChg>
-        <pc:spChg chg="add del mod">
-          <ac:chgData name="谷　知紘(s21t317)" userId="a3db8153-261a-4ffb-baa1-abaad328fd73" providerId="ADAL" clId="{CF3E7ECF-B960-40AF-B4C7-DEE912BB0699}" dt="2024-12-13T07:44:00.297" v="846" actId="478"/>
-          <ac:spMkLst>
-            <pc:docMk/>
-            <pc:sldMk cId="117810025" sldId="260"/>
-            <ac:spMk id="9" creationId="{63B8EF76-A113-7969-C37E-CB16F9F63B6D}"/>
-          </ac:spMkLst>
-        </pc:spChg>
         <pc:spChg chg="add mod">
           <ac:chgData name="谷　知紘(s21t317)" userId="a3db8153-261a-4ffb-baa1-abaad328fd73" providerId="ADAL" clId="{CF3E7ECF-B960-40AF-B4C7-DEE912BB0699}" dt="2024-12-13T07:48:20.609" v="859" actId="1076"/>
           <ac:spMkLst>
             <pc:docMk/>
             <pc:sldMk cId="117810025" sldId="260"/>
             <ac:spMk id="10" creationId="{66FBDD28-E41C-FC35-608A-4505E6A94018}"/>
-          </ac:spMkLst>
-        </pc:spChg>
-        <pc:spChg chg="del">
-          <ac:chgData name="谷　知紘(s21t317)" userId="a3db8153-261a-4ffb-baa1-abaad328fd73" providerId="ADAL" clId="{CF3E7ECF-B960-40AF-B4C7-DEE912BB0699}" dt="2024-12-13T07:19:20.206" v="840" actId="478"/>
-          <ac:spMkLst>
-            <pc:docMk/>
-            <pc:sldMk cId="117810025" sldId="260"/>
-            <ac:spMk id="10" creationId="{D4A15D12-AC57-5941-7D16-B2961E461161}"/>
           </ac:spMkLst>
         </pc:spChg>
         <pc:spChg chg="add mod">
@@ -575,14 +463,6 @@
             <ac:spMk id="14" creationId="{A3DE6DD8-0091-873D-463A-974780521FC6}"/>
           </ac:spMkLst>
         </pc:spChg>
-        <pc:spChg chg="add del">
-          <ac:chgData name="谷　知紘(s21t317)" userId="a3db8153-261a-4ffb-baa1-abaad328fd73" providerId="ADAL" clId="{CF3E7ECF-B960-40AF-B4C7-DEE912BB0699}" dt="2024-12-13T07:49:45.593" v="871" actId="22"/>
-          <ac:spMkLst>
-            <pc:docMk/>
-            <pc:sldMk cId="117810025" sldId="260"/>
-            <ac:spMk id="16" creationId="{ECD6D9F5-8D3B-AF42-2898-12AB0CFBD264}"/>
-          </ac:spMkLst>
-        </pc:spChg>
       </pc:sldChg>
       <pc:sldChg chg="addSp delSp modSp add mod">
         <pc:chgData name="谷　知紘(s21t317)" userId="a3db8153-261a-4ffb-baa1-abaad328fd73" providerId="ADAL" clId="{CF3E7ECF-B960-40AF-B4C7-DEE912BB0699}" dt="2024-12-16T08:48:16.801" v="1914" actId="1076"/>
@@ -590,44 +470,12 @@
           <pc:docMk/>
           <pc:sldMk cId="1122583501" sldId="261"/>
         </pc:sldMkLst>
-        <pc:spChg chg="del">
-          <ac:chgData name="谷　知紘(s21t317)" userId="a3db8153-261a-4ffb-baa1-abaad328fd73" providerId="ADAL" clId="{CF3E7ECF-B960-40AF-B4C7-DEE912BB0699}" dt="2024-12-14T05:41:35.043" v="906" actId="478"/>
-          <ac:spMkLst>
-            <pc:docMk/>
-            <pc:sldMk cId="1122583501" sldId="261"/>
-            <ac:spMk id="2" creationId="{2B25A6AC-075D-5BC8-E24D-0B67415A3159}"/>
-          </ac:spMkLst>
-        </pc:spChg>
-        <pc:spChg chg="del">
-          <ac:chgData name="谷　知紘(s21t317)" userId="a3db8153-261a-4ffb-baa1-abaad328fd73" providerId="ADAL" clId="{CF3E7ECF-B960-40AF-B4C7-DEE912BB0699}" dt="2024-12-14T05:41:35.043" v="906" actId="478"/>
-          <ac:spMkLst>
-            <pc:docMk/>
-            <pc:sldMk cId="1122583501" sldId="261"/>
-            <ac:spMk id="3" creationId="{4A950A21-0E63-9F1C-516C-523BA8F932C0}"/>
-          </ac:spMkLst>
-        </pc:spChg>
         <pc:spChg chg="mod">
           <ac:chgData name="谷　知紘(s21t317)" userId="a3db8153-261a-4ffb-baa1-abaad328fd73" providerId="ADAL" clId="{CF3E7ECF-B960-40AF-B4C7-DEE912BB0699}" dt="2024-12-14T05:42:59.579" v="944" actId="20577"/>
           <ac:spMkLst>
             <pc:docMk/>
             <pc:sldMk cId="1122583501" sldId="261"/>
             <ac:spMk id="4" creationId="{DDFBCFE8-8909-71D8-6B34-D8A06A8271EA}"/>
-          </ac:spMkLst>
-        </pc:spChg>
-        <pc:spChg chg="del">
-          <ac:chgData name="谷　知紘(s21t317)" userId="a3db8153-261a-4ffb-baa1-abaad328fd73" providerId="ADAL" clId="{CF3E7ECF-B960-40AF-B4C7-DEE912BB0699}" dt="2024-12-14T05:41:35.043" v="906" actId="478"/>
-          <ac:spMkLst>
-            <pc:docMk/>
-            <pc:sldMk cId="1122583501" sldId="261"/>
-            <ac:spMk id="5" creationId="{1D0F5831-B550-1A83-A0C7-D6A3C2474D18}"/>
-          </ac:spMkLst>
-        </pc:spChg>
-        <pc:spChg chg="del">
-          <ac:chgData name="谷　知紘(s21t317)" userId="a3db8153-261a-4ffb-baa1-abaad328fd73" providerId="ADAL" clId="{CF3E7ECF-B960-40AF-B4C7-DEE912BB0699}" dt="2024-12-14T05:41:35.043" v="906" actId="478"/>
-          <ac:spMkLst>
-            <pc:docMk/>
-            <pc:sldMk cId="1122583501" sldId="261"/>
-            <ac:spMk id="6" creationId="{756E0A07-2233-35CF-802A-E676B1746956}"/>
           </ac:spMkLst>
         </pc:spChg>
         <pc:spChg chg="add mod">
@@ -638,60 +486,12 @@
             <ac:spMk id="7" creationId="{23BD6EAD-66D6-61D3-B481-0556279AE64D}"/>
           </ac:spMkLst>
         </pc:spChg>
-        <pc:spChg chg="del">
-          <ac:chgData name="谷　知紘(s21t317)" userId="a3db8153-261a-4ffb-baa1-abaad328fd73" providerId="ADAL" clId="{CF3E7ECF-B960-40AF-B4C7-DEE912BB0699}" dt="2024-12-14T05:41:35.043" v="906" actId="478"/>
-          <ac:spMkLst>
-            <pc:docMk/>
-            <pc:sldMk cId="1122583501" sldId="261"/>
-            <ac:spMk id="8" creationId="{E16145B0-0C7D-7714-ACE2-650C57B5A4E5}"/>
-          </ac:spMkLst>
-        </pc:spChg>
         <pc:spChg chg="add mod">
           <ac:chgData name="谷　知紘(s21t317)" userId="a3db8153-261a-4ffb-baa1-abaad328fd73" providerId="ADAL" clId="{CF3E7ECF-B960-40AF-B4C7-DEE912BB0699}" dt="2024-12-14T05:46:04.507" v="966" actId="1076"/>
           <ac:spMkLst>
             <pc:docMk/>
             <pc:sldMk cId="1122583501" sldId="261"/>
             <ac:spMk id="9" creationId="{A7A04C6A-12A4-6402-1F89-7ACF7C961C12}"/>
-          </ac:spMkLst>
-        </pc:spChg>
-        <pc:spChg chg="del">
-          <ac:chgData name="谷　知紘(s21t317)" userId="a3db8153-261a-4ffb-baa1-abaad328fd73" providerId="ADAL" clId="{CF3E7ECF-B960-40AF-B4C7-DEE912BB0699}" dt="2024-12-14T05:41:35.043" v="906" actId="478"/>
-          <ac:spMkLst>
-            <pc:docMk/>
-            <pc:sldMk cId="1122583501" sldId="261"/>
-            <ac:spMk id="10" creationId="{83329940-12D9-700B-1064-C381380517EC}"/>
-          </ac:spMkLst>
-        </pc:spChg>
-        <pc:spChg chg="del">
-          <ac:chgData name="谷　知紘(s21t317)" userId="a3db8153-261a-4ffb-baa1-abaad328fd73" providerId="ADAL" clId="{CF3E7ECF-B960-40AF-B4C7-DEE912BB0699}" dt="2024-12-14T05:41:35.043" v="906" actId="478"/>
-          <ac:spMkLst>
-            <pc:docMk/>
-            <pc:sldMk cId="1122583501" sldId="261"/>
-            <ac:spMk id="11" creationId="{574DB439-BD21-82FB-45CD-C64AC81D488A}"/>
-          </ac:spMkLst>
-        </pc:spChg>
-        <pc:spChg chg="del">
-          <ac:chgData name="谷　知紘(s21t317)" userId="a3db8153-261a-4ffb-baa1-abaad328fd73" providerId="ADAL" clId="{CF3E7ECF-B960-40AF-B4C7-DEE912BB0699}" dt="2024-12-14T05:41:35.043" v="906" actId="478"/>
-          <ac:spMkLst>
-            <pc:docMk/>
-            <pc:sldMk cId="1122583501" sldId="261"/>
-            <ac:spMk id="12" creationId="{BDAD89EC-C8C7-EC94-AC30-53CA20091E25}"/>
-          </ac:spMkLst>
-        </pc:spChg>
-        <pc:spChg chg="del">
-          <ac:chgData name="谷　知紘(s21t317)" userId="a3db8153-261a-4ffb-baa1-abaad328fd73" providerId="ADAL" clId="{CF3E7ECF-B960-40AF-B4C7-DEE912BB0699}" dt="2024-12-14T05:41:35.043" v="906" actId="478"/>
-          <ac:spMkLst>
-            <pc:docMk/>
-            <pc:sldMk cId="1122583501" sldId="261"/>
-            <ac:spMk id="13" creationId="{527175AB-2340-D22A-3E75-04975E0F9700}"/>
-          </ac:spMkLst>
-        </pc:spChg>
-        <pc:spChg chg="del">
-          <ac:chgData name="谷　知紘(s21t317)" userId="a3db8153-261a-4ffb-baa1-abaad328fd73" providerId="ADAL" clId="{CF3E7ECF-B960-40AF-B4C7-DEE912BB0699}" dt="2024-12-14T05:41:35.043" v="906" actId="478"/>
-          <ac:spMkLst>
-            <pc:docMk/>
-            <pc:sldMk cId="1122583501" sldId="261"/>
-            <ac:spMk id="14" creationId="{26CD3831-1A3D-FA7E-E6E2-70D7439AD179}"/>
           </ac:spMkLst>
         </pc:spChg>
         <pc:spChg chg="add mod">
@@ -821,28 +621,12 @@
             <ac:spMk id="7" creationId="{1D40BB03-BC56-9F50-230C-2A63FF168A06}"/>
           </ac:spMkLst>
         </pc:spChg>
-        <pc:spChg chg="del">
-          <ac:chgData name="谷　知紘(s21t317)" userId="a3db8153-261a-4ffb-baa1-abaad328fd73" providerId="ADAL" clId="{CF3E7ECF-B960-40AF-B4C7-DEE912BB0699}" dt="2024-12-14T05:51:36.533" v="993" actId="478"/>
-          <ac:spMkLst>
-            <pc:docMk/>
-            <pc:sldMk cId="1716504565" sldId="262"/>
-            <ac:spMk id="7" creationId="{94620921-0703-4AD6-6E31-5191604716D7}"/>
-          </ac:spMkLst>
-        </pc:spChg>
         <pc:spChg chg="add mod">
           <ac:chgData name="谷　知紘(s21t317)" userId="a3db8153-261a-4ffb-baa1-abaad328fd73" providerId="ADAL" clId="{CF3E7ECF-B960-40AF-B4C7-DEE912BB0699}" dt="2024-12-16T10:17:12.928" v="3480" actId="20577"/>
           <ac:spMkLst>
             <pc:docMk/>
             <pc:sldMk cId="1716504565" sldId="262"/>
             <ac:spMk id="8" creationId="{6533AAC4-4411-2682-8C7E-ABD6195F1435}"/>
-          </ac:spMkLst>
-        </pc:spChg>
-        <pc:spChg chg="del">
-          <ac:chgData name="谷　知紘(s21t317)" userId="a3db8153-261a-4ffb-baa1-abaad328fd73" providerId="ADAL" clId="{CF3E7ECF-B960-40AF-B4C7-DEE912BB0699}" dt="2024-12-14T05:51:36.533" v="993" actId="478"/>
-          <ac:spMkLst>
-            <pc:docMk/>
-            <pc:sldMk cId="1716504565" sldId="262"/>
-            <ac:spMk id="9" creationId="{61B89A7E-A3F3-D274-91D1-5D21A4D58A90}"/>
           </ac:spMkLst>
         </pc:spChg>
         <pc:spChg chg="add mod">
@@ -861,86 +645,6 @@
             <ac:spMk id="10" creationId="{690CE7D4-FE0D-DAC1-CC24-02EACD5A08F0}"/>
           </ac:spMkLst>
         </pc:spChg>
-        <pc:spChg chg="del">
-          <ac:chgData name="谷　知紘(s21t317)" userId="a3db8153-261a-4ffb-baa1-abaad328fd73" providerId="ADAL" clId="{CF3E7ECF-B960-40AF-B4C7-DEE912BB0699}" dt="2024-12-14T05:51:36.533" v="993" actId="478"/>
-          <ac:spMkLst>
-            <pc:docMk/>
-            <pc:sldMk cId="1716504565" sldId="262"/>
-            <ac:spMk id="15" creationId="{0E707521-93BC-8411-771B-F20313C30F58}"/>
-          </ac:spMkLst>
-        </pc:spChg>
-        <pc:spChg chg="del">
-          <ac:chgData name="谷　知紘(s21t317)" userId="a3db8153-261a-4ffb-baa1-abaad328fd73" providerId="ADAL" clId="{CF3E7ECF-B960-40AF-B4C7-DEE912BB0699}" dt="2024-12-14T05:51:36.533" v="993" actId="478"/>
-          <ac:spMkLst>
-            <pc:docMk/>
-            <pc:sldMk cId="1716504565" sldId="262"/>
-            <ac:spMk id="16" creationId="{B0BC409D-831B-7580-5C8E-3535AE9717ED}"/>
-          </ac:spMkLst>
-        </pc:spChg>
-        <pc:spChg chg="del">
-          <ac:chgData name="谷　知紘(s21t317)" userId="a3db8153-261a-4ffb-baa1-abaad328fd73" providerId="ADAL" clId="{CF3E7ECF-B960-40AF-B4C7-DEE912BB0699}" dt="2024-12-14T05:51:36.533" v="993" actId="478"/>
-          <ac:spMkLst>
-            <pc:docMk/>
-            <pc:sldMk cId="1716504565" sldId="262"/>
-            <ac:spMk id="17" creationId="{0FBA13B2-2121-B7B6-47A3-28CA64602465}"/>
-          </ac:spMkLst>
-        </pc:spChg>
-        <pc:spChg chg="del">
-          <ac:chgData name="谷　知紘(s21t317)" userId="a3db8153-261a-4ffb-baa1-abaad328fd73" providerId="ADAL" clId="{CF3E7ECF-B960-40AF-B4C7-DEE912BB0699}" dt="2024-12-14T05:51:36.533" v="993" actId="478"/>
-          <ac:spMkLst>
-            <pc:docMk/>
-            <pc:sldMk cId="1716504565" sldId="262"/>
-            <ac:spMk id="18" creationId="{AE6CA702-5CC4-9B89-60F0-D3BA141F09E7}"/>
-          </ac:spMkLst>
-        </pc:spChg>
-        <pc:spChg chg="del">
-          <ac:chgData name="谷　知紘(s21t317)" userId="a3db8153-261a-4ffb-baa1-abaad328fd73" providerId="ADAL" clId="{CF3E7ECF-B960-40AF-B4C7-DEE912BB0699}" dt="2024-12-14T05:51:36.533" v="993" actId="478"/>
-          <ac:spMkLst>
-            <pc:docMk/>
-            <pc:sldMk cId="1716504565" sldId="262"/>
-            <ac:spMk id="19" creationId="{2031EE67-A011-FB29-35C6-9B5016016A65}"/>
-          </ac:spMkLst>
-        </pc:spChg>
-        <pc:spChg chg="del">
-          <ac:chgData name="谷　知紘(s21t317)" userId="a3db8153-261a-4ffb-baa1-abaad328fd73" providerId="ADAL" clId="{CF3E7ECF-B960-40AF-B4C7-DEE912BB0699}" dt="2024-12-14T05:51:36.533" v="993" actId="478"/>
-          <ac:spMkLst>
-            <pc:docMk/>
-            <pc:sldMk cId="1716504565" sldId="262"/>
-            <ac:spMk id="20" creationId="{B24B6EDA-C8EF-F07C-2CC0-9703C3CF1DFE}"/>
-          </ac:spMkLst>
-        </pc:spChg>
-        <pc:spChg chg="del">
-          <ac:chgData name="谷　知紘(s21t317)" userId="a3db8153-261a-4ffb-baa1-abaad328fd73" providerId="ADAL" clId="{CF3E7ECF-B960-40AF-B4C7-DEE912BB0699}" dt="2024-12-14T05:51:36.533" v="993" actId="478"/>
-          <ac:spMkLst>
-            <pc:docMk/>
-            <pc:sldMk cId="1716504565" sldId="262"/>
-            <ac:spMk id="21" creationId="{190D4101-ACA1-CF1C-4AE1-DF0F16F2C7FE}"/>
-          </ac:spMkLst>
-        </pc:spChg>
-        <pc:spChg chg="del">
-          <ac:chgData name="谷　知紘(s21t317)" userId="a3db8153-261a-4ffb-baa1-abaad328fd73" providerId="ADAL" clId="{CF3E7ECF-B960-40AF-B4C7-DEE912BB0699}" dt="2024-12-14T05:51:36.533" v="993" actId="478"/>
-          <ac:spMkLst>
-            <pc:docMk/>
-            <pc:sldMk cId="1716504565" sldId="262"/>
-            <ac:spMk id="22" creationId="{832B9337-33EC-3FC3-C552-D9E99318105A}"/>
-          </ac:spMkLst>
-        </pc:spChg>
-        <pc:spChg chg="del">
-          <ac:chgData name="谷　知紘(s21t317)" userId="a3db8153-261a-4ffb-baa1-abaad328fd73" providerId="ADAL" clId="{CF3E7ECF-B960-40AF-B4C7-DEE912BB0699}" dt="2024-12-14T05:51:36.533" v="993" actId="478"/>
-          <ac:spMkLst>
-            <pc:docMk/>
-            <pc:sldMk cId="1716504565" sldId="262"/>
-            <ac:spMk id="24" creationId="{D468506C-6426-066C-90C5-718CA6C5C515}"/>
-          </ac:spMkLst>
-        </pc:spChg>
-        <pc:spChg chg="del">
-          <ac:chgData name="谷　知紘(s21t317)" userId="a3db8153-261a-4ffb-baa1-abaad328fd73" providerId="ADAL" clId="{CF3E7ECF-B960-40AF-B4C7-DEE912BB0699}" dt="2024-12-14T05:51:36.533" v="993" actId="478"/>
-          <ac:spMkLst>
-            <pc:docMk/>
-            <pc:sldMk cId="1716504565" sldId="262"/>
-            <ac:spMk id="25" creationId="{11720008-40E7-E8FC-2D5F-897537D99930}"/>
-          </ac:spMkLst>
-        </pc:spChg>
         <pc:picChg chg="add mod">
           <ac:chgData name="谷　知紘(s21t317)" userId="a3db8153-261a-4ffb-baa1-abaad328fd73" providerId="ADAL" clId="{CF3E7ECF-B960-40AF-B4C7-DEE912BB0699}" dt="2024-12-14T05:54:58.436" v="1035" actId="1076"/>
           <ac:picMkLst>
@@ -957,14 +661,6 @@
             <ac:picMk id="5" creationId="{0A7C152D-1718-710B-6366-5CE010CC7706}"/>
           </ac:picMkLst>
         </pc:picChg>
-        <pc:picChg chg="del">
-          <ac:chgData name="谷　知紘(s21t317)" userId="a3db8153-261a-4ffb-baa1-abaad328fd73" providerId="ADAL" clId="{CF3E7ECF-B960-40AF-B4C7-DEE912BB0699}" dt="2024-12-14T05:51:36.533" v="993" actId="478"/>
-          <ac:picMkLst>
-            <pc:docMk/>
-            <pc:sldMk cId="1716504565" sldId="262"/>
-            <ac:picMk id="23" creationId="{989D4AC8-5DF5-27D1-FD40-AF294CF6D8AD}"/>
-          </ac:picMkLst>
-        </pc:picChg>
       </pc:sldChg>
       <pc:sldChg chg="addSp delSp modSp add del mod ord">
         <pc:chgData name="谷　知紘(s21t317)" userId="a3db8153-261a-4ffb-baa1-abaad328fd73" providerId="ADAL" clId="{CF3E7ECF-B960-40AF-B4C7-DEE912BB0699}" dt="2024-12-16T10:38:05.760" v="3498" actId="2696"/>
@@ -972,118 +668,6 @@
           <pc:docMk/>
           <pc:sldMk cId="3072227429" sldId="263"/>
         </pc:sldMkLst>
-        <pc:spChg chg="del">
-          <ac:chgData name="谷　知紘(s21t317)" userId="a3db8153-261a-4ffb-baa1-abaad328fd73" providerId="ADAL" clId="{CF3E7ECF-B960-40AF-B4C7-DEE912BB0699}" dt="2024-12-14T06:00:17.996" v="1046" actId="478"/>
-          <ac:spMkLst>
-            <pc:docMk/>
-            <pc:sldMk cId="3072227429" sldId="263"/>
-            <ac:spMk id="2" creationId="{6E0434E3-96C1-1579-DFEC-8CA952C7B190}"/>
-          </ac:spMkLst>
-        </pc:spChg>
-        <pc:spChg chg="add mod">
-          <ac:chgData name="谷　知紘(s21t317)" userId="a3db8153-261a-4ffb-baa1-abaad328fd73" providerId="ADAL" clId="{CF3E7ECF-B960-40AF-B4C7-DEE912BB0699}" dt="2024-12-16T07:51:29.760" v="1857" actId="1076"/>
-          <ac:spMkLst>
-            <pc:docMk/>
-            <pc:sldMk cId="3072227429" sldId="263"/>
-            <ac:spMk id="2" creationId="{6F8DB3EF-D82D-530B-C0CB-05A0339F095D}"/>
-          </ac:spMkLst>
-        </pc:spChg>
-        <pc:spChg chg="add mod">
-          <ac:chgData name="谷　知紘(s21t317)" userId="a3db8153-261a-4ffb-baa1-abaad328fd73" providerId="ADAL" clId="{CF3E7ECF-B960-40AF-B4C7-DEE912BB0699}" dt="2024-12-16T07:51:29.760" v="1857" actId="1076"/>
-          <ac:spMkLst>
-            <pc:docMk/>
-            <pc:sldMk cId="3072227429" sldId="263"/>
-            <ac:spMk id="3" creationId="{BA5EA58E-D341-4C20-EB76-CCADA2D8321F}"/>
-          </ac:spMkLst>
-        </pc:spChg>
-        <pc:spChg chg="mod">
-          <ac:chgData name="谷　知紘(s21t317)" userId="a3db8153-261a-4ffb-baa1-abaad328fd73" providerId="ADAL" clId="{CF3E7ECF-B960-40AF-B4C7-DEE912BB0699}" dt="2024-12-14T06:00:50.964" v="1062" actId="20577"/>
-          <ac:spMkLst>
-            <pc:docMk/>
-            <pc:sldMk cId="3072227429" sldId="263"/>
-            <ac:spMk id="4" creationId="{AC500E5B-5804-7DBF-7485-FC0C10BA46A7}"/>
-          </ac:spMkLst>
-        </pc:spChg>
-        <pc:spChg chg="add mod">
-          <ac:chgData name="谷　知紘(s21t317)" userId="a3db8153-261a-4ffb-baa1-abaad328fd73" providerId="ADAL" clId="{CF3E7ECF-B960-40AF-B4C7-DEE912BB0699}" dt="2024-12-16T07:51:51.789" v="1868" actId="14100"/>
-          <ac:spMkLst>
-            <pc:docMk/>
-            <pc:sldMk cId="3072227429" sldId="263"/>
-            <ac:spMk id="5" creationId="{10B7AB61-72C8-63DD-3DDF-762956F65744}"/>
-          </ac:spMkLst>
-        </pc:spChg>
-        <pc:spChg chg="del">
-          <ac:chgData name="谷　知紘(s21t317)" userId="a3db8153-261a-4ffb-baa1-abaad328fd73" providerId="ADAL" clId="{CF3E7ECF-B960-40AF-B4C7-DEE912BB0699}" dt="2024-12-14T06:00:17.996" v="1046" actId="478"/>
-          <ac:spMkLst>
-            <pc:docMk/>
-            <pc:sldMk cId="3072227429" sldId="263"/>
-            <ac:spMk id="6" creationId="{512E2936-B450-7A48-30DF-05CEB80BFF99}"/>
-          </ac:spMkLst>
-        </pc:spChg>
-        <pc:spChg chg="add mod">
-          <ac:chgData name="谷　知紘(s21t317)" userId="a3db8153-261a-4ffb-baa1-abaad328fd73" providerId="ADAL" clId="{CF3E7ECF-B960-40AF-B4C7-DEE912BB0699}" dt="2024-12-16T07:51:41.539" v="1859" actId="1076"/>
-          <ac:spMkLst>
-            <pc:docMk/>
-            <pc:sldMk cId="3072227429" sldId="263"/>
-            <ac:spMk id="6" creationId="{D1EA48CB-4573-340C-EE80-404253760A04}"/>
-          </ac:spMkLst>
-        </pc:spChg>
-        <pc:spChg chg="add mod">
-          <ac:chgData name="谷　知紘(s21t317)" userId="a3db8153-261a-4ffb-baa1-abaad328fd73" providerId="ADAL" clId="{CF3E7ECF-B960-40AF-B4C7-DEE912BB0699}" dt="2024-12-16T07:52:00.620" v="1869" actId="1076"/>
-          <ac:spMkLst>
-            <pc:docMk/>
-            <pc:sldMk cId="3072227429" sldId="263"/>
-            <ac:spMk id="7" creationId="{EEEE3C8B-3176-D419-9F85-FBC85CBF745E}"/>
-          </ac:spMkLst>
-        </pc:spChg>
-        <pc:spChg chg="del">
-          <ac:chgData name="谷　知紘(s21t317)" userId="a3db8153-261a-4ffb-baa1-abaad328fd73" providerId="ADAL" clId="{CF3E7ECF-B960-40AF-B4C7-DEE912BB0699}" dt="2024-12-14T06:00:17.996" v="1046" actId="478"/>
-          <ac:spMkLst>
-            <pc:docMk/>
-            <pc:sldMk cId="3072227429" sldId="263"/>
-            <ac:spMk id="8" creationId="{21FDAAAB-A529-2D23-AD25-AD866BBB9060}"/>
-          </ac:spMkLst>
-        </pc:spChg>
-        <pc:spChg chg="add mod">
-          <ac:chgData name="谷　知紘(s21t317)" userId="a3db8153-261a-4ffb-baa1-abaad328fd73" providerId="ADAL" clId="{CF3E7ECF-B960-40AF-B4C7-DEE912BB0699}" dt="2024-12-16T07:51:12.312" v="1854" actId="1076"/>
-          <ac:spMkLst>
-            <pc:docMk/>
-            <pc:sldMk cId="3072227429" sldId="263"/>
-            <ac:spMk id="9" creationId="{E0B293D6-82B9-68DA-8E64-97830F21861E}"/>
-          </ac:spMkLst>
-        </pc:spChg>
-        <pc:spChg chg="del">
-          <ac:chgData name="谷　知紘(s21t317)" userId="a3db8153-261a-4ffb-baa1-abaad328fd73" providerId="ADAL" clId="{CF3E7ECF-B960-40AF-B4C7-DEE912BB0699}" dt="2024-12-14T06:00:17.996" v="1046" actId="478"/>
-          <ac:spMkLst>
-            <pc:docMk/>
-            <pc:sldMk cId="3072227429" sldId="263"/>
-            <ac:spMk id="10" creationId="{9BF35FBA-1B23-A86B-09A0-A576821D1E86}"/>
-          </ac:spMkLst>
-        </pc:spChg>
-        <pc:spChg chg="add del mod">
-          <ac:chgData name="谷　知紘(s21t317)" userId="a3db8153-261a-4ffb-baa1-abaad328fd73" providerId="ADAL" clId="{CF3E7ECF-B960-40AF-B4C7-DEE912BB0699}" dt="2024-12-16T07:51:12.312" v="1854" actId="1076"/>
-          <ac:spMkLst>
-            <pc:docMk/>
-            <pc:sldMk cId="3072227429" sldId="263"/>
-            <ac:spMk id="11" creationId="{A674B214-31B7-0A57-6C8E-BA62167C993C}"/>
-          </ac:spMkLst>
-        </pc:spChg>
-        <pc:picChg chg="del">
-          <ac:chgData name="谷　知紘(s21t317)" userId="a3db8153-261a-4ffb-baa1-abaad328fd73" providerId="ADAL" clId="{CF3E7ECF-B960-40AF-B4C7-DEE912BB0699}" dt="2024-12-14T06:00:17.996" v="1046" actId="478"/>
-          <ac:picMkLst>
-            <pc:docMk/>
-            <pc:sldMk cId="3072227429" sldId="263"/>
-            <ac:picMk id="3" creationId="{ED296475-F3EC-FFB6-AE06-0B97E825E6CA}"/>
-          </ac:picMkLst>
-        </pc:picChg>
-        <pc:picChg chg="del">
-          <ac:chgData name="谷　知紘(s21t317)" userId="a3db8153-261a-4ffb-baa1-abaad328fd73" providerId="ADAL" clId="{CF3E7ECF-B960-40AF-B4C7-DEE912BB0699}" dt="2024-12-14T06:00:17.996" v="1046" actId="478"/>
-          <ac:picMkLst>
-            <pc:docMk/>
-            <pc:sldMk cId="3072227429" sldId="263"/>
-            <ac:picMk id="5" creationId="{A35D6D20-FAE0-BB42-0BA3-929928B579EF}"/>
-          </ac:picMkLst>
-        </pc:picChg>
       </pc:sldChg>
       <pc:sldChg chg="addSp delSp modSp add mod ord">
         <pc:chgData name="谷　知紘(s21t317)" userId="a3db8153-261a-4ffb-baa1-abaad328fd73" providerId="ADAL" clId="{CF3E7ECF-B960-40AF-B4C7-DEE912BB0699}" dt="2024-12-16T09:52:17.227" v="2681" actId="14100"/>
@@ -1123,22 +707,6 @@
             <ac:spMk id="5" creationId="{9007C648-5483-507B-ECD2-6ADFE9AA2CBD}"/>
           </ac:spMkLst>
         </pc:spChg>
-        <pc:spChg chg="add del mod">
-          <ac:chgData name="谷　知紘(s21t317)" userId="a3db8153-261a-4ffb-baa1-abaad328fd73" providerId="ADAL" clId="{CF3E7ECF-B960-40AF-B4C7-DEE912BB0699}" dt="2024-12-16T09:50:38.682" v="2663" actId="478"/>
-          <ac:spMkLst>
-            <pc:docMk/>
-            <pc:sldMk cId="285224269" sldId="264"/>
-            <ac:spMk id="6" creationId="{0CD0D432-632C-B8F5-E6DC-10556F6B6962}"/>
-          </ac:spMkLst>
-        </pc:spChg>
-        <pc:spChg chg="add del mod">
-          <ac:chgData name="谷　知紘(s21t317)" userId="a3db8153-261a-4ffb-baa1-abaad328fd73" providerId="ADAL" clId="{CF3E7ECF-B960-40AF-B4C7-DEE912BB0699}" dt="2024-12-16T08:44:00.983" v="1881" actId="478"/>
-          <ac:spMkLst>
-            <pc:docMk/>
-            <pc:sldMk cId="285224269" sldId="264"/>
-            <ac:spMk id="7" creationId="{303F79E0-B272-27B8-26D5-DDC8A6CED9FE}"/>
-          </ac:spMkLst>
-        </pc:spChg>
         <pc:spChg chg="add mod">
           <ac:chgData name="谷　知紘(s21t317)" userId="a3db8153-261a-4ffb-baa1-abaad328fd73" providerId="ADAL" clId="{CF3E7ECF-B960-40AF-B4C7-DEE912BB0699}" dt="2024-12-16T09:51:59.068" v="2679" actId="14100"/>
           <ac:spMkLst>
@@ -1156,27 +724,11 @@
           </ac:spMkLst>
         </pc:spChg>
         <pc:spChg chg="add mod">
-          <ac:chgData name="谷　知紘(s21t317)" userId="a3db8153-261a-4ffb-baa1-abaad328fd73" providerId="ADAL" clId="{CF3E7ECF-B960-40AF-B4C7-DEE912BB0699}" dt="2024-12-16T09:49:13.260" v="2651"/>
-          <ac:spMkLst>
-            <pc:docMk/>
-            <pc:sldMk cId="285224269" sldId="264"/>
-            <ac:spMk id="10" creationId="{021F8164-8191-8847-55F1-6741221C6459}"/>
-          </ac:spMkLst>
-        </pc:spChg>
-        <pc:spChg chg="add mod">
           <ac:chgData name="谷　知紘(s21t317)" userId="a3db8153-261a-4ffb-baa1-abaad328fd73" providerId="ADAL" clId="{CF3E7ECF-B960-40AF-B4C7-DEE912BB0699}" dt="2024-12-16T09:51:31.448" v="2674" actId="1076"/>
           <ac:spMkLst>
             <pc:docMk/>
             <pc:sldMk cId="285224269" sldId="264"/>
             <ac:spMk id="11" creationId="{AF8F38E0-E41F-884E-4BD9-925E647198B4}"/>
-          </ac:spMkLst>
-        </pc:spChg>
-        <pc:spChg chg="add del">
-          <ac:chgData name="谷　知紘(s21t317)" userId="a3db8153-261a-4ffb-baa1-abaad328fd73" providerId="ADAL" clId="{CF3E7ECF-B960-40AF-B4C7-DEE912BB0699}" dt="2024-12-16T09:50:13.201" v="2659" actId="478"/>
-          <ac:spMkLst>
-            <pc:docMk/>
-            <pc:sldMk cId="285224269" sldId="264"/>
-            <ac:spMk id="13" creationId="{59ECB26C-78C5-B4C2-6C6E-1BA36468FC12}"/>
           </ac:spMkLst>
         </pc:spChg>
       </pc:sldChg>
@@ -1186,46 +738,6 @@
           <pc:docMk/>
           <pc:sldMk cId="395813214" sldId="265"/>
         </pc:sldMkLst>
-        <pc:spChg chg="add del mod">
-          <ac:chgData name="谷　知紘(s21t317)" userId="a3db8153-261a-4ffb-baa1-abaad328fd73" providerId="ADAL" clId="{CF3E7ECF-B960-40AF-B4C7-DEE912BB0699}" dt="2024-12-16T09:58:10.885" v="2729"/>
-          <ac:spMkLst>
-            <pc:docMk/>
-            <pc:sldMk cId="395813214" sldId="265"/>
-            <ac:spMk id="3" creationId="{737E144F-48E4-A3D1-FE16-88F56CF02474}"/>
-          </ac:spMkLst>
-        </pc:spChg>
-        <pc:spChg chg="add del mod">
-          <ac:chgData name="谷　知紘(s21t317)" userId="a3db8153-261a-4ffb-baa1-abaad328fd73" providerId="ADAL" clId="{CF3E7ECF-B960-40AF-B4C7-DEE912BB0699}" dt="2024-12-16T10:01:46.145" v="2763" actId="478"/>
-          <ac:spMkLst>
-            <pc:docMk/>
-            <pc:sldMk cId="395813214" sldId="265"/>
-            <ac:spMk id="5" creationId="{5B885146-5ADA-C773-ADE5-17D67F172DD9}"/>
-          </ac:spMkLst>
-        </pc:spChg>
-        <pc:spChg chg="add del mod">
-          <ac:chgData name="谷　知紘(s21t317)" userId="a3db8153-261a-4ffb-baa1-abaad328fd73" providerId="ADAL" clId="{CF3E7ECF-B960-40AF-B4C7-DEE912BB0699}" dt="2024-12-16T10:01:46.145" v="2763" actId="478"/>
-          <ac:spMkLst>
-            <pc:docMk/>
-            <pc:sldMk cId="395813214" sldId="265"/>
-            <ac:spMk id="6" creationId="{BD30D77C-4666-A180-E2A8-09916BE2AA99}"/>
-          </ac:spMkLst>
-        </pc:spChg>
-        <pc:spChg chg="add del mod">
-          <ac:chgData name="谷　知紘(s21t317)" userId="a3db8153-261a-4ffb-baa1-abaad328fd73" providerId="ADAL" clId="{CF3E7ECF-B960-40AF-B4C7-DEE912BB0699}" dt="2024-12-16T10:01:46.145" v="2763" actId="478"/>
-          <ac:spMkLst>
-            <pc:docMk/>
-            <pc:sldMk cId="395813214" sldId="265"/>
-            <ac:spMk id="7" creationId="{E5B4A05D-E865-63FC-3FBF-2B850904F790}"/>
-          </ac:spMkLst>
-        </pc:spChg>
-        <pc:spChg chg="add del mod">
-          <ac:chgData name="谷　知紘(s21t317)" userId="a3db8153-261a-4ffb-baa1-abaad328fd73" providerId="ADAL" clId="{CF3E7ECF-B960-40AF-B4C7-DEE912BB0699}" dt="2024-12-16T10:05:54.604" v="2871" actId="478"/>
-          <ac:spMkLst>
-            <pc:docMk/>
-            <pc:sldMk cId="395813214" sldId="265"/>
-            <ac:spMk id="8" creationId="{EC2C23E8-4B97-A83B-BF96-C0E9EEEA478A}"/>
-          </ac:spMkLst>
-        </pc:spChg>
         <pc:spChg chg="add mod ord">
           <ac:chgData name="谷　知紘(s21t317)" userId="a3db8153-261a-4ffb-baa1-abaad328fd73" providerId="ADAL" clId="{CF3E7ECF-B960-40AF-B4C7-DEE912BB0699}" dt="2024-12-16T10:06:02.686" v="2872" actId="1076"/>
           <ac:spMkLst>
@@ -3123,7 +2635,7 @@
           <a:p>
             <a:fld id="{8C5FB4E6-B225-494F-BCB9-8197F5578D89}" type="datetimeFigureOut">
               <a:rPr kumimoji="1" lang="ja-JP" altLang="en-US" smtClean="0"/>
-              <a:t>2024/12/16</a:t>
+              <a:t>2024/12/18</a:t>
             </a:fld>
             <a:endParaRPr kumimoji="1" lang="ja-JP" altLang="en-US"/>
           </a:p>
@@ -3653,7 +3165,7 @@
           <a:p>
             <a:fld id="{02782626-011F-44C0-9ACA-60A7883AD368}" type="datetimeFigureOut">
               <a:rPr kumimoji="1" lang="ja-JP" altLang="en-US" smtClean="0"/>
-              <a:t>2024/12/16</a:t>
+              <a:t>2024/12/18</a:t>
             </a:fld>
             <a:endParaRPr kumimoji="1" lang="ja-JP" altLang="en-US"/>
           </a:p>
@@ -3883,7 +3395,7 @@
           <a:p>
             <a:fld id="{02782626-011F-44C0-9ACA-60A7883AD368}" type="datetimeFigureOut">
               <a:rPr kumimoji="1" lang="ja-JP" altLang="en-US" smtClean="0"/>
-              <a:t>2024/12/16</a:t>
+              <a:t>2024/12/18</a:t>
             </a:fld>
             <a:endParaRPr kumimoji="1" lang="ja-JP" altLang="en-US"/>
           </a:p>
@@ -4123,7 +3635,7 @@
           <a:p>
             <a:fld id="{02782626-011F-44C0-9ACA-60A7883AD368}" type="datetimeFigureOut">
               <a:rPr kumimoji="1" lang="ja-JP" altLang="en-US" smtClean="0"/>
-              <a:t>2024/12/16</a:t>
+              <a:t>2024/12/18</a:t>
             </a:fld>
             <a:endParaRPr kumimoji="1" lang="ja-JP" altLang="en-US"/>
           </a:p>
@@ -4353,7 +3865,7 @@
           <a:p>
             <a:fld id="{02782626-011F-44C0-9ACA-60A7883AD368}" type="datetimeFigureOut">
               <a:rPr kumimoji="1" lang="ja-JP" altLang="en-US" smtClean="0"/>
-              <a:t>2024/12/16</a:t>
+              <a:t>2024/12/18</a:t>
             </a:fld>
             <a:endParaRPr kumimoji="1" lang="ja-JP" altLang="en-US"/>
           </a:p>
@@ -4628,7 +4140,7 @@
           <a:p>
             <a:fld id="{02782626-011F-44C0-9ACA-60A7883AD368}" type="datetimeFigureOut">
               <a:rPr kumimoji="1" lang="ja-JP" altLang="en-US" smtClean="0"/>
-              <a:t>2024/12/16</a:t>
+              <a:t>2024/12/18</a:t>
             </a:fld>
             <a:endParaRPr kumimoji="1" lang="ja-JP" altLang="en-US"/>
           </a:p>
@@ -4957,7 +4469,7 @@
           <a:p>
             <a:fld id="{02782626-011F-44C0-9ACA-60A7883AD368}" type="datetimeFigureOut">
               <a:rPr kumimoji="1" lang="ja-JP" altLang="en-US" smtClean="0"/>
-              <a:t>2024/12/16</a:t>
+              <a:t>2024/12/18</a:t>
             </a:fld>
             <a:endParaRPr kumimoji="1" lang="ja-JP" altLang="en-US"/>
           </a:p>
@@ -5433,7 +4945,7 @@
           <a:p>
             <a:fld id="{02782626-011F-44C0-9ACA-60A7883AD368}" type="datetimeFigureOut">
               <a:rPr kumimoji="1" lang="ja-JP" altLang="en-US" smtClean="0"/>
-              <a:t>2024/12/16</a:t>
+              <a:t>2024/12/18</a:t>
             </a:fld>
             <a:endParaRPr kumimoji="1" lang="ja-JP" altLang="en-US"/>
           </a:p>
@@ -5574,7 +5086,7 @@
           <a:p>
             <a:fld id="{02782626-011F-44C0-9ACA-60A7883AD368}" type="datetimeFigureOut">
               <a:rPr kumimoji="1" lang="ja-JP" altLang="en-US" smtClean="0"/>
-              <a:t>2024/12/16</a:t>
+              <a:t>2024/12/18</a:t>
             </a:fld>
             <a:endParaRPr kumimoji="1" lang="ja-JP" altLang="en-US"/>
           </a:p>
@@ -5687,7 +5199,7 @@
           <a:p>
             <a:fld id="{02782626-011F-44C0-9ACA-60A7883AD368}" type="datetimeFigureOut">
               <a:rPr kumimoji="1" lang="ja-JP" altLang="en-US" smtClean="0"/>
-              <a:t>2024/12/16</a:t>
+              <a:t>2024/12/18</a:t>
             </a:fld>
             <a:endParaRPr kumimoji="1" lang="ja-JP" altLang="en-US"/>
           </a:p>
@@ -6030,7 +5542,7 @@
           <a:p>
             <a:fld id="{02782626-011F-44C0-9ACA-60A7883AD368}" type="datetimeFigureOut">
               <a:rPr kumimoji="1" lang="ja-JP" altLang="en-US" smtClean="0"/>
-              <a:t>2024/12/16</a:t>
+              <a:t>2024/12/18</a:t>
             </a:fld>
             <a:endParaRPr kumimoji="1" lang="ja-JP" altLang="en-US"/>
           </a:p>
@@ -6318,7 +5830,7 @@
           <a:p>
             <a:fld id="{02782626-011F-44C0-9ACA-60A7883AD368}" type="datetimeFigureOut">
               <a:rPr kumimoji="1" lang="ja-JP" altLang="en-US" smtClean="0"/>
-              <a:t>2024/12/16</a:t>
+              <a:t>2024/12/18</a:t>
             </a:fld>
             <a:endParaRPr kumimoji="1" lang="ja-JP" altLang="en-US"/>
           </a:p>
@@ -6591,7 +6103,7 @@
           <a:p>
             <a:fld id="{02782626-011F-44C0-9ACA-60A7883AD368}" type="datetimeFigureOut">
               <a:rPr kumimoji="1" lang="ja-JP" altLang="en-US" smtClean="0"/>
-              <a:t>2024/12/16</a:t>
+              <a:t>2024/12/18</a:t>
             </a:fld>
             <a:endParaRPr kumimoji="1" lang="ja-JP" altLang="en-US"/>
           </a:p>
@@ -7593,7 +7105,7 @@
         <p:spPr>
           <a:xfrm>
             <a:off x="6536748" y="1600461"/>
-            <a:ext cx="5193282" cy="2046696"/>
+            <a:ext cx="5123773" cy="2046696"/>
           </a:xfrm>
           <a:prstGeom prst="roundRect">
             <a:avLst/>
@@ -7668,20 +7180,272 @@
                 <a:latin typeface="BIZ UDPゴシック" panose="020B0400000000000000" pitchFamily="50" charset="-128"/>
                 <a:ea typeface="BIZ UDPゴシック" panose="020B0400000000000000" pitchFamily="50" charset="-128"/>
               </a:rPr>
-              <a:t>歌詞に用いられる漢字が難しい</a:t>
+              <a:t>歌詞に用いられる単語に馴染みがない</a:t>
             </a:r>
             <a:r>
               <a:rPr kumimoji="1" lang="ja-JP" altLang="en-US" sz="2400" dirty="0">
                 <a:latin typeface="BIZ UDPゴシック" panose="020B0400000000000000" pitchFamily="50" charset="-128"/>
                 <a:ea typeface="BIZ UDPゴシック" panose="020B0400000000000000" pitchFamily="50" charset="-128"/>
               </a:rPr>
-              <a:t>ほど</a:t>
-            </a:r>
-            <a:endParaRPr kumimoji="1" lang="en-US" altLang="ja-JP" sz="2400" dirty="0">
-              <a:latin typeface="BIZ UDPゴシック" panose="020B0400000000000000" pitchFamily="50" charset="-128"/>
-              <a:ea typeface="BIZ UDPゴシック" panose="020B0400000000000000" pitchFamily="50" charset="-128"/>
-            </a:endParaRPr>
-          </a:p>
+              <a:t>ほど歌唱難易度が上がる</a:t>
+            </a:r>
+            <a:endParaRPr kumimoji="1" lang="ja-JP" altLang="en-US" dirty="0"/>
+          </a:p>
+        </p:txBody>
+      </p:sp>
+      <p:sp>
+        <p:nvSpPr>
+          <p:cNvPr id="6" name="テキスト ボックス 5">
+            <a:extLst>
+              <a:ext uri="{FF2B5EF4-FFF2-40B4-BE49-F238E27FC236}">
+                <a16:creationId xmlns:a16="http://schemas.microsoft.com/office/drawing/2014/main" id="{7B21EF18-243F-07C5-DD7F-79741ED2D7E0}"/>
+              </a:ext>
+            </a:extLst>
+          </p:cNvPr>
+          <p:cNvSpPr txBox="1"/>
+          <p:nvPr/>
+        </p:nvSpPr>
+        <p:spPr>
+          <a:xfrm>
+            <a:off x="461970" y="3018725"/>
+            <a:ext cx="1018867" cy="461665"/>
+          </a:xfrm>
+          <a:prstGeom prst="rect">
+            <a:avLst/>
+          </a:prstGeom>
+          <a:noFill/>
+        </p:spPr>
+        <p:txBody>
+          <a:bodyPr wrap="square" rtlCol="0">
+            <a:spAutoFit/>
+          </a:bodyPr>
+          <a:lstStyle>
+            <a:defPPr>
+              <a:defRPr lang="en-US"/>
+            </a:defPPr>
+            <a:lvl1pPr marL="0" algn="l" defTabSz="457200" rtl="0" eaLnBrk="1" latinLnBrk="0" hangingPunct="1">
+              <a:defRPr sz="1800" kern="1200">
+                <a:solidFill>
+                  <a:schemeClr val="tx1"/>
+                </a:solidFill>
+                <a:latin typeface="+mn-lt"/>
+                <a:ea typeface="+mn-ea"/>
+                <a:cs typeface="+mn-cs"/>
+              </a:defRPr>
+            </a:lvl1pPr>
+            <a:lvl2pPr marL="457200" algn="l" defTabSz="457200" rtl="0" eaLnBrk="1" latinLnBrk="0" hangingPunct="1">
+              <a:defRPr sz="1800" kern="1200">
+                <a:solidFill>
+                  <a:schemeClr val="tx1"/>
+                </a:solidFill>
+                <a:latin typeface="+mn-lt"/>
+                <a:ea typeface="+mn-ea"/>
+                <a:cs typeface="+mn-cs"/>
+              </a:defRPr>
+            </a:lvl2pPr>
+            <a:lvl3pPr marL="914400" algn="l" defTabSz="457200" rtl="0" eaLnBrk="1" latinLnBrk="0" hangingPunct="1">
+              <a:defRPr sz="1800" kern="1200">
+                <a:solidFill>
+                  <a:schemeClr val="tx1"/>
+                </a:solidFill>
+                <a:latin typeface="+mn-lt"/>
+                <a:ea typeface="+mn-ea"/>
+                <a:cs typeface="+mn-cs"/>
+              </a:defRPr>
+            </a:lvl3pPr>
+            <a:lvl4pPr marL="1371600" algn="l" defTabSz="457200" rtl="0" eaLnBrk="1" latinLnBrk="0" hangingPunct="1">
+              <a:defRPr sz="1800" kern="1200">
+                <a:solidFill>
+                  <a:schemeClr val="tx1"/>
+                </a:solidFill>
+                <a:latin typeface="+mn-lt"/>
+                <a:ea typeface="+mn-ea"/>
+                <a:cs typeface="+mn-cs"/>
+              </a:defRPr>
+            </a:lvl4pPr>
+            <a:lvl5pPr marL="1828800" algn="l" defTabSz="457200" rtl="0" eaLnBrk="1" latinLnBrk="0" hangingPunct="1">
+              <a:defRPr sz="1800" kern="1200">
+                <a:solidFill>
+                  <a:schemeClr val="tx1"/>
+                </a:solidFill>
+                <a:latin typeface="+mn-lt"/>
+                <a:ea typeface="+mn-ea"/>
+                <a:cs typeface="+mn-cs"/>
+              </a:defRPr>
+            </a:lvl5pPr>
+            <a:lvl6pPr marL="2286000" algn="l" defTabSz="457200" rtl="0" eaLnBrk="1" latinLnBrk="0" hangingPunct="1">
+              <a:defRPr sz="1800" kern="1200">
+                <a:solidFill>
+                  <a:schemeClr val="tx1"/>
+                </a:solidFill>
+                <a:latin typeface="+mn-lt"/>
+                <a:ea typeface="+mn-ea"/>
+                <a:cs typeface="+mn-cs"/>
+              </a:defRPr>
+            </a:lvl6pPr>
+            <a:lvl7pPr marL="2743200" algn="l" defTabSz="457200" rtl="0" eaLnBrk="1" latinLnBrk="0" hangingPunct="1">
+              <a:defRPr sz="1800" kern="1200">
+                <a:solidFill>
+                  <a:schemeClr val="tx1"/>
+                </a:solidFill>
+                <a:latin typeface="+mn-lt"/>
+                <a:ea typeface="+mn-ea"/>
+                <a:cs typeface="+mn-cs"/>
+              </a:defRPr>
+            </a:lvl7pPr>
+            <a:lvl8pPr marL="3200400" algn="l" defTabSz="457200" rtl="0" eaLnBrk="1" latinLnBrk="0" hangingPunct="1">
+              <a:defRPr sz="1800" kern="1200">
+                <a:solidFill>
+                  <a:schemeClr val="tx1"/>
+                </a:solidFill>
+                <a:latin typeface="+mn-lt"/>
+                <a:ea typeface="+mn-ea"/>
+                <a:cs typeface="+mn-cs"/>
+              </a:defRPr>
+            </a:lvl8pPr>
+            <a:lvl9pPr marL="3657600" algn="l" defTabSz="457200" rtl="0" eaLnBrk="1" latinLnBrk="0" hangingPunct="1">
+              <a:defRPr sz="1800" kern="1200">
+                <a:solidFill>
+                  <a:schemeClr val="tx1"/>
+                </a:solidFill>
+                <a:latin typeface="+mn-lt"/>
+                <a:ea typeface="+mn-ea"/>
+                <a:cs typeface="+mn-cs"/>
+              </a:defRPr>
+            </a:lvl9pPr>
+          </a:lstStyle>
+          <a:p>
+            <a:r>
+              <a:rPr kumimoji="1" lang="ja-JP" altLang="en-US" sz="2400" b="1" dirty="0">
+                <a:latin typeface="BIZ UDPゴシック" panose="020B0400000000000000" pitchFamily="50" charset="-128"/>
+                <a:ea typeface="BIZ UDPゴシック" panose="020B0400000000000000" pitchFamily="50" charset="-128"/>
+              </a:rPr>
+              <a:t>手法</a:t>
+            </a:r>
+          </a:p>
+        </p:txBody>
+      </p:sp>
+      <p:sp>
+        <p:nvSpPr>
+          <p:cNvPr id="7" name="テキスト ボックス 1">
+            <a:extLst>
+              <a:ext uri="{FF2B5EF4-FFF2-40B4-BE49-F238E27FC236}">
+                <a16:creationId xmlns:a16="http://schemas.microsoft.com/office/drawing/2014/main" id="{789173B7-2453-0DC1-BADE-E16F158D78A1}"/>
+              </a:ext>
+            </a:extLst>
+          </p:cNvPr>
+          <p:cNvSpPr txBox="1"/>
+          <p:nvPr/>
+        </p:nvSpPr>
+        <p:spPr>
+          <a:xfrm>
+            <a:off x="683202" y="3740461"/>
+            <a:ext cx="5666798" cy="2753061"/>
+          </a:xfrm>
+          <a:prstGeom prst="rect">
+            <a:avLst/>
+          </a:prstGeom>
+          <a:noFill/>
+        </p:spPr>
+        <p:txBody>
+          <a:bodyPr wrap="square" rtlCol="0">
+            <a:spAutoFit/>
+          </a:bodyPr>
+          <a:lstStyle>
+            <a:defPPr>
+              <a:defRPr lang="en-US"/>
+            </a:defPPr>
+            <a:lvl1pPr marL="0" algn="l" defTabSz="457200" rtl="0" eaLnBrk="1" latinLnBrk="0" hangingPunct="1">
+              <a:defRPr sz="1800" kern="1200">
+                <a:solidFill>
+                  <a:schemeClr val="tx1"/>
+                </a:solidFill>
+                <a:latin typeface="+mn-lt"/>
+                <a:ea typeface="+mn-ea"/>
+                <a:cs typeface="+mn-cs"/>
+              </a:defRPr>
+            </a:lvl1pPr>
+            <a:lvl2pPr marL="457200" algn="l" defTabSz="457200" rtl="0" eaLnBrk="1" latinLnBrk="0" hangingPunct="1">
+              <a:defRPr sz="1800" kern="1200">
+                <a:solidFill>
+                  <a:schemeClr val="tx1"/>
+                </a:solidFill>
+                <a:latin typeface="+mn-lt"/>
+                <a:ea typeface="+mn-ea"/>
+                <a:cs typeface="+mn-cs"/>
+              </a:defRPr>
+            </a:lvl2pPr>
+            <a:lvl3pPr marL="914400" algn="l" defTabSz="457200" rtl="0" eaLnBrk="1" latinLnBrk="0" hangingPunct="1">
+              <a:defRPr sz="1800" kern="1200">
+                <a:solidFill>
+                  <a:schemeClr val="tx1"/>
+                </a:solidFill>
+                <a:latin typeface="+mn-lt"/>
+                <a:ea typeface="+mn-ea"/>
+                <a:cs typeface="+mn-cs"/>
+              </a:defRPr>
+            </a:lvl3pPr>
+            <a:lvl4pPr marL="1371600" algn="l" defTabSz="457200" rtl="0" eaLnBrk="1" latinLnBrk="0" hangingPunct="1">
+              <a:defRPr sz="1800" kern="1200">
+                <a:solidFill>
+                  <a:schemeClr val="tx1"/>
+                </a:solidFill>
+                <a:latin typeface="+mn-lt"/>
+                <a:ea typeface="+mn-ea"/>
+                <a:cs typeface="+mn-cs"/>
+              </a:defRPr>
+            </a:lvl4pPr>
+            <a:lvl5pPr marL="1828800" algn="l" defTabSz="457200" rtl="0" eaLnBrk="1" latinLnBrk="0" hangingPunct="1">
+              <a:defRPr sz="1800" kern="1200">
+                <a:solidFill>
+                  <a:schemeClr val="tx1"/>
+                </a:solidFill>
+                <a:latin typeface="+mn-lt"/>
+                <a:ea typeface="+mn-ea"/>
+                <a:cs typeface="+mn-cs"/>
+              </a:defRPr>
+            </a:lvl5pPr>
+            <a:lvl6pPr marL="2286000" algn="l" defTabSz="457200" rtl="0" eaLnBrk="1" latinLnBrk="0" hangingPunct="1">
+              <a:defRPr sz="1800" kern="1200">
+                <a:solidFill>
+                  <a:schemeClr val="tx1"/>
+                </a:solidFill>
+                <a:latin typeface="+mn-lt"/>
+                <a:ea typeface="+mn-ea"/>
+                <a:cs typeface="+mn-cs"/>
+              </a:defRPr>
+            </a:lvl6pPr>
+            <a:lvl7pPr marL="2743200" algn="l" defTabSz="457200" rtl="0" eaLnBrk="1" latinLnBrk="0" hangingPunct="1">
+              <a:defRPr sz="1800" kern="1200">
+                <a:solidFill>
+                  <a:schemeClr val="tx1"/>
+                </a:solidFill>
+                <a:latin typeface="+mn-lt"/>
+                <a:ea typeface="+mn-ea"/>
+                <a:cs typeface="+mn-cs"/>
+              </a:defRPr>
+            </a:lvl7pPr>
+            <a:lvl8pPr marL="3200400" algn="l" defTabSz="457200" rtl="0" eaLnBrk="1" latinLnBrk="0" hangingPunct="1">
+              <a:defRPr sz="1800" kern="1200">
+                <a:solidFill>
+                  <a:schemeClr val="tx1"/>
+                </a:solidFill>
+                <a:latin typeface="+mn-lt"/>
+                <a:ea typeface="+mn-ea"/>
+                <a:cs typeface="+mn-cs"/>
+              </a:defRPr>
+            </a:lvl8pPr>
+            <a:lvl9pPr marL="3657600" algn="l" defTabSz="457200" rtl="0" eaLnBrk="1" latinLnBrk="0" hangingPunct="1">
+              <a:defRPr sz="1800" kern="1200">
+                <a:solidFill>
+                  <a:schemeClr val="tx1"/>
+                </a:solidFill>
+                <a:latin typeface="+mn-lt"/>
+                <a:ea typeface="+mn-ea"/>
+                <a:cs typeface="+mn-cs"/>
+              </a:defRPr>
+            </a:lvl9pPr>
+          </a:lstStyle>
           <a:p>
             <a:pPr>
               <a:lnSpc>
@@ -7689,13 +7453,340 @@
               </a:lnSpc>
             </a:pPr>
             <a:r>
-              <a:rPr kumimoji="1" lang="ja-JP" altLang="en-US" sz="2400" dirty="0">
-                <a:latin typeface="BIZ UDPゴシック" panose="020B0400000000000000" pitchFamily="50" charset="-128"/>
-                <a:ea typeface="BIZ UDPゴシック" panose="020B0400000000000000" pitchFamily="50" charset="-128"/>
-              </a:rPr>
-              <a:t>歌唱難易度が上がる</a:t>
-            </a:r>
-            <a:endParaRPr kumimoji="1" lang="ja-JP" altLang="en-US" dirty="0"/>
+              <a:rPr lang="ja-JP" altLang="en-US" sz="2000" dirty="0">
+                <a:latin typeface="BIZ UDPゴシック" panose="020B0400000000000000" pitchFamily="50" charset="-128"/>
+                <a:ea typeface="BIZ UDPゴシック" panose="020B0400000000000000" pitchFamily="50" charset="-128"/>
+              </a:rPr>
+              <a:t>歌詞に含まれる各単語の親密度の平均値を測る．</a:t>
+            </a:r>
+            <a:endParaRPr lang="en-US" altLang="ja-JP" sz="2000" dirty="0">
+              <a:latin typeface="BIZ UDPゴシック" panose="020B0400000000000000" pitchFamily="50" charset="-128"/>
+              <a:ea typeface="BIZ UDPゴシック" panose="020B0400000000000000" pitchFamily="50" charset="-128"/>
+            </a:endParaRPr>
+          </a:p>
+          <a:p>
+            <a:pPr>
+              <a:lnSpc>
+                <a:spcPct val="110000"/>
+              </a:lnSpc>
+            </a:pPr>
+            <a:r>
+              <a:rPr kumimoji="1" lang="ja-JP" altLang="en-US" sz="2000" dirty="0">
+                <a:latin typeface="BIZ UDPゴシック" panose="020B0400000000000000" pitchFamily="50" charset="-128"/>
+                <a:ea typeface="BIZ UDPゴシック" panose="020B0400000000000000" pitchFamily="50" charset="-128"/>
+              </a:rPr>
+              <a:t>親密度には，以下の</a:t>
+            </a:r>
+            <a:r>
+              <a:rPr kumimoji="1" lang="en-US" altLang="ja-JP" sz="2000" dirty="0">
+                <a:latin typeface="BIZ UDPゴシック" panose="020B0400000000000000" pitchFamily="50" charset="-128"/>
+                <a:ea typeface="BIZ UDPゴシック" panose="020B0400000000000000" pitchFamily="50" charset="-128"/>
+              </a:rPr>
+              <a:t>3</a:t>
+            </a:r>
+            <a:r>
+              <a:rPr lang="ja-JP" altLang="en-US" sz="2000" dirty="0">
+                <a:latin typeface="BIZ UDPゴシック" panose="020B0400000000000000" pitchFamily="50" charset="-128"/>
+                <a:ea typeface="BIZ UDPゴシック" panose="020B0400000000000000" pitchFamily="50" charset="-128"/>
+              </a:rPr>
+              <a:t>種類がある．</a:t>
+            </a:r>
+            <a:endParaRPr lang="en-US" altLang="ja-JP" sz="2000" dirty="0">
+              <a:latin typeface="BIZ UDPゴシック" panose="020B0400000000000000" pitchFamily="50" charset="-128"/>
+              <a:ea typeface="BIZ UDPゴシック" panose="020B0400000000000000" pitchFamily="50" charset="-128"/>
+            </a:endParaRPr>
+          </a:p>
+          <a:p>
+            <a:pPr marL="342900" indent="-342900">
+              <a:lnSpc>
+                <a:spcPct val="110000"/>
+              </a:lnSpc>
+              <a:buFontTx/>
+              <a:buChar char="-"/>
+            </a:pPr>
+            <a:r>
+              <a:rPr kumimoji="1" lang="zh-TW" altLang="en-US" sz="2000" dirty="0">
+                <a:latin typeface="BIZ UDPゴシック" panose="020B0400000000000000" pitchFamily="50" charset="-128"/>
+                <a:ea typeface="BIZ UDPゴシック" panose="020B0400000000000000" pitchFamily="50" charset="-128"/>
+              </a:rPr>
+              <a:t>文字音声単語親密度</a:t>
+            </a:r>
+            <a:endParaRPr lang="en-US" altLang="zh-TW" sz="2000" dirty="0">
+              <a:latin typeface="BIZ UDPゴシック" panose="020B0400000000000000" pitchFamily="50" charset="-128"/>
+              <a:ea typeface="BIZ UDPゴシック" panose="020B0400000000000000" pitchFamily="50" charset="-128"/>
+            </a:endParaRPr>
+          </a:p>
+          <a:p>
+            <a:pPr marL="342900" indent="-342900">
+              <a:lnSpc>
+                <a:spcPct val="110000"/>
+              </a:lnSpc>
+              <a:buFontTx/>
+              <a:buChar char="-"/>
+            </a:pPr>
+            <a:r>
+              <a:rPr kumimoji="1" lang="zh-TW" altLang="en-US" sz="2000" dirty="0">
+                <a:latin typeface="BIZ UDPゴシック" panose="020B0400000000000000" pitchFamily="50" charset="-128"/>
+                <a:ea typeface="BIZ UDPゴシック" panose="020B0400000000000000" pitchFamily="50" charset="-128"/>
+              </a:rPr>
+              <a:t>音声単語親密度</a:t>
+            </a:r>
+            <a:endParaRPr kumimoji="1" lang="en-US" altLang="zh-TW" sz="2000" dirty="0">
+              <a:latin typeface="BIZ UDPゴシック" panose="020B0400000000000000" pitchFamily="50" charset="-128"/>
+              <a:ea typeface="BIZ UDPゴシック" panose="020B0400000000000000" pitchFamily="50" charset="-128"/>
+            </a:endParaRPr>
+          </a:p>
+          <a:p>
+            <a:pPr marL="342900" indent="-342900">
+              <a:lnSpc>
+                <a:spcPct val="110000"/>
+              </a:lnSpc>
+              <a:buFontTx/>
+              <a:buChar char="-"/>
+            </a:pPr>
+            <a:r>
+              <a:rPr kumimoji="1" lang="zh-TW" altLang="en-US" sz="2000" dirty="0">
+                <a:latin typeface="BIZ UDPゴシック" panose="020B0400000000000000" pitchFamily="50" charset="-128"/>
+                <a:ea typeface="BIZ UDPゴシック" panose="020B0400000000000000" pitchFamily="50" charset="-128"/>
+              </a:rPr>
+              <a:t>文字単語親密度</a:t>
+            </a:r>
+            <a:endParaRPr lang="en-US" altLang="ja-JP" sz="2000" dirty="0">
+              <a:latin typeface="BIZ UDPゴシック" panose="020B0400000000000000" pitchFamily="50" charset="-128"/>
+              <a:ea typeface="BIZ UDPゴシック" panose="020B0400000000000000" pitchFamily="50" charset="-128"/>
+            </a:endParaRPr>
+          </a:p>
+          <a:p>
+            <a:pPr>
+              <a:lnSpc>
+                <a:spcPct val="110000"/>
+              </a:lnSpc>
+            </a:pPr>
+            <a:endParaRPr lang="en-US" altLang="ja-JP" sz="2000" dirty="0">
+              <a:latin typeface="BIZ UDPゴシック" panose="020B0400000000000000" pitchFamily="50" charset="-128"/>
+              <a:ea typeface="BIZ UDPゴシック" panose="020B0400000000000000" pitchFamily="50" charset="-128"/>
+            </a:endParaRPr>
+          </a:p>
+          <a:p>
+            <a:pPr>
+              <a:lnSpc>
+                <a:spcPct val="110000"/>
+              </a:lnSpc>
+            </a:pPr>
+            <a:r>
+              <a:rPr lang="ja-JP" altLang="en-US" sz="2000" dirty="0">
+                <a:latin typeface="BIZ UDPゴシック" panose="020B0400000000000000" pitchFamily="50" charset="-128"/>
+                <a:ea typeface="BIZ UDPゴシック" panose="020B0400000000000000" pitchFamily="50" charset="-128"/>
+              </a:rPr>
+              <a:t>各レベルの平均値をグラフで可視化し，</a:t>
+            </a:r>
+            <a:endParaRPr lang="en-US" altLang="ja-JP" sz="2000" dirty="0">
+              <a:latin typeface="BIZ UDPゴシック" panose="020B0400000000000000" pitchFamily="50" charset="-128"/>
+              <a:ea typeface="BIZ UDPゴシック" panose="020B0400000000000000" pitchFamily="50" charset="-128"/>
+            </a:endParaRPr>
+          </a:p>
+          <a:p>
+            <a:pPr>
+              <a:lnSpc>
+                <a:spcPct val="110000"/>
+              </a:lnSpc>
+            </a:pPr>
+            <a:r>
+              <a:rPr lang="ja-JP" altLang="en-US" sz="2000" dirty="0">
+                <a:latin typeface="BIZ UDPゴシック" panose="020B0400000000000000" pitchFamily="50" charset="-128"/>
+                <a:ea typeface="BIZ UDPゴシック" panose="020B0400000000000000" pitchFamily="50" charset="-128"/>
+              </a:rPr>
+              <a:t>振り分けのばらつき具合を確認する．</a:t>
+            </a:r>
+            <a:endParaRPr kumimoji="1" lang="en-US" altLang="ja-JP" sz="2000" dirty="0">
+              <a:latin typeface="BIZ UDPゴシック" panose="020B0400000000000000" pitchFamily="50" charset="-128"/>
+              <a:ea typeface="BIZ UDPゴシック" panose="020B0400000000000000" pitchFamily="50" charset="-128"/>
+            </a:endParaRPr>
+          </a:p>
+        </p:txBody>
+      </p:sp>
+      <p:sp>
+        <p:nvSpPr>
+          <p:cNvPr id="8" name="四角形: 角を丸くする 7">
+            <a:extLst>
+              <a:ext uri="{FF2B5EF4-FFF2-40B4-BE49-F238E27FC236}">
+                <a16:creationId xmlns:a16="http://schemas.microsoft.com/office/drawing/2014/main" id="{9360DBE4-3A76-9602-13C3-9DFE91E8A04C}"/>
+              </a:ext>
+            </a:extLst>
+          </p:cNvPr>
+          <p:cNvSpPr/>
+          <p:nvPr/>
+        </p:nvSpPr>
+        <p:spPr>
+          <a:xfrm>
+            <a:off x="6536748" y="4136784"/>
+            <a:ext cx="5194300" cy="2182847"/>
+          </a:xfrm>
+          <a:prstGeom prst="roundRect">
+            <a:avLst/>
+          </a:prstGeom>
+          <a:noFill/>
+          <a:ln w="38100">
+            <a:solidFill>
+              <a:schemeClr val="accent2">
+                <a:lumMod val="60000"/>
+                <a:lumOff val="40000"/>
+              </a:schemeClr>
+            </a:solidFill>
+          </a:ln>
+        </p:spPr>
+        <p:style>
+          <a:lnRef idx="2">
+            <a:schemeClr val="accent1">
+              <a:shade val="15000"/>
+            </a:schemeClr>
+          </a:lnRef>
+          <a:fillRef idx="1">
+            <a:schemeClr val="accent1"/>
+          </a:fillRef>
+          <a:effectRef idx="0">
+            <a:schemeClr val="accent1"/>
+          </a:effectRef>
+          <a:fontRef idx="minor">
+            <a:schemeClr val="lt1"/>
+          </a:fontRef>
+        </p:style>
+        <p:txBody>
+          <a:bodyPr rtlCol="0" anchor="ctr"/>
+          <a:lstStyle/>
+          <a:p>
+            <a:pPr>
+              <a:lnSpc>
+                <a:spcPct val="110000"/>
+              </a:lnSpc>
+            </a:pPr>
+            <a:r>
+              <a:rPr lang="ja-JP" altLang="en-US" sz="1800" dirty="0">
+                <a:solidFill>
+                  <a:schemeClr val="tx1"/>
+                </a:solidFill>
+                <a:latin typeface="BIZ UDPゴシック" panose="020B0400000000000000" pitchFamily="50" charset="-128"/>
+                <a:ea typeface="BIZ UDPゴシック" panose="020B0400000000000000" pitchFamily="50" charset="-128"/>
+              </a:rPr>
+              <a:t>単語親密度の振り分けには以下を用いる．</a:t>
+            </a:r>
+            <a:endParaRPr kumimoji="1" lang="en-US" altLang="ja-JP" sz="1800" dirty="0">
+              <a:solidFill>
+                <a:schemeClr val="tx1"/>
+              </a:solidFill>
+              <a:latin typeface="BIZ UDPゴシック" panose="020B0400000000000000" pitchFamily="50" charset="-128"/>
+              <a:ea typeface="BIZ UDPゴシック" panose="020B0400000000000000" pitchFamily="50" charset="-128"/>
+            </a:endParaRPr>
+          </a:p>
+          <a:p>
+            <a:pPr marL="342900" indent="-342900">
+              <a:lnSpc>
+                <a:spcPct val="110000"/>
+              </a:lnSpc>
+              <a:buFontTx/>
+              <a:buChar char="-"/>
+            </a:pPr>
+            <a:r>
+              <a:rPr lang="en-US" altLang="ja-JP" dirty="0">
+                <a:solidFill>
+                  <a:schemeClr val="tx1"/>
+                </a:solidFill>
+                <a:latin typeface="BIZ UDPゴシック" panose="020B0400000000000000" pitchFamily="50" charset="-128"/>
+                <a:ea typeface="BIZ UDPゴシック" panose="020B0400000000000000" pitchFamily="50" charset="-128"/>
+              </a:rPr>
+              <a:t>NTT</a:t>
+            </a:r>
+            <a:r>
+              <a:rPr lang="ja-JP" altLang="en-US" dirty="0">
+                <a:solidFill>
+                  <a:schemeClr val="tx1"/>
+                </a:solidFill>
+                <a:latin typeface="BIZ UDPゴシック" panose="020B0400000000000000" pitchFamily="50" charset="-128"/>
+                <a:ea typeface="BIZ UDPゴシック" panose="020B0400000000000000" pitchFamily="50" charset="-128"/>
+              </a:rPr>
+              <a:t>単語親密度データベース平成版</a:t>
+            </a:r>
+            <a:endParaRPr lang="en-US" altLang="ja-JP" sz="1800" dirty="0">
+              <a:solidFill>
+                <a:schemeClr val="tx1"/>
+              </a:solidFill>
+              <a:latin typeface="BIZ UDPゴシック" panose="020B0400000000000000" pitchFamily="50" charset="-128"/>
+              <a:ea typeface="BIZ UDPゴシック" panose="020B0400000000000000" pitchFamily="50" charset="-128"/>
+            </a:endParaRPr>
+          </a:p>
+          <a:p>
+            <a:pPr>
+              <a:lnSpc>
+                <a:spcPct val="110000"/>
+              </a:lnSpc>
+            </a:pPr>
+            <a:endParaRPr lang="en-US" altLang="ja-JP" sz="1800" dirty="0">
+              <a:solidFill>
+                <a:schemeClr val="tx1"/>
+              </a:solidFill>
+              <a:latin typeface="BIZ UDPゴシック" panose="020B0400000000000000" pitchFamily="50" charset="-128"/>
+              <a:ea typeface="BIZ UDPゴシック" panose="020B0400000000000000" pitchFamily="50" charset="-128"/>
+            </a:endParaRPr>
+          </a:p>
+          <a:p>
+            <a:pPr>
+              <a:lnSpc>
+                <a:spcPct val="110000"/>
+              </a:lnSpc>
+            </a:pPr>
+            <a:r>
+              <a:rPr lang="ja-JP" altLang="en-US" sz="1800" dirty="0">
+                <a:solidFill>
+                  <a:schemeClr val="tx1"/>
+                </a:solidFill>
+                <a:latin typeface="BIZ UDPゴシック" panose="020B0400000000000000" pitchFamily="50" charset="-128"/>
+                <a:ea typeface="BIZ UDPゴシック" panose="020B0400000000000000" pitchFamily="50" charset="-128"/>
+              </a:rPr>
+              <a:t>歌詞データには以下を用いる．</a:t>
+            </a:r>
+            <a:endParaRPr lang="en-US" altLang="ja-JP" sz="1800" dirty="0">
+              <a:solidFill>
+                <a:schemeClr val="tx1"/>
+              </a:solidFill>
+              <a:latin typeface="BIZ UDPゴシック" panose="020B0400000000000000" pitchFamily="50" charset="-128"/>
+              <a:ea typeface="BIZ UDPゴシック" panose="020B0400000000000000" pitchFamily="50" charset="-128"/>
+            </a:endParaRPr>
+          </a:p>
+          <a:p>
+            <a:pPr marL="342900" indent="-342900">
+              <a:lnSpc>
+                <a:spcPct val="110000"/>
+              </a:lnSpc>
+              <a:buFontTx/>
+              <a:buChar char="-"/>
+            </a:pPr>
+            <a:r>
+              <a:rPr lang="en-US" altLang="ja-JP" sz="1800" dirty="0">
+                <a:solidFill>
+                  <a:schemeClr val="tx1"/>
+                </a:solidFill>
+                <a:latin typeface="BIZ UDPゴシック" panose="020B0400000000000000" pitchFamily="50" charset="-128"/>
+                <a:ea typeface="BIZ UDPゴシック" panose="020B0400000000000000" pitchFamily="50" charset="-128"/>
+              </a:rPr>
+              <a:t>VOCALOID</a:t>
+            </a:r>
+            <a:r>
+              <a:rPr lang="ja-JP" altLang="en-US" sz="1800" dirty="0">
+                <a:solidFill>
+                  <a:schemeClr val="tx1"/>
+                </a:solidFill>
+                <a:latin typeface="BIZ UDPゴシック" panose="020B0400000000000000" pitchFamily="50" charset="-128"/>
+                <a:ea typeface="BIZ UDPゴシック" panose="020B0400000000000000" pitchFamily="50" charset="-128"/>
+              </a:rPr>
+              <a:t>曲難易度表</a:t>
+            </a:r>
+            <a:endParaRPr kumimoji="1" lang="en-US" altLang="ja-JP" sz="1800" dirty="0">
+              <a:solidFill>
+                <a:schemeClr val="tx1"/>
+              </a:solidFill>
+              <a:latin typeface="BIZ UDPゴシック" panose="020B0400000000000000" pitchFamily="50" charset="-128"/>
+              <a:ea typeface="BIZ UDPゴシック" panose="020B0400000000000000" pitchFamily="50" charset="-128"/>
+            </a:endParaRPr>
           </a:p>
         </p:txBody>
       </p:sp>
@@ -7810,6 +7901,113 @@
     <p:extLst>
       <p:ext uri="{BB962C8B-B14F-4D97-AF65-F5344CB8AC3E}">
         <p14:creationId xmlns:p14="http://schemas.microsoft.com/office/powerpoint/2010/main" val="1004728229"/>
+      </p:ext>
+    </p:extLst>
+  </p:cSld>
+  <p:clrMapOvr>
+    <a:masterClrMapping/>
+  </p:clrMapOvr>
+</p:sld>
+</file>
+
+<file path=ppt/slides/slide12.xml><?xml version="1.0" encoding="utf-8"?>
+<p:sld xmlns:a="http://schemas.openxmlformats.org/drawingml/2006/main" xmlns:r="http://schemas.openxmlformats.org/officeDocument/2006/relationships" xmlns:p="http://schemas.openxmlformats.org/presentationml/2006/main">
+  <p:cSld>
+    <p:spTree>
+      <p:nvGrpSpPr>
+        <p:cNvPr id="1" name="">
+          <a:extLst>
+            <a:ext uri="{FF2B5EF4-FFF2-40B4-BE49-F238E27FC236}">
+              <a16:creationId xmlns:a16="http://schemas.microsoft.com/office/drawing/2014/main" id="{A555EAB4-205A-2086-D9E0-FE316B4C8AD2}"/>
+            </a:ext>
+          </a:extLst>
+        </p:cNvPr>
+        <p:cNvGrpSpPr/>
+        <p:nvPr/>
+      </p:nvGrpSpPr>
+      <p:grpSpPr>
+        <a:xfrm>
+          <a:off x="0" y="0"/>
+          <a:ext cx="0" cy="0"/>
+          <a:chOff x="0" y="0"/>
+          <a:chExt cx="0" cy="0"/>
+        </a:xfrm>
+      </p:grpSpPr>
+      <p:sp>
+        <p:nvSpPr>
+          <p:cNvPr id="4" name="正方形/長方形 3">
+            <a:extLst>
+              <a:ext uri="{FF2B5EF4-FFF2-40B4-BE49-F238E27FC236}">
+                <a16:creationId xmlns:a16="http://schemas.microsoft.com/office/drawing/2014/main" id="{1631217F-F414-275E-1FF3-B711815919A9}"/>
+              </a:ext>
+            </a:extLst>
+          </p:cNvPr>
+          <p:cNvSpPr/>
+          <p:nvPr/>
+        </p:nvSpPr>
+        <p:spPr>
+          <a:xfrm>
+            <a:off x="0" y="-1"/>
+            <a:ext cx="12192000" cy="995881"/>
+          </a:xfrm>
+          <a:prstGeom prst="rect">
+            <a:avLst/>
+          </a:prstGeom>
+          <a:solidFill>
+            <a:schemeClr val="accent1">
+              <a:lumMod val="60000"/>
+              <a:lumOff val="40000"/>
+            </a:schemeClr>
+          </a:solidFill>
+          <a:ln>
+            <a:noFill/>
+          </a:ln>
+        </p:spPr>
+        <p:style>
+          <a:lnRef idx="2">
+            <a:schemeClr val="accent1">
+              <a:shade val="15000"/>
+            </a:schemeClr>
+          </a:lnRef>
+          <a:fillRef idx="1">
+            <a:schemeClr val="accent1"/>
+          </a:fillRef>
+          <a:effectRef idx="0">
+            <a:schemeClr val="accent1"/>
+          </a:effectRef>
+          <a:fontRef idx="minor">
+            <a:schemeClr val="lt1"/>
+          </a:fontRef>
+        </p:style>
+        <p:txBody>
+          <a:bodyPr rtlCol="0" anchor="ctr"/>
+          <a:lstStyle/>
+          <a:p>
+            <a:r>
+              <a:rPr kumimoji="1" lang="ja-JP" altLang="en-US" sz="3600" dirty="0">
+                <a:latin typeface="BIZ UDPゴシック" panose="020B0400000000000000" pitchFamily="50" charset="-128"/>
+                <a:ea typeface="BIZ UDPゴシック" panose="020B0400000000000000" pitchFamily="50" charset="-128"/>
+              </a:rPr>
+              <a:t>実験</a:t>
+            </a:r>
+            <a:r>
+              <a:rPr lang="ja-JP" altLang="en-US" sz="3600" dirty="0">
+                <a:latin typeface="BIZ UDPゴシック" panose="020B0400000000000000" pitchFamily="50" charset="-128"/>
+                <a:ea typeface="BIZ UDPゴシック" panose="020B0400000000000000" pitchFamily="50" charset="-128"/>
+              </a:rPr>
+              <a:t>結果</a:t>
+            </a:r>
+            <a:endParaRPr kumimoji="1" lang="ja-JP" altLang="en-US" sz="3600" dirty="0">
+              <a:latin typeface="BIZ UDPゴシック" panose="020B0400000000000000" pitchFamily="50" charset="-128"/>
+              <a:ea typeface="BIZ UDPゴシック" panose="020B0400000000000000" pitchFamily="50" charset="-128"/>
+            </a:endParaRPr>
+          </a:p>
+        </p:txBody>
+      </p:sp>
+    </p:spTree>
+    <p:extLst>
+      <p:ext uri="{BB962C8B-B14F-4D97-AF65-F5344CB8AC3E}">
+        <p14:creationId xmlns:p14="http://schemas.microsoft.com/office/powerpoint/2010/main" val="453686876"/>
       </p:ext>
     </p:extLst>
   </p:cSld>

--- a/年末発表.pptx
+++ b/年末発表.pptx
@@ -130,7 +130,7 @@
 <file path=ppt/revisionInfo.xml><?xml version="1.0" encoding="utf-8"?>
 <p1510:revInfo xmlns:a="http://schemas.openxmlformats.org/drawingml/2006/main" xmlns:r="http://schemas.openxmlformats.org/officeDocument/2006/relationships" xmlns:p1510="http://schemas.microsoft.com/office/powerpoint/2015/10/main">
   <p1510:revLst>
-    <p1510:client id="{1418AA70-33E9-4B69-939A-C06B7A338941}" v="31" dt="2024-12-19T11:28:30.634"/>
+    <p1510:client id="{1418AA70-33E9-4B69-939A-C06B7A338941}" v="37" dt="2024-12-19T11:58:07.139"/>
   </p1510:revLst>
 </p1510:revInfo>
 </file>
@@ -140,12 +140,12 @@
   <pc:docChgLst>
     <pc:chgData name="谷　知紘(s21t317)" userId="a3db8153-261a-4ffb-baa1-abaad328fd73" providerId="ADAL" clId="{1418AA70-33E9-4B69-939A-C06B7A338941}"/>
     <pc:docChg chg="undo redo custSel addSld modSld">
-      <pc:chgData name="谷　知紘(s21t317)" userId="a3db8153-261a-4ffb-baa1-abaad328fd73" providerId="ADAL" clId="{1418AA70-33E9-4B69-939A-C06B7A338941}" dt="2024-12-19T11:28:30.634" v="1726" actId="478"/>
+      <pc:chgData name="谷　知紘(s21t317)" userId="a3db8153-261a-4ffb-baa1-abaad328fd73" providerId="ADAL" clId="{1418AA70-33E9-4B69-939A-C06B7A338941}" dt="2024-12-19T12:01:12.747" v="2149" actId="20577"/>
       <pc:docMkLst>
         <pc:docMk/>
       </pc:docMkLst>
       <pc:sldChg chg="addSp delSp modSp mod">
-        <pc:chgData name="谷　知紘(s21t317)" userId="a3db8153-261a-4ffb-baa1-abaad328fd73" providerId="ADAL" clId="{1418AA70-33E9-4B69-939A-C06B7A338941}" dt="2024-12-19T11:28:30.634" v="1726" actId="478"/>
+        <pc:chgData name="谷　知紘(s21t317)" userId="a3db8153-261a-4ffb-baa1-abaad328fd73" providerId="ADAL" clId="{1418AA70-33E9-4B69-939A-C06B7A338941}" dt="2024-12-19T11:47:08.484" v="1811"/>
         <pc:sldMkLst>
           <pc:docMk/>
           <pc:sldMk cId="1542432316" sldId="257"/>
@@ -167,7 +167,7 @@
           </ac:spMkLst>
         </pc:spChg>
         <pc:picChg chg="add mod ord">
-          <ac:chgData name="谷　知紘(s21t317)" userId="a3db8153-261a-4ffb-baa1-abaad328fd73" providerId="ADAL" clId="{1418AA70-33E9-4B69-939A-C06B7A338941}" dt="2024-12-19T11:28:22.258" v="1724" actId="167"/>
+          <ac:chgData name="谷　知紘(s21t317)" userId="a3db8153-261a-4ffb-baa1-abaad328fd73" providerId="ADAL" clId="{1418AA70-33E9-4B69-939A-C06B7A338941}" dt="2024-12-19T11:47:08.484" v="1811"/>
           <ac:picMkLst>
             <pc:docMk/>
             <pc:sldMk cId="1542432316" sldId="257"/>
@@ -294,11 +294,19 @@
         </pc:spChg>
       </pc:sldChg>
       <pc:sldChg chg="modSp mod">
-        <pc:chgData name="谷　知紘(s21t317)" userId="a3db8153-261a-4ffb-baa1-abaad328fd73" providerId="ADAL" clId="{1418AA70-33E9-4B69-939A-C06B7A338941}" dt="2024-12-19T10:38:18.666" v="992" actId="1076"/>
+        <pc:chgData name="谷　知紘(s21t317)" userId="a3db8153-261a-4ffb-baa1-abaad328fd73" providerId="ADAL" clId="{1418AA70-33E9-4B69-939A-C06B7A338941}" dt="2024-12-19T12:01:12.747" v="2149" actId="20577"/>
         <pc:sldMkLst>
           <pc:docMk/>
           <pc:sldMk cId="1122583501" sldId="261"/>
         </pc:sldMkLst>
+        <pc:spChg chg="mod">
+          <ac:chgData name="谷　知紘(s21t317)" userId="a3db8153-261a-4ffb-baa1-abaad328fd73" providerId="ADAL" clId="{1418AA70-33E9-4B69-939A-C06B7A338941}" dt="2024-12-19T12:01:12.747" v="2149" actId="20577"/>
+          <ac:spMkLst>
+            <pc:docMk/>
+            <pc:sldMk cId="1122583501" sldId="261"/>
+            <ac:spMk id="4" creationId="{DDFBCFE8-8909-71D8-6B34-D8A06A8271EA}"/>
+          </ac:spMkLst>
+        </pc:spChg>
         <pc:spChg chg="mod">
           <ac:chgData name="谷　知紘(s21t317)" userId="a3db8153-261a-4ffb-baa1-abaad328fd73" providerId="ADAL" clId="{1418AA70-33E9-4B69-939A-C06B7A338941}" dt="2024-12-19T10:38:18.666" v="992" actId="1076"/>
           <ac:spMkLst>
@@ -405,7 +413,22 @@
         </pc:picChg>
       </pc:sldChg>
       <pc:sldChg chg="modSp mod">
-        <pc:chgData name="谷　知紘(s21t317)" userId="a3db8153-261a-4ffb-baa1-abaad328fd73" providerId="ADAL" clId="{1418AA70-33E9-4B69-939A-C06B7A338941}" dt="2024-12-19T10:26:39.383" v="792" actId="20577"/>
+        <pc:chgData name="谷　知紘(s21t317)" userId="a3db8153-261a-4ffb-baa1-abaad328fd73" providerId="ADAL" clId="{1418AA70-33E9-4B69-939A-C06B7A338941}" dt="2024-12-19T12:01:08.984" v="2147" actId="20577"/>
+        <pc:sldMkLst>
+          <pc:docMk/>
+          <pc:sldMk cId="1716504565" sldId="262"/>
+        </pc:sldMkLst>
+        <pc:spChg chg="mod">
+          <ac:chgData name="谷　知紘(s21t317)" userId="a3db8153-261a-4ffb-baa1-abaad328fd73" providerId="ADAL" clId="{1418AA70-33E9-4B69-939A-C06B7A338941}" dt="2024-12-19T12:01:08.984" v="2147" actId="20577"/>
+          <ac:spMkLst>
+            <pc:docMk/>
+            <pc:sldMk cId="1716504565" sldId="262"/>
+            <ac:spMk id="4" creationId="{6E2F93E8-9587-C9D2-7537-3857A45132CA}"/>
+          </ac:spMkLst>
+        </pc:spChg>
+      </pc:sldChg>
+      <pc:sldChg chg="modSp mod">
+        <pc:chgData name="谷　知紘(s21t317)" userId="a3db8153-261a-4ffb-baa1-abaad328fd73" providerId="ADAL" clId="{1418AA70-33E9-4B69-939A-C06B7A338941}" dt="2024-12-19T11:40:21.142" v="1810" actId="20577"/>
         <pc:sldMkLst>
           <pc:docMk/>
           <pc:sldMk cId="285224269" sldId="264"/>
@@ -419,7 +442,7 @@
           </ac:spMkLst>
         </pc:spChg>
         <pc:spChg chg="mod">
-          <ac:chgData name="谷　知紘(s21t317)" userId="a3db8153-261a-4ffb-baa1-abaad328fd73" providerId="ADAL" clId="{1418AA70-33E9-4B69-939A-C06B7A338941}" dt="2024-12-19T10:25:37.891" v="780" actId="20577"/>
+          <ac:chgData name="谷　知紘(s21t317)" userId="a3db8153-261a-4ffb-baa1-abaad328fd73" providerId="ADAL" clId="{1418AA70-33E9-4B69-939A-C06B7A338941}" dt="2024-12-19T11:40:21.142" v="1810" actId="20577"/>
           <ac:spMkLst>
             <pc:docMk/>
             <pc:sldMk cId="285224269" sldId="264"/>
@@ -427,12 +450,20 @@
           </ac:spMkLst>
         </pc:spChg>
       </pc:sldChg>
-      <pc:sldChg chg="modSp">
-        <pc:chgData name="谷　知紘(s21t317)" userId="a3db8153-261a-4ffb-baa1-abaad328fd73" providerId="ADAL" clId="{1418AA70-33E9-4B69-939A-C06B7A338941}" dt="2024-12-19T09:55:16.460" v="427" actId="20577"/>
+      <pc:sldChg chg="modSp mod">
+        <pc:chgData name="谷　知紘(s21t317)" userId="a3db8153-261a-4ffb-baa1-abaad328fd73" providerId="ADAL" clId="{1418AA70-33E9-4B69-939A-C06B7A338941}" dt="2024-12-19T12:01:01.736" v="2145" actId="20577"/>
         <pc:sldMkLst>
           <pc:docMk/>
           <pc:sldMk cId="395813214" sldId="265"/>
         </pc:sldMkLst>
+        <pc:spChg chg="mod">
+          <ac:chgData name="谷　知紘(s21t317)" userId="a3db8153-261a-4ffb-baa1-abaad328fd73" providerId="ADAL" clId="{1418AA70-33E9-4B69-939A-C06B7A338941}" dt="2024-12-19T12:01:01.736" v="2145" actId="20577"/>
+          <ac:spMkLst>
+            <pc:docMk/>
+            <pc:sldMk cId="395813214" sldId="265"/>
+            <ac:spMk id="4" creationId="{8870D87B-6B1C-852C-4BB9-DC4F020333E5}"/>
+          </ac:spMkLst>
+        </pc:spChg>
         <pc:graphicFrameChg chg="mod">
           <ac:chgData name="谷　知紘(s21t317)" userId="a3db8153-261a-4ffb-baa1-abaad328fd73" providerId="ADAL" clId="{1418AA70-33E9-4B69-939A-C06B7A338941}" dt="2024-12-19T09:55:16.460" v="427" actId="20577"/>
           <ac:graphicFrameMkLst>
@@ -443,7 +474,7 @@
         </pc:graphicFrameChg>
       </pc:sldChg>
       <pc:sldChg chg="addSp modSp mod">
-        <pc:chgData name="谷　知紘(s21t317)" userId="a3db8153-261a-4ffb-baa1-abaad328fd73" providerId="ADAL" clId="{1418AA70-33E9-4B69-939A-C06B7A338941}" dt="2024-12-19T10:26:57.255" v="806" actId="20577"/>
+        <pc:chgData name="谷　知紘(s21t317)" userId="a3db8153-261a-4ffb-baa1-abaad328fd73" providerId="ADAL" clId="{1418AA70-33E9-4B69-939A-C06B7A338941}" dt="2024-12-19T11:40:14.262" v="1808" actId="20577"/>
         <pc:sldMkLst>
           <pc:docMk/>
           <pc:sldMk cId="503107946" sldId="266"/>
@@ -457,7 +488,7 @@
           </ac:spMkLst>
         </pc:spChg>
         <pc:spChg chg="mod">
-          <ac:chgData name="谷　知紘(s21t317)" userId="a3db8153-261a-4ffb-baa1-abaad328fd73" providerId="ADAL" clId="{1418AA70-33E9-4B69-939A-C06B7A338941}" dt="2024-12-19T10:26:53.658" v="799" actId="20577"/>
+          <ac:chgData name="谷　知紘(s21t317)" userId="a3db8153-261a-4ffb-baa1-abaad328fd73" providerId="ADAL" clId="{1418AA70-33E9-4B69-939A-C06B7A338941}" dt="2024-12-19T11:40:14.262" v="1808" actId="20577"/>
           <ac:spMkLst>
             <pc:docMk/>
             <pc:sldMk cId="503107946" sldId="266"/>
@@ -498,7 +529,7 @@
         </pc:spChg>
       </pc:sldChg>
       <pc:sldChg chg="addSp modSp mod">
-        <pc:chgData name="谷　知紘(s21t317)" userId="a3db8153-261a-4ffb-baa1-abaad328fd73" providerId="ADAL" clId="{1418AA70-33E9-4B69-939A-C06B7A338941}" dt="2024-12-19T10:29:08.274" v="919" actId="1076"/>
+        <pc:chgData name="谷　知紘(s21t317)" userId="a3db8153-261a-4ffb-baa1-abaad328fd73" providerId="ADAL" clId="{1418AA70-33E9-4B69-939A-C06B7A338941}" dt="2024-12-19T12:00:55.711" v="2141" actId="20577"/>
         <pc:sldMkLst>
           <pc:docMk/>
           <pc:sldMk cId="1004728229" sldId="267"/>
@@ -509,6 +540,14 @@
             <pc:docMk/>
             <pc:sldMk cId="1004728229" sldId="267"/>
             <ac:spMk id="3" creationId="{906ADBBA-B2D6-996E-23B6-82071A5628F8}"/>
+          </ac:spMkLst>
+        </pc:spChg>
+        <pc:spChg chg="mod">
+          <ac:chgData name="谷　知紘(s21t317)" userId="a3db8153-261a-4ffb-baa1-abaad328fd73" providerId="ADAL" clId="{1418AA70-33E9-4B69-939A-C06B7A338941}" dt="2024-12-19T12:00:55.711" v="2141" actId="20577"/>
+          <ac:spMkLst>
+            <pc:docMk/>
+            <pc:sldMk cId="1004728229" sldId="267"/>
+            <ac:spMk id="4" creationId="{4638CAD1-5E2D-3CD0-2878-1DF9BB8AF838}"/>
           </ac:spMkLst>
         </pc:spChg>
         <pc:spChg chg="add mod">
@@ -536,7 +575,7 @@
           </ac:spMkLst>
         </pc:spChg>
         <pc:spChg chg="add mod">
-          <ac:chgData name="谷　知紘(s21t317)" userId="a3db8153-261a-4ffb-baa1-abaad328fd73" providerId="ADAL" clId="{1418AA70-33E9-4B69-939A-C06B7A338941}" dt="2024-12-19T10:29:08.274" v="919" actId="1076"/>
+          <ac:chgData name="谷　知紘(s21t317)" userId="a3db8153-261a-4ffb-baa1-abaad328fd73" providerId="ADAL" clId="{1418AA70-33E9-4B69-939A-C06B7A338941}" dt="2024-12-19T11:34:41.443" v="1803" actId="1076"/>
           <ac:spMkLst>
             <pc:docMk/>
             <pc:sldMk cId="1004728229" sldId="267"/>
@@ -560,7 +599,7 @@
           </ac:spMkLst>
         </pc:spChg>
         <pc:spChg chg="add mod">
-          <ac:chgData name="谷　知紘(s21t317)" userId="a3db8153-261a-4ffb-baa1-abaad328fd73" providerId="ADAL" clId="{1418AA70-33E9-4B69-939A-C06B7A338941}" dt="2024-12-19T10:27:24.078" v="811" actId="1076"/>
+          <ac:chgData name="谷　知紘(s21t317)" userId="a3db8153-261a-4ffb-baa1-abaad328fd73" providerId="ADAL" clId="{1418AA70-33E9-4B69-939A-C06B7A338941}" dt="2024-12-19T11:34:44.993" v="1804" actId="1076"/>
           <ac:spMkLst>
             <pc:docMk/>
             <pc:sldMk cId="1004728229" sldId="267"/>
@@ -577,13 +616,13 @@
         </pc:graphicFrameChg>
       </pc:sldChg>
       <pc:sldChg chg="addSp delSp modSp add mod">
-        <pc:chgData name="谷　知紘(s21t317)" userId="a3db8153-261a-4ffb-baa1-abaad328fd73" providerId="ADAL" clId="{1418AA70-33E9-4B69-939A-C06B7A338941}" dt="2024-12-19T11:18:00.878" v="1705" actId="1076"/>
+        <pc:chgData name="谷　知紘(s21t317)" userId="a3db8153-261a-4ffb-baa1-abaad328fd73" providerId="ADAL" clId="{1418AA70-33E9-4B69-939A-C06B7A338941}" dt="2024-12-19T11:59:43.711" v="2132" actId="11529"/>
         <pc:sldMkLst>
           <pc:docMk/>
           <pc:sldMk cId="453686876" sldId="268"/>
         </pc:sldMkLst>
         <pc:spChg chg="add mod">
-          <ac:chgData name="谷　知紘(s21t317)" userId="a3db8153-261a-4ffb-baa1-abaad328fd73" providerId="ADAL" clId="{1418AA70-33E9-4B69-939A-C06B7A338941}" dt="2024-12-19T11:18:00.878" v="1705" actId="1076"/>
+          <ac:chgData name="谷　知紘(s21t317)" userId="a3db8153-261a-4ffb-baa1-abaad328fd73" providerId="ADAL" clId="{1418AA70-33E9-4B69-939A-C06B7A338941}" dt="2024-12-19T11:33:46.313" v="1774" actId="1076"/>
           <ac:spMkLst>
             <pc:docMk/>
             <pc:sldMk cId="453686876" sldId="268"/>
@@ -591,7 +630,7 @@
           </ac:spMkLst>
         </pc:spChg>
         <pc:spChg chg="add mod">
-          <ac:chgData name="谷　知紘(s21t317)" userId="a3db8153-261a-4ffb-baa1-abaad328fd73" providerId="ADAL" clId="{1418AA70-33E9-4B69-939A-C06B7A338941}" dt="2024-12-19T11:17:24.581" v="1690" actId="1076"/>
+          <ac:chgData name="谷　知紘(s21t317)" userId="a3db8153-261a-4ffb-baa1-abaad328fd73" providerId="ADAL" clId="{1418AA70-33E9-4B69-939A-C06B7A338941}" dt="2024-12-19T11:30:01.346" v="1727" actId="1076"/>
           <ac:spMkLst>
             <pc:docMk/>
             <pc:sldMk cId="453686876" sldId="268"/>
@@ -607,7 +646,7 @@
           </ac:spMkLst>
         </pc:spChg>
         <pc:spChg chg="add mod">
-          <ac:chgData name="谷　知紘(s21t317)" userId="a3db8153-261a-4ffb-baa1-abaad328fd73" providerId="ADAL" clId="{1418AA70-33E9-4B69-939A-C06B7A338941}" dt="2024-12-19T11:17:45.847" v="1704" actId="14100"/>
+          <ac:chgData name="谷　知紘(s21t317)" userId="a3db8153-261a-4ffb-baa1-abaad328fd73" providerId="ADAL" clId="{1418AA70-33E9-4B69-939A-C06B7A338941}" dt="2024-12-19T11:30:01.346" v="1727" actId="1076"/>
           <ac:spMkLst>
             <pc:docMk/>
             <pc:sldMk cId="453686876" sldId="268"/>
@@ -615,7 +654,7 @@
           </ac:spMkLst>
         </pc:spChg>
         <pc:spChg chg="add mod">
-          <ac:chgData name="谷　知紘(s21t317)" userId="a3db8153-261a-4ffb-baa1-abaad328fd73" providerId="ADAL" clId="{1418AA70-33E9-4B69-939A-C06B7A338941}" dt="2024-12-19T11:17:24.581" v="1690" actId="1076"/>
+          <ac:chgData name="谷　知紘(s21t317)" userId="a3db8153-261a-4ffb-baa1-abaad328fd73" providerId="ADAL" clId="{1418AA70-33E9-4B69-939A-C06B7A338941}" dt="2024-12-19T11:30:01.346" v="1727" actId="1076"/>
           <ac:spMkLst>
             <pc:docMk/>
             <pc:sldMk cId="453686876" sldId="268"/>
@@ -623,7 +662,7 @@
           </ac:spMkLst>
         </pc:spChg>
         <pc:spChg chg="add mod">
-          <ac:chgData name="谷　知紘(s21t317)" userId="a3db8153-261a-4ffb-baa1-abaad328fd73" providerId="ADAL" clId="{1418AA70-33E9-4B69-939A-C06B7A338941}" dt="2024-12-19T11:17:24.581" v="1690" actId="1076"/>
+          <ac:chgData name="谷　知紘(s21t317)" userId="a3db8153-261a-4ffb-baa1-abaad328fd73" providerId="ADAL" clId="{1418AA70-33E9-4B69-939A-C06B7A338941}" dt="2024-12-19T11:30:01.346" v="1727" actId="1076"/>
           <ac:spMkLst>
             <pc:docMk/>
             <pc:sldMk cId="453686876" sldId="268"/>
@@ -638,6 +677,22 @@
             <ac:spMk id="8" creationId="{717A1FB9-36C6-FAAD-B060-DE32BA2A2B83}"/>
           </ac:spMkLst>
         </pc:spChg>
+        <pc:spChg chg="add mod">
+          <ac:chgData name="谷　知紘(s21t317)" userId="a3db8153-261a-4ffb-baa1-abaad328fd73" providerId="ADAL" clId="{1418AA70-33E9-4B69-939A-C06B7A338941}" dt="2024-12-19T11:59:24.375" v="2130" actId="1076"/>
+          <ac:spMkLst>
+            <pc:docMk/>
+            <pc:sldMk cId="453686876" sldId="268"/>
+            <ac:spMk id="8" creationId="{7BCE9074-9F66-4531-3E6D-49DEA50E821F}"/>
+          </ac:spMkLst>
+        </pc:spChg>
+        <pc:spChg chg="add mod">
+          <ac:chgData name="谷　知紘(s21t317)" userId="a3db8153-261a-4ffb-baa1-abaad328fd73" providerId="ADAL" clId="{1418AA70-33E9-4B69-939A-C06B7A338941}" dt="2024-12-19T11:59:24.375" v="2130" actId="1076"/>
+          <ac:spMkLst>
+            <pc:docMk/>
+            <pc:sldMk cId="453686876" sldId="268"/>
+            <ac:spMk id="9" creationId="{00A5FC8F-AA50-C1EC-CCBD-A983960FFCF7}"/>
+          </ac:spMkLst>
+        </pc:spChg>
         <pc:spChg chg="add del mod">
           <ac:chgData name="谷　知紘(s21t317)" userId="a3db8153-261a-4ffb-baa1-abaad328fd73" providerId="ADAL" clId="{1418AA70-33E9-4B69-939A-C06B7A338941}" dt="2024-12-19T11:15:39.159" v="1552" actId="478"/>
           <ac:spMkLst>
@@ -646,13 +701,53 @@
             <ac:spMk id="9" creationId="{E5BDCDCE-26B4-56C9-FA7F-069325B921ED}"/>
           </ac:spMkLst>
         </pc:spChg>
+        <pc:spChg chg="add del mod">
+          <ac:chgData name="谷　知紘(s21t317)" userId="a3db8153-261a-4ffb-baa1-abaad328fd73" providerId="ADAL" clId="{1418AA70-33E9-4B69-939A-C06B7A338941}" dt="2024-12-19T11:56:58.675" v="1978" actId="478"/>
+          <ac:spMkLst>
+            <pc:docMk/>
+            <pc:sldMk cId="453686876" sldId="268"/>
+            <ac:spMk id="10" creationId="{F8E2F734-CD9B-1F2E-2F33-2FA4F178DFF9}"/>
+          </ac:spMkLst>
+        </pc:spChg>
+        <pc:spChg chg="add mod">
+          <ac:chgData name="谷　知紘(s21t317)" userId="a3db8153-261a-4ffb-baa1-abaad328fd73" providerId="ADAL" clId="{1418AA70-33E9-4B69-939A-C06B7A338941}" dt="2024-12-19T11:59:31.806" v="2131" actId="1076"/>
+          <ac:spMkLst>
+            <pc:docMk/>
+            <pc:sldMk cId="453686876" sldId="268"/>
+            <ac:spMk id="11" creationId="{66372368-62C0-EE0A-3E3E-5840A7EA3F7A}"/>
+          </ac:spMkLst>
+        </pc:spChg>
+        <pc:spChg chg="add mod">
+          <ac:chgData name="谷　知紘(s21t317)" userId="a3db8153-261a-4ffb-baa1-abaad328fd73" providerId="ADAL" clId="{1418AA70-33E9-4B69-939A-C06B7A338941}" dt="2024-12-19T11:59:31.806" v="2131" actId="1076"/>
+          <ac:spMkLst>
+            <pc:docMk/>
+            <pc:sldMk cId="453686876" sldId="268"/>
+            <ac:spMk id="12" creationId="{15432817-DC74-949A-509E-2CF7BDD6724E}"/>
+          </ac:spMkLst>
+        </pc:spChg>
+        <pc:spChg chg="add">
+          <ac:chgData name="谷　知紘(s21t317)" userId="a3db8153-261a-4ffb-baa1-abaad328fd73" providerId="ADAL" clId="{1418AA70-33E9-4B69-939A-C06B7A338941}" dt="2024-12-19T11:59:43.711" v="2132" actId="11529"/>
+          <ac:spMkLst>
+            <pc:docMk/>
+            <pc:sldMk cId="453686876" sldId="268"/>
+            <ac:spMk id="13" creationId="{66BAC752-59C8-16C3-1348-5BA6D8806499}"/>
+          </ac:spMkLst>
+        </pc:spChg>
       </pc:sldChg>
-      <pc:sldChg chg="add">
-        <pc:chgData name="谷　知紘(s21t317)" userId="a3db8153-261a-4ffb-baa1-abaad328fd73" providerId="ADAL" clId="{1418AA70-33E9-4B69-939A-C06B7A338941}" dt="2024-12-19T09:56:09.195" v="431" actId="2890"/>
+      <pc:sldChg chg="modSp add mod">
+        <pc:chgData name="谷　知紘(s21t317)" userId="a3db8153-261a-4ffb-baa1-abaad328fd73" providerId="ADAL" clId="{1418AA70-33E9-4B69-939A-C06B7A338941}" dt="2024-12-19T12:00:46.558" v="2133"/>
         <pc:sldMkLst>
           <pc:docMk/>
           <pc:sldMk cId="2962790074" sldId="269"/>
         </pc:sldMkLst>
+        <pc:spChg chg="mod">
+          <ac:chgData name="谷　知紘(s21t317)" userId="a3db8153-261a-4ffb-baa1-abaad328fd73" providerId="ADAL" clId="{1418AA70-33E9-4B69-939A-C06B7A338941}" dt="2024-12-19T12:00:46.558" v="2133"/>
+          <ac:spMkLst>
+            <pc:docMk/>
+            <pc:sldMk cId="2962790074" sldId="269"/>
+            <ac:spMk id="4" creationId="{4EB27919-E40E-692F-BBDD-AA62939738F2}"/>
+          </ac:spMkLst>
+        </pc:spChg>
       </pc:sldChg>
     </pc:docChg>
   </pc:docChgLst>
@@ -8587,7 +8682,21 @@
                 <a:latin typeface="BIZ UDPゴシック" panose="020B0400000000000000" pitchFamily="50" charset="-128"/>
                 <a:ea typeface="BIZ UDPゴシック" panose="020B0400000000000000" pitchFamily="50" charset="-128"/>
               </a:rPr>
-              <a:t>２．歌詞に用いられる単語の難しさによる算出法</a:t>
+              <a:t>２</a:t>
+            </a:r>
+            <a:r>
+              <a:rPr kumimoji="1" lang="en-US" altLang="ja-JP" sz="3600" dirty="0">
+                <a:latin typeface="BIZ UDPゴシック" panose="020B0400000000000000" pitchFamily="50" charset="-128"/>
+                <a:ea typeface="BIZ UDPゴシック" panose="020B0400000000000000" pitchFamily="50" charset="-128"/>
+              </a:rPr>
+              <a:t>-2</a:t>
+            </a:r>
+            <a:r>
+              <a:rPr kumimoji="1" lang="ja-JP" altLang="en-US" sz="3600" dirty="0">
+                <a:latin typeface="BIZ UDPゴシック" panose="020B0400000000000000" pitchFamily="50" charset="-128"/>
+                <a:ea typeface="BIZ UDPゴシック" panose="020B0400000000000000" pitchFamily="50" charset="-128"/>
+              </a:rPr>
+              <a:t>．歌詞に用いられる単語の難しさによる算出法</a:t>
             </a:r>
             <a:endParaRPr kumimoji="1" lang="en-US" altLang="ja-JP" sz="3600" dirty="0">
               <a:latin typeface="BIZ UDPゴシック" panose="020B0400000000000000" pitchFamily="50" charset="-128"/>
@@ -9690,6 +9799,13 @@
           <a:lstStyle/>
           <a:p>
             <a:r>
+              <a:rPr kumimoji="1" lang="en-US" altLang="ja-JP" sz="3600" dirty="0">
+                <a:latin typeface="BIZ UDPゴシック" panose="020B0400000000000000" pitchFamily="50" charset="-128"/>
+                <a:ea typeface="BIZ UDPゴシック" panose="020B0400000000000000" pitchFamily="50" charset="-128"/>
+              </a:rPr>
+              <a:t>2-2.</a:t>
+            </a:r>
+            <a:r>
               <a:rPr kumimoji="1" lang="ja-JP" altLang="en-US" sz="3600" dirty="0">
                 <a:latin typeface="BIZ UDPゴシック" panose="020B0400000000000000" pitchFamily="50" charset="-128"/>
                 <a:ea typeface="BIZ UDPゴシック" panose="020B0400000000000000" pitchFamily="50" charset="-128"/>
@@ -10069,8 +10185,8 @@
         </p:nvSpPr>
         <p:spPr>
           <a:xfrm>
-            <a:off x="479833" y="5413998"/>
-            <a:ext cx="2616452" cy="523220"/>
+            <a:off x="338251" y="5473736"/>
+            <a:ext cx="6156358" cy="523220"/>
           </a:xfrm>
           <a:prstGeom prst="rect">
             <a:avLst/>
@@ -10084,11 +10200,18 @@
           <a:lstStyle/>
           <a:p>
             <a:r>
+              <a:rPr kumimoji="1" lang="en-US" altLang="ja-JP" sz="2800" b="1" dirty="0">
+                <a:latin typeface="BIZ UDPゴシック" panose="020B0400000000000000" pitchFamily="50" charset="-128"/>
+                <a:ea typeface="BIZ UDPゴシック" panose="020B0400000000000000" pitchFamily="50" charset="-128"/>
+              </a:rPr>
+              <a:t>2</a:t>
+            </a:r>
+            <a:r>
               <a:rPr kumimoji="1" lang="ja-JP" altLang="en-US" sz="2800" b="1" dirty="0">
                 <a:latin typeface="BIZ UDPゴシック" panose="020B0400000000000000" pitchFamily="50" charset="-128"/>
                 <a:ea typeface="BIZ UDPゴシック" panose="020B0400000000000000" pitchFamily="50" charset="-128"/>
               </a:rPr>
-              <a:t>全体のまとめ</a:t>
+              <a:t>つの実験を踏まえた全体のまとめ</a:t>
             </a:r>
           </a:p>
         </p:txBody>
@@ -10107,7 +10230,7 @@
         </p:nvSpPr>
         <p:spPr>
           <a:xfrm>
-            <a:off x="1869304" y="6048295"/>
+            <a:off x="1588647" y="6100724"/>
             <a:ext cx="8453391" cy="461665"/>
           </a:xfrm>
           <a:prstGeom prst="rect">
@@ -10256,8 +10379,8 @@
         </p:nvSpPr>
         <p:spPr>
           <a:xfrm>
-            <a:off x="644693" y="1330794"/>
-            <a:ext cx="3786977" cy="2046696"/>
+            <a:off x="735227" y="1677042"/>
+            <a:ext cx="3538008" cy="2046696"/>
           </a:xfrm>
           <a:prstGeom prst="roundRect">
             <a:avLst/>
@@ -10332,25 +10455,7 @@
                 <a:latin typeface="BIZ UDPゴシック" panose="020B0400000000000000" pitchFamily="50" charset="-128"/>
                 <a:ea typeface="BIZ UDPゴシック" panose="020B0400000000000000" pitchFamily="50" charset="-128"/>
               </a:rPr>
-              <a:t>早口言葉に似た歌詞ほど</a:t>
-            </a:r>
-            <a:endParaRPr kumimoji="1" lang="en-US" altLang="ja-JP" sz="2400" dirty="0">
-              <a:latin typeface="BIZ UDPゴシック" panose="020B0400000000000000" pitchFamily="50" charset="-128"/>
-              <a:ea typeface="BIZ UDPゴシック" panose="020B0400000000000000" pitchFamily="50" charset="-128"/>
-            </a:endParaRPr>
-          </a:p>
-          <a:p>
-            <a:pPr>
-              <a:lnSpc>
-                <a:spcPct val="110000"/>
-              </a:lnSpc>
-            </a:pPr>
-            <a:r>
-              <a:rPr kumimoji="1" lang="ja-JP" altLang="en-US" sz="2400" dirty="0">
-                <a:latin typeface="BIZ UDPゴシック" panose="020B0400000000000000" pitchFamily="50" charset="-128"/>
-                <a:ea typeface="BIZ UDPゴシック" panose="020B0400000000000000" pitchFamily="50" charset="-128"/>
-              </a:rPr>
-              <a:t>歌唱難易度が上がる</a:t>
+              <a:t>早口言葉に似た文体の歌詞ほど歌唱難易度が上がる</a:t>
             </a:r>
             <a:endParaRPr kumimoji="1" lang="ja-JP" altLang="en-US" dirty="0"/>
           </a:p>
@@ -10370,7 +10475,7 @@
         </p:nvSpPr>
         <p:spPr>
           <a:xfrm>
-            <a:off x="757862" y="4269132"/>
+            <a:off x="5465664" y="1864887"/>
             <a:ext cx="3871866" cy="2182264"/>
           </a:xfrm>
           <a:prstGeom prst="rect">
@@ -10530,7 +10635,7 @@
         </p:nvSpPr>
         <p:spPr>
           <a:xfrm>
-            <a:off x="305189" y="3735039"/>
+            <a:off x="5012991" y="1330794"/>
             <a:ext cx="4465987" cy="461665"/>
           </a:xfrm>
           <a:prstGeom prst="rect">
@@ -10569,7 +10674,7 @@
         </p:nvSpPr>
         <p:spPr>
           <a:xfrm>
-            <a:off x="4629728" y="4428328"/>
+            <a:off x="9337530" y="2024083"/>
             <a:ext cx="2283231" cy="862543"/>
           </a:xfrm>
           <a:prstGeom prst="roundRect">
@@ -10757,7 +10862,7 @@
         </p:nvSpPr>
         <p:spPr>
           <a:xfrm>
-            <a:off x="4629728" y="5588853"/>
+            <a:off x="9337530" y="3184608"/>
             <a:ext cx="2283231" cy="862543"/>
           </a:xfrm>
           <a:prstGeom prst="roundRect">
@@ -10936,6 +11041,260 @@
               <a:latin typeface="BIZ UDPゴシック" panose="020B0400000000000000" pitchFamily="50" charset="-128"/>
               <a:ea typeface="BIZ UDPゴシック" panose="020B0400000000000000" pitchFamily="50" charset="-128"/>
             </a:endParaRPr>
+          </a:p>
+        </p:txBody>
+      </p:sp>
+      <p:sp>
+        <p:nvSpPr>
+          <p:cNvPr id="8" name="テキスト ボックス 7">
+            <a:extLst>
+              <a:ext uri="{FF2B5EF4-FFF2-40B4-BE49-F238E27FC236}">
+                <a16:creationId xmlns:a16="http://schemas.microsoft.com/office/drawing/2014/main" id="{7BCE9074-9F66-4531-3E6D-49DEA50E821F}"/>
+              </a:ext>
+            </a:extLst>
+          </p:cNvPr>
+          <p:cNvSpPr txBox="1"/>
+          <p:nvPr/>
+        </p:nvSpPr>
+        <p:spPr>
+          <a:xfrm>
+            <a:off x="735227" y="4733973"/>
+            <a:ext cx="1120733" cy="461665"/>
+          </a:xfrm>
+          <a:prstGeom prst="rect">
+            <a:avLst/>
+          </a:prstGeom>
+          <a:noFill/>
+        </p:spPr>
+        <p:txBody>
+          <a:bodyPr wrap="square" rtlCol="0">
+            <a:spAutoFit/>
+          </a:bodyPr>
+          <a:lstStyle/>
+          <a:p>
+            <a:r>
+              <a:rPr lang="ja-JP" altLang="en-US" sz="2400" b="1" dirty="0">
+                <a:latin typeface="BIZ UDPゴシック" panose="020B0400000000000000" pitchFamily="50" charset="-128"/>
+                <a:ea typeface="BIZ UDPゴシック" panose="020B0400000000000000" pitchFamily="50" charset="-128"/>
+              </a:rPr>
+              <a:t>問題点</a:t>
+            </a:r>
+            <a:endParaRPr kumimoji="1" lang="ja-JP" altLang="en-US" sz="2400" b="1" dirty="0"/>
+          </a:p>
+        </p:txBody>
+      </p:sp>
+      <p:sp>
+        <p:nvSpPr>
+          <p:cNvPr id="9" name="テキスト ボックス 8">
+            <a:extLst>
+              <a:ext uri="{FF2B5EF4-FFF2-40B4-BE49-F238E27FC236}">
+                <a16:creationId xmlns:a16="http://schemas.microsoft.com/office/drawing/2014/main" id="{00A5FC8F-AA50-C1EC-CCBD-A983960FFCF7}"/>
+              </a:ext>
+            </a:extLst>
+          </p:cNvPr>
+          <p:cNvSpPr txBox="1"/>
+          <p:nvPr/>
+        </p:nvSpPr>
+        <p:spPr>
+          <a:xfrm>
+            <a:off x="735227" y="5379504"/>
+            <a:ext cx="4251551" cy="658770"/>
+          </a:xfrm>
+          <a:prstGeom prst="rect">
+            <a:avLst/>
+          </a:prstGeom>
+          <a:noFill/>
+        </p:spPr>
+        <p:txBody>
+          <a:bodyPr wrap="square" rtlCol="0">
+            <a:spAutoFit/>
+          </a:bodyPr>
+          <a:lstStyle/>
+          <a:p>
+            <a:pPr>
+              <a:lnSpc>
+                <a:spcPct val="110000"/>
+              </a:lnSpc>
+            </a:pPr>
+            <a:r>
+              <a:rPr lang="ja-JP" altLang="en-US" dirty="0">
+                <a:latin typeface="BIZ UDPゴシック" panose="020B0400000000000000" pitchFamily="50" charset="-128"/>
+                <a:ea typeface="BIZ UDPゴシック" panose="020B0400000000000000" pitchFamily="50" charset="-128"/>
+              </a:rPr>
+              <a:t>早口言葉の定義が曖昧，複雑</a:t>
+            </a:r>
+            <a:endParaRPr lang="en-US" altLang="ja-JP" dirty="0">
+              <a:latin typeface="BIZ UDPゴシック" panose="020B0400000000000000" pitchFamily="50" charset="-128"/>
+              <a:ea typeface="BIZ UDPゴシック" panose="020B0400000000000000" pitchFamily="50" charset="-128"/>
+            </a:endParaRPr>
+          </a:p>
+          <a:p>
+            <a:pPr>
+              <a:lnSpc>
+                <a:spcPct val="110000"/>
+              </a:lnSpc>
+            </a:pPr>
+            <a:r>
+              <a:rPr lang="ja-JP" altLang="en-US" dirty="0">
+                <a:latin typeface="BIZ UDPゴシック" panose="020B0400000000000000" pitchFamily="50" charset="-128"/>
+                <a:ea typeface="BIZ UDPゴシック" panose="020B0400000000000000" pitchFamily="50" charset="-128"/>
+              </a:rPr>
+              <a:t>→ ルールベースに基づく判定が難しい</a:t>
+            </a:r>
+            <a:endParaRPr lang="en-US" altLang="ja-JP" dirty="0">
+              <a:latin typeface="BIZ UDPゴシック" panose="020B0400000000000000" pitchFamily="50" charset="-128"/>
+              <a:ea typeface="BIZ UDPゴシック" panose="020B0400000000000000" pitchFamily="50" charset="-128"/>
+            </a:endParaRPr>
+          </a:p>
+        </p:txBody>
+      </p:sp>
+      <p:sp>
+        <p:nvSpPr>
+          <p:cNvPr id="11" name="テキスト ボックス 10">
+            <a:extLst>
+              <a:ext uri="{FF2B5EF4-FFF2-40B4-BE49-F238E27FC236}">
+                <a16:creationId xmlns:a16="http://schemas.microsoft.com/office/drawing/2014/main" id="{66372368-62C0-EE0A-3E3E-5840A7EA3F7A}"/>
+              </a:ext>
+            </a:extLst>
+          </p:cNvPr>
+          <p:cNvSpPr txBox="1"/>
+          <p:nvPr/>
+        </p:nvSpPr>
+        <p:spPr>
+          <a:xfrm>
+            <a:off x="6442492" y="4733972"/>
+            <a:ext cx="1120733" cy="461665"/>
+          </a:xfrm>
+          <a:prstGeom prst="rect">
+            <a:avLst/>
+          </a:prstGeom>
+          <a:noFill/>
+        </p:spPr>
+        <p:txBody>
+          <a:bodyPr wrap="square" rtlCol="0">
+            <a:spAutoFit/>
+          </a:bodyPr>
+          <a:lstStyle/>
+          <a:p>
+            <a:r>
+              <a:rPr kumimoji="1" lang="ja-JP" altLang="en-US" sz="2400" b="1" dirty="0">
+                <a:latin typeface="BIZ UDPゴシック" panose="020B0400000000000000" pitchFamily="50" charset="-128"/>
+                <a:ea typeface="BIZ UDPゴシック" panose="020B0400000000000000" pitchFamily="50" charset="-128"/>
+              </a:rPr>
+              <a:t>解決案</a:t>
+            </a:r>
+            <a:endParaRPr kumimoji="1" lang="ja-JP" altLang="en-US" sz="2400" b="1" dirty="0"/>
+          </a:p>
+        </p:txBody>
+      </p:sp>
+      <p:sp>
+        <p:nvSpPr>
+          <p:cNvPr id="12" name="テキスト ボックス 11">
+            <a:extLst>
+              <a:ext uri="{FF2B5EF4-FFF2-40B4-BE49-F238E27FC236}">
+                <a16:creationId xmlns:a16="http://schemas.microsoft.com/office/drawing/2014/main" id="{15432817-DC74-949A-509E-2CF7BDD6724E}"/>
+              </a:ext>
+            </a:extLst>
+          </p:cNvPr>
+          <p:cNvSpPr txBox="1"/>
+          <p:nvPr/>
+        </p:nvSpPr>
+        <p:spPr>
+          <a:xfrm>
+            <a:off x="6442492" y="5379504"/>
+            <a:ext cx="5085837" cy="658770"/>
+          </a:xfrm>
+          <a:prstGeom prst="rect">
+            <a:avLst/>
+          </a:prstGeom>
+          <a:noFill/>
+        </p:spPr>
+        <p:txBody>
+          <a:bodyPr wrap="square" rtlCol="0">
+            <a:spAutoFit/>
+          </a:bodyPr>
+          <a:lstStyle/>
+          <a:p>
+            <a:pPr>
+              <a:lnSpc>
+                <a:spcPct val="110000"/>
+              </a:lnSpc>
+            </a:pPr>
+            <a:r>
+              <a:rPr lang="ja-JP" altLang="en-US" dirty="0">
+                <a:latin typeface="BIZ UDPゴシック" panose="020B0400000000000000" pitchFamily="50" charset="-128"/>
+                <a:ea typeface="BIZ UDPゴシック" panose="020B0400000000000000" pitchFamily="50" charset="-128"/>
+              </a:rPr>
+              <a:t>早口言葉の文体を機械学習</a:t>
+            </a:r>
+            <a:endParaRPr lang="en-US" altLang="ja-JP" dirty="0">
+              <a:latin typeface="BIZ UDPゴシック" panose="020B0400000000000000" pitchFamily="50" charset="-128"/>
+              <a:ea typeface="BIZ UDPゴシック" panose="020B0400000000000000" pitchFamily="50" charset="-128"/>
+            </a:endParaRPr>
+          </a:p>
+          <a:p>
+            <a:pPr>
+              <a:lnSpc>
+                <a:spcPct val="110000"/>
+              </a:lnSpc>
+            </a:pPr>
+            <a:r>
+              <a:rPr lang="ja-JP" altLang="en-US" dirty="0">
+                <a:latin typeface="BIZ UDPゴシック" panose="020B0400000000000000" pitchFamily="50" charset="-128"/>
+                <a:ea typeface="BIZ UDPゴシック" panose="020B0400000000000000" pitchFamily="50" charset="-128"/>
+              </a:rPr>
+              <a:t>→ 作成したモデルにより早口言葉の判定を行う</a:t>
+            </a:r>
+            <a:endParaRPr lang="en-US" altLang="ja-JP" dirty="0">
+              <a:latin typeface="BIZ UDPゴシック" panose="020B0400000000000000" pitchFamily="50" charset="-128"/>
+              <a:ea typeface="BIZ UDPゴシック" panose="020B0400000000000000" pitchFamily="50" charset="-128"/>
+            </a:endParaRPr>
+          </a:p>
+        </p:txBody>
+      </p:sp>
+      <p:sp>
+        <p:nvSpPr>
+          <p:cNvPr id="13" name="矢印: 右 12">
+            <a:extLst>
+              <a:ext uri="{FF2B5EF4-FFF2-40B4-BE49-F238E27FC236}">
+                <a16:creationId xmlns:a16="http://schemas.microsoft.com/office/drawing/2014/main" id="{66BAC752-59C8-16C3-1348-5BA6D8806499}"/>
+              </a:ext>
+            </a:extLst>
+          </p:cNvPr>
+          <p:cNvSpPr/>
+          <p:nvPr/>
+        </p:nvSpPr>
+        <p:spPr>
+          <a:xfrm>
+            <a:off x="4986778" y="5195637"/>
+            <a:ext cx="1190087" cy="461665"/>
+          </a:xfrm>
+          <a:prstGeom prst="rightArrow">
+            <a:avLst/>
+          </a:prstGeom>
+        </p:spPr>
+        <p:style>
+          <a:lnRef idx="2">
+            <a:schemeClr val="accent1">
+              <a:shade val="15000"/>
+            </a:schemeClr>
+          </a:lnRef>
+          <a:fillRef idx="1">
+            <a:schemeClr val="accent1"/>
+          </a:fillRef>
+          <a:effectRef idx="0">
+            <a:schemeClr val="accent1"/>
+          </a:effectRef>
+          <a:fontRef idx="minor">
+            <a:schemeClr val="lt1"/>
+          </a:fontRef>
+        </p:style>
+        <p:txBody>
+          <a:bodyPr rtlCol="0" anchor="ctr"/>
+          <a:lstStyle/>
+          <a:p>
+            <a:pPr algn="ctr"/>
+            <a:endParaRPr kumimoji="1" lang="ja-JP" altLang="en-US"/>
           </a:p>
         </p:txBody>
       </p:sp>
@@ -11026,18 +11385,18 @@
           <a:lstStyle/>
           <a:p>
             <a:r>
-              <a:rPr kumimoji="1" lang="ja-JP" altLang="en-US" sz="3600" dirty="0">
-                <a:latin typeface="BIZ UDPゴシック" panose="020B0400000000000000" pitchFamily="50" charset="-128"/>
-                <a:ea typeface="BIZ UDPゴシック" panose="020B0400000000000000" pitchFamily="50" charset="-128"/>
-              </a:rPr>
-              <a:t>実験</a:t>
+              <a:rPr lang="en-US" altLang="ja-JP" sz="3600" dirty="0">
+                <a:latin typeface="BIZ UDPゴシック" panose="020B0400000000000000" pitchFamily="50" charset="-128"/>
+                <a:ea typeface="BIZ UDPゴシック" panose="020B0400000000000000" pitchFamily="50" charset="-128"/>
+              </a:rPr>
+              <a:t>3.</a:t>
             </a:r>
             <a:r>
               <a:rPr lang="ja-JP" altLang="en-US" sz="3600" dirty="0">
                 <a:latin typeface="BIZ UDPゴシック" panose="020B0400000000000000" pitchFamily="50" charset="-128"/>
                 <a:ea typeface="BIZ UDPゴシック" panose="020B0400000000000000" pitchFamily="50" charset="-128"/>
               </a:rPr>
-              <a:t>結果</a:t>
+              <a:t>早口言葉を構成する要素の有無による算出法</a:t>
             </a:r>
             <a:endParaRPr kumimoji="1" lang="ja-JP" altLang="en-US" sz="3600" dirty="0">
               <a:latin typeface="BIZ UDPゴシック" panose="020B0400000000000000" pitchFamily="50" charset="-128"/>
@@ -11079,6 +11438,7 @@
       <p:pic>
         <p:nvPicPr>
           <p:cNvPr id="11" name="図 10" descr="おもちゃ, 人形 が含まれている画像&#10;&#10;自動的に生成された説明">
+            <a:hlinkClick r:id="rId2"/>
             <a:extLst>
               <a:ext uri="{FF2B5EF4-FFF2-40B4-BE49-F238E27FC236}">
                 <a16:creationId xmlns:a16="http://schemas.microsoft.com/office/drawing/2014/main" id="{45DD6CB7-A825-8A62-79A0-AC067964CF69}"/>
@@ -11091,7 +11451,7 @@
           <p:nvPr/>
         </p:nvPicPr>
         <p:blipFill>
-          <a:blip r:embed="rId2">
+          <a:blip r:embed="rId3">
             <a:extLst>
               <a:ext uri="{28A0092B-C50C-407E-A947-70E740481C1C}">
                 <a14:useLocalDpi xmlns:a14="http://schemas.microsoft.com/office/drawing/2010/main" val="0"/>
@@ -13307,11 +13667,25 @@
           <a:lstStyle/>
           <a:p>
             <a:r>
+              <a:rPr kumimoji="1" lang="en-US" altLang="ja-JP" sz="3600">
+                <a:latin typeface="BIZ UDPゴシック" panose="020B0400000000000000" pitchFamily="50" charset="-128"/>
+                <a:ea typeface="BIZ UDPゴシック" panose="020B0400000000000000" pitchFamily="50" charset="-128"/>
+              </a:rPr>
+              <a:t>1.</a:t>
+            </a:r>
+            <a:r>
+              <a:rPr kumimoji="1" lang="ja-JP" altLang="en-US" sz="3600">
+                <a:latin typeface="BIZ UDPゴシック" panose="020B0400000000000000" pitchFamily="50" charset="-128"/>
+                <a:ea typeface="BIZ UDPゴシック" panose="020B0400000000000000" pitchFamily="50" charset="-128"/>
+              </a:rPr>
+              <a:t>実験</a:t>
+            </a:r>
+            <a:r>
               <a:rPr kumimoji="1" lang="ja-JP" altLang="en-US" sz="3600" dirty="0">
                 <a:latin typeface="BIZ UDPゴシック" panose="020B0400000000000000" pitchFamily="50" charset="-128"/>
                 <a:ea typeface="BIZ UDPゴシック" panose="020B0400000000000000" pitchFamily="50" charset="-128"/>
               </a:rPr>
-              <a:t>実験設定</a:t>
+              <a:t>設定</a:t>
             </a:r>
           </a:p>
         </p:txBody>
@@ -15542,6 +15916,13 @@
           <a:bodyPr rtlCol="0" anchor="ctr"/>
           <a:lstStyle/>
           <a:p>
+            <a:r>
+              <a:rPr kumimoji="1" lang="en-US" altLang="ja-JP" sz="3600" dirty="0">
+                <a:latin typeface="BIZ UDPゴシック" panose="020B0400000000000000" pitchFamily="50" charset="-128"/>
+                <a:ea typeface="BIZ UDPゴシック" panose="020B0400000000000000" pitchFamily="50" charset="-128"/>
+              </a:rPr>
+              <a:t>1.</a:t>
+            </a:r>
             <a:r>
               <a:rPr kumimoji="1" lang="ja-JP" altLang="en-US" sz="3600" dirty="0">
                 <a:latin typeface="BIZ UDPゴシック" panose="020B0400000000000000" pitchFamily="50" charset="-128"/>
@@ -16460,7 +16841,21 @@
                 <a:latin typeface="BIZ UDPゴシック" panose="020B0400000000000000" pitchFamily="50" charset="-128"/>
                 <a:ea typeface="BIZ UDPゴシック" panose="020B0400000000000000" pitchFamily="50" charset="-128"/>
               </a:rPr>
-              <a:t>２．歌詞に用いられる単語の難しさによる算出法</a:t>
+              <a:t>２</a:t>
+            </a:r>
+            <a:r>
+              <a:rPr kumimoji="1" lang="en-US" altLang="ja-JP" sz="3600" dirty="0">
+                <a:latin typeface="BIZ UDPゴシック" panose="020B0400000000000000" pitchFamily="50" charset="-128"/>
+                <a:ea typeface="BIZ UDPゴシック" panose="020B0400000000000000" pitchFamily="50" charset="-128"/>
+              </a:rPr>
+              <a:t>-1</a:t>
+            </a:r>
+            <a:r>
+              <a:rPr kumimoji="1" lang="ja-JP" altLang="en-US" sz="3600" dirty="0">
+                <a:latin typeface="BIZ UDPゴシック" panose="020B0400000000000000" pitchFamily="50" charset="-128"/>
+                <a:ea typeface="BIZ UDPゴシック" panose="020B0400000000000000" pitchFamily="50" charset="-128"/>
+              </a:rPr>
+              <a:t>．歌詞に用いられる単語の難しさによる算出法</a:t>
             </a:r>
             <a:endParaRPr kumimoji="1" lang="en-US" altLang="ja-JP" sz="3600" dirty="0">
               <a:latin typeface="BIZ UDPゴシック" panose="020B0400000000000000" pitchFamily="50" charset="-128"/>
@@ -17663,6 +18058,13 @@
           <a:bodyPr rtlCol="0" anchor="ctr"/>
           <a:lstStyle/>
           <a:p>
+            <a:r>
+              <a:rPr kumimoji="1" lang="en-US" altLang="ja-JP" sz="3600" dirty="0">
+                <a:latin typeface="BIZ UDPゴシック" panose="020B0400000000000000" pitchFamily="50" charset="-128"/>
+                <a:ea typeface="BIZ UDPゴシック" panose="020B0400000000000000" pitchFamily="50" charset="-128"/>
+              </a:rPr>
+              <a:t>2-1.</a:t>
+            </a:r>
             <a:r>
               <a:rPr kumimoji="1" lang="ja-JP" altLang="en-US" sz="3600" dirty="0">
                 <a:latin typeface="BIZ UDPゴシック" panose="020B0400000000000000" pitchFamily="50" charset="-128"/>

--- a/年末発表.pptx
+++ b/年末発表.pptx
@@ -5,7 +5,7 @@
     <p:sldMasterId id="2147483648" r:id="rId1"/>
   </p:sldMasterIdLst>
   <p:notesMasterIdLst>
-    <p:notesMasterId r:id="rId15"/>
+    <p:notesMasterId r:id="rId16"/>
   </p:notesMasterIdLst>
   <p:sldIdLst>
     <p:sldId id="256" r:id="rId2"/>
@@ -21,6 +21,7 @@
     <p:sldId id="267" r:id="rId12"/>
     <p:sldId id="268" r:id="rId13"/>
     <p:sldId id="269" r:id="rId14"/>
+    <p:sldId id="271" r:id="rId15"/>
   </p:sldIdLst>
   <p:sldSz cx="12192000" cy="6858000"/>
   <p:notesSz cx="6858000" cy="9144000"/>
@@ -130,7 +131,7 @@
 <file path=ppt/revisionInfo.xml><?xml version="1.0" encoding="utf-8"?>
 <p1510:revInfo xmlns:a="http://schemas.openxmlformats.org/drawingml/2006/main" xmlns:r="http://schemas.openxmlformats.org/officeDocument/2006/relationships" xmlns:p1510="http://schemas.microsoft.com/office/powerpoint/2015/10/main">
   <p1510:revLst>
-    <p1510:client id="{1418AA70-33E9-4B69-939A-C06B7A338941}" v="37" dt="2024-12-19T11:58:07.139"/>
+    <p1510:client id="{1418AA70-33E9-4B69-939A-C06B7A338941}" v="41" dt="2024-12-19T12:50:26.788"/>
   </p1510:revLst>
 </p1510:revInfo>
 </file>
@@ -139,19 +140,19 @@
 <pc:chgInfo xmlns:a="http://schemas.openxmlformats.org/drawingml/2006/main" xmlns:r="http://schemas.openxmlformats.org/officeDocument/2006/relationships" xmlns:ac="http://schemas.microsoft.com/office/drawing/2013/main/command" xmlns:pc="http://schemas.microsoft.com/office/powerpoint/2013/main/command">
   <pc:docChgLst>
     <pc:chgData name="谷　知紘(s21t317)" userId="a3db8153-261a-4ffb-baa1-abaad328fd73" providerId="ADAL" clId="{1418AA70-33E9-4B69-939A-C06B7A338941}"/>
-    <pc:docChg chg="undo redo custSel addSld modSld">
-      <pc:chgData name="谷　知紘(s21t317)" userId="a3db8153-261a-4ffb-baa1-abaad328fd73" providerId="ADAL" clId="{1418AA70-33E9-4B69-939A-C06B7A338941}" dt="2024-12-19T12:01:12.747" v="2149" actId="20577"/>
+    <pc:docChg chg="undo redo custSel addSld delSld modSld">
+      <pc:chgData name="谷　知紘(s21t317)" userId="a3db8153-261a-4ffb-baa1-abaad328fd73" providerId="ADAL" clId="{1418AA70-33E9-4B69-939A-C06B7A338941}" dt="2024-12-19T13:15:33.099" v="2634" actId="14100"/>
       <pc:docMkLst>
         <pc:docMk/>
       </pc:docMkLst>
       <pc:sldChg chg="addSp delSp modSp mod">
-        <pc:chgData name="谷　知紘(s21t317)" userId="a3db8153-261a-4ffb-baa1-abaad328fd73" providerId="ADAL" clId="{1418AA70-33E9-4B69-939A-C06B7A338941}" dt="2024-12-19T11:47:08.484" v="1811"/>
+        <pc:chgData name="谷　知紘(s21t317)" userId="a3db8153-261a-4ffb-baa1-abaad328fd73" providerId="ADAL" clId="{1418AA70-33E9-4B69-939A-C06B7A338941}" dt="2024-12-19T12:33:51.846" v="2407" actId="1076"/>
         <pc:sldMkLst>
           <pc:docMk/>
           <pc:sldMk cId="1542432316" sldId="257"/>
         </pc:sldMkLst>
         <pc:spChg chg="add mod">
-          <ac:chgData name="谷　知紘(s21t317)" userId="a3db8153-261a-4ffb-baa1-abaad328fd73" providerId="ADAL" clId="{1418AA70-33E9-4B69-939A-C06B7A338941}" dt="2024-12-19T10:50:21.931" v="1104" actId="948"/>
+          <ac:chgData name="谷　知紘(s21t317)" userId="a3db8153-261a-4ffb-baa1-abaad328fd73" providerId="ADAL" clId="{1418AA70-33E9-4B69-939A-C06B7A338941}" dt="2024-12-19T12:25:09.902" v="2294" actId="1076"/>
           <ac:spMkLst>
             <pc:docMk/>
             <pc:sldMk cId="1542432316" sldId="257"/>
@@ -164,6 +165,22 @@
             <pc:docMk/>
             <pc:sldMk cId="1542432316" sldId="257"/>
             <ac:spMk id="3" creationId="{5F2665F9-174E-6076-7784-4BE99097C129}"/>
+          </ac:spMkLst>
+        </pc:spChg>
+        <pc:spChg chg="mod">
+          <ac:chgData name="谷　知紘(s21t317)" userId="a3db8153-261a-4ffb-baa1-abaad328fd73" providerId="ADAL" clId="{1418AA70-33E9-4B69-939A-C06B7A338941}" dt="2024-12-19T12:33:51.846" v="2407" actId="1076"/>
+          <ac:spMkLst>
+            <pc:docMk/>
+            <pc:sldMk cId="1542432316" sldId="257"/>
+            <ac:spMk id="5" creationId="{87A180B6-291F-53A1-A3EA-115C9A1E1B11}"/>
+          </ac:spMkLst>
+        </pc:spChg>
+        <pc:spChg chg="mod">
+          <ac:chgData name="谷　知紘(s21t317)" userId="a3db8153-261a-4ffb-baa1-abaad328fd73" providerId="ADAL" clId="{1418AA70-33E9-4B69-939A-C06B7A338941}" dt="2024-12-19T12:29:52.369" v="2303" actId="5793"/>
+          <ac:spMkLst>
+            <pc:docMk/>
+            <pc:sldMk cId="1542432316" sldId="257"/>
+            <ac:spMk id="8" creationId="{97E58242-0B4C-1E3C-A963-0816D61834EF}"/>
           </ac:spMkLst>
         </pc:spChg>
         <pc:picChg chg="add mod ord">
@@ -184,17 +201,80 @@
         </pc:picChg>
       </pc:sldChg>
       <pc:sldChg chg="modSp mod">
-        <pc:chgData name="谷　知紘(s21t317)" userId="a3db8153-261a-4ffb-baa1-abaad328fd73" providerId="ADAL" clId="{1418AA70-33E9-4B69-939A-C06B7A338941}" dt="2024-12-19T10:25:28.282" v="775" actId="20577"/>
+        <pc:chgData name="谷　知紘(s21t317)" userId="a3db8153-261a-4ffb-baa1-abaad328fd73" providerId="ADAL" clId="{1418AA70-33E9-4B69-939A-C06B7A338941}" dt="2024-12-19T12:32:20.302" v="2355" actId="1076"/>
+        <pc:sldMkLst>
+          <pc:docMk/>
+          <pc:sldMk cId="2104044874" sldId="258"/>
+        </pc:sldMkLst>
+        <pc:spChg chg="mod">
+          <ac:chgData name="谷　知紘(s21t317)" userId="a3db8153-261a-4ffb-baa1-abaad328fd73" providerId="ADAL" clId="{1418AA70-33E9-4B69-939A-C06B7A338941}" dt="2024-12-19T12:32:20.302" v="2355" actId="1076"/>
+          <ac:spMkLst>
+            <pc:docMk/>
+            <pc:sldMk cId="2104044874" sldId="258"/>
+            <ac:spMk id="3" creationId="{D5246B0C-A978-610E-3BB1-3F7FDB43B150}"/>
+          </ac:spMkLst>
+        </pc:spChg>
+      </pc:sldChg>
+      <pc:sldChg chg="addSp delSp modSp mod">
+        <pc:chgData name="谷　知紘(s21t317)" userId="a3db8153-261a-4ffb-baa1-abaad328fd73" providerId="ADAL" clId="{1418AA70-33E9-4B69-939A-C06B7A338941}" dt="2024-12-19T12:49:03.010" v="2484" actId="14100"/>
         <pc:sldMkLst>
           <pc:docMk/>
           <pc:sldMk cId="3849086588" sldId="259"/>
         </pc:sldMkLst>
+        <pc:spChg chg="add del mod">
+          <ac:chgData name="谷　知紘(s21t317)" userId="a3db8153-261a-4ffb-baa1-abaad328fd73" providerId="ADAL" clId="{1418AA70-33E9-4B69-939A-C06B7A338941}" dt="2024-12-19T12:42:40.625" v="2434" actId="478"/>
+          <ac:spMkLst>
+            <pc:docMk/>
+            <pc:sldMk cId="3849086588" sldId="259"/>
+            <ac:spMk id="2" creationId="{6B4081E9-2256-3F82-0732-CF61540B5B21}"/>
+          </ac:spMkLst>
+        </pc:spChg>
+        <pc:spChg chg="add mod">
+          <ac:chgData name="谷　知紘(s21t317)" userId="a3db8153-261a-4ffb-baa1-abaad328fd73" providerId="ADAL" clId="{1418AA70-33E9-4B69-939A-C06B7A338941}" dt="2024-12-19T12:47:00.427" v="2475" actId="1076"/>
+          <ac:spMkLst>
+            <pc:docMk/>
+            <pc:sldMk cId="3849086588" sldId="259"/>
+            <ac:spMk id="3" creationId="{5822A23C-CE23-595A-B728-5D0208353255}"/>
+          </ac:spMkLst>
+        </pc:spChg>
         <pc:spChg chg="mod">
-          <ac:chgData name="谷　知紘(s21t317)" userId="a3db8153-261a-4ffb-baa1-abaad328fd73" providerId="ADAL" clId="{1418AA70-33E9-4B69-939A-C06B7A338941}" dt="2024-12-19T10:25:28.282" v="775" actId="20577"/>
+          <ac:chgData name="谷　知紘(s21t317)" userId="a3db8153-261a-4ffb-baa1-abaad328fd73" providerId="ADAL" clId="{1418AA70-33E9-4B69-939A-C06B7A338941}" dt="2024-12-19T12:47:00.427" v="2475" actId="1076"/>
+          <ac:spMkLst>
+            <pc:docMk/>
+            <pc:sldMk cId="3849086588" sldId="259"/>
+            <ac:spMk id="5" creationId="{07FD732C-3642-BCB4-8BA4-2CA21985F665}"/>
+          </ac:spMkLst>
+        </pc:spChg>
+        <pc:spChg chg="mod">
+          <ac:chgData name="谷　知紘(s21t317)" userId="a3db8153-261a-4ffb-baa1-abaad328fd73" providerId="ADAL" clId="{1418AA70-33E9-4B69-939A-C06B7A338941}" dt="2024-12-19T12:47:30.538" v="2476" actId="1076"/>
+          <ac:spMkLst>
+            <pc:docMk/>
+            <pc:sldMk cId="3849086588" sldId="259"/>
+            <ac:spMk id="6" creationId="{DA6C0797-D9AC-9F29-B126-006118C93193}"/>
+          </ac:spMkLst>
+        </pc:spChg>
+        <pc:spChg chg="mod">
+          <ac:chgData name="谷　知紘(s21t317)" userId="a3db8153-261a-4ffb-baa1-abaad328fd73" providerId="ADAL" clId="{1418AA70-33E9-4B69-939A-C06B7A338941}" dt="2024-12-19T12:47:37.797" v="2478" actId="1076"/>
           <ac:spMkLst>
             <pc:docMk/>
             <pc:sldMk cId="3849086588" sldId="259"/>
             <ac:spMk id="7" creationId="{30CC52B7-E67F-4D38-2ADF-15022420AF65}"/>
+          </ac:spMkLst>
+        </pc:spChg>
+        <pc:spChg chg="add mod">
+          <ac:chgData name="谷　知紘(s21t317)" userId="a3db8153-261a-4ffb-baa1-abaad328fd73" providerId="ADAL" clId="{1418AA70-33E9-4B69-939A-C06B7A338941}" dt="2024-12-19T12:49:03.010" v="2484" actId="14100"/>
+          <ac:spMkLst>
+            <pc:docMk/>
+            <pc:sldMk cId="3849086588" sldId="259"/>
+            <ac:spMk id="8" creationId="{C08CD8C8-1C6F-1F35-20C6-4D4E211D8B74}"/>
+          </ac:spMkLst>
+        </pc:spChg>
+        <pc:spChg chg="mod">
+          <ac:chgData name="谷　知紘(s21t317)" userId="a3db8153-261a-4ffb-baa1-abaad328fd73" providerId="ADAL" clId="{1418AA70-33E9-4B69-939A-C06B7A338941}" dt="2024-12-19T12:47:41.922" v="2479" actId="1076"/>
+          <ac:spMkLst>
+            <pc:docMk/>
+            <pc:sldMk cId="3849086588" sldId="259"/>
+            <ac:spMk id="10" creationId="{3EC8EDBF-00DA-76EA-4E81-B20E1F0D63AF}"/>
           </ac:spMkLst>
         </pc:spChg>
       </pc:sldChg>
@@ -294,7 +374,7 @@
         </pc:spChg>
       </pc:sldChg>
       <pc:sldChg chg="modSp mod">
-        <pc:chgData name="谷　知紘(s21t317)" userId="a3db8153-261a-4ffb-baa1-abaad328fd73" providerId="ADAL" clId="{1418AA70-33E9-4B69-939A-C06B7A338941}" dt="2024-12-19T12:01:12.747" v="2149" actId="20577"/>
+        <pc:chgData name="谷　知紘(s21t317)" userId="a3db8153-261a-4ffb-baa1-abaad328fd73" providerId="ADAL" clId="{1418AA70-33E9-4B69-939A-C06B7A338941}" dt="2024-12-19T13:12:43.793" v="2531" actId="5793"/>
         <pc:sldMkLst>
           <pc:docMk/>
           <pc:sldMk cId="1122583501" sldId="261"/>
@@ -316,7 +396,7 @@
           </ac:spMkLst>
         </pc:spChg>
         <pc:spChg chg="mod">
-          <ac:chgData name="谷　知紘(s21t317)" userId="a3db8153-261a-4ffb-baa1-abaad328fd73" providerId="ADAL" clId="{1418AA70-33E9-4B69-939A-C06B7A338941}" dt="2024-12-19T10:38:18.666" v="992" actId="1076"/>
+          <ac:chgData name="谷　知紘(s21t317)" userId="a3db8153-261a-4ffb-baa1-abaad328fd73" providerId="ADAL" clId="{1418AA70-33E9-4B69-939A-C06B7A338941}" dt="2024-12-19T13:11:45.719" v="2494" actId="5793"/>
           <ac:spMkLst>
             <pc:docMk/>
             <pc:sldMk cId="1122583501" sldId="261"/>
@@ -324,7 +404,7 @@
           </ac:spMkLst>
         </pc:spChg>
         <pc:spChg chg="mod">
-          <ac:chgData name="谷　知紘(s21t317)" userId="a3db8153-261a-4ffb-baa1-abaad328fd73" providerId="ADAL" clId="{1418AA70-33E9-4B69-939A-C06B7A338941}" dt="2024-12-19T10:38:18.666" v="992" actId="1076"/>
+          <ac:chgData name="谷　知紘(s21t317)" userId="a3db8153-261a-4ffb-baa1-abaad328fd73" providerId="ADAL" clId="{1418AA70-33E9-4B69-939A-C06B7A338941}" dt="2024-12-19T13:12:33.371" v="2521" actId="14100"/>
           <ac:spMkLst>
             <pc:docMk/>
             <pc:sldMk cId="1122583501" sldId="261"/>
@@ -332,7 +412,7 @@
           </ac:spMkLst>
         </pc:spChg>
         <pc:spChg chg="mod">
-          <ac:chgData name="谷　知紘(s21t317)" userId="a3db8153-261a-4ffb-baa1-abaad328fd73" providerId="ADAL" clId="{1418AA70-33E9-4B69-939A-C06B7A338941}" dt="2024-12-19T10:38:18.666" v="992" actId="1076"/>
+          <ac:chgData name="谷　知紘(s21t317)" userId="a3db8153-261a-4ffb-baa1-abaad328fd73" providerId="ADAL" clId="{1418AA70-33E9-4B69-939A-C06B7A338941}" dt="2024-12-19T13:12:37.118" v="2522" actId="14100"/>
           <ac:spMkLst>
             <pc:docMk/>
             <pc:sldMk cId="1122583501" sldId="261"/>
@@ -396,7 +476,7 @@
           </ac:spMkLst>
         </pc:spChg>
         <pc:spChg chg="mod">
-          <ac:chgData name="谷　知紘(s21t317)" userId="a3db8153-261a-4ffb-baa1-abaad328fd73" providerId="ADAL" clId="{1418AA70-33E9-4B69-939A-C06B7A338941}" dt="2024-12-19T10:38:18.666" v="992" actId="1076"/>
+          <ac:chgData name="谷　知紘(s21t317)" userId="a3db8153-261a-4ffb-baa1-abaad328fd73" providerId="ADAL" clId="{1418AA70-33E9-4B69-939A-C06B7A338941}" dt="2024-12-19T13:12:43.793" v="2531" actId="5793"/>
           <ac:spMkLst>
             <pc:docMk/>
             <pc:sldMk cId="1122583501" sldId="261"/>
@@ -413,7 +493,7 @@
         </pc:picChg>
       </pc:sldChg>
       <pc:sldChg chg="modSp mod">
-        <pc:chgData name="谷　知紘(s21t317)" userId="a3db8153-261a-4ffb-baa1-abaad328fd73" providerId="ADAL" clId="{1418AA70-33E9-4B69-939A-C06B7A338941}" dt="2024-12-19T12:01:08.984" v="2147" actId="20577"/>
+        <pc:chgData name="谷　知紘(s21t317)" userId="a3db8153-261a-4ffb-baa1-abaad328fd73" providerId="ADAL" clId="{1418AA70-33E9-4B69-939A-C06B7A338941}" dt="2024-12-19T12:28:48.566" v="2296" actId="1076"/>
         <pc:sldMkLst>
           <pc:docMk/>
           <pc:sldMk cId="1716504565" sldId="262"/>
@@ -426,6 +506,54 @@
             <ac:spMk id="4" creationId="{6E2F93E8-9587-C9D2-7537-3857A45132CA}"/>
           </ac:spMkLst>
         </pc:spChg>
+        <pc:spChg chg="mod">
+          <ac:chgData name="谷　知紘(s21t317)" userId="a3db8153-261a-4ffb-baa1-abaad328fd73" providerId="ADAL" clId="{1418AA70-33E9-4B69-939A-C06B7A338941}" dt="2024-12-19T12:28:48.566" v="2296" actId="1076"/>
+          <ac:spMkLst>
+            <pc:docMk/>
+            <pc:sldMk cId="1716504565" sldId="262"/>
+            <ac:spMk id="6" creationId="{1CABE7FD-D54B-CC5D-11C2-12270A9CBC88}"/>
+          </ac:spMkLst>
+        </pc:spChg>
+        <pc:spChg chg="mod">
+          <ac:chgData name="谷　知紘(s21t317)" userId="a3db8153-261a-4ffb-baa1-abaad328fd73" providerId="ADAL" clId="{1418AA70-33E9-4B69-939A-C06B7A338941}" dt="2024-12-19T12:28:42.418" v="2295" actId="1076"/>
+          <ac:spMkLst>
+            <pc:docMk/>
+            <pc:sldMk cId="1716504565" sldId="262"/>
+            <ac:spMk id="7" creationId="{1D40BB03-BC56-9F50-230C-2A63FF168A06}"/>
+          </ac:spMkLst>
+        </pc:spChg>
+        <pc:spChg chg="mod">
+          <ac:chgData name="谷　知紘(s21t317)" userId="a3db8153-261a-4ffb-baa1-abaad328fd73" providerId="ADAL" clId="{1418AA70-33E9-4B69-939A-C06B7A338941}" dt="2024-12-19T12:28:42.418" v="2295" actId="1076"/>
+          <ac:spMkLst>
+            <pc:docMk/>
+            <pc:sldMk cId="1716504565" sldId="262"/>
+            <ac:spMk id="8" creationId="{6533AAC4-4411-2682-8C7E-ABD6195F1435}"/>
+          </ac:spMkLst>
+        </pc:spChg>
+        <pc:spChg chg="mod">
+          <ac:chgData name="谷　知紘(s21t317)" userId="a3db8153-261a-4ffb-baa1-abaad328fd73" providerId="ADAL" clId="{1418AA70-33E9-4B69-939A-C06B7A338941}" dt="2024-12-19T12:28:42.418" v="2295" actId="1076"/>
+          <ac:spMkLst>
+            <pc:docMk/>
+            <pc:sldMk cId="1716504565" sldId="262"/>
+            <ac:spMk id="9" creationId="{E7D40219-E2FA-4EE4-24C3-DE1740D4C852}"/>
+          </ac:spMkLst>
+        </pc:spChg>
+        <pc:spChg chg="mod">
+          <ac:chgData name="谷　知紘(s21t317)" userId="a3db8153-261a-4ffb-baa1-abaad328fd73" providerId="ADAL" clId="{1418AA70-33E9-4B69-939A-C06B7A338941}" dt="2024-12-19T12:28:42.418" v="2295" actId="1076"/>
+          <ac:spMkLst>
+            <pc:docMk/>
+            <pc:sldMk cId="1716504565" sldId="262"/>
+            <ac:spMk id="10" creationId="{690CE7D4-FE0D-DAC1-CC24-02EACD5A08F0}"/>
+          </ac:spMkLst>
+        </pc:spChg>
+        <pc:picChg chg="mod">
+          <ac:chgData name="谷　知紘(s21t317)" userId="a3db8153-261a-4ffb-baa1-abaad328fd73" providerId="ADAL" clId="{1418AA70-33E9-4B69-939A-C06B7A338941}" dt="2024-12-19T12:28:48.566" v="2296" actId="1076"/>
+          <ac:picMkLst>
+            <pc:docMk/>
+            <pc:sldMk cId="1716504565" sldId="262"/>
+            <ac:picMk id="5" creationId="{0A7C152D-1718-710B-6366-5CE010CC7706}"/>
+          </ac:picMkLst>
+        </pc:picChg>
       </pc:sldChg>
       <pc:sldChg chg="modSp mod">
         <pc:chgData name="谷　知紘(s21t317)" userId="a3db8153-261a-4ffb-baa1-abaad328fd73" providerId="ADAL" clId="{1418AA70-33E9-4B69-939A-C06B7A338941}" dt="2024-12-19T11:40:21.142" v="1810" actId="20577"/>
@@ -474,7 +602,7 @@
         </pc:graphicFrameChg>
       </pc:sldChg>
       <pc:sldChg chg="addSp modSp mod">
-        <pc:chgData name="谷　知紘(s21t317)" userId="a3db8153-261a-4ffb-baa1-abaad328fd73" providerId="ADAL" clId="{1418AA70-33E9-4B69-939A-C06B7A338941}" dt="2024-12-19T11:40:14.262" v="1808" actId="20577"/>
+        <pc:chgData name="谷　知紘(s21t317)" userId="a3db8153-261a-4ffb-baa1-abaad328fd73" providerId="ADAL" clId="{1418AA70-33E9-4B69-939A-C06B7A338941}" dt="2024-12-19T12:20:51.377" v="2288" actId="20577"/>
         <pc:sldMkLst>
           <pc:docMk/>
           <pc:sldMk cId="503107946" sldId="266"/>
@@ -512,7 +640,7 @@
           </ac:spMkLst>
         </pc:spChg>
         <pc:spChg chg="add mod">
-          <ac:chgData name="谷　知紘(s21t317)" userId="a3db8153-261a-4ffb-baa1-abaad328fd73" providerId="ADAL" clId="{1418AA70-33E9-4B69-939A-C06B7A338941}" dt="2024-12-18T05:04:20.819" v="270" actId="20577"/>
+          <ac:chgData name="谷　知紘(s21t317)" userId="a3db8153-261a-4ffb-baa1-abaad328fd73" providerId="ADAL" clId="{1418AA70-33E9-4B69-939A-C06B7A338941}" dt="2024-12-19T12:20:51.377" v="2288" actId="20577"/>
           <ac:spMkLst>
             <pc:docMk/>
             <pc:sldMk cId="503107946" sldId="266"/>
@@ -529,7 +657,7 @@
         </pc:spChg>
       </pc:sldChg>
       <pc:sldChg chg="addSp modSp mod">
-        <pc:chgData name="谷　知紘(s21t317)" userId="a3db8153-261a-4ffb-baa1-abaad328fd73" providerId="ADAL" clId="{1418AA70-33E9-4B69-939A-C06B7A338941}" dt="2024-12-19T12:00:55.711" v="2141" actId="20577"/>
+        <pc:chgData name="谷　知紘(s21t317)" userId="a3db8153-261a-4ffb-baa1-abaad328fd73" providerId="ADAL" clId="{1418AA70-33E9-4B69-939A-C06B7A338941}" dt="2024-12-19T13:15:33.099" v="2634" actId="14100"/>
         <pc:sldMkLst>
           <pc:docMk/>
           <pc:sldMk cId="1004728229" sldId="267"/>
@@ -551,7 +679,7 @@
           </ac:spMkLst>
         </pc:spChg>
         <pc:spChg chg="add mod">
-          <ac:chgData name="谷　知紘(s21t317)" userId="a3db8153-261a-4ffb-baa1-abaad328fd73" providerId="ADAL" clId="{1418AA70-33E9-4B69-939A-C06B7A338941}" dt="2024-12-19T10:02:03.507" v="739" actId="1076"/>
+          <ac:chgData name="谷　知紘(s21t317)" userId="a3db8153-261a-4ffb-baa1-abaad328fd73" providerId="ADAL" clId="{1418AA70-33E9-4B69-939A-C06B7A338941}" dt="2024-12-19T13:15:33.099" v="2634" actId="14100"/>
           <ac:spMkLst>
             <pc:docMk/>
             <pc:sldMk cId="1004728229" sldId="267"/>
@@ -616,7 +744,7 @@
         </pc:graphicFrameChg>
       </pc:sldChg>
       <pc:sldChg chg="addSp delSp modSp add mod">
-        <pc:chgData name="谷　知紘(s21t317)" userId="a3db8153-261a-4ffb-baa1-abaad328fd73" providerId="ADAL" clId="{1418AA70-33E9-4B69-939A-C06B7A338941}" dt="2024-12-19T11:59:43.711" v="2132" actId="11529"/>
+        <pc:chgData name="谷　知紘(s21t317)" userId="a3db8153-261a-4ffb-baa1-abaad328fd73" providerId="ADAL" clId="{1418AA70-33E9-4B69-939A-C06B7A338941}" dt="2024-12-19T12:18:20.366" v="2262" actId="1076"/>
         <pc:sldMkLst>
           <pc:docMk/>
           <pc:sldMk cId="453686876" sldId="268"/>
@@ -677,8 +805,8 @@
             <ac:spMk id="8" creationId="{717A1FB9-36C6-FAAD-B060-DE32BA2A2B83}"/>
           </ac:spMkLst>
         </pc:spChg>
-        <pc:spChg chg="add mod">
-          <ac:chgData name="谷　知紘(s21t317)" userId="a3db8153-261a-4ffb-baa1-abaad328fd73" providerId="ADAL" clId="{1418AA70-33E9-4B69-939A-C06B7A338941}" dt="2024-12-19T11:59:24.375" v="2130" actId="1076"/>
+        <pc:spChg chg="add del mod">
+          <ac:chgData name="谷　知紘(s21t317)" userId="a3db8153-261a-4ffb-baa1-abaad328fd73" providerId="ADAL" clId="{1418AA70-33E9-4B69-939A-C06B7A338941}" dt="2024-12-19T12:17:07.285" v="2236" actId="478"/>
           <ac:spMkLst>
             <pc:docMk/>
             <pc:sldMk cId="453686876" sldId="268"/>
@@ -686,7 +814,7 @@
           </ac:spMkLst>
         </pc:spChg>
         <pc:spChg chg="add mod">
-          <ac:chgData name="谷　知紘(s21t317)" userId="a3db8153-261a-4ffb-baa1-abaad328fd73" providerId="ADAL" clId="{1418AA70-33E9-4B69-939A-C06B7A338941}" dt="2024-12-19T11:59:24.375" v="2130" actId="1076"/>
+          <ac:chgData name="谷　知紘(s21t317)" userId="a3db8153-261a-4ffb-baa1-abaad328fd73" providerId="ADAL" clId="{1418AA70-33E9-4B69-939A-C06B7A338941}" dt="2024-12-19T12:17:52.023" v="2260" actId="1076"/>
           <ac:spMkLst>
             <pc:docMk/>
             <pc:sldMk cId="453686876" sldId="268"/>
@@ -701,6 +829,14 @@
             <ac:spMk id="9" creationId="{E5BDCDCE-26B4-56C9-FA7F-069325B921ED}"/>
           </ac:spMkLst>
         </pc:spChg>
+        <pc:spChg chg="add mod">
+          <ac:chgData name="谷　知紘(s21t317)" userId="a3db8153-261a-4ffb-baa1-abaad328fd73" providerId="ADAL" clId="{1418AA70-33E9-4B69-939A-C06B7A338941}" dt="2024-12-19T12:18:20.366" v="2262" actId="1076"/>
+          <ac:spMkLst>
+            <pc:docMk/>
+            <pc:sldMk cId="453686876" sldId="268"/>
+            <ac:spMk id="10" creationId="{4A0600FE-C7FA-FFD6-C961-6A1D0E1268AA}"/>
+          </ac:spMkLst>
+        </pc:spChg>
         <pc:spChg chg="add del mod">
           <ac:chgData name="谷　知紘(s21t317)" userId="a3db8153-261a-4ffb-baa1-abaad328fd73" providerId="ADAL" clId="{1418AA70-33E9-4B69-939A-C06B7A338941}" dt="2024-12-19T11:56:58.675" v="1978" actId="478"/>
           <ac:spMkLst>
@@ -709,8 +845,8 @@
             <ac:spMk id="10" creationId="{F8E2F734-CD9B-1F2E-2F33-2FA4F178DFF9}"/>
           </ac:spMkLst>
         </pc:spChg>
-        <pc:spChg chg="add mod">
-          <ac:chgData name="谷　知紘(s21t317)" userId="a3db8153-261a-4ffb-baa1-abaad328fd73" providerId="ADAL" clId="{1418AA70-33E9-4B69-939A-C06B7A338941}" dt="2024-12-19T11:59:31.806" v="2131" actId="1076"/>
+        <pc:spChg chg="add del mod">
+          <ac:chgData name="谷　知紘(s21t317)" userId="a3db8153-261a-4ffb-baa1-abaad328fd73" providerId="ADAL" clId="{1418AA70-33E9-4B69-939A-C06B7A338941}" dt="2024-12-19T12:17:25.602" v="2255" actId="478"/>
           <ac:spMkLst>
             <pc:docMk/>
             <pc:sldMk cId="453686876" sldId="268"/>
@@ -718,36 +854,74 @@
           </ac:spMkLst>
         </pc:spChg>
         <pc:spChg chg="add mod">
-          <ac:chgData name="谷　知紘(s21t317)" userId="a3db8153-261a-4ffb-baa1-abaad328fd73" providerId="ADAL" clId="{1418AA70-33E9-4B69-939A-C06B7A338941}" dt="2024-12-19T11:59:31.806" v="2131" actId="1076"/>
+          <ac:chgData name="谷　知紘(s21t317)" userId="a3db8153-261a-4ffb-baa1-abaad328fd73" providerId="ADAL" clId="{1418AA70-33E9-4B69-939A-C06B7A338941}" dt="2024-12-19T12:17:52.023" v="2260" actId="1076"/>
           <ac:spMkLst>
             <pc:docMk/>
             <pc:sldMk cId="453686876" sldId="268"/>
             <ac:spMk id="12" creationId="{15432817-DC74-949A-509E-2CF7BDD6724E}"/>
           </ac:spMkLst>
         </pc:spChg>
-        <pc:spChg chg="add">
-          <ac:chgData name="谷　知紘(s21t317)" userId="a3db8153-261a-4ffb-baa1-abaad328fd73" providerId="ADAL" clId="{1418AA70-33E9-4B69-939A-C06B7A338941}" dt="2024-12-19T11:59:43.711" v="2132" actId="11529"/>
+        <pc:spChg chg="add mod">
+          <ac:chgData name="谷　知紘(s21t317)" userId="a3db8153-261a-4ffb-baa1-abaad328fd73" providerId="ADAL" clId="{1418AA70-33E9-4B69-939A-C06B7A338941}" dt="2024-12-19T12:17:52.023" v="2260" actId="1076"/>
           <ac:spMkLst>
             <pc:docMk/>
             <pc:sldMk cId="453686876" sldId="268"/>
             <ac:spMk id="13" creationId="{66BAC752-59C8-16C3-1348-5BA6D8806499}"/>
           </ac:spMkLst>
         </pc:spChg>
+        <pc:spChg chg="add mod">
+          <ac:chgData name="谷　知紘(s21t317)" userId="a3db8153-261a-4ffb-baa1-abaad328fd73" providerId="ADAL" clId="{1418AA70-33E9-4B69-939A-C06B7A338941}" dt="2024-12-19T12:18:20.366" v="2262" actId="1076"/>
+          <ac:spMkLst>
+            <pc:docMk/>
+            <pc:sldMk cId="453686876" sldId="268"/>
+            <ac:spMk id="14" creationId="{8135C708-6813-C16C-C6AE-47D763A4170B}"/>
+          </ac:spMkLst>
+        </pc:spChg>
       </pc:sldChg>
-      <pc:sldChg chg="modSp add mod">
-        <pc:chgData name="谷　知紘(s21t317)" userId="a3db8153-261a-4ffb-baa1-abaad328fd73" providerId="ADAL" clId="{1418AA70-33E9-4B69-939A-C06B7A338941}" dt="2024-12-19T12:00:46.558" v="2133"/>
+      <pc:sldChg chg="addSp modSp add mod">
+        <pc:chgData name="谷　知紘(s21t317)" userId="a3db8153-261a-4ffb-baa1-abaad328fd73" providerId="ADAL" clId="{1418AA70-33E9-4B69-939A-C06B7A338941}" dt="2024-12-19T13:14:26.204" v="2632" actId="20577"/>
         <pc:sldMkLst>
           <pc:docMk/>
           <pc:sldMk cId="2962790074" sldId="269"/>
         </pc:sldMkLst>
+        <pc:spChg chg="add mod">
+          <ac:chgData name="谷　知紘(s21t317)" userId="a3db8153-261a-4ffb-baa1-abaad328fd73" providerId="ADAL" clId="{1418AA70-33E9-4B69-939A-C06B7A338941}" dt="2024-12-19T12:50:26.787" v="2485"/>
+          <ac:spMkLst>
+            <pc:docMk/>
+            <pc:sldMk cId="2962790074" sldId="269"/>
+            <ac:spMk id="2" creationId="{5F155457-3742-B26B-2DE7-E01FAB5EDD5D}"/>
+          </ac:spMkLst>
+        </pc:spChg>
+        <pc:spChg chg="add mod">
+          <ac:chgData name="谷　知紘(s21t317)" userId="a3db8153-261a-4ffb-baa1-abaad328fd73" providerId="ADAL" clId="{1418AA70-33E9-4B69-939A-C06B7A338941}" dt="2024-12-19T13:14:26.204" v="2632" actId="20577"/>
+          <ac:spMkLst>
+            <pc:docMk/>
+            <pc:sldMk cId="2962790074" sldId="269"/>
+            <ac:spMk id="3" creationId="{29C3AD97-A3CB-B4AE-5880-74A560E57328}"/>
+          </ac:spMkLst>
+        </pc:spChg>
         <pc:spChg chg="mod">
-          <ac:chgData name="谷　知紘(s21t317)" userId="a3db8153-261a-4ffb-baa1-abaad328fd73" providerId="ADAL" clId="{1418AA70-33E9-4B69-939A-C06B7A338941}" dt="2024-12-19T12:00:46.558" v="2133"/>
+          <ac:chgData name="谷　知紘(s21t317)" userId="a3db8153-261a-4ffb-baa1-abaad328fd73" providerId="ADAL" clId="{1418AA70-33E9-4B69-939A-C06B7A338941}" dt="2024-12-19T12:19:29.375" v="2280" actId="20577"/>
           <ac:spMkLst>
             <pc:docMk/>
             <pc:sldMk cId="2962790074" sldId="269"/>
             <ac:spMk id="4" creationId="{4EB27919-E40E-692F-BBDD-AA62939738F2}"/>
           </ac:spMkLst>
         </pc:spChg>
+      </pc:sldChg>
+      <pc:sldChg chg="add del">
+        <pc:chgData name="谷　知紘(s21t317)" userId="a3db8153-261a-4ffb-baa1-abaad328fd73" providerId="ADAL" clId="{1418AA70-33E9-4B69-939A-C06B7A338941}" dt="2024-12-19T12:21:45.525" v="2290" actId="2696"/>
+        <pc:sldMkLst>
+          <pc:docMk/>
+          <pc:sldMk cId="3416136059" sldId="270"/>
+        </pc:sldMkLst>
+      </pc:sldChg>
+      <pc:sldChg chg="add">
+        <pc:chgData name="谷　知紘(s21t317)" userId="a3db8153-261a-4ffb-baa1-abaad328fd73" providerId="ADAL" clId="{1418AA70-33E9-4B69-939A-C06B7A338941}" dt="2024-12-19T12:21:41.687" v="2289" actId="2890"/>
+        <pc:sldMkLst>
+          <pc:docMk/>
+          <pc:sldMk cId="539303649" sldId="271"/>
+        </pc:sldMkLst>
       </pc:sldChg>
     </pc:docChg>
   </pc:docChgLst>
@@ -4926,6 +5100,90 @@
 </p:notes>
 </file>
 
+<file path=ppt/notesSlides/notesSlide2.xml><?xml version="1.0" encoding="utf-8"?>
+<p:notes xmlns:a="http://schemas.openxmlformats.org/drawingml/2006/main" xmlns:r="http://schemas.openxmlformats.org/officeDocument/2006/relationships" xmlns:p="http://schemas.openxmlformats.org/presentationml/2006/main">
+  <p:cSld>
+    <p:spTree>
+      <p:nvGrpSpPr>
+        <p:cNvPr id="1" name=""/>
+        <p:cNvGrpSpPr/>
+        <p:nvPr/>
+      </p:nvGrpSpPr>
+      <p:grpSpPr>
+        <a:xfrm>
+          <a:off x="0" y="0"/>
+          <a:ext cx="0" cy="0"/>
+          <a:chOff x="0" y="0"/>
+          <a:chExt cx="0" cy="0"/>
+        </a:xfrm>
+      </p:grpSpPr>
+      <p:sp>
+        <p:nvSpPr>
+          <p:cNvPr id="2" name="スライド イメージ プレースホルダー 1"/>
+          <p:cNvSpPr>
+            <a:spLocks noGrp="1" noRot="1" noChangeAspect="1"/>
+          </p:cNvSpPr>
+          <p:nvPr>
+            <p:ph type="sldImg"/>
+          </p:nvPr>
+        </p:nvSpPr>
+        <p:spPr/>
+      </p:sp>
+      <p:sp>
+        <p:nvSpPr>
+          <p:cNvPr id="3" name="ノート プレースホルダー 2"/>
+          <p:cNvSpPr>
+            <a:spLocks noGrp="1"/>
+          </p:cNvSpPr>
+          <p:nvPr>
+            <p:ph type="body" idx="1"/>
+          </p:nvPr>
+        </p:nvSpPr>
+        <p:spPr/>
+        <p:txBody>
+          <a:bodyPr/>
+          <a:lstStyle/>
+          <a:p>
+            <a:endParaRPr kumimoji="1" lang="ja-JP" altLang="en-US" dirty="0"/>
+          </a:p>
+        </p:txBody>
+      </p:sp>
+      <p:sp>
+        <p:nvSpPr>
+          <p:cNvPr id="4" name="スライド番号プレースホルダー 3"/>
+          <p:cNvSpPr>
+            <a:spLocks noGrp="1"/>
+          </p:cNvSpPr>
+          <p:nvPr>
+            <p:ph type="sldNum" sz="quarter" idx="5"/>
+          </p:nvPr>
+        </p:nvSpPr>
+        <p:spPr/>
+        <p:txBody>
+          <a:bodyPr/>
+          <a:lstStyle/>
+          <a:p>
+            <a:fld id="{4CA84DB8-05C1-4437-A19B-C8667398B5DD}" type="slidenum">
+              <a:rPr kumimoji="1" lang="ja-JP" altLang="en-US" smtClean="0"/>
+              <a:t>4</a:t>
+            </a:fld>
+            <a:endParaRPr kumimoji="1" lang="ja-JP" altLang="en-US"/>
+          </a:p>
+        </p:txBody>
+      </p:sp>
+    </p:spTree>
+    <p:extLst>
+      <p:ext uri="{BB962C8B-B14F-4D97-AF65-F5344CB8AC3E}">
+        <p14:creationId xmlns:p14="http://schemas.microsoft.com/office/powerpoint/2010/main" val="350273781"/>
+      </p:ext>
+    </p:extLst>
+  </p:cSld>
+  <p:clrMapOvr>
+    <a:masterClrMapping/>
+  </p:clrMapOvr>
+</p:notes>
+</file>
+
 <file path=ppt/slideLayouts/slideLayout1.xml><?xml version="1.0" encoding="utf-8"?>
 <p:sldLayout xmlns:a="http://schemas.openxmlformats.org/drawingml/2006/main" xmlns:r="http://schemas.openxmlformats.org/officeDocument/2006/relationships" xmlns:p="http://schemas.openxmlformats.org/presentationml/2006/main" type="title" preserve="1">
   <p:cSld name="タイトル スライド">
@@ -9397,7 +9655,7 @@
                 <a:latin typeface="BIZ UDPゴシック" panose="020B0400000000000000" pitchFamily="50" charset="-128"/>
                 <a:ea typeface="BIZ UDPゴシック" panose="020B0400000000000000" pitchFamily="50" charset="-128"/>
               </a:rPr>
-              <a:t>親密度には，以下の</a:t>
+              <a:t>単語親密度には，以下の</a:t>
             </a:r>
             <a:r>
               <a:rPr kumimoji="1" lang="en-US" altLang="ja-JP" sz="2000" dirty="0">
@@ -9953,8 +10211,8 @@
         </p:nvSpPr>
         <p:spPr>
           <a:xfrm>
-            <a:off x="7549176" y="4159243"/>
-            <a:ext cx="4209263" cy="721736"/>
+            <a:off x="7549177" y="4159243"/>
+            <a:ext cx="4491932" cy="721736"/>
           </a:xfrm>
           <a:prstGeom prst="rect">
             <a:avLst/>
@@ -11046,45 +11304,6 @@
       </p:sp>
       <p:sp>
         <p:nvSpPr>
-          <p:cNvPr id="8" name="テキスト ボックス 7">
-            <a:extLst>
-              <a:ext uri="{FF2B5EF4-FFF2-40B4-BE49-F238E27FC236}">
-                <a16:creationId xmlns:a16="http://schemas.microsoft.com/office/drawing/2014/main" id="{7BCE9074-9F66-4531-3E6D-49DEA50E821F}"/>
-              </a:ext>
-            </a:extLst>
-          </p:cNvPr>
-          <p:cNvSpPr txBox="1"/>
-          <p:nvPr/>
-        </p:nvSpPr>
-        <p:spPr>
-          <a:xfrm>
-            <a:off x="735227" y="4733973"/>
-            <a:ext cx="1120733" cy="461665"/>
-          </a:xfrm>
-          <a:prstGeom prst="rect">
-            <a:avLst/>
-          </a:prstGeom>
-          <a:noFill/>
-        </p:spPr>
-        <p:txBody>
-          <a:bodyPr wrap="square" rtlCol="0">
-            <a:spAutoFit/>
-          </a:bodyPr>
-          <a:lstStyle/>
-          <a:p>
-            <a:r>
-              <a:rPr lang="ja-JP" altLang="en-US" sz="2400" b="1" dirty="0">
-                <a:latin typeface="BIZ UDPゴシック" panose="020B0400000000000000" pitchFamily="50" charset="-128"/>
-                <a:ea typeface="BIZ UDPゴシック" panose="020B0400000000000000" pitchFamily="50" charset="-128"/>
-              </a:rPr>
-              <a:t>問題点</a:t>
-            </a:r>
-            <a:endParaRPr kumimoji="1" lang="ja-JP" altLang="en-US" sz="2400" b="1" dirty="0"/>
-          </a:p>
-        </p:txBody>
-      </p:sp>
-      <p:sp>
-        <p:nvSpPr>
           <p:cNvPr id="9" name="テキスト ボックス 8">
             <a:extLst>
               <a:ext uri="{FF2B5EF4-FFF2-40B4-BE49-F238E27FC236}">
@@ -11097,8 +11316,8 @@
         </p:nvSpPr>
         <p:spPr>
           <a:xfrm>
-            <a:off x="735227" y="5379504"/>
-            <a:ext cx="4251551" cy="658770"/>
+            <a:off x="617532" y="5596787"/>
+            <a:ext cx="4588211" cy="721736"/>
           </a:xfrm>
           <a:prstGeom prst="rect">
             <a:avLst/>
@@ -11117,13 +11336,13 @@
               </a:lnSpc>
             </a:pPr>
             <a:r>
-              <a:rPr lang="ja-JP" altLang="en-US" dirty="0">
+              <a:rPr lang="ja-JP" altLang="en-US" sz="2000" dirty="0">
                 <a:latin typeface="BIZ UDPゴシック" panose="020B0400000000000000" pitchFamily="50" charset="-128"/>
                 <a:ea typeface="BIZ UDPゴシック" panose="020B0400000000000000" pitchFamily="50" charset="-128"/>
               </a:rPr>
               <a:t>早口言葉の定義が曖昧，複雑</a:t>
             </a:r>
-            <a:endParaRPr lang="en-US" altLang="ja-JP" dirty="0">
+            <a:endParaRPr lang="en-US" altLang="ja-JP" sz="2000" dirty="0">
               <a:latin typeface="BIZ UDPゴシック" panose="020B0400000000000000" pitchFamily="50" charset="-128"/>
               <a:ea typeface="BIZ UDPゴシック" panose="020B0400000000000000" pitchFamily="50" charset="-128"/>
             </a:endParaRPr>
@@ -11135,55 +11354,16 @@
               </a:lnSpc>
             </a:pPr>
             <a:r>
-              <a:rPr lang="ja-JP" altLang="en-US" dirty="0">
+              <a:rPr lang="ja-JP" altLang="en-US" sz="2000" dirty="0">
                 <a:latin typeface="BIZ UDPゴシック" panose="020B0400000000000000" pitchFamily="50" charset="-128"/>
                 <a:ea typeface="BIZ UDPゴシック" panose="020B0400000000000000" pitchFamily="50" charset="-128"/>
               </a:rPr>
               <a:t>→ ルールベースに基づく判定が難しい</a:t>
             </a:r>
-            <a:endParaRPr lang="en-US" altLang="ja-JP" dirty="0">
+            <a:endParaRPr lang="en-US" altLang="ja-JP" sz="2000" dirty="0">
               <a:latin typeface="BIZ UDPゴシック" panose="020B0400000000000000" pitchFamily="50" charset="-128"/>
               <a:ea typeface="BIZ UDPゴシック" panose="020B0400000000000000" pitchFamily="50" charset="-128"/>
             </a:endParaRPr>
-          </a:p>
-        </p:txBody>
-      </p:sp>
-      <p:sp>
-        <p:nvSpPr>
-          <p:cNvPr id="11" name="テキスト ボックス 10">
-            <a:extLst>
-              <a:ext uri="{FF2B5EF4-FFF2-40B4-BE49-F238E27FC236}">
-                <a16:creationId xmlns:a16="http://schemas.microsoft.com/office/drawing/2014/main" id="{66372368-62C0-EE0A-3E3E-5840A7EA3F7A}"/>
-              </a:ext>
-            </a:extLst>
-          </p:cNvPr>
-          <p:cNvSpPr txBox="1"/>
-          <p:nvPr/>
-        </p:nvSpPr>
-        <p:spPr>
-          <a:xfrm>
-            <a:off x="6442492" y="4733972"/>
-            <a:ext cx="1120733" cy="461665"/>
-          </a:xfrm>
-          <a:prstGeom prst="rect">
-            <a:avLst/>
-          </a:prstGeom>
-          <a:noFill/>
-        </p:spPr>
-        <p:txBody>
-          <a:bodyPr wrap="square" rtlCol="0">
-            <a:spAutoFit/>
-          </a:bodyPr>
-          <a:lstStyle/>
-          <a:p>
-            <a:r>
-              <a:rPr kumimoji="1" lang="ja-JP" altLang="en-US" sz="2400" b="1" dirty="0">
-                <a:latin typeface="BIZ UDPゴシック" panose="020B0400000000000000" pitchFamily="50" charset="-128"/>
-                <a:ea typeface="BIZ UDPゴシック" panose="020B0400000000000000" pitchFamily="50" charset="-128"/>
-              </a:rPr>
-              <a:t>解決案</a:t>
-            </a:r>
-            <a:endParaRPr kumimoji="1" lang="ja-JP" altLang="en-US" sz="2400" b="1" dirty="0"/>
           </a:p>
         </p:txBody>
       </p:sp>
@@ -11201,8 +11381,8 @@
         </p:nvSpPr>
         <p:spPr>
           <a:xfrm>
-            <a:off x="6442492" y="5379504"/>
-            <a:ext cx="5085837" cy="658770"/>
+            <a:off x="6324797" y="5596787"/>
+            <a:ext cx="5634831" cy="721736"/>
           </a:xfrm>
           <a:prstGeom prst="rect">
             <a:avLst/>
@@ -11221,13 +11401,13 @@
               </a:lnSpc>
             </a:pPr>
             <a:r>
-              <a:rPr lang="ja-JP" altLang="en-US" dirty="0">
+              <a:rPr lang="ja-JP" altLang="en-US" sz="2000" dirty="0">
                 <a:latin typeface="BIZ UDPゴシック" panose="020B0400000000000000" pitchFamily="50" charset="-128"/>
                 <a:ea typeface="BIZ UDPゴシック" panose="020B0400000000000000" pitchFamily="50" charset="-128"/>
               </a:rPr>
               <a:t>早口言葉の文体を機械学習</a:t>
             </a:r>
-            <a:endParaRPr lang="en-US" altLang="ja-JP" dirty="0">
+            <a:endParaRPr lang="en-US" altLang="ja-JP" sz="2000" dirty="0">
               <a:latin typeface="BIZ UDPゴシック" panose="020B0400000000000000" pitchFamily="50" charset="-128"/>
               <a:ea typeface="BIZ UDPゴシック" panose="020B0400000000000000" pitchFamily="50" charset="-128"/>
             </a:endParaRPr>
@@ -11239,13 +11419,13 @@
               </a:lnSpc>
             </a:pPr>
             <a:r>
-              <a:rPr lang="ja-JP" altLang="en-US" dirty="0">
+              <a:rPr lang="ja-JP" altLang="en-US" sz="2000" dirty="0">
                 <a:latin typeface="BIZ UDPゴシック" panose="020B0400000000000000" pitchFamily="50" charset="-128"/>
                 <a:ea typeface="BIZ UDPゴシック" panose="020B0400000000000000" pitchFamily="50" charset="-128"/>
               </a:rPr>
               <a:t>→ 作成したモデルにより早口言葉の判定を行う</a:t>
             </a:r>
-            <a:endParaRPr lang="en-US" altLang="ja-JP" dirty="0">
+            <a:endParaRPr lang="en-US" altLang="ja-JP" sz="2000" dirty="0">
               <a:latin typeface="BIZ UDPゴシック" panose="020B0400000000000000" pitchFamily="50" charset="-128"/>
               <a:ea typeface="BIZ UDPゴシック" panose="020B0400000000000000" pitchFamily="50" charset="-128"/>
             </a:endParaRPr>
@@ -11266,8 +11446,8 @@
         </p:nvSpPr>
         <p:spPr>
           <a:xfrm>
-            <a:off x="4986778" y="5195637"/>
-            <a:ext cx="1190087" cy="461665"/>
+            <a:off x="5205743" y="5412920"/>
+            <a:ext cx="853427" cy="461665"/>
           </a:xfrm>
           <a:prstGeom prst="rightArrow">
             <a:avLst/>
@@ -11295,6 +11475,114 @@
           <a:p>
             <a:pPr algn="ctr"/>
             <a:endParaRPr kumimoji="1" lang="ja-JP" altLang="en-US"/>
+          </a:p>
+        </p:txBody>
+      </p:sp>
+      <p:sp>
+        <p:nvSpPr>
+          <p:cNvPr id="10" name="楕円 9">
+            <a:extLst>
+              <a:ext uri="{FF2B5EF4-FFF2-40B4-BE49-F238E27FC236}">
+                <a16:creationId xmlns:a16="http://schemas.microsoft.com/office/drawing/2014/main" id="{4A0600FE-C7FA-FFD6-C961-6A1D0E1268AA}"/>
+              </a:ext>
+            </a:extLst>
+          </p:cNvPr>
+          <p:cNvSpPr/>
+          <p:nvPr/>
+        </p:nvSpPr>
+        <p:spPr>
+          <a:xfrm>
+            <a:off x="617532" y="4456938"/>
+            <a:ext cx="1613412" cy="820693"/>
+          </a:xfrm>
+          <a:prstGeom prst="ellipse">
+            <a:avLst/>
+          </a:prstGeom>
+        </p:spPr>
+        <p:style>
+          <a:lnRef idx="2">
+            <a:schemeClr val="accent1">
+              <a:shade val="15000"/>
+            </a:schemeClr>
+          </a:lnRef>
+          <a:fillRef idx="1">
+            <a:schemeClr val="accent1"/>
+          </a:fillRef>
+          <a:effectRef idx="0">
+            <a:schemeClr val="accent1"/>
+          </a:effectRef>
+          <a:fontRef idx="minor">
+            <a:schemeClr val="lt1"/>
+          </a:fontRef>
+        </p:style>
+        <p:txBody>
+          <a:bodyPr rtlCol="0" anchor="ctr"/>
+          <a:lstStyle/>
+          <a:p>
+            <a:pPr algn="ctr"/>
+            <a:r>
+              <a:rPr kumimoji="1" lang="ja-JP" altLang="en-US" sz="2400" dirty="0">
+                <a:latin typeface="BIZ UDPゴシック" panose="020B0400000000000000" pitchFamily="50" charset="-128"/>
+                <a:ea typeface="BIZ UDPゴシック" panose="020B0400000000000000" pitchFamily="50" charset="-128"/>
+              </a:rPr>
+              <a:t>問題点</a:t>
+            </a:r>
+          </a:p>
+        </p:txBody>
+      </p:sp>
+      <p:sp>
+        <p:nvSpPr>
+          <p:cNvPr id="14" name="楕円 13">
+            <a:extLst>
+              <a:ext uri="{FF2B5EF4-FFF2-40B4-BE49-F238E27FC236}">
+                <a16:creationId xmlns:a16="http://schemas.microsoft.com/office/drawing/2014/main" id="{8135C708-6813-C16C-C6AE-47D763A4170B}"/>
+              </a:ext>
+            </a:extLst>
+          </p:cNvPr>
+          <p:cNvSpPr/>
+          <p:nvPr/>
+        </p:nvSpPr>
+        <p:spPr>
+          <a:xfrm>
+            <a:off x="6324797" y="4456937"/>
+            <a:ext cx="1613412" cy="820693"/>
+          </a:xfrm>
+          <a:prstGeom prst="ellipse">
+            <a:avLst/>
+          </a:prstGeom>
+        </p:spPr>
+        <p:style>
+          <a:lnRef idx="2">
+            <a:schemeClr val="accent1">
+              <a:shade val="15000"/>
+            </a:schemeClr>
+          </a:lnRef>
+          <a:fillRef idx="1">
+            <a:schemeClr val="accent1"/>
+          </a:fillRef>
+          <a:effectRef idx="0">
+            <a:schemeClr val="accent1"/>
+          </a:effectRef>
+          <a:fontRef idx="minor">
+            <a:schemeClr val="lt1"/>
+          </a:fontRef>
+        </p:style>
+        <p:txBody>
+          <a:bodyPr rtlCol="0" anchor="ctr"/>
+          <a:lstStyle/>
+          <a:p>
+            <a:pPr algn="ctr"/>
+            <a:r>
+              <a:rPr lang="ja-JP" altLang="en-US" sz="2400" dirty="0">
+                <a:latin typeface="BIZ UDPゴシック" panose="020B0400000000000000" pitchFamily="50" charset="-128"/>
+                <a:ea typeface="BIZ UDPゴシック" panose="020B0400000000000000" pitchFamily="50" charset="-128"/>
+              </a:rPr>
+              <a:t>解決案</a:t>
+            </a:r>
+            <a:endParaRPr kumimoji="1" lang="ja-JP" altLang="en-US" sz="2400" dirty="0">
+              <a:latin typeface="BIZ UDPゴシック" panose="020B0400000000000000" pitchFamily="50" charset="-128"/>
+              <a:ea typeface="BIZ UDPゴシック" panose="020B0400000000000000" pitchFamily="50" charset="-128"/>
+            </a:endParaRPr>
           </a:p>
         </p:txBody>
       </p:sp>
@@ -11396,9 +11684,289 @@
                 <a:latin typeface="BIZ UDPゴシック" panose="020B0400000000000000" pitchFamily="50" charset="-128"/>
                 <a:ea typeface="BIZ UDPゴシック" panose="020B0400000000000000" pitchFamily="50" charset="-128"/>
               </a:rPr>
-              <a:t>早口言葉を構成する要素の有無による算出法</a:t>
+              <a:t>モデル構築</a:t>
             </a:r>
             <a:endParaRPr kumimoji="1" lang="ja-JP" altLang="en-US" sz="3600" dirty="0">
+              <a:latin typeface="BIZ UDPゴシック" panose="020B0400000000000000" pitchFamily="50" charset="-128"/>
+              <a:ea typeface="BIZ UDPゴシック" panose="020B0400000000000000" pitchFamily="50" charset="-128"/>
+            </a:endParaRPr>
+          </a:p>
+        </p:txBody>
+      </p:sp>
+      <p:sp>
+        <p:nvSpPr>
+          <p:cNvPr id="2" name="テキスト ボックス 5">
+            <a:extLst>
+              <a:ext uri="{FF2B5EF4-FFF2-40B4-BE49-F238E27FC236}">
+                <a16:creationId xmlns:a16="http://schemas.microsoft.com/office/drawing/2014/main" id="{5F155457-3742-B26B-2DE7-E01FAB5EDD5D}"/>
+              </a:ext>
+            </a:extLst>
+          </p:cNvPr>
+          <p:cNvSpPr txBox="1"/>
+          <p:nvPr/>
+        </p:nvSpPr>
+        <p:spPr>
+          <a:xfrm>
+            <a:off x="674658" y="1193771"/>
+            <a:ext cx="1018867" cy="461665"/>
+          </a:xfrm>
+          <a:prstGeom prst="rect">
+            <a:avLst/>
+          </a:prstGeom>
+          <a:noFill/>
+        </p:spPr>
+        <p:txBody>
+          <a:bodyPr wrap="square" rtlCol="0">
+            <a:spAutoFit/>
+          </a:bodyPr>
+          <a:lstStyle>
+            <a:defPPr>
+              <a:defRPr lang="en-US"/>
+            </a:defPPr>
+            <a:lvl1pPr marL="0" algn="l" defTabSz="457200" rtl="0" eaLnBrk="1" latinLnBrk="0" hangingPunct="1">
+              <a:defRPr sz="1800" kern="1200">
+                <a:solidFill>
+                  <a:schemeClr val="tx1"/>
+                </a:solidFill>
+                <a:latin typeface="+mn-lt"/>
+                <a:ea typeface="+mn-ea"/>
+                <a:cs typeface="+mn-cs"/>
+              </a:defRPr>
+            </a:lvl1pPr>
+            <a:lvl2pPr marL="457200" algn="l" defTabSz="457200" rtl="0" eaLnBrk="1" latinLnBrk="0" hangingPunct="1">
+              <a:defRPr sz="1800" kern="1200">
+                <a:solidFill>
+                  <a:schemeClr val="tx1"/>
+                </a:solidFill>
+                <a:latin typeface="+mn-lt"/>
+                <a:ea typeface="+mn-ea"/>
+                <a:cs typeface="+mn-cs"/>
+              </a:defRPr>
+            </a:lvl2pPr>
+            <a:lvl3pPr marL="914400" algn="l" defTabSz="457200" rtl="0" eaLnBrk="1" latinLnBrk="0" hangingPunct="1">
+              <a:defRPr sz="1800" kern="1200">
+                <a:solidFill>
+                  <a:schemeClr val="tx1"/>
+                </a:solidFill>
+                <a:latin typeface="+mn-lt"/>
+                <a:ea typeface="+mn-ea"/>
+                <a:cs typeface="+mn-cs"/>
+              </a:defRPr>
+            </a:lvl3pPr>
+            <a:lvl4pPr marL="1371600" algn="l" defTabSz="457200" rtl="0" eaLnBrk="1" latinLnBrk="0" hangingPunct="1">
+              <a:defRPr sz="1800" kern="1200">
+                <a:solidFill>
+                  <a:schemeClr val="tx1"/>
+                </a:solidFill>
+                <a:latin typeface="+mn-lt"/>
+                <a:ea typeface="+mn-ea"/>
+                <a:cs typeface="+mn-cs"/>
+              </a:defRPr>
+            </a:lvl4pPr>
+            <a:lvl5pPr marL="1828800" algn="l" defTabSz="457200" rtl="0" eaLnBrk="1" latinLnBrk="0" hangingPunct="1">
+              <a:defRPr sz="1800" kern="1200">
+                <a:solidFill>
+                  <a:schemeClr val="tx1"/>
+                </a:solidFill>
+                <a:latin typeface="+mn-lt"/>
+                <a:ea typeface="+mn-ea"/>
+                <a:cs typeface="+mn-cs"/>
+              </a:defRPr>
+            </a:lvl5pPr>
+            <a:lvl6pPr marL="2286000" algn="l" defTabSz="457200" rtl="0" eaLnBrk="1" latinLnBrk="0" hangingPunct="1">
+              <a:defRPr sz="1800" kern="1200">
+                <a:solidFill>
+                  <a:schemeClr val="tx1"/>
+                </a:solidFill>
+                <a:latin typeface="+mn-lt"/>
+                <a:ea typeface="+mn-ea"/>
+                <a:cs typeface="+mn-cs"/>
+              </a:defRPr>
+            </a:lvl6pPr>
+            <a:lvl7pPr marL="2743200" algn="l" defTabSz="457200" rtl="0" eaLnBrk="1" latinLnBrk="0" hangingPunct="1">
+              <a:defRPr sz="1800" kern="1200">
+                <a:solidFill>
+                  <a:schemeClr val="tx1"/>
+                </a:solidFill>
+                <a:latin typeface="+mn-lt"/>
+                <a:ea typeface="+mn-ea"/>
+                <a:cs typeface="+mn-cs"/>
+              </a:defRPr>
+            </a:lvl7pPr>
+            <a:lvl8pPr marL="3200400" algn="l" defTabSz="457200" rtl="0" eaLnBrk="1" latinLnBrk="0" hangingPunct="1">
+              <a:defRPr sz="1800" kern="1200">
+                <a:solidFill>
+                  <a:schemeClr val="tx1"/>
+                </a:solidFill>
+                <a:latin typeface="+mn-lt"/>
+                <a:ea typeface="+mn-ea"/>
+                <a:cs typeface="+mn-cs"/>
+              </a:defRPr>
+            </a:lvl8pPr>
+            <a:lvl9pPr marL="3657600" algn="l" defTabSz="457200" rtl="0" eaLnBrk="1" latinLnBrk="0" hangingPunct="1">
+              <a:defRPr sz="1800" kern="1200">
+                <a:solidFill>
+                  <a:schemeClr val="tx1"/>
+                </a:solidFill>
+                <a:latin typeface="+mn-lt"/>
+                <a:ea typeface="+mn-ea"/>
+                <a:cs typeface="+mn-cs"/>
+              </a:defRPr>
+            </a:lvl9pPr>
+          </a:lstStyle>
+          <a:p>
+            <a:r>
+              <a:rPr kumimoji="1" lang="ja-JP" altLang="en-US" sz="2400" b="1" dirty="0">
+                <a:latin typeface="BIZ UDPゴシック" panose="020B0400000000000000" pitchFamily="50" charset="-128"/>
+                <a:ea typeface="BIZ UDPゴシック" panose="020B0400000000000000" pitchFamily="50" charset="-128"/>
+              </a:rPr>
+              <a:t>手法</a:t>
+            </a:r>
+          </a:p>
+        </p:txBody>
+      </p:sp>
+      <p:sp>
+        <p:nvSpPr>
+          <p:cNvPr id="3" name="テキスト ボックス 1">
+            <a:extLst>
+              <a:ext uri="{FF2B5EF4-FFF2-40B4-BE49-F238E27FC236}">
+                <a16:creationId xmlns:a16="http://schemas.microsoft.com/office/drawing/2014/main" id="{29C3AD97-A3CB-B4AE-5880-74A560E57328}"/>
+              </a:ext>
+            </a:extLst>
+          </p:cNvPr>
+          <p:cNvSpPr txBox="1"/>
+          <p:nvPr/>
+        </p:nvSpPr>
+        <p:spPr>
+          <a:xfrm>
+            <a:off x="674658" y="1655436"/>
+            <a:ext cx="7319875" cy="383182"/>
+          </a:xfrm>
+          <a:prstGeom prst="rect">
+            <a:avLst/>
+          </a:prstGeom>
+          <a:noFill/>
+        </p:spPr>
+        <p:txBody>
+          <a:bodyPr wrap="square" rtlCol="0">
+            <a:spAutoFit/>
+          </a:bodyPr>
+          <a:lstStyle>
+            <a:defPPr>
+              <a:defRPr lang="en-US"/>
+            </a:defPPr>
+            <a:lvl1pPr marL="0" algn="l" defTabSz="457200" rtl="0" eaLnBrk="1" latinLnBrk="0" hangingPunct="1">
+              <a:defRPr sz="1800" kern="1200">
+                <a:solidFill>
+                  <a:schemeClr val="tx1"/>
+                </a:solidFill>
+                <a:latin typeface="+mn-lt"/>
+                <a:ea typeface="+mn-ea"/>
+                <a:cs typeface="+mn-cs"/>
+              </a:defRPr>
+            </a:lvl1pPr>
+            <a:lvl2pPr marL="457200" algn="l" defTabSz="457200" rtl="0" eaLnBrk="1" latinLnBrk="0" hangingPunct="1">
+              <a:defRPr sz="1800" kern="1200">
+                <a:solidFill>
+                  <a:schemeClr val="tx1"/>
+                </a:solidFill>
+                <a:latin typeface="+mn-lt"/>
+                <a:ea typeface="+mn-ea"/>
+                <a:cs typeface="+mn-cs"/>
+              </a:defRPr>
+            </a:lvl2pPr>
+            <a:lvl3pPr marL="914400" algn="l" defTabSz="457200" rtl="0" eaLnBrk="1" latinLnBrk="0" hangingPunct="1">
+              <a:defRPr sz="1800" kern="1200">
+                <a:solidFill>
+                  <a:schemeClr val="tx1"/>
+                </a:solidFill>
+                <a:latin typeface="+mn-lt"/>
+                <a:ea typeface="+mn-ea"/>
+                <a:cs typeface="+mn-cs"/>
+              </a:defRPr>
+            </a:lvl3pPr>
+            <a:lvl4pPr marL="1371600" algn="l" defTabSz="457200" rtl="0" eaLnBrk="1" latinLnBrk="0" hangingPunct="1">
+              <a:defRPr sz="1800" kern="1200">
+                <a:solidFill>
+                  <a:schemeClr val="tx1"/>
+                </a:solidFill>
+                <a:latin typeface="+mn-lt"/>
+                <a:ea typeface="+mn-ea"/>
+                <a:cs typeface="+mn-cs"/>
+              </a:defRPr>
+            </a:lvl4pPr>
+            <a:lvl5pPr marL="1828800" algn="l" defTabSz="457200" rtl="0" eaLnBrk="1" latinLnBrk="0" hangingPunct="1">
+              <a:defRPr sz="1800" kern="1200">
+                <a:solidFill>
+                  <a:schemeClr val="tx1"/>
+                </a:solidFill>
+                <a:latin typeface="+mn-lt"/>
+                <a:ea typeface="+mn-ea"/>
+                <a:cs typeface="+mn-cs"/>
+              </a:defRPr>
+            </a:lvl5pPr>
+            <a:lvl6pPr marL="2286000" algn="l" defTabSz="457200" rtl="0" eaLnBrk="1" latinLnBrk="0" hangingPunct="1">
+              <a:defRPr sz="1800" kern="1200">
+                <a:solidFill>
+                  <a:schemeClr val="tx1"/>
+                </a:solidFill>
+                <a:latin typeface="+mn-lt"/>
+                <a:ea typeface="+mn-ea"/>
+                <a:cs typeface="+mn-cs"/>
+              </a:defRPr>
+            </a:lvl6pPr>
+            <a:lvl7pPr marL="2743200" algn="l" defTabSz="457200" rtl="0" eaLnBrk="1" latinLnBrk="0" hangingPunct="1">
+              <a:defRPr sz="1800" kern="1200">
+                <a:solidFill>
+                  <a:schemeClr val="tx1"/>
+                </a:solidFill>
+                <a:latin typeface="+mn-lt"/>
+                <a:ea typeface="+mn-ea"/>
+                <a:cs typeface="+mn-cs"/>
+              </a:defRPr>
+            </a:lvl7pPr>
+            <a:lvl8pPr marL="3200400" algn="l" defTabSz="457200" rtl="0" eaLnBrk="1" latinLnBrk="0" hangingPunct="1">
+              <a:defRPr sz="1800" kern="1200">
+                <a:solidFill>
+                  <a:schemeClr val="tx1"/>
+                </a:solidFill>
+                <a:latin typeface="+mn-lt"/>
+                <a:ea typeface="+mn-ea"/>
+                <a:cs typeface="+mn-cs"/>
+              </a:defRPr>
+            </a:lvl8pPr>
+            <a:lvl9pPr marL="3657600" algn="l" defTabSz="457200" rtl="0" eaLnBrk="1" latinLnBrk="0" hangingPunct="1">
+              <a:defRPr sz="1800" kern="1200">
+                <a:solidFill>
+                  <a:schemeClr val="tx1"/>
+                </a:solidFill>
+                <a:latin typeface="+mn-lt"/>
+                <a:ea typeface="+mn-ea"/>
+                <a:cs typeface="+mn-cs"/>
+              </a:defRPr>
+            </a:lvl9pPr>
+          </a:lstStyle>
+          <a:p>
+            <a:pPr>
+              <a:lnSpc>
+                <a:spcPct val="110000"/>
+              </a:lnSpc>
+            </a:pPr>
+            <a:r>
+              <a:rPr lang="en-US" altLang="ja-JP" sz="2000" dirty="0">
+                <a:latin typeface="BIZ UDPゴシック" panose="020B0400000000000000" pitchFamily="50" charset="-128"/>
+                <a:ea typeface="BIZ UDPゴシック" panose="020B0400000000000000" pitchFamily="50" charset="-128"/>
+              </a:rPr>
+              <a:t>Google</a:t>
+            </a:r>
+            <a:r>
+              <a:rPr lang="ja-JP" altLang="en-US" sz="2000" dirty="0">
+                <a:latin typeface="BIZ UDPゴシック" panose="020B0400000000000000" pitchFamily="50" charset="-128"/>
+                <a:ea typeface="BIZ UDPゴシック" panose="020B0400000000000000" pitchFamily="50" charset="-128"/>
+              </a:rPr>
+              <a:t>検索より，早口言葉，早口言葉でない文</a:t>
+            </a:r>
+            <a:endParaRPr kumimoji="1" lang="en-US" altLang="ja-JP" sz="2000" dirty="0">
               <a:latin typeface="BIZ UDPゴシック" panose="020B0400000000000000" pitchFamily="50" charset="-128"/>
               <a:ea typeface="BIZ UDPゴシック" panose="020B0400000000000000" pitchFamily="50" charset="-128"/>
             </a:endParaRPr>
@@ -11409,6 +11977,113 @@
     <p:extLst>
       <p:ext uri="{BB962C8B-B14F-4D97-AF65-F5344CB8AC3E}">
         <p14:creationId xmlns:p14="http://schemas.microsoft.com/office/powerpoint/2010/main" val="2962790074"/>
+      </p:ext>
+    </p:extLst>
+  </p:cSld>
+  <p:clrMapOvr>
+    <a:masterClrMapping/>
+  </p:clrMapOvr>
+</p:sld>
+</file>
+
+<file path=ppt/slides/slide14.xml><?xml version="1.0" encoding="utf-8"?>
+<p:sld xmlns:a="http://schemas.openxmlformats.org/drawingml/2006/main" xmlns:r="http://schemas.openxmlformats.org/officeDocument/2006/relationships" xmlns:p="http://schemas.openxmlformats.org/presentationml/2006/main">
+  <p:cSld>
+    <p:spTree>
+      <p:nvGrpSpPr>
+        <p:cNvPr id="1" name="">
+          <a:extLst>
+            <a:ext uri="{FF2B5EF4-FFF2-40B4-BE49-F238E27FC236}">
+              <a16:creationId xmlns:a16="http://schemas.microsoft.com/office/drawing/2014/main" id="{3497B509-3895-8EDF-4CFE-2C63A0F3FB0F}"/>
+            </a:ext>
+          </a:extLst>
+        </p:cNvPr>
+        <p:cNvGrpSpPr/>
+        <p:nvPr/>
+      </p:nvGrpSpPr>
+      <p:grpSpPr>
+        <a:xfrm>
+          <a:off x="0" y="0"/>
+          <a:ext cx="0" cy="0"/>
+          <a:chOff x="0" y="0"/>
+          <a:chExt cx="0" cy="0"/>
+        </a:xfrm>
+      </p:grpSpPr>
+      <p:sp>
+        <p:nvSpPr>
+          <p:cNvPr id="4" name="正方形/長方形 3">
+            <a:extLst>
+              <a:ext uri="{FF2B5EF4-FFF2-40B4-BE49-F238E27FC236}">
+                <a16:creationId xmlns:a16="http://schemas.microsoft.com/office/drawing/2014/main" id="{2E26D668-2126-9EB0-CDCF-C2AEBD97B08B}"/>
+              </a:ext>
+            </a:extLst>
+          </p:cNvPr>
+          <p:cNvSpPr/>
+          <p:nvPr/>
+        </p:nvSpPr>
+        <p:spPr>
+          <a:xfrm>
+            <a:off x="0" y="-1"/>
+            <a:ext cx="12192000" cy="995881"/>
+          </a:xfrm>
+          <a:prstGeom prst="rect">
+            <a:avLst/>
+          </a:prstGeom>
+          <a:solidFill>
+            <a:schemeClr val="accent1">
+              <a:lumMod val="60000"/>
+              <a:lumOff val="40000"/>
+            </a:schemeClr>
+          </a:solidFill>
+          <a:ln>
+            <a:noFill/>
+          </a:ln>
+        </p:spPr>
+        <p:style>
+          <a:lnRef idx="2">
+            <a:schemeClr val="accent1">
+              <a:shade val="15000"/>
+            </a:schemeClr>
+          </a:lnRef>
+          <a:fillRef idx="1">
+            <a:schemeClr val="accent1"/>
+          </a:fillRef>
+          <a:effectRef idx="0">
+            <a:schemeClr val="accent1"/>
+          </a:effectRef>
+          <a:fontRef idx="minor">
+            <a:schemeClr val="lt1"/>
+          </a:fontRef>
+        </p:style>
+        <p:txBody>
+          <a:bodyPr rtlCol="0" anchor="ctr"/>
+          <a:lstStyle/>
+          <a:p>
+            <a:r>
+              <a:rPr lang="en-US" altLang="ja-JP" sz="3600" dirty="0">
+                <a:latin typeface="BIZ UDPゴシック" panose="020B0400000000000000" pitchFamily="50" charset="-128"/>
+                <a:ea typeface="BIZ UDPゴシック" panose="020B0400000000000000" pitchFamily="50" charset="-128"/>
+              </a:rPr>
+              <a:t>3.</a:t>
+            </a:r>
+            <a:r>
+              <a:rPr lang="ja-JP" altLang="en-US" sz="3600" dirty="0">
+                <a:latin typeface="BIZ UDPゴシック" panose="020B0400000000000000" pitchFamily="50" charset="-128"/>
+                <a:ea typeface="BIZ UDPゴシック" panose="020B0400000000000000" pitchFamily="50" charset="-128"/>
+              </a:rPr>
+              <a:t>モデル構築</a:t>
+            </a:r>
+            <a:endParaRPr kumimoji="1" lang="ja-JP" altLang="en-US" sz="3600" dirty="0">
+              <a:latin typeface="BIZ UDPゴシック" panose="020B0400000000000000" pitchFamily="50" charset="-128"/>
+              <a:ea typeface="BIZ UDPゴシック" panose="020B0400000000000000" pitchFamily="50" charset="-128"/>
+            </a:endParaRPr>
+          </a:p>
+        </p:txBody>
+      </p:sp>
+    </p:spTree>
+    <p:extLst>
+      <p:ext uri="{BB962C8B-B14F-4D97-AF65-F5344CB8AC3E}">
+        <p14:creationId xmlns:p14="http://schemas.microsoft.com/office/powerpoint/2010/main" val="539303649"/>
       </p:ext>
     </p:extLst>
   </p:cSld>
@@ -11546,8 +12221,8 @@
         </p:nvSpPr>
         <p:spPr>
           <a:xfrm>
-            <a:off x="443620" y="1358020"/>
-            <a:ext cx="7713553" cy="2314160"/>
+            <a:off x="573385" y="1407948"/>
+            <a:ext cx="7713553" cy="1974387"/>
           </a:xfrm>
           <a:prstGeom prst="rect">
             <a:avLst/>
@@ -11570,7 +12245,21 @@
                 <a:latin typeface="BIZ UDPゴシック" panose="020B0400000000000000" pitchFamily="50" charset="-128"/>
                 <a:ea typeface="BIZ UDPゴシック" panose="020B0400000000000000" pitchFamily="50" charset="-128"/>
               </a:rPr>
-              <a:t>・ボーカロイドとは？</a:t>
+              <a:t>ボーカロイド</a:t>
+            </a:r>
+            <a:r>
+              <a:rPr kumimoji="1" lang="en-US" altLang="ja-JP" sz="2800" b="1" dirty="0">
+                <a:latin typeface="BIZ UDPゴシック" panose="020B0400000000000000" pitchFamily="50" charset="-128"/>
+                <a:ea typeface="BIZ UDPゴシック" panose="020B0400000000000000" pitchFamily="50" charset="-128"/>
+              </a:rPr>
+              <a:t>(VOCALOID)</a:t>
+            </a:r>
+            <a:r>
+              <a:rPr kumimoji="1" lang="ja-JP" altLang="en-US" sz="2800" b="1" dirty="0">
+                <a:latin typeface="BIZ UDPゴシック" panose="020B0400000000000000" pitchFamily="50" charset="-128"/>
+                <a:ea typeface="BIZ UDPゴシック" panose="020B0400000000000000" pitchFamily="50" charset="-128"/>
+              </a:rPr>
+              <a:t>とは？</a:t>
             </a:r>
             <a:endParaRPr kumimoji="1" lang="en-US" altLang="ja-JP" sz="2800" b="1" dirty="0">
               <a:latin typeface="BIZ UDPゴシック" panose="020B0400000000000000" pitchFamily="50" charset="-128"/>
@@ -11578,19 +12267,21 @@
             </a:endParaRPr>
           </a:p>
           <a:p>
-            <a:pPr>
+            <a:pPr marL="342900" indent="-342900">
               <a:lnSpc>
                 <a:spcPct val="110000"/>
               </a:lnSpc>
+              <a:buFontTx/>
+              <a:buChar char="-"/>
             </a:pPr>
             <a:r>
               <a:rPr kumimoji="1" lang="ja-JP" altLang="en-US" sz="2000" dirty="0">
                 <a:latin typeface="BIZ UDPゴシック" panose="020B0400000000000000" pitchFamily="50" charset="-128"/>
                 <a:ea typeface="BIZ UDPゴシック" panose="020B0400000000000000" pitchFamily="50" charset="-128"/>
               </a:rPr>
-              <a:t>    ヤマハが開発した歌声合成技術の応用ソフトウェア</a:t>
-            </a:r>
-            <a:endParaRPr kumimoji="1" lang="en-US" altLang="ja-JP" sz="2000" dirty="0">
+              <a:t>ヤマハが開発した歌声合成技術の応用ソフトウェア</a:t>
+            </a:r>
+            <a:endParaRPr kumimoji="1" lang="en-US" altLang="ja-JP" dirty="0">
               <a:latin typeface="BIZ UDPゴシック" panose="020B0400000000000000" pitchFamily="50" charset="-128"/>
               <a:ea typeface="BIZ UDPゴシック" panose="020B0400000000000000" pitchFamily="50" charset="-128"/>
             </a:endParaRPr>
@@ -11612,23 +12303,12 @@
                 <a:spcPct val="110000"/>
               </a:lnSpc>
             </a:pPr>
-            <a:endParaRPr kumimoji="1" lang="en-US" altLang="ja-JP" dirty="0">
-              <a:latin typeface="BIZ UDPゴシック" panose="020B0400000000000000" pitchFamily="50" charset="-128"/>
-              <a:ea typeface="BIZ UDPゴシック" panose="020B0400000000000000" pitchFamily="50" charset="-128"/>
-            </a:endParaRPr>
-          </a:p>
-          <a:p>
-            <a:pPr>
-              <a:lnSpc>
-                <a:spcPct val="110000"/>
-              </a:lnSpc>
-            </a:pPr>
             <a:r>
               <a:rPr kumimoji="1" lang="ja-JP" altLang="en-US" sz="2800" b="1" dirty="0">
                 <a:latin typeface="BIZ UDPゴシック" panose="020B0400000000000000" pitchFamily="50" charset="-128"/>
                 <a:ea typeface="BIZ UDPゴシック" panose="020B0400000000000000" pitchFamily="50" charset="-128"/>
               </a:rPr>
-              <a:t>・ボーカロイド楽曲（ボカロ楽曲）とは？</a:t>
+              <a:t>ボーカロイド楽曲（ボカロ楽曲）とは？</a:t>
             </a:r>
             <a:endParaRPr kumimoji="1" lang="en-US" altLang="ja-JP" sz="2800" b="1" dirty="0">
               <a:latin typeface="BIZ UDPゴシック" panose="020B0400000000000000" pitchFamily="50" charset="-128"/>
@@ -11636,17 +12316,19 @@
             </a:endParaRPr>
           </a:p>
           <a:p>
-            <a:pPr>
+            <a:pPr marL="342900" indent="-342900">
               <a:lnSpc>
                 <a:spcPct val="110000"/>
               </a:lnSpc>
+              <a:buFontTx/>
+              <a:buChar char="-"/>
             </a:pPr>
             <a:r>
               <a:rPr kumimoji="1" lang="ja-JP" altLang="en-US" sz="2000" dirty="0">
                 <a:latin typeface="BIZ UDPゴシック" panose="020B0400000000000000" pitchFamily="50" charset="-128"/>
                 <a:ea typeface="BIZ UDPゴシック" panose="020B0400000000000000" pitchFamily="50" charset="-128"/>
               </a:rPr>
-              <a:t>    ボーカロイドを用いて作成された楽曲の総称</a:t>
+              <a:t>ボーカロイドを用いて作成された楽曲の総称</a:t>
             </a:r>
             <a:endParaRPr kumimoji="1" lang="en-US" altLang="ja-JP" sz="2000" dirty="0">
               <a:latin typeface="BIZ UDPゴシック" panose="020B0400000000000000" pitchFamily="50" charset="-128"/>
@@ -11796,35 +12478,39 @@
           </a:bodyPr>
           <a:lstStyle/>
           <a:p>
-            <a:pPr>
+            <a:pPr marL="342900" indent="-342900">
               <a:lnSpc>
                 <a:spcPct val="110000"/>
               </a:lnSpc>
+              <a:buFontTx/>
+              <a:buChar char="-"/>
             </a:pPr>
             <a:r>
               <a:rPr kumimoji="1" lang="ja-JP" altLang="en-US" sz="2000" dirty="0">
                 <a:latin typeface="BIZ UDPゴシック" panose="020B0400000000000000" pitchFamily="50" charset="-128"/>
                 <a:ea typeface="BIZ UDPゴシック" panose="020B0400000000000000" pitchFamily="50" charset="-128"/>
               </a:rPr>
-              <a:t>・機械音声がメインボーカルを担当</a:t>
-            </a:r>
-            <a:endParaRPr kumimoji="1" lang="en-US" altLang="ja-JP" sz="2000" dirty="0">
+              <a:t>機械音声がメインボーカルを担当</a:t>
+            </a:r>
+            <a:endParaRPr lang="en-US" altLang="ja-JP" sz="2000" dirty="0">
               <a:latin typeface="BIZ UDPゴシック" panose="020B0400000000000000" pitchFamily="50" charset="-128"/>
               <a:ea typeface="BIZ UDPゴシック" panose="020B0400000000000000" pitchFamily="50" charset="-128"/>
             </a:endParaRPr>
           </a:p>
           <a:p>
-            <a:pPr>
+            <a:pPr marL="342900" indent="-342900">
               <a:lnSpc>
                 <a:spcPct val="110000"/>
               </a:lnSpc>
+              <a:buFontTx/>
+              <a:buChar char="-"/>
             </a:pPr>
             <a:r>
               <a:rPr kumimoji="1" lang="ja-JP" altLang="en-US" sz="2000" dirty="0">
                 <a:latin typeface="BIZ UDPゴシック" panose="020B0400000000000000" pitchFamily="50" charset="-128"/>
                 <a:ea typeface="BIZ UDPゴシック" panose="020B0400000000000000" pitchFamily="50" charset="-128"/>
               </a:rPr>
-              <a:t>・人間には表現が難しい歌声を容易に合成可能</a:t>
+              <a:t>人間には表現が難しい歌声を容易に合成可能</a:t>
             </a:r>
             <a:endParaRPr kumimoji="1" lang="en-US" altLang="ja-JP" sz="2000" dirty="0">
               <a:latin typeface="BIZ UDPゴシック" panose="020B0400000000000000" pitchFamily="50" charset="-128"/>
@@ -11899,8 +12585,8 @@
         </p:nvSpPr>
         <p:spPr>
           <a:xfrm>
-            <a:off x="10450718" y="2253490"/>
-            <a:ext cx="1127411" cy="532903"/>
+            <a:off x="10450717" y="2437374"/>
+            <a:ext cx="1551161" cy="295915"/>
           </a:xfrm>
           <a:prstGeom prst="rect">
             <a:avLst/>
@@ -11923,7 +12609,7 @@
                 <a:latin typeface="BIZ UDPゴシック" panose="020B0400000000000000" pitchFamily="50" charset="-128"/>
                 <a:ea typeface="BIZ UDPゴシック" panose="020B0400000000000000" pitchFamily="50" charset="-128"/>
               </a:rPr>
-              <a:t>最近話題の重音テト</a:t>
+              <a:t>話題の重音テト</a:t>
             </a:r>
             <a:endParaRPr kumimoji="1" lang="ja-JP" altLang="en-US" sz="1400" dirty="0">
               <a:latin typeface="BIZ UDPゴシック" panose="020B0400000000000000" pitchFamily="50" charset="-128"/>
@@ -12190,7 +12876,7 @@
         </p:nvSpPr>
         <p:spPr>
           <a:xfrm>
-            <a:off x="1857657" y="2313584"/>
+            <a:off x="1975351" y="2231713"/>
             <a:ext cx="8600794" cy="2281778"/>
           </a:xfrm>
           <a:prstGeom prst="rect">
@@ -12214,7 +12900,7 @@
                 <a:latin typeface="BIZ UDPゴシック" panose="020B0400000000000000" pitchFamily="50" charset="-128"/>
                 <a:ea typeface="BIZ UDPゴシック" panose="020B0400000000000000" pitchFamily="50" charset="-128"/>
               </a:rPr>
-              <a:t>・人間が歌いにくい楽曲の特徴としてメロディに注目</a:t>
+              <a:t>人間が歌いにくい楽曲の特徴としてメロディに注目</a:t>
             </a:r>
             <a:r>
               <a:rPr kumimoji="1" lang="en-US" altLang="ja-JP" sz="2000" b="1" dirty="0">
@@ -12239,35 +12925,39 @@
             </a:r>
           </a:p>
           <a:p>
-            <a:pPr>
+            <a:pPr marL="285750" indent="-285750">
               <a:lnSpc>
                 <a:spcPct val="110000"/>
               </a:lnSpc>
+              <a:buFontTx/>
+              <a:buChar char="-"/>
             </a:pPr>
             <a:r>
               <a:rPr kumimoji="1" lang="ja-JP" altLang="en-US" dirty="0">
                 <a:latin typeface="BIZ UDPゴシック" panose="020B0400000000000000" pitchFamily="50" charset="-128"/>
                 <a:ea typeface="BIZ UDPゴシック" panose="020B0400000000000000" pitchFamily="50" charset="-128"/>
               </a:rPr>
-              <a:t>     「発音単位毎の継続時間」「音程」「テンポ」に基づいて分析</a:t>
-            </a:r>
-            <a:endParaRPr kumimoji="1" lang="en-US" altLang="ja-JP" dirty="0">
+              <a:t>「発音単位毎の継続時間」「音程」「テンポ」に基づいて分析</a:t>
+            </a:r>
+            <a:endParaRPr lang="en-US" altLang="ja-JP" dirty="0">
               <a:latin typeface="BIZ UDPゴシック" panose="020B0400000000000000" pitchFamily="50" charset="-128"/>
               <a:ea typeface="BIZ UDPゴシック" panose="020B0400000000000000" pitchFamily="50" charset="-128"/>
             </a:endParaRPr>
           </a:p>
           <a:p>
-            <a:pPr>
+            <a:pPr marL="285750" indent="-285750">
               <a:lnSpc>
                 <a:spcPct val="110000"/>
               </a:lnSpc>
+              <a:buFontTx/>
+              <a:buChar char="-"/>
             </a:pPr>
             <a:r>
               <a:rPr kumimoji="1" lang="ja-JP" altLang="en-US" dirty="0">
                 <a:latin typeface="BIZ UDPゴシック" panose="020B0400000000000000" pitchFamily="50" charset="-128"/>
                 <a:ea typeface="BIZ UDPゴシック" panose="020B0400000000000000" pitchFamily="50" charset="-128"/>
               </a:rPr>
-              <a:t>     人気の曲ほど，人間が発声しにくい音域が含まれやすいことを発見</a:t>
+              <a:t>人気の曲ほど，人間が発声しにくい音域が含まれやすいことを発見</a:t>
             </a:r>
             <a:endParaRPr kumimoji="1" lang="en-US" altLang="ja-JP" dirty="0">
               <a:latin typeface="BIZ UDPゴシック" panose="020B0400000000000000" pitchFamily="50" charset="-128"/>
@@ -12296,7 +12986,7 @@
                 <a:latin typeface="BIZ UDPゴシック" panose="020B0400000000000000" pitchFamily="50" charset="-128"/>
                 <a:ea typeface="BIZ UDPゴシック" panose="020B0400000000000000" pitchFamily="50" charset="-128"/>
               </a:rPr>
-              <a:t>・歌詞の意味の伝わりにくさに注目</a:t>
+              <a:t>歌詞の意味の伝わりにくさに注目</a:t>
             </a:r>
             <a:r>
               <a:rPr kumimoji="1" lang="en-US" altLang="ja-JP" sz="2000" b="1" dirty="0">
@@ -12321,17 +13011,19 @@
             </a:r>
           </a:p>
           <a:p>
-            <a:pPr>
+            <a:pPr marL="285750" indent="-285750">
               <a:lnSpc>
                 <a:spcPct val="110000"/>
               </a:lnSpc>
+              <a:buFontTx/>
+              <a:buChar char="-"/>
             </a:pPr>
             <a:r>
               <a:rPr kumimoji="1" lang="ja-JP" altLang="en-US" dirty="0">
                 <a:latin typeface="BIZ UDPゴシック" panose="020B0400000000000000" pitchFamily="50" charset="-128"/>
                 <a:ea typeface="BIZ UDPゴシック" panose="020B0400000000000000" pitchFamily="50" charset="-128"/>
               </a:rPr>
-              <a:t>     ボカロ楽曲と</a:t>
+              <a:t>ボカロ楽曲と</a:t>
             </a:r>
             <a:r>
               <a:rPr kumimoji="1" lang="en-US" altLang="ja-JP" dirty="0">
@@ -12347,23 +13039,25 @@
               </a:rPr>
               <a:t>楽曲における品詞の使用率を分析</a:t>
             </a:r>
-            <a:endParaRPr kumimoji="1" lang="en-US" altLang="ja-JP" dirty="0">
+            <a:endParaRPr lang="en-US" altLang="ja-JP" dirty="0">
               <a:latin typeface="BIZ UDPゴシック" panose="020B0400000000000000" pitchFamily="50" charset="-128"/>
               <a:ea typeface="BIZ UDPゴシック" panose="020B0400000000000000" pitchFamily="50" charset="-128"/>
             </a:endParaRPr>
           </a:p>
           <a:p>
-            <a:pPr>
+            <a:pPr marL="285750" indent="-285750">
               <a:lnSpc>
                 <a:spcPct val="110000"/>
               </a:lnSpc>
+              <a:buFontTx/>
+              <a:buChar char="-"/>
             </a:pPr>
             <a:r>
               <a:rPr kumimoji="1" lang="ja-JP" altLang="en-US" dirty="0">
                 <a:latin typeface="BIZ UDPゴシック" panose="020B0400000000000000" pitchFamily="50" charset="-128"/>
                 <a:ea typeface="BIZ UDPゴシック" panose="020B0400000000000000" pitchFamily="50" charset="-128"/>
               </a:rPr>
-              <a:t>     ボカロ楽曲，</a:t>
+              <a:t>ボカロ楽曲，</a:t>
             </a:r>
             <a:r>
               <a:rPr kumimoji="1" lang="en-US" altLang="ja-JP" dirty="0">
@@ -12584,7 +13278,7 @@
         </p:nvSpPr>
         <p:spPr>
           <a:xfrm>
-            <a:off x="2467431" y="1493319"/>
+            <a:off x="3408992" y="1238134"/>
             <a:ext cx="7257137" cy="995881"/>
           </a:xfrm>
           <a:prstGeom prst="roundRect">
@@ -12647,8 +13341,8 @@
         </p:nvSpPr>
         <p:spPr>
           <a:xfrm>
-            <a:off x="430402" y="3183211"/>
-            <a:ext cx="2037029" cy="845499"/>
+            <a:off x="1276092" y="2877301"/>
+            <a:ext cx="2115792" cy="845499"/>
           </a:xfrm>
           <a:prstGeom prst="ellipse">
             <a:avLst/>
@@ -12703,8 +13397,8 @@
         </p:nvSpPr>
         <p:spPr>
           <a:xfrm>
-            <a:off x="430402" y="4368800"/>
-            <a:ext cx="7937500" cy="1296317"/>
+            <a:off x="1970512" y="5148212"/>
+            <a:ext cx="7888712" cy="1447576"/>
           </a:xfrm>
           <a:prstGeom prst="rect">
             <a:avLst/>
@@ -12717,82 +13411,79 @@
           </a:bodyPr>
           <a:lstStyle/>
           <a:p>
-            <a:pPr marL="285750" indent="-285750">
+            <a:pPr marL="457200" indent="-457200">
               <a:lnSpc>
                 <a:spcPct val="110000"/>
               </a:lnSpc>
-              <a:buFontTx/>
-              <a:buChar char="-"/>
+              <a:buAutoNum type="arabicPeriod"/>
             </a:pPr>
             <a:r>
-              <a:rPr lang="ja-JP" altLang="en-US" sz="2400" dirty="0">
+              <a:rPr lang="ja-JP" altLang="en-US" sz="2800" dirty="0">
                 <a:latin typeface="BIZ UDPゴシック" panose="020B0400000000000000" pitchFamily="50" charset="-128"/>
                 <a:ea typeface="BIZ UDPゴシック" panose="020B0400000000000000" pitchFamily="50" charset="-128"/>
               </a:rPr>
               <a:t>単位時間あたりの音素数による</a:t>
             </a:r>
             <a:r>
-              <a:rPr kumimoji="1" lang="ja-JP" altLang="en-US" sz="2400" dirty="0">
+              <a:rPr kumimoji="1" lang="ja-JP" altLang="en-US" sz="2800" dirty="0">
                 <a:latin typeface="BIZ UDPゴシック" panose="020B0400000000000000" pitchFamily="50" charset="-128"/>
                 <a:ea typeface="BIZ UDPゴシック" panose="020B0400000000000000" pitchFamily="50" charset="-128"/>
               </a:rPr>
               <a:t>算出法</a:t>
             </a:r>
-            <a:endParaRPr kumimoji="1" lang="en-US" altLang="ja-JP" sz="2400" dirty="0">
+            <a:endParaRPr kumimoji="1" lang="en-US" altLang="ja-JP" sz="2800" dirty="0">
               <a:latin typeface="BIZ UDPゴシック" panose="020B0400000000000000" pitchFamily="50" charset="-128"/>
               <a:ea typeface="BIZ UDPゴシック" panose="020B0400000000000000" pitchFamily="50" charset="-128"/>
             </a:endParaRPr>
           </a:p>
           <a:p>
-            <a:pPr marL="285750" indent="-285750">
+            <a:pPr marL="457200" indent="-457200">
               <a:lnSpc>
                 <a:spcPct val="110000"/>
               </a:lnSpc>
-              <a:buFontTx/>
-              <a:buChar char="-"/>
+              <a:buAutoNum type="arabicPeriod"/>
             </a:pPr>
             <a:r>
-              <a:rPr kumimoji="1" lang="ja-JP" altLang="en-US" sz="2400" dirty="0">
+              <a:rPr kumimoji="1" lang="ja-JP" altLang="en-US" sz="2800" dirty="0">
                 <a:latin typeface="BIZ UDPゴシック" panose="020B0400000000000000" pitchFamily="50" charset="-128"/>
                 <a:ea typeface="BIZ UDPゴシック" panose="020B0400000000000000" pitchFamily="50" charset="-128"/>
               </a:rPr>
               <a:t>歌詞に用いられる単語の難</a:t>
             </a:r>
             <a:r>
-              <a:rPr lang="ja-JP" altLang="en-US" sz="2400" dirty="0">
+              <a:rPr lang="ja-JP" altLang="en-US" sz="2800" dirty="0">
                 <a:latin typeface="BIZ UDPゴシック" panose="020B0400000000000000" pitchFamily="50" charset="-128"/>
                 <a:ea typeface="BIZ UDPゴシック" panose="020B0400000000000000" pitchFamily="50" charset="-128"/>
               </a:rPr>
               <a:t>しさ</a:t>
             </a:r>
             <a:r>
-              <a:rPr kumimoji="1" lang="ja-JP" altLang="en-US" sz="2400" dirty="0">
+              <a:rPr kumimoji="1" lang="ja-JP" altLang="en-US" sz="2800" dirty="0">
                 <a:latin typeface="BIZ UDPゴシック" panose="020B0400000000000000" pitchFamily="50" charset="-128"/>
                 <a:ea typeface="BIZ UDPゴシック" panose="020B0400000000000000" pitchFamily="50" charset="-128"/>
               </a:rPr>
               <a:t>による算出法</a:t>
             </a:r>
-            <a:endParaRPr kumimoji="1" lang="en-US" altLang="ja-JP" sz="2400" dirty="0">
+            <a:endParaRPr kumimoji="1" lang="en-US" altLang="ja-JP" sz="2800" dirty="0">
               <a:latin typeface="BIZ UDPゴシック" panose="020B0400000000000000" pitchFamily="50" charset="-128"/>
               <a:ea typeface="BIZ UDPゴシック" panose="020B0400000000000000" pitchFamily="50" charset="-128"/>
             </a:endParaRPr>
           </a:p>
           <a:p>
-            <a:pPr marL="285750" indent="-285750">
+            <a:pPr marL="457200" indent="-457200">
               <a:lnSpc>
                 <a:spcPct val="110000"/>
               </a:lnSpc>
-              <a:buFontTx/>
-              <a:buChar char="-"/>
+              <a:buAutoNum type="arabicPeriod"/>
             </a:pPr>
             <a:r>
-              <a:rPr lang="ja-JP" altLang="en-US" sz="2400" dirty="0">
+              <a:rPr lang="ja-JP" altLang="en-US" sz="2800" dirty="0">
                 <a:latin typeface="BIZ UDPゴシック" panose="020B0400000000000000" pitchFamily="50" charset="-128"/>
                 <a:ea typeface="BIZ UDPゴシック" panose="020B0400000000000000" pitchFamily="50" charset="-128"/>
               </a:rPr>
               <a:t>早口言葉を構成する要素の有無による算出法</a:t>
             </a:r>
-            <a:endParaRPr kumimoji="1" lang="ja-JP" altLang="en-US" sz="2400" dirty="0">
+            <a:endParaRPr kumimoji="1" lang="en-US" altLang="ja-JP" sz="2800" dirty="0">
               <a:latin typeface="BIZ UDPゴシック" panose="020B0400000000000000" pitchFamily="50" charset="-128"/>
               <a:ea typeface="BIZ UDPゴシック" panose="020B0400000000000000" pitchFamily="50" charset="-128"/>
             </a:endParaRPr>
@@ -12813,8 +13504,8 @@
         </p:nvSpPr>
         <p:spPr>
           <a:xfrm>
-            <a:off x="7194550" y="3000288"/>
-            <a:ext cx="4756150" cy="3397250"/>
+            <a:off x="5439325" y="2687158"/>
+            <a:ext cx="5226804" cy="2245960"/>
           </a:xfrm>
           <a:prstGeom prst="roundRect">
             <a:avLst/>
@@ -12850,26 +13541,29 @@
           <a:lstStyle/>
           <a:p>
             <a:r>
-              <a:rPr kumimoji="1" lang="ja-JP" altLang="en-US" dirty="0">
-                <a:solidFill>
-                  <a:schemeClr val="tx1"/>
-                </a:solidFill>
+              <a:rPr kumimoji="1" lang="ja-JP" altLang="en-US" sz="2000" dirty="0">
+                <a:solidFill>
+                  <a:schemeClr val="tx1"/>
+                </a:solidFill>
+                <a:latin typeface="BIZ UDPゴシック" panose="020B0400000000000000" pitchFamily="50" charset="-128"/>
                 <a:ea typeface="BIZ UDPゴシック" panose="020B0400000000000000" pitchFamily="50" charset="-128"/>
               </a:rPr>
               <a:t>ボーカロイドには以下の制約が存在しない</a:t>
             </a:r>
-            <a:endParaRPr kumimoji="1" lang="en-US" altLang="ja-JP" dirty="0">
+            <a:endParaRPr kumimoji="1" lang="en-US" altLang="ja-JP" sz="2000" dirty="0">
               <a:solidFill>
                 <a:schemeClr val="tx1"/>
               </a:solidFill>
+              <a:latin typeface="BIZ UDPゴシック" panose="020B0400000000000000" pitchFamily="50" charset="-128"/>
               <a:ea typeface="BIZ UDPゴシック" panose="020B0400000000000000" pitchFamily="50" charset="-128"/>
             </a:endParaRPr>
           </a:p>
           <a:p>
-            <a:endParaRPr kumimoji="1" lang="en-US" altLang="ja-JP" dirty="0">
+            <a:endParaRPr kumimoji="1" lang="en-US" altLang="ja-JP" sz="2000" dirty="0">
               <a:solidFill>
                 <a:schemeClr val="tx1"/>
               </a:solidFill>
+              <a:latin typeface="BIZ UDPゴシック" panose="020B0400000000000000" pitchFamily="50" charset="-128"/>
               <a:ea typeface="BIZ UDPゴシック" panose="020B0400000000000000" pitchFamily="50" charset="-128"/>
             </a:endParaRPr>
           </a:p>
@@ -12879,18 +13573,20 @@
               <a:buChar char="-"/>
             </a:pPr>
             <a:r>
-              <a:rPr lang="ja-JP" altLang="en-US" dirty="0">
-                <a:solidFill>
-                  <a:schemeClr val="tx1"/>
-                </a:solidFill>
+              <a:rPr lang="ja-JP" altLang="en-US" sz="2000" dirty="0">
+                <a:solidFill>
+                  <a:schemeClr val="tx1"/>
+                </a:solidFill>
+                <a:latin typeface="BIZ UDPゴシック" panose="020B0400000000000000" pitchFamily="50" charset="-128"/>
                 <a:ea typeface="BIZ UDPゴシック" panose="020B0400000000000000" pitchFamily="50" charset="-128"/>
               </a:rPr>
               <a:t>息継ぎの制約</a:t>
             </a:r>
-            <a:endParaRPr lang="en-US" altLang="ja-JP" dirty="0">
+            <a:endParaRPr lang="en-US" altLang="ja-JP" sz="2000" dirty="0">
               <a:solidFill>
                 <a:schemeClr val="tx1"/>
               </a:solidFill>
+              <a:latin typeface="BIZ UDPゴシック" panose="020B0400000000000000" pitchFamily="50" charset="-128"/>
               <a:ea typeface="BIZ UDPゴシック" panose="020B0400000000000000" pitchFamily="50" charset="-128"/>
             </a:endParaRPr>
           </a:p>
@@ -12900,44 +13596,155 @@
               <a:buChar char="-"/>
             </a:pPr>
             <a:r>
-              <a:rPr kumimoji="1" lang="ja-JP" altLang="en-US" dirty="0">
-                <a:solidFill>
-                  <a:schemeClr val="tx1"/>
-                </a:solidFill>
+              <a:rPr kumimoji="1" lang="ja-JP" altLang="en-US" sz="2000" dirty="0">
+                <a:solidFill>
+                  <a:schemeClr val="tx1"/>
+                </a:solidFill>
+                <a:latin typeface="BIZ UDPゴシック" panose="020B0400000000000000" pitchFamily="50" charset="-128"/>
                 <a:ea typeface="BIZ UDPゴシック" panose="020B0400000000000000" pitchFamily="50" charset="-128"/>
               </a:rPr>
               <a:t>筋肉の動きの制約</a:t>
             </a:r>
-            <a:endParaRPr kumimoji="1" lang="en-US" altLang="ja-JP" dirty="0">
+            <a:endParaRPr kumimoji="1" lang="en-US" altLang="ja-JP" sz="2000" dirty="0">
               <a:solidFill>
                 <a:schemeClr val="tx1"/>
               </a:solidFill>
+              <a:latin typeface="BIZ UDPゴシック" panose="020B0400000000000000" pitchFamily="50" charset="-128"/>
               <a:ea typeface="BIZ UDPゴシック" panose="020B0400000000000000" pitchFamily="50" charset="-128"/>
             </a:endParaRPr>
           </a:p>
           <a:p>
-            <a:endParaRPr lang="en-US" altLang="ja-JP" dirty="0">
+            <a:endParaRPr lang="en-US" altLang="ja-JP" sz="2000" dirty="0">
               <a:solidFill>
                 <a:schemeClr val="tx1"/>
               </a:solidFill>
+              <a:latin typeface="BIZ UDPゴシック" panose="020B0400000000000000" pitchFamily="50" charset="-128"/>
               <a:ea typeface="BIZ UDPゴシック" panose="020B0400000000000000" pitchFamily="50" charset="-128"/>
             </a:endParaRPr>
           </a:p>
           <a:p>
             <a:r>
-              <a:rPr lang="ja-JP" altLang="en-US" dirty="0">
-                <a:solidFill>
-                  <a:schemeClr val="tx1"/>
-                </a:solidFill>
+              <a:rPr lang="ja-JP" altLang="en-US" sz="2000" dirty="0">
+                <a:solidFill>
+                  <a:schemeClr val="tx1"/>
+                </a:solidFill>
+                <a:latin typeface="BIZ UDPゴシック" panose="020B0400000000000000" pitchFamily="50" charset="-128"/>
                 <a:ea typeface="BIZ UDPゴシック" panose="020B0400000000000000" pitchFamily="50" charset="-128"/>
               </a:rPr>
               <a:t>→ 歌いにくさを表現する指標となる</a:t>
             </a:r>
-            <a:endParaRPr lang="en-US" altLang="ja-JP" dirty="0">
+            <a:endParaRPr lang="en-US" altLang="ja-JP" sz="2000" dirty="0">
               <a:solidFill>
                 <a:schemeClr val="tx1"/>
               </a:solidFill>
+              <a:latin typeface="BIZ UDPゴシック" panose="020B0400000000000000" pitchFamily="50" charset="-128"/>
               <a:ea typeface="BIZ UDPゴシック" panose="020B0400000000000000" pitchFamily="50" charset="-128"/>
+            </a:endParaRPr>
+          </a:p>
+        </p:txBody>
+      </p:sp>
+      <p:sp>
+        <p:nvSpPr>
+          <p:cNvPr id="3" name="四角形: 角を丸くする 2">
+            <a:extLst>
+              <a:ext uri="{FF2B5EF4-FFF2-40B4-BE49-F238E27FC236}">
+                <a16:creationId xmlns:a16="http://schemas.microsoft.com/office/drawing/2014/main" id="{5822A23C-CE23-595A-B728-5D0208353255}"/>
+              </a:ext>
+            </a:extLst>
+          </p:cNvPr>
+          <p:cNvSpPr/>
+          <p:nvPr/>
+        </p:nvSpPr>
+        <p:spPr>
+          <a:xfrm>
+            <a:off x="1387900" y="1269886"/>
+            <a:ext cx="1792587" cy="995880"/>
+          </a:xfrm>
+          <a:prstGeom prst="roundRect">
+            <a:avLst/>
+          </a:prstGeom>
+        </p:spPr>
+        <p:style>
+          <a:lnRef idx="2">
+            <a:schemeClr val="accent1">
+              <a:shade val="15000"/>
+            </a:schemeClr>
+          </a:lnRef>
+          <a:fillRef idx="1">
+            <a:schemeClr val="accent1"/>
+          </a:fillRef>
+          <a:effectRef idx="0">
+            <a:schemeClr val="accent1"/>
+          </a:effectRef>
+          <a:fontRef idx="minor">
+            <a:schemeClr val="lt1"/>
+          </a:fontRef>
+        </p:style>
+        <p:txBody>
+          <a:bodyPr rtlCol="0" anchor="ctr"/>
+          <a:lstStyle/>
+          <a:p>
+            <a:pPr algn="ctr"/>
+            <a:r>
+              <a:rPr lang="ja-JP" altLang="en-US" sz="2400" dirty="0">
+                <a:latin typeface="BIZ UDPゴシック" panose="020B0400000000000000" pitchFamily="50" charset="-128"/>
+                <a:ea typeface="BIZ UDPゴシック" panose="020B0400000000000000" pitchFamily="50" charset="-128"/>
+              </a:rPr>
+              <a:t>研究目的</a:t>
+            </a:r>
+            <a:endParaRPr kumimoji="1" lang="ja-JP" altLang="en-US" sz="2400" dirty="0">
+              <a:latin typeface="BIZ UDPゴシック" panose="020B0400000000000000" pitchFamily="50" charset="-128"/>
+              <a:ea typeface="BIZ UDPゴシック" panose="020B0400000000000000" pitchFamily="50" charset="-128"/>
+            </a:endParaRPr>
+          </a:p>
+        </p:txBody>
+      </p:sp>
+      <p:sp>
+        <p:nvSpPr>
+          <p:cNvPr id="8" name="矢印: 折線 7">
+            <a:extLst>
+              <a:ext uri="{FF2B5EF4-FFF2-40B4-BE49-F238E27FC236}">
+                <a16:creationId xmlns:a16="http://schemas.microsoft.com/office/drawing/2014/main" id="{C08CD8C8-1C6F-1F35-20C6-4D4E211D8B74}"/>
+              </a:ext>
+            </a:extLst>
+          </p:cNvPr>
+          <p:cNvSpPr/>
+          <p:nvPr/>
+        </p:nvSpPr>
+        <p:spPr>
+          <a:xfrm rot="5400000" flipV="1">
+            <a:off x="4181457" y="4046027"/>
+            <a:ext cx="995881" cy="993394"/>
+          </a:xfrm>
+          <a:prstGeom prst="bentArrow">
+            <a:avLst/>
+          </a:prstGeom>
+        </p:spPr>
+        <p:style>
+          <a:lnRef idx="2">
+            <a:schemeClr val="accent1">
+              <a:shade val="15000"/>
+            </a:schemeClr>
+          </a:lnRef>
+          <a:fillRef idx="1">
+            <a:schemeClr val="accent1"/>
+          </a:fillRef>
+          <a:effectRef idx="0">
+            <a:schemeClr val="accent1"/>
+          </a:effectRef>
+          <a:fontRef idx="minor">
+            <a:schemeClr val="lt1"/>
+          </a:fontRef>
+        </p:style>
+        <p:txBody>
+          <a:bodyPr rtlCol="0" anchor="ctr"/>
+          <a:lstStyle/>
+          <a:p>
+            <a:pPr algn="ctr"/>
+            <a:endParaRPr kumimoji="1" lang="ja-JP" altLang="en-US">
+              <a:solidFill>
+                <a:schemeClr val="tx1"/>
+              </a:solidFill>
             </a:endParaRPr>
           </a:p>
         </p:txBody>
@@ -13837,7 +14644,7 @@
         <p:spPr>
           <a:xfrm>
             <a:off x="674658" y="1655436"/>
-            <a:ext cx="7319875" cy="2111284"/>
+            <a:ext cx="7319875" cy="2075953"/>
           </a:xfrm>
           <a:prstGeom prst="rect">
             <a:avLst/>
@@ -14030,17 +14837,19 @@
             </a:endParaRPr>
           </a:p>
           <a:p>
-            <a:pPr>
+            <a:pPr marL="342900" indent="-342900">
               <a:lnSpc>
                 <a:spcPct val="110000"/>
               </a:lnSpc>
+              <a:buFontTx/>
+              <a:buChar char="-"/>
             </a:pPr>
             <a:r>
               <a:rPr kumimoji="1" lang="ja-JP" altLang="en-US" sz="2000" dirty="0">
                 <a:latin typeface="BIZ UDPゴシック" panose="020B0400000000000000" pitchFamily="50" charset="-128"/>
                 <a:ea typeface="BIZ UDPゴシック" panose="020B0400000000000000" pitchFamily="50" charset="-128"/>
               </a:rPr>
-              <a:t>・上位</a:t>
+              <a:t>上位</a:t>
             </a:r>
             <a:r>
               <a:rPr kumimoji="1" lang="en-US" altLang="ja-JP" sz="2000" dirty="0">
@@ -14056,23 +14865,25 @@
               </a:rPr>
               <a:t>曲→「歌いにくい」</a:t>
             </a:r>
-            <a:endParaRPr kumimoji="1" lang="en-US" altLang="ja-JP" sz="2000" dirty="0">
+            <a:endParaRPr lang="en-US" altLang="ja-JP" sz="2000" dirty="0">
               <a:latin typeface="BIZ UDPゴシック" panose="020B0400000000000000" pitchFamily="50" charset="-128"/>
               <a:ea typeface="BIZ UDPゴシック" panose="020B0400000000000000" pitchFamily="50" charset="-128"/>
             </a:endParaRPr>
           </a:p>
           <a:p>
-            <a:pPr>
+            <a:pPr marL="342900" indent="-342900">
               <a:lnSpc>
                 <a:spcPct val="110000"/>
               </a:lnSpc>
+              <a:buFontTx/>
+              <a:buChar char="-"/>
             </a:pPr>
             <a:r>
               <a:rPr kumimoji="1" lang="ja-JP" altLang="en-US" sz="2000" dirty="0">
                 <a:latin typeface="BIZ UDPゴシック" panose="020B0400000000000000" pitchFamily="50" charset="-128"/>
                 <a:ea typeface="BIZ UDPゴシック" panose="020B0400000000000000" pitchFamily="50" charset="-128"/>
               </a:rPr>
-              <a:t>・下位</a:t>
+              <a:t>下位</a:t>
             </a:r>
             <a:r>
               <a:rPr kumimoji="1" lang="en-US" altLang="ja-JP" sz="2000" dirty="0">
@@ -14110,7 +14921,7 @@
         <p:spPr>
           <a:xfrm>
             <a:off x="8758180" y="1636872"/>
-            <a:ext cx="2283231" cy="862543"/>
+            <a:ext cx="2377582" cy="862543"/>
           </a:xfrm>
           <a:prstGeom prst="roundRect">
             <a:avLst/>
@@ -14238,10 +15049,12 @@
             </a:lvl9pPr>
           </a:lstStyle>
           <a:p>
-            <a:pPr>
+            <a:pPr marL="171450" indent="-171450">
               <a:lnSpc>
                 <a:spcPct val="110000"/>
               </a:lnSpc>
+              <a:buFontTx/>
+              <a:buChar char="-"/>
             </a:pPr>
             <a:r>
               <a:rPr kumimoji="1" lang="ja-JP" altLang="en-US" sz="1200" dirty="0">
@@ -14251,9 +15064,9 @@
                 <a:latin typeface="BIZ UDPゴシック" panose="020B0400000000000000" pitchFamily="50" charset="-128"/>
                 <a:ea typeface="BIZ UDPゴシック" panose="020B0400000000000000" pitchFamily="50" charset="-128"/>
               </a:rPr>
-              <a:t>・炉心融解</a:t>
-            </a:r>
-            <a:endParaRPr kumimoji="1" lang="en-US" altLang="ja-JP" sz="1200" dirty="0">
+              <a:t>炉心融解</a:t>
+            </a:r>
+            <a:endParaRPr lang="en-US" altLang="ja-JP" sz="1200" dirty="0">
               <a:solidFill>
                 <a:schemeClr val="tx1"/>
               </a:solidFill>
@@ -14262,10 +15075,12 @@
             </a:endParaRPr>
           </a:p>
           <a:p>
-            <a:pPr>
+            <a:pPr marL="171450" indent="-171450">
               <a:lnSpc>
                 <a:spcPct val="110000"/>
               </a:lnSpc>
+              <a:buFontTx/>
+              <a:buChar char="-"/>
             </a:pPr>
             <a:r>
               <a:rPr kumimoji="1" lang="ja-JP" altLang="en-US" sz="1200" dirty="0">
@@ -14275,9 +15090,9 @@
                 <a:latin typeface="BIZ UDPゴシック" panose="020B0400000000000000" pitchFamily="50" charset="-128"/>
                 <a:ea typeface="BIZ UDPゴシック" panose="020B0400000000000000" pitchFamily="50" charset="-128"/>
               </a:rPr>
-              <a:t>・ワールズエンド・ダンスホール</a:t>
-            </a:r>
-            <a:endParaRPr kumimoji="1" lang="en-US" altLang="ja-JP" sz="1200" dirty="0">
+              <a:t>ワールズエンド・ダンスホール</a:t>
+            </a:r>
+            <a:endParaRPr lang="en-US" altLang="ja-JP" sz="1200" dirty="0">
               <a:solidFill>
                 <a:schemeClr val="tx1"/>
               </a:solidFill>
@@ -14286,37 +15101,30 @@
             </a:endParaRPr>
           </a:p>
           <a:p>
+            <a:pPr marL="171450" indent="-171450">
+              <a:lnSpc>
+                <a:spcPct val="110000"/>
+              </a:lnSpc>
+              <a:buFontTx/>
+              <a:buChar char="-"/>
+            </a:pPr>
+            <a:r>
+              <a:rPr kumimoji="1" lang="ja-JP" altLang="en-US" sz="1200" dirty="0">
+                <a:solidFill>
+                  <a:schemeClr val="tx1"/>
+                </a:solidFill>
+                <a:latin typeface="BIZ UDPゴシック" panose="020B0400000000000000" pitchFamily="50" charset="-128"/>
+                <a:ea typeface="BIZ UDPゴシック" panose="020B0400000000000000" pitchFamily="50" charset="-128"/>
+              </a:rPr>
+              <a:t>初音ミクの激唱</a:t>
+            </a:r>
+          </a:p>
+          <a:p>
             <a:pPr>
               <a:lnSpc>
                 <a:spcPct val="110000"/>
               </a:lnSpc>
             </a:pPr>
-            <a:r>
-              <a:rPr kumimoji="1" lang="ja-JP" altLang="en-US" sz="1200" dirty="0">
-                <a:solidFill>
-                  <a:schemeClr val="tx1"/>
-                </a:solidFill>
-                <a:latin typeface="BIZ UDPゴシック" panose="020B0400000000000000" pitchFamily="50" charset="-128"/>
-                <a:ea typeface="BIZ UDPゴシック" panose="020B0400000000000000" pitchFamily="50" charset="-128"/>
-              </a:rPr>
-              <a:t>・初音ミクの激唱</a:t>
-            </a:r>
-          </a:p>
-          <a:p>
-            <a:pPr>
-              <a:lnSpc>
-                <a:spcPct val="110000"/>
-              </a:lnSpc>
-            </a:pPr>
-            <a:r>
-              <a:rPr kumimoji="1" lang="ja-JP" altLang="en-US" sz="1200" dirty="0">
-                <a:solidFill>
-                  <a:schemeClr val="tx1"/>
-                </a:solidFill>
-                <a:ea typeface="BIZ UDPゴシック" panose="020B0400000000000000" pitchFamily="50" charset="-128"/>
-              </a:rPr>
-              <a:t>・</a:t>
-            </a:r>
             <a:r>
               <a:rPr kumimoji="1" lang="en-US" altLang="ja-JP" sz="1200" dirty="0">
                 <a:solidFill>
@@ -14350,7 +15158,7 @@
         <p:spPr>
           <a:xfrm>
             <a:off x="8758179" y="2887932"/>
-            <a:ext cx="2283231" cy="862543"/>
+            <a:ext cx="2377582" cy="862543"/>
           </a:xfrm>
           <a:prstGeom prst="roundRect">
             <a:avLst/>
@@ -14478,10 +15286,12 @@
             </a:lvl9pPr>
           </a:lstStyle>
           <a:p>
-            <a:pPr>
+            <a:pPr marL="171450" indent="-171450">
               <a:lnSpc>
                 <a:spcPct val="110000"/>
               </a:lnSpc>
+              <a:buFontTx/>
+              <a:buChar char="-"/>
             </a:pPr>
             <a:r>
               <a:rPr kumimoji="1" lang="ja-JP" altLang="en-US" sz="1200" dirty="0">
@@ -14491,9 +15301,9 @@
                 <a:latin typeface="BIZ UDPゴシック" panose="020B0400000000000000" pitchFamily="50" charset="-128"/>
                 <a:ea typeface="BIZ UDPゴシック" panose="020B0400000000000000" pitchFamily="50" charset="-128"/>
               </a:rPr>
-              <a:t>・メランコリック</a:t>
-            </a:r>
-            <a:endParaRPr kumimoji="1" lang="en-US" altLang="ja-JP" sz="1200" dirty="0">
+              <a:t>メランコリック</a:t>
+            </a:r>
+            <a:endParaRPr lang="en-US" altLang="ja-JP" sz="1200" dirty="0">
               <a:solidFill>
                 <a:schemeClr val="tx1"/>
               </a:solidFill>
@@ -14502,10 +15312,12 @@
             </a:endParaRPr>
           </a:p>
           <a:p>
-            <a:pPr>
+            <a:pPr marL="171450" indent="-171450">
               <a:lnSpc>
                 <a:spcPct val="110000"/>
               </a:lnSpc>
+              <a:buFontTx/>
+              <a:buChar char="-"/>
             </a:pPr>
             <a:r>
               <a:rPr kumimoji="1" lang="ja-JP" altLang="en-US" sz="1200" dirty="0">
@@ -14515,9 +15327,9 @@
                 <a:latin typeface="BIZ UDPゴシック" panose="020B0400000000000000" pitchFamily="50" charset="-128"/>
                 <a:ea typeface="BIZ UDPゴシック" panose="020B0400000000000000" pitchFamily="50" charset="-128"/>
               </a:rPr>
-              <a:t>・からくりピエロ</a:t>
-            </a:r>
-            <a:endParaRPr kumimoji="1" lang="en-US" altLang="ja-JP" sz="1200" dirty="0">
+              <a:t>からくりピエロ</a:t>
+            </a:r>
+            <a:endParaRPr lang="en-US" altLang="ja-JP" sz="1200" dirty="0">
               <a:solidFill>
                 <a:schemeClr val="tx1"/>
               </a:solidFill>
@@ -14526,37 +15338,30 @@
             </a:endParaRPr>
           </a:p>
           <a:p>
+            <a:pPr marL="171450" indent="-171450">
+              <a:lnSpc>
+                <a:spcPct val="110000"/>
+              </a:lnSpc>
+              <a:buFontTx/>
+              <a:buChar char="-"/>
+            </a:pPr>
+            <a:r>
+              <a:rPr kumimoji="1" lang="ja-JP" altLang="en-US" sz="1200" dirty="0">
+                <a:solidFill>
+                  <a:schemeClr val="tx1"/>
+                </a:solidFill>
+                <a:latin typeface="BIZ UDPゴシック" panose="020B0400000000000000" pitchFamily="50" charset="-128"/>
+                <a:ea typeface="BIZ UDPゴシック" panose="020B0400000000000000" pitchFamily="50" charset="-128"/>
+              </a:rPr>
+              <a:t>モザイクロール</a:t>
+            </a:r>
+          </a:p>
+          <a:p>
             <a:pPr>
               <a:lnSpc>
                 <a:spcPct val="110000"/>
               </a:lnSpc>
             </a:pPr>
-            <a:r>
-              <a:rPr kumimoji="1" lang="ja-JP" altLang="en-US" sz="1200" dirty="0">
-                <a:solidFill>
-                  <a:schemeClr val="tx1"/>
-                </a:solidFill>
-                <a:latin typeface="BIZ UDPゴシック" panose="020B0400000000000000" pitchFamily="50" charset="-128"/>
-                <a:ea typeface="BIZ UDPゴシック" panose="020B0400000000000000" pitchFamily="50" charset="-128"/>
-              </a:rPr>
-              <a:t>・モザイクロール</a:t>
-            </a:r>
-          </a:p>
-          <a:p>
-            <a:pPr>
-              <a:lnSpc>
-                <a:spcPct val="110000"/>
-              </a:lnSpc>
-            </a:pPr>
-            <a:r>
-              <a:rPr kumimoji="1" lang="ja-JP" altLang="en-US" sz="1200" dirty="0">
-                <a:solidFill>
-                  <a:schemeClr val="tx1"/>
-                </a:solidFill>
-                <a:ea typeface="BIZ UDPゴシック" panose="020B0400000000000000" pitchFamily="50" charset="-128"/>
-              </a:rPr>
-              <a:t>・</a:t>
-            </a:r>
             <a:r>
               <a:rPr kumimoji="1" lang="en-US" altLang="ja-JP" sz="1200" dirty="0">
                 <a:solidFill>
@@ -15692,10 +16497,12 @@
             </a:lvl9pPr>
           </a:lstStyle>
           <a:p>
-            <a:pPr>
+            <a:pPr marL="285750" indent="-285750">
               <a:lnSpc>
                 <a:spcPct val="110000"/>
               </a:lnSpc>
+              <a:buFontTx/>
+              <a:buChar char="-"/>
             </a:pPr>
             <a:r>
               <a:rPr kumimoji="1" lang="ja-JP" altLang="en-US" sz="1600" dirty="0">
@@ -15705,7 +16512,7 @@
                 <a:latin typeface="BIZ UDPゴシック" panose="020B0400000000000000" pitchFamily="50" charset="-128"/>
                 <a:ea typeface="BIZ UDPゴシック" panose="020B0400000000000000" pitchFamily="50" charset="-128"/>
               </a:rPr>
-              <a:t>・上位</a:t>
+              <a:t>上位</a:t>
             </a:r>
             <a:r>
               <a:rPr kumimoji="1" lang="en-US" altLang="ja-JP" sz="1600" dirty="0">
@@ -15727,19 +16534,18 @@
               </a:rPr>
               <a:t>曲</a:t>
             </a:r>
-            <a:endParaRPr kumimoji="1" lang="en-US" altLang="ja-JP" sz="1600" dirty="0">
-              <a:solidFill>
-                <a:schemeClr val="tx1"/>
-              </a:solidFill>
+            <a:endParaRPr lang="en-US" altLang="ja-JP" sz="1600" dirty="0">
               <a:latin typeface="BIZ UDPゴシック" panose="020B0400000000000000" pitchFamily="50" charset="-128"/>
               <a:ea typeface="BIZ UDPゴシック" panose="020B0400000000000000" pitchFamily="50" charset="-128"/>
             </a:endParaRPr>
           </a:p>
           <a:p>
-            <a:pPr>
+            <a:pPr marL="285750" indent="-285750">
               <a:lnSpc>
                 <a:spcPct val="110000"/>
               </a:lnSpc>
+              <a:buFontTx/>
+              <a:buChar char="-"/>
             </a:pPr>
             <a:r>
               <a:rPr kumimoji="1" lang="ja-JP" altLang="en-US" sz="1600" dirty="0">
@@ -15749,7 +16555,7 @@
                 <a:latin typeface="BIZ UDPゴシック" panose="020B0400000000000000" pitchFamily="50" charset="-128"/>
                 <a:ea typeface="BIZ UDPゴシック" panose="020B0400000000000000" pitchFamily="50" charset="-128"/>
               </a:rPr>
-              <a:t>・下位</a:t>
+              <a:t>下位</a:t>
             </a:r>
             <a:r>
               <a:rPr kumimoji="1" lang="en-US" altLang="ja-JP" sz="1600" dirty="0">
@@ -16161,7 +16967,7 @@
         </p:blipFill>
         <p:spPr>
           <a:xfrm>
-            <a:off x="337336" y="4515982"/>
+            <a:off x="391657" y="4681252"/>
             <a:ext cx="5442763" cy="1112520"/>
           </a:xfrm>
           <a:prstGeom prst="rect">
@@ -16183,7 +16989,7 @@
         </p:nvSpPr>
         <p:spPr>
           <a:xfrm>
-            <a:off x="1001461" y="4049185"/>
+            <a:off x="1055782" y="4214455"/>
             <a:ext cx="4114515" cy="354071"/>
           </a:xfrm>
           <a:prstGeom prst="rect">
@@ -16348,7 +17154,7 @@
         </p:nvSpPr>
         <p:spPr>
           <a:xfrm>
-            <a:off x="6691302" y="4087145"/>
+            <a:off x="7008174" y="4214455"/>
             <a:ext cx="4695252" cy="963469"/>
           </a:xfrm>
           <a:prstGeom prst="rect">
@@ -16525,7 +17331,7 @@
         </p:nvSpPr>
         <p:spPr>
           <a:xfrm>
-            <a:off x="6691302" y="6010696"/>
+            <a:off x="7008174" y="6138006"/>
             <a:ext cx="5049995" cy="383182"/>
           </a:xfrm>
           <a:prstGeom prst="rect">
@@ -16680,7 +17486,7 @@
         </p:nvSpPr>
         <p:spPr>
           <a:xfrm>
-            <a:off x="6411902" y="3553983"/>
+            <a:off x="6728774" y="3681293"/>
             <a:ext cx="981074" cy="461665"/>
           </a:xfrm>
           <a:prstGeom prst="rect">
@@ -16722,7 +17528,7 @@
         </p:nvSpPr>
         <p:spPr>
           <a:xfrm>
-            <a:off x="6411902" y="5340148"/>
+            <a:off x="6728774" y="5467458"/>
             <a:ext cx="3575050" cy="461665"/>
           </a:xfrm>
           <a:prstGeom prst="rect">

--- a/年末発表.pptx
+++ b/年末発表.pptx
@@ -141,7 +141,7 @@
   <pc:docChgLst>
     <pc:chgData name="谷　知紘(s21t317)" userId="a3db8153-261a-4ffb-baa1-abaad328fd73" providerId="ADAL" clId="{1418AA70-33E9-4B69-939A-C06B7A338941}"/>
     <pc:docChg chg="undo redo custSel addSld delSld modSld">
-      <pc:chgData name="谷　知紘(s21t317)" userId="a3db8153-261a-4ffb-baa1-abaad328fd73" providerId="ADAL" clId="{1418AA70-33E9-4B69-939A-C06B7A338941}" dt="2024-12-19T13:15:33.099" v="2634" actId="14100"/>
+      <pc:chgData name="谷　知紘(s21t317)" userId="a3db8153-261a-4ffb-baa1-abaad328fd73" providerId="ADAL" clId="{1418AA70-33E9-4B69-939A-C06B7A338941}" dt="2024-12-20T10:27:32.337" v="2657" actId="1076"/>
       <pc:docMkLst>
         <pc:docMk/>
       </pc:docMkLst>
@@ -216,7 +216,7 @@
         </pc:spChg>
       </pc:sldChg>
       <pc:sldChg chg="addSp delSp modSp mod">
-        <pc:chgData name="谷　知紘(s21t317)" userId="a3db8153-261a-4ffb-baa1-abaad328fd73" providerId="ADAL" clId="{1418AA70-33E9-4B69-939A-C06B7A338941}" dt="2024-12-19T12:49:03.010" v="2484" actId="14100"/>
+        <pc:chgData name="谷　知紘(s21t317)" userId="a3db8153-261a-4ffb-baa1-abaad328fd73" providerId="ADAL" clId="{1418AA70-33E9-4B69-939A-C06B7A338941}" dt="2024-12-20T10:27:32.337" v="2657" actId="1076"/>
         <pc:sldMkLst>
           <pc:docMk/>
           <pc:sldMk cId="3849086588" sldId="259"/>
@@ -230,6 +230,14 @@
           </ac:spMkLst>
         </pc:spChg>
         <pc:spChg chg="add mod">
+          <ac:chgData name="谷　知紘(s21t317)" userId="a3db8153-261a-4ffb-baa1-abaad328fd73" providerId="ADAL" clId="{1418AA70-33E9-4B69-939A-C06B7A338941}" dt="2024-12-20T10:27:21.282" v="2655" actId="1076"/>
+          <ac:spMkLst>
+            <pc:docMk/>
+            <pc:sldMk cId="3849086588" sldId="259"/>
+            <ac:spMk id="2" creationId="{BE861672-CB6F-8A0A-D993-0C6C61AEED01}"/>
+          </ac:spMkLst>
+        </pc:spChg>
+        <pc:spChg chg="add mod">
           <ac:chgData name="谷　知紘(s21t317)" userId="a3db8153-261a-4ffb-baa1-abaad328fd73" providerId="ADAL" clId="{1418AA70-33E9-4B69-939A-C06B7A338941}" dt="2024-12-19T12:47:00.427" v="2475" actId="1076"/>
           <ac:spMkLst>
             <pc:docMk/>
@@ -238,7 +246,7 @@
           </ac:spMkLst>
         </pc:spChg>
         <pc:spChg chg="mod">
-          <ac:chgData name="谷　知紘(s21t317)" userId="a3db8153-261a-4ffb-baa1-abaad328fd73" providerId="ADAL" clId="{1418AA70-33E9-4B69-939A-C06B7A338941}" dt="2024-12-19T12:47:00.427" v="2475" actId="1076"/>
+          <ac:chgData name="谷　知紘(s21t317)" userId="a3db8153-261a-4ffb-baa1-abaad328fd73" providerId="ADAL" clId="{1418AA70-33E9-4B69-939A-C06B7A338941}" dt="2024-12-20T10:27:15.307" v="2652" actId="208"/>
           <ac:spMkLst>
             <pc:docMk/>
             <pc:sldMk cId="3849086588" sldId="259"/>
@@ -253,8 +261,8 @@
             <ac:spMk id="6" creationId="{DA6C0797-D9AC-9F29-B126-006118C93193}"/>
           </ac:spMkLst>
         </pc:spChg>
-        <pc:spChg chg="mod">
-          <ac:chgData name="谷　知紘(s21t317)" userId="a3db8153-261a-4ffb-baa1-abaad328fd73" providerId="ADAL" clId="{1418AA70-33E9-4B69-939A-C06B7A338941}" dt="2024-12-19T12:47:37.797" v="2478" actId="1076"/>
+        <pc:spChg chg="del mod">
+          <ac:chgData name="谷　知紘(s21t317)" userId="a3db8153-261a-4ffb-baa1-abaad328fd73" providerId="ADAL" clId="{1418AA70-33E9-4B69-939A-C06B7A338941}" dt="2024-12-20T10:26:09.656" v="2641" actId="478"/>
           <ac:spMkLst>
             <pc:docMk/>
             <pc:sldMk cId="3849086588" sldId="259"/>
@@ -262,7 +270,7 @@
           </ac:spMkLst>
         </pc:spChg>
         <pc:spChg chg="add mod">
-          <ac:chgData name="谷　知紘(s21t317)" userId="a3db8153-261a-4ffb-baa1-abaad328fd73" providerId="ADAL" clId="{1418AA70-33E9-4B69-939A-C06B7A338941}" dt="2024-12-19T12:49:03.010" v="2484" actId="14100"/>
+          <ac:chgData name="谷　知紘(s21t317)" userId="a3db8153-261a-4ffb-baa1-abaad328fd73" providerId="ADAL" clId="{1418AA70-33E9-4B69-939A-C06B7A338941}" dt="2024-12-20T10:27:28.090" v="2656" actId="1076"/>
           <ac:spMkLst>
             <pc:docMk/>
             <pc:sldMk cId="3849086588" sldId="259"/>
@@ -270,7 +278,7 @@
           </ac:spMkLst>
         </pc:spChg>
         <pc:spChg chg="mod">
-          <ac:chgData name="谷　知紘(s21t317)" userId="a3db8153-261a-4ffb-baa1-abaad328fd73" providerId="ADAL" clId="{1418AA70-33E9-4B69-939A-C06B7A338941}" dt="2024-12-19T12:47:41.922" v="2479" actId="1076"/>
+          <ac:chgData name="谷　知紘(s21t317)" userId="a3db8153-261a-4ffb-baa1-abaad328fd73" providerId="ADAL" clId="{1418AA70-33E9-4B69-939A-C06B7A338941}" dt="2024-12-20T10:27:32.337" v="2657" actId="1076"/>
           <ac:spMkLst>
             <pc:docMk/>
             <pc:sldMk cId="3849086588" sldId="259"/>
@@ -4717,7 +4725,7 @@
           <a:p>
             <a:fld id="{8C5FB4E6-B225-494F-BCB9-8197F5578D89}" type="datetimeFigureOut">
               <a:rPr kumimoji="1" lang="ja-JP" altLang="en-US" smtClean="0"/>
-              <a:t>2024/12/19</a:t>
+              <a:t>2024/12/20</a:t>
             </a:fld>
             <a:endParaRPr kumimoji="1" lang="ja-JP" altLang="en-US"/>
           </a:p>
@@ -5331,7 +5339,7 @@
           <a:p>
             <a:fld id="{02782626-011F-44C0-9ACA-60A7883AD368}" type="datetimeFigureOut">
               <a:rPr kumimoji="1" lang="ja-JP" altLang="en-US" smtClean="0"/>
-              <a:t>2024/12/19</a:t>
+              <a:t>2024/12/20</a:t>
             </a:fld>
             <a:endParaRPr kumimoji="1" lang="ja-JP" altLang="en-US"/>
           </a:p>
@@ -5561,7 +5569,7 @@
           <a:p>
             <a:fld id="{02782626-011F-44C0-9ACA-60A7883AD368}" type="datetimeFigureOut">
               <a:rPr kumimoji="1" lang="ja-JP" altLang="en-US" smtClean="0"/>
-              <a:t>2024/12/19</a:t>
+              <a:t>2024/12/20</a:t>
             </a:fld>
             <a:endParaRPr kumimoji="1" lang="ja-JP" altLang="en-US"/>
           </a:p>
@@ -5801,7 +5809,7 @@
           <a:p>
             <a:fld id="{02782626-011F-44C0-9ACA-60A7883AD368}" type="datetimeFigureOut">
               <a:rPr kumimoji="1" lang="ja-JP" altLang="en-US" smtClean="0"/>
-              <a:t>2024/12/19</a:t>
+              <a:t>2024/12/20</a:t>
             </a:fld>
             <a:endParaRPr kumimoji="1" lang="ja-JP" altLang="en-US"/>
           </a:p>
@@ -6031,7 +6039,7 @@
           <a:p>
             <a:fld id="{02782626-011F-44C0-9ACA-60A7883AD368}" type="datetimeFigureOut">
               <a:rPr kumimoji="1" lang="ja-JP" altLang="en-US" smtClean="0"/>
-              <a:t>2024/12/19</a:t>
+              <a:t>2024/12/20</a:t>
             </a:fld>
             <a:endParaRPr kumimoji="1" lang="ja-JP" altLang="en-US"/>
           </a:p>
@@ -6306,7 +6314,7 @@
           <a:p>
             <a:fld id="{02782626-011F-44C0-9ACA-60A7883AD368}" type="datetimeFigureOut">
               <a:rPr kumimoji="1" lang="ja-JP" altLang="en-US" smtClean="0"/>
-              <a:t>2024/12/19</a:t>
+              <a:t>2024/12/20</a:t>
             </a:fld>
             <a:endParaRPr kumimoji="1" lang="ja-JP" altLang="en-US"/>
           </a:p>
@@ -6635,7 +6643,7 @@
           <a:p>
             <a:fld id="{02782626-011F-44C0-9ACA-60A7883AD368}" type="datetimeFigureOut">
               <a:rPr kumimoji="1" lang="ja-JP" altLang="en-US" smtClean="0"/>
-              <a:t>2024/12/19</a:t>
+              <a:t>2024/12/20</a:t>
             </a:fld>
             <a:endParaRPr kumimoji="1" lang="ja-JP" altLang="en-US"/>
           </a:p>
@@ -7111,7 +7119,7 @@
           <a:p>
             <a:fld id="{02782626-011F-44C0-9ACA-60A7883AD368}" type="datetimeFigureOut">
               <a:rPr kumimoji="1" lang="ja-JP" altLang="en-US" smtClean="0"/>
-              <a:t>2024/12/19</a:t>
+              <a:t>2024/12/20</a:t>
             </a:fld>
             <a:endParaRPr kumimoji="1" lang="ja-JP" altLang="en-US"/>
           </a:p>
@@ -7252,7 +7260,7 @@
           <a:p>
             <a:fld id="{02782626-011F-44C0-9ACA-60A7883AD368}" type="datetimeFigureOut">
               <a:rPr kumimoji="1" lang="ja-JP" altLang="en-US" smtClean="0"/>
-              <a:t>2024/12/19</a:t>
+              <a:t>2024/12/20</a:t>
             </a:fld>
             <a:endParaRPr kumimoji="1" lang="ja-JP" altLang="en-US"/>
           </a:p>
@@ -7365,7 +7373,7 @@
           <a:p>
             <a:fld id="{02782626-011F-44C0-9ACA-60A7883AD368}" type="datetimeFigureOut">
               <a:rPr kumimoji="1" lang="ja-JP" altLang="en-US" smtClean="0"/>
-              <a:t>2024/12/19</a:t>
+              <a:t>2024/12/20</a:t>
             </a:fld>
             <a:endParaRPr kumimoji="1" lang="ja-JP" altLang="en-US"/>
           </a:p>
@@ -7708,7 +7716,7 @@
           <a:p>
             <a:fld id="{02782626-011F-44C0-9ACA-60A7883AD368}" type="datetimeFigureOut">
               <a:rPr kumimoji="1" lang="ja-JP" altLang="en-US" smtClean="0"/>
-              <a:t>2024/12/19</a:t>
+              <a:t>2024/12/20</a:t>
             </a:fld>
             <a:endParaRPr kumimoji="1" lang="ja-JP" altLang="en-US"/>
           </a:p>
@@ -7996,7 +8004,7 @@
           <a:p>
             <a:fld id="{02782626-011F-44C0-9ACA-60A7883AD368}" type="datetimeFigureOut">
               <a:rPr kumimoji="1" lang="ja-JP" altLang="en-US" smtClean="0"/>
-              <a:t>2024/12/19</a:t>
+              <a:t>2024/12/20</a:t>
             </a:fld>
             <a:endParaRPr kumimoji="1" lang="ja-JP" altLang="en-US"/>
           </a:p>
@@ -8269,7 +8277,7 @@
           <a:p>
             <a:fld id="{02782626-011F-44C0-9ACA-60A7883AD368}" type="datetimeFigureOut">
               <a:rPr kumimoji="1" lang="ja-JP" altLang="en-US" smtClean="0"/>
-              <a:t>2024/12/19</a:t>
+              <a:t>2024/12/20</a:t>
             </a:fld>
             <a:endParaRPr kumimoji="1" lang="ja-JP" altLang="en-US"/>
           </a:p>
@@ -13289,7 +13297,10 @@
           </a:solidFill>
           <a:ln w="38100">
             <a:solidFill>
-              <a:schemeClr val="accent2"/>
+              <a:schemeClr val="accent4">
+                <a:lumMod val="60000"/>
+                <a:lumOff val="40000"/>
+              </a:schemeClr>
             </a:solidFill>
           </a:ln>
         </p:spPr>
@@ -13385,113 +13396,6 @@
       </p:sp>
       <p:sp>
         <p:nvSpPr>
-          <p:cNvPr id="7" name="テキスト ボックス 6">
-            <a:extLst>
-              <a:ext uri="{FF2B5EF4-FFF2-40B4-BE49-F238E27FC236}">
-                <a16:creationId xmlns:a16="http://schemas.microsoft.com/office/drawing/2014/main" id="{30CC52B7-E67F-4D38-2ADF-15022420AF65}"/>
-              </a:ext>
-            </a:extLst>
-          </p:cNvPr>
-          <p:cNvSpPr txBox="1"/>
-          <p:nvPr/>
-        </p:nvSpPr>
-        <p:spPr>
-          <a:xfrm>
-            <a:off x="1970512" y="5148212"/>
-            <a:ext cx="7888712" cy="1447576"/>
-          </a:xfrm>
-          <a:prstGeom prst="rect">
-            <a:avLst/>
-          </a:prstGeom>
-          <a:noFill/>
-        </p:spPr>
-        <p:txBody>
-          <a:bodyPr wrap="square" rtlCol="0">
-            <a:spAutoFit/>
-          </a:bodyPr>
-          <a:lstStyle/>
-          <a:p>
-            <a:pPr marL="457200" indent="-457200">
-              <a:lnSpc>
-                <a:spcPct val="110000"/>
-              </a:lnSpc>
-              <a:buAutoNum type="arabicPeriod"/>
-            </a:pPr>
-            <a:r>
-              <a:rPr lang="ja-JP" altLang="en-US" sz="2800" dirty="0">
-                <a:latin typeface="BIZ UDPゴシック" panose="020B0400000000000000" pitchFamily="50" charset="-128"/>
-                <a:ea typeface="BIZ UDPゴシック" panose="020B0400000000000000" pitchFamily="50" charset="-128"/>
-              </a:rPr>
-              <a:t>単位時間あたりの音素数による</a:t>
-            </a:r>
-            <a:r>
-              <a:rPr kumimoji="1" lang="ja-JP" altLang="en-US" sz="2800" dirty="0">
-                <a:latin typeface="BIZ UDPゴシック" panose="020B0400000000000000" pitchFamily="50" charset="-128"/>
-                <a:ea typeface="BIZ UDPゴシック" panose="020B0400000000000000" pitchFamily="50" charset="-128"/>
-              </a:rPr>
-              <a:t>算出法</a:t>
-            </a:r>
-            <a:endParaRPr kumimoji="1" lang="en-US" altLang="ja-JP" sz="2800" dirty="0">
-              <a:latin typeface="BIZ UDPゴシック" panose="020B0400000000000000" pitchFamily="50" charset="-128"/>
-              <a:ea typeface="BIZ UDPゴシック" panose="020B0400000000000000" pitchFamily="50" charset="-128"/>
-            </a:endParaRPr>
-          </a:p>
-          <a:p>
-            <a:pPr marL="457200" indent="-457200">
-              <a:lnSpc>
-                <a:spcPct val="110000"/>
-              </a:lnSpc>
-              <a:buAutoNum type="arabicPeriod"/>
-            </a:pPr>
-            <a:r>
-              <a:rPr kumimoji="1" lang="ja-JP" altLang="en-US" sz="2800" dirty="0">
-                <a:latin typeface="BIZ UDPゴシック" panose="020B0400000000000000" pitchFamily="50" charset="-128"/>
-                <a:ea typeface="BIZ UDPゴシック" panose="020B0400000000000000" pitchFamily="50" charset="-128"/>
-              </a:rPr>
-              <a:t>歌詞に用いられる単語の難</a:t>
-            </a:r>
-            <a:r>
-              <a:rPr lang="ja-JP" altLang="en-US" sz="2800" dirty="0">
-                <a:latin typeface="BIZ UDPゴシック" panose="020B0400000000000000" pitchFamily="50" charset="-128"/>
-                <a:ea typeface="BIZ UDPゴシック" panose="020B0400000000000000" pitchFamily="50" charset="-128"/>
-              </a:rPr>
-              <a:t>しさ</a:t>
-            </a:r>
-            <a:r>
-              <a:rPr kumimoji="1" lang="ja-JP" altLang="en-US" sz="2800" dirty="0">
-                <a:latin typeface="BIZ UDPゴシック" panose="020B0400000000000000" pitchFamily="50" charset="-128"/>
-                <a:ea typeface="BIZ UDPゴシック" panose="020B0400000000000000" pitchFamily="50" charset="-128"/>
-              </a:rPr>
-              <a:t>による算出法</a:t>
-            </a:r>
-            <a:endParaRPr kumimoji="1" lang="en-US" altLang="ja-JP" sz="2800" dirty="0">
-              <a:latin typeface="BIZ UDPゴシック" panose="020B0400000000000000" pitchFamily="50" charset="-128"/>
-              <a:ea typeface="BIZ UDPゴシック" panose="020B0400000000000000" pitchFamily="50" charset="-128"/>
-            </a:endParaRPr>
-          </a:p>
-          <a:p>
-            <a:pPr marL="457200" indent="-457200">
-              <a:lnSpc>
-                <a:spcPct val="110000"/>
-              </a:lnSpc>
-              <a:buAutoNum type="arabicPeriod"/>
-            </a:pPr>
-            <a:r>
-              <a:rPr lang="ja-JP" altLang="en-US" sz="2800" dirty="0">
-                <a:latin typeface="BIZ UDPゴシック" panose="020B0400000000000000" pitchFamily="50" charset="-128"/>
-                <a:ea typeface="BIZ UDPゴシック" panose="020B0400000000000000" pitchFamily="50" charset="-128"/>
-              </a:rPr>
-              <a:t>早口言葉を構成する要素の有無による算出法</a:t>
-            </a:r>
-            <a:endParaRPr kumimoji="1" lang="en-US" altLang="ja-JP" sz="2800" dirty="0">
-              <a:latin typeface="BIZ UDPゴシック" panose="020B0400000000000000" pitchFamily="50" charset="-128"/>
-              <a:ea typeface="BIZ UDPゴシック" panose="020B0400000000000000" pitchFamily="50" charset="-128"/>
-            </a:endParaRPr>
-          </a:p>
-        </p:txBody>
-      </p:sp>
-      <p:sp>
-        <p:nvSpPr>
           <p:cNvPr id="10" name="四角形: 角を丸くする 9">
             <a:extLst>
               <a:ext uri="{FF2B5EF4-FFF2-40B4-BE49-F238E27FC236}">
@@ -13504,7 +13408,7 @@
         </p:nvSpPr>
         <p:spPr>
           <a:xfrm>
-            <a:off x="5439325" y="2687158"/>
+            <a:off x="5388525" y="2428395"/>
             <a:ext cx="5226804" cy="2245960"/>
           </a:xfrm>
           <a:prstGeom prst="roundRect">
@@ -13513,10 +13417,7 @@
           <a:noFill/>
           <a:ln w="38100">
             <a:solidFill>
-              <a:schemeClr val="accent1">
-                <a:lumMod val="60000"/>
-                <a:lumOff val="40000"/>
-              </a:schemeClr>
+              <a:schemeClr val="accent2"/>
             </a:solidFill>
           </a:ln>
         </p:spPr>
@@ -13713,7 +13614,7 @@
         </p:nvSpPr>
         <p:spPr>
           <a:xfrm rot="5400000" flipV="1">
-            <a:off x="4181457" y="4046027"/>
+            <a:off x="4137012" y="3724044"/>
             <a:ext cx="995881" cy="993394"/>
           </a:xfrm>
           <a:prstGeom prst="bentArrow">
@@ -13745,6 +13646,133 @@
               <a:solidFill>
                 <a:schemeClr val="tx1"/>
               </a:solidFill>
+            </a:endParaRPr>
+          </a:p>
+        </p:txBody>
+      </p:sp>
+      <p:sp>
+        <p:nvSpPr>
+          <p:cNvPr id="2" name="四角形: 角を丸くする 1">
+            <a:extLst>
+              <a:ext uri="{FF2B5EF4-FFF2-40B4-BE49-F238E27FC236}">
+                <a16:creationId xmlns:a16="http://schemas.microsoft.com/office/drawing/2014/main" id="{BE861672-CB6F-8A0A-D993-0C6C61AEED01}"/>
+              </a:ext>
+            </a:extLst>
+          </p:cNvPr>
+          <p:cNvSpPr/>
+          <p:nvPr/>
+        </p:nvSpPr>
+        <p:spPr>
+          <a:xfrm>
+            <a:off x="2143124" y="4899730"/>
+            <a:ext cx="8070851" cy="1620485"/>
+          </a:xfrm>
+          <a:prstGeom prst="roundRect">
+            <a:avLst/>
+          </a:prstGeom>
+          <a:noFill/>
+          <a:ln w="38100">
+            <a:solidFill>
+              <a:schemeClr val="accent4">
+                <a:lumMod val="60000"/>
+                <a:lumOff val="40000"/>
+              </a:schemeClr>
+            </a:solidFill>
+          </a:ln>
+        </p:spPr>
+        <p:style>
+          <a:lnRef idx="2">
+            <a:schemeClr val="accent4"/>
+          </a:lnRef>
+          <a:fillRef idx="1">
+            <a:schemeClr val="lt1"/>
+          </a:fillRef>
+          <a:effectRef idx="0">
+            <a:schemeClr val="accent4"/>
+          </a:effectRef>
+          <a:fontRef idx="minor">
+            <a:schemeClr val="dk1"/>
+          </a:fontRef>
+        </p:style>
+        <p:txBody>
+          <a:bodyPr rtlCol="0" anchor="ctr"/>
+          <a:lstStyle/>
+          <a:p>
+            <a:pPr marL="457200" indent="-457200">
+              <a:lnSpc>
+                <a:spcPct val="110000"/>
+              </a:lnSpc>
+              <a:buAutoNum type="arabicPeriod"/>
+            </a:pPr>
+            <a:r>
+              <a:rPr lang="ja-JP" altLang="en-US" sz="2800" dirty="0">
+                <a:latin typeface="BIZ UDPゴシック" panose="020B0400000000000000" pitchFamily="50" charset="-128"/>
+                <a:ea typeface="BIZ UDPゴシック" panose="020B0400000000000000" pitchFamily="50" charset="-128"/>
+              </a:rPr>
+              <a:t>単位時間あたりの音素数による</a:t>
+            </a:r>
+            <a:r>
+              <a:rPr kumimoji="1" lang="ja-JP" altLang="en-US" sz="2800" dirty="0">
+                <a:latin typeface="BIZ UDPゴシック" panose="020B0400000000000000" pitchFamily="50" charset="-128"/>
+                <a:ea typeface="BIZ UDPゴシック" panose="020B0400000000000000" pitchFamily="50" charset="-128"/>
+              </a:rPr>
+              <a:t>算出法</a:t>
+            </a:r>
+            <a:endParaRPr kumimoji="1" lang="en-US" altLang="ja-JP" sz="2800" dirty="0">
+              <a:latin typeface="BIZ UDPゴシック" panose="020B0400000000000000" pitchFamily="50" charset="-128"/>
+              <a:ea typeface="BIZ UDPゴシック" panose="020B0400000000000000" pitchFamily="50" charset="-128"/>
+            </a:endParaRPr>
+          </a:p>
+          <a:p>
+            <a:pPr marL="457200" indent="-457200">
+              <a:lnSpc>
+                <a:spcPct val="110000"/>
+              </a:lnSpc>
+              <a:buAutoNum type="arabicPeriod"/>
+            </a:pPr>
+            <a:r>
+              <a:rPr kumimoji="1" lang="ja-JP" altLang="en-US" sz="2800" dirty="0">
+                <a:latin typeface="BIZ UDPゴシック" panose="020B0400000000000000" pitchFamily="50" charset="-128"/>
+                <a:ea typeface="BIZ UDPゴシック" panose="020B0400000000000000" pitchFamily="50" charset="-128"/>
+              </a:rPr>
+              <a:t>歌詞に用いられる単語の難</a:t>
+            </a:r>
+            <a:r>
+              <a:rPr lang="ja-JP" altLang="en-US" sz="2800" dirty="0">
+                <a:latin typeface="BIZ UDPゴシック" panose="020B0400000000000000" pitchFamily="50" charset="-128"/>
+                <a:ea typeface="BIZ UDPゴシック" panose="020B0400000000000000" pitchFamily="50" charset="-128"/>
+              </a:rPr>
+              <a:t>しさ</a:t>
+            </a:r>
+            <a:r>
+              <a:rPr kumimoji="1" lang="ja-JP" altLang="en-US" sz="2800" dirty="0">
+                <a:latin typeface="BIZ UDPゴシック" panose="020B0400000000000000" pitchFamily="50" charset="-128"/>
+                <a:ea typeface="BIZ UDPゴシック" panose="020B0400000000000000" pitchFamily="50" charset="-128"/>
+              </a:rPr>
+              <a:t>による算出法</a:t>
+            </a:r>
+            <a:endParaRPr kumimoji="1" lang="en-US" altLang="ja-JP" sz="2800" dirty="0">
+              <a:latin typeface="BIZ UDPゴシック" panose="020B0400000000000000" pitchFamily="50" charset="-128"/>
+              <a:ea typeface="BIZ UDPゴシック" panose="020B0400000000000000" pitchFamily="50" charset="-128"/>
+            </a:endParaRPr>
+          </a:p>
+          <a:p>
+            <a:pPr marL="457200" indent="-457200">
+              <a:lnSpc>
+                <a:spcPct val="110000"/>
+              </a:lnSpc>
+              <a:buAutoNum type="arabicPeriod"/>
+            </a:pPr>
+            <a:r>
+              <a:rPr lang="ja-JP" altLang="en-US" sz="2800" dirty="0">
+                <a:latin typeface="BIZ UDPゴシック" panose="020B0400000000000000" pitchFamily="50" charset="-128"/>
+                <a:ea typeface="BIZ UDPゴシック" panose="020B0400000000000000" pitchFamily="50" charset="-128"/>
+              </a:rPr>
+              <a:t>早口言葉を構成する要素の有無による算出法</a:t>
+            </a:r>
+            <a:endParaRPr kumimoji="1" lang="en-US" altLang="ja-JP" sz="2800" dirty="0">
+              <a:latin typeface="BIZ UDPゴシック" panose="020B0400000000000000" pitchFamily="50" charset="-128"/>
+              <a:ea typeface="BIZ UDPゴシック" panose="020B0400000000000000" pitchFamily="50" charset="-128"/>
             </a:endParaRPr>
           </a:p>
         </p:txBody>

--- a/年末発表.pptx
+++ b/年末発表.pptx
@@ -141,7 +141,7 @@
   <pc:docChgLst>
     <pc:chgData name="谷　知紘(s21t317)" userId="a3db8153-261a-4ffb-baa1-abaad328fd73" providerId="ADAL" clId="{1418AA70-33E9-4B69-939A-C06B7A338941}"/>
     <pc:docChg chg="undo redo custSel addSld delSld modSld">
-      <pc:chgData name="谷　知紘(s21t317)" userId="a3db8153-261a-4ffb-baa1-abaad328fd73" providerId="ADAL" clId="{1418AA70-33E9-4B69-939A-C06B7A338941}" dt="2024-12-20T10:27:32.337" v="2657" actId="1076"/>
+      <pc:chgData name="谷　知紘(s21t317)" userId="a3db8153-261a-4ffb-baa1-abaad328fd73" providerId="ADAL" clId="{1418AA70-33E9-4B69-939A-C06B7A338941}" dt="2024-12-20T10:31:25.441" v="2658" actId="208"/>
       <pc:docMkLst>
         <pc:docMk/>
       </pc:docMkLst>
@@ -382,7 +382,7 @@
         </pc:spChg>
       </pc:sldChg>
       <pc:sldChg chg="modSp mod">
-        <pc:chgData name="谷　知紘(s21t317)" userId="a3db8153-261a-4ffb-baa1-abaad328fd73" providerId="ADAL" clId="{1418AA70-33E9-4B69-939A-C06B7A338941}" dt="2024-12-19T13:12:43.793" v="2531" actId="5793"/>
+        <pc:chgData name="谷　知紘(s21t317)" userId="a3db8153-261a-4ffb-baa1-abaad328fd73" providerId="ADAL" clId="{1418AA70-33E9-4B69-939A-C06B7A338941}" dt="2024-12-20T10:31:25.441" v="2658" actId="208"/>
         <pc:sldMkLst>
           <pc:docMk/>
           <pc:sldMk cId="1122583501" sldId="261"/>
@@ -476,7 +476,7 @@
           </ac:spMkLst>
         </pc:spChg>
         <pc:spChg chg="mod">
-          <ac:chgData name="谷　知紘(s21t317)" userId="a3db8153-261a-4ffb-baa1-abaad328fd73" providerId="ADAL" clId="{1418AA70-33E9-4B69-939A-C06B7A338941}" dt="2024-12-19T10:38:18.666" v="992" actId="1076"/>
+          <ac:chgData name="谷　知紘(s21t317)" userId="a3db8153-261a-4ffb-baa1-abaad328fd73" providerId="ADAL" clId="{1418AA70-33E9-4B69-939A-C06B7A338941}" dt="2024-12-20T10:31:25.441" v="2658" actId="208"/>
           <ac:spMkLst>
             <pc:docMk/>
             <pc:sldMk cId="1122583501" sldId="261"/>
@@ -1092,14 +1092,6 @@
             <pc:docMk/>
             <pc:sldMk cId="3849086588" sldId="259"/>
             <ac:spMk id="6" creationId="{DA6C0797-D9AC-9F29-B126-006118C93193}"/>
-          </ac:spMkLst>
-        </pc:spChg>
-        <pc:spChg chg="add mod">
-          <ac:chgData name="谷　知紘(s21t317)" userId="a3db8153-261a-4ffb-baa1-abaad328fd73" providerId="ADAL" clId="{CF3E7ECF-B960-40AF-B4C7-DEE912BB0699}" dt="2024-12-13T07:05:27.901" v="518" actId="1076"/>
-          <ac:spMkLst>
-            <pc:docMk/>
-            <pc:sldMk cId="3849086588" sldId="259"/>
-            <ac:spMk id="7" creationId="{30CC52B7-E67F-4D38-2ADF-15022420AF65}"/>
           </ac:spMkLst>
         </pc:spChg>
         <pc:spChg chg="add mod">
@@ -16270,7 +16262,10 @@
           </a:solidFill>
           <a:ln w="38100">
             <a:solidFill>
-              <a:srgbClr val="0070C0"/>
+              <a:schemeClr val="accent4">
+                <a:lumMod val="60000"/>
+                <a:lumOff val="40000"/>
+              </a:schemeClr>
             </a:solidFill>
           </a:ln>
         </p:spPr>

--- a/年末発表.pptx
+++ b/年末発表.pptx
@@ -131,7 +131,7 @@
 <file path=ppt/revisionInfo.xml><?xml version="1.0" encoding="utf-8"?>
 <p1510:revInfo xmlns:a="http://schemas.openxmlformats.org/drawingml/2006/main" xmlns:r="http://schemas.openxmlformats.org/officeDocument/2006/relationships" xmlns:p1510="http://schemas.microsoft.com/office/powerpoint/2015/10/main">
   <p1510:revLst>
-    <p1510:client id="{1418AA70-33E9-4B69-939A-C06B7A338941}" v="41" dt="2024-12-19T12:50:26.788"/>
+    <p1510:client id="{1418AA70-33E9-4B69-939A-C06B7A338941}" v="44" dt="2024-12-20T11:28:27.117"/>
   </p1510:revLst>
 </p1510:revInfo>
 </file>
@@ -141,7 +141,7 @@
   <pc:docChgLst>
     <pc:chgData name="谷　知紘(s21t317)" userId="a3db8153-261a-4ffb-baa1-abaad328fd73" providerId="ADAL" clId="{1418AA70-33E9-4B69-939A-C06B7A338941}"/>
     <pc:docChg chg="undo redo custSel addSld delSld modSld">
-      <pc:chgData name="谷　知紘(s21t317)" userId="a3db8153-261a-4ffb-baa1-abaad328fd73" providerId="ADAL" clId="{1418AA70-33E9-4B69-939A-C06B7A338941}" dt="2024-12-20T10:31:25.441" v="2658" actId="208"/>
+      <pc:chgData name="谷　知紘(s21t317)" userId="a3db8153-261a-4ffb-baa1-abaad328fd73" providerId="ADAL" clId="{1418AA70-33E9-4B69-939A-C06B7A338941}" dt="2024-12-20T11:35:14.549" v="2909" actId="1076"/>
       <pc:docMkLst>
         <pc:docMk/>
       </pc:docMkLst>
@@ -887,13 +887,13 @@
         </pc:spChg>
       </pc:sldChg>
       <pc:sldChg chg="addSp modSp add mod">
-        <pc:chgData name="谷　知紘(s21t317)" userId="a3db8153-261a-4ffb-baa1-abaad328fd73" providerId="ADAL" clId="{1418AA70-33E9-4B69-939A-C06B7A338941}" dt="2024-12-19T13:14:26.204" v="2632" actId="20577"/>
+        <pc:chgData name="谷　知紘(s21t317)" userId="a3db8153-261a-4ffb-baa1-abaad328fd73" providerId="ADAL" clId="{1418AA70-33E9-4B69-939A-C06B7A338941}" dt="2024-12-20T11:35:14.549" v="2909" actId="1076"/>
         <pc:sldMkLst>
           <pc:docMk/>
           <pc:sldMk cId="2962790074" sldId="269"/>
         </pc:sldMkLst>
         <pc:spChg chg="add mod">
-          <ac:chgData name="谷　知紘(s21t317)" userId="a3db8153-261a-4ffb-baa1-abaad328fd73" providerId="ADAL" clId="{1418AA70-33E9-4B69-939A-C06B7A338941}" dt="2024-12-19T12:50:26.787" v="2485"/>
+          <ac:chgData name="谷　知紘(s21t317)" userId="a3db8153-261a-4ffb-baa1-abaad328fd73" providerId="ADAL" clId="{1418AA70-33E9-4B69-939A-C06B7A338941}" dt="2024-12-20T11:34:35.263" v="2908" actId="1076"/>
           <ac:spMkLst>
             <pc:docMk/>
             <pc:sldMk cId="2962790074" sldId="269"/>
@@ -901,7 +901,7 @@
           </ac:spMkLst>
         </pc:spChg>
         <pc:spChg chg="add mod">
-          <ac:chgData name="谷　知紘(s21t317)" userId="a3db8153-261a-4ffb-baa1-abaad328fd73" providerId="ADAL" clId="{1418AA70-33E9-4B69-939A-C06B7A338941}" dt="2024-12-19T13:14:26.204" v="2632" actId="20577"/>
+          <ac:chgData name="谷　知紘(s21t317)" userId="a3db8153-261a-4ffb-baa1-abaad328fd73" providerId="ADAL" clId="{1418AA70-33E9-4B69-939A-C06B7A338941}" dt="2024-12-20T11:34:35.263" v="2908" actId="1076"/>
           <ac:spMkLst>
             <pc:docMk/>
             <pc:sldMk cId="2962790074" sldId="269"/>
@@ -914,6 +914,14 @@
             <pc:docMk/>
             <pc:sldMk cId="2962790074" sldId="269"/>
             <ac:spMk id="4" creationId="{4EB27919-E40E-692F-BBDD-AA62939738F2}"/>
+          </ac:spMkLst>
+        </pc:spChg>
+        <pc:spChg chg="add mod">
+          <ac:chgData name="谷　知紘(s21t317)" userId="a3db8153-261a-4ffb-baa1-abaad328fd73" providerId="ADAL" clId="{1418AA70-33E9-4B69-939A-C06B7A338941}" dt="2024-12-20T11:35:14.549" v="2909" actId="1076"/>
+          <ac:spMkLst>
+            <pc:docMk/>
+            <pc:sldMk cId="2962790074" sldId="269"/>
+            <ac:spMk id="5" creationId="{F8EAA5F7-8A94-F476-F717-24A6B4D6BA32}"/>
           </ac:spMkLst>
         </pc:spChg>
       </pc:sldChg>
@@ -11707,7 +11715,7 @@
         </p:nvSpPr>
         <p:spPr>
           <a:xfrm>
-            <a:off x="674658" y="1193771"/>
+            <a:off x="331758" y="1282671"/>
             <a:ext cx="1018867" cy="461665"/>
           </a:xfrm>
           <a:prstGeom prst="rect">
@@ -11839,8 +11847,8 @@
         </p:nvSpPr>
         <p:spPr>
           <a:xfrm>
-            <a:off x="674658" y="1655436"/>
-            <a:ext cx="7319875" cy="383182"/>
+            <a:off x="331759" y="1744336"/>
+            <a:ext cx="6380192" cy="1060290"/>
           </a:xfrm>
           <a:prstGeom prst="rect">
             <a:avLst/>
@@ -11964,9 +11972,259 @@
                 <a:latin typeface="BIZ UDPゴシック" panose="020B0400000000000000" pitchFamily="50" charset="-128"/>
                 <a:ea typeface="BIZ UDPゴシック" panose="020B0400000000000000" pitchFamily="50" charset="-128"/>
               </a:rPr>
-              <a:t>検索より，早口言葉，早口言葉でない文</a:t>
-            </a:r>
-            <a:endParaRPr kumimoji="1" lang="en-US" altLang="ja-JP" sz="2000" dirty="0">
+              <a:t>検索より，早口言葉，早口言葉でない文を取得</a:t>
+            </a:r>
+            <a:endParaRPr lang="en-US" altLang="ja-JP" sz="2000" dirty="0">
+              <a:latin typeface="BIZ UDPゴシック" panose="020B0400000000000000" pitchFamily="50" charset="-128"/>
+              <a:ea typeface="BIZ UDPゴシック" panose="020B0400000000000000" pitchFamily="50" charset="-128"/>
+            </a:endParaRPr>
+          </a:p>
+          <a:p>
+            <a:pPr>
+              <a:lnSpc>
+                <a:spcPct val="110000"/>
+              </a:lnSpc>
+            </a:pPr>
+            <a:endParaRPr lang="en-US" altLang="ja-JP" sz="2000" dirty="0">
+              <a:latin typeface="BIZ UDPゴシック" panose="020B0400000000000000" pitchFamily="50" charset="-128"/>
+              <a:ea typeface="BIZ UDPゴシック" panose="020B0400000000000000" pitchFamily="50" charset="-128"/>
+            </a:endParaRPr>
+          </a:p>
+          <a:p>
+            <a:pPr>
+              <a:lnSpc>
+                <a:spcPct val="110000"/>
+              </a:lnSpc>
+            </a:pPr>
+            <a:r>
+              <a:rPr lang="ja-JP" altLang="en-US" sz="2000" dirty="0">
+                <a:latin typeface="BIZ UDPゴシック" panose="020B0400000000000000" pitchFamily="50" charset="-128"/>
+                <a:ea typeface="BIZ UDPゴシック" panose="020B0400000000000000" pitchFamily="50" charset="-128"/>
+              </a:rPr>
+              <a:t>以下の</a:t>
+            </a:r>
+            <a:r>
+              <a:rPr lang="en-US" altLang="ja-JP" sz="2000" dirty="0">
+                <a:latin typeface="BIZ UDPゴシック" panose="020B0400000000000000" pitchFamily="50" charset="-128"/>
+                <a:ea typeface="BIZ UDPゴシック" panose="020B0400000000000000" pitchFamily="50" charset="-128"/>
+              </a:rPr>
+              <a:t>3</a:t>
+            </a:r>
+            <a:r>
+              <a:rPr lang="ja-JP" altLang="en-US" sz="2000" dirty="0">
+                <a:latin typeface="BIZ UDPゴシック" panose="020B0400000000000000" pitchFamily="50" charset="-128"/>
+                <a:ea typeface="BIZ UDPゴシック" panose="020B0400000000000000" pitchFamily="50" charset="-128"/>
+              </a:rPr>
+              <a:t>通りのベクトル</a:t>
+            </a:r>
+            <a:endParaRPr lang="en-US" altLang="ja-JP" sz="2000" dirty="0">
+              <a:latin typeface="BIZ UDPゴシック" panose="020B0400000000000000" pitchFamily="50" charset="-128"/>
+              <a:ea typeface="BIZ UDPゴシック" panose="020B0400000000000000" pitchFamily="50" charset="-128"/>
+            </a:endParaRPr>
+          </a:p>
+        </p:txBody>
+      </p:sp>
+      <p:sp>
+        <p:nvSpPr>
+          <p:cNvPr id="5" name="四角形: 角を丸くする 4">
+            <a:extLst>
+              <a:ext uri="{FF2B5EF4-FFF2-40B4-BE49-F238E27FC236}">
+                <a16:creationId xmlns:a16="http://schemas.microsoft.com/office/drawing/2014/main" id="{F8EAA5F7-8A94-F476-F717-24A6B4D6BA32}"/>
+              </a:ext>
+            </a:extLst>
+          </p:cNvPr>
+          <p:cNvSpPr/>
+          <p:nvPr/>
+        </p:nvSpPr>
+        <p:spPr>
+          <a:xfrm>
+            <a:off x="6762751" y="1626290"/>
+            <a:ext cx="5001202" cy="1296381"/>
+          </a:xfrm>
+          <a:prstGeom prst="roundRect">
+            <a:avLst/>
+          </a:prstGeom>
+          <a:noFill/>
+          <a:ln w="38100">
+            <a:solidFill>
+              <a:schemeClr val="accent2">
+                <a:lumMod val="60000"/>
+                <a:lumOff val="40000"/>
+              </a:schemeClr>
+            </a:solidFill>
+          </a:ln>
+        </p:spPr>
+        <p:style>
+          <a:lnRef idx="2">
+            <a:schemeClr val="accent1">
+              <a:shade val="15000"/>
+            </a:schemeClr>
+          </a:lnRef>
+          <a:fillRef idx="1">
+            <a:schemeClr val="accent1"/>
+          </a:fillRef>
+          <a:effectRef idx="0">
+            <a:schemeClr val="accent1"/>
+          </a:effectRef>
+          <a:fontRef idx="minor">
+            <a:schemeClr val="lt1"/>
+          </a:fontRef>
+        </p:style>
+        <p:txBody>
+          <a:bodyPr rtlCol="0" anchor="ctr"/>
+          <a:lstStyle/>
+          <a:p>
+            <a:pPr>
+              <a:lnSpc>
+                <a:spcPct val="110000"/>
+              </a:lnSpc>
+            </a:pPr>
+            <a:r>
+              <a:rPr lang="ja-JP" altLang="en-US" sz="1400" dirty="0">
+                <a:solidFill>
+                  <a:schemeClr val="tx1"/>
+                </a:solidFill>
+                <a:latin typeface="BIZ UDPゴシック" panose="020B0400000000000000" pitchFamily="50" charset="-128"/>
+                <a:ea typeface="BIZ UDPゴシック" panose="020B0400000000000000" pitchFamily="50" charset="-128"/>
+              </a:rPr>
+              <a:t>早口言葉</a:t>
+            </a:r>
+            <a:r>
+              <a:rPr lang="en-US" altLang="ja-JP" sz="1400" dirty="0">
+                <a:solidFill>
+                  <a:schemeClr val="tx1"/>
+                </a:solidFill>
+                <a:latin typeface="BIZ UDPゴシック" panose="020B0400000000000000" pitchFamily="50" charset="-128"/>
+                <a:ea typeface="BIZ UDPゴシック" panose="020B0400000000000000" pitchFamily="50" charset="-128"/>
+              </a:rPr>
+              <a:t>160</a:t>
+            </a:r>
+            <a:r>
+              <a:rPr lang="ja-JP" altLang="en-US" sz="1400" dirty="0">
+                <a:solidFill>
+                  <a:schemeClr val="tx1"/>
+                </a:solidFill>
+                <a:latin typeface="BIZ UDPゴシック" panose="020B0400000000000000" pitchFamily="50" charset="-128"/>
+                <a:ea typeface="BIZ UDPゴシック" panose="020B0400000000000000" pitchFamily="50" charset="-128"/>
+              </a:rPr>
+              <a:t>件</a:t>
+            </a:r>
+            <a:endParaRPr kumimoji="1" lang="en-US" altLang="ja-JP" sz="1400" dirty="0">
+              <a:solidFill>
+                <a:schemeClr val="tx1"/>
+              </a:solidFill>
+              <a:latin typeface="BIZ UDPゴシック" panose="020B0400000000000000" pitchFamily="50" charset="-128"/>
+              <a:ea typeface="BIZ UDPゴシック" panose="020B0400000000000000" pitchFamily="50" charset="-128"/>
+            </a:endParaRPr>
+          </a:p>
+          <a:p>
+            <a:pPr marL="342900" indent="-342900">
+              <a:lnSpc>
+                <a:spcPct val="110000"/>
+              </a:lnSpc>
+              <a:buFontTx/>
+              <a:buChar char="-"/>
+            </a:pPr>
+            <a:r>
+              <a:rPr lang="en-US" altLang="ja-JP" sz="1200" dirty="0">
+                <a:solidFill>
+                  <a:schemeClr val="tx1"/>
+                </a:solidFill>
+                <a:latin typeface="BIZ UDPゴシック" panose="020B0400000000000000" pitchFamily="50" charset="-128"/>
+                <a:ea typeface="BIZ UDPゴシック" panose="020B0400000000000000" pitchFamily="50" charset="-128"/>
+                <a:hlinkClick r:id="rId2"/>
+              </a:rPr>
+              <a:t>https://jp.quizcastle.com/dictionary/jx3kj6g75p</a:t>
+            </a:r>
+            <a:endParaRPr lang="en-US" altLang="ja-JP" sz="1200" dirty="0">
+              <a:solidFill>
+                <a:schemeClr val="tx1"/>
+              </a:solidFill>
+              <a:latin typeface="BIZ UDPゴシック" panose="020B0400000000000000" pitchFamily="50" charset="-128"/>
+              <a:ea typeface="BIZ UDPゴシック" panose="020B0400000000000000" pitchFamily="50" charset="-128"/>
+            </a:endParaRPr>
+          </a:p>
+          <a:p>
+            <a:pPr>
+              <a:lnSpc>
+                <a:spcPct val="110000"/>
+              </a:lnSpc>
+            </a:pPr>
+            <a:endParaRPr lang="en-US" altLang="ja-JP" sz="1200" dirty="0">
+              <a:solidFill>
+                <a:schemeClr val="tx1"/>
+              </a:solidFill>
+              <a:latin typeface="BIZ UDPゴシック" panose="020B0400000000000000" pitchFamily="50" charset="-128"/>
+              <a:ea typeface="BIZ UDPゴシック" panose="020B0400000000000000" pitchFamily="50" charset="-128"/>
+            </a:endParaRPr>
+          </a:p>
+          <a:p>
+            <a:pPr>
+              <a:lnSpc>
+                <a:spcPct val="110000"/>
+              </a:lnSpc>
+            </a:pPr>
+            <a:r>
+              <a:rPr lang="ja-JP" altLang="en-US" sz="1400" dirty="0">
+                <a:solidFill>
+                  <a:schemeClr val="tx1"/>
+                </a:solidFill>
+                <a:latin typeface="BIZ UDPゴシック" panose="020B0400000000000000" pitchFamily="50" charset="-128"/>
+                <a:ea typeface="BIZ UDPゴシック" panose="020B0400000000000000" pitchFamily="50" charset="-128"/>
+              </a:rPr>
+              <a:t>ことわざ</a:t>
+            </a:r>
+            <a:r>
+              <a:rPr lang="en-US" altLang="ja-JP" sz="1400" dirty="0">
+                <a:solidFill>
+                  <a:schemeClr val="tx1"/>
+                </a:solidFill>
+                <a:latin typeface="BIZ UDPゴシック" panose="020B0400000000000000" pitchFamily="50" charset="-128"/>
+                <a:ea typeface="BIZ UDPゴシック" panose="020B0400000000000000" pitchFamily="50" charset="-128"/>
+              </a:rPr>
+              <a:t>160</a:t>
+            </a:r>
+            <a:r>
+              <a:rPr lang="ja-JP" altLang="en-US" sz="1400" dirty="0">
+                <a:solidFill>
+                  <a:schemeClr val="tx1"/>
+                </a:solidFill>
+                <a:latin typeface="BIZ UDPゴシック" panose="020B0400000000000000" pitchFamily="50" charset="-128"/>
+                <a:ea typeface="BIZ UDPゴシック" panose="020B0400000000000000" pitchFamily="50" charset="-128"/>
+              </a:rPr>
+              <a:t>件</a:t>
+            </a:r>
+            <a:endParaRPr lang="en-US" altLang="ja-JP" sz="1400" dirty="0">
+              <a:solidFill>
+                <a:schemeClr val="tx1"/>
+              </a:solidFill>
+              <a:latin typeface="BIZ UDPゴシック" panose="020B0400000000000000" pitchFamily="50" charset="-128"/>
+              <a:ea typeface="BIZ UDPゴシック" panose="020B0400000000000000" pitchFamily="50" charset="-128"/>
+            </a:endParaRPr>
+          </a:p>
+          <a:p>
+            <a:pPr marL="342900" indent="-342900">
+              <a:lnSpc>
+                <a:spcPct val="110000"/>
+              </a:lnSpc>
+              <a:buFontTx/>
+              <a:buChar char="-"/>
+            </a:pPr>
+            <a:r>
+              <a:rPr lang="en-US" altLang="ja-JP" sz="1200" dirty="0">
+                <a:solidFill>
+                  <a:schemeClr val="tx1"/>
+                </a:solidFill>
+                <a:latin typeface="BIZ UDPゴシック" panose="020B0400000000000000" pitchFamily="50" charset="-128"/>
+                <a:ea typeface="BIZ UDPゴシック" panose="020B0400000000000000" pitchFamily="50" charset="-128"/>
+                <a:hlinkClick r:id="rId3"/>
+              </a:rPr>
+              <a:t>https://proverb-encyclopedia.com/primary-school/</a:t>
+            </a:r>
+            <a:endParaRPr lang="en-US" altLang="ja-JP" sz="1200" dirty="0">
+              <a:solidFill>
+                <a:schemeClr val="tx1"/>
+              </a:solidFill>
               <a:latin typeface="BIZ UDPゴシック" panose="020B0400000000000000" pitchFamily="50" charset="-128"/>
               <a:ea typeface="BIZ UDPゴシック" panose="020B0400000000000000" pitchFamily="50" charset="-128"/>
             </a:endParaRPr>

--- a/年末発表.pptx
+++ b/年末発表.pptx
@@ -5,7 +5,7 @@
     <p:sldMasterId id="2147483648" r:id="rId1"/>
   </p:sldMasterIdLst>
   <p:notesMasterIdLst>
-    <p:notesMasterId r:id="rId16"/>
+    <p:notesMasterId r:id="rId17"/>
   </p:notesMasterIdLst>
   <p:sldIdLst>
     <p:sldId id="256" r:id="rId2"/>
@@ -22,6 +22,7 @@
     <p:sldId id="268" r:id="rId13"/>
     <p:sldId id="269" r:id="rId14"/>
     <p:sldId id="271" r:id="rId15"/>
+    <p:sldId id="272" r:id="rId16"/>
   </p:sldIdLst>
   <p:sldSz cx="12192000" cy="6858000"/>
   <p:notesSz cx="6858000" cy="9144000"/>
@@ -131,7 +132,7 @@
 <file path=ppt/revisionInfo.xml><?xml version="1.0" encoding="utf-8"?>
 <p1510:revInfo xmlns:a="http://schemas.openxmlformats.org/drawingml/2006/main" xmlns:r="http://schemas.openxmlformats.org/officeDocument/2006/relationships" xmlns:p1510="http://schemas.microsoft.com/office/powerpoint/2015/10/main">
   <p1510:revLst>
-    <p1510:client id="{1418AA70-33E9-4B69-939A-C06B7A338941}" v="44" dt="2024-12-20T11:28:27.117"/>
+    <p1510:client id="{6C2B5661-DEFF-4BF7-8687-B5D5C7F51A35}" v="10" dt="2024-12-21T01:57:58.023"/>
   </p1510:revLst>
 </p1510:revInfo>
 </file>
@@ -139,769 +140,28 @@
 <file path=ppt/changesInfos/changesInfo1.xml><?xml version="1.0" encoding="utf-8"?>
 <pc:chgInfo xmlns:a="http://schemas.openxmlformats.org/drawingml/2006/main" xmlns:r="http://schemas.openxmlformats.org/officeDocument/2006/relationships" xmlns:ac="http://schemas.microsoft.com/office/drawing/2013/main/command" xmlns:pc="http://schemas.microsoft.com/office/powerpoint/2013/main/command">
   <pc:docChgLst>
-    <pc:chgData name="谷　知紘(s21t317)" userId="a3db8153-261a-4ffb-baa1-abaad328fd73" providerId="ADAL" clId="{1418AA70-33E9-4B69-939A-C06B7A338941}"/>
-    <pc:docChg chg="undo redo custSel addSld delSld modSld">
-      <pc:chgData name="谷　知紘(s21t317)" userId="a3db8153-261a-4ffb-baa1-abaad328fd73" providerId="ADAL" clId="{1418AA70-33E9-4B69-939A-C06B7A338941}" dt="2024-12-20T11:35:14.549" v="2909" actId="1076"/>
+    <pc:chgData name="谷　知紘(s21t317)" userId="a3db8153-261a-4ffb-baa1-abaad328fd73" providerId="ADAL" clId="{6C2B5661-DEFF-4BF7-8687-B5D5C7F51A35}"/>
+    <pc:docChg chg="undo custSel addSld modSld">
+      <pc:chgData name="谷　知紘(s21t317)" userId="a3db8153-261a-4ffb-baa1-abaad328fd73" providerId="ADAL" clId="{6C2B5661-DEFF-4BF7-8687-B5D5C7F51A35}" dt="2024-12-21T02:14:30.570" v="1336" actId="1076"/>
       <pc:docMkLst>
         <pc:docMk/>
       </pc:docMkLst>
       <pc:sldChg chg="addSp delSp modSp mod">
-        <pc:chgData name="谷　知紘(s21t317)" userId="a3db8153-261a-4ffb-baa1-abaad328fd73" providerId="ADAL" clId="{1418AA70-33E9-4B69-939A-C06B7A338941}" dt="2024-12-19T12:33:51.846" v="2407" actId="1076"/>
-        <pc:sldMkLst>
-          <pc:docMk/>
-          <pc:sldMk cId="1542432316" sldId="257"/>
-        </pc:sldMkLst>
-        <pc:spChg chg="add mod">
-          <ac:chgData name="谷　知紘(s21t317)" userId="a3db8153-261a-4ffb-baa1-abaad328fd73" providerId="ADAL" clId="{1418AA70-33E9-4B69-939A-C06B7A338941}" dt="2024-12-19T12:25:09.902" v="2294" actId="1076"/>
-          <ac:spMkLst>
-            <pc:docMk/>
-            <pc:sldMk cId="1542432316" sldId="257"/>
-            <ac:spMk id="2" creationId="{2983EB30-10C2-76A2-C5CF-D65FA50C3861}"/>
-          </ac:spMkLst>
-        </pc:spChg>
-        <pc:spChg chg="add mod">
-          <ac:chgData name="谷　知紘(s21t317)" userId="a3db8153-261a-4ffb-baa1-abaad328fd73" providerId="ADAL" clId="{1418AA70-33E9-4B69-939A-C06B7A338941}" dt="2024-12-19T10:50:12.855" v="1103" actId="948"/>
-          <ac:spMkLst>
-            <pc:docMk/>
-            <pc:sldMk cId="1542432316" sldId="257"/>
-            <ac:spMk id="3" creationId="{5F2665F9-174E-6076-7784-4BE99097C129}"/>
-          </ac:spMkLst>
-        </pc:spChg>
-        <pc:spChg chg="mod">
-          <ac:chgData name="谷　知紘(s21t317)" userId="a3db8153-261a-4ffb-baa1-abaad328fd73" providerId="ADAL" clId="{1418AA70-33E9-4B69-939A-C06B7A338941}" dt="2024-12-19T12:33:51.846" v="2407" actId="1076"/>
-          <ac:spMkLst>
-            <pc:docMk/>
-            <pc:sldMk cId="1542432316" sldId="257"/>
-            <ac:spMk id="5" creationId="{87A180B6-291F-53A1-A3EA-115C9A1E1B11}"/>
-          </ac:spMkLst>
-        </pc:spChg>
-        <pc:spChg chg="mod">
-          <ac:chgData name="谷　知紘(s21t317)" userId="a3db8153-261a-4ffb-baa1-abaad328fd73" providerId="ADAL" clId="{1418AA70-33E9-4B69-939A-C06B7A338941}" dt="2024-12-19T12:29:52.369" v="2303" actId="5793"/>
-          <ac:spMkLst>
-            <pc:docMk/>
-            <pc:sldMk cId="1542432316" sldId="257"/>
-            <ac:spMk id="8" creationId="{97E58242-0B4C-1E3C-A963-0816D61834EF}"/>
-          </ac:spMkLst>
-        </pc:spChg>
-        <pc:picChg chg="add mod ord">
-          <ac:chgData name="谷　知紘(s21t317)" userId="a3db8153-261a-4ffb-baa1-abaad328fd73" providerId="ADAL" clId="{1418AA70-33E9-4B69-939A-C06B7A338941}" dt="2024-12-19T11:47:08.484" v="1811"/>
-          <ac:picMkLst>
-            <pc:docMk/>
-            <pc:sldMk cId="1542432316" sldId="257"/>
-            <ac:picMk id="11" creationId="{45DD6CB7-A825-8A62-79A0-AC067964CF69}"/>
-          </ac:picMkLst>
-        </pc:picChg>
-        <pc:picChg chg="add del mod">
-          <ac:chgData name="谷　知紘(s21t317)" userId="a3db8153-261a-4ffb-baa1-abaad328fd73" providerId="ADAL" clId="{1418AA70-33E9-4B69-939A-C06B7A338941}" dt="2024-12-19T11:28:30.634" v="1726" actId="478"/>
-          <ac:picMkLst>
-            <pc:docMk/>
-            <pc:sldMk cId="1542432316" sldId="257"/>
-            <ac:picMk id="1026" creationId="{D5B34B45-E436-342B-7CBC-3310170E7C9C}"/>
-          </ac:picMkLst>
-        </pc:picChg>
-      </pc:sldChg>
-      <pc:sldChg chg="modSp mod">
-        <pc:chgData name="谷　知紘(s21t317)" userId="a3db8153-261a-4ffb-baa1-abaad328fd73" providerId="ADAL" clId="{1418AA70-33E9-4B69-939A-C06B7A338941}" dt="2024-12-19T12:32:20.302" v="2355" actId="1076"/>
-        <pc:sldMkLst>
-          <pc:docMk/>
-          <pc:sldMk cId="2104044874" sldId="258"/>
-        </pc:sldMkLst>
-        <pc:spChg chg="mod">
-          <ac:chgData name="谷　知紘(s21t317)" userId="a3db8153-261a-4ffb-baa1-abaad328fd73" providerId="ADAL" clId="{1418AA70-33E9-4B69-939A-C06B7A338941}" dt="2024-12-19T12:32:20.302" v="2355" actId="1076"/>
-          <ac:spMkLst>
-            <pc:docMk/>
-            <pc:sldMk cId="2104044874" sldId="258"/>
-            <ac:spMk id="3" creationId="{D5246B0C-A978-610E-3BB1-3F7FDB43B150}"/>
-          </ac:spMkLst>
-        </pc:spChg>
-      </pc:sldChg>
-      <pc:sldChg chg="addSp delSp modSp mod">
-        <pc:chgData name="谷　知紘(s21t317)" userId="a3db8153-261a-4ffb-baa1-abaad328fd73" providerId="ADAL" clId="{1418AA70-33E9-4B69-939A-C06B7A338941}" dt="2024-12-20T10:27:32.337" v="2657" actId="1076"/>
-        <pc:sldMkLst>
-          <pc:docMk/>
-          <pc:sldMk cId="3849086588" sldId="259"/>
-        </pc:sldMkLst>
-        <pc:spChg chg="add del mod">
-          <ac:chgData name="谷　知紘(s21t317)" userId="a3db8153-261a-4ffb-baa1-abaad328fd73" providerId="ADAL" clId="{1418AA70-33E9-4B69-939A-C06B7A338941}" dt="2024-12-19T12:42:40.625" v="2434" actId="478"/>
-          <ac:spMkLst>
-            <pc:docMk/>
-            <pc:sldMk cId="3849086588" sldId="259"/>
-            <ac:spMk id="2" creationId="{6B4081E9-2256-3F82-0732-CF61540B5B21}"/>
-          </ac:spMkLst>
-        </pc:spChg>
-        <pc:spChg chg="add mod">
-          <ac:chgData name="谷　知紘(s21t317)" userId="a3db8153-261a-4ffb-baa1-abaad328fd73" providerId="ADAL" clId="{1418AA70-33E9-4B69-939A-C06B7A338941}" dt="2024-12-20T10:27:21.282" v="2655" actId="1076"/>
-          <ac:spMkLst>
-            <pc:docMk/>
-            <pc:sldMk cId="3849086588" sldId="259"/>
-            <ac:spMk id="2" creationId="{BE861672-CB6F-8A0A-D993-0C6C61AEED01}"/>
-          </ac:spMkLst>
-        </pc:spChg>
-        <pc:spChg chg="add mod">
-          <ac:chgData name="谷　知紘(s21t317)" userId="a3db8153-261a-4ffb-baa1-abaad328fd73" providerId="ADAL" clId="{1418AA70-33E9-4B69-939A-C06B7A338941}" dt="2024-12-19T12:47:00.427" v="2475" actId="1076"/>
-          <ac:spMkLst>
-            <pc:docMk/>
-            <pc:sldMk cId="3849086588" sldId="259"/>
-            <ac:spMk id="3" creationId="{5822A23C-CE23-595A-B728-5D0208353255}"/>
-          </ac:spMkLst>
-        </pc:spChg>
-        <pc:spChg chg="mod">
-          <ac:chgData name="谷　知紘(s21t317)" userId="a3db8153-261a-4ffb-baa1-abaad328fd73" providerId="ADAL" clId="{1418AA70-33E9-4B69-939A-C06B7A338941}" dt="2024-12-20T10:27:15.307" v="2652" actId="208"/>
-          <ac:spMkLst>
-            <pc:docMk/>
-            <pc:sldMk cId="3849086588" sldId="259"/>
-            <ac:spMk id="5" creationId="{07FD732C-3642-BCB4-8BA4-2CA21985F665}"/>
-          </ac:spMkLst>
-        </pc:spChg>
-        <pc:spChg chg="mod">
-          <ac:chgData name="谷　知紘(s21t317)" userId="a3db8153-261a-4ffb-baa1-abaad328fd73" providerId="ADAL" clId="{1418AA70-33E9-4B69-939A-C06B7A338941}" dt="2024-12-19T12:47:30.538" v="2476" actId="1076"/>
-          <ac:spMkLst>
-            <pc:docMk/>
-            <pc:sldMk cId="3849086588" sldId="259"/>
-            <ac:spMk id="6" creationId="{DA6C0797-D9AC-9F29-B126-006118C93193}"/>
-          </ac:spMkLst>
-        </pc:spChg>
-        <pc:spChg chg="del mod">
-          <ac:chgData name="谷　知紘(s21t317)" userId="a3db8153-261a-4ffb-baa1-abaad328fd73" providerId="ADAL" clId="{1418AA70-33E9-4B69-939A-C06B7A338941}" dt="2024-12-20T10:26:09.656" v="2641" actId="478"/>
-          <ac:spMkLst>
-            <pc:docMk/>
-            <pc:sldMk cId="3849086588" sldId="259"/>
-            <ac:spMk id="7" creationId="{30CC52B7-E67F-4D38-2ADF-15022420AF65}"/>
-          </ac:spMkLst>
-        </pc:spChg>
-        <pc:spChg chg="add mod">
-          <ac:chgData name="谷　知紘(s21t317)" userId="a3db8153-261a-4ffb-baa1-abaad328fd73" providerId="ADAL" clId="{1418AA70-33E9-4B69-939A-C06B7A338941}" dt="2024-12-20T10:27:28.090" v="2656" actId="1076"/>
-          <ac:spMkLst>
-            <pc:docMk/>
-            <pc:sldMk cId="3849086588" sldId="259"/>
-            <ac:spMk id="8" creationId="{C08CD8C8-1C6F-1F35-20C6-4D4E211D8B74}"/>
-          </ac:spMkLst>
-        </pc:spChg>
-        <pc:spChg chg="mod">
-          <ac:chgData name="谷　知紘(s21t317)" userId="a3db8153-261a-4ffb-baa1-abaad328fd73" providerId="ADAL" clId="{1418AA70-33E9-4B69-939A-C06B7A338941}" dt="2024-12-20T10:27:32.337" v="2657" actId="1076"/>
-          <ac:spMkLst>
-            <pc:docMk/>
-            <pc:sldMk cId="3849086588" sldId="259"/>
-            <ac:spMk id="10" creationId="{3EC8EDBF-00DA-76EA-4E81-B20E1F0D63AF}"/>
-          </ac:spMkLst>
-        </pc:spChg>
-      </pc:sldChg>
-      <pc:sldChg chg="delSp modSp mod">
-        <pc:chgData name="谷　知紘(s21t317)" userId="a3db8153-261a-4ffb-baa1-abaad328fd73" providerId="ADAL" clId="{1418AA70-33E9-4B69-939A-C06B7A338941}" dt="2024-12-19T10:57:12.312" v="1122" actId="1076"/>
-        <pc:sldMkLst>
-          <pc:docMk/>
-          <pc:sldMk cId="117810025" sldId="260"/>
-        </pc:sldMkLst>
-        <pc:spChg chg="del">
-          <ac:chgData name="谷　知紘(s21t317)" userId="a3db8153-261a-4ffb-baa1-abaad328fd73" providerId="ADAL" clId="{1418AA70-33E9-4B69-939A-C06B7A338941}" dt="2024-12-19T10:37:29.301" v="985" actId="478"/>
-          <ac:spMkLst>
-            <pc:docMk/>
-            <pc:sldMk cId="117810025" sldId="260"/>
-            <ac:spMk id="2" creationId="{4248C635-E709-47EB-056D-45A5309C6245}"/>
-          </ac:spMkLst>
-        </pc:spChg>
-        <pc:spChg chg="del">
-          <ac:chgData name="谷　知紘(s21t317)" userId="a3db8153-261a-4ffb-baa1-abaad328fd73" providerId="ADAL" clId="{1418AA70-33E9-4B69-939A-C06B7A338941}" dt="2024-12-19T10:37:29.301" v="985" actId="478"/>
-          <ac:spMkLst>
-            <pc:docMk/>
-            <pc:sldMk cId="117810025" sldId="260"/>
-            <ac:spMk id="3" creationId="{2599B226-174F-7CCC-55D4-E7E114D9D8AD}"/>
-          </ac:spMkLst>
-        </pc:spChg>
-        <pc:spChg chg="mod">
-          <ac:chgData name="谷　知紘(s21t317)" userId="a3db8153-261a-4ffb-baa1-abaad328fd73" providerId="ADAL" clId="{1418AA70-33E9-4B69-939A-C06B7A338941}" dt="2024-12-19T09:57:37.029" v="481" actId="20577"/>
-          <ac:spMkLst>
-            <pc:docMk/>
-            <pc:sldMk cId="117810025" sldId="260"/>
-            <ac:spMk id="4" creationId="{D3334862-574C-AB42-4F1C-FA410AE9ECC8}"/>
-          </ac:spMkLst>
-        </pc:spChg>
-        <pc:spChg chg="mod">
-          <ac:chgData name="谷　知紘(s21t317)" userId="a3db8153-261a-4ffb-baa1-abaad328fd73" providerId="ADAL" clId="{1418AA70-33E9-4B69-939A-C06B7A338941}" dt="2024-12-19T10:57:06.576" v="1121" actId="1076"/>
-          <ac:spMkLst>
-            <pc:docMk/>
-            <pc:sldMk cId="117810025" sldId="260"/>
-            <ac:spMk id="5" creationId="{A840EDA7-1040-9513-6B5C-A42180115C4B}"/>
-          </ac:spMkLst>
-        </pc:spChg>
-        <pc:spChg chg="mod">
-          <ac:chgData name="谷　知紘(s21t317)" userId="a3db8153-261a-4ffb-baa1-abaad328fd73" providerId="ADAL" clId="{1418AA70-33E9-4B69-939A-C06B7A338941}" dt="2024-12-19T10:57:06.576" v="1121" actId="1076"/>
-          <ac:spMkLst>
-            <pc:docMk/>
-            <pc:sldMk cId="117810025" sldId="260"/>
-            <ac:spMk id="6" creationId="{965F20B3-E870-F660-8F4E-5FA2D239A0E1}"/>
-          </ac:spMkLst>
-        </pc:spChg>
-        <pc:spChg chg="mod">
-          <ac:chgData name="谷　知紘(s21t317)" userId="a3db8153-261a-4ffb-baa1-abaad328fd73" providerId="ADAL" clId="{1418AA70-33E9-4B69-939A-C06B7A338941}" dt="2024-12-19T10:57:12.312" v="1122" actId="1076"/>
-          <ac:spMkLst>
-            <pc:docMk/>
-            <pc:sldMk cId="117810025" sldId="260"/>
-            <ac:spMk id="8" creationId="{B8B785CA-88B2-2747-44DD-4A4CAE753571}"/>
-          </ac:spMkLst>
-        </pc:spChg>
-        <pc:spChg chg="mod">
-          <ac:chgData name="谷　知紘(s21t317)" userId="a3db8153-261a-4ffb-baa1-abaad328fd73" providerId="ADAL" clId="{1418AA70-33E9-4B69-939A-C06B7A338941}" dt="2024-12-19T10:57:06.576" v="1121" actId="1076"/>
-          <ac:spMkLst>
-            <pc:docMk/>
-            <pc:sldMk cId="117810025" sldId="260"/>
-            <ac:spMk id="10" creationId="{66FBDD28-E41C-FC35-608A-4505E6A94018}"/>
-          </ac:spMkLst>
-        </pc:spChg>
-        <pc:spChg chg="mod">
-          <ac:chgData name="谷　知紘(s21t317)" userId="a3db8153-261a-4ffb-baa1-abaad328fd73" providerId="ADAL" clId="{1418AA70-33E9-4B69-939A-C06B7A338941}" dt="2024-12-19T10:57:06.576" v="1121" actId="1076"/>
-          <ac:spMkLst>
-            <pc:docMk/>
-            <pc:sldMk cId="117810025" sldId="260"/>
-            <ac:spMk id="11" creationId="{F97B7671-B12F-0FE4-0704-F18CA696AD01}"/>
-          </ac:spMkLst>
-        </pc:spChg>
-        <pc:spChg chg="mod">
-          <ac:chgData name="谷　知紘(s21t317)" userId="a3db8153-261a-4ffb-baa1-abaad328fd73" providerId="ADAL" clId="{1418AA70-33E9-4B69-939A-C06B7A338941}" dt="2024-12-19T10:57:06.576" v="1121" actId="1076"/>
-          <ac:spMkLst>
-            <pc:docMk/>
-            <pc:sldMk cId="117810025" sldId="260"/>
-            <ac:spMk id="12" creationId="{80A09DB9-7D88-8A63-91D8-06789882FAB6}"/>
-          </ac:spMkLst>
-        </pc:spChg>
-        <pc:spChg chg="mod">
-          <ac:chgData name="谷　知紘(s21t317)" userId="a3db8153-261a-4ffb-baa1-abaad328fd73" providerId="ADAL" clId="{1418AA70-33E9-4B69-939A-C06B7A338941}" dt="2024-12-19T10:57:06.576" v="1121" actId="1076"/>
-          <ac:spMkLst>
-            <pc:docMk/>
-            <pc:sldMk cId="117810025" sldId="260"/>
-            <ac:spMk id="13" creationId="{DCE41433-4B8E-73BE-EA06-3FF529629562}"/>
-          </ac:spMkLst>
-        </pc:spChg>
-        <pc:spChg chg="mod">
-          <ac:chgData name="谷　知紘(s21t317)" userId="a3db8153-261a-4ffb-baa1-abaad328fd73" providerId="ADAL" clId="{1418AA70-33E9-4B69-939A-C06B7A338941}" dt="2024-12-19T10:57:12.312" v="1122" actId="1076"/>
-          <ac:spMkLst>
-            <pc:docMk/>
-            <pc:sldMk cId="117810025" sldId="260"/>
-            <ac:spMk id="14" creationId="{A3DE6DD8-0091-873D-463A-974780521FC6}"/>
-          </ac:spMkLst>
-        </pc:spChg>
-      </pc:sldChg>
-      <pc:sldChg chg="modSp mod">
-        <pc:chgData name="谷　知紘(s21t317)" userId="a3db8153-261a-4ffb-baa1-abaad328fd73" providerId="ADAL" clId="{1418AA70-33E9-4B69-939A-C06B7A338941}" dt="2024-12-20T10:31:25.441" v="2658" actId="208"/>
-        <pc:sldMkLst>
-          <pc:docMk/>
-          <pc:sldMk cId="1122583501" sldId="261"/>
-        </pc:sldMkLst>
-        <pc:spChg chg="mod">
-          <ac:chgData name="谷　知紘(s21t317)" userId="a3db8153-261a-4ffb-baa1-abaad328fd73" providerId="ADAL" clId="{1418AA70-33E9-4B69-939A-C06B7A338941}" dt="2024-12-19T12:01:12.747" v="2149" actId="20577"/>
-          <ac:spMkLst>
-            <pc:docMk/>
-            <pc:sldMk cId="1122583501" sldId="261"/>
-            <ac:spMk id="4" creationId="{DDFBCFE8-8909-71D8-6B34-D8A06A8271EA}"/>
-          </ac:spMkLst>
-        </pc:spChg>
-        <pc:spChg chg="mod">
-          <ac:chgData name="谷　知紘(s21t317)" userId="a3db8153-261a-4ffb-baa1-abaad328fd73" providerId="ADAL" clId="{1418AA70-33E9-4B69-939A-C06B7A338941}" dt="2024-12-19T10:38:18.666" v="992" actId="1076"/>
-          <ac:spMkLst>
-            <pc:docMk/>
-            <pc:sldMk cId="1122583501" sldId="261"/>
-            <ac:spMk id="7" creationId="{23BD6EAD-66D6-61D3-B481-0556279AE64D}"/>
-          </ac:spMkLst>
-        </pc:spChg>
-        <pc:spChg chg="mod">
-          <ac:chgData name="谷　知紘(s21t317)" userId="a3db8153-261a-4ffb-baa1-abaad328fd73" providerId="ADAL" clId="{1418AA70-33E9-4B69-939A-C06B7A338941}" dt="2024-12-19T13:11:45.719" v="2494" actId="5793"/>
-          <ac:spMkLst>
-            <pc:docMk/>
-            <pc:sldMk cId="1122583501" sldId="261"/>
-            <ac:spMk id="9" creationId="{A7A04C6A-12A4-6402-1F89-7ACF7C961C12}"/>
-          </ac:spMkLst>
-        </pc:spChg>
-        <pc:spChg chg="mod">
-          <ac:chgData name="谷　知紘(s21t317)" userId="a3db8153-261a-4ffb-baa1-abaad328fd73" providerId="ADAL" clId="{1418AA70-33E9-4B69-939A-C06B7A338941}" dt="2024-12-19T13:12:33.371" v="2521" actId="14100"/>
-          <ac:spMkLst>
-            <pc:docMk/>
-            <pc:sldMk cId="1122583501" sldId="261"/>
-            <ac:spMk id="15" creationId="{0CF1C647-9783-9A17-2EE1-4E2FD7059AEA}"/>
-          </ac:spMkLst>
-        </pc:spChg>
-        <pc:spChg chg="mod">
-          <ac:chgData name="谷　知紘(s21t317)" userId="a3db8153-261a-4ffb-baa1-abaad328fd73" providerId="ADAL" clId="{1418AA70-33E9-4B69-939A-C06B7A338941}" dt="2024-12-19T13:12:37.118" v="2522" actId="14100"/>
-          <ac:spMkLst>
-            <pc:docMk/>
-            <pc:sldMk cId="1122583501" sldId="261"/>
-            <ac:spMk id="16" creationId="{37318088-223C-0F2B-6BFE-0A39C1C16FD3}"/>
-          </ac:spMkLst>
-        </pc:spChg>
-        <pc:spChg chg="mod">
-          <ac:chgData name="谷　知紘(s21t317)" userId="a3db8153-261a-4ffb-baa1-abaad328fd73" providerId="ADAL" clId="{1418AA70-33E9-4B69-939A-C06B7A338941}" dt="2024-12-19T10:38:18.666" v="992" actId="1076"/>
-          <ac:spMkLst>
-            <pc:docMk/>
-            <pc:sldMk cId="1122583501" sldId="261"/>
-            <ac:spMk id="17" creationId="{6AF1C7E6-F188-9CB0-B28F-EB1F5D77BDF9}"/>
-          </ac:spMkLst>
-        </pc:spChg>
-        <pc:spChg chg="mod">
-          <ac:chgData name="谷　知紘(s21t317)" userId="a3db8153-261a-4ffb-baa1-abaad328fd73" providerId="ADAL" clId="{1418AA70-33E9-4B69-939A-C06B7A338941}" dt="2024-12-19T10:38:18.666" v="992" actId="1076"/>
-          <ac:spMkLst>
-            <pc:docMk/>
-            <pc:sldMk cId="1122583501" sldId="261"/>
-            <ac:spMk id="18" creationId="{4008445B-B470-7EEF-8719-0D79AD022898}"/>
-          </ac:spMkLst>
-        </pc:spChg>
-        <pc:spChg chg="mod">
-          <ac:chgData name="谷　知紘(s21t317)" userId="a3db8153-261a-4ffb-baa1-abaad328fd73" providerId="ADAL" clId="{1418AA70-33E9-4B69-939A-C06B7A338941}" dt="2024-12-19T10:38:18.666" v="992" actId="1076"/>
-          <ac:spMkLst>
-            <pc:docMk/>
-            <pc:sldMk cId="1122583501" sldId="261"/>
-            <ac:spMk id="19" creationId="{A7A04C6A-12A4-6402-1F89-7ACF7C961C12}"/>
-          </ac:spMkLst>
-        </pc:spChg>
-        <pc:spChg chg="mod">
-          <ac:chgData name="谷　知紘(s21t317)" userId="a3db8153-261a-4ffb-baa1-abaad328fd73" providerId="ADAL" clId="{1418AA70-33E9-4B69-939A-C06B7A338941}" dt="2024-12-19T10:38:18.666" v="992" actId="1076"/>
-          <ac:spMkLst>
-            <pc:docMk/>
-            <pc:sldMk cId="1122583501" sldId="261"/>
-            <ac:spMk id="20" creationId="{4F8181AA-9675-5850-F6D2-1536DCAAAE5D}"/>
-          </ac:spMkLst>
-        </pc:spChg>
-        <pc:spChg chg="mod">
-          <ac:chgData name="谷　知紘(s21t317)" userId="a3db8153-261a-4ffb-baa1-abaad328fd73" providerId="ADAL" clId="{1418AA70-33E9-4B69-939A-C06B7A338941}" dt="2024-12-19T10:38:18.666" v="992" actId="1076"/>
-          <ac:spMkLst>
-            <pc:docMk/>
-            <pc:sldMk cId="1122583501" sldId="261"/>
-            <ac:spMk id="21" creationId="{A2ADE638-3B1E-909C-73FF-5C4E53C6BA53}"/>
-          </ac:spMkLst>
-        </pc:spChg>
-        <pc:spChg chg="mod">
-          <ac:chgData name="谷　知紘(s21t317)" userId="a3db8153-261a-4ffb-baa1-abaad328fd73" providerId="ADAL" clId="{1418AA70-33E9-4B69-939A-C06B7A338941}" dt="2024-12-19T10:38:18.666" v="992" actId="1076"/>
-          <ac:spMkLst>
-            <pc:docMk/>
-            <pc:sldMk cId="1122583501" sldId="261"/>
-            <ac:spMk id="22" creationId="{72841B52-3358-F25E-E24A-216182868323}"/>
-          </ac:spMkLst>
-        </pc:spChg>
-        <pc:spChg chg="mod">
-          <ac:chgData name="谷　知紘(s21t317)" userId="a3db8153-261a-4ffb-baa1-abaad328fd73" providerId="ADAL" clId="{1418AA70-33E9-4B69-939A-C06B7A338941}" dt="2024-12-20T10:31:25.441" v="2658" actId="208"/>
-          <ac:spMkLst>
-            <pc:docMk/>
-            <pc:sldMk cId="1122583501" sldId="261"/>
-            <ac:spMk id="24" creationId="{F707A817-9483-C869-405C-6DBAE3EFACC1}"/>
-          </ac:spMkLst>
-        </pc:spChg>
-        <pc:spChg chg="mod">
-          <ac:chgData name="谷　知紘(s21t317)" userId="a3db8153-261a-4ffb-baa1-abaad328fd73" providerId="ADAL" clId="{1418AA70-33E9-4B69-939A-C06B7A338941}" dt="2024-12-19T13:12:43.793" v="2531" actId="5793"/>
-          <ac:spMkLst>
-            <pc:docMk/>
-            <pc:sldMk cId="1122583501" sldId="261"/>
-            <ac:spMk id="25" creationId="{4A9845F4-21F2-BCA4-EE1D-94AF9141DB73}"/>
-          </ac:spMkLst>
-        </pc:spChg>
-        <pc:picChg chg="mod">
-          <ac:chgData name="谷　知紘(s21t317)" userId="a3db8153-261a-4ffb-baa1-abaad328fd73" providerId="ADAL" clId="{1418AA70-33E9-4B69-939A-C06B7A338941}" dt="2024-12-19T10:38:18.666" v="992" actId="1076"/>
-          <ac:picMkLst>
-            <pc:docMk/>
-            <pc:sldMk cId="1122583501" sldId="261"/>
-            <ac:picMk id="23" creationId="{8C05C036-B5E1-217D-ED7A-3418322DBEDE}"/>
-          </ac:picMkLst>
-        </pc:picChg>
-      </pc:sldChg>
-      <pc:sldChg chg="modSp mod">
-        <pc:chgData name="谷　知紘(s21t317)" userId="a3db8153-261a-4ffb-baa1-abaad328fd73" providerId="ADAL" clId="{1418AA70-33E9-4B69-939A-C06B7A338941}" dt="2024-12-19T12:28:48.566" v="2296" actId="1076"/>
-        <pc:sldMkLst>
-          <pc:docMk/>
-          <pc:sldMk cId="1716504565" sldId="262"/>
-        </pc:sldMkLst>
-        <pc:spChg chg="mod">
-          <ac:chgData name="谷　知紘(s21t317)" userId="a3db8153-261a-4ffb-baa1-abaad328fd73" providerId="ADAL" clId="{1418AA70-33E9-4B69-939A-C06B7A338941}" dt="2024-12-19T12:01:08.984" v="2147" actId="20577"/>
-          <ac:spMkLst>
-            <pc:docMk/>
-            <pc:sldMk cId="1716504565" sldId="262"/>
-            <ac:spMk id="4" creationId="{6E2F93E8-9587-C9D2-7537-3857A45132CA}"/>
-          </ac:spMkLst>
-        </pc:spChg>
-        <pc:spChg chg="mod">
-          <ac:chgData name="谷　知紘(s21t317)" userId="a3db8153-261a-4ffb-baa1-abaad328fd73" providerId="ADAL" clId="{1418AA70-33E9-4B69-939A-C06B7A338941}" dt="2024-12-19T12:28:48.566" v="2296" actId="1076"/>
-          <ac:spMkLst>
-            <pc:docMk/>
-            <pc:sldMk cId="1716504565" sldId="262"/>
-            <ac:spMk id="6" creationId="{1CABE7FD-D54B-CC5D-11C2-12270A9CBC88}"/>
-          </ac:spMkLst>
-        </pc:spChg>
-        <pc:spChg chg="mod">
-          <ac:chgData name="谷　知紘(s21t317)" userId="a3db8153-261a-4ffb-baa1-abaad328fd73" providerId="ADAL" clId="{1418AA70-33E9-4B69-939A-C06B7A338941}" dt="2024-12-19T12:28:42.418" v="2295" actId="1076"/>
-          <ac:spMkLst>
-            <pc:docMk/>
-            <pc:sldMk cId="1716504565" sldId="262"/>
-            <ac:spMk id="7" creationId="{1D40BB03-BC56-9F50-230C-2A63FF168A06}"/>
-          </ac:spMkLst>
-        </pc:spChg>
-        <pc:spChg chg="mod">
-          <ac:chgData name="谷　知紘(s21t317)" userId="a3db8153-261a-4ffb-baa1-abaad328fd73" providerId="ADAL" clId="{1418AA70-33E9-4B69-939A-C06B7A338941}" dt="2024-12-19T12:28:42.418" v="2295" actId="1076"/>
-          <ac:spMkLst>
-            <pc:docMk/>
-            <pc:sldMk cId="1716504565" sldId="262"/>
-            <ac:spMk id="8" creationId="{6533AAC4-4411-2682-8C7E-ABD6195F1435}"/>
-          </ac:spMkLst>
-        </pc:spChg>
-        <pc:spChg chg="mod">
-          <ac:chgData name="谷　知紘(s21t317)" userId="a3db8153-261a-4ffb-baa1-abaad328fd73" providerId="ADAL" clId="{1418AA70-33E9-4B69-939A-C06B7A338941}" dt="2024-12-19T12:28:42.418" v="2295" actId="1076"/>
-          <ac:spMkLst>
-            <pc:docMk/>
-            <pc:sldMk cId="1716504565" sldId="262"/>
-            <ac:spMk id="9" creationId="{E7D40219-E2FA-4EE4-24C3-DE1740D4C852}"/>
-          </ac:spMkLst>
-        </pc:spChg>
-        <pc:spChg chg="mod">
-          <ac:chgData name="谷　知紘(s21t317)" userId="a3db8153-261a-4ffb-baa1-abaad328fd73" providerId="ADAL" clId="{1418AA70-33E9-4B69-939A-C06B7A338941}" dt="2024-12-19T12:28:42.418" v="2295" actId="1076"/>
-          <ac:spMkLst>
-            <pc:docMk/>
-            <pc:sldMk cId="1716504565" sldId="262"/>
-            <ac:spMk id="10" creationId="{690CE7D4-FE0D-DAC1-CC24-02EACD5A08F0}"/>
-          </ac:spMkLst>
-        </pc:spChg>
-        <pc:picChg chg="mod">
-          <ac:chgData name="谷　知紘(s21t317)" userId="a3db8153-261a-4ffb-baa1-abaad328fd73" providerId="ADAL" clId="{1418AA70-33E9-4B69-939A-C06B7A338941}" dt="2024-12-19T12:28:48.566" v="2296" actId="1076"/>
-          <ac:picMkLst>
-            <pc:docMk/>
-            <pc:sldMk cId="1716504565" sldId="262"/>
-            <ac:picMk id="5" creationId="{0A7C152D-1718-710B-6366-5CE010CC7706}"/>
-          </ac:picMkLst>
-        </pc:picChg>
-      </pc:sldChg>
-      <pc:sldChg chg="modSp mod">
-        <pc:chgData name="谷　知紘(s21t317)" userId="a3db8153-261a-4ffb-baa1-abaad328fd73" providerId="ADAL" clId="{1418AA70-33E9-4B69-939A-C06B7A338941}" dt="2024-12-19T11:40:21.142" v="1810" actId="20577"/>
-        <pc:sldMkLst>
-          <pc:docMk/>
-          <pc:sldMk cId="285224269" sldId="264"/>
-        </pc:sldMkLst>
-        <pc:spChg chg="mod">
-          <ac:chgData name="谷　知紘(s21t317)" userId="a3db8153-261a-4ffb-baa1-abaad328fd73" providerId="ADAL" clId="{1418AA70-33E9-4B69-939A-C06B7A338941}" dt="2024-12-19T10:26:39.383" v="792" actId="20577"/>
-          <ac:spMkLst>
-            <pc:docMk/>
-            <pc:sldMk cId="285224269" sldId="264"/>
-            <ac:spMk id="2" creationId="{B9E6179B-B5B9-080D-8A28-FE66646E0433}"/>
-          </ac:spMkLst>
-        </pc:spChg>
-        <pc:spChg chg="mod">
-          <ac:chgData name="谷　知紘(s21t317)" userId="a3db8153-261a-4ffb-baa1-abaad328fd73" providerId="ADAL" clId="{1418AA70-33E9-4B69-939A-C06B7A338941}" dt="2024-12-19T11:40:21.142" v="1810" actId="20577"/>
-          <ac:spMkLst>
-            <pc:docMk/>
-            <pc:sldMk cId="285224269" sldId="264"/>
-            <ac:spMk id="4" creationId="{4A079C07-A50C-65CA-56A9-3950E857B18A}"/>
-          </ac:spMkLst>
-        </pc:spChg>
-      </pc:sldChg>
-      <pc:sldChg chg="modSp mod">
-        <pc:chgData name="谷　知紘(s21t317)" userId="a3db8153-261a-4ffb-baa1-abaad328fd73" providerId="ADAL" clId="{1418AA70-33E9-4B69-939A-C06B7A338941}" dt="2024-12-19T12:01:01.736" v="2145" actId="20577"/>
-        <pc:sldMkLst>
-          <pc:docMk/>
-          <pc:sldMk cId="395813214" sldId="265"/>
-        </pc:sldMkLst>
-        <pc:spChg chg="mod">
-          <ac:chgData name="谷　知紘(s21t317)" userId="a3db8153-261a-4ffb-baa1-abaad328fd73" providerId="ADAL" clId="{1418AA70-33E9-4B69-939A-C06B7A338941}" dt="2024-12-19T12:01:01.736" v="2145" actId="20577"/>
-          <ac:spMkLst>
-            <pc:docMk/>
-            <pc:sldMk cId="395813214" sldId="265"/>
-            <ac:spMk id="4" creationId="{8870D87B-6B1C-852C-4BB9-DC4F020333E5}"/>
-          </ac:spMkLst>
-        </pc:spChg>
-        <pc:graphicFrameChg chg="mod">
-          <ac:chgData name="谷　知紘(s21t317)" userId="a3db8153-261a-4ffb-baa1-abaad328fd73" providerId="ADAL" clId="{1418AA70-33E9-4B69-939A-C06B7A338941}" dt="2024-12-19T09:55:16.460" v="427" actId="20577"/>
-          <ac:graphicFrameMkLst>
-            <pc:docMk/>
-            <pc:sldMk cId="395813214" sldId="265"/>
-            <ac:graphicFrameMk id="2" creationId="{F1CB573B-08AF-F44F-E1AD-7D78E4DCD935}"/>
-          </ac:graphicFrameMkLst>
-        </pc:graphicFrameChg>
-      </pc:sldChg>
-      <pc:sldChg chg="addSp modSp mod">
-        <pc:chgData name="谷　知紘(s21t317)" userId="a3db8153-261a-4ffb-baa1-abaad328fd73" providerId="ADAL" clId="{1418AA70-33E9-4B69-939A-C06B7A338941}" dt="2024-12-19T12:20:51.377" v="2288" actId="20577"/>
-        <pc:sldMkLst>
-          <pc:docMk/>
-          <pc:sldMk cId="503107946" sldId="266"/>
-        </pc:sldMkLst>
-        <pc:spChg chg="mod">
-          <ac:chgData name="谷　知紘(s21t317)" userId="a3db8153-261a-4ffb-baa1-abaad328fd73" providerId="ADAL" clId="{1418AA70-33E9-4B69-939A-C06B7A338941}" dt="2024-12-19T10:26:57.255" v="806" actId="20577"/>
-          <ac:spMkLst>
-            <pc:docMk/>
-            <pc:sldMk cId="503107946" sldId="266"/>
-            <ac:spMk id="2" creationId="{0F74D52C-51B1-CFBB-532F-B1DA5B49BF5F}"/>
-          </ac:spMkLst>
-        </pc:spChg>
-        <pc:spChg chg="mod">
-          <ac:chgData name="谷　知紘(s21t317)" userId="a3db8153-261a-4ffb-baa1-abaad328fd73" providerId="ADAL" clId="{1418AA70-33E9-4B69-939A-C06B7A338941}" dt="2024-12-19T11:40:14.262" v="1808" actId="20577"/>
-          <ac:spMkLst>
-            <pc:docMk/>
-            <pc:sldMk cId="503107946" sldId="266"/>
-            <ac:spMk id="4" creationId="{291F9902-FF91-72C4-D9FE-5317FAADEF6F}"/>
-          </ac:spMkLst>
-        </pc:spChg>
-        <pc:spChg chg="mod">
-          <ac:chgData name="谷　知紘(s21t317)" userId="a3db8153-261a-4ffb-baa1-abaad328fd73" providerId="ADAL" clId="{1418AA70-33E9-4B69-939A-C06B7A338941}" dt="2024-12-18T05:05:14.809" v="320" actId="20577"/>
-          <ac:spMkLst>
-            <pc:docMk/>
-            <pc:sldMk cId="503107946" sldId="266"/>
-            <ac:spMk id="5" creationId="{630669D1-3782-36D1-752C-FEA0FC75923F}"/>
-          </ac:spMkLst>
-        </pc:spChg>
-        <pc:spChg chg="add mod">
-          <ac:chgData name="谷　知紘(s21t317)" userId="a3db8153-261a-4ffb-baa1-abaad328fd73" providerId="ADAL" clId="{1418AA70-33E9-4B69-939A-C06B7A338941}" dt="2024-12-18T05:00:28.073" v="0"/>
-          <ac:spMkLst>
-            <pc:docMk/>
-            <pc:sldMk cId="503107946" sldId="266"/>
-            <ac:spMk id="6" creationId="{7B21EF18-243F-07C5-DD7F-79741ED2D7E0}"/>
-          </ac:spMkLst>
-        </pc:spChg>
-        <pc:spChg chg="add mod">
-          <ac:chgData name="谷　知紘(s21t317)" userId="a3db8153-261a-4ffb-baa1-abaad328fd73" providerId="ADAL" clId="{1418AA70-33E9-4B69-939A-C06B7A338941}" dt="2024-12-19T12:20:51.377" v="2288" actId="20577"/>
-          <ac:spMkLst>
-            <pc:docMk/>
-            <pc:sldMk cId="503107946" sldId="266"/>
-            <ac:spMk id="7" creationId="{789173B7-2453-0DC1-BADE-E16F158D78A1}"/>
-          </ac:spMkLst>
-        </pc:spChg>
-        <pc:spChg chg="add mod">
-          <ac:chgData name="谷　知紘(s21t317)" userId="a3db8153-261a-4ffb-baa1-abaad328fd73" providerId="ADAL" clId="{1418AA70-33E9-4B69-939A-C06B7A338941}" dt="2024-12-18T05:07:25.051" v="421" actId="20577"/>
-          <ac:spMkLst>
-            <pc:docMk/>
-            <pc:sldMk cId="503107946" sldId="266"/>
-            <ac:spMk id="8" creationId="{9360DBE4-3A76-9602-13C3-9DFE91E8A04C}"/>
-          </ac:spMkLst>
-        </pc:spChg>
-      </pc:sldChg>
-      <pc:sldChg chg="addSp modSp mod">
-        <pc:chgData name="谷　知紘(s21t317)" userId="a3db8153-261a-4ffb-baa1-abaad328fd73" providerId="ADAL" clId="{1418AA70-33E9-4B69-939A-C06B7A338941}" dt="2024-12-19T13:15:33.099" v="2634" actId="14100"/>
-        <pc:sldMkLst>
-          <pc:docMk/>
-          <pc:sldMk cId="1004728229" sldId="267"/>
-        </pc:sldMkLst>
-        <pc:spChg chg="add mod">
-          <ac:chgData name="谷　知紘(s21t317)" userId="a3db8153-261a-4ffb-baa1-abaad328fd73" providerId="ADAL" clId="{1418AA70-33E9-4B69-939A-C06B7A338941}" dt="2024-12-19T10:02:03.507" v="739" actId="1076"/>
-          <ac:spMkLst>
-            <pc:docMk/>
-            <pc:sldMk cId="1004728229" sldId="267"/>
-            <ac:spMk id="3" creationId="{906ADBBA-B2D6-996E-23B6-82071A5628F8}"/>
-          </ac:spMkLst>
-        </pc:spChg>
-        <pc:spChg chg="mod">
-          <ac:chgData name="谷　知紘(s21t317)" userId="a3db8153-261a-4ffb-baa1-abaad328fd73" providerId="ADAL" clId="{1418AA70-33E9-4B69-939A-C06B7A338941}" dt="2024-12-19T12:00:55.711" v="2141" actId="20577"/>
-          <ac:spMkLst>
-            <pc:docMk/>
-            <pc:sldMk cId="1004728229" sldId="267"/>
-            <ac:spMk id="4" creationId="{4638CAD1-5E2D-3CD0-2878-1DF9BB8AF838}"/>
-          </ac:spMkLst>
-        </pc:spChg>
-        <pc:spChg chg="add mod">
-          <ac:chgData name="谷　知紘(s21t317)" userId="a3db8153-261a-4ffb-baa1-abaad328fd73" providerId="ADAL" clId="{1418AA70-33E9-4B69-939A-C06B7A338941}" dt="2024-12-19T13:15:33.099" v="2634" actId="14100"/>
-          <ac:spMkLst>
-            <pc:docMk/>
-            <pc:sldMk cId="1004728229" sldId="267"/>
-            <ac:spMk id="5" creationId="{B883E4E0-F8E3-D46D-9855-6E2CE59C71EC}"/>
-          </ac:spMkLst>
-        </pc:spChg>
-        <pc:spChg chg="add mod">
-          <ac:chgData name="谷　知紘(s21t317)" userId="a3db8153-261a-4ffb-baa1-abaad328fd73" providerId="ADAL" clId="{1418AA70-33E9-4B69-939A-C06B7A338941}" dt="2024-12-19T10:02:03.507" v="739" actId="1076"/>
-          <ac:spMkLst>
-            <pc:docMk/>
-            <pc:sldMk cId="1004728229" sldId="267"/>
-            <ac:spMk id="6" creationId="{4B97E789-C9DD-2267-D62A-9BF16EFB8429}"/>
-          </ac:spMkLst>
-        </pc:spChg>
-        <pc:spChg chg="add mod">
-          <ac:chgData name="谷　知紘(s21t317)" userId="a3db8153-261a-4ffb-baa1-abaad328fd73" providerId="ADAL" clId="{1418AA70-33E9-4B69-939A-C06B7A338941}" dt="2024-12-19T10:02:03.507" v="739" actId="1076"/>
-          <ac:spMkLst>
-            <pc:docMk/>
-            <pc:sldMk cId="1004728229" sldId="267"/>
-            <ac:spMk id="7" creationId="{F536AF6D-2561-4BDF-C3CD-0A45745E83F2}"/>
-          </ac:spMkLst>
-        </pc:spChg>
-        <pc:spChg chg="add mod">
-          <ac:chgData name="谷　知紘(s21t317)" userId="a3db8153-261a-4ffb-baa1-abaad328fd73" providerId="ADAL" clId="{1418AA70-33E9-4B69-939A-C06B7A338941}" dt="2024-12-19T11:34:41.443" v="1803" actId="1076"/>
-          <ac:spMkLst>
-            <pc:docMk/>
-            <pc:sldMk cId="1004728229" sldId="267"/>
-            <ac:spMk id="8" creationId="{1B1B0D73-CD81-0B72-7770-EBCC5677D992}"/>
-          </ac:spMkLst>
-        </pc:spChg>
-        <pc:spChg chg="add mod">
-          <ac:chgData name="谷　知紘(s21t317)" userId="a3db8153-261a-4ffb-baa1-abaad328fd73" providerId="ADAL" clId="{1418AA70-33E9-4B69-939A-C06B7A338941}" dt="2024-12-19T09:58:46.563" v="483"/>
-          <ac:spMkLst>
-            <pc:docMk/>
-            <pc:sldMk cId="1004728229" sldId="267"/>
-            <ac:spMk id="8" creationId="{6281AE24-8285-C556-A3DF-BFD46E30613A}"/>
-          </ac:spMkLst>
-        </pc:spChg>
-        <pc:spChg chg="add mod">
-          <ac:chgData name="谷　知紘(s21t317)" userId="a3db8153-261a-4ffb-baa1-abaad328fd73" providerId="ADAL" clId="{1418AA70-33E9-4B69-939A-C06B7A338941}" dt="2024-12-19T09:58:46.563" v="483"/>
-          <ac:spMkLst>
-            <pc:docMk/>
-            <pc:sldMk cId="1004728229" sldId="267"/>
-            <ac:spMk id="9" creationId="{9335FAC9-F225-9A9F-7F77-4D867FB1B05E}"/>
-          </ac:spMkLst>
-        </pc:spChg>
-        <pc:spChg chg="add mod">
-          <ac:chgData name="谷　知紘(s21t317)" userId="a3db8153-261a-4ffb-baa1-abaad328fd73" providerId="ADAL" clId="{1418AA70-33E9-4B69-939A-C06B7A338941}" dt="2024-12-19T11:34:44.993" v="1804" actId="1076"/>
-          <ac:spMkLst>
-            <pc:docMk/>
-            <pc:sldMk cId="1004728229" sldId="267"/>
-            <ac:spMk id="10" creationId="{334FB58B-7B24-5522-2D4C-9149BBB23876}"/>
-          </ac:spMkLst>
-        </pc:spChg>
-        <pc:graphicFrameChg chg="add mod">
-          <ac:chgData name="谷　知紘(s21t317)" userId="a3db8153-261a-4ffb-baa1-abaad328fd73" providerId="ADAL" clId="{1418AA70-33E9-4B69-939A-C06B7A338941}" dt="2024-12-19T10:02:03.507" v="739" actId="1076"/>
-          <ac:graphicFrameMkLst>
-            <pc:docMk/>
-            <pc:sldMk cId="1004728229" sldId="267"/>
-            <ac:graphicFrameMk id="2" creationId="{C5A4BBA0-1D97-680D-9C9F-640306C96439}"/>
-          </ac:graphicFrameMkLst>
-        </pc:graphicFrameChg>
-      </pc:sldChg>
-      <pc:sldChg chg="addSp delSp modSp add mod">
-        <pc:chgData name="谷　知紘(s21t317)" userId="a3db8153-261a-4ffb-baa1-abaad328fd73" providerId="ADAL" clId="{1418AA70-33E9-4B69-939A-C06B7A338941}" dt="2024-12-19T12:18:20.366" v="2262" actId="1076"/>
-        <pc:sldMkLst>
-          <pc:docMk/>
-          <pc:sldMk cId="453686876" sldId="268"/>
-        </pc:sldMkLst>
-        <pc:spChg chg="add mod">
-          <ac:chgData name="谷　知紘(s21t317)" userId="a3db8153-261a-4ffb-baa1-abaad328fd73" providerId="ADAL" clId="{1418AA70-33E9-4B69-939A-C06B7A338941}" dt="2024-12-19T11:33:46.313" v="1774" actId="1076"/>
-          <ac:spMkLst>
-            <pc:docMk/>
-            <pc:sldMk cId="453686876" sldId="268"/>
-            <ac:spMk id="2" creationId="{1D7A0A0D-3C12-8AC6-16D9-EAAC6C59ECDF}"/>
-          </ac:spMkLst>
-        </pc:spChg>
-        <pc:spChg chg="add mod">
-          <ac:chgData name="谷　知紘(s21t317)" userId="a3db8153-261a-4ffb-baa1-abaad328fd73" providerId="ADAL" clId="{1418AA70-33E9-4B69-939A-C06B7A338941}" dt="2024-12-19T11:30:01.346" v="1727" actId="1076"/>
-          <ac:spMkLst>
-            <pc:docMk/>
-            <pc:sldMk cId="453686876" sldId="268"/>
-            <ac:spMk id="3" creationId="{C9A7FE81-96B7-6896-C2DC-150DEB4C9DF8}"/>
-          </ac:spMkLst>
-        </pc:spChg>
-        <pc:spChg chg="mod">
-          <ac:chgData name="谷　知紘(s21t317)" userId="a3db8153-261a-4ffb-baa1-abaad328fd73" providerId="ADAL" clId="{1418AA70-33E9-4B69-939A-C06B7A338941}" dt="2024-12-19T10:29:44.527" v="927" actId="20577"/>
-          <ac:spMkLst>
-            <pc:docMk/>
-            <pc:sldMk cId="453686876" sldId="268"/>
-            <ac:spMk id="4" creationId="{1631217F-F414-275E-1FF3-B711815919A9}"/>
-          </ac:spMkLst>
-        </pc:spChg>
-        <pc:spChg chg="add mod">
-          <ac:chgData name="谷　知紘(s21t317)" userId="a3db8153-261a-4ffb-baa1-abaad328fd73" providerId="ADAL" clId="{1418AA70-33E9-4B69-939A-C06B7A338941}" dt="2024-12-19T11:30:01.346" v="1727" actId="1076"/>
-          <ac:spMkLst>
-            <pc:docMk/>
-            <pc:sldMk cId="453686876" sldId="268"/>
-            <ac:spMk id="5" creationId="{6490DFAB-6309-AEFF-72FD-899349219EE6}"/>
-          </ac:spMkLst>
-        </pc:spChg>
-        <pc:spChg chg="add mod">
-          <ac:chgData name="谷　知紘(s21t317)" userId="a3db8153-261a-4ffb-baa1-abaad328fd73" providerId="ADAL" clId="{1418AA70-33E9-4B69-939A-C06B7A338941}" dt="2024-12-19T11:30:01.346" v="1727" actId="1076"/>
-          <ac:spMkLst>
-            <pc:docMk/>
-            <pc:sldMk cId="453686876" sldId="268"/>
-            <ac:spMk id="6" creationId="{0B5C3120-6018-F3E0-B910-2E4A1BEB02E7}"/>
-          </ac:spMkLst>
-        </pc:spChg>
-        <pc:spChg chg="add mod">
-          <ac:chgData name="谷　知紘(s21t317)" userId="a3db8153-261a-4ffb-baa1-abaad328fd73" providerId="ADAL" clId="{1418AA70-33E9-4B69-939A-C06B7A338941}" dt="2024-12-19T11:30:01.346" v="1727" actId="1076"/>
-          <ac:spMkLst>
-            <pc:docMk/>
-            <pc:sldMk cId="453686876" sldId="268"/>
-            <ac:spMk id="7" creationId="{D135A86F-1377-64C9-0D42-D0E5946FCFA4}"/>
-          </ac:spMkLst>
-        </pc:spChg>
-        <pc:spChg chg="add del mod">
-          <ac:chgData name="谷　知紘(s21t317)" userId="a3db8153-261a-4ffb-baa1-abaad328fd73" providerId="ADAL" clId="{1418AA70-33E9-4B69-939A-C06B7A338941}" dt="2024-12-19T11:17:01.332" v="1687" actId="478"/>
-          <ac:spMkLst>
-            <pc:docMk/>
-            <pc:sldMk cId="453686876" sldId="268"/>
-            <ac:spMk id="8" creationId="{717A1FB9-36C6-FAAD-B060-DE32BA2A2B83}"/>
-          </ac:spMkLst>
-        </pc:spChg>
-        <pc:spChg chg="add del mod">
-          <ac:chgData name="谷　知紘(s21t317)" userId="a3db8153-261a-4ffb-baa1-abaad328fd73" providerId="ADAL" clId="{1418AA70-33E9-4B69-939A-C06B7A338941}" dt="2024-12-19T12:17:07.285" v="2236" actId="478"/>
-          <ac:spMkLst>
-            <pc:docMk/>
-            <pc:sldMk cId="453686876" sldId="268"/>
-            <ac:spMk id="8" creationId="{7BCE9074-9F66-4531-3E6D-49DEA50E821F}"/>
-          </ac:spMkLst>
-        </pc:spChg>
-        <pc:spChg chg="add mod">
-          <ac:chgData name="谷　知紘(s21t317)" userId="a3db8153-261a-4ffb-baa1-abaad328fd73" providerId="ADAL" clId="{1418AA70-33E9-4B69-939A-C06B7A338941}" dt="2024-12-19T12:17:52.023" v="2260" actId="1076"/>
-          <ac:spMkLst>
-            <pc:docMk/>
-            <pc:sldMk cId="453686876" sldId="268"/>
-            <ac:spMk id="9" creationId="{00A5FC8F-AA50-C1EC-CCBD-A983960FFCF7}"/>
-          </ac:spMkLst>
-        </pc:spChg>
-        <pc:spChg chg="add del mod">
-          <ac:chgData name="谷　知紘(s21t317)" userId="a3db8153-261a-4ffb-baa1-abaad328fd73" providerId="ADAL" clId="{1418AA70-33E9-4B69-939A-C06B7A338941}" dt="2024-12-19T11:15:39.159" v="1552" actId="478"/>
-          <ac:spMkLst>
-            <pc:docMk/>
-            <pc:sldMk cId="453686876" sldId="268"/>
-            <ac:spMk id="9" creationId="{E5BDCDCE-26B4-56C9-FA7F-069325B921ED}"/>
-          </ac:spMkLst>
-        </pc:spChg>
-        <pc:spChg chg="add mod">
-          <ac:chgData name="谷　知紘(s21t317)" userId="a3db8153-261a-4ffb-baa1-abaad328fd73" providerId="ADAL" clId="{1418AA70-33E9-4B69-939A-C06B7A338941}" dt="2024-12-19T12:18:20.366" v="2262" actId="1076"/>
-          <ac:spMkLst>
-            <pc:docMk/>
-            <pc:sldMk cId="453686876" sldId="268"/>
-            <ac:spMk id="10" creationId="{4A0600FE-C7FA-FFD6-C961-6A1D0E1268AA}"/>
-          </ac:spMkLst>
-        </pc:spChg>
-        <pc:spChg chg="add del mod">
-          <ac:chgData name="谷　知紘(s21t317)" userId="a3db8153-261a-4ffb-baa1-abaad328fd73" providerId="ADAL" clId="{1418AA70-33E9-4B69-939A-C06B7A338941}" dt="2024-12-19T11:56:58.675" v="1978" actId="478"/>
-          <ac:spMkLst>
-            <pc:docMk/>
-            <pc:sldMk cId="453686876" sldId="268"/>
-            <ac:spMk id="10" creationId="{F8E2F734-CD9B-1F2E-2F33-2FA4F178DFF9}"/>
-          </ac:spMkLst>
-        </pc:spChg>
-        <pc:spChg chg="add del mod">
-          <ac:chgData name="谷　知紘(s21t317)" userId="a3db8153-261a-4ffb-baa1-abaad328fd73" providerId="ADAL" clId="{1418AA70-33E9-4B69-939A-C06B7A338941}" dt="2024-12-19T12:17:25.602" v="2255" actId="478"/>
-          <ac:spMkLst>
-            <pc:docMk/>
-            <pc:sldMk cId="453686876" sldId="268"/>
-            <ac:spMk id="11" creationId="{66372368-62C0-EE0A-3E3E-5840A7EA3F7A}"/>
-          </ac:spMkLst>
-        </pc:spChg>
-        <pc:spChg chg="add mod">
-          <ac:chgData name="谷　知紘(s21t317)" userId="a3db8153-261a-4ffb-baa1-abaad328fd73" providerId="ADAL" clId="{1418AA70-33E9-4B69-939A-C06B7A338941}" dt="2024-12-19T12:17:52.023" v="2260" actId="1076"/>
-          <ac:spMkLst>
-            <pc:docMk/>
-            <pc:sldMk cId="453686876" sldId="268"/>
-            <ac:spMk id="12" creationId="{15432817-DC74-949A-509E-2CF7BDD6724E}"/>
-          </ac:spMkLst>
-        </pc:spChg>
-        <pc:spChg chg="add mod">
-          <ac:chgData name="谷　知紘(s21t317)" userId="a3db8153-261a-4ffb-baa1-abaad328fd73" providerId="ADAL" clId="{1418AA70-33E9-4B69-939A-C06B7A338941}" dt="2024-12-19T12:17:52.023" v="2260" actId="1076"/>
-          <ac:spMkLst>
-            <pc:docMk/>
-            <pc:sldMk cId="453686876" sldId="268"/>
-            <ac:spMk id="13" creationId="{66BAC752-59C8-16C3-1348-5BA6D8806499}"/>
-          </ac:spMkLst>
-        </pc:spChg>
-        <pc:spChg chg="add mod">
-          <ac:chgData name="谷　知紘(s21t317)" userId="a3db8153-261a-4ffb-baa1-abaad328fd73" providerId="ADAL" clId="{1418AA70-33E9-4B69-939A-C06B7A338941}" dt="2024-12-19T12:18:20.366" v="2262" actId="1076"/>
-          <ac:spMkLst>
-            <pc:docMk/>
-            <pc:sldMk cId="453686876" sldId="268"/>
-            <ac:spMk id="14" creationId="{8135C708-6813-C16C-C6AE-47D763A4170B}"/>
-          </ac:spMkLst>
-        </pc:spChg>
-      </pc:sldChg>
-      <pc:sldChg chg="addSp modSp add mod">
-        <pc:chgData name="谷　知紘(s21t317)" userId="a3db8153-261a-4ffb-baa1-abaad328fd73" providerId="ADAL" clId="{1418AA70-33E9-4B69-939A-C06B7A338941}" dt="2024-12-20T11:35:14.549" v="2909" actId="1076"/>
+        <pc:chgData name="谷　知紘(s21t317)" userId="a3db8153-261a-4ffb-baa1-abaad328fd73" providerId="ADAL" clId="{6C2B5661-DEFF-4BF7-8687-B5D5C7F51A35}" dt="2024-12-21T02:14:30.570" v="1336" actId="1076"/>
         <pc:sldMkLst>
           <pc:docMk/>
           <pc:sldMk cId="2962790074" sldId="269"/>
         </pc:sldMkLst>
-        <pc:spChg chg="add mod">
-          <ac:chgData name="谷　知紘(s21t317)" userId="a3db8153-261a-4ffb-baa1-abaad328fd73" providerId="ADAL" clId="{1418AA70-33E9-4B69-939A-C06B7A338941}" dt="2024-12-20T11:34:35.263" v="2908" actId="1076"/>
+        <pc:spChg chg="del mod">
+          <ac:chgData name="谷　知紘(s21t317)" userId="a3db8153-261a-4ffb-baa1-abaad328fd73" providerId="ADAL" clId="{6C2B5661-DEFF-4BF7-8687-B5D5C7F51A35}" dt="2024-12-21T01:34:56.046" v="967" actId="478"/>
           <ac:spMkLst>
             <pc:docMk/>
             <pc:sldMk cId="2962790074" sldId="269"/>
             <ac:spMk id="2" creationId="{5F155457-3742-B26B-2DE7-E01FAB5EDD5D}"/>
           </ac:spMkLst>
         </pc:spChg>
-        <pc:spChg chg="add mod">
-          <ac:chgData name="谷　知紘(s21t317)" userId="a3db8153-261a-4ffb-baa1-abaad328fd73" providerId="ADAL" clId="{1418AA70-33E9-4B69-939A-C06B7A338941}" dt="2024-12-20T11:34:35.263" v="2908" actId="1076"/>
+        <pc:spChg chg="del mod">
+          <ac:chgData name="谷　知紘(s21t317)" userId="a3db8153-261a-4ffb-baa1-abaad328fd73" providerId="ADAL" clId="{6C2B5661-DEFF-4BF7-8687-B5D5C7F51A35}" dt="2024-12-21T01:34:44.752" v="964" actId="478"/>
           <ac:spMkLst>
             <pc:docMk/>
             <pc:sldMk cId="2962790074" sldId="269"/>
@@ -909,662 +169,106 @@
           </ac:spMkLst>
         </pc:spChg>
         <pc:spChg chg="mod">
-          <ac:chgData name="谷　知紘(s21t317)" userId="a3db8153-261a-4ffb-baa1-abaad328fd73" providerId="ADAL" clId="{1418AA70-33E9-4B69-939A-C06B7A338941}" dt="2024-12-19T12:19:29.375" v="2280" actId="20577"/>
-          <ac:spMkLst>
-            <pc:docMk/>
-            <pc:sldMk cId="2962790074" sldId="269"/>
-            <ac:spMk id="4" creationId="{4EB27919-E40E-692F-BBDD-AA62939738F2}"/>
-          </ac:spMkLst>
-        </pc:spChg>
-        <pc:spChg chg="add mod">
-          <ac:chgData name="谷　知紘(s21t317)" userId="a3db8153-261a-4ffb-baa1-abaad328fd73" providerId="ADAL" clId="{1418AA70-33E9-4B69-939A-C06B7A338941}" dt="2024-12-20T11:35:14.549" v="2909" actId="1076"/>
+          <ac:chgData name="谷　知紘(s21t317)" userId="a3db8153-261a-4ffb-baa1-abaad328fd73" providerId="ADAL" clId="{6C2B5661-DEFF-4BF7-8687-B5D5C7F51A35}" dt="2024-12-21T02:14:22.436" v="1335" actId="14100"/>
           <ac:spMkLst>
             <pc:docMk/>
             <pc:sldMk cId="2962790074" sldId="269"/>
             <ac:spMk id="5" creationId="{F8EAA5F7-8A94-F476-F717-24A6B4D6BA32}"/>
           </ac:spMkLst>
         </pc:spChg>
+        <pc:spChg chg="add mod">
+          <ac:chgData name="谷　知紘(s21t317)" userId="a3db8153-261a-4ffb-baa1-abaad328fd73" providerId="ADAL" clId="{6C2B5661-DEFF-4BF7-8687-B5D5C7F51A35}" dt="2024-12-21T02:14:30.570" v="1336" actId="1076"/>
+          <ac:spMkLst>
+            <pc:docMk/>
+            <pc:sldMk cId="2962790074" sldId="269"/>
+            <ac:spMk id="6" creationId="{B4A17AAC-AF59-D8F2-78D4-9787B7DD98D7}"/>
+          </ac:spMkLst>
+        </pc:spChg>
+        <pc:spChg chg="add mod">
+          <ac:chgData name="谷　知紘(s21t317)" userId="a3db8153-261a-4ffb-baa1-abaad328fd73" providerId="ADAL" clId="{6C2B5661-DEFF-4BF7-8687-B5D5C7F51A35}" dt="2024-12-21T02:14:30.570" v="1336" actId="1076"/>
+          <ac:spMkLst>
+            <pc:docMk/>
+            <pc:sldMk cId="2962790074" sldId="269"/>
+            <ac:spMk id="7" creationId="{5CE81C9E-6DBF-2DE1-CFBE-A2D37B22F29F}"/>
+          </ac:spMkLst>
+        </pc:spChg>
+        <pc:spChg chg="add mod">
+          <ac:chgData name="谷　知紘(s21t317)" userId="a3db8153-261a-4ffb-baa1-abaad328fd73" providerId="ADAL" clId="{6C2B5661-DEFF-4BF7-8687-B5D5C7F51A35}" dt="2024-12-21T01:55:37.454" v="1059" actId="1076"/>
+          <ac:spMkLst>
+            <pc:docMk/>
+            <pc:sldMk cId="2962790074" sldId="269"/>
+            <ac:spMk id="8" creationId="{D7EFD76B-7061-06EC-4A8A-F584BCC71157}"/>
+          </ac:spMkLst>
+        </pc:spChg>
       </pc:sldChg>
-      <pc:sldChg chg="add del">
-        <pc:chgData name="谷　知紘(s21t317)" userId="a3db8153-261a-4ffb-baa1-abaad328fd73" providerId="ADAL" clId="{1418AA70-33E9-4B69-939A-C06B7A338941}" dt="2024-12-19T12:21:45.525" v="2290" actId="2696"/>
-        <pc:sldMkLst>
-          <pc:docMk/>
-          <pc:sldMk cId="3416136059" sldId="270"/>
-        </pc:sldMkLst>
-      </pc:sldChg>
-      <pc:sldChg chg="add">
-        <pc:chgData name="谷　知紘(s21t317)" userId="a3db8153-261a-4ffb-baa1-abaad328fd73" providerId="ADAL" clId="{1418AA70-33E9-4B69-939A-C06B7A338941}" dt="2024-12-19T12:21:41.687" v="2289" actId="2890"/>
+      <pc:sldChg chg="addSp modSp mod">
+        <pc:chgData name="谷　知紘(s21t317)" userId="a3db8153-261a-4ffb-baa1-abaad328fd73" providerId="ADAL" clId="{6C2B5661-DEFF-4BF7-8687-B5D5C7F51A35}" dt="2024-12-21T02:12:30.914" v="1329" actId="20577"/>
         <pc:sldMkLst>
           <pc:docMk/>
           <pc:sldMk cId="539303649" sldId="271"/>
         </pc:sldMkLst>
-      </pc:sldChg>
-    </pc:docChg>
-  </pc:docChgLst>
-  <pc:docChgLst>
-    <pc:chgData name="谷　知紘(s21t317)" userId="a3db8153-261a-4ffb-baa1-abaad328fd73" providerId="ADAL" clId="{CF3E7ECF-B960-40AF-B4C7-DEE912BB0699}"/>
-    <pc:docChg chg="undo redo custSel addSld delSld modSld sldOrd">
-      <pc:chgData name="谷　知紘(s21t317)" userId="a3db8153-261a-4ffb-baa1-abaad328fd73" providerId="ADAL" clId="{CF3E7ECF-B960-40AF-B4C7-DEE912BB0699}" dt="2024-12-16T10:38:05.760" v="3498" actId="2696"/>
-      <pc:docMkLst>
-        <pc:docMk/>
-      </pc:docMkLst>
-      <pc:sldChg chg="modSp new mod">
-        <pc:chgData name="谷　知紘(s21t317)" userId="a3db8153-261a-4ffb-baa1-abaad328fd73" providerId="ADAL" clId="{CF3E7ECF-B960-40AF-B4C7-DEE912BB0699}" dt="2024-12-13T06:40:35.710" v="209" actId="20577"/>
-        <pc:sldMkLst>
-          <pc:docMk/>
-          <pc:sldMk cId="718283160" sldId="256"/>
-        </pc:sldMkLst>
         <pc:spChg chg="mod">
-          <ac:chgData name="谷　知紘(s21t317)" userId="a3db8153-261a-4ffb-baa1-abaad328fd73" providerId="ADAL" clId="{CF3E7ECF-B960-40AF-B4C7-DEE912BB0699}" dt="2024-12-13T06:40:35.710" v="209" actId="20577"/>
+          <ac:chgData name="谷　知紘(s21t317)" userId="a3db8153-261a-4ffb-baa1-abaad328fd73" providerId="ADAL" clId="{6C2B5661-DEFF-4BF7-8687-B5D5C7F51A35}" dt="2024-12-21T01:37:42.064" v="1021" actId="20577"/>
           <ac:spMkLst>
             <pc:docMk/>
-            <pc:sldMk cId="718283160" sldId="256"/>
-            <ac:spMk id="2" creationId="{18C6D386-1B3F-B5F9-C1F8-2BE64DD0FEF4}"/>
-          </ac:spMkLst>
-        </pc:spChg>
-        <pc:spChg chg="mod">
-          <ac:chgData name="谷　知紘(s21t317)" userId="a3db8153-261a-4ffb-baa1-abaad328fd73" providerId="ADAL" clId="{CF3E7ECF-B960-40AF-B4C7-DEE912BB0699}" dt="2024-12-13T06:37:18.620" v="190" actId="1076"/>
-          <ac:spMkLst>
-            <pc:docMk/>
-            <pc:sldMk cId="718283160" sldId="256"/>
-            <ac:spMk id="3" creationId="{7B234B73-E1E5-3D13-46EE-63E7B3E21F12}"/>
-          </ac:spMkLst>
-        </pc:spChg>
-      </pc:sldChg>
-      <pc:sldChg chg="modSp new del mod">
-        <pc:chgData name="谷　知紘(s21t317)" userId="a3db8153-261a-4ffb-baa1-abaad328fd73" providerId="ADAL" clId="{CF3E7ECF-B960-40AF-B4C7-DEE912BB0699}" dt="2024-12-13T06:30:40.730" v="78" actId="680"/>
-        <pc:sldMkLst>
-          <pc:docMk/>
-          <pc:sldMk cId="1288566691" sldId="256"/>
-        </pc:sldMkLst>
-      </pc:sldChg>
-      <pc:sldChg chg="addSp delSp modSp new mod">
-        <pc:chgData name="谷　知紘(s21t317)" userId="a3db8153-261a-4ffb-baa1-abaad328fd73" providerId="ADAL" clId="{CF3E7ECF-B960-40AF-B4C7-DEE912BB0699}" dt="2024-12-13T06:55:56.841" v="263" actId="2711"/>
-        <pc:sldMkLst>
-          <pc:docMk/>
-          <pc:sldMk cId="1542432316" sldId="257"/>
-        </pc:sldMkLst>
-        <pc:spChg chg="add mod">
-          <ac:chgData name="谷　知紘(s21t317)" userId="a3db8153-261a-4ffb-baa1-abaad328fd73" providerId="ADAL" clId="{CF3E7ECF-B960-40AF-B4C7-DEE912BB0699}" dt="2024-12-13T06:39:42.908" v="197" actId="207"/>
-          <ac:spMkLst>
-            <pc:docMk/>
-            <pc:sldMk cId="1542432316" sldId="257"/>
-            <ac:spMk id="4" creationId="{1A138E1B-137A-67C4-F6A7-AB664C8BECBE}"/>
+            <pc:sldMk cId="539303649" sldId="271"/>
+            <ac:spMk id="4" creationId="{2E26D668-2126-9EB0-CDCF-C2AEBD97B08B}"/>
           </ac:spMkLst>
         </pc:spChg>
         <pc:spChg chg="add mod">
-          <ac:chgData name="谷　知紘(s21t317)" userId="a3db8153-261a-4ffb-baa1-abaad328fd73" providerId="ADAL" clId="{CF3E7ECF-B960-40AF-B4C7-DEE912BB0699}" dt="2024-12-13T06:48:26.221" v="223" actId="1076"/>
+          <ac:chgData name="谷　知紘(s21t317)" userId="a3db8153-261a-4ffb-baa1-abaad328fd73" providerId="ADAL" clId="{6C2B5661-DEFF-4BF7-8687-B5D5C7F51A35}" dt="2024-12-21T01:57:39.372" v="1062" actId="1076"/>
           <ac:spMkLst>
             <pc:docMk/>
-            <pc:sldMk cId="1542432316" sldId="257"/>
-            <ac:spMk id="5" creationId="{87A180B6-291F-53A1-A3EA-115C9A1E1B11}"/>
+            <pc:sldMk cId="539303649" sldId="271"/>
+            <ac:spMk id="7" creationId="{A22966D0-9325-15C1-3CB0-40A1AD706025}"/>
           </ac:spMkLst>
         </pc:spChg>
         <pc:spChg chg="add mod">
-          <ac:chgData name="谷　知紘(s21t317)" userId="a3db8153-261a-4ffb-baa1-abaad328fd73" providerId="ADAL" clId="{CF3E7ECF-B960-40AF-B4C7-DEE912BB0699}" dt="2024-12-13T06:48:26.221" v="223" actId="1076"/>
+          <ac:chgData name="谷　知紘(s21t317)" userId="a3db8153-261a-4ffb-baa1-abaad328fd73" providerId="ADAL" clId="{6C2B5661-DEFF-4BF7-8687-B5D5C7F51A35}" dt="2024-12-21T02:12:30.914" v="1329" actId="20577"/>
           <ac:spMkLst>
             <pc:docMk/>
-            <pc:sldMk cId="1542432316" sldId="257"/>
-            <ac:spMk id="6" creationId="{3ED740E1-1D70-75FD-6FFB-9B14D142B3AB}"/>
-          </ac:spMkLst>
-        </pc:spChg>
-        <pc:spChg chg="add mod">
-          <ac:chgData name="谷　知紘(s21t317)" userId="a3db8153-261a-4ffb-baa1-abaad328fd73" providerId="ADAL" clId="{CF3E7ECF-B960-40AF-B4C7-DEE912BB0699}" dt="2024-12-13T06:55:49.103" v="262" actId="2711"/>
-          <ac:spMkLst>
-            <pc:docMk/>
-            <pc:sldMk cId="1542432316" sldId="257"/>
-            <ac:spMk id="7" creationId="{486D1A32-5A97-3D56-94A6-DB7870C85C59}"/>
-          </ac:spMkLst>
-        </pc:spChg>
-        <pc:spChg chg="add mod">
-          <ac:chgData name="谷　知紘(s21t317)" userId="a3db8153-261a-4ffb-baa1-abaad328fd73" providerId="ADAL" clId="{CF3E7ECF-B960-40AF-B4C7-DEE912BB0699}" dt="2024-12-13T06:48:26.221" v="223" actId="1076"/>
-          <ac:spMkLst>
-            <pc:docMk/>
-            <pc:sldMk cId="1542432316" sldId="257"/>
-            <ac:spMk id="8" creationId="{97E58242-0B4C-1E3C-A963-0816D61834EF}"/>
-          </ac:spMkLst>
-        </pc:spChg>
-        <pc:spChg chg="add mod">
-          <ac:chgData name="谷　知紘(s21t317)" userId="a3db8153-261a-4ffb-baa1-abaad328fd73" providerId="ADAL" clId="{CF3E7ECF-B960-40AF-B4C7-DEE912BB0699}" dt="2024-12-13T06:55:56.841" v="263" actId="2711"/>
-          <ac:spMkLst>
-            <pc:docMk/>
-            <pc:sldMk cId="1542432316" sldId="257"/>
-            <ac:spMk id="9" creationId="{B5AF694B-054C-7F1B-C235-BA8346795BEE}"/>
-          </ac:spMkLst>
-        </pc:spChg>
-      </pc:sldChg>
-      <pc:sldChg chg="addSp delSp modSp add mod">
-        <pc:chgData name="谷　知紘(s21t317)" userId="a3db8153-261a-4ffb-baa1-abaad328fd73" providerId="ADAL" clId="{CF3E7ECF-B960-40AF-B4C7-DEE912BB0699}" dt="2024-12-13T06:54:58.879" v="260" actId="947"/>
-        <pc:sldMkLst>
-          <pc:docMk/>
-          <pc:sldMk cId="2104044874" sldId="258"/>
-        </pc:sldMkLst>
-        <pc:spChg chg="add mod">
-          <ac:chgData name="谷　知紘(s21t317)" userId="a3db8153-261a-4ffb-baa1-abaad328fd73" providerId="ADAL" clId="{CF3E7ECF-B960-40AF-B4C7-DEE912BB0699}" dt="2024-12-13T06:54:58.879" v="260" actId="947"/>
-          <ac:spMkLst>
-            <pc:docMk/>
-            <pc:sldMk cId="2104044874" sldId="258"/>
-            <ac:spMk id="2" creationId="{205EA8B0-5057-EE8E-2EE4-CE276770C115}"/>
-          </ac:spMkLst>
-        </pc:spChg>
-        <pc:spChg chg="add mod">
-          <ac:chgData name="谷　知紘(s21t317)" userId="a3db8153-261a-4ffb-baa1-abaad328fd73" providerId="ADAL" clId="{CF3E7ECF-B960-40AF-B4C7-DEE912BB0699}" dt="2024-12-13T06:54:03.859" v="256" actId="947"/>
-          <ac:spMkLst>
-            <pc:docMk/>
-            <pc:sldMk cId="2104044874" sldId="258"/>
-            <ac:spMk id="3" creationId="{D5246B0C-A978-610E-3BB1-3F7FDB43B150}"/>
-          </ac:spMkLst>
-        </pc:spChg>
-        <pc:spChg chg="add mod">
-          <ac:chgData name="谷　知紘(s21t317)" userId="a3db8153-261a-4ffb-baa1-abaad328fd73" providerId="ADAL" clId="{CF3E7ECF-B960-40AF-B4C7-DEE912BB0699}" dt="2024-12-13T06:48:57.491" v="226" actId="1076"/>
-          <ac:spMkLst>
-            <pc:docMk/>
-            <pc:sldMk cId="2104044874" sldId="258"/>
-            <ac:spMk id="11" creationId="{9B1F3774-DDAC-E3BF-9B71-B3ED62AD7FC3}"/>
-          </ac:spMkLst>
-        </pc:spChg>
-        <pc:spChg chg="add mod">
-          <ac:chgData name="谷　知紘(s21t317)" userId="a3db8153-261a-4ffb-baa1-abaad328fd73" providerId="ADAL" clId="{CF3E7ECF-B960-40AF-B4C7-DEE912BB0699}" dt="2024-12-13T06:54:50.841" v="259" actId="947"/>
-          <ac:spMkLst>
-            <pc:docMk/>
-            <pc:sldMk cId="2104044874" sldId="258"/>
-            <ac:spMk id="12" creationId="{A68D9F84-5E03-FD5E-4189-BC81DF24ECFB}"/>
-          </ac:spMkLst>
-        </pc:spChg>
-      </pc:sldChg>
-      <pc:sldChg chg="addSp delSp modSp add mod">
-        <pc:chgData name="谷　知紘(s21t317)" userId="a3db8153-261a-4ffb-baa1-abaad328fd73" providerId="ADAL" clId="{CF3E7ECF-B960-40AF-B4C7-DEE912BB0699}" dt="2024-12-13T07:18:08.906" v="834" actId="20577"/>
-        <pc:sldMkLst>
-          <pc:docMk/>
-          <pc:sldMk cId="3849086588" sldId="259"/>
-        </pc:sldMkLst>
-        <pc:spChg chg="mod">
-          <ac:chgData name="谷　知紘(s21t317)" userId="a3db8153-261a-4ffb-baa1-abaad328fd73" providerId="ADAL" clId="{CF3E7ECF-B960-40AF-B4C7-DEE912BB0699}" dt="2024-12-13T06:52:45.401" v="253" actId="20577"/>
-          <ac:spMkLst>
-            <pc:docMk/>
-            <pc:sldMk cId="3849086588" sldId="259"/>
-            <ac:spMk id="4" creationId="{321FFFBA-BAB1-E76D-DD30-AD0CEB575C14}"/>
-          </ac:spMkLst>
-        </pc:spChg>
-        <pc:spChg chg="add mod">
-          <ac:chgData name="谷　知紘(s21t317)" userId="a3db8153-261a-4ffb-baa1-abaad328fd73" providerId="ADAL" clId="{CF3E7ECF-B960-40AF-B4C7-DEE912BB0699}" dt="2024-12-13T07:05:32.408" v="519" actId="1076"/>
-          <ac:spMkLst>
-            <pc:docMk/>
-            <pc:sldMk cId="3849086588" sldId="259"/>
-            <ac:spMk id="5" creationId="{07FD732C-3642-BCB4-8BA4-2CA21985F665}"/>
-          </ac:spMkLst>
-        </pc:spChg>
-        <pc:spChg chg="add mod">
-          <ac:chgData name="谷　知紘(s21t317)" userId="a3db8153-261a-4ffb-baa1-abaad328fd73" providerId="ADAL" clId="{CF3E7ECF-B960-40AF-B4C7-DEE912BB0699}" dt="2024-12-13T07:05:27.901" v="518" actId="1076"/>
-          <ac:spMkLst>
-            <pc:docMk/>
-            <pc:sldMk cId="3849086588" sldId="259"/>
-            <ac:spMk id="6" creationId="{DA6C0797-D9AC-9F29-B126-006118C93193}"/>
-          </ac:spMkLst>
-        </pc:spChg>
-        <pc:spChg chg="add mod">
-          <ac:chgData name="谷　知紘(s21t317)" userId="a3db8153-261a-4ffb-baa1-abaad328fd73" providerId="ADAL" clId="{CF3E7ECF-B960-40AF-B4C7-DEE912BB0699}" dt="2024-12-13T07:18:08.906" v="834" actId="20577"/>
-          <ac:spMkLst>
-            <pc:docMk/>
-            <pc:sldMk cId="3849086588" sldId="259"/>
-            <ac:spMk id="10" creationId="{3EC8EDBF-00DA-76EA-4E81-B20E1F0D63AF}"/>
-          </ac:spMkLst>
-        </pc:spChg>
-      </pc:sldChg>
-      <pc:sldChg chg="addSp delSp modSp add mod">
-        <pc:chgData name="谷　知紘(s21t317)" userId="a3db8153-261a-4ffb-baa1-abaad328fd73" providerId="ADAL" clId="{CF3E7ECF-B960-40AF-B4C7-DEE912BB0699}" dt="2024-12-15T12:58:14.164" v="1167" actId="20577"/>
-        <pc:sldMkLst>
-          <pc:docMk/>
-          <pc:sldMk cId="117810025" sldId="260"/>
-        </pc:sldMkLst>
-        <pc:spChg chg="mod">
-          <ac:chgData name="谷　知紘(s21t317)" userId="a3db8153-261a-4ffb-baa1-abaad328fd73" providerId="ADAL" clId="{CF3E7ECF-B960-40AF-B4C7-DEE912BB0699}" dt="2024-12-13T07:19:13.804" v="839"/>
-          <ac:spMkLst>
-            <pc:docMk/>
-            <pc:sldMk cId="117810025" sldId="260"/>
-            <ac:spMk id="4" creationId="{D3334862-574C-AB42-4F1C-FA410AE9ECC8}"/>
-          </ac:spMkLst>
-        </pc:spChg>
-        <pc:spChg chg="add mod">
-          <ac:chgData name="谷　知紘(s21t317)" userId="a3db8153-261a-4ffb-baa1-abaad328fd73" providerId="ADAL" clId="{CF3E7ECF-B960-40AF-B4C7-DEE912BB0699}" dt="2024-12-13T07:48:14.644" v="857" actId="1076"/>
-          <ac:spMkLst>
-            <pc:docMk/>
-            <pc:sldMk cId="117810025" sldId="260"/>
-            <ac:spMk id="5" creationId="{A840EDA7-1040-9513-6B5C-A42180115C4B}"/>
-          </ac:spMkLst>
-        </pc:spChg>
-        <pc:spChg chg="add mod">
-          <ac:chgData name="谷　知紘(s21t317)" userId="a3db8153-261a-4ffb-baa1-abaad328fd73" providerId="ADAL" clId="{CF3E7ECF-B960-40AF-B4C7-DEE912BB0699}" dt="2024-12-13T07:48:17.206" v="858" actId="1076"/>
-          <ac:spMkLst>
-            <pc:docMk/>
-            <pc:sldMk cId="117810025" sldId="260"/>
-            <ac:spMk id="6" creationId="{965F20B3-E870-F660-8F4E-5FA2D239A0E1}"/>
-          </ac:spMkLst>
-        </pc:spChg>
-        <pc:spChg chg="add mod">
-          <ac:chgData name="谷　知紘(s21t317)" userId="a3db8153-261a-4ffb-baa1-abaad328fd73" providerId="ADAL" clId="{CF3E7ECF-B960-40AF-B4C7-DEE912BB0699}" dt="2024-12-13T07:51:25.124" v="904" actId="1076"/>
-          <ac:spMkLst>
-            <pc:docMk/>
-            <pc:sldMk cId="117810025" sldId="260"/>
-            <ac:spMk id="8" creationId="{B8B785CA-88B2-2747-44DD-4A4CAE753571}"/>
-          </ac:spMkLst>
-        </pc:spChg>
-        <pc:spChg chg="add mod">
-          <ac:chgData name="谷　知紘(s21t317)" userId="a3db8153-261a-4ffb-baa1-abaad328fd73" providerId="ADAL" clId="{CF3E7ECF-B960-40AF-B4C7-DEE912BB0699}" dt="2024-12-13T07:48:20.609" v="859" actId="1076"/>
-          <ac:spMkLst>
-            <pc:docMk/>
-            <pc:sldMk cId="117810025" sldId="260"/>
-            <ac:spMk id="10" creationId="{66FBDD28-E41C-FC35-608A-4505E6A94018}"/>
-          </ac:spMkLst>
-        </pc:spChg>
-        <pc:spChg chg="add mod">
-          <ac:chgData name="谷　知紘(s21t317)" userId="a3db8153-261a-4ffb-baa1-abaad328fd73" providerId="ADAL" clId="{CF3E7ECF-B960-40AF-B4C7-DEE912BB0699}" dt="2024-12-13T07:48:27.234" v="861" actId="1076"/>
-          <ac:spMkLst>
-            <pc:docMk/>
-            <pc:sldMk cId="117810025" sldId="260"/>
-            <ac:spMk id="11" creationId="{F97B7671-B12F-0FE4-0704-F18CA696AD01}"/>
-          </ac:spMkLst>
-        </pc:spChg>
-        <pc:spChg chg="add mod">
-          <ac:chgData name="谷　知紘(s21t317)" userId="a3db8153-261a-4ffb-baa1-abaad328fd73" providerId="ADAL" clId="{CF3E7ECF-B960-40AF-B4C7-DEE912BB0699}" dt="2024-12-13T07:48:46.944" v="864" actId="1076"/>
-          <ac:spMkLst>
-            <pc:docMk/>
-            <pc:sldMk cId="117810025" sldId="260"/>
-            <ac:spMk id="12" creationId="{80A09DB9-7D88-8A63-91D8-06789882FAB6}"/>
-          </ac:spMkLst>
-        </pc:spChg>
-        <pc:spChg chg="add mod">
-          <ac:chgData name="谷　知紘(s21t317)" userId="a3db8153-261a-4ffb-baa1-abaad328fd73" providerId="ADAL" clId="{CF3E7ECF-B960-40AF-B4C7-DEE912BB0699}" dt="2024-12-13T07:49:04.974" v="866" actId="1076"/>
-          <ac:spMkLst>
-            <pc:docMk/>
-            <pc:sldMk cId="117810025" sldId="260"/>
-            <ac:spMk id="13" creationId="{DCE41433-4B8E-73BE-EA06-3FF529629562}"/>
-          </ac:spMkLst>
-        </pc:spChg>
-        <pc:spChg chg="add mod">
-          <ac:chgData name="谷　知紘(s21t317)" userId="a3db8153-261a-4ffb-baa1-abaad328fd73" providerId="ADAL" clId="{CF3E7ECF-B960-40AF-B4C7-DEE912BB0699}" dt="2024-12-13T07:51:16.712" v="903" actId="1076"/>
-          <ac:spMkLst>
-            <pc:docMk/>
-            <pc:sldMk cId="117810025" sldId="260"/>
-            <ac:spMk id="14" creationId="{A3DE6DD8-0091-873D-463A-974780521FC6}"/>
-          </ac:spMkLst>
-        </pc:spChg>
-      </pc:sldChg>
-      <pc:sldChg chg="addSp delSp modSp add mod">
-        <pc:chgData name="谷　知紘(s21t317)" userId="a3db8153-261a-4ffb-baa1-abaad328fd73" providerId="ADAL" clId="{CF3E7ECF-B960-40AF-B4C7-DEE912BB0699}" dt="2024-12-16T08:48:16.801" v="1914" actId="1076"/>
-        <pc:sldMkLst>
-          <pc:docMk/>
-          <pc:sldMk cId="1122583501" sldId="261"/>
-        </pc:sldMkLst>
-        <pc:spChg chg="mod">
-          <ac:chgData name="谷　知紘(s21t317)" userId="a3db8153-261a-4ffb-baa1-abaad328fd73" providerId="ADAL" clId="{CF3E7ECF-B960-40AF-B4C7-DEE912BB0699}" dt="2024-12-14T05:42:59.579" v="944" actId="20577"/>
-          <ac:spMkLst>
-            <pc:docMk/>
-            <pc:sldMk cId="1122583501" sldId="261"/>
-            <ac:spMk id="4" creationId="{DDFBCFE8-8909-71D8-6B34-D8A06A8271EA}"/>
-          </ac:spMkLst>
-        </pc:spChg>
-        <pc:spChg chg="add mod">
-          <ac:chgData name="谷　知紘(s21t317)" userId="a3db8153-261a-4ffb-baa1-abaad328fd73" providerId="ADAL" clId="{CF3E7ECF-B960-40AF-B4C7-DEE912BB0699}" dt="2024-12-15T13:00:44.856" v="1352" actId="2711"/>
-          <ac:spMkLst>
-            <pc:docMk/>
-            <pc:sldMk cId="1122583501" sldId="261"/>
-            <ac:spMk id="7" creationId="{23BD6EAD-66D6-61D3-B481-0556279AE64D}"/>
-          </ac:spMkLst>
-        </pc:spChg>
-        <pc:spChg chg="add mod">
-          <ac:chgData name="谷　知紘(s21t317)" userId="a3db8153-261a-4ffb-baa1-abaad328fd73" providerId="ADAL" clId="{CF3E7ECF-B960-40AF-B4C7-DEE912BB0699}" dt="2024-12-14T05:46:04.507" v="966" actId="1076"/>
-          <ac:spMkLst>
-            <pc:docMk/>
-            <pc:sldMk cId="1122583501" sldId="261"/>
-            <ac:spMk id="9" creationId="{A7A04C6A-12A4-6402-1F89-7ACF7C961C12}"/>
-          </ac:spMkLst>
-        </pc:spChg>
-        <pc:spChg chg="add mod">
-          <ac:chgData name="谷　知紘(s21t317)" userId="a3db8153-261a-4ffb-baa1-abaad328fd73" providerId="ADAL" clId="{CF3E7ECF-B960-40AF-B4C7-DEE912BB0699}" dt="2024-12-16T08:48:16.801" v="1914" actId="1076"/>
-          <ac:spMkLst>
-            <pc:docMk/>
-            <pc:sldMk cId="1122583501" sldId="261"/>
-            <ac:spMk id="15" creationId="{0CF1C647-9783-9A17-2EE1-4E2FD7059AEA}"/>
-          </ac:spMkLst>
-        </pc:spChg>
-        <pc:spChg chg="add mod">
-          <ac:chgData name="谷　知紘(s21t317)" userId="a3db8153-261a-4ffb-baa1-abaad328fd73" providerId="ADAL" clId="{CF3E7ECF-B960-40AF-B4C7-DEE912BB0699}" dt="2024-12-16T08:48:16.801" v="1914" actId="1076"/>
-          <ac:spMkLst>
-            <pc:docMk/>
-            <pc:sldMk cId="1122583501" sldId="261"/>
-            <ac:spMk id="16" creationId="{37318088-223C-0F2B-6BFE-0A39C1C16FD3}"/>
-          </ac:spMkLst>
-        </pc:spChg>
-        <pc:spChg chg="add mod">
-          <ac:chgData name="谷　知紘(s21t317)" userId="a3db8153-261a-4ffb-baa1-abaad328fd73" providerId="ADAL" clId="{CF3E7ECF-B960-40AF-B4C7-DEE912BB0699}" dt="2024-12-16T08:48:16.801" v="1914" actId="1076"/>
-          <ac:spMkLst>
-            <pc:docMk/>
-            <pc:sldMk cId="1122583501" sldId="261"/>
-            <ac:spMk id="17" creationId="{6AF1C7E6-F188-9CB0-B28F-EB1F5D77BDF9}"/>
-          </ac:spMkLst>
-        </pc:spChg>
-        <pc:spChg chg="add mod">
-          <ac:chgData name="谷　知紘(s21t317)" userId="a3db8153-261a-4ffb-baa1-abaad328fd73" providerId="ADAL" clId="{CF3E7ECF-B960-40AF-B4C7-DEE912BB0699}" dt="2024-12-16T08:48:16.801" v="1914" actId="1076"/>
-          <ac:spMkLst>
-            <pc:docMk/>
-            <pc:sldMk cId="1122583501" sldId="261"/>
-            <ac:spMk id="18" creationId="{4008445B-B470-7EEF-8719-0D79AD022898}"/>
-          </ac:spMkLst>
-        </pc:spChg>
-        <pc:spChg chg="add mod">
-          <ac:chgData name="谷　知紘(s21t317)" userId="a3db8153-261a-4ffb-baa1-abaad328fd73" providerId="ADAL" clId="{CF3E7ECF-B960-40AF-B4C7-DEE912BB0699}" dt="2024-12-14T05:49:07.041" v="980" actId="948"/>
-          <ac:spMkLst>
-            <pc:docMk/>
-            <pc:sldMk cId="1122583501" sldId="261"/>
-            <ac:spMk id="19" creationId="{A7A04C6A-12A4-6402-1F89-7ACF7C961C12}"/>
-          </ac:spMkLst>
-        </pc:spChg>
-        <pc:spChg chg="add mod">
-          <ac:chgData name="谷　知紘(s21t317)" userId="a3db8153-261a-4ffb-baa1-abaad328fd73" providerId="ADAL" clId="{CF3E7ECF-B960-40AF-B4C7-DEE912BB0699}" dt="2024-12-14T05:49:38.693" v="988" actId="14100"/>
-          <ac:spMkLst>
-            <pc:docMk/>
-            <pc:sldMk cId="1122583501" sldId="261"/>
-            <ac:spMk id="20" creationId="{4F8181AA-9675-5850-F6D2-1536DCAAAE5D}"/>
-          </ac:spMkLst>
-        </pc:spChg>
-        <pc:spChg chg="add mod">
-          <ac:chgData name="谷　知紘(s21t317)" userId="a3db8153-261a-4ffb-baa1-abaad328fd73" providerId="ADAL" clId="{CF3E7ECF-B960-40AF-B4C7-DEE912BB0699}" dt="2024-12-14T05:49:07.041" v="980" actId="948"/>
-          <ac:spMkLst>
-            <pc:docMk/>
-            <pc:sldMk cId="1122583501" sldId="261"/>
-            <ac:spMk id="21" creationId="{A2ADE638-3B1E-909C-73FF-5C4E53C6BA53}"/>
-          </ac:spMkLst>
-        </pc:spChg>
-        <pc:spChg chg="add mod">
-          <ac:chgData name="谷　知紘(s21t317)" userId="a3db8153-261a-4ffb-baa1-abaad328fd73" providerId="ADAL" clId="{CF3E7ECF-B960-40AF-B4C7-DEE912BB0699}" dt="2024-12-14T05:49:07.041" v="980" actId="948"/>
-          <ac:spMkLst>
-            <pc:docMk/>
-            <pc:sldMk cId="1122583501" sldId="261"/>
-            <ac:spMk id="22" creationId="{72841B52-3358-F25E-E24A-216182868323}"/>
-          </ac:spMkLst>
-        </pc:spChg>
-        <pc:spChg chg="add mod">
-          <ac:chgData name="谷　知紘(s21t317)" userId="a3db8153-261a-4ffb-baa1-abaad328fd73" providerId="ADAL" clId="{CF3E7ECF-B960-40AF-B4C7-DEE912BB0699}" dt="2024-12-14T05:49:52.622" v="991" actId="1076"/>
-          <ac:spMkLst>
-            <pc:docMk/>
-            <pc:sldMk cId="1122583501" sldId="261"/>
-            <ac:spMk id="24" creationId="{F707A817-9483-C869-405C-6DBAE3EFACC1}"/>
-          </ac:spMkLst>
-        </pc:spChg>
-        <pc:spChg chg="add mod">
-          <ac:chgData name="谷　知紘(s21t317)" userId="a3db8153-261a-4ffb-baa1-abaad328fd73" providerId="ADAL" clId="{CF3E7ECF-B960-40AF-B4C7-DEE912BB0699}" dt="2024-12-14T05:49:52.622" v="991" actId="1076"/>
-          <ac:spMkLst>
-            <pc:docMk/>
-            <pc:sldMk cId="1122583501" sldId="261"/>
-            <ac:spMk id="25" creationId="{4A9845F4-21F2-BCA4-EE1D-94AF9141DB73}"/>
-          </ac:spMkLst>
-        </pc:spChg>
-        <pc:picChg chg="add mod">
-          <ac:chgData name="谷　知紘(s21t317)" userId="a3db8153-261a-4ffb-baa1-abaad328fd73" providerId="ADAL" clId="{CF3E7ECF-B960-40AF-B4C7-DEE912BB0699}" dt="2024-12-14T05:48:44.300" v="978" actId="1076"/>
-          <ac:picMkLst>
-            <pc:docMk/>
-            <pc:sldMk cId="1122583501" sldId="261"/>
-            <ac:picMk id="23" creationId="{8C05C036-B5E1-217D-ED7A-3418322DBEDE}"/>
-          </ac:picMkLst>
-        </pc:picChg>
-      </pc:sldChg>
-      <pc:sldChg chg="addSp delSp modSp add mod">
-        <pc:chgData name="谷　知紘(s21t317)" userId="a3db8153-261a-4ffb-baa1-abaad328fd73" providerId="ADAL" clId="{CF3E7ECF-B960-40AF-B4C7-DEE912BB0699}" dt="2024-12-16T10:18:01.451" v="3492" actId="1076"/>
-        <pc:sldMkLst>
-          <pc:docMk/>
-          <pc:sldMk cId="1716504565" sldId="262"/>
-        </pc:sldMkLst>
-        <pc:spChg chg="add mod">
-          <ac:chgData name="谷　知紘(s21t317)" userId="a3db8153-261a-4ffb-baa1-abaad328fd73" providerId="ADAL" clId="{CF3E7ECF-B960-40AF-B4C7-DEE912BB0699}" dt="2024-12-14T05:54:58.436" v="1035" actId="1076"/>
-          <ac:spMkLst>
-            <pc:docMk/>
-            <pc:sldMk cId="1716504565" sldId="262"/>
-            <ac:spMk id="2" creationId="{100CEFA7-DC10-7BF0-4D4C-55BB86CE973D}"/>
-          </ac:spMkLst>
-        </pc:spChg>
-        <pc:spChg chg="mod">
-          <ac:chgData name="谷　知紘(s21t317)" userId="a3db8153-261a-4ffb-baa1-abaad328fd73" providerId="ADAL" clId="{CF3E7ECF-B960-40AF-B4C7-DEE912BB0699}" dt="2024-12-14T05:51:42.078" v="1010" actId="20577"/>
-          <ac:spMkLst>
-            <pc:docMk/>
-            <pc:sldMk cId="1716504565" sldId="262"/>
-            <ac:spMk id="4" creationId="{6E2F93E8-9587-C9D2-7537-3857A45132CA}"/>
-          </ac:spMkLst>
-        </pc:spChg>
-        <pc:spChg chg="add mod">
-          <ac:chgData name="谷　知紘(s21t317)" userId="a3db8153-261a-4ffb-baa1-abaad328fd73" providerId="ADAL" clId="{CF3E7ECF-B960-40AF-B4C7-DEE912BB0699}" dt="2024-12-14T05:55:25.440" v="1037" actId="1076"/>
-          <ac:spMkLst>
-            <pc:docMk/>
-            <pc:sldMk cId="1716504565" sldId="262"/>
-            <ac:spMk id="6" creationId="{1CABE7FD-D54B-CC5D-11C2-12270A9CBC88}"/>
-          </ac:spMkLst>
-        </pc:spChg>
-        <pc:spChg chg="add mod">
-          <ac:chgData name="谷　知紘(s21t317)" userId="a3db8153-261a-4ffb-baa1-abaad328fd73" providerId="ADAL" clId="{CF3E7ECF-B960-40AF-B4C7-DEE912BB0699}" dt="2024-12-16T10:17:21.586" v="3481" actId="1076"/>
-          <ac:spMkLst>
-            <pc:docMk/>
-            <pc:sldMk cId="1716504565" sldId="262"/>
-            <ac:spMk id="7" creationId="{1D40BB03-BC56-9F50-230C-2A63FF168A06}"/>
-          </ac:spMkLst>
-        </pc:spChg>
-        <pc:spChg chg="add mod">
-          <ac:chgData name="谷　知紘(s21t317)" userId="a3db8153-261a-4ffb-baa1-abaad328fd73" providerId="ADAL" clId="{CF3E7ECF-B960-40AF-B4C7-DEE912BB0699}" dt="2024-12-16T10:17:12.928" v="3480" actId="20577"/>
-          <ac:spMkLst>
-            <pc:docMk/>
-            <pc:sldMk cId="1716504565" sldId="262"/>
-            <ac:spMk id="8" creationId="{6533AAC4-4411-2682-8C7E-ABD6195F1435}"/>
-          </ac:spMkLst>
-        </pc:spChg>
-        <pc:spChg chg="add mod">
-          <ac:chgData name="谷　知紘(s21t317)" userId="a3db8153-261a-4ffb-baa1-abaad328fd73" providerId="ADAL" clId="{CF3E7ECF-B960-40AF-B4C7-DEE912BB0699}" dt="2024-12-16T10:17:53.134" v="3491" actId="1076"/>
-          <ac:spMkLst>
-            <pc:docMk/>
-            <pc:sldMk cId="1716504565" sldId="262"/>
-            <ac:spMk id="9" creationId="{E7D40219-E2FA-4EE4-24C3-DE1740D4C852}"/>
-          </ac:spMkLst>
-        </pc:spChg>
-        <pc:spChg chg="add mod">
-          <ac:chgData name="谷　知紘(s21t317)" userId="a3db8153-261a-4ffb-baa1-abaad328fd73" providerId="ADAL" clId="{CF3E7ECF-B960-40AF-B4C7-DEE912BB0699}" dt="2024-12-16T10:18:01.451" v="3492" actId="1076"/>
-          <ac:spMkLst>
-            <pc:docMk/>
-            <pc:sldMk cId="1716504565" sldId="262"/>
-            <ac:spMk id="10" creationId="{690CE7D4-FE0D-DAC1-CC24-02EACD5A08F0}"/>
-          </ac:spMkLst>
-        </pc:spChg>
-        <pc:picChg chg="add mod">
-          <ac:chgData name="谷　知紘(s21t317)" userId="a3db8153-261a-4ffb-baa1-abaad328fd73" providerId="ADAL" clId="{CF3E7ECF-B960-40AF-B4C7-DEE912BB0699}" dt="2024-12-14T05:54:58.436" v="1035" actId="1076"/>
-          <ac:picMkLst>
-            <pc:docMk/>
-            <pc:sldMk cId="1716504565" sldId="262"/>
-            <ac:picMk id="3" creationId="{4A7EF777-293E-93BE-8E67-BE594D9F8B32}"/>
-          </ac:picMkLst>
-        </pc:picChg>
-        <pc:picChg chg="add mod">
-          <ac:chgData name="谷　知紘(s21t317)" userId="a3db8153-261a-4ffb-baa1-abaad328fd73" providerId="ADAL" clId="{CF3E7ECF-B960-40AF-B4C7-DEE912BB0699}" dt="2024-12-14T05:55:25.440" v="1037" actId="1076"/>
-          <ac:picMkLst>
-            <pc:docMk/>
-            <pc:sldMk cId="1716504565" sldId="262"/>
-            <ac:picMk id="5" creationId="{0A7C152D-1718-710B-6366-5CE010CC7706}"/>
-          </ac:picMkLst>
-        </pc:picChg>
-      </pc:sldChg>
-      <pc:sldChg chg="addSp delSp modSp add del mod ord">
-        <pc:chgData name="谷　知紘(s21t317)" userId="a3db8153-261a-4ffb-baa1-abaad328fd73" providerId="ADAL" clId="{CF3E7ECF-B960-40AF-B4C7-DEE912BB0699}" dt="2024-12-16T10:38:05.760" v="3498" actId="2696"/>
-        <pc:sldMkLst>
-          <pc:docMk/>
-          <pc:sldMk cId="3072227429" sldId="263"/>
-        </pc:sldMkLst>
-      </pc:sldChg>
-      <pc:sldChg chg="addSp delSp modSp add mod ord">
-        <pc:chgData name="谷　知紘(s21t317)" userId="a3db8153-261a-4ffb-baa1-abaad328fd73" providerId="ADAL" clId="{CF3E7ECF-B960-40AF-B4C7-DEE912BB0699}" dt="2024-12-16T09:52:17.227" v="2681" actId="14100"/>
-        <pc:sldMkLst>
-          <pc:docMk/>
-          <pc:sldMk cId="285224269" sldId="264"/>
-        </pc:sldMkLst>
-        <pc:spChg chg="add mod">
-          <ac:chgData name="谷　知紘(s21t317)" userId="a3db8153-261a-4ffb-baa1-abaad328fd73" providerId="ADAL" clId="{CF3E7ECF-B960-40AF-B4C7-DEE912BB0699}" dt="2024-12-16T09:51:07.501" v="2668" actId="1076"/>
-          <ac:spMkLst>
-            <pc:docMk/>
-            <pc:sldMk cId="285224269" sldId="264"/>
-            <ac:spMk id="2" creationId="{B9E6179B-B5B9-080D-8A28-FE66646E0433}"/>
-          </ac:spMkLst>
-        </pc:spChg>
-        <pc:spChg chg="add mod">
-          <ac:chgData name="谷　知紘(s21t317)" userId="a3db8153-261a-4ffb-baa1-abaad328fd73" providerId="ADAL" clId="{CF3E7ECF-B960-40AF-B4C7-DEE912BB0699}" dt="2024-12-16T09:51:07.501" v="2668" actId="1076"/>
-          <ac:spMkLst>
-            <pc:docMk/>
-            <pc:sldMk cId="285224269" sldId="264"/>
-            <ac:spMk id="3" creationId="{7384694D-E6B6-89D3-7AC0-5F3A75133E71}"/>
-          </ac:spMkLst>
-        </pc:spChg>
-        <pc:spChg chg="mod">
-          <ac:chgData name="谷　知紘(s21t317)" userId="a3db8153-261a-4ffb-baa1-abaad328fd73" providerId="ADAL" clId="{CF3E7ECF-B960-40AF-B4C7-DEE912BB0699}" dt="2024-12-16T08:45:03.679" v="1905"/>
-          <ac:spMkLst>
-            <pc:docMk/>
-            <pc:sldMk cId="285224269" sldId="264"/>
-            <ac:spMk id="4" creationId="{4A079C07-A50C-65CA-56A9-3950E857B18A}"/>
-          </ac:spMkLst>
-        </pc:spChg>
-        <pc:spChg chg="add mod">
-          <ac:chgData name="谷　知紘(s21t317)" userId="a3db8153-261a-4ffb-baa1-abaad328fd73" providerId="ADAL" clId="{CF3E7ECF-B960-40AF-B4C7-DEE912BB0699}" dt="2024-12-16T09:52:11.112" v="2680" actId="1076"/>
-          <ac:spMkLst>
-            <pc:docMk/>
-            <pc:sldMk cId="285224269" sldId="264"/>
-            <ac:spMk id="5" creationId="{9007C648-5483-507B-ECD2-6ADFE9AA2CBD}"/>
-          </ac:spMkLst>
-        </pc:spChg>
-        <pc:spChg chg="add mod">
-          <ac:chgData name="谷　知紘(s21t317)" userId="a3db8153-261a-4ffb-baa1-abaad328fd73" providerId="ADAL" clId="{CF3E7ECF-B960-40AF-B4C7-DEE912BB0699}" dt="2024-12-16T09:51:59.068" v="2679" actId="14100"/>
-          <ac:spMkLst>
-            <pc:docMk/>
-            <pc:sldMk cId="285224269" sldId="264"/>
-            <ac:spMk id="8" creationId="{9BFCB3DC-CB02-E3C2-4737-00471AF7A196}"/>
-          </ac:spMkLst>
-        </pc:spChg>
-        <pc:spChg chg="add del mod">
-          <ac:chgData name="谷　知紘(s21t317)" userId="a3db8153-261a-4ffb-baa1-abaad328fd73" providerId="ADAL" clId="{CF3E7ECF-B960-40AF-B4C7-DEE912BB0699}" dt="2024-12-16T09:52:17.227" v="2681" actId="14100"/>
-          <ac:spMkLst>
-            <pc:docMk/>
-            <pc:sldMk cId="285224269" sldId="264"/>
-            <ac:spMk id="9" creationId="{2209734F-45C7-9AF0-4E52-586B165AD6C0}"/>
-          </ac:spMkLst>
-        </pc:spChg>
-        <pc:spChg chg="add mod">
-          <ac:chgData name="谷　知紘(s21t317)" userId="a3db8153-261a-4ffb-baa1-abaad328fd73" providerId="ADAL" clId="{CF3E7ECF-B960-40AF-B4C7-DEE912BB0699}" dt="2024-12-16T09:51:31.448" v="2674" actId="1076"/>
-          <ac:spMkLst>
-            <pc:docMk/>
-            <pc:sldMk cId="285224269" sldId="264"/>
-            <ac:spMk id="11" creationId="{AF8F38E0-E41F-884E-4BD9-925E647198B4}"/>
-          </ac:spMkLst>
-        </pc:spChg>
-      </pc:sldChg>
-      <pc:sldChg chg="addSp delSp modSp add mod ord">
-        <pc:chgData name="谷　知紘(s21t317)" userId="a3db8153-261a-4ffb-baa1-abaad328fd73" providerId="ADAL" clId="{CF3E7ECF-B960-40AF-B4C7-DEE912BB0699}" dt="2024-12-16T10:16:43.747" v="3476" actId="1076"/>
-        <pc:sldMkLst>
-          <pc:docMk/>
-          <pc:sldMk cId="395813214" sldId="265"/>
-        </pc:sldMkLst>
-        <pc:spChg chg="add mod ord">
-          <ac:chgData name="谷　知紘(s21t317)" userId="a3db8153-261a-4ffb-baa1-abaad328fd73" providerId="ADAL" clId="{CF3E7ECF-B960-40AF-B4C7-DEE912BB0699}" dt="2024-12-16T10:06:02.686" v="2872" actId="1076"/>
-          <ac:spMkLst>
-            <pc:docMk/>
-            <pc:sldMk cId="395813214" sldId="265"/>
-            <ac:spMk id="9" creationId="{1C325B2E-E045-AD1E-F0B7-44B2CE9ADE7D}"/>
-          </ac:spMkLst>
-        </pc:spChg>
-        <pc:spChg chg="add mod">
-          <ac:chgData name="谷　知紘(s21t317)" userId="a3db8153-261a-4ffb-baa1-abaad328fd73" providerId="ADAL" clId="{CF3E7ECF-B960-40AF-B4C7-DEE912BB0699}" dt="2024-12-16T10:06:02.686" v="2872" actId="1076"/>
-          <ac:spMkLst>
-            <pc:docMk/>
-            <pc:sldMk cId="395813214" sldId="265"/>
-            <ac:spMk id="10" creationId="{FE46E5E6-63FF-1FDB-2F92-B47FE0797D4C}"/>
-          </ac:spMkLst>
-        </pc:spChg>
-        <pc:spChg chg="add mod">
-          <ac:chgData name="谷　知紘(s21t317)" userId="a3db8153-261a-4ffb-baa1-abaad328fd73" providerId="ADAL" clId="{CF3E7ECF-B960-40AF-B4C7-DEE912BB0699}" dt="2024-12-16T10:16:30.589" v="3474" actId="1076"/>
-          <ac:spMkLst>
-            <pc:docMk/>
-            <pc:sldMk cId="395813214" sldId="265"/>
-            <ac:spMk id="11" creationId="{0C1E31EF-9328-774B-93F9-861A9794C31E}"/>
-          </ac:spMkLst>
-        </pc:spChg>
-        <pc:spChg chg="add mod">
-          <ac:chgData name="谷　知紘(s21t317)" userId="a3db8153-261a-4ffb-baa1-abaad328fd73" providerId="ADAL" clId="{CF3E7ECF-B960-40AF-B4C7-DEE912BB0699}" dt="2024-12-16T10:16:43.747" v="3476" actId="1076"/>
-          <ac:spMkLst>
-            <pc:docMk/>
-            <pc:sldMk cId="395813214" sldId="265"/>
-            <ac:spMk id="12" creationId="{1A8DE479-19BB-5E34-3277-E5C53D18A488}"/>
-          </ac:spMkLst>
-        </pc:spChg>
-        <pc:spChg chg="add mod">
-          <ac:chgData name="谷　知紘(s21t317)" userId="a3db8153-261a-4ffb-baa1-abaad328fd73" providerId="ADAL" clId="{CF3E7ECF-B960-40AF-B4C7-DEE912BB0699}" dt="2024-12-16T10:16:35.191" v="3475" actId="1076"/>
-          <ac:spMkLst>
-            <pc:docMk/>
-            <pc:sldMk cId="395813214" sldId="265"/>
-            <ac:spMk id="13" creationId="{BFB26BBE-3E86-ABF9-A723-9DFB28595607}"/>
-          </ac:spMkLst>
-        </pc:spChg>
-        <pc:spChg chg="add mod">
-          <ac:chgData name="谷　知紘(s21t317)" userId="a3db8153-261a-4ffb-baa1-abaad328fd73" providerId="ADAL" clId="{CF3E7ECF-B960-40AF-B4C7-DEE912BB0699}" dt="2024-12-16T10:16:25.854" v="3473" actId="1076"/>
-          <ac:spMkLst>
-            <pc:docMk/>
-            <pc:sldMk cId="395813214" sldId="265"/>
-            <ac:spMk id="14" creationId="{12C0C438-3EB8-0EF1-329E-48EAD1BCC081}"/>
+            <pc:sldMk cId="539303649" sldId="271"/>
+            <ac:spMk id="8" creationId="{2EFD141D-5533-72CE-7AA2-0B2295BC59AF}"/>
           </ac:spMkLst>
         </pc:spChg>
         <pc:graphicFrameChg chg="add mod">
-          <ac:chgData name="谷　知紘(s21t317)" userId="a3db8153-261a-4ffb-baa1-abaad328fd73" providerId="ADAL" clId="{CF3E7ECF-B960-40AF-B4C7-DEE912BB0699}" dt="2024-12-16T10:15:14.412" v="3449" actId="1076"/>
+          <ac:chgData name="谷　知紘(s21t317)" userId="a3db8153-261a-4ffb-baa1-abaad328fd73" providerId="ADAL" clId="{6C2B5661-DEFF-4BF7-8687-B5D5C7F51A35}" dt="2024-12-21T01:56:31.796" v="1060" actId="1076"/>
           <ac:graphicFrameMkLst>
             <pc:docMk/>
-            <pc:sldMk cId="395813214" sldId="265"/>
-            <ac:graphicFrameMk id="2" creationId="{F1CB573B-08AF-F44F-E1AD-7D78E4DCD935}"/>
+            <pc:sldMk cId="539303649" sldId="271"/>
+            <ac:graphicFrameMk id="2" creationId="{C3E723BE-F0E4-3193-58E8-A6F90B81C2D3}"/>
+          </ac:graphicFrameMkLst>
+        </pc:graphicFrameChg>
+        <pc:graphicFrameChg chg="add mod">
+          <ac:chgData name="谷　知紘(s21t317)" userId="a3db8153-261a-4ffb-baa1-abaad328fd73" providerId="ADAL" clId="{6C2B5661-DEFF-4BF7-8687-B5D5C7F51A35}" dt="2024-12-21T01:56:31.796" v="1060" actId="1076"/>
+          <ac:graphicFrameMkLst>
+            <pc:docMk/>
+            <pc:sldMk cId="539303649" sldId="271"/>
+            <ac:graphicFrameMk id="3" creationId="{01203158-E65B-4A5D-BA04-6BBE5F7E27EA}"/>
+          </ac:graphicFrameMkLst>
+        </pc:graphicFrameChg>
+        <pc:graphicFrameChg chg="add mod">
+          <ac:chgData name="谷　知紘(s21t317)" userId="a3db8153-261a-4ffb-baa1-abaad328fd73" providerId="ADAL" clId="{6C2B5661-DEFF-4BF7-8687-B5D5C7F51A35}" dt="2024-12-21T01:54:09.272" v="1053" actId="1076"/>
+          <ac:graphicFrameMkLst>
+            <pc:docMk/>
+            <pc:sldMk cId="539303649" sldId="271"/>
+            <ac:graphicFrameMk id="5" creationId="{022F5046-3773-B35E-EF96-3D858C510A4E}"/>
+          </ac:graphicFrameMkLst>
+        </pc:graphicFrameChg>
+        <pc:graphicFrameChg chg="add mod">
+          <ac:chgData name="谷　知紘(s21t317)" userId="a3db8153-261a-4ffb-baa1-abaad328fd73" providerId="ADAL" clId="{6C2B5661-DEFF-4BF7-8687-B5D5C7F51A35}" dt="2024-12-21T01:53:25.187" v="1049" actId="1076"/>
+          <ac:graphicFrameMkLst>
+            <pc:docMk/>
+            <pc:sldMk cId="539303649" sldId="271"/>
+            <ac:graphicFrameMk id="6" creationId="{817C86E2-491A-0E98-BBC5-29062DBDAB74}"/>
           </ac:graphicFrameMkLst>
         </pc:graphicFrameChg>
       </pc:sldChg>
-      <pc:sldChg chg="addSp modSp add mod ord">
-        <pc:chgData name="谷　知紘(s21t317)" userId="a3db8153-261a-4ffb-baa1-abaad328fd73" providerId="ADAL" clId="{CF3E7ECF-B960-40AF-B4C7-DEE912BB0699}" dt="2024-12-16T10:37:53.945" v="3497"/>
+      <pc:sldChg chg="add">
+        <pc:chgData name="谷　知紘(s21t317)" userId="a3db8153-261a-4ffb-baa1-abaad328fd73" providerId="ADAL" clId="{6C2B5661-DEFF-4BF7-8687-B5D5C7F51A35}" dt="2024-12-21T01:37:50.769" v="1022" actId="2890"/>
         <pc:sldMkLst>
           <pc:docMk/>
-          <pc:sldMk cId="503107946" sldId="266"/>
-        </pc:sldMkLst>
-        <pc:spChg chg="add mod">
-          <ac:chgData name="谷　知紘(s21t317)" userId="a3db8153-261a-4ffb-baa1-abaad328fd73" providerId="ADAL" clId="{CF3E7ECF-B960-40AF-B4C7-DEE912BB0699}" dt="2024-12-16T10:37:34.979" v="3494"/>
-          <ac:spMkLst>
-            <pc:docMk/>
-            <pc:sldMk cId="503107946" sldId="266"/>
-            <ac:spMk id="2" creationId="{0F74D52C-51B1-CFBB-532F-B1DA5B49BF5F}"/>
-          </ac:spMkLst>
-        </pc:spChg>
-        <pc:spChg chg="add mod">
-          <ac:chgData name="谷　知紘(s21t317)" userId="a3db8153-261a-4ffb-baa1-abaad328fd73" providerId="ADAL" clId="{CF3E7ECF-B960-40AF-B4C7-DEE912BB0699}" dt="2024-12-16T10:37:45.789" v="3496" actId="207"/>
-          <ac:spMkLst>
-            <pc:docMk/>
-            <pc:sldMk cId="503107946" sldId="266"/>
-            <ac:spMk id="3" creationId="{3D444745-B7CB-8CA7-C1EA-21B95761B119}"/>
-          </ac:spMkLst>
-        </pc:spChg>
-        <pc:spChg chg="mod">
-          <ac:chgData name="谷　知紘(s21t317)" userId="a3db8153-261a-4ffb-baa1-abaad328fd73" providerId="ADAL" clId="{CF3E7ECF-B960-40AF-B4C7-DEE912BB0699}" dt="2024-12-16T10:37:23.821" v="3493"/>
-          <ac:spMkLst>
-            <pc:docMk/>
-            <pc:sldMk cId="503107946" sldId="266"/>
-            <ac:spMk id="4" creationId="{291F9902-FF91-72C4-D9FE-5317FAADEF6F}"/>
-          </ac:spMkLst>
-        </pc:spChg>
-        <pc:spChg chg="add mod">
-          <ac:chgData name="谷　知紘(s21t317)" userId="a3db8153-261a-4ffb-baa1-abaad328fd73" providerId="ADAL" clId="{CF3E7ECF-B960-40AF-B4C7-DEE912BB0699}" dt="2024-12-16T10:37:53.945" v="3497"/>
-          <ac:spMkLst>
-            <pc:docMk/>
-            <pc:sldMk cId="503107946" sldId="266"/>
-            <ac:spMk id="5" creationId="{630669D1-3782-36D1-752C-FEA0FC75923F}"/>
-          </ac:spMkLst>
-        </pc:spChg>
-      </pc:sldChg>
-      <pc:sldChg chg="add">
-        <pc:chgData name="谷　知紘(s21t317)" userId="a3db8153-261a-4ffb-baa1-abaad328fd73" providerId="ADAL" clId="{CF3E7ECF-B960-40AF-B4C7-DEE912BB0699}" dt="2024-12-16T10:10:21.157" v="3226" actId="2890"/>
-        <pc:sldMkLst>
-          <pc:docMk/>
-          <pc:sldMk cId="1004728229" sldId="267"/>
+          <pc:sldMk cId="806214799" sldId="272"/>
         </pc:sldMkLst>
       </pc:sldChg>
     </pc:docChg>
@@ -3462,6 +2166,1866 @@
           </a:p>
         </c:txPr>
         <c:crossAx val="1042520623"/>
+        <c:crosses val="autoZero"/>
+        <c:crossBetween val="between"/>
+      </c:valAx>
+      <c:spPr>
+        <a:noFill/>
+        <a:ln>
+          <a:noFill/>
+        </a:ln>
+        <a:effectLst/>
+      </c:spPr>
+    </c:plotArea>
+    <c:legend>
+      <c:legendPos val="b"/>
+      <c:overlay val="0"/>
+      <c:spPr>
+        <a:noFill/>
+        <a:ln>
+          <a:noFill/>
+        </a:ln>
+        <a:effectLst/>
+      </c:spPr>
+      <c:txPr>
+        <a:bodyPr rot="0" spcFirstLastPara="1" vertOverflow="ellipsis" vert="horz" wrap="square" anchor="ctr" anchorCtr="1"/>
+        <a:lstStyle/>
+        <a:p>
+          <a:pPr>
+            <a:defRPr sz="900" b="0" i="0" u="none" strike="noStrike" kern="1200" baseline="0">
+              <a:solidFill>
+                <a:schemeClr val="tx1">
+                  <a:lumMod val="65000"/>
+                  <a:lumOff val="35000"/>
+                </a:schemeClr>
+              </a:solidFill>
+              <a:latin typeface="+mn-lt"/>
+              <a:ea typeface="+mn-ea"/>
+              <a:cs typeface="+mn-cs"/>
+            </a:defRPr>
+          </a:pPr>
+          <a:endParaRPr lang="ja-JP"/>
+        </a:p>
+      </c:txPr>
+    </c:legend>
+    <c:plotVisOnly val="1"/>
+    <c:dispBlanksAs val="gap"/>
+    <c:showDLblsOverMax val="0"/>
+  </c:chart>
+  <c:spPr>
+    <a:noFill/>
+    <a:ln>
+      <a:noFill/>
+    </a:ln>
+    <a:effectLst/>
+  </c:spPr>
+  <c:txPr>
+    <a:bodyPr/>
+    <a:lstStyle/>
+    <a:p>
+      <a:pPr>
+        <a:defRPr/>
+      </a:pPr>
+      <a:endParaRPr lang="ja-JP"/>
+    </a:p>
+  </c:txPr>
+  <c:externalData r:id="rId3">
+    <c:autoUpdate val="0"/>
+  </c:externalData>
+</c:chartSpace>
+</file>
+
+<file path=ppt/charts/chart3.xml><?xml version="1.0" encoding="utf-8"?>
+<c:chartSpace xmlns:c="http://schemas.openxmlformats.org/drawingml/2006/chart" xmlns:a="http://schemas.openxmlformats.org/drawingml/2006/main" xmlns:r="http://schemas.openxmlformats.org/officeDocument/2006/relationships" xmlns:c16r2="http://schemas.microsoft.com/office/drawing/2015/06/chart">
+  <c:date1904 val="0"/>
+  <c:lang val="ja-JP"/>
+  <c:roundedCorners val="0"/>
+  <mc:AlternateContent xmlns:mc="http://schemas.openxmlformats.org/markup-compatibility/2006">
+    <mc:Choice xmlns:c14="http://schemas.microsoft.com/office/drawing/2007/8/2/chart" Requires="c14">
+      <c14:style val="102"/>
+    </mc:Choice>
+    <mc:Fallback>
+      <c:style val="2"/>
+    </mc:Fallback>
+  </mc:AlternateContent>
+  <c:chart>
+    <c:title>
+      <c:tx>
+        <c:rich>
+          <a:bodyPr rot="0" spcFirstLastPara="1" vertOverflow="ellipsis" vert="horz" wrap="square" anchor="ctr" anchorCtr="1"/>
+          <a:lstStyle/>
+          <a:p>
+            <a:pPr>
+              <a:defRPr sz="1400" b="0" i="0" u="none" strike="noStrike" kern="1200" spc="0" baseline="0">
+                <a:solidFill>
+                  <a:schemeClr val="tx1">
+                    <a:lumMod val="65000"/>
+                    <a:lumOff val="35000"/>
+                  </a:schemeClr>
+                </a:solidFill>
+                <a:latin typeface="+mn-lt"/>
+                <a:ea typeface="+mn-ea"/>
+                <a:cs typeface="+mn-cs"/>
+              </a:defRPr>
+            </a:pPr>
+            <a:r>
+              <a:rPr lang="en-US" altLang="ja-JP"/>
+              <a:t>F1</a:t>
+            </a:r>
+            <a:endParaRPr lang="ja-JP" altLang="en-US"/>
+          </a:p>
+        </c:rich>
+      </c:tx>
+      <c:overlay val="0"/>
+      <c:spPr>
+        <a:noFill/>
+        <a:ln>
+          <a:noFill/>
+        </a:ln>
+        <a:effectLst/>
+      </c:spPr>
+      <c:txPr>
+        <a:bodyPr rot="0" spcFirstLastPara="1" vertOverflow="ellipsis" vert="horz" wrap="square" anchor="ctr" anchorCtr="1"/>
+        <a:lstStyle/>
+        <a:p>
+          <a:pPr>
+            <a:defRPr sz="1400" b="0" i="0" u="none" strike="noStrike" kern="1200" spc="0" baseline="0">
+              <a:solidFill>
+                <a:schemeClr val="tx1">
+                  <a:lumMod val="65000"/>
+                  <a:lumOff val="35000"/>
+                </a:schemeClr>
+              </a:solidFill>
+              <a:latin typeface="+mn-lt"/>
+              <a:ea typeface="+mn-ea"/>
+              <a:cs typeface="+mn-cs"/>
+            </a:defRPr>
+          </a:pPr>
+          <a:endParaRPr lang="ja-JP"/>
+        </a:p>
+      </c:txPr>
+    </c:title>
+    <c:autoTitleDeleted val="0"/>
+    <c:plotArea>
+      <c:layout/>
+      <c:lineChart>
+        <c:grouping val="standard"/>
+        <c:varyColors val="0"/>
+        <c:ser>
+          <c:idx val="0"/>
+          <c:order val="0"/>
+          <c:tx>
+            <c:strRef>
+              <c:f>Sheet6!$B$1</c:f>
+              <c:strCache>
+                <c:ptCount val="1"/>
+                <c:pt idx="0">
+                  <c:v>uni</c:v>
+                </c:pt>
+              </c:strCache>
+            </c:strRef>
+          </c:tx>
+          <c:spPr>
+            <a:ln w="28575" cap="rnd">
+              <a:solidFill>
+                <a:schemeClr val="accent1"/>
+              </a:solidFill>
+              <a:round/>
+            </a:ln>
+            <a:effectLst/>
+          </c:spPr>
+          <c:marker>
+            <c:symbol val="none"/>
+          </c:marker>
+          <c:cat>
+            <c:strRef>
+              <c:f>Sheet6!$A$2:$A$4</c:f>
+              <c:strCache>
+                <c:ptCount val="3"/>
+                <c:pt idx="0">
+                  <c:v>SVM</c:v>
+                </c:pt>
+                <c:pt idx="1">
+                  <c:v>ロジスティック回帰</c:v>
+                </c:pt>
+                <c:pt idx="2">
+                  <c:v>ランダムフォレスト</c:v>
+                </c:pt>
+              </c:strCache>
+            </c:strRef>
+          </c:cat>
+          <c:val>
+            <c:numRef>
+              <c:f>Sheet6!$B$2:$B$4</c:f>
+              <c:numCache>
+                <c:formatCode>General</c:formatCode>
+                <c:ptCount val="3"/>
+                <c:pt idx="0">
+                  <c:v>0.81293000000000004</c:v>
+                </c:pt>
+                <c:pt idx="1">
+                  <c:v>0.81293000000000004</c:v>
+                </c:pt>
+                <c:pt idx="2">
+                  <c:v>0.87773000000000001</c:v>
+                </c:pt>
+              </c:numCache>
+            </c:numRef>
+          </c:val>
+          <c:smooth val="0"/>
+          <c:extLst>
+            <c:ext xmlns:c16="http://schemas.microsoft.com/office/drawing/2014/chart" uri="{C3380CC4-5D6E-409C-BE32-E72D297353CC}">
+              <c16:uniqueId val="{00000000-BCA9-4B83-9075-7965F42079ED}"/>
+            </c:ext>
+          </c:extLst>
+        </c:ser>
+        <c:ser>
+          <c:idx val="1"/>
+          <c:order val="1"/>
+          <c:tx>
+            <c:strRef>
+              <c:f>Sheet6!$C$1</c:f>
+              <c:strCache>
+                <c:ptCount val="1"/>
+                <c:pt idx="0">
+                  <c:v>bi</c:v>
+                </c:pt>
+              </c:strCache>
+            </c:strRef>
+          </c:tx>
+          <c:spPr>
+            <a:ln w="28575" cap="rnd">
+              <a:solidFill>
+                <a:schemeClr val="accent2"/>
+              </a:solidFill>
+              <a:round/>
+            </a:ln>
+            <a:effectLst/>
+          </c:spPr>
+          <c:marker>
+            <c:symbol val="none"/>
+          </c:marker>
+          <c:cat>
+            <c:strRef>
+              <c:f>Sheet6!$A$2:$A$4</c:f>
+              <c:strCache>
+                <c:ptCount val="3"/>
+                <c:pt idx="0">
+                  <c:v>SVM</c:v>
+                </c:pt>
+                <c:pt idx="1">
+                  <c:v>ロジスティック回帰</c:v>
+                </c:pt>
+                <c:pt idx="2">
+                  <c:v>ランダムフォレスト</c:v>
+                </c:pt>
+              </c:strCache>
+            </c:strRef>
+          </c:cat>
+          <c:val>
+            <c:numRef>
+              <c:f>Sheet6!$C$2:$C$4</c:f>
+              <c:numCache>
+                <c:formatCode>General</c:formatCode>
+                <c:ptCount val="3"/>
+                <c:pt idx="0">
+                  <c:v>0.72779000000000005</c:v>
+                </c:pt>
+                <c:pt idx="1">
+                  <c:v>0.70431999999999995</c:v>
+                </c:pt>
+                <c:pt idx="2">
+                  <c:v>0.78715000000000002</c:v>
+                </c:pt>
+              </c:numCache>
+            </c:numRef>
+          </c:val>
+          <c:smooth val="0"/>
+          <c:extLst>
+            <c:ext xmlns:c16="http://schemas.microsoft.com/office/drawing/2014/chart" uri="{C3380CC4-5D6E-409C-BE32-E72D297353CC}">
+              <c16:uniqueId val="{00000001-BCA9-4B83-9075-7965F42079ED}"/>
+            </c:ext>
+          </c:extLst>
+        </c:ser>
+        <c:ser>
+          <c:idx val="2"/>
+          <c:order val="2"/>
+          <c:tx>
+            <c:strRef>
+              <c:f>Sheet6!$D$1</c:f>
+              <c:strCache>
+                <c:ptCount val="1"/>
+                <c:pt idx="0">
+                  <c:v>both</c:v>
+                </c:pt>
+              </c:strCache>
+            </c:strRef>
+          </c:tx>
+          <c:spPr>
+            <a:ln w="28575" cap="rnd">
+              <a:solidFill>
+                <a:schemeClr val="accent3"/>
+              </a:solidFill>
+              <a:round/>
+            </a:ln>
+            <a:effectLst/>
+          </c:spPr>
+          <c:marker>
+            <c:symbol val="none"/>
+          </c:marker>
+          <c:cat>
+            <c:strRef>
+              <c:f>Sheet6!$A$2:$A$4</c:f>
+              <c:strCache>
+                <c:ptCount val="3"/>
+                <c:pt idx="0">
+                  <c:v>SVM</c:v>
+                </c:pt>
+                <c:pt idx="1">
+                  <c:v>ロジスティック回帰</c:v>
+                </c:pt>
+                <c:pt idx="2">
+                  <c:v>ランダムフォレスト</c:v>
+                </c:pt>
+              </c:strCache>
+            </c:strRef>
+          </c:cat>
+          <c:val>
+            <c:numRef>
+              <c:f>Sheet6!$D$2:$D$4</c:f>
+              <c:numCache>
+                <c:formatCode>General</c:formatCode>
+                <c:ptCount val="3"/>
+                <c:pt idx="0">
+                  <c:v>0.79581999999999997</c:v>
+                </c:pt>
+                <c:pt idx="1">
+                  <c:v>0.78444000000000003</c:v>
+                </c:pt>
+                <c:pt idx="2">
+                  <c:v>0.84838999999999998</c:v>
+                </c:pt>
+              </c:numCache>
+            </c:numRef>
+          </c:val>
+          <c:smooth val="0"/>
+          <c:extLst>
+            <c:ext xmlns:c16="http://schemas.microsoft.com/office/drawing/2014/chart" uri="{C3380CC4-5D6E-409C-BE32-E72D297353CC}">
+              <c16:uniqueId val="{00000002-BCA9-4B83-9075-7965F42079ED}"/>
+            </c:ext>
+          </c:extLst>
+        </c:ser>
+        <c:dLbls>
+          <c:showLegendKey val="0"/>
+          <c:showVal val="0"/>
+          <c:showCatName val="0"/>
+          <c:showSerName val="0"/>
+          <c:showPercent val="0"/>
+          <c:showBubbleSize val="0"/>
+        </c:dLbls>
+        <c:smooth val="0"/>
+        <c:axId val="295892111"/>
+        <c:axId val="295893071"/>
+      </c:lineChart>
+      <c:catAx>
+        <c:axId val="295892111"/>
+        <c:scaling>
+          <c:orientation val="minMax"/>
+        </c:scaling>
+        <c:delete val="0"/>
+        <c:axPos val="b"/>
+        <c:numFmt formatCode="General" sourceLinked="1"/>
+        <c:majorTickMark val="none"/>
+        <c:minorTickMark val="none"/>
+        <c:tickLblPos val="nextTo"/>
+        <c:spPr>
+          <a:noFill/>
+          <a:ln w="9525" cap="flat" cmpd="sng" algn="ctr">
+            <a:solidFill>
+              <a:schemeClr val="tx1">
+                <a:lumMod val="15000"/>
+                <a:lumOff val="85000"/>
+              </a:schemeClr>
+            </a:solidFill>
+            <a:round/>
+          </a:ln>
+          <a:effectLst/>
+        </c:spPr>
+        <c:txPr>
+          <a:bodyPr rot="-60000000" spcFirstLastPara="1" vertOverflow="ellipsis" vert="horz" wrap="square" anchor="ctr" anchorCtr="1"/>
+          <a:lstStyle/>
+          <a:p>
+            <a:pPr>
+              <a:defRPr sz="900" b="0" i="0" u="none" strike="noStrike" kern="1200" baseline="0">
+                <a:solidFill>
+                  <a:schemeClr val="tx1">
+                    <a:lumMod val="65000"/>
+                    <a:lumOff val="35000"/>
+                  </a:schemeClr>
+                </a:solidFill>
+                <a:latin typeface="+mn-lt"/>
+                <a:ea typeface="+mn-ea"/>
+                <a:cs typeface="+mn-cs"/>
+              </a:defRPr>
+            </a:pPr>
+            <a:endParaRPr lang="ja-JP"/>
+          </a:p>
+        </c:txPr>
+        <c:crossAx val="295893071"/>
+        <c:crosses val="autoZero"/>
+        <c:auto val="1"/>
+        <c:lblAlgn val="ctr"/>
+        <c:lblOffset val="100"/>
+        <c:noMultiLvlLbl val="0"/>
+      </c:catAx>
+      <c:valAx>
+        <c:axId val="295893071"/>
+        <c:scaling>
+          <c:orientation val="minMax"/>
+        </c:scaling>
+        <c:delete val="0"/>
+        <c:axPos val="l"/>
+        <c:majorGridlines>
+          <c:spPr>
+            <a:ln w="9525" cap="flat" cmpd="sng" algn="ctr">
+              <a:solidFill>
+                <a:schemeClr val="tx1">
+                  <a:lumMod val="15000"/>
+                  <a:lumOff val="85000"/>
+                </a:schemeClr>
+              </a:solidFill>
+              <a:round/>
+            </a:ln>
+            <a:effectLst/>
+          </c:spPr>
+        </c:majorGridlines>
+        <c:numFmt formatCode="General" sourceLinked="1"/>
+        <c:majorTickMark val="none"/>
+        <c:minorTickMark val="none"/>
+        <c:tickLblPos val="nextTo"/>
+        <c:spPr>
+          <a:noFill/>
+          <a:ln>
+            <a:noFill/>
+          </a:ln>
+          <a:effectLst/>
+        </c:spPr>
+        <c:txPr>
+          <a:bodyPr rot="-60000000" spcFirstLastPara="1" vertOverflow="ellipsis" vert="horz" wrap="square" anchor="ctr" anchorCtr="1"/>
+          <a:lstStyle/>
+          <a:p>
+            <a:pPr>
+              <a:defRPr sz="900" b="0" i="0" u="none" strike="noStrike" kern="1200" baseline="0">
+                <a:solidFill>
+                  <a:schemeClr val="tx1">
+                    <a:lumMod val="65000"/>
+                    <a:lumOff val="35000"/>
+                  </a:schemeClr>
+                </a:solidFill>
+                <a:latin typeface="+mn-lt"/>
+                <a:ea typeface="+mn-ea"/>
+                <a:cs typeface="+mn-cs"/>
+              </a:defRPr>
+            </a:pPr>
+            <a:endParaRPr lang="ja-JP"/>
+          </a:p>
+        </c:txPr>
+        <c:crossAx val="295892111"/>
+        <c:crosses val="autoZero"/>
+        <c:crossBetween val="between"/>
+      </c:valAx>
+      <c:spPr>
+        <a:noFill/>
+        <a:ln>
+          <a:noFill/>
+        </a:ln>
+        <a:effectLst/>
+      </c:spPr>
+    </c:plotArea>
+    <c:legend>
+      <c:legendPos val="b"/>
+      <c:overlay val="0"/>
+      <c:spPr>
+        <a:noFill/>
+        <a:ln>
+          <a:noFill/>
+        </a:ln>
+        <a:effectLst/>
+      </c:spPr>
+      <c:txPr>
+        <a:bodyPr rot="0" spcFirstLastPara="1" vertOverflow="ellipsis" vert="horz" wrap="square" anchor="ctr" anchorCtr="1"/>
+        <a:lstStyle/>
+        <a:p>
+          <a:pPr>
+            <a:defRPr sz="900" b="0" i="0" u="none" strike="noStrike" kern="1200" baseline="0">
+              <a:solidFill>
+                <a:schemeClr val="tx1">
+                  <a:lumMod val="65000"/>
+                  <a:lumOff val="35000"/>
+                </a:schemeClr>
+              </a:solidFill>
+              <a:latin typeface="+mn-lt"/>
+              <a:ea typeface="+mn-ea"/>
+              <a:cs typeface="+mn-cs"/>
+            </a:defRPr>
+          </a:pPr>
+          <a:endParaRPr lang="ja-JP"/>
+        </a:p>
+      </c:txPr>
+    </c:legend>
+    <c:plotVisOnly val="1"/>
+    <c:dispBlanksAs val="gap"/>
+    <c:showDLblsOverMax val="0"/>
+  </c:chart>
+  <c:spPr>
+    <a:noFill/>
+    <a:ln>
+      <a:noFill/>
+    </a:ln>
+    <a:effectLst/>
+  </c:spPr>
+  <c:txPr>
+    <a:bodyPr/>
+    <a:lstStyle/>
+    <a:p>
+      <a:pPr>
+        <a:defRPr/>
+      </a:pPr>
+      <a:endParaRPr lang="ja-JP"/>
+    </a:p>
+  </c:txPr>
+  <c:externalData r:id="rId3">
+    <c:autoUpdate val="0"/>
+  </c:externalData>
+</c:chartSpace>
+</file>
+
+<file path=ppt/charts/chart4.xml><?xml version="1.0" encoding="utf-8"?>
+<c:chartSpace xmlns:c="http://schemas.openxmlformats.org/drawingml/2006/chart" xmlns:a="http://schemas.openxmlformats.org/drawingml/2006/main" xmlns:r="http://schemas.openxmlformats.org/officeDocument/2006/relationships" xmlns:c16r2="http://schemas.microsoft.com/office/drawing/2015/06/chart">
+  <c:date1904 val="0"/>
+  <c:lang val="ja-JP"/>
+  <c:roundedCorners val="0"/>
+  <mc:AlternateContent xmlns:mc="http://schemas.openxmlformats.org/markup-compatibility/2006">
+    <mc:Choice xmlns:c14="http://schemas.microsoft.com/office/drawing/2007/8/2/chart" Requires="c14">
+      <c14:style val="102"/>
+    </mc:Choice>
+    <mc:Fallback>
+      <c:style val="2"/>
+    </mc:Fallback>
+  </mc:AlternateContent>
+  <c:chart>
+    <c:title>
+      <c:tx>
+        <c:rich>
+          <a:bodyPr rot="0" spcFirstLastPara="1" vertOverflow="ellipsis" vert="horz" wrap="square" anchor="ctr" anchorCtr="1"/>
+          <a:lstStyle/>
+          <a:p>
+            <a:pPr>
+              <a:defRPr sz="1400" b="0" i="0" u="none" strike="noStrike" kern="1200" spc="0" baseline="0">
+                <a:solidFill>
+                  <a:schemeClr val="tx1">
+                    <a:lumMod val="65000"/>
+                    <a:lumOff val="35000"/>
+                  </a:schemeClr>
+                </a:solidFill>
+                <a:latin typeface="+mn-lt"/>
+                <a:ea typeface="+mn-ea"/>
+                <a:cs typeface="+mn-cs"/>
+              </a:defRPr>
+            </a:pPr>
+            <a:r>
+              <a:rPr lang="en-US" altLang="ja-JP"/>
+              <a:t>Recall</a:t>
+            </a:r>
+            <a:endParaRPr lang="ja-JP" altLang="en-US"/>
+          </a:p>
+        </c:rich>
+      </c:tx>
+      <c:overlay val="0"/>
+      <c:spPr>
+        <a:noFill/>
+        <a:ln>
+          <a:noFill/>
+        </a:ln>
+        <a:effectLst/>
+      </c:spPr>
+      <c:txPr>
+        <a:bodyPr rot="0" spcFirstLastPara="1" vertOverflow="ellipsis" vert="horz" wrap="square" anchor="ctr" anchorCtr="1"/>
+        <a:lstStyle/>
+        <a:p>
+          <a:pPr>
+            <a:defRPr sz="1400" b="0" i="0" u="none" strike="noStrike" kern="1200" spc="0" baseline="0">
+              <a:solidFill>
+                <a:schemeClr val="tx1">
+                  <a:lumMod val="65000"/>
+                  <a:lumOff val="35000"/>
+                </a:schemeClr>
+              </a:solidFill>
+              <a:latin typeface="+mn-lt"/>
+              <a:ea typeface="+mn-ea"/>
+              <a:cs typeface="+mn-cs"/>
+            </a:defRPr>
+          </a:pPr>
+          <a:endParaRPr lang="ja-JP"/>
+        </a:p>
+      </c:txPr>
+    </c:title>
+    <c:autoTitleDeleted val="0"/>
+    <c:plotArea>
+      <c:layout/>
+      <c:lineChart>
+        <c:grouping val="standard"/>
+        <c:varyColors val="0"/>
+        <c:ser>
+          <c:idx val="0"/>
+          <c:order val="0"/>
+          <c:tx>
+            <c:strRef>
+              <c:f>Sheet5!$B$1</c:f>
+              <c:strCache>
+                <c:ptCount val="1"/>
+                <c:pt idx="0">
+                  <c:v>uni</c:v>
+                </c:pt>
+              </c:strCache>
+            </c:strRef>
+          </c:tx>
+          <c:spPr>
+            <a:ln w="28575" cap="rnd">
+              <a:solidFill>
+                <a:schemeClr val="accent1"/>
+              </a:solidFill>
+              <a:round/>
+            </a:ln>
+            <a:effectLst/>
+          </c:spPr>
+          <c:marker>
+            <c:symbol val="none"/>
+          </c:marker>
+          <c:cat>
+            <c:strRef>
+              <c:f>Sheet5!$A$2:$A$4</c:f>
+              <c:strCache>
+                <c:ptCount val="3"/>
+                <c:pt idx="0">
+                  <c:v>SVM</c:v>
+                </c:pt>
+                <c:pt idx="1">
+                  <c:v>ロジスティック回帰</c:v>
+                </c:pt>
+                <c:pt idx="2">
+                  <c:v>ランダムフォレスト</c:v>
+                </c:pt>
+              </c:strCache>
+            </c:strRef>
+          </c:cat>
+          <c:val>
+            <c:numRef>
+              <c:f>Sheet5!$B$2:$B$4</c:f>
+              <c:numCache>
+                <c:formatCode>General</c:formatCode>
+                <c:ptCount val="3"/>
+                <c:pt idx="0">
+                  <c:v>0.79986000000000002</c:v>
+                </c:pt>
+                <c:pt idx="1">
+                  <c:v>0.79986000000000002</c:v>
+                </c:pt>
+                <c:pt idx="2">
+                  <c:v>0.86170999999999998</c:v>
+                </c:pt>
+              </c:numCache>
+            </c:numRef>
+          </c:val>
+          <c:smooth val="0"/>
+          <c:extLst>
+            <c:ext xmlns:c16="http://schemas.microsoft.com/office/drawing/2014/chart" uri="{C3380CC4-5D6E-409C-BE32-E72D297353CC}">
+              <c16:uniqueId val="{00000000-0BEB-4722-B0E1-15887238EAB7}"/>
+            </c:ext>
+          </c:extLst>
+        </c:ser>
+        <c:ser>
+          <c:idx val="1"/>
+          <c:order val="1"/>
+          <c:tx>
+            <c:strRef>
+              <c:f>Sheet5!$C$1</c:f>
+              <c:strCache>
+                <c:ptCount val="1"/>
+                <c:pt idx="0">
+                  <c:v>bi</c:v>
+                </c:pt>
+              </c:strCache>
+            </c:strRef>
+          </c:tx>
+          <c:spPr>
+            <a:ln w="28575" cap="rnd">
+              <a:solidFill>
+                <a:schemeClr val="accent2"/>
+              </a:solidFill>
+              <a:round/>
+            </a:ln>
+            <a:effectLst/>
+          </c:spPr>
+          <c:marker>
+            <c:symbol val="none"/>
+          </c:marker>
+          <c:cat>
+            <c:strRef>
+              <c:f>Sheet5!$A$2:$A$4</c:f>
+              <c:strCache>
+                <c:ptCount val="3"/>
+                <c:pt idx="0">
+                  <c:v>SVM</c:v>
+                </c:pt>
+                <c:pt idx="1">
+                  <c:v>ロジスティック回帰</c:v>
+                </c:pt>
+                <c:pt idx="2">
+                  <c:v>ランダムフォレスト</c:v>
+                </c:pt>
+              </c:strCache>
+            </c:strRef>
+          </c:cat>
+          <c:val>
+            <c:numRef>
+              <c:f>Sheet5!$C$2:$C$4</c:f>
+              <c:numCache>
+                <c:formatCode>General</c:formatCode>
+                <c:ptCount val="3"/>
+                <c:pt idx="0">
+                  <c:v>0.68781999999999999</c:v>
+                </c:pt>
+                <c:pt idx="1">
+                  <c:v>0.71675999999999995</c:v>
+                </c:pt>
+                <c:pt idx="2">
+                  <c:v>0.75444</c:v>
+                </c:pt>
+              </c:numCache>
+            </c:numRef>
+          </c:val>
+          <c:smooth val="0"/>
+          <c:extLst>
+            <c:ext xmlns:c16="http://schemas.microsoft.com/office/drawing/2014/chart" uri="{C3380CC4-5D6E-409C-BE32-E72D297353CC}">
+              <c16:uniqueId val="{00000001-0BEB-4722-B0E1-15887238EAB7}"/>
+            </c:ext>
+          </c:extLst>
+        </c:ser>
+        <c:ser>
+          <c:idx val="2"/>
+          <c:order val="2"/>
+          <c:tx>
+            <c:strRef>
+              <c:f>Sheet5!$D$1</c:f>
+              <c:strCache>
+                <c:ptCount val="1"/>
+                <c:pt idx="0">
+                  <c:v>both</c:v>
+                </c:pt>
+              </c:strCache>
+            </c:strRef>
+          </c:tx>
+          <c:spPr>
+            <a:ln w="28575" cap="rnd">
+              <a:solidFill>
+                <a:schemeClr val="accent3"/>
+              </a:solidFill>
+              <a:round/>
+            </a:ln>
+            <a:effectLst/>
+          </c:spPr>
+          <c:marker>
+            <c:symbol val="none"/>
+          </c:marker>
+          <c:cat>
+            <c:strRef>
+              <c:f>Sheet5!$A$2:$A$4</c:f>
+              <c:strCache>
+                <c:ptCount val="3"/>
+                <c:pt idx="0">
+                  <c:v>SVM</c:v>
+                </c:pt>
+                <c:pt idx="1">
+                  <c:v>ロジスティック回帰</c:v>
+                </c:pt>
+                <c:pt idx="2">
+                  <c:v>ランダムフォレスト</c:v>
+                </c:pt>
+              </c:strCache>
+            </c:strRef>
+          </c:cat>
+          <c:val>
+            <c:numRef>
+              <c:f>Sheet5!$D$2:$D$4</c:f>
+              <c:numCache>
+                <c:formatCode>General</c:formatCode>
+                <c:ptCount val="3"/>
+                <c:pt idx="0">
+                  <c:v>0.77125999999999995</c:v>
+                </c:pt>
+                <c:pt idx="1">
+                  <c:v>0.77480000000000004</c:v>
+                </c:pt>
+                <c:pt idx="2">
+                  <c:v>0.82715000000000005</c:v>
+                </c:pt>
+              </c:numCache>
+            </c:numRef>
+          </c:val>
+          <c:smooth val="0"/>
+          <c:extLst>
+            <c:ext xmlns:c16="http://schemas.microsoft.com/office/drawing/2014/chart" uri="{C3380CC4-5D6E-409C-BE32-E72D297353CC}">
+              <c16:uniqueId val="{00000002-0BEB-4722-B0E1-15887238EAB7}"/>
+            </c:ext>
+          </c:extLst>
+        </c:ser>
+        <c:dLbls>
+          <c:showLegendKey val="0"/>
+          <c:showVal val="0"/>
+          <c:showCatName val="0"/>
+          <c:showSerName val="0"/>
+          <c:showPercent val="0"/>
+          <c:showBubbleSize val="0"/>
+        </c:dLbls>
+        <c:smooth val="0"/>
+        <c:axId val="289345039"/>
+        <c:axId val="289330159"/>
+      </c:lineChart>
+      <c:catAx>
+        <c:axId val="289345039"/>
+        <c:scaling>
+          <c:orientation val="minMax"/>
+        </c:scaling>
+        <c:delete val="0"/>
+        <c:axPos val="b"/>
+        <c:numFmt formatCode="General" sourceLinked="1"/>
+        <c:majorTickMark val="none"/>
+        <c:minorTickMark val="none"/>
+        <c:tickLblPos val="nextTo"/>
+        <c:spPr>
+          <a:noFill/>
+          <a:ln w="9525" cap="flat" cmpd="sng" algn="ctr">
+            <a:solidFill>
+              <a:schemeClr val="tx1">
+                <a:lumMod val="15000"/>
+                <a:lumOff val="85000"/>
+              </a:schemeClr>
+            </a:solidFill>
+            <a:round/>
+          </a:ln>
+          <a:effectLst/>
+        </c:spPr>
+        <c:txPr>
+          <a:bodyPr rot="-60000000" spcFirstLastPara="1" vertOverflow="ellipsis" vert="horz" wrap="square" anchor="ctr" anchorCtr="1"/>
+          <a:lstStyle/>
+          <a:p>
+            <a:pPr>
+              <a:defRPr sz="900" b="0" i="0" u="none" strike="noStrike" kern="1200" baseline="0">
+                <a:solidFill>
+                  <a:schemeClr val="tx1">
+                    <a:lumMod val="65000"/>
+                    <a:lumOff val="35000"/>
+                  </a:schemeClr>
+                </a:solidFill>
+                <a:latin typeface="+mn-lt"/>
+                <a:ea typeface="+mn-ea"/>
+                <a:cs typeface="+mn-cs"/>
+              </a:defRPr>
+            </a:pPr>
+            <a:endParaRPr lang="ja-JP"/>
+          </a:p>
+        </c:txPr>
+        <c:crossAx val="289330159"/>
+        <c:crosses val="autoZero"/>
+        <c:auto val="1"/>
+        <c:lblAlgn val="ctr"/>
+        <c:lblOffset val="100"/>
+        <c:noMultiLvlLbl val="0"/>
+      </c:catAx>
+      <c:valAx>
+        <c:axId val="289330159"/>
+        <c:scaling>
+          <c:orientation val="minMax"/>
+        </c:scaling>
+        <c:delete val="0"/>
+        <c:axPos val="l"/>
+        <c:majorGridlines>
+          <c:spPr>
+            <a:ln w="9525" cap="flat" cmpd="sng" algn="ctr">
+              <a:solidFill>
+                <a:schemeClr val="tx1">
+                  <a:lumMod val="15000"/>
+                  <a:lumOff val="85000"/>
+                </a:schemeClr>
+              </a:solidFill>
+              <a:round/>
+            </a:ln>
+            <a:effectLst/>
+          </c:spPr>
+        </c:majorGridlines>
+        <c:numFmt formatCode="General" sourceLinked="1"/>
+        <c:majorTickMark val="none"/>
+        <c:minorTickMark val="none"/>
+        <c:tickLblPos val="nextTo"/>
+        <c:spPr>
+          <a:noFill/>
+          <a:ln>
+            <a:noFill/>
+          </a:ln>
+          <a:effectLst/>
+        </c:spPr>
+        <c:txPr>
+          <a:bodyPr rot="-60000000" spcFirstLastPara="1" vertOverflow="ellipsis" vert="horz" wrap="square" anchor="ctr" anchorCtr="1"/>
+          <a:lstStyle/>
+          <a:p>
+            <a:pPr>
+              <a:defRPr sz="900" b="0" i="0" u="none" strike="noStrike" kern="1200" baseline="0">
+                <a:solidFill>
+                  <a:schemeClr val="tx1">
+                    <a:lumMod val="65000"/>
+                    <a:lumOff val="35000"/>
+                  </a:schemeClr>
+                </a:solidFill>
+                <a:latin typeface="+mn-lt"/>
+                <a:ea typeface="+mn-ea"/>
+                <a:cs typeface="+mn-cs"/>
+              </a:defRPr>
+            </a:pPr>
+            <a:endParaRPr lang="ja-JP"/>
+          </a:p>
+        </c:txPr>
+        <c:crossAx val="289345039"/>
+        <c:crosses val="autoZero"/>
+        <c:crossBetween val="between"/>
+      </c:valAx>
+      <c:spPr>
+        <a:noFill/>
+        <a:ln>
+          <a:noFill/>
+        </a:ln>
+        <a:effectLst/>
+      </c:spPr>
+    </c:plotArea>
+    <c:legend>
+      <c:legendPos val="b"/>
+      <c:overlay val="0"/>
+      <c:spPr>
+        <a:noFill/>
+        <a:ln>
+          <a:noFill/>
+        </a:ln>
+        <a:effectLst/>
+      </c:spPr>
+      <c:txPr>
+        <a:bodyPr rot="0" spcFirstLastPara="1" vertOverflow="ellipsis" vert="horz" wrap="square" anchor="ctr" anchorCtr="1"/>
+        <a:lstStyle/>
+        <a:p>
+          <a:pPr>
+            <a:defRPr sz="900" b="0" i="0" u="none" strike="noStrike" kern="1200" baseline="0">
+              <a:solidFill>
+                <a:schemeClr val="tx1">
+                  <a:lumMod val="65000"/>
+                  <a:lumOff val="35000"/>
+                </a:schemeClr>
+              </a:solidFill>
+              <a:latin typeface="+mn-lt"/>
+              <a:ea typeface="+mn-ea"/>
+              <a:cs typeface="+mn-cs"/>
+            </a:defRPr>
+          </a:pPr>
+          <a:endParaRPr lang="ja-JP"/>
+        </a:p>
+      </c:txPr>
+    </c:legend>
+    <c:plotVisOnly val="1"/>
+    <c:dispBlanksAs val="gap"/>
+    <c:showDLblsOverMax val="0"/>
+  </c:chart>
+  <c:spPr>
+    <a:noFill/>
+    <a:ln>
+      <a:noFill/>
+    </a:ln>
+    <a:effectLst/>
+  </c:spPr>
+  <c:txPr>
+    <a:bodyPr/>
+    <a:lstStyle/>
+    <a:p>
+      <a:pPr>
+        <a:defRPr/>
+      </a:pPr>
+      <a:endParaRPr lang="ja-JP"/>
+    </a:p>
+  </c:txPr>
+  <c:externalData r:id="rId3">
+    <c:autoUpdate val="0"/>
+  </c:externalData>
+</c:chartSpace>
+</file>
+
+<file path=ppt/charts/chart5.xml><?xml version="1.0" encoding="utf-8"?>
+<c:chartSpace xmlns:c="http://schemas.openxmlformats.org/drawingml/2006/chart" xmlns:a="http://schemas.openxmlformats.org/drawingml/2006/main" xmlns:r="http://schemas.openxmlformats.org/officeDocument/2006/relationships" xmlns:c16r2="http://schemas.microsoft.com/office/drawing/2015/06/chart">
+  <c:date1904 val="0"/>
+  <c:lang val="ja-JP"/>
+  <c:roundedCorners val="0"/>
+  <mc:AlternateContent xmlns:mc="http://schemas.openxmlformats.org/markup-compatibility/2006">
+    <mc:Choice xmlns:c14="http://schemas.microsoft.com/office/drawing/2007/8/2/chart" Requires="c14">
+      <c14:style val="102"/>
+    </mc:Choice>
+    <mc:Fallback>
+      <c:style val="2"/>
+    </mc:Fallback>
+  </mc:AlternateContent>
+  <c:chart>
+    <c:title>
+      <c:tx>
+        <c:rich>
+          <a:bodyPr rot="0" spcFirstLastPara="1" vertOverflow="ellipsis" vert="horz" wrap="square" anchor="ctr" anchorCtr="1"/>
+          <a:lstStyle/>
+          <a:p>
+            <a:pPr>
+              <a:defRPr sz="1400" b="0" i="0" u="none" strike="noStrike" kern="1200" spc="0" baseline="0">
+                <a:solidFill>
+                  <a:schemeClr val="tx1">
+                    <a:lumMod val="65000"/>
+                    <a:lumOff val="35000"/>
+                  </a:schemeClr>
+                </a:solidFill>
+                <a:latin typeface="+mn-lt"/>
+                <a:ea typeface="+mn-ea"/>
+                <a:cs typeface="+mn-cs"/>
+              </a:defRPr>
+            </a:pPr>
+            <a:r>
+              <a:rPr lang="en-US" altLang="ja-JP"/>
+              <a:t>Precision</a:t>
+            </a:r>
+            <a:endParaRPr lang="ja-JP" altLang="en-US"/>
+          </a:p>
+        </c:rich>
+      </c:tx>
+      <c:overlay val="0"/>
+      <c:spPr>
+        <a:noFill/>
+        <a:ln>
+          <a:noFill/>
+        </a:ln>
+        <a:effectLst/>
+      </c:spPr>
+      <c:txPr>
+        <a:bodyPr rot="0" spcFirstLastPara="1" vertOverflow="ellipsis" vert="horz" wrap="square" anchor="ctr" anchorCtr="1"/>
+        <a:lstStyle/>
+        <a:p>
+          <a:pPr>
+            <a:defRPr sz="1400" b="0" i="0" u="none" strike="noStrike" kern="1200" spc="0" baseline="0">
+              <a:solidFill>
+                <a:schemeClr val="tx1">
+                  <a:lumMod val="65000"/>
+                  <a:lumOff val="35000"/>
+                </a:schemeClr>
+              </a:solidFill>
+              <a:latin typeface="+mn-lt"/>
+              <a:ea typeface="+mn-ea"/>
+              <a:cs typeface="+mn-cs"/>
+            </a:defRPr>
+          </a:pPr>
+          <a:endParaRPr lang="ja-JP"/>
+        </a:p>
+      </c:txPr>
+    </c:title>
+    <c:autoTitleDeleted val="0"/>
+    <c:plotArea>
+      <c:layout/>
+      <c:lineChart>
+        <c:grouping val="standard"/>
+        <c:varyColors val="0"/>
+        <c:ser>
+          <c:idx val="0"/>
+          <c:order val="0"/>
+          <c:tx>
+            <c:strRef>
+              <c:f>Sheet4!$B$1</c:f>
+              <c:strCache>
+                <c:ptCount val="1"/>
+                <c:pt idx="0">
+                  <c:v>uni</c:v>
+                </c:pt>
+              </c:strCache>
+            </c:strRef>
+          </c:tx>
+          <c:spPr>
+            <a:ln w="28575" cap="rnd">
+              <a:solidFill>
+                <a:schemeClr val="accent1"/>
+              </a:solidFill>
+              <a:round/>
+            </a:ln>
+            <a:effectLst/>
+          </c:spPr>
+          <c:marker>
+            <c:symbol val="none"/>
+          </c:marker>
+          <c:cat>
+            <c:strRef>
+              <c:f>Sheet4!$A$2:$A$4</c:f>
+              <c:strCache>
+                <c:ptCount val="3"/>
+                <c:pt idx="0">
+                  <c:v>SVM</c:v>
+                </c:pt>
+                <c:pt idx="1">
+                  <c:v>ロジスティック回帰</c:v>
+                </c:pt>
+                <c:pt idx="2">
+                  <c:v>ランダムフォレスト</c:v>
+                </c:pt>
+              </c:strCache>
+            </c:strRef>
+          </c:cat>
+          <c:val>
+            <c:numRef>
+              <c:f>Sheet4!$B$2:$B$4</c:f>
+              <c:numCache>
+                <c:formatCode>General</c:formatCode>
+                <c:ptCount val="3"/>
+                <c:pt idx="0">
+                  <c:v>0.83965999999999996</c:v>
+                </c:pt>
+                <c:pt idx="1">
+                  <c:v>0.83965999999999996</c:v>
+                </c:pt>
+                <c:pt idx="2">
+                  <c:v>0.90078000000000003</c:v>
+                </c:pt>
+              </c:numCache>
+            </c:numRef>
+          </c:val>
+          <c:smooth val="0"/>
+          <c:extLst>
+            <c:ext xmlns:c16="http://schemas.microsoft.com/office/drawing/2014/chart" uri="{C3380CC4-5D6E-409C-BE32-E72D297353CC}">
+              <c16:uniqueId val="{00000000-F777-48E8-B29E-B7915031B64A}"/>
+            </c:ext>
+          </c:extLst>
+        </c:ser>
+        <c:ser>
+          <c:idx val="1"/>
+          <c:order val="1"/>
+          <c:tx>
+            <c:strRef>
+              <c:f>Sheet4!$C$1</c:f>
+              <c:strCache>
+                <c:ptCount val="1"/>
+                <c:pt idx="0">
+                  <c:v>bi</c:v>
+                </c:pt>
+              </c:strCache>
+            </c:strRef>
+          </c:tx>
+          <c:spPr>
+            <a:ln w="28575" cap="rnd">
+              <a:solidFill>
+                <a:schemeClr val="accent2"/>
+              </a:solidFill>
+              <a:round/>
+            </a:ln>
+            <a:effectLst/>
+          </c:spPr>
+          <c:marker>
+            <c:symbol val="none"/>
+          </c:marker>
+          <c:cat>
+            <c:strRef>
+              <c:f>Sheet4!$A$2:$A$4</c:f>
+              <c:strCache>
+                <c:ptCount val="3"/>
+                <c:pt idx="0">
+                  <c:v>SVM</c:v>
+                </c:pt>
+                <c:pt idx="1">
+                  <c:v>ロジスティック回帰</c:v>
+                </c:pt>
+                <c:pt idx="2">
+                  <c:v>ランダムフォレスト</c:v>
+                </c:pt>
+              </c:strCache>
+            </c:strRef>
+          </c:cat>
+          <c:val>
+            <c:numRef>
+              <c:f>Sheet4!$C$2:$C$4</c:f>
+              <c:numCache>
+                <c:formatCode>General</c:formatCode>
+                <c:ptCount val="3"/>
+                <c:pt idx="0">
+                  <c:v>0.78705000000000003</c:v>
+                </c:pt>
+                <c:pt idx="1">
+                  <c:v>0.70560999999999996</c:v>
+                </c:pt>
+                <c:pt idx="2">
+                  <c:v>0.83958999999999995</c:v>
+                </c:pt>
+              </c:numCache>
+            </c:numRef>
+          </c:val>
+          <c:smooth val="0"/>
+          <c:extLst>
+            <c:ext xmlns:c16="http://schemas.microsoft.com/office/drawing/2014/chart" uri="{C3380CC4-5D6E-409C-BE32-E72D297353CC}">
+              <c16:uniqueId val="{00000001-F777-48E8-B29E-B7915031B64A}"/>
+            </c:ext>
+          </c:extLst>
+        </c:ser>
+        <c:ser>
+          <c:idx val="2"/>
+          <c:order val="2"/>
+          <c:tx>
+            <c:strRef>
+              <c:f>Sheet4!$D$1</c:f>
+              <c:strCache>
+                <c:ptCount val="1"/>
+                <c:pt idx="0">
+                  <c:v>both</c:v>
+                </c:pt>
+              </c:strCache>
+            </c:strRef>
+          </c:tx>
+          <c:spPr>
+            <a:ln w="28575" cap="rnd">
+              <a:solidFill>
+                <a:schemeClr val="accent3"/>
+              </a:solidFill>
+              <a:round/>
+            </a:ln>
+            <a:effectLst/>
+          </c:spPr>
+          <c:marker>
+            <c:symbol val="none"/>
+          </c:marker>
+          <c:cat>
+            <c:strRef>
+              <c:f>Sheet4!$A$2:$A$4</c:f>
+              <c:strCache>
+                <c:ptCount val="3"/>
+                <c:pt idx="0">
+                  <c:v>SVM</c:v>
+                </c:pt>
+                <c:pt idx="1">
+                  <c:v>ロジスティック回帰</c:v>
+                </c:pt>
+                <c:pt idx="2">
+                  <c:v>ランダムフォレスト</c:v>
+                </c:pt>
+              </c:strCache>
+            </c:strRef>
+          </c:cat>
+          <c:val>
+            <c:numRef>
+              <c:f>Sheet4!$D$2:$D$4</c:f>
+              <c:numCache>
+                <c:formatCode>General</c:formatCode>
+                <c:ptCount val="3"/>
+                <c:pt idx="0">
+                  <c:v>0.83181000000000005</c:v>
+                </c:pt>
+                <c:pt idx="1">
+                  <c:v>0.80628</c:v>
+                </c:pt>
+                <c:pt idx="2">
+                  <c:v>0.88239000000000001</c:v>
+                </c:pt>
+              </c:numCache>
+            </c:numRef>
+          </c:val>
+          <c:smooth val="0"/>
+          <c:extLst>
+            <c:ext xmlns:c16="http://schemas.microsoft.com/office/drawing/2014/chart" uri="{C3380CC4-5D6E-409C-BE32-E72D297353CC}">
+              <c16:uniqueId val="{00000002-F777-48E8-B29E-B7915031B64A}"/>
+            </c:ext>
+          </c:extLst>
+        </c:ser>
+        <c:dLbls>
+          <c:showLegendKey val="0"/>
+          <c:showVal val="0"/>
+          <c:showCatName val="0"/>
+          <c:showSerName val="0"/>
+          <c:showPercent val="0"/>
+          <c:showBubbleSize val="0"/>
+        </c:dLbls>
+        <c:smooth val="0"/>
+        <c:axId val="286915071"/>
+        <c:axId val="286890591"/>
+      </c:lineChart>
+      <c:catAx>
+        <c:axId val="286915071"/>
+        <c:scaling>
+          <c:orientation val="minMax"/>
+        </c:scaling>
+        <c:delete val="0"/>
+        <c:axPos val="b"/>
+        <c:numFmt formatCode="General" sourceLinked="1"/>
+        <c:majorTickMark val="none"/>
+        <c:minorTickMark val="none"/>
+        <c:tickLblPos val="nextTo"/>
+        <c:spPr>
+          <a:noFill/>
+          <a:ln w="9525" cap="flat" cmpd="sng" algn="ctr">
+            <a:solidFill>
+              <a:schemeClr val="tx1">
+                <a:lumMod val="15000"/>
+                <a:lumOff val="85000"/>
+              </a:schemeClr>
+            </a:solidFill>
+            <a:round/>
+          </a:ln>
+          <a:effectLst/>
+        </c:spPr>
+        <c:txPr>
+          <a:bodyPr rot="-60000000" spcFirstLastPara="1" vertOverflow="ellipsis" vert="horz" wrap="square" anchor="ctr" anchorCtr="1"/>
+          <a:lstStyle/>
+          <a:p>
+            <a:pPr>
+              <a:defRPr sz="900" b="0" i="0" u="none" strike="noStrike" kern="1200" baseline="0">
+                <a:solidFill>
+                  <a:schemeClr val="tx1">
+                    <a:lumMod val="65000"/>
+                    <a:lumOff val="35000"/>
+                  </a:schemeClr>
+                </a:solidFill>
+                <a:latin typeface="+mn-lt"/>
+                <a:ea typeface="+mn-ea"/>
+                <a:cs typeface="+mn-cs"/>
+              </a:defRPr>
+            </a:pPr>
+            <a:endParaRPr lang="ja-JP"/>
+          </a:p>
+        </c:txPr>
+        <c:crossAx val="286890591"/>
+        <c:crosses val="autoZero"/>
+        <c:auto val="1"/>
+        <c:lblAlgn val="ctr"/>
+        <c:lblOffset val="100"/>
+        <c:noMultiLvlLbl val="0"/>
+      </c:catAx>
+      <c:valAx>
+        <c:axId val="286890591"/>
+        <c:scaling>
+          <c:orientation val="minMax"/>
+        </c:scaling>
+        <c:delete val="0"/>
+        <c:axPos val="l"/>
+        <c:majorGridlines>
+          <c:spPr>
+            <a:ln w="9525" cap="flat" cmpd="sng" algn="ctr">
+              <a:solidFill>
+                <a:schemeClr val="tx1">
+                  <a:lumMod val="15000"/>
+                  <a:lumOff val="85000"/>
+                </a:schemeClr>
+              </a:solidFill>
+              <a:round/>
+            </a:ln>
+            <a:effectLst/>
+          </c:spPr>
+        </c:majorGridlines>
+        <c:numFmt formatCode="General" sourceLinked="1"/>
+        <c:majorTickMark val="none"/>
+        <c:minorTickMark val="none"/>
+        <c:tickLblPos val="nextTo"/>
+        <c:spPr>
+          <a:noFill/>
+          <a:ln>
+            <a:noFill/>
+          </a:ln>
+          <a:effectLst/>
+        </c:spPr>
+        <c:txPr>
+          <a:bodyPr rot="-60000000" spcFirstLastPara="1" vertOverflow="ellipsis" vert="horz" wrap="square" anchor="ctr" anchorCtr="1"/>
+          <a:lstStyle/>
+          <a:p>
+            <a:pPr>
+              <a:defRPr sz="900" b="0" i="0" u="none" strike="noStrike" kern="1200" baseline="0">
+                <a:solidFill>
+                  <a:schemeClr val="tx1">
+                    <a:lumMod val="65000"/>
+                    <a:lumOff val="35000"/>
+                  </a:schemeClr>
+                </a:solidFill>
+                <a:latin typeface="+mn-lt"/>
+                <a:ea typeface="+mn-ea"/>
+                <a:cs typeface="+mn-cs"/>
+              </a:defRPr>
+            </a:pPr>
+            <a:endParaRPr lang="ja-JP"/>
+          </a:p>
+        </c:txPr>
+        <c:crossAx val="286915071"/>
+        <c:crosses val="autoZero"/>
+        <c:crossBetween val="between"/>
+      </c:valAx>
+      <c:spPr>
+        <a:noFill/>
+        <a:ln>
+          <a:noFill/>
+        </a:ln>
+        <a:effectLst/>
+      </c:spPr>
+    </c:plotArea>
+    <c:legend>
+      <c:legendPos val="b"/>
+      <c:overlay val="0"/>
+      <c:spPr>
+        <a:noFill/>
+        <a:ln>
+          <a:noFill/>
+        </a:ln>
+        <a:effectLst/>
+      </c:spPr>
+      <c:txPr>
+        <a:bodyPr rot="0" spcFirstLastPara="1" vertOverflow="ellipsis" vert="horz" wrap="square" anchor="ctr" anchorCtr="1"/>
+        <a:lstStyle/>
+        <a:p>
+          <a:pPr>
+            <a:defRPr sz="900" b="0" i="0" u="none" strike="noStrike" kern="1200" baseline="0">
+              <a:solidFill>
+                <a:schemeClr val="tx1">
+                  <a:lumMod val="65000"/>
+                  <a:lumOff val="35000"/>
+                </a:schemeClr>
+              </a:solidFill>
+              <a:latin typeface="+mn-lt"/>
+              <a:ea typeface="+mn-ea"/>
+              <a:cs typeface="+mn-cs"/>
+            </a:defRPr>
+          </a:pPr>
+          <a:endParaRPr lang="ja-JP"/>
+        </a:p>
+      </c:txPr>
+    </c:legend>
+    <c:plotVisOnly val="1"/>
+    <c:dispBlanksAs val="gap"/>
+    <c:showDLblsOverMax val="0"/>
+  </c:chart>
+  <c:spPr>
+    <a:noFill/>
+    <a:ln>
+      <a:noFill/>
+    </a:ln>
+    <a:effectLst/>
+  </c:spPr>
+  <c:txPr>
+    <a:bodyPr/>
+    <a:lstStyle/>
+    <a:p>
+      <a:pPr>
+        <a:defRPr/>
+      </a:pPr>
+      <a:endParaRPr lang="ja-JP"/>
+    </a:p>
+  </c:txPr>
+  <c:externalData r:id="rId3">
+    <c:autoUpdate val="0"/>
+  </c:externalData>
+</c:chartSpace>
+</file>
+
+<file path=ppt/charts/chart6.xml><?xml version="1.0" encoding="utf-8"?>
+<c:chartSpace xmlns:c="http://schemas.openxmlformats.org/drawingml/2006/chart" xmlns:a="http://schemas.openxmlformats.org/drawingml/2006/main" xmlns:r="http://schemas.openxmlformats.org/officeDocument/2006/relationships" xmlns:c16r2="http://schemas.microsoft.com/office/drawing/2015/06/chart">
+  <c:date1904 val="0"/>
+  <c:lang val="ja-JP"/>
+  <c:roundedCorners val="0"/>
+  <mc:AlternateContent xmlns:mc="http://schemas.openxmlformats.org/markup-compatibility/2006">
+    <mc:Choice xmlns:c14="http://schemas.microsoft.com/office/drawing/2007/8/2/chart" Requires="c14">
+      <c14:style val="102"/>
+    </mc:Choice>
+    <mc:Fallback>
+      <c:style val="2"/>
+    </mc:Fallback>
+  </mc:AlternateContent>
+  <c:chart>
+    <c:title>
+      <c:tx>
+        <c:rich>
+          <a:bodyPr rot="0" spcFirstLastPara="1" vertOverflow="ellipsis" vert="horz" wrap="square" anchor="ctr" anchorCtr="1"/>
+          <a:lstStyle/>
+          <a:p>
+            <a:pPr>
+              <a:defRPr sz="1400" b="0" i="0" u="none" strike="noStrike" kern="1200" spc="0" baseline="0">
+                <a:solidFill>
+                  <a:schemeClr val="tx1">
+                    <a:lumMod val="65000"/>
+                    <a:lumOff val="35000"/>
+                  </a:schemeClr>
+                </a:solidFill>
+                <a:latin typeface="+mn-lt"/>
+                <a:ea typeface="+mn-ea"/>
+                <a:cs typeface="+mn-cs"/>
+              </a:defRPr>
+            </a:pPr>
+            <a:r>
+              <a:rPr lang="en-US" altLang="ja-JP"/>
+              <a:t>Accuracy</a:t>
+            </a:r>
+            <a:endParaRPr lang="ja-JP" altLang="en-US"/>
+          </a:p>
+        </c:rich>
+      </c:tx>
+      <c:overlay val="0"/>
+      <c:spPr>
+        <a:noFill/>
+        <a:ln>
+          <a:noFill/>
+        </a:ln>
+        <a:effectLst/>
+      </c:spPr>
+      <c:txPr>
+        <a:bodyPr rot="0" spcFirstLastPara="1" vertOverflow="ellipsis" vert="horz" wrap="square" anchor="ctr" anchorCtr="1"/>
+        <a:lstStyle/>
+        <a:p>
+          <a:pPr>
+            <a:defRPr sz="1400" b="0" i="0" u="none" strike="noStrike" kern="1200" spc="0" baseline="0">
+              <a:solidFill>
+                <a:schemeClr val="tx1">
+                  <a:lumMod val="65000"/>
+                  <a:lumOff val="35000"/>
+                </a:schemeClr>
+              </a:solidFill>
+              <a:latin typeface="+mn-lt"/>
+              <a:ea typeface="+mn-ea"/>
+              <a:cs typeface="+mn-cs"/>
+            </a:defRPr>
+          </a:pPr>
+          <a:endParaRPr lang="ja-JP"/>
+        </a:p>
+      </c:txPr>
+    </c:title>
+    <c:autoTitleDeleted val="0"/>
+    <c:plotArea>
+      <c:layout/>
+      <c:lineChart>
+        <c:grouping val="standard"/>
+        <c:varyColors val="0"/>
+        <c:ser>
+          <c:idx val="0"/>
+          <c:order val="0"/>
+          <c:tx>
+            <c:strRef>
+              <c:f>Sheet3!$B$1</c:f>
+              <c:strCache>
+                <c:ptCount val="1"/>
+                <c:pt idx="0">
+                  <c:v>uni</c:v>
+                </c:pt>
+              </c:strCache>
+            </c:strRef>
+          </c:tx>
+          <c:spPr>
+            <a:ln w="28575" cap="rnd">
+              <a:solidFill>
+                <a:schemeClr val="accent1"/>
+              </a:solidFill>
+              <a:round/>
+            </a:ln>
+            <a:effectLst/>
+          </c:spPr>
+          <c:marker>
+            <c:symbol val="none"/>
+          </c:marker>
+          <c:cat>
+            <c:strRef>
+              <c:f>Sheet3!$A$2:$A$4</c:f>
+              <c:strCache>
+                <c:ptCount val="3"/>
+                <c:pt idx="0">
+                  <c:v>SVM</c:v>
+                </c:pt>
+                <c:pt idx="1">
+                  <c:v>ロジスティック回帰</c:v>
+                </c:pt>
+                <c:pt idx="2">
+                  <c:v>ランダムフォレスト</c:v>
+                </c:pt>
+              </c:strCache>
+            </c:strRef>
+          </c:cat>
+          <c:val>
+            <c:numRef>
+              <c:f>Sheet3!$B$2:$B$4</c:f>
+              <c:numCache>
+                <c:formatCode>General</c:formatCode>
+                <c:ptCount val="3"/>
+                <c:pt idx="0">
+                  <c:v>0.84375</c:v>
+                </c:pt>
+                <c:pt idx="1">
+                  <c:v>0.82186999999999999</c:v>
+                </c:pt>
+                <c:pt idx="2">
+                  <c:v>0.88436999999999999</c:v>
+                </c:pt>
+              </c:numCache>
+            </c:numRef>
+          </c:val>
+          <c:smooth val="0"/>
+          <c:extLst>
+            <c:ext xmlns:c16="http://schemas.microsoft.com/office/drawing/2014/chart" uri="{C3380CC4-5D6E-409C-BE32-E72D297353CC}">
+              <c16:uniqueId val="{00000000-54EE-45A4-B47B-EC2B84BB70C1}"/>
+            </c:ext>
+          </c:extLst>
+        </c:ser>
+        <c:ser>
+          <c:idx val="1"/>
+          <c:order val="1"/>
+          <c:tx>
+            <c:strRef>
+              <c:f>Sheet3!$C$1</c:f>
+              <c:strCache>
+                <c:ptCount val="1"/>
+                <c:pt idx="0">
+                  <c:v>bi</c:v>
+                </c:pt>
+              </c:strCache>
+            </c:strRef>
+          </c:tx>
+          <c:spPr>
+            <a:ln w="28575" cap="rnd">
+              <a:solidFill>
+                <a:schemeClr val="accent2"/>
+              </a:solidFill>
+              <a:round/>
+            </a:ln>
+            <a:effectLst/>
+          </c:spPr>
+          <c:marker>
+            <c:symbol val="none"/>
+          </c:marker>
+          <c:cat>
+            <c:strRef>
+              <c:f>Sheet3!$A$2:$A$4</c:f>
+              <c:strCache>
+                <c:ptCount val="3"/>
+                <c:pt idx="0">
+                  <c:v>SVM</c:v>
+                </c:pt>
+                <c:pt idx="1">
+                  <c:v>ロジスティック回帰</c:v>
+                </c:pt>
+                <c:pt idx="2">
+                  <c:v>ランダムフォレスト</c:v>
+                </c:pt>
+              </c:strCache>
+            </c:strRef>
+          </c:cat>
+          <c:val>
+            <c:numRef>
+              <c:f>Sheet3!$C$2:$C$4</c:f>
+              <c:numCache>
+                <c:formatCode>General</c:formatCode>
+                <c:ptCount val="3"/>
+                <c:pt idx="0">
+                  <c:v>0.74987999999999999</c:v>
+                </c:pt>
+                <c:pt idx="1">
+                  <c:v>0.70872999999999997</c:v>
+                </c:pt>
+                <c:pt idx="2">
+                  <c:v>0.79815999999999998</c:v>
+                </c:pt>
+              </c:numCache>
+            </c:numRef>
+          </c:val>
+          <c:smooth val="0"/>
+          <c:extLst>
+            <c:ext xmlns:c16="http://schemas.microsoft.com/office/drawing/2014/chart" uri="{C3380CC4-5D6E-409C-BE32-E72D297353CC}">
+              <c16:uniqueId val="{00000001-54EE-45A4-B47B-EC2B84BB70C1}"/>
+            </c:ext>
+          </c:extLst>
+        </c:ser>
+        <c:ser>
+          <c:idx val="2"/>
+          <c:order val="2"/>
+          <c:tx>
+            <c:strRef>
+              <c:f>Sheet3!$D$1</c:f>
+              <c:strCache>
+                <c:ptCount val="1"/>
+                <c:pt idx="0">
+                  <c:v>both</c:v>
+                </c:pt>
+              </c:strCache>
+            </c:strRef>
+          </c:tx>
+          <c:spPr>
+            <a:ln w="28575" cap="rnd">
+              <a:solidFill>
+                <a:schemeClr val="accent3"/>
+              </a:solidFill>
+              <a:round/>
+            </a:ln>
+            <a:effectLst/>
+          </c:spPr>
+          <c:marker>
+            <c:symbol val="none"/>
+          </c:marker>
+          <c:cat>
+            <c:strRef>
+              <c:f>Sheet3!$A$2:$A$4</c:f>
+              <c:strCache>
+                <c:ptCount val="3"/>
+                <c:pt idx="0">
+                  <c:v>SVM</c:v>
+                </c:pt>
+                <c:pt idx="1">
+                  <c:v>ロジスティック回帰</c:v>
+                </c:pt>
+                <c:pt idx="2">
+                  <c:v>ランダムフォレスト</c:v>
+                </c:pt>
+              </c:strCache>
+            </c:strRef>
+          </c:cat>
+          <c:val>
+            <c:numRef>
+              <c:f>Sheet3!$D$2:$D$4</c:f>
+              <c:numCache>
+                <c:formatCode>General</c:formatCode>
+                <c:ptCount val="3"/>
+                <c:pt idx="0">
+                  <c:v>0.81149000000000004</c:v>
+                </c:pt>
+                <c:pt idx="1">
+                  <c:v>0.78747</c:v>
+                </c:pt>
+                <c:pt idx="2">
+                  <c:v>0.85299000000000003</c:v>
+                </c:pt>
+              </c:numCache>
+            </c:numRef>
+          </c:val>
+          <c:smooth val="0"/>
+          <c:extLst>
+            <c:ext xmlns:c16="http://schemas.microsoft.com/office/drawing/2014/chart" uri="{C3380CC4-5D6E-409C-BE32-E72D297353CC}">
+              <c16:uniqueId val="{00000002-54EE-45A4-B47B-EC2B84BB70C1}"/>
+            </c:ext>
+          </c:extLst>
+        </c:ser>
+        <c:dLbls>
+          <c:showLegendKey val="0"/>
+          <c:showVal val="0"/>
+          <c:showCatName val="0"/>
+          <c:showSerName val="0"/>
+          <c:showPercent val="0"/>
+          <c:showBubbleSize val="0"/>
+        </c:dLbls>
+        <c:smooth val="0"/>
+        <c:axId val="1211899087"/>
+        <c:axId val="1211899567"/>
+      </c:lineChart>
+      <c:catAx>
+        <c:axId val="1211899087"/>
+        <c:scaling>
+          <c:orientation val="minMax"/>
+        </c:scaling>
+        <c:delete val="0"/>
+        <c:axPos val="b"/>
+        <c:numFmt formatCode="General" sourceLinked="1"/>
+        <c:majorTickMark val="none"/>
+        <c:minorTickMark val="none"/>
+        <c:tickLblPos val="nextTo"/>
+        <c:spPr>
+          <a:noFill/>
+          <a:ln w="9525" cap="flat" cmpd="sng" algn="ctr">
+            <a:solidFill>
+              <a:schemeClr val="tx1">
+                <a:lumMod val="15000"/>
+                <a:lumOff val="85000"/>
+              </a:schemeClr>
+            </a:solidFill>
+            <a:round/>
+          </a:ln>
+          <a:effectLst/>
+        </c:spPr>
+        <c:txPr>
+          <a:bodyPr rot="-60000000" spcFirstLastPara="1" vertOverflow="ellipsis" vert="horz" wrap="square" anchor="ctr" anchorCtr="1"/>
+          <a:lstStyle/>
+          <a:p>
+            <a:pPr>
+              <a:defRPr sz="900" b="0" i="0" u="none" strike="noStrike" kern="1200" baseline="0">
+                <a:solidFill>
+                  <a:schemeClr val="tx1">
+                    <a:lumMod val="65000"/>
+                    <a:lumOff val="35000"/>
+                  </a:schemeClr>
+                </a:solidFill>
+                <a:latin typeface="+mn-lt"/>
+                <a:ea typeface="+mn-ea"/>
+                <a:cs typeface="+mn-cs"/>
+              </a:defRPr>
+            </a:pPr>
+            <a:endParaRPr lang="ja-JP"/>
+          </a:p>
+        </c:txPr>
+        <c:crossAx val="1211899567"/>
+        <c:crosses val="autoZero"/>
+        <c:auto val="1"/>
+        <c:lblAlgn val="ctr"/>
+        <c:lblOffset val="100"/>
+        <c:noMultiLvlLbl val="0"/>
+      </c:catAx>
+      <c:valAx>
+        <c:axId val="1211899567"/>
+        <c:scaling>
+          <c:orientation val="minMax"/>
+        </c:scaling>
+        <c:delete val="0"/>
+        <c:axPos val="l"/>
+        <c:majorGridlines>
+          <c:spPr>
+            <a:ln w="9525" cap="flat" cmpd="sng" algn="ctr">
+              <a:solidFill>
+                <a:schemeClr val="tx1">
+                  <a:lumMod val="15000"/>
+                  <a:lumOff val="85000"/>
+                </a:schemeClr>
+              </a:solidFill>
+              <a:round/>
+            </a:ln>
+            <a:effectLst/>
+          </c:spPr>
+        </c:majorGridlines>
+        <c:numFmt formatCode="General" sourceLinked="1"/>
+        <c:majorTickMark val="none"/>
+        <c:minorTickMark val="none"/>
+        <c:tickLblPos val="nextTo"/>
+        <c:spPr>
+          <a:noFill/>
+          <a:ln>
+            <a:noFill/>
+          </a:ln>
+          <a:effectLst/>
+        </c:spPr>
+        <c:txPr>
+          <a:bodyPr rot="-60000000" spcFirstLastPara="1" vertOverflow="ellipsis" vert="horz" wrap="square" anchor="ctr" anchorCtr="1"/>
+          <a:lstStyle/>
+          <a:p>
+            <a:pPr>
+              <a:defRPr sz="900" b="0" i="0" u="none" strike="noStrike" kern="1200" baseline="0">
+                <a:solidFill>
+                  <a:schemeClr val="tx1">
+                    <a:lumMod val="65000"/>
+                    <a:lumOff val="35000"/>
+                  </a:schemeClr>
+                </a:solidFill>
+                <a:latin typeface="+mn-lt"/>
+                <a:ea typeface="+mn-ea"/>
+                <a:cs typeface="+mn-cs"/>
+              </a:defRPr>
+            </a:pPr>
+            <a:endParaRPr lang="ja-JP"/>
+          </a:p>
+        </c:txPr>
+        <c:crossAx val="1211899087"/>
         <c:crosses val="autoZero"/>
         <c:crossBetween val="between"/>
       </c:valAx>
@@ -3572,6 +4136,166 @@
 </file>
 
 <file path=ppt/charts/colors2.xml><?xml version="1.0" encoding="utf-8"?>
+<cs:colorStyle xmlns:cs="http://schemas.microsoft.com/office/drawing/2012/chartStyle" xmlns:a="http://schemas.openxmlformats.org/drawingml/2006/main" meth="cycle" id="10">
+  <a:schemeClr val="accent1"/>
+  <a:schemeClr val="accent2"/>
+  <a:schemeClr val="accent3"/>
+  <a:schemeClr val="accent4"/>
+  <a:schemeClr val="accent5"/>
+  <a:schemeClr val="accent6"/>
+  <cs:variation/>
+  <cs:variation>
+    <a:lumMod val="60000"/>
+  </cs:variation>
+  <cs:variation>
+    <a:lumMod val="80000"/>
+    <a:lumOff val="20000"/>
+  </cs:variation>
+  <cs:variation>
+    <a:lumMod val="80000"/>
+  </cs:variation>
+  <cs:variation>
+    <a:lumMod val="60000"/>
+    <a:lumOff val="40000"/>
+  </cs:variation>
+  <cs:variation>
+    <a:lumMod val="50000"/>
+  </cs:variation>
+  <cs:variation>
+    <a:lumMod val="70000"/>
+    <a:lumOff val="30000"/>
+  </cs:variation>
+  <cs:variation>
+    <a:lumMod val="70000"/>
+  </cs:variation>
+  <cs:variation>
+    <a:lumMod val="50000"/>
+    <a:lumOff val="50000"/>
+  </cs:variation>
+</cs:colorStyle>
+</file>
+
+<file path=ppt/charts/colors3.xml><?xml version="1.0" encoding="utf-8"?>
+<cs:colorStyle xmlns:cs="http://schemas.microsoft.com/office/drawing/2012/chartStyle" xmlns:a="http://schemas.openxmlformats.org/drawingml/2006/main" meth="cycle" id="10">
+  <a:schemeClr val="accent1"/>
+  <a:schemeClr val="accent2"/>
+  <a:schemeClr val="accent3"/>
+  <a:schemeClr val="accent4"/>
+  <a:schemeClr val="accent5"/>
+  <a:schemeClr val="accent6"/>
+  <cs:variation/>
+  <cs:variation>
+    <a:lumMod val="60000"/>
+  </cs:variation>
+  <cs:variation>
+    <a:lumMod val="80000"/>
+    <a:lumOff val="20000"/>
+  </cs:variation>
+  <cs:variation>
+    <a:lumMod val="80000"/>
+  </cs:variation>
+  <cs:variation>
+    <a:lumMod val="60000"/>
+    <a:lumOff val="40000"/>
+  </cs:variation>
+  <cs:variation>
+    <a:lumMod val="50000"/>
+  </cs:variation>
+  <cs:variation>
+    <a:lumMod val="70000"/>
+    <a:lumOff val="30000"/>
+  </cs:variation>
+  <cs:variation>
+    <a:lumMod val="70000"/>
+  </cs:variation>
+  <cs:variation>
+    <a:lumMod val="50000"/>
+    <a:lumOff val="50000"/>
+  </cs:variation>
+</cs:colorStyle>
+</file>
+
+<file path=ppt/charts/colors4.xml><?xml version="1.0" encoding="utf-8"?>
+<cs:colorStyle xmlns:cs="http://schemas.microsoft.com/office/drawing/2012/chartStyle" xmlns:a="http://schemas.openxmlformats.org/drawingml/2006/main" meth="cycle" id="10">
+  <a:schemeClr val="accent1"/>
+  <a:schemeClr val="accent2"/>
+  <a:schemeClr val="accent3"/>
+  <a:schemeClr val="accent4"/>
+  <a:schemeClr val="accent5"/>
+  <a:schemeClr val="accent6"/>
+  <cs:variation/>
+  <cs:variation>
+    <a:lumMod val="60000"/>
+  </cs:variation>
+  <cs:variation>
+    <a:lumMod val="80000"/>
+    <a:lumOff val="20000"/>
+  </cs:variation>
+  <cs:variation>
+    <a:lumMod val="80000"/>
+  </cs:variation>
+  <cs:variation>
+    <a:lumMod val="60000"/>
+    <a:lumOff val="40000"/>
+  </cs:variation>
+  <cs:variation>
+    <a:lumMod val="50000"/>
+  </cs:variation>
+  <cs:variation>
+    <a:lumMod val="70000"/>
+    <a:lumOff val="30000"/>
+  </cs:variation>
+  <cs:variation>
+    <a:lumMod val="70000"/>
+  </cs:variation>
+  <cs:variation>
+    <a:lumMod val="50000"/>
+    <a:lumOff val="50000"/>
+  </cs:variation>
+</cs:colorStyle>
+</file>
+
+<file path=ppt/charts/colors5.xml><?xml version="1.0" encoding="utf-8"?>
+<cs:colorStyle xmlns:cs="http://schemas.microsoft.com/office/drawing/2012/chartStyle" xmlns:a="http://schemas.openxmlformats.org/drawingml/2006/main" meth="cycle" id="10">
+  <a:schemeClr val="accent1"/>
+  <a:schemeClr val="accent2"/>
+  <a:schemeClr val="accent3"/>
+  <a:schemeClr val="accent4"/>
+  <a:schemeClr val="accent5"/>
+  <a:schemeClr val="accent6"/>
+  <cs:variation/>
+  <cs:variation>
+    <a:lumMod val="60000"/>
+  </cs:variation>
+  <cs:variation>
+    <a:lumMod val="80000"/>
+    <a:lumOff val="20000"/>
+  </cs:variation>
+  <cs:variation>
+    <a:lumMod val="80000"/>
+  </cs:variation>
+  <cs:variation>
+    <a:lumMod val="60000"/>
+    <a:lumOff val="40000"/>
+  </cs:variation>
+  <cs:variation>
+    <a:lumMod val="50000"/>
+  </cs:variation>
+  <cs:variation>
+    <a:lumMod val="70000"/>
+    <a:lumOff val="30000"/>
+  </cs:variation>
+  <cs:variation>
+    <a:lumMod val="70000"/>
+  </cs:variation>
+  <cs:variation>
+    <a:lumMod val="50000"/>
+    <a:lumOff val="50000"/>
+  </cs:variation>
+</cs:colorStyle>
+</file>
+
+<file path=ppt/charts/colors6.xml><?xml version="1.0" encoding="utf-8"?>
 <cs:colorStyle xmlns:cs="http://schemas.microsoft.com/office/drawing/2012/chartStyle" xmlns:a="http://schemas.openxmlformats.org/drawingml/2006/main" meth="cycle" id="10">
   <a:schemeClr val="accent1"/>
   <a:schemeClr val="accent2"/>
@@ -4643,6 +5367,2070 @@
 </cs:chartStyle>
 </file>
 
+<file path=ppt/charts/style3.xml><?xml version="1.0" encoding="utf-8"?>
+<cs:chartStyle xmlns:cs="http://schemas.microsoft.com/office/drawing/2012/chartStyle" xmlns:a="http://schemas.openxmlformats.org/drawingml/2006/main" id="227">
+  <cs:axisTitle>
+    <cs:lnRef idx="0"/>
+    <cs:fillRef idx="0"/>
+    <cs:effectRef idx="0"/>
+    <cs:fontRef idx="minor">
+      <a:schemeClr val="tx1">
+        <a:lumMod val="65000"/>
+        <a:lumOff val="35000"/>
+      </a:schemeClr>
+    </cs:fontRef>
+    <cs:defRPr sz="1000" kern="1200"/>
+  </cs:axisTitle>
+  <cs:categoryAxis>
+    <cs:lnRef idx="0"/>
+    <cs:fillRef idx="0"/>
+    <cs:effectRef idx="0"/>
+    <cs:fontRef idx="minor">
+      <a:schemeClr val="tx1">
+        <a:lumMod val="65000"/>
+        <a:lumOff val="35000"/>
+      </a:schemeClr>
+    </cs:fontRef>
+    <cs:spPr>
+      <a:ln w="9525" cap="flat" cmpd="sng" algn="ctr">
+        <a:solidFill>
+          <a:schemeClr val="tx1">
+            <a:lumMod val="15000"/>
+            <a:lumOff val="85000"/>
+          </a:schemeClr>
+        </a:solidFill>
+        <a:round/>
+      </a:ln>
+    </cs:spPr>
+    <cs:defRPr sz="900" kern="1200"/>
+  </cs:categoryAxis>
+  <cs:chartArea mods="allowNoFillOverride allowNoLineOverride">
+    <cs:lnRef idx="0"/>
+    <cs:fillRef idx="0"/>
+    <cs:effectRef idx="0"/>
+    <cs:fontRef idx="minor">
+      <a:schemeClr val="tx1"/>
+    </cs:fontRef>
+    <cs:spPr>
+      <a:solidFill>
+        <a:schemeClr val="bg1"/>
+      </a:solidFill>
+      <a:ln w="9525" cap="flat" cmpd="sng" algn="ctr">
+        <a:solidFill>
+          <a:schemeClr val="tx1">
+            <a:lumMod val="15000"/>
+            <a:lumOff val="85000"/>
+          </a:schemeClr>
+        </a:solidFill>
+        <a:round/>
+      </a:ln>
+    </cs:spPr>
+    <cs:defRPr sz="1000" kern="1200"/>
+  </cs:chartArea>
+  <cs:dataLabel>
+    <cs:lnRef idx="0"/>
+    <cs:fillRef idx="0"/>
+    <cs:effectRef idx="0"/>
+    <cs:fontRef idx="minor">
+      <a:schemeClr val="tx1">
+        <a:lumMod val="75000"/>
+        <a:lumOff val="25000"/>
+      </a:schemeClr>
+    </cs:fontRef>
+    <cs:defRPr sz="900" kern="1200"/>
+  </cs:dataLabel>
+  <cs:dataLabelCallout>
+    <cs:lnRef idx="0"/>
+    <cs:fillRef idx="0"/>
+    <cs:effectRef idx="0"/>
+    <cs:fontRef idx="minor">
+      <a:schemeClr val="dk1">
+        <a:lumMod val="65000"/>
+        <a:lumOff val="35000"/>
+      </a:schemeClr>
+    </cs:fontRef>
+    <cs:spPr>
+      <a:solidFill>
+        <a:schemeClr val="lt1"/>
+      </a:solidFill>
+      <a:ln>
+        <a:solidFill>
+          <a:schemeClr val="dk1">
+            <a:lumMod val="25000"/>
+            <a:lumOff val="75000"/>
+          </a:schemeClr>
+        </a:solidFill>
+      </a:ln>
+    </cs:spPr>
+    <cs:defRPr sz="900" kern="1200"/>
+    <cs:bodyPr rot="0" spcFirstLastPara="1" vertOverflow="clip" horzOverflow="clip" vert="horz" wrap="square" lIns="36576" tIns="18288" rIns="36576" bIns="18288" anchor="ctr" anchorCtr="1">
+      <a:spAutoFit/>
+    </cs:bodyPr>
+  </cs:dataLabelCallout>
+  <cs:dataPoint>
+    <cs:lnRef idx="0"/>
+    <cs:fillRef idx="1">
+      <cs:styleClr val="auto"/>
+    </cs:fillRef>
+    <cs:effectRef idx="0"/>
+    <cs:fontRef idx="minor">
+      <a:schemeClr val="tx1"/>
+    </cs:fontRef>
+    <cs:spPr>
+      <a:solidFill>
+        <a:schemeClr val="phClr"/>
+      </a:solidFill>
+    </cs:spPr>
+  </cs:dataPoint>
+  <cs:dataPoint3D>
+    <cs:lnRef idx="0"/>
+    <cs:fillRef idx="1">
+      <cs:styleClr val="auto"/>
+    </cs:fillRef>
+    <cs:effectRef idx="0"/>
+    <cs:fontRef idx="minor">
+      <a:schemeClr val="tx1"/>
+    </cs:fontRef>
+    <cs:spPr>
+      <a:solidFill>
+        <a:schemeClr val="phClr"/>
+      </a:solidFill>
+    </cs:spPr>
+  </cs:dataPoint3D>
+  <cs:dataPointLine>
+    <cs:lnRef idx="0">
+      <cs:styleClr val="auto"/>
+    </cs:lnRef>
+    <cs:fillRef idx="1"/>
+    <cs:effectRef idx="0"/>
+    <cs:fontRef idx="minor">
+      <a:schemeClr val="tx1"/>
+    </cs:fontRef>
+    <cs:spPr>
+      <a:ln w="28575" cap="rnd">
+        <a:solidFill>
+          <a:schemeClr val="phClr"/>
+        </a:solidFill>
+        <a:round/>
+      </a:ln>
+    </cs:spPr>
+  </cs:dataPointLine>
+  <cs:dataPointMarker>
+    <cs:lnRef idx="0">
+      <cs:styleClr val="auto"/>
+    </cs:lnRef>
+    <cs:fillRef idx="1">
+      <cs:styleClr val="auto"/>
+    </cs:fillRef>
+    <cs:effectRef idx="0"/>
+    <cs:fontRef idx="minor">
+      <a:schemeClr val="tx1"/>
+    </cs:fontRef>
+    <cs:spPr>
+      <a:solidFill>
+        <a:schemeClr val="phClr"/>
+      </a:solidFill>
+      <a:ln w="9525">
+        <a:solidFill>
+          <a:schemeClr val="phClr"/>
+        </a:solidFill>
+      </a:ln>
+    </cs:spPr>
+  </cs:dataPointMarker>
+  <cs:dataPointMarkerLayout symbol="circle" size="5"/>
+  <cs:dataPointWireframe>
+    <cs:lnRef idx="0">
+      <cs:styleClr val="auto"/>
+    </cs:lnRef>
+    <cs:fillRef idx="1"/>
+    <cs:effectRef idx="0"/>
+    <cs:fontRef idx="minor">
+      <a:schemeClr val="tx1"/>
+    </cs:fontRef>
+    <cs:spPr>
+      <a:ln w="9525" cap="rnd">
+        <a:solidFill>
+          <a:schemeClr val="phClr"/>
+        </a:solidFill>
+        <a:round/>
+      </a:ln>
+    </cs:spPr>
+  </cs:dataPointWireframe>
+  <cs:dataTable>
+    <cs:lnRef idx="0"/>
+    <cs:fillRef idx="0"/>
+    <cs:effectRef idx="0"/>
+    <cs:fontRef idx="minor">
+      <a:schemeClr val="tx1">
+        <a:lumMod val="65000"/>
+        <a:lumOff val="35000"/>
+      </a:schemeClr>
+    </cs:fontRef>
+    <cs:spPr>
+      <a:noFill/>
+      <a:ln w="9525" cap="flat" cmpd="sng" algn="ctr">
+        <a:solidFill>
+          <a:schemeClr val="tx1">
+            <a:lumMod val="15000"/>
+            <a:lumOff val="85000"/>
+          </a:schemeClr>
+        </a:solidFill>
+        <a:round/>
+      </a:ln>
+    </cs:spPr>
+    <cs:defRPr sz="900" kern="1200"/>
+  </cs:dataTable>
+  <cs:downBar>
+    <cs:lnRef idx="0"/>
+    <cs:fillRef idx="0"/>
+    <cs:effectRef idx="0"/>
+    <cs:fontRef idx="minor">
+      <a:schemeClr val="dk1"/>
+    </cs:fontRef>
+    <cs:spPr>
+      <a:solidFill>
+        <a:schemeClr val="dk1">
+          <a:lumMod val="65000"/>
+          <a:lumOff val="35000"/>
+        </a:schemeClr>
+      </a:solidFill>
+      <a:ln w="9525">
+        <a:solidFill>
+          <a:schemeClr val="tx1">
+            <a:lumMod val="65000"/>
+            <a:lumOff val="35000"/>
+          </a:schemeClr>
+        </a:solidFill>
+      </a:ln>
+    </cs:spPr>
+  </cs:downBar>
+  <cs:dropLine>
+    <cs:lnRef idx="0"/>
+    <cs:fillRef idx="0"/>
+    <cs:effectRef idx="0"/>
+    <cs:fontRef idx="minor">
+      <a:schemeClr val="tx1"/>
+    </cs:fontRef>
+    <cs:spPr>
+      <a:ln w="9525" cap="flat" cmpd="sng" algn="ctr">
+        <a:solidFill>
+          <a:schemeClr val="tx1">
+            <a:lumMod val="35000"/>
+            <a:lumOff val="65000"/>
+          </a:schemeClr>
+        </a:solidFill>
+        <a:round/>
+      </a:ln>
+    </cs:spPr>
+  </cs:dropLine>
+  <cs:errorBar>
+    <cs:lnRef idx="0"/>
+    <cs:fillRef idx="0"/>
+    <cs:effectRef idx="0"/>
+    <cs:fontRef idx="minor">
+      <a:schemeClr val="tx1"/>
+    </cs:fontRef>
+    <cs:spPr>
+      <a:ln w="9525" cap="flat" cmpd="sng" algn="ctr">
+        <a:solidFill>
+          <a:schemeClr val="tx1">
+            <a:lumMod val="65000"/>
+            <a:lumOff val="35000"/>
+          </a:schemeClr>
+        </a:solidFill>
+        <a:round/>
+      </a:ln>
+    </cs:spPr>
+  </cs:errorBar>
+  <cs:floor>
+    <cs:lnRef idx="0"/>
+    <cs:fillRef idx="0"/>
+    <cs:effectRef idx="0"/>
+    <cs:fontRef idx="minor">
+      <a:schemeClr val="tx1"/>
+    </cs:fontRef>
+    <cs:spPr>
+      <a:noFill/>
+      <a:ln>
+        <a:noFill/>
+      </a:ln>
+    </cs:spPr>
+  </cs:floor>
+  <cs:gridlineMajor>
+    <cs:lnRef idx="0"/>
+    <cs:fillRef idx="0"/>
+    <cs:effectRef idx="0"/>
+    <cs:fontRef idx="minor">
+      <a:schemeClr val="tx1"/>
+    </cs:fontRef>
+    <cs:spPr>
+      <a:ln w="9525" cap="flat" cmpd="sng" algn="ctr">
+        <a:solidFill>
+          <a:schemeClr val="tx1">
+            <a:lumMod val="15000"/>
+            <a:lumOff val="85000"/>
+          </a:schemeClr>
+        </a:solidFill>
+        <a:round/>
+      </a:ln>
+    </cs:spPr>
+  </cs:gridlineMajor>
+  <cs:gridlineMinor>
+    <cs:lnRef idx="0"/>
+    <cs:fillRef idx="0"/>
+    <cs:effectRef idx="0"/>
+    <cs:fontRef idx="minor">
+      <a:schemeClr val="tx1"/>
+    </cs:fontRef>
+    <cs:spPr>
+      <a:ln w="9525" cap="flat" cmpd="sng" algn="ctr">
+        <a:solidFill>
+          <a:schemeClr val="tx1">
+            <a:lumMod val="5000"/>
+            <a:lumOff val="95000"/>
+          </a:schemeClr>
+        </a:solidFill>
+        <a:round/>
+      </a:ln>
+    </cs:spPr>
+  </cs:gridlineMinor>
+  <cs:hiLoLine>
+    <cs:lnRef idx="0"/>
+    <cs:fillRef idx="0"/>
+    <cs:effectRef idx="0"/>
+    <cs:fontRef idx="minor">
+      <a:schemeClr val="tx1"/>
+    </cs:fontRef>
+    <cs:spPr>
+      <a:ln w="9525" cap="flat" cmpd="sng" algn="ctr">
+        <a:solidFill>
+          <a:schemeClr val="tx1">
+            <a:lumMod val="75000"/>
+            <a:lumOff val="25000"/>
+          </a:schemeClr>
+        </a:solidFill>
+        <a:round/>
+      </a:ln>
+    </cs:spPr>
+  </cs:hiLoLine>
+  <cs:leaderLine>
+    <cs:lnRef idx="0"/>
+    <cs:fillRef idx="0"/>
+    <cs:effectRef idx="0"/>
+    <cs:fontRef idx="minor">
+      <a:schemeClr val="tx1"/>
+    </cs:fontRef>
+    <cs:spPr>
+      <a:ln w="9525" cap="flat" cmpd="sng" algn="ctr">
+        <a:solidFill>
+          <a:schemeClr val="tx1">
+            <a:lumMod val="35000"/>
+            <a:lumOff val="65000"/>
+          </a:schemeClr>
+        </a:solidFill>
+        <a:round/>
+      </a:ln>
+    </cs:spPr>
+  </cs:leaderLine>
+  <cs:legend>
+    <cs:lnRef idx="0"/>
+    <cs:fillRef idx="0"/>
+    <cs:effectRef idx="0"/>
+    <cs:fontRef idx="minor">
+      <a:schemeClr val="tx1">
+        <a:lumMod val="65000"/>
+        <a:lumOff val="35000"/>
+      </a:schemeClr>
+    </cs:fontRef>
+    <cs:defRPr sz="900" kern="1200"/>
+  </cs:legend>
+  <cs:plotArea mods="allowNoFillOverride allowNoLineOverride">
+    <cs:lnRef idx="0"/>
+    <cs:fillRef idx="0"/>
+    <cs:effectRef idx="0"/>
+    <cs:fontRef idx="minor">
+      <a:schemeClr val="tx1"/>
+    </cs:fontRef>
+  </cs:plotArea>
+  <cs:plotArea3D mods="allowNoFillOverride allowNoLineOverride">
+    <cs:lnRef idx="0"/>
+    <cs:fillRef idx="0"/>
+    <cs:effectRef idx="0"/>
+    <cs:fontRef idx="minor">
+      <a:schemeClr val="tx1"/>
+    </cs:fontRef>
+  </cs:plotArea3D>
+  <cs:seriesAxis>
+    <cs:lnRef idx="0"/>
+    <cs:fillRef idx="0"/>
+    <cs:effectRef idx="0"/>
+    <cs:fontRef idx="minor">
+      <a:schemeClr val="tx1">
+        <a:lumMod val="65000"/>
+        <a:lumOff val="35000"/>
+      </a:schemeClr>
+    </cs:fontRef>
+    <cs:defRPr sz="900" kern="1200"/>
+  </cs:seriesAxis>
+  <cs:seriesLine>
+    <cs:lnRef idx="0"/>
+    <cs:fillRef idx="0"/>
+    <cs:effectRef idx="0"/>
+    <cs:fontRef idx="minor">
+      <a:schemeClr val="tx1"/>
+    </cs:fontRef>
+    <cs:spPr>
+      <a:ln w="9525" cap="flat" cmpd="sng" algn="ctr">
+        <a:solidFill>
+          <a:schemeClr val="tx1">
+            <a:lumMod val="35000"/>
+            <a:lumOff val="65000"/>
+          </a:schemeClr>
+        </a:solidFill>
+        <a:round/>
+      </a:ln>
+    </cs:spPr>
+  </cs:seriesLine>
+  <cs:title>
+    <cs:lnRef idx="0"/>
+    <cs:fillRef idx="0"/>
+    <cs:effectRef idx="0"/>
+    <cs:fontRef idx="minor">
+      <a:schemeClr val="tx1">
+        <a:lumMod val="65000"/>
+        <a:lumOff val="35000"/>
+      </a:schemeClr>
+    </cs:fontRef>
+    <cs:defRPr sz="1400" b="0" kern="1200" spc="0" baseline="0"/>
+  </cs:title>
+  <cs:trendline>
+    <cs:lnRef idx="0">
+      <cs:styleClr val="auto"/>
+    </cs:lnRef>
+    <cs:fillRef idx="0"/>
+    <cs:effectRef idx="0"/>
+    <cs:fontRef idx="minor">
+      <a:schemeClr val="tx1"/>
+    </cs:fontRef>
+    <cs:spPr>
+      <a:ln w="19050" cap="rnd">
+        <a:solidFill>
+          <a:schemeClr val="phClr"/>
+        </a:solidFill>
+        <a:prstDash val="sysDot"/>
+      </a:ln>
+    </cs:spPr>
+  </cs:trendline>
+  <cs:trendlineLabel>
+    <cs:lnRef idx="0"/>
+    <cs:fillRef idx="0"/>
+    <cs:effectRef idx="0"/>
+    <cs:fontRef idx="minor">
+      <a:schemeClr val="tx1">
+        <a:lumMod val="65000"/>
+        <a:lumOff val="35000"/>
+      </a:schemeClr>
+    </cs:fontRef>
+    <cs:defRPr sz="900" kern="1200"/>
+  </cs:trendlineLabel>
+  <cs:upBar>
+    <cs:lnRef idx="0"/>
+    <cs:fillRef idx="0"/>
+    <cs:effectRef idx="0"/>
+    <cs:fontRef idx="minor">
+      <a:schemeClr val="dk1"/>
+    </cs:fontRef>
+    <cs:spPr>
+      <a:solidFill>
+        <a:schemeClr val="lt1"/>
+      </a:solidFill>
+      <a:ln w="9525">
+        <a:solidFill>
+          <a:schemeClr val="tx1">
+            <a:lumMod val="15000"/>
+            <a:lumOff val="85000"/>
+          </a:schemeClr>
+        </a:solidFill>
+      </a:ln>
+    </cs:spPr>
+  </cs:upBar>
+  <cs:valueAxis>
+    <cs:lnRef idx="0"/>
+    <cs:fillRef idx="0"/>
+    <cs:effectRef idx="0"/>
+    <cs:fontRef idx="minor">
+      <a:schemeClr val="tx1">
+        <a:lumMod val="65000"/>
+        <a:lumOff val="35000"/>
+      </a:schemeClr>
+    </cs:fontRef>
+    <cs:defRPr sz="900" kern="1200"/>
+  </cs:valueAxis>
+  <cs:wall>
+    <cs:lnRef idx="0"/>
+    <cs:fillRef idx="0"/>
+    <cs:effectRef idx="0"/>
+    <cs:fontRef idx="minor">
+      <a:schemeClr val="tx1"/>
+    </cs:fontRef>
+    <cs:spPr>
+      <a:noFill/>
+      <a:ln>
+        <a:noFill/>
+      </a:ln>
+    </cs:spPr>
+  </cs:wall>
+</cs:chartStyle>
+</file>
+
+<file path=ppt/charts/style4.xml><?xml version="1.0" encoding="utf-8"?>
+<cs:chartStyle xmlns:cs="http://schemas.microsoft.com/office/drawing/2012/chartStyle" xmlns:a="http://schemas.openxmlformats.org/drawingml/2006/main" id="227">
+  <cs:axisTitle>
+    <cs:lnRef idx="0"/>
+    <cs:fillRef idx="0"/>
+    <cs:effectRef idx="0"/>
+    <cs:fontRef idx="minor">
+      <a:schemeClr val="tx1">
+        <a:lumMod val="65000"/>
+        <a:lumOff val="35000"/>
+      </a:schemeClr>
+    </cs:fontRef>
+    <cs:defRPr sz="1000" kern="1200"/>
+  </cs:axisTitle>
+  <cs:categoryAxis>
+    <cs:lnRef idx="0"/>
+    <cs:fillRef idx="0"/>
+    <cs:effectRef idx="0"/>
+    <cs:fontRef idx="minor">
+      <a:schemeClr val="tx1">
+        <a:lumMod val="65000"/>
+        <a:lumOff val="35000"/>
+      </a:schemeClr>
+    </cs:fontRef>
+    <cs:spPr>
+      <a:ln w="9525" cap="flat" cmpd="sng" algn="ctr">
+        <a:solidFill>
+          <a:schemeClr val="tx1">
+            <a:lumMod val="15000"/>
+            <a:lumOff val="85000"/>
+          </a:schemeClr>
+        </a:solidFill>
+        <a:round/>
+      </a:ln>
+    </cs:spPr>
+    <cs:defRPr sz="900" kern="1200"/>
+  </cs:categoryAxis>
+  <cs:chartArea mods="allowNoFillOverride allowNoLineOverride">
+    <cs:lnRef idx="0"/>
+    <cs:fillRef idx="0"/>
+    <cs:effectRef idx="0"/>
+    <cs:fontRef idx="minor">
+      <a:schemeClr val="tx1"/>
+    </cs:fontRef>
+    <cs:spPr>
+      <a:solidFill>
+        <a:schemeClr val="bg1"/>
+      </a:solidFill>
+      <a:ln w="9525" cap="flat" cmpd="sng" algn="ctr">
+        <a:solidFill>
+          <a:schemeClr val="tx1">
+            <a:lumMod val="15000"/>
+            <a:lumOff val="85000"/>
+          </a:schemeClr>
+        </a:solidFill>
+        <a:round/>
+      </a:ln>
+    </cs:spPr>
+    <cs:defRPr sz="1000" kern="1200"/>
+  </cs:chartArea>
+  <cs:dataLabel>
+    <cs:lnRef idx="0"/>
+    <cs:fillRef idx="0"/>
+    <cs:effectRef idx="0"/>
+    <cs:fontRef idx="minor">
+      <a:schemeClr val="tx1">
+        <a:lumMod val="75000"/>
+        <a:lumOff val="25000"/>
+      </a:schemeClr>
+    </cs:fontRef>
+    <cs:defRPr sz="900" kern="1200"/>
+  </cs:dataLabel>
+  <cs:dataLabelCallout>
+    <cs:lnRef idx="0"/>
+    <cs:fillRef idx="0"/>
+    <cs:effectRef idx="0"/>
+    <cs:fontRef idx="minor">
+      <a:schemeClr val="dk1">
+        <a:lumMod val="65000"/>
+        <a:lumOff val="35000"/>
+      </a:schemeClr>
+    </cs:fontRef>
+    <cs:spPr>
+      <a:solidFill>
+        <a:schemeClr val="lt1"/>
+      </a:solidFill>
+      <a:ln>
+        <a:solidFill>
+          <a:schemeClr val="dk1">
+            <a:lumMod val="25000"/>
+            <a:lumOff val="75000"/>
+          </a:schemeClr>
+        </a:solidFill>
+      </a:ln>
+    </cs:spPr>
+    <cs:defRPr sz="900" kern="1200"/>
+    <cs:bodyPr rot="0" spcFirstLastPara="1" vertOverflow="clip" horzOverflow="clip" vert="horz" wrap="square" lIns="36576" tIns="18288" rIns="36576" bIns="18288" anchor="ctr" anchorCtr="1">
+      <a:spAutoFit/>
+    </cs:bodyPr>
+  </cs:dataLabelCallout>
+  <cs:dataPoint>
+    <cs:lnRef idx="0"/>
+    <cs:fillRef idx="1">
+      <cs:styleClr val="auto"/>
+    </cs:fillRef>
+    <cs:effectRef idx="0"/>
+    <cs:fontRef idx="minor">
+      <a:schemeClr val="tx1"/>
+    </cs:fontRef>
+    <cs:spPr>
+      <a:solidFill>
+        <a:schemeClr val="phClr"/>
+      </a:solidFill>
+    </cs:spPr>
+  </cs:dataPoint>
+  <cs:dataPoint3D>
+    <cs:lnRef idx="0"/>
+    <cs:fillRef idx="1">
+      <cs:styleClr val="auto"/>
+    </cs:fillRef>
+    <cs:effectRef idx="0"/>
+    <cs:fontRef idx="minor">
+      <a:schemeClr val="tx1"/>
+    </cs:fontRef>
+    <cs:spPr>
+      <a:solidFill>
+        <a:schemeClr val="phClr"/>
+      </a:solidFill>
+    </cs:spPr>
+  </cs:dataPoint3D>
+  <cs:dataPointLine>
+    <cs:lnRef idx="0">
+      <cs:styleClr val="auto"/>
+    </cs:lnRef>
+    <cs:fillRef idx="1"/>
+    <cs:effectRef idx="0"/>
+    <cs:fontRef idx="minor">
+      <a:schemeClr val="tx1"/>
+    </cs:fontRef>
+    <cs:spPr>
+      <a:ln w="28575" cap="rnd">
+        <a:solidFill>
+          <a:schemeClr val="phClr"/>
+        </a:solidFill>
+        <a:round/>
+      </a:ln>
+    </cs:spPr>
+  </cs:dataPointLine>
+  <cs:dataPointMarker>
+    <cs:lnRef idx="0">
+      <cs:styleClr val="auto"/>
+    </cs:lnRef>
+    <cs:fillRef idx="1">
+      <cs:styleClr val="auto"/>
+    </cs:fillRef>
+    <cs:effectRef idx="0"/>
+    <cs:fontRef idx="minor">
+      <a:schemeClr val="tx1"/>
+    </cs:fontRef>
+    <cs:spPr>
+      <a:solidFill>
+        <a:schemeClr val="phClr"/>
+      </a:solidFill>
+      <a:ln w="9525">
+        <a:solidFill>
+          <a:schemeClr val="phClr"/>
+        </a:solidFill>
+      </a:ln>
+    </cs:spPr>
+  </cs:dataPointMarker>
+  <cs:dataPointMarkerLayout symbol="circle" size="5"/>
+  <cs:dataPointWireframe>
+    <cs:lnRef idx="0">
+      <cs:styleClr val="auto"/>
+    </cs:lnRef>
+    <cs:fillRef idx="1"/>
+    <cs:effectRef idx="0"/>
+    <cs:fontRef idx="minor">
+      <a:schemeClr val="tx1"/>
+    </cs:fontRef>
+    <cs:spPr>
+      <a:ln w="9525" cap="rnd">
+        <a:solidFill>
+          <a:schemeClr val="phClr"/>
+        </a:solidFill>
+        <a:round/>
+      </a:ln>
+    </cs:spPr>
+  </cs:dataPointWireframe>
+  <cs:dataTable>
+    <cs:lnRef idx="0"/>
+    <cs:fillRef idx="0"/>
+    <cs:effectRef idx="0"/>
+    <cs:fontRef idx="minor">
+      <a:schemeClr val="tx1">
+        <a:lumMod val="65000"/>
+        <a:lumOff val="35000"/>
+      </a:schemeClr>
+    </cs:fontRef>
+    <cs:spPr>
+      <a:noFill/>
+      <a:ln w="9525" cap="flat" cmpd="sng" algn="ctr">
+        <a:solidFill>
+          <a:schemeClr val="tx1">
+            <a:lumMod val="15000"/>
+            <a:lumOff val="85000"/>
+          </a:schemeClr>
+        </a:solidFill>
+        <a:round/>
+      </a:ln>
+    </cs:spPr>
+    <cs:defRPr sz="900" kern="1200"/>
+  </cs:dataTable>
+  <cs:downBar>
+    <cs:lnRef idx="0"/>
+    <cs:fillRef idx="0"/>
+    <cs:effectRef idx="0"/>
+    <cs:fontRef idx="minor">
+      <a:schemeClr val="dk1"/>
+    </cs:fontRef>
+    <cs:spPr>
+      <a:solidFill>
+        <a:schemeClr val="dk1">
+          <a:lumMod val="65000"/>
+          <a:lumOff val="35000"/>
+        </a:schemeClr>
+      </a:solidFill>
+      <a:ln w="9525">
+        <a:solidFill>
+          <a:schemeClr val="tx1">
+            <a:lumMod val="65000"/>
+            <a:lumOff val="35000"/>
+          </a:schemeClr>
+        </a:solidFill>
+      </a:ln>
+    </cs:spPr>
+  </cs:downBar>
+  <cs:dropLine>
+    <cs:lnRef idx="0"/>
+    <cs:fillRef idx="0"/>
+    <cs:effectRef idx="0"/>
+    <cs:fontRef idx="minor">
+      <a:schemeClr val="tx1"/>
+    </cs:fontRef>
+    <cs:spPr>
+      <a:ln w="9525" cap="flat" cmpd="sng" algn="ctr">
+        <a:solidFill>
+          <a:schemeClr val="tx1">
+            <a:lumMod val="35000"/>
+            <a:lumOff val="65000"/>
+          </a:schemeClr>
+        </a:solidFill>
+        <a:round/>
+      </a:ln>
+    </cs:spPr>
+  </cs:dropLine>
+  <cs:errorBar>
+    <cs:lnRef idx="0"/>
+    <cs:fillRef idx="0"/>
+    <cs:effectRef idx="0"/>
+    <cs:fontRef idx="minor">
+      <a:schemeClr val="tx1"/>
+    </cs:fontRef>
+    <cs:spPr>
+      <a:ln w="9525" cap="flat" cmpd="sng" algn="ctr">
+        <a:solidFill>
+          <a:schemeClr val="tx1">
+            <a:lumMod val="65000"/>
+            <a:lumOff val="35000"/>
+          </a:schemeClr>
+        </a:solidFill>
+        <a:round/>
+      </a:ln>
+    </cs:spPr>
+  </cs:errorBar>
+  <cs:floor>
+    <cs:lnRef idx="0"/>
+    <cs:fillRef idx="0"/>
+    <cs:effectRef idx="0"/>
+    <cs:fontRef idx="minor">
+      <a:schemeClr val="tx1"/>
+    </cs:fontRef>
+    <cs:spPr>
+      <a:noFill/>
+      <a:ln>
+        <a:noFill/>
+      </a:ln>
+    </cs:spPr>
+  </cs:floor>
+  <cs:gridlineMajor>
+    <cs:lnRef idx="0"/>
+    <cs:fillRef idx="0"/>
+    <cs:effectRef idx="0"/>
+    <cs:fontRef idx="minor">
+      <a:schemeClr val="tx1"/>
+    </cs:fontRef>
+    <cs:spPr>
+      <a:ln w="9525" cap="flat" cmpd="sng" algn="ctr">
+        <a:solidFill>
+          <a:schemeClr val="tx1">
+            <a:lumMod val="15000"/>
+            <a:lumOff val="85000"/>
+          </a:schemeClr>
+        </a:solidFill>
+        <a:round/>
+      </a:ln>
+    </cs:spPr>
+  </cs:gridlineMajor>
+  <cs:gridlineMinor>
+    <cs:lnRef idx="0"/>
+    <cs:fillRef idx="0"/>
+    <cs:effectRef idx="0"/>
+    <cs:fontRef idx="minor">
+      <a:schemeClr val="tx1"/>
+    </cs:fontRef>
+    <cs:spPr>
+      <a:ln w="9525" cap="flat" cmpd="sng" algn="ctr">
+        <a:solidFill>
+          <a:schemeClr val="tx1">
+            <a:lumMod val="5000"/>
+            <a:lumOff val="95000"/>
+          </a:schemeClr>
+        </a:solidFill>
+        <a:round/>
+      </a:ln>
+    </cs:spPr>
+  </cs:gridlineMinor>
+  <cs:hiLoLine>
+    <cs:lnRef idx="0"/>
+    <cs:fillRef idx="0"/>
+    <cs:effectRef idx="0"/>
+    <cs:fontRef idx="minor">
+      <a:schemeClr val="tx1"/>
+    </cs:fontRef>
+    <cs:spPr>
+      <a:ln w="9525" cap="flat" cmpd="sng" algn="ctr">
+        <a:solidFill>
+          <a:schemeClr val="tx1">
+            <a:lumMod val="75000"/>
+            <a:lumOff val="25000"/>
+          </a:schemeClr>
+        </a:solidFill>
+        <a:round/>
+      </a:ln>
+    </cs:spPr>
+  </cs:hiLoLine>
+  <cs:leaderLine>
+    <cs:lnRef idx="0"/>
+    <cs:fillRef idx="0"/>
+    <cs:effectRef idx="0"/>
+    <cs:fontRef idx="minor">
+      <a:schemeClr val="tx1"/>
+    </cs:fontRef>
+    <cs:spPr>
+      <a:ln w="9525" cap="flat" cmpd="sng" algn="ctr">
+        <a:solidFill>
+          <a:schemeClr val="tx1">
+            <a:lumMod val="35000"/>
+            <a:lumOff val="65000"/>
+          </a:schemeClr>
+        </a:solidFill>
+        <a:round/>
+      </a:ln>
+    </cs:spPr>
+  </cs:leaderLine>
+  <cs:legend>
+    <cs:lnRef idx="0"/>
+    <cs:fillRef idx="0"/>
+    <cs:effectRef idx="0"/>
+    <cs:fontRef idx="minor">
+      <a:schemeClr val="tx1">
+        <a:lumMod val="65000"/>
+        <a:lumOff val="35000"/>
+      </a:schemeClr>
+    </cs:fontRef>
+    <cs:defRPr sz="900" kern="1200"/>
+  </cs:legend>
+  <cs:plotArea mods="allowNoFillOverride allowNoLineOverride">
+    <cs:lnRef idx="0"/>
+    <cs:fillRef idx="0"/>
+    <cs:effectRef idx="0"/>
+    <cs:fontRef idx="minor">
+      <a:schemeClr val="tx1"/>
+    </cs:fontRef>
+  </cs:plotArea>
+  <cs:plotArea3D mods="allowNoFillOverride allowNoLineOverride">
+    <cs:lnRef idx="0"/>
+    <cs:fillRef idx="0"/>
+    <cs:effectRef idx="0"/>
+    <cs:fontRef idx="minor">
+      <a:schemeClr val="tx1"/>
+    </cs:fontRef>
+  </cs:plotArea3D>
+  <cs:seriesAxis>
+    <cs:lnRef idx="0"/>
+    <cs:fillRef idx="0"/>
+    <cs:effectRef idx="0"/>
+    <cs:fontRef idx="minor">
+      <a:schemeClr val="tx1">
+        <a:lumMod val="65000"/>
+        <a:lumOff val="35000"/>
+      </a:schemeClr>
+    </cs:fontRef>
+    <cs:defRPr sz="900" kern="1200"/>
+  </cs:seriesAxis>
+  <cs:seriesLine>
+    <cs:lnRef idx="0"/>
+    <cs:fillRef idx="0"/>
+    <cs:effectRef idx="0"/>
+    <cs:fontRef idx="minor">
+      <a:schemeClr val="tx1"/>
+    </cs:fontRef>
+    <cs:spPr>
+      <a:ln w="9525" cap="flat" cmpd="sng" algn="ctr">
+        <a:solidFill>
+          <a:schemeClr val="tx1">
+            <a:lumMod val="35000"/>
+            <a:lumOff val="65000"/>
+          </a:schemeClr>
+        </a:solidFill>
+        <a:round/>
+      </a:ln>
+    </cs:spPr>
+  </cs:seriesLine>
+  <cs:title>
+    <cs:lnRef idx="0"/>
+    <cs:fillRef idx="0"/>
+    <cs:effectRef idx="0"/>
+    <cs:fontRef idx="minor">
+      <a:schemeClr val="tx1">
+        <a:lumMod val="65000"/>
+        <a:lumOff val="35000"/>
+      </a:schemeClr>
+    </cs:fontRef>
+    <cs:defRPr sz="1400" b="0" kern="1200" spc="0" baseline="0"/>
+  </cs:title>
+  <cs:trendline>
+    <cs:lnRef idx="0">
+      <cs:styleClr val="auto"/>
+    </cs:lnRef>
+    <cs:fillRef idx="0"/>
+    <cs:effectRef idx="0"/>
+    <cs:fontRef idx="minor">
+      <a:schemeClr val="tx1"/>
+    </cs:fontRef>
+    <cs:spPr>
+      <a:ln w="19050" cap="rnd">
+        <a:solidFill>
+          <a:schemeClr val="phClr"/>
+        </a:solidFill>
+        <a:prstDash val="sysDot"/>
+      </a:ln>
+    </cs:spPr>
+  </cs:trendline>
+  <cs:trendlineLabel>
+    <cs:lnRef idx="0"/>
+    <cs:fillRef idx="0"/>
+    <cs:effectRef idx="0"/>
+    <cs:fontRef idx="minor">
+      <a:schemeClr val="tx1">
+        <a:lumMod val="65000"/>
+        <a:lumOff val="35000"/>
+      </a:schemeClr>
+    </cs:fontRef>
+    <cs:defRPr sz="900" kern="1200"/>
+  </cs:trendlineLabel>
+  <cs:upBar>
+    <cs:lnRef idx="0"/>
+    <cs:fillRef idx="0"/>
+    <cs:effectRef idx="0"/>
+    <cs:fontRef idx="minor">
+      <a:schemeClr val="dk1"/>
+    </cs:fontRef>
+    <cs:spPr>
+      <a:solidFill>
+        <a:schemeClr val="lt1"/>
+      </a:solidFill>
+      <a:ln w="9525">
+        <a:solidFill>
+          <a:schemeClr val="tx1">
+            <a:lumMod val="15000"/>
+            <a:lumOff val="85000"/>
+          </a:schemeClr>
+        </a:solidFill>
+      </a:ln>
+    </cs:spPr>
+  </cs:upBar>
+  <cs:valueAxis>
+    <cs:lnRef idx="0"/>
+    <cs:fillRef idx="0"/>
+    <cs:effectRef idx="0"/>
+    <cs:fontRef idx="minor">
+      <a:schemeClr val="tx1">
+        <a:lumMod val="65000"/>
+        <a:lumOff val="35000"/>
+      </a:schemeClr>
+    </cs:fontRef>
+    <cs:defRPr sz="900" kern="1200"/>
+  </cs:valueAxis>
+  <cs:wall>
+    <cs:lnRef idx="0"/>
+    <cs:fillRef idx="0"/>
+    <cs:effectRef idx="0"/>
+    <cs:fontRef idx="minor">
+      <a:schemeClr val="tx1"/>
+    </cs:fontRef>
+    <cs:spPr>
+      <a:noFill/>
+      <a:ln>
+        <a:noFill/>
+      </a:ln>
+    </cs:spPr>
+  </cs:wall>
+</cs:chartStyle>
+</file>
+
+<file path=ppt/charts/style5.xml><?xml version="1.0" encoding="utf-8"?>
+<cs:chartStyle xmlns:cs="http://schemas.microsoft.com/office/drawing/2012/chartStyle" xmlns:a="http://schemas.openxmlformats.org/drawingml/2006/main" id="227">
+  <cs:axisTitle>
+    <cs:lnRef idx="0"/>
+    <cs:fillRef idx="0"/>
+    <cs:effectRef idx="0"/>
+    <cs:fontRef idx="minor">
+      <a:schemeClr val="tx1">
+        <a:lumMod val="65000"/>
+        <a:lumOff val="35000"/>
+      </a:schemeClr>
+    </cs:fontRef>
+    <cs:defRPr sz="1000" kern="1200"/>
+  </cs:axisTitle>
+  <cs:categoryAxis>
+    <cs:lnRef idx="0"/>
+    <cs:fillRef idx="0"/>
+    <cs:effectRef idx="0"/>
+    <cs:fontRef idx="minor">
+      <a:schemeClr val="tx1">
+        <a:lumMod val="65000"/>
+        <a:lumOff val="35000"/>
+      </a:schemeClr>
+    </cs:fontRef>
+    <cs:spPr>
+      <a:ln w="9525" cap="flat" cmpd="sng" algn="ctr">
+        <a:solidFill>
+          <a:schemeClr val="tx1">
+            <a:lumMod val="15000"/>
+            <a:lumOff val="85000"/>
+          </a:schemeClr>
+        </a:solidFill>
+        <a:round/>
+      </a:ln>
+    </cs:spPr>
+    <cs:defRPr sz="900" kern="1200"/>
+  </cs:categoryAxis>
+  <cs:chartArea mods="allowNoFillOverride allowNoLineOverride">
+    <cs:lnRef idx="0"/>
+    <cs:fillRef idx="0"/>
+    <cs:effectRef idx="0"/>
+    <cs:fontRef idx="minor">
+      <a:schemeClr val="tx1"/>
+    </cs:fontRef>
+    <cs:spPr>
+      <a:solidFill>
+        <a:schemeClr val="bg1"/>
+      </a:solidFill>
+      <a:ln w="9525" cap="flat" cmpd="sng" algn="ctr">
+        <a:solidFill>
+          <a:schemeClr val="tx1">
+            <a:lumMod val="15000"/>
+            <a:lumOff val="85000"/>
+          </a:schemeClr>
+        </a:solidFill>
+        <a:round/>
+      </a:ln>
+    </cs:spPr>
+    <cs:defRPr sz="1000" kern="1200"/>
+  </cs:chartArea>
+  <cs:dataLabel>
+    <cs:lnRef idx="0"/>
+    <cs:fillRef idx="0"/>
+    <cs:effectRef idx="0"/>
+    <cs:fontRef idx="minor">
+      <a:schemeClr val="tx1">
+        <a:lumMod val="75000"/>
+        <a:lumOff val="25000"/>
+      </a:schemeClr>
+    </cs:fontRef>
+    <cs:defRPr sz="900" kern="1200"/>
+  </cs:dataLabel>
+  <cs:dataLabelCallout>
+    <cs:lnRef idx="0"/>
+    <cs:fillRef idx="0"/>
+    <cs:effectRef idx="0"/>
+    <cs:fontRef idx="minor">
+      <a:schemeClr val="dk1">
+        <a:lumMod val="65000"/>
+        <a:lumOff val="35000"/>
+      </a:schemeClr>
+    </cs:fontRef>
+    <cs:spPr>
+      <a:solidFill>
+        <a:schemeClr val="lt1"/>
+      </a:solidFill>
+      <a:ln>
+        <a:solidFill>
+          <a:schemeClr val="dk1">
+            <a:lumMod val="25000"/>
+            <a:lumOff val="75000"/>
+          </a:schemeClr>
+        </a:solidFill>
+      </a:ln>
+    </cs:spPr>
+    <cs:defRPr sz="900" kern="1200"/>
+    <cs:bodyPr rot="0" spcFirstLastPara="1" vertOverflow="clip" horzOverflow="clip" vert="horz" wrap="square" lIns="36576" tIns="18288" rIns="36576" bIns="18288" anchor="ctr" anchorCtr="1">
+      <a:spAutoFit/>
+    </cs:bodyPr>
+  </cs:dataLabelCallout>
+  <cs:dataPoint>
+    <cs:lnRef idx="0"/>
+    <cs:fillRef idx="1">
+      <cs:styleClr val="auto"/>
+    </cs:fillRef>
+    <cs:effectRef idx="0"/>
+    <cs:fontRef idx="minor">
+      <a:schemeClr val="tx1"/>
+    </cs:fontRef>
+    <cs:spPr>
+      <a:solidFill>
+        <a:schemeClr val="phClr"/>
+      </a:solidFill>
+    </cs:spPr>
+  </cs:dataPoint>
+  <cs:dataPoint3D>
+    <cs:lnRef idx="0"/>
+    <cs:fillRef idx="1">
+      <cs:styleClr val="auto"/>
+    </cs:fillRef>
+    <cs:effectRef idx="0"/>
+    <cs:fontRef idx="minor">
+      <a:schemeClr val="tx1"/>
+    </cs:fontRef>
+    <cs:spPr>
+      <a:solidFill>
+        <a:schemeClr val="phClr"/>
+      </a:solidFill>
+    </cs:spPr>
+  </cs:dataPoint3D>
+  <cs:dataPointLine>
+    <cs:lnRef idx="0">
+      <cs:styleClr val="auto"/>
+    </cs:lnRef>
+    <cs:fillRef idx="1"/>
+    <cs:effectRef idx="0"/>
+    <cs:fontRef idx="minor">
+      <a:schemeClr val="tx1"/>
+    </cs:fontRef>
+    <cs:spPr>
+      <a:ln w="28575" cap="rnd">
+        <a:solidFill>
+          <a:schemeClr val="phClr"/>
+        </a:solidFill>
+        <a:round/>
+      </a:ln>
+    </cs:spPr>
+  </cs:dataPointLine>
+  <cs:dataPointMarker>
+    <cs:lnRef idx="0">
+      <cs:styleClr val="auto"/>
+    </cs:lnRef>
+    <cs:fillRef idx="1">
+      <cs:styleClr val="auto"/>
+    </cs:fillRef>
+    <cs:effectRef idx="0"/>
+    <cs:fontRef idx="minor">
+      <a:schemeClr val="tx1"/>
+    </cs:fontRef>
+    <cs:spPr>
+      <a:solidFill>
+        <a:schemeClr val="phClr"/>
+      </a:solidFill>
+      <a:ln w="9525">
+        <a:solidFill>
+          <a:schemeClr val="phClr"/>
+        </a:solidFill>
+      </a:ln>
+    </cs:spPr>
+  </cs:dataPointMarker>
+  <cs:dataPointMarkerLayout symbol="circle" size="5"/>
+  <cs:dataPointWireframe>
+    <cs:lnRef idx="0">
+      <cs:styleClr val="auto"/>
+    </cs:lnRef>
+    <cs:fillRef idx="1"/>
+    <cs:effectRef idx="0"/>
+    <cs:fontRef idx="minor">
+      <a:schemeClr val="tx1"/>
+    </cs:fontRef>
+    <cs:spPr>
+      <a:ln w="9525" cap="rnd">
+        <a:solidFill>
+          <a:schemeClr val="phClr"/>
+        </a:solidFill>
+        <a:round/>
+      </a:ln>
+    </cs:spPr>
+  </cs:dataPointWireframe>
+  <cs:dataTable>
+    <cs:lnRef idx="0"/>
+    <cs:fillRef idx="0"/>
+    <cs:effectRef idx="0"/>
+    <cs:fontRef idx="minor">
+      <a:schemeClr val="tx1">
+        <a:lumMod val="65000"/>
+        <a:lumOff val="35000"/>
+      </a:schemeClr>
+    </cs:fontRef>
+    <cs:spPr>
+      <a:noFill/>
+      <a:ln w="9525" cap="flat" cmpd="sng" algn="ctr">
+        <a:solidFill>
+          <a:schemeClr val="tx1">
+            <a:lumMod val="15000"/>
+            <a:lumOff val="85000"/>
+          </a:schemeClr>
+        </a:solidFill>
+        <a:round/>
+      </a:ln>
+    </cs:spPr>
+    <cs:defRPr sz="900" kern="1200"/>
+  </cs:dataTable>
+  <cs:downBar>
+    <cs:lnRef idx="0"/>
+    <cs:fillRef idx="0"/>
+    <cs:effectRef idx="0"/>
+    <cs:fontRef idx="minor">
+      <a:schemeClr val="dk1"/>
+    </cs:fontRef>
+    <cs:spPr>
+      <a:solidFill>
+        <a:schemeClr val="dk1">
+          <a:lumMod val="65000"/>
+          <a:lumOff val="35000"/>
+        </a:schemeClr>
+      </a:solidFill>
+      <a:ln w="9525">
+        <a:solidFill>
+          <a:schemeClr val="tx1">
+            <a:lumMod val="65000"/>
+            <a:lumOff val="35000"/>
+          </a:schemeClr>
+        </a:solidFill>
+      </a:ln>
+    </cs:spPr>
+  </cs:downBar>
+  <cs:dropLine>
+    <cs:lnRef idx="0"/>
+    <cs:fillRef idx="0"/>
+    <cs:effectRef idx="0"/>
+    <cs:fontRef idx="minor">
+      <a:schemeClr val="tx1"/>
+    </cs:fontRef>
+    <cs:spPr>
+      <a:ln w="9525" cap="flat" cmpd="sng" algn="ctr">
+        <a:solidFill>
+          <a:schemeClr val="tx1">
+            <a:lumMod val="35000"/>
+            <a:lumOff val="65000"/>
+          </a:schemeClr>
+        </a:solidFill>
+        <a:round/>
+      </a:ln>
+    </cs:spPr>
+  </cs:dropLine>
+  <cs:errorBar>
+    <cs:lnRef idx="0"/>
+    <cs:fillRef idx="0"/>
+    <cs:effectRef idx="0"/>
+    <cs:fontRef idx="minor">
+      <a:schemeClr val="tx1"/>
+    </cs:fontRef>
+    <cs:spPr>
+      <a:ln w="9525" cap="flat" cmpd="sng" algn="ctr">
+        <a:solidFill>
+          <a:schemeClr val="tx1">
+            <a:lumMod val="65000"/>
+            <a:lumOff val="35000"/>
+          </a:schemeClr>
+        </a:solidFill>
+        <a:round/>
+      </a:ln>
+    </cs:spPr>
+  </cs:errorBar>
+  <cs:floor>
+    <cs:lnRef idx="0"/>
+    <cs:fillRef idx="0"/>
+    <cs:effectRef idx="0"/>
+    <cs:fontRef idx="minor">
+      <a:schemeClr val="tx1"/>
+    </cs:fontRef>
+    <cs:spPr>
+      <a:noFill/>
+      <a:ln>
+        <a:noFill/>
+      </a:ln>
+    </cs:spPr>
+  </cs:floor>
+  <cs:gridlineMajor>
+    <cs:lnRef idx="0"/>
+    <cs:fillRef idx="0"/>
+    <cs:effectRef idx="0"/>
+    <cs:fontRef idx="minor">
+      <a:schemeClr val="tx1"/>
+    </cs:fontRef>
+    <cs:spPr>
+      <a:ln w="9525" cap="flat" cmpd="sng" algn="ctr">
+        <a:solidFill>
+          <a:schemeClr val="tx1">
+            <a:lumMod val="15000"/>
+            <a:lumOff val="85000"/>
+          </a:schemeClr>
+        </a:solidFill>
+        <a:round/>
+      </a:ln>
+    </cs:spPr>
+  </cs:gridlineMajor>
+  <cs:gridlineMinor>
+    <cs:lnRef idx="0"/>
+    <cs:fillRef idx="0"/>
+    <cs:effectRef idx="0"/>
+    <cs:fontRef idx="minor">
+      <a:schemeClr val="tx1"/>
+    </cs:fontRef>
+    <cs:spPr>
+      <a:ln w="9525" cap="flat" cmpd="sng" algn="ctr">
+        <a:solidFill>
+          <a:schemeClr val="tx1">
+            <a:lumMod val="5000"/>
+            <a:lumOff val="95000"/>
+          </a:schemeClr>
+        </a:solidFill>
+        <a:round/>
+      </a:ln>
+    </cs:spPr>
+  </cs:gridlineMinor>
+  <cs:hiLoLine>
+    <cs:lnRef idx="0"/>
+    <cs:fillRef idx="0"/>
+    <cs:effectRef idx="0"/>
+    <cs:fontRef idx="minor">
+      <a:schemeClr val="tx1"/>
+    </cs:fontRef>
+    <cs:spPr>
+      <a:ln w="9525" cap="flat" cmpd="sng" algn="ctr">
+        <a:solidFill>
+          <a:schemeClr val="tx1">
+            <a:lumMod val="75000"/>
+            <a:lumOff val="25000"/>
+          </a:schemeClr>
+        </a:solidFill>
+        <a:round/>
+      </a:ln>
+    </cs:spPr>
+  </cs:hiLoLine>
+  <cs:leaderLine>
+    <cs:lnRef idx="0"/>
+    <cs:fillRef idx="0"/>
+    <cs:effectRef idx="0"/>
+    <cs:fontRef idx="minor">
+      <a:schemeClr val="tx1"/>
+    </cs:fontRef>
+    <cs:spPr>
+      <a:ln w="9525" cap="flat" cmpd="sng" algn="ctr">
+        <a:solidFill>
+          <a:schemeClr val="tx1">
+            <a:lumMod val="35000"/>
+            <a:lumOff val="65000"/>
+          </a:schemeClr>
+        </a:solidFill>
+        <a:round/>
+      </a:ln>
+    </cs:spPr>
+  </cs:leaderLine>
+  <cs:legend>
+    <cs:lnRef idx="0"/>
+    <cs:fillRef idx="0"/>
+    <cs:effectRef idx="0"/>
+    <cs:fontRef idx="minor">
+      <a:schemeClr val="tx1">
+        <a:lumMod val="65000"/>
+        <a:lumOff val="35000"/>
+      </a:schemeClr>
+    </cs:fontRef>
+    <cs:defRPr sz="900" kern="1200"/>
+  </cs:legend>
+  <cs:plotArea mods="allowNoFillOverride allowNoLineOverride">
+    <cs:lnRef idx="0"/>
+    <cs:fillRef idx="0"/>
+    <cs:effectRef idx="0"/>
+    <cs:fontRef idx="minor">
+      <a:schemeClr val="tx1"/>
+    </cs:fontRef>
+  </cs:plotArea>
+  <cs:plotArea3D mods="allowNoFillOverride allowNoLineOverride">
+    <cs:lnRef idx="0"/>
+    <cs:fillRef idx="0"/>
+    <cs:effectRef idx="0"/>
+    <cs:fontRef idx="minor">
+      <a:schemeClr val="tx1"/>
+    </cs:fontRef>
+  </cs:plotArea3D>
+  <cs:seriesAxis>
+    <cs:lnRef idx="0"/>
+    <cs:fillRef idx="0"/>
+    <cs:effectRef idx="0"/>
+    <cs:fontRef idx="minor">
+      <a:schemeClr val="tx1">
+        <a:lumMod val="65000"/>
+        <a:lumOff val="35000"/>
+      </a:schemeClr>
+    </cs:fontRef>
+    <cs:defRPr sz="900" kern="1200"/>
+  </cs:seriesAxis>
+  <cs:seriesLine>
+    <cs:lnRef idx="0"/>
+    <cs:fillRef idx="0"/>
+    <cs:effectRef idx="0"/>
+    <cs:fontRef idx="minor">
+      <a:schemeClr val="tx1"/>
+    </cs:fontRef>
+    <cs:spPr>
+      <a:ln w="9525" cap="flat" cmpd="sng" algn="ctr">
+        <a:solidFill>
+          <a:schemeClr val="tx1">
+            <a:lumMod val="35000"/>
+            <a:lumOff val="65000"/>
+          </a:schemeClr>
+        </a:solidFill>
+        <a:round/>
+      </a:ln>
+    </cs:spPr>
+  </cs:seriesLine>
+  <cs:title>
+    <cs:lnRef idx="0"/>
+    <cs:fillRef idx="0"/>
+    <cs:effectRef idx="0"/>
+    <cs:fontRef idx="minor">
+      <a:schemeClr val="tx1">
+        <a:lumMod val="65000"/>
+        <a:lumOff val="35000"/>
+      </a:schemeClr>
+    </cs:fontRef>
+    <cs:defRPr sz="1400" b="0" kern="1200" spc="0" baseline="0"/>
+  </cs:title>
+  <cs:trendline>
+    <cs:lnRef idx="0">
+      <cs:styleClr val="auto"/>
+    </cs:lnRef>
+    <cs:fillRef idx="0"/>
+    <cs:effectRef idx="0"/>
+    <cs:fontRef idx="minor">
+      <a:schemeClr val="tx1"/>
+    </cs:fontRef>
+    <cs:spPr>
+      <a:ln w="19050" cap="rnd">
+        <a:solidFill>
+          <a:schemeClr val="phClr"/>
+        </a:solidFill>
+        <a:prstDash val="sysDot"/>
+      </a:ln>
+    </cs:spPr>
+  </cs:trendline>
+  <cs:trendlineLabel>
+    <cs:lnRef idx="0"/>
+    <cs:fillRef idx="0"/>
+    <cs:effectRef idx="0"/>
+    <cs:fontRef idx="minor">
+      <a:schemeClr val="tx1">
+        <a:lumMod val="65000"/>
+        <a:lumOff val="35000"/>
+      </a:schemeClr>
+    </cs:fontRef>
+    <cs:defRPr sz="900" kern="1200"/>
+  </cs:trendlineLabel>
+  <cs:upBar>
+    <cs:lnRef idx="0"/>
+    <cs:fillRef idx="0"/>
+    <cs:effectRef idx="0"/>
+    <cs:fontRef idx="minor">
+      <a:schemeClr val="dk1"/>
+    </cs:fontRef>
+    <cs:spPr>
+      <a:solidFill>
+        <a:schemeClr val="lt1"/>
+      </a:solidFill>
+      <a:ln w="9525">
+        <a:solidFill>
+          <a:schemeClr val="tx1">
+            <a:lumMod val="15000"/>
+            <a:lumOff val="85000"/>
+          </a:schemeClr>
+        </a:solidFill>
+      </a:ln>
+    </cs:spPr>
+  </cs:upBar>
+  <cs:valueAxis>
+    <cs:lnRef idx="0"/>
+    <cs:fillRef idx="0"/>
+    <cs:effectRef idx="0"/>
+    <cs:fontRef idx="minor">
+      <a:schemeClr val="tx1">
+        <a:lumMod val="65000"/>
+        <a:lumOff val="35000"/>
+      </a:schemeClr>
+    </cs:fontRef>
+    <cs:defRPr sz="900" kern="1200"/>
+  </cs:valueAxis>
+  <cs:wall>
+    <cs:lnRef idx="0"/>
+    <cs:fillRef idx="0"/>
+    <cs:effectRef idx="0"/>
+    <cs:fontRef idx="minor">
+      <a:schemeClr val="tx1"/>
+    </cs:fontRef>
+    <cs:spPr>
+      <a:noFill/>
+      <a:ln>
+        <a:noFill/>
+      </a:ln>
+    </cs:spPr>
+  </cs:wall>
+</cs:chartStyle>
+</file>
+
+<file path=ppt/charts/style6.xml><?xml version="1.0" encoding="utf-8"?>
+<cs:chartStyle xmlns:cs="http://schemas.microsoft.com/office/drawing/2012/chartStyle" xmlns:a="http://schemas.openxmlformats.org/drawingml/2006/main" id="227">
+  <cs:axisTitle>
+    <cs:lnRef idx="0"/>
+    <cs:fillRef idx="0"/>
+    <cs:effectRef idx="0"/>
+    <cs:fontRef idx="minor">
+      <a:schemeClr val="tx1">
+        <a:lumMod val="65000"/>
+        <a:lumOff val="35000"/>
+      </a:schemeClr>
+    </cs:fontRef>
+    <cs:defRPr sz="1000" kern="1200"/>
+  </cs:axisTitle>
+  <cs:categoryAxis>
+    <cs:lnRef idx="0"/>
+    <cs:fillRef idx="0"/>
+    <cs:effectRef idx="0"/>
+    <cs:fontRef idx="minor">
+      <a:schemeClr val="tx1">
+        <a:lumMod val="65000"/>
+        <a:lumOff val="35000"/>
+      </a:schemeClr>
+    </cs:fontRef>
+    <cs:spPr>
+      <a:ln w="9525" cap="flat" cmpd="sng" algn="ctr">
+        <a:solidFill>
+          <a:schemeClr val="tx1">
+            <a:lumMod val="15000"/>
+            <a:lumOff val="85000"/>
+          </a:schemeClr>
+        </a:solidFill>
+        <a:round/>
+      </a:ln>
+    </cs:spPr>
+    <cs:defRPr sz="900" kern="1200"/>
+  </cs:categoryAxis>
+  <cs:chartArea mods="allowNoFillOverride allowNoLineOverride">
+    <cs:lnRef idx="0"/>
+    <cs:fillRef idx="0"/>
+    <cs:effectRef idx="0"/>
+    <cs:fontRef idx="minor">
+      <a:schemeClr val="tx1"/>
+    </cs:fontRef>
+    <cs:spPr>
+      <a:solidFill>
+        <a:schemeClr val="bg1"/>
+      </a:solidFill>
+      <a:ln w="9525" cap="flat" cmpd="sng" algn="ctr">
+        <a:solidFill>
+          <a:schemeClr val="tx1">
+            <a:lumMod val="15000"/>
+            <a:lumOff val="85000"/>
+          </a:schemeClr>
+        </a:solidFill>
+        <a:round/>
+      </a:ln>
+    </cs:spPr>
+    <cs:defRPr sz="1000" kern="1200"/>
+  </cs:chartArea>
+  <cs:dataLabel>
+    <cs:lnRef idx="0"/>
+    <cs:fillRef idx="0"/>
+    <cs:effectRef idx="0"/>
+    <cs:fontRef idx="minor">
+      <a:schemeClr val="tx1">
+        <a:lumMod val="75000"/>
+        <a:lumOff val="25000"/>
+      </a:schemeClr>
+    </cs:fontRef>
+    <cs:defRPr sz="900" kern="1200"/>
+  </cs:dataLabel>
+  <cs:dataLabelCallout>
+    <cs:lnRef idx="0"/>
+    <cs:fillRef idx="0"/>
+    <cs:effectRef idx="0"/>
+    <cs:fontRef idx="minor">
+      <a:schemeClr val="dk1">
+        <a:lumMod val="65000"/>
+        <a:lumOff val="35000"/>
+      </a:schemeClr>
+    </cs:fontRef>
+    <cs:spPr>
+      <a:solidFill>
+        <a:schemeClr val="lt1"/>
+      </a:solidFill>
+      <a:ln>
+        <a:solidFill>
+          <a:schemeClr val="dk1">
+            <a:lumMod val="25000"/>
+            <a:lumOff val="75000"/>
+          </a:schemeClr>
+        </a:solidFill>
+      </a:ln>
+    </cs:spPr>
+    <cs:defRPr sz="900" kern="1200"/>
+    <cs:bodyPr rot="0" spcFirstLastPara="1" vertOverflow="clip" horzOverflow="clip" vert="horz" wrap="square" lIns="36576" tIns="18288" rIns="36576" bIns="18288" anchor="ctr" anchorCtr="1">
+      <a:spAutoFit/>
+    </cs:bodyPr>
+  </cs:dataLabelCallout>
+  <cs:dataPoint>
+    <cs:lnRef idx="0"/>
+    <cs:fillRef idx="1">
+      <cs:styleClr val="auto"/>
+    </cs:fillRef>
+    <cs:effectRef idx="0"/>
+    <cs:fontRef idx="minor">
+      <a:schemeClr val="tx1"/>
+    </cs:fontRef>
+    <cs:spPr>
+      <a:solidFill>
+        <a:schemeClr val="phClr"/>
+      </a:solidFill>
+    </cs:spPr>
+  </cs:dataPoint>
+  <cs:dataPoint3D>
+    <cs:lnRef idx="0"/>
+    <cs:fillRef idx="1">
+      <cs:styleClr val="auto"/>
+    </cs:fillRef>
+    <cs:effectRef idx="0"/>
+    <cs:fontRef idx="minor">
+      <a:schemeClr val="tx1"/>
+    </cs:fontRef>
+    <cs:spPr>
+      <a:solidFill>
+        <a:schemeClr val="phClr"/>
+      </a:solidFill>
+    </cs:spPr>
+  </cs:dataPoint3D>
+  <cs:dataPointLine>
+    <cs:lnRef idx="0">
+      <cs:styleClr val="auto"/>
+    </cs:lnRef>
+    <cs:fillRef idx="1"/>
+    <cs:effectRef idx="0"/>
+    <cs:fontRef idx="minor">
+      <a:schemeClr val="tx1"/>
+    </cs:fontRef>
+    <cs:spPr>
+      <a:ln w="28575" cap="rnd">
+        <a:solidFill>
+          <a:schemeClr val="phClr"/>
+        </a:solidFill>
+        <a:round/>
+      </a:ln>
+    </cs:spPr>
+  </cs:dataPointLine>
+  <cs:dataPointMarker>
+    <cs:lnRef idx="0">
+      <cs:styleClr val="auto"/>
+    </cs:lnRef>
+    <cs:fillRef idx="1">
+      <cs:styleClr val="auto"/>
+    </cs:fillRef>
+    <cs:effectRef idx="0"/>
+    <cs:fontRef idx="minor">
+      <a:schemeClr val="tx1"/>
+    </cs:fontRef>
+    <cs:spPr>
+      <a:solidFill>
+        <a:schemeClr val="phClr"/>
+      </a:solidFill>
+      <a:ln w="9525">
+        <a:solidFill>
+          <a:schemeClr val="phClr"/>
+        </a:solidFill>
+      </a:ln>
+    </cs:spPr>
+  </cs:dataPointMarker>
+  <cs:dataPointMarkerLayout symbol="circle" size="5"/>
+  <cs:dataPointWireframe>
+    <cs:lnRef idx="0">
+      <cs:styleClr val="auto"/>
+    </cs:lnRef>
+    <cs:fillRef idx="1"/>
+    <cs:effectRef idx="0"/>
+    <cs:fontRef idx="minor">
+      <a:schemeClr val="tx1"/>
+    </cs:fontRef>
+    <cs:spPr>
+      <a:ln w="9525" cap="rnd">
+        <a:solidFill>
+          <a:schemeClr val="phClr"/>
+        </a:solidFill>
+        <a:round/>
+      </a:ln>
+    </cs:spPr>
+  </cs:dataPointWireframe>
+  <cs:dataTable>
+    <cs:lnRef idx="0"/>
+    <cs:fillRef idx="0"/>
+    <cs:effectRef idx="0"/>
+    <cs:fontRef idx="minor">
+      <a:schemeClr val="tx1">
+        <a:lumMod val="65000"/>
+        <a:lumOff val="35000"/>
+      </a:schemeClr>
+    </cs:fontRef>
+    <cs:spPr>
+      <a:noFill/>
+      <a:ln w="9525" cap="flat" cmpd="sng" algn="ctr">
+        <a:solidFill>
+          <a:schemeClr val="tx1">
+            <a:lumMod val="15000"/>
+            <a:lumOff val="85000"/>
+          </a:schemeClr>
+        </a:solidFill>
+        <a:round/>
+      </a:ln>
+    </cs:spPr>
+    <cs:defRPr sz="900" kern="1200"/>
+  </cs:dataTable>
+  <cs:downBar>
+    <cs:lnRef idx="0"/>
+    <cs:fillRef idx="0"/>
+    <cs:effectRef idx="0"/>
+    <cs:fontRef idx="minor">
+      <a:schemeClr val="dk1"/>
+    </cs:fontRef>
+    <cs:spPr>
+      <a:solidFill>
+        <a:schemeClr val="dk1">
+          <a:lumMod val="65000"/>
+          <a:lumOff val="35000"/>
+        </a:schemeClr>
+      </a:solidFill>
+      <a:ln w="9525">
+        <a:solidFill>
+          <a:schemeClr val="tx1">
+            <a:lumMod val="65000"/>
+            <a:lumOff val="35000"/>
+          </a:schemeClr>
+        </a:solidFill>
+      </a:ln>
+    </cs:spPr>
+  </cs:downBar>
+  <cs:dropLine>
+    <cs:lnRef idx="0"/>
+    <cs:fillRef idx="0"/>
+    <cs:effectRef idx="0"/>
+    <cs:fontRef idx="minor">
+      <a:schemeClr val="tx1"/>
+    </cs:fontRef>
+    <cs:spPr>
+      <a:ln w="9525" cap="flat" cmpd="sng" algn="ctr">
+        <a:solidFill>
+          <a:schemeClr val="tx1">
+            <a:lumMod val="35000"/>
+            <a:lumOff val="65000"/>
+          </a:schemeClr>
+        </a:solidFill>
+        <a:round/>
+      </a:ln>
+    </cs:spPr>
+  </cs:dropLine>
+  <cs:errorBar>
+    <cs:lnRef idx="0"/>
+    <cs:fillRef idx="0"/>
+    <cs:effectRef idx="0"/>
+    <cs:fontRef idx="minor">
+      <a:schemeClr val="tx1"/>
+    </cs:fontRef>
+    <cs:spPr>
+      <a:ln w="9525" cap="flat" cmpd="sng" algn="ctr">
+        <a:solidFill>
+          <a:schemeClr val="tx1">
+            <a:lumMod val="65000"/>
+            <a:lumOff val="35000"/>
+          </a:schemeClr>
+        </a:solidFill>
+        <a:round/>
+      </a:ln>
+    </cs:spPr>
+  </cs:errorBar>
+  <cs:floor>
+    <cs:lnRef idx="0"/>
+    <cs:fillRef idx="0"/>
+    <cs:effectRef idx="0"/>
+    <cs:fontRef idx="minor">
+      <a:schemeClr val="tx1"/>
+    </cs:fontRef>
+    <cs:spPr>
+      <a:noFill/>
+      <a:ln>
+        <a:noFill/>
+      </a:ln>
+    </cs:spPr>
+  </cs:floor>
+  <cs:gridlineMajor>
+    <cs:lnRef idx="0"/>
+    <cs:fillRef idx="0"/>
+    <cs:effectRef idx="0"/>
+    <cs:fontRef idx="minor">
+      <a:schemeClr val="tx1"/>
+    </cs:fontRef>
+    <cs:spPr>
+      <a:ln w="9525" cap="flat" cmpd="sng" algn="ctr">
+        <a:solidFill>
+          <a:schemeClr val="tx1">
+            <a:lumMod val="15000"/>
+            <a:lumOff val="85000"/>
+          </a:schemeClr>
+        </a:solidFill>
+        <a:round/>
+      </a:ln>
+    </cs:spPr>
+  </cs:gridlineMajor>
+  <cs:gridlineMinor>
+    <cs:lnRef idx="0"/>
+    <cs:fillRef idx="0"/>
+    <cs:effectRef idx="0"/>
+    <cs:fontRef idx="minor">
+      <a:schemeClr val="tx1"/>
+    </cs:fontRef>
+    <cs:spPr>
+      <a:ln w="9525" cap="flat" cmpd="sng" algn="ctr">
+        <a:solidFill>
+          <a:schemeClr val="tx1">
+            <a:lumMod val="5000"/>
+            <a:lumOff val="95000"/>
+          </a:schemeClr>
+        </a:solidFill>
+        <a:round/>
+      </a:ln>
+    </cs:spPr>
+  </cs:gridlineMinor>
+  <cs:hiLoLine>
+    <cs:lnRef idx="0"/>
+    <cs:fillRef idx="0"/>
+    <cs:effectRef idx="0"/>
+    <cs:fontRef idx="minor">
+      <a:schemeClr val="tx1"/>
+    </cs:fontRef>
+    <cs:spPr>
+      <a:ln w="9525" cap="flat" cmpd="sng" algn="ctr">
+        <a:solidFill>
+          <a:schemeClr val="tx1">
+            <a:lumMod val="75000"/>
+            <a:lumOff val="25000"/>
+          </a:schemeClr>
+        </a:solidFill>
+        <a:round/>
+      </a:ln>
+    </cs:spPr>
+  </cs:hiLoLine>
+  <cs:leaderLine>
+    <cs:lnRef idx="0"/>
+    <cs:fillRef idx="0"/>
+    <cs:effectRef idx="0"/>
+    <cs:fontRef idx="minor">
+      <a:schemeClr val="tx1"/>
+    </cs:fontRef>
+    <cs:spPr>
+      <a:ln w="9525" cap="flat" cmpd="sng" algn="ctr">
+        <a:solidFill>
+          <a:schemeClr val="tx1">
+            <a:lumMod val="35000"/>
+            <a:lumOff val="65000"/>
+          </a:schemeClr>
+        </a:solidFill>
+        <a:round/>
+      </a:ln>
+    </cs:spPr>
+  </cs:leaderLine>
+  <cs:legend>
+    <cs:lnRef idx="0"/>
+    <cs:fillRef idx="0"/>
+    <cs:effectRef idx="0"/>
+    <cs:fontRef idx="minor">
+      <a:schemeClr val="tx1">
+        <a:lumMod val="65000"/>
+        <a:lumOff val="35000"/>
+      </a:schemeClr>
+    </cs:fontRef>
+    <cs:defRPr sz="900" kern="1200"/>
+  </cs:legend>
+  <cs:plotArea mods="allowNoFillOverride allowNoLineOverride">
+    <cs:lnRef idx="0"/>
+    <cs:fillRef idx="0"/>
+    <cs:effectRef idx="0"/>
+    <cs:fontRef idx="minor">
+      <a:schemeClr val="tx1"/>
+    </cs:fontRef>
+  </cs:plotArea>
+  <cs:plotArea3D mods="allowNoFillOverride allowNoLineOverride">
+    <cs:lnRef idx="0"/>
+    <cs:fillRef idx="0"/>
+    <cs:effectRef idx="0"/>
+    <cs:fontRef idx="minor">
+      <a:schemeClr val="tx1"/>
+    </cs:fontRef>
+  </cs:plotArea3D>
+  <cs:seriesAxis>
+    <cs:lnRef idx="0"/>
+    <cs:fillRef idx="0"/>
+    <cs:effectRef idx="0"/>
+    <cs:fontRef idx="minor">
+      <a:schemeClr val="tx1">
+        <a:lumMod val="65000"/>
+        <a:lumOff val="35000"/>
+      </a:schemeClr>
+    </cs:fontRef>
+    <cs:defRPr sz="900" kern="1200"/>
+  </cs:seriesAxis>
+  <cs:seriesLine>
+    <cs:lnRef idx="0"/>
+    <cs:fillRef idx="0"/>
+    <cs:effectRef idx="0"/>
+    <cs:fontRef idx="minor">
+      <a:schemeClr val="tx1"/>
+    </cs:fontRef>
+    <cs:spPr>
+      <a:ln w="9525" cap="flat" cmpd="sng" algn="ctr">
+        <a:solidFill>
+          <a:schemeClr val="tx1">
+            <a:lumMod val="35000"/>
+            <a:lumOff val="65000"/>
+          </a:schemeClr>
+        </a:solidFill>
+        <a:round/>
+      </a:ln>
+    </cs:spPr>
+  </cs:seriesLine>
+  <cs:title>
+    <cs:lnRef idx="0"/>
+    <cs:fillRef idx="0"/>
+    <cs:effectRef idx="0"/>
+    <cs:fontRef idx="minor">
+      <a:schemeClr val="tx1">
+        <a:lumMod val="65000"/>
+        <a:lumOff val="35000"/>
+      </a:schemeClr>
+    </cs:fontRef>
+    <cs:defRPr sz="1400" b="0" kern="1200" spc="0" baseline="0"/>
+  </cs:title>
+  <cs:trendline>
+    <cs:lnRef idx="0">
+      <cs:styleClr val="auto"/>
+    </cs:lnRef>
+    <cs:fillRef idx="0"/>
+    <cs:effectRef idx="0"/>
+    <cs:fontRef idx="minor">
+      <a:schemeClr val="tx1"/>
+    </cs:fontRef>
+    <cs:spPr>
+      <a:ln w="19050" cap="rnd">
+        <a:solidFill>
+          <a:schemeClr val="phClr"/>
+        </a:solidFill>
+        <a:prstDash val="sysDot"/>
+      </a:ln>
+    </cs:spPr>
+  </cs:trendline>
+  <cs:trendlineLabel>
+    <cs:lnRef idx="0"/>
+    <cs:fillRef idx="0"/>
+    <cs:effectRef idx="0"/>
+    <cs:fontRef idx="minor">
+      <a:schemeClr val="tx1">
+        <a:lumMod val="65000"/>
+        <a:lumOff val="35000"/>
+      </a:schemeClr>
+    </cs:fontRef>
+    <cs:defRPr sz="900" kern="1200"/>
+  </cs:trendlineLabel>
+  <cs:upBar>
+    <cs:lnRef idx="0"/>
+    <cs:fillRef idx="0"/>
+    <cs:effectRef idx="0"/>
+    <cs:fontRef idx="minor">
+      <a:schemeClr val="dk1"/>
+    </cs:fontRef>
+    <cs:spPr>
+      <a:solidFill>
+        <a:schemeClr val="lt1"/>
+      </a:solidFill>
+      <a:ln w="9525">
+        <a:solidFill>
+          <a:schemeClr val="tx1">
+            <a:lumMod val="15000"/>
+            <a:lumOff val="85000"/>
+          </a:schemeClr>
+        </a:solidFill>
+      </a:ln>
+    </cs:spPr>
+  </cs:upBar>
+  <cs:valueAxis>
+    <cs:lnRef idx="0"/>
+    <cs:fillRef idx="0"/>
+    <cs:effectRef idx="0"/>
+    <cs:fontRef idx="minor">
+      <a:schemeClr val="tx1">
+        <a:lumMod val="65000"/>
+        <a:lumOff val="35000"/>
+      </a:schemeClr>
+    </cs:fontRef>
+    <cs:defRPr sz="900" kern="1200"/>
+  </cs:valueAxis>
+  <cs:wall>
+    <cs:lnRef idx="0"/>
+    <cs:fillRef idx="0"/>
+    <cs:effectRef idx="0"/>
+    <cs:fontRef idx="minor">
+      <a:schemeClr val="tx1"/>
+    </cs:fontRef>
+    <cs:spPr>
+      <a:noFill/>
+      <a:ln>
+        <a:noFill/>
+      </a:ln>
+    </cs:spPr>
+  </cs:wall>
+</cs:chartStyle>
+</file>
+
 <file path=ppt/notesMasters/notesMaster1.xml><?xml version="1.0" encoding="utf-8"?>
 <p:notesMaster xmlns:a="http://schemas.openxmlformats.org/drawingml/2006/main" xmlns:r="http://schemas.openxmlformats.org/officeDocument/2006/relationships" xmlns:p="http://schemas.openxmlformats.org/presentationml/2006/main">
   <p:cSld>
@@ -4725,7 +7513,7 @@
           <a:p>
             <a:fld id="{8C5FB4E6-B225-494F-BCB9-8197F5578D89}" type="datetimeFigureOut">
               <a:rPr kumimoji="1" lang="ja-JP" altLang="en-US" smtClean="0"/>
-              <a:t>2024/12/20</a:t>
+              <a:t>2024/12/21</a:t>
             </a:fld>
             <a:endParaRPr kumimoji="1" lang="ja-JP" altLang="en-US"/>
           </a:p>
@@ -5339,7 +8127,7 @@
           <a:p>
             <a:fld id="{02782626-011F-44C0-9ACA-60A7883AD368}" type="datetimeFigureOut">
               <a:rPr kumimoji="1" lang="ja-JP" altLang="en-US" smtClean="0"/>
-              <a:t>2024/12/20</a:t>
+              <a:t>2024/12/21</a:t>
             </a:fld>
             <a:endParaRPr kumimoji="1" lang="ja-JP" altLang="en-US"/>
           </a:p>
@@ -5569,7 +8357,7 @@
           <a:p>
             <a:fld id="{02782626-011F-44C0-9ACA-60A7883AD368}" type="datetimeFigureOut">
               <a:rPr kumimoji="1" lang="ja-JP" altLang="en-US" smtClean="0"/>
-              <a:t>2024/12/20</a:t>
+              <a:t>2024/12/21</a:t>
             </a:fld>
             <a:endParaRPr kumimoji="1" lang="ja-JP" altLang="en-US"/>
           </a:p>
@@ -5809,7 +8597,7 @@
           <a:p>
             <a:fld id="{02782626-011F-44C0-9ACA-60A7883AD368}" type="datetimeFigureOut">
               <a:rPr kumimoji="1" lang="ja-JP" altLang="en-US" smtClean="0"/>
-              <a:t>2024/12/20</a:t>
+              <a:t>2024/12/21</a:t>
             </a:fld>
             <a:endParaRPr kumimoji="1" lang="ja-JP" altLang="en-US"/>
           </a:p>
@@ -6039,7 +8827,7 @@
           <a:p>
             <a:fld id="{02782626-011F-44C0-9ACA-60A7883AD368}" type="datetimeFigureOut">
               <a:rPr kumimoji="1" lang="ja-JP" altLang="en-US" smtClean="0"/>
-              <a:t>2024/12/20</a:t>
+              <a:t>2024/12/21</a:t>
             </a:fld>
             <a:endParaRPr kumimoji="1" lang="ja-JP" altLang="en-US"/>
           </a:p>
@@ -6314,7 +9102,7 @@
           <a:p>
             <a:fld id="{02782626-011F-44C0-9ACA-60A7883AD368}" type="datetimeFigureOut">
               <a:rPr kumimoji="1" lang="ja-JP" altLang="en-US" smtClean="0"/>
-              <a:t>2024/12/20</a:t>
+              <a:t>2024/12/21</a:t>
             </a:fld>
             <a:endParaRPr kumimoji="1" lang="ja-JP" altLang="en-US"/>
           </a:p>
@@ -6643,7 +9431,7 @@
           <a:p>
             <a:fld id="{02782626-011F-44C0-9ACA-60A7883AD368}" type="datetimeFigureOut">
               <a:rPr kumimoji="1" lang="ja-JP" altLang="en-US" smtClean="0"/>
-              <a:t>2024/12/20</a:t>
+              <a:t>2024/12/21</a:t>
             </a:fld>
             <a:endParaRPr kumimoji="1" lang="ja-JP" altLang="en-US"/>
           </a:p>
@@ -7119,7 +9907,7 @@
           <a:p>
             <a:fld id="{02782626-011F-44C0-9ACA-60A7883AD368}" type="datetimeFigureOut">
               <a:rPr kumimoji="1" lang="ja-JP" altLang="en-US" smtClean="0"/>
-              <a:t>2024/12/20</a:t>
+              <a:t>2024/12/21</a:t>
             </a:fld>
             <a:endParaRPr kumimoji="1" lang="ja-JP" altLang="en-US"/>
           </a:p>
@@ -7260,7 +10048,7 @@
           <a:p>
             <a:fld id="{02782626-011F-44C0-9ACA-60A7883AD368}" type="datetimeFigureOut">
               <a:rPr kumimoji="1" lang="ja-JP" altLang="en-US" smtClean="0"/>
-              <a:t>2024/12/20</a:t>
+              <a:t>2024/12/21</a:t>
             </a:fld>
             <a:endParaRPr kumimoji="1" lang="ja-JP" altLang="en-US"/>
           </a:p>
@@ -7373,7 +10161,7 @@
           <a:p>
             <a:fld id="{02782626-011F-44C0-9ACA-60A7883AD368}" type="datetimeFigureOut">
               <a:rPr kumimoji="1" lang="ja-JP" altLang="en-US" smtClean="0"/>
-              <a:t>2024/12/20</a:t>
+              <a:t>2024/12/21</a:t>
             </a:fld>
             <a:endParaRPr kumimoji="1" lang="ja-JP" altLang="en-US"/>
           </a:p>
@@ -7716,7 +10504,7 @@
           <a:p>
             <a:fld id="{02782626-011F-44C0-9ACA-60A7883AD368}" type="datetimeFigureOut">
               <a:rPr kumimoji="1" lang="ja-JP" altLang="en-US" smtClean="0"/>
-              <a:t>2024/12/20</a:t>
+              <a:t>2024/12/21</a:t>
             </a:fld>
             <a:endParaRPr kumimoji="1" lang="ja-JP" altLang="en-US"/>
           </a:p>
@@ -8004,7 +10792,7 @@
           <a:p>
             <a:fld id="{02782626-011F-44C0-9ACA-60A7883AD368}" type="datetimeFigureOut">
               <a:rPr kumimoji="1" lang="ja-JP" altLang="en-US" smtClean="0"/>
-              <a:t>2024/12/20</a:t>
+              <a:t>2024/12/21</a:t>
             </a:fld>
             <a:endParaRPr kumimoji="1" lang="ja-JP" altLang="en-US"/>
           </a:p>
@@ -8277,7 +11065,7 @@
           <a:p>
             <a:fld id="{02782626-011F-44C0-9ACA-60A7883AD368}" type="datetimeFigureOut">
               <a:rPr kumimoji="1" lang="ja-JP" altLang="en-US" smtClean="0"/>
-              <a:t>2024/12/20</a:t>
+              <a:t>2024/12/21</a:t>
             </a:fld>
             <a:endParaRPr kumimoji="1" lang="ja-JP" altLang="en-US"/>
           </a:p>
@@ -11703,329 +14491,6 @@
       </p:sp>
       <p:sp>
         <p:nvSpPr>
-          <p:cNvPr id="2" name="テキスト ボックス 5">
-            <a:extLst>
-              <a:ext uri="{FF2B5EF4-FFF2-40B4-BE49-F238E27FC236}">
-                <a16:creationId xmlns:a16="http://schemas.microsoft.com/office/drawing/2014/main" id="{5F155457-3742-B26B-2DE7-E01FAB5EDD5D}"/>
-              </a:ext>
-            </a:extLst>
-          </p:cNvPr>
-          <p:cNvSpPr txBox="1"/>
-          <p:nvPr/>
-        </p:nvSpPr>
-        <p:spPr>
-          <a:xfrm>
-            <a:off x="331758" y="1282671"/>
-            <a:ext cx="1018867" cy="461665"/>
-          </a:xfrm>
-          <a:prstGeom prst="rect">
-            <a:avLst/>
-          </a:prstGeom>
-          <a:noFill/>
-        </p:spPr>
-        <p:txBody>
-          <a:bodyPr wrap="square" rtlCol="0">
-            <a:spAutoFit/>
-          </a:bodyPr>
-          <a:lstStyle>
-            <a:defPPr>
-              <a:defRPr lang="en-US"/>
-            </a:defPPr>
-            <a:lvl1pPr marL="0" algn="l" defTabSz="457200" rtl="0" eaLnBrk="1" latinLnBrk="0" hangingPunct="1">
-              <a:defRPr sz="1800" kern="1200">
-                <a:solidFill>
-                  <a:schemeClr val="tx1"/>
-                </a:solidFill>
-                <a:latin typeface="+mn-lt"/>
-                <a:ea typeface="+mn-ea"/>
-                <a:cs typeface="+mn-cs"/>
-              </a:defRPr>
-            </a:lvl1pPr>
-            <a:lvl2pPr marL="457200" algn="l" defTabSz="457200" rtl="0" eaLnBrk="1" latinLnBrk="0" hangingPunct="1">
-              <a:defRPr sz="1800" kern="1200">
-                <a:solidFill>
-                  <a:schemeClr val="tx1"/>
-                </a:solidFill>
-                <a:latin typeface="+mn-lt"/>
-                <a:ea typeface="+mn-ea"/>
-                <a:cs typeface="+mn-cs"/>
-              </a:defRPr>
-            </a:lvl2pPr>
-            <a:lvl3pPr marL="914400" algn="l" defTabSz="457200" rtl="0" eaLnBrk="1" latinLnBrk="0" hangingPunct="1">
-              <a:defRPr sz="1800" kern="1200">
-                <a:solidFill>
-                  <a:schemeClr val="tx1"/>
-                </a:solidFill>
-                <a:latin typeface="+mn-lt"/>
-                <a:ea typeface="+mn-ea"/>
-                <a:cs typeface="+mn-cs"/>
-              </a:defRPr>
-            </a:lvl3pPr>
-            <a:lvl4pPr marL="1371600" algn="l" defTabSz="457200" rtl="0" eaLnBrk="1" latinLnBrk="0" hangingPunct="1">
-              <a:defRPr sz="1800" kern="1200">
-                <a:solidFill>
-                  <a:schemeClr val="tx1"/>
-                </a:solidFill>
-                <a:latin typeface="+mn-lt"/>
-                <a:ea typeface="+mn-ea"/>
-                <a:cs typeface="+mn-cs"/>
-              </a:defRPr>
-            </a:lvl4pPr>
-            <a:lvl5pPr marL="1828800" algn="l" defTabSz="457200" rtl="0" eaLnBrk="1" latinLnBrk="0" hangingPunct="1">
-              <a:defRPr sz="1800" kern="1200">
-                <a:solidFill>
-                  <a:schemeClr val="tx1"/>
-                </a:solidFill>
-                <a:latin typeface="+mn-lt"/>
-                <a:ea typeface="+mn-ea"/>
-                <a:cs typeface="+mn-cs"/>
-              </a:defRPr>
-            </a:lvl5pPr>
-            <a:lvl6pPr marL="2286000" algn="l" defTabSz="457200" rtl="0" eaLnBrk="1" latinLnBrk="0" hangingPunct="1">
-              <a:defRPr sz="1800" kern="1200">
-                <a:solidFill>
-                  <a:schemeClr val="tx1"/>
-                </a:solidFill>
-                <a:latin typeface="+mn-lt"/>
-                <a:ea typeface="+mn-ea"/>
-                <a:cs typeface="+mn-cs"/>
-              </a:defRPr>
-            </a:lvl6pPr>
-            <a:lvl7pPr marL="2743200" algn="l" defTabSz="457200" rtl="0" eaLnBrk="1" latinLnBrk="0" hangingPunct="1">
-              <a:defRPr sz="1800" kern="1200">
-                <a:solidFill>
-                  <a:schemeClr val="tx1"/>
-                </a:solidFill>
-                <a:latin typeface="+mn-lt"/>
-                <a:ea typeface="+mn-ea"/>
-                <a:cs typeface="+mn-cs"/>
-              </a:defRPr>
-            </a:lvl7pPr>
-            <a:lvl8pPr marL="3200400" algn="l" defTabSz="457200" rtl="0" eaLnBrk="1" latinLnBrk="0" hangingPunct="1">
-              <a:defRPr sz="1800" kern="1200">
-                <a:solidFill>
-                  <a:schemeClr val="tx1"/>
-                </a:solidFill>
-                <a:latin typeface="+mn-lt"/>
-                <a:ea typeface="+mn-ea"/>
-                <a:cs typeface="+mn-cs"/>
-              </a:defRPr>
-            </a:lvl8pPr>
-            <a:lvl9pPr marL="3657600" algn="l" defTabSz="457200" rtl="0" eaLnBrk="1" latinLnBrk="0" hangingPunct="1">
-              <a:defRPr sz="1800" kern="1200">
-                <a:solidFill>
-                  <a:schemeClr val="tx1"/>
-                </a:solidFill>
-                <a:latin typeface="+mn-lt"/>
-                <a:ea typeface="+mn-ea"/>
-                <a:cs typeface="+mn-cs"/>
-              </a:defRPr>
-            </a:lvl9pPr>
-          </a:lstStyle>
-          <a:p>
-            <a:r>
-              <a:rPr kumimoji="1" lang="ja-JP" altLang="en-US" sz="2400" b="1" dirty="0">
-                <a:latin typeface="BIZ UDPゴシック" panose="020B0400000000000000" pitchFamily="50" charset="-128"/>
-                <a:ea typeface="BIZ UDPゴシック" panose="020B0400000000000000" pitchFamily="50" charset="-128"/>
-              </a:rPr>
-              <a:t>手法</a:t>
-            </a:r>
-          </a:p>
-        </p:txBody>
-      </p:sp>
-      <p:sp>
-        <p:nvSpPr>
-          <p:cNvPr id="3" name="テキスト ボックス 1">
-            <a:extLst>
-              <a:ext uri="{FF2B5EF4-FFF2-40B4-BE49-F238E27FC236}">
-                <a16:creationId xmlns:a16="http://schemas.microsoft.com/office/drawing/2014/main" id="{29C3AD97-A3CB-B4AE-5880-74A560E57328}"/>
-              </a:ext>
-            </a:extLst>
-          </p:cNvPr>
-          <p:cNvSpPr txBox="1"/>
-          <p:nvPr/>
-        </p:nvSpPr>
-        <p:spPr>
-          <a:xfrm>
-            <a:off x="331759" y="1744336"/>
-            <a:ext cx="6380192" cy="1060290"/>
-          </a:xfrm>
-          <a:prstGeom prst="rect">
-            <a:avLst/>
-          </a:prstGeom>
-          <a:noFill/>
-        </p:spPr>
-        <p:txBody>
-          <a:bodyPr wrap="square" rtlCol="0">
-            <a:spAutoFit/>
-          </a:bodyPr>
-          <a:lstStyle>
-            <a:defPPr>
-              <a:defRPr lang="en-US"/>
-            </a:defPPr>
-            <a:lvl1pPr marL="0" algn="l" defTabSz="457200" rtl="0" eaLnBrk="1" latinLnBrk="0" hangingPunct="1">
-              <a:defRPr sz="1800" kern="1200">
-                <a:solidFill>
-                  <a:schemeClr val="tx1"/>
-                </a:solidFill>
-                <a:latin typeface="+mn-lt"/>
-                <a:ea typeface="+mn-ea"/>
-                <a:cs typeface="+mn-cs"/>
-              </a:defRPr>
-            </a:lvl1pPr>
-            <a:lvl2pPr marL="457200" algn="l" defTabSz="457200" rtl="0" eaLnBrk="1" latinLnBrk="0" hangingPunct="1">
-              <a:defRPr sz="1800" kern="1200">
-                <a:solidFill>
-                  <a:schemeClr val="tx1"/>
-                </a:solidFill>
-                <a:latin typeface="+mn-lt"/>
-                <a:ea typeface="+mn-ea"/>
-                <a:cs typeface="+mn-cs"/>
-              </a:defRPr>
-            </a:lvl2pPr>
-            <a:lvl3pPr marL="914400" algn="l" defTabSz="457200" rtl="0" eaLnBrk="1" latinLnBrk="0" hangingPunct="1">
-              <a:defRPr sz="1800" kern="1200">
-                <a:solidFill>
-                  <a:schemeClr val="tx1"/>
-                </a:solidFill>
-                <a:latin typeface="+mn-lt"/>
-                <a:ea typeface="+mn-ea"/>
-                <a:cs typeface="+mn-cs"/>
-              </a:defRPr>
-            </a:lvl3pPr>
-            <a:lvl4pPr marL="1371600" algn="l" defTabSz="457200" rtl="0" eaLnBrk="1" latinLnBrk="0" hangingPunct="1">
-              <a:defRPr sz="1800" kern="1200">
-                <a:solidFill>
-                  <a:schemeClr val="tx1"/>
-                </a:solidFill>
-                <a:latin typeface="+mn-lt"/>
-                <a:ea typeface="+mn-ea"/>
-                <a:cs typeface="+mn-cs"/>
-              </a:defRPr>
-            </a:lvl4pPr>
-            <a:lvl5pPr marL="1828800" algn="l" defTabSz="457200" rtl="0" eaLnBrk="1" latinLnBrk="0" hangingPunct="1">
-              <a:defRPr sz="1800" kern="1200">
-                <a:solidFill>
-                  <a:schemeClr val="tx1"/>
-                </a:solidFill>
-                <a:latin typeface="+mn-lt"/>
-                <a:ea typeface="+mn-ea"/>
-                <a:cs typeface="+mn-cs"/>
-              </a:defRPr>
-            </a:lvl5pPr>
-            <a:lvl6pPr marL="2286000" algn="l" defTabSz="457200" rtl="0" eaLnBrk="1" latinLnBrk="0" hangingPunct="1">
-              <a:defRPr sz="1800" kern="1200">
-                <a:solidFill>
-                  <a:schemeClr val="tx1"/>
-                </a:solidFill>
-                <a:latin typeface="+mn-lt"/>
-                <a:ea typeface="+mn-ea"/>
-                <a:cs typeface="+mn-cs"/>
-              </a:defRPr>
-            </a:lvl6pPr>
-            <a:lvl7pPr marL="2743200" algn="l" defTabSz="457200" rtl="0" eaLnBrk="1" latinLnBrk="0" hangingPunct="1">
-              <a:defRPr sz="1800" kern="1200">
-                <a:solidFill>
-                  <a:schemeClr val="tx1"/>
-                </a:solidFill>
-                <a:latin typeface="+mn-lt"/>
-                <a:ea typeface="+mn-ea"/>
-                <a:cs typeface="+mn-cs"/>
-              </a:defRPr>
-            </a:lvl7pPr>
-            <a:lvl8pPr marL="3200400" algn="l" defTabSz="457200" rtl="0" eaLnBrk="1" latinLnBrk="0" hangingPunct="1">
-              <a:defRPr sz="1800" kern="1200">
-                <a:solidFill>
-                  <a:schemeClr val="tx1"/>
-                </a:solidFill>
-                <a:latin typeface="+mn-lt"/>
-                <a:ea typeface="+mn-ea"/>
-                <a:cs typeface="+mn-cs"/>
-              </a:defRPr>
-            </a:lvl8pPr>
-            <a:lvl9pPr marL="3657600" algn="l" defTabSz="457200" rtl="0" eaLnBrk="1" latinLnBrk="0" hangingPunct="1">
-              <a:defRPr sz="1800" kern="1200">
-                <a:solidFill>
-                  <a:schemeClr val="tx1"/>
-                </a:solidFill>
-                <a:latin typeface="+mn-lt"/>
-                <a:ea typeface="+mn-ea"/>
-                <a:cs typeface="+mn-cs"/>
-              </a:defRPr>
-            </a:lvl9pPr>
-          </a:lstStyle>
-          <a:p>
-            <a:pPr>
-              <a:lnSpc>
-                <a:spcPct val="110000"/>
-              </a:lnSpc>
-            </a:pPr>
-            <a:r>
-              <a:rPr lang="en-US" altLang="ja-JP" sz="2000" dirty="0">
-                <a:latin typeface="BIZ UDPゴシック" panose="020B0400000000000000" pitchFamily="50" charset="-128"/>
-                <a:ea typeface="BIZ UDPゴシック" panose="020B0400000000000000" pitchFamily="50" charset="-128"/>
-              </a:rPr>
-              <a:t>Google</a:t>
-            </a:r>
-            <a:r>
-              <a:rPr lang="ja-JP" altLang="en-US" sz="2000" dirty="0">
-                <a:latin typeface="BIZ UDPゴシック" panose="020B0400000000000000" pitchFamily="50" charset="-128"/>
-                <a:ea typeface="BIZ UDPゴシック" panose="020B0400000000000000" pitchFamily="50" charset="-128"/>
-              </a:rPr>
-              <a:t>検索より，早口言葉，早口言葉でない文を取得</a:t>
-            </a:r>
-            <a:endParaRPr lang="en-US" altLang="ja-JP" sz="2000" dirty="0">
-              <a:latin typeface="BIZ UDPゴシック" panose="020B0400000000000000" pitchFamily="50" charset="-128"/>
-              <a:ea typeface="BIZ UDPゴシック" panose="020B0400000000000000" pitchFamily="50" charset="-128"/>
-            </a:endParaRPr>
-          </a:p>
-          <a:p>
-            <a:pPr>
-              <a:lnSpc>
-                <a:spcPct val="110000"/>
-              </a:lnSpc>
-            </a:pPr>
-            <a:endParaRPr lang="en-US" altLang="ja-JP" sz="2000" dirty="0">
-              <a:latin typeface="BIZ UDPゴシック" panose="020B0400000000000000" pitchFamily="50" charset="-128"/>
-              <a:ea typeface="BIZ UDPゴシック" panose="020B0400000000000000" pitchFamily="50" charset="-128"/>
-            </a:endParaRPr>
-          </a:p>
-          <a:p>
-            <a:pPr>
-              <a:lnSpc>
-                <a:spcPct val="110000"/>
-              </a:lnSpc>
-            </a:pPr>
-            <a:r>
-              <a:rPr lang="ja-JP" altLang="en-US" sz="2000" dirty="0">
-                <a:latin typeface="BIZ UDPゴシック" panose="020B0400000000000000" pitchFamily="50" charset="-128"/>
-                <a:ea typeface="BIZ UDPゴシック" panose="020B0400000000000000" pitchFamily="50" charset="-128"/>
-              </a:rPr>
-              <a:t>以下の</a:t>
-            </a:r>
-            <a:r>
-              <a:rPr lang="en-US" altLang="ja-JP" sz="2000" dirty="0">
-                <a:latin typeface="BIZ UDPゴシック" panose="020B0400000000000000" pitchFamily="50" charset="-128"/>
-                <a:ea typeface="BIZ UDPゴシック" panose="020B0400000000000000" pitchFamily="50" charset="-128"/>
-              </a:rPr>
-              <a:t>3</a:t>
-            </a:r>
-            <a:r>
-              <a:rPr lang="ja-JP" altLang="en-US" sz="2000" dirty="0">
-                <a:latin typeface="BIZ UDPゴシック" panose="020B0400000000000000" pitchFamily="50" charset="-128"/>
-                <a:ea typeface="BIZ UDPゴシック" panose="020B0400000000000000" pitchFamily="50" charset="-128"/>
-              </a:rPr>
-              <a:t>通りのベクトル</a:t>
-            </a:r>
-            <a:endParaRPr lang="en-US" altLang="ja-JP" sz="2000" dirty="0">
-              <a:latin typeface="BIZ UDPゴシック" panose="020B0400000000000000" pitchFamily="50" charset="-128"/>
-              <a:ea typeface="BIZ UDPゴシック" panose="020B0400000000000000" pitchFamily="50" charset="-128"/>
-            </a:endParaRPr>
-          </a:p>
-        </p:txBody>
-      </p:sp>
-      <p:sp>
-        <p:nvSpPr>
           <p:cNvPr id="5" name="四角形: 角を丸くする 4">
             <a:extLst>
               <a:ext uri="{FF2B5EF4-FFF2-40B4-BE49-F238E27FC236}">
@@ -12038,8 +14503,8 @@
         </p:nvSpPr>
         <p:spPr>
           <a:xfrm>
-            <a:off x="6762751" y="1626290"/>
-            <a:ext cx="5001202" cy="1296381"/>
+            <a:off x="5672108" y="1174215"/>
+            <a:ext cx="5046691" cy="2076450"/>
           </a:xfrm>
           <a:prstGeom prst="roundRect">
             <a:avLst/>
@@ -12080,6 +14545,77 @@
               </a:lnSpc>
             </a:pPr>
             <a:r>
+              <a:rPr lang="en-US" altLang="ja-JP" sz="1400" dirty="0">
+                <a:solidFill>
+                  <a:schemeClr val="tx1"/>
+                </a:solidFill>
+                <a:latin typeface="BIZ UDPゴシック" panose="020B0400000000000000" pitchFamily="50" charset="-128"/>
+                <a:ea typeface="BIZ UDPゴシック" panose="020B0400000000000000" pitchFamily="50" charset="-128"/>
+              </a:rPr>
+              <a:t>【</a:t>
+            </a:r>
+            <a:r>
+              <a:rPr lang="ja-JP" altLang="en-US" sz="1400" dirty="0">
+                <a:solidFill>
+                  <a:schemeClr val="tx1"/>
+                </a:solidFill>
+                <a:latin typeface="BIZ UDPゴシック" panose="020B0400000000000000" pitchFamily="50" charset="-128"/>
+                <a:ea typeface="BIZ UDPゴシック" panose="020B0400000000000000" pitchFamily="50" charset="-128"/>
+              </a:rPr>
+              <a:t>使用データ</a:t>
+            </a:r>
+            <a:r>
+              <a:rPr lang="en-US" altLang="ja-JP" sz="1400" dirty="0">
+                <a:solidFill>
+                  <a:schemeClr val="tx1"/>
+                </a:solidFill>
+                <a:latin typeface="BIZ UDPゴシック" panose="020B0400000000000000" pitchFamily="50" charset="-128"/>
+                <a:ea typeface="BIZ UDPゴシック" panose="020B0400000000000000" pitchFamily="50" charset="-128"/>
+              </a:rPr>
+              <a:t>】</a:t>
+            </a:r>
+          </a:p>
+          <a:p>
+            <a:pPr>
+              <a:lnSpc>
+                <a:spcPct val="110000"/>
+              </a:lnSpc>
+            </a:pPr>
+            <a:r>
+              <a:rPr lang="en-US" altLang="ja-JP" sz="1400" dirty="0">
+                <a:solidFill>
+                  <a:schemeClr val="tx1"/>
+                </a:solidFill>
+                <a:latin typeface="BIZ UDPゴシック" panose="020B0400000000000000" pitchFamily="50" charset="-128"/>
+                <a:ea typeface="BIZ UDPゴシック" panose="020B0400000000000000" pitchFamily="50" charset="-128"/>
+              </a:rPr>
+              <a:t>Google</a:t>
+            </a:r>
+            <a:r>
+              <a:rPr lang="ja-JP" altLang="en-US" sz="1400" dirty="0">
+                <a:solidFill>
+                  <a:schemeClr val="tx1"/>
+                </a:solidFill>
+                <a:latin typeface="BIZ UDPゴシック" panose="020B0400000000000000" pitchFamily="50" charset="-128"/>
+                <a:ea typeface="BIZ UDPゴシック" panose="020B0400000000000000" pitchFamily="50" charset="-128"/>
+              </a:rPr>
+              <a:t>検索より，早口言葉，早口言葉でない文を取得</a:t>
+            </a:r>
+            <a:endParaRPr lang="en-US" altLang="ja-JP" sz="1400" dirty="0">
+              <a:solidFill>
+                <a:schemeClr val="tx1"/>
+              </a:solidFill>
+              <a:latin typeface="BIZ UDPゴシック" panose="020B0400000000000000" pitchFamily="50" charset="-128"/>
+              <a:ea typeface="BIZ UDPゴシック" panose="020B0400000000000000" pitchFamily="50" charset="-128"/>
+            </a:endParaRPr>
+          </a:p>
+          <a:p>
+            <a:pPr>
+              <a:lnSpc>
+                <a:spcPct val="110000"/>
+              </a:lnSpc>
+            </a:pPr>
+            <a:r>
               <a:rPr lang="ja-JP" altLang="en-US" sz="1400" dirty="0">
                 <a:solidFill>
                   <a:schemeClr val="tx1"/>
@@ -12222,6 +14758,1073 @@
               <a:t>https://proverb-encyclopedia.com/primary-school/</a:t>
             </a:r>
             <a:endParaRPr lang="en-US" altLang="ja-JP" sz="1200" dirty="0">
+              <a:solidFill>
+                <a:schemeClr val="tx1"/>
+              </a:solidFill>
+              <a:latin typeface="BIZ UDPゴシック" panose="020B0400000000000000" pitchFamily="50" charset="-128"/>
+              <a:ea typeface="BIZ UDPゴシック" panose="020B0400000000000000" pitchFamily="50" charset="-128"/>
+            </a:endParaRPr>
+          </a:p>
+        </p:txBody>
+      </p:sp>
+      <p:sp>
+        <p:nvSpPr>
+          <p:cNvPr id="6" name="テキスト ボックス 5">
+            <a:extLst>
+              <a:ext uri="{FF2B5EF4-FFF2-40B4-BE49-F238E27FC236}">
+                <a16:creationId xmlns:a16="http://schemas.microsoft.com/office/drawing/2014/main" id="{B4A17AAC-AF59-D8F2-78D4-9787B7DD98D7}"/>
+              </a:ext>
+            </a:extLst>
+          </p:cNvPr>
+          <p:cNvSpPr txBox="1"/>
+          <p:nvPr/>
+        </p:nvSpPr>
+        <p:spPr>
+          <a:xfrm>
+            <a:off x="5672108" y="3429000"/>
+            <a:ext cx="1018867" cy="461665"/>
+          </a:xfrm>
+          <a:prstGeom prst="rect">
+            <a:avLst/>
+          </a:prstGeom>
+          <a:noFill/>
+        </p:spPr>
+        <p:txBody>
+          <a:bodyPr wrap="square" rtlCol="0">
+            <a:spAutoFit/>
+          </a:bodyPr>
+          <a:lstStyle>
+            <a:defPPr>
+              <a:defRPr lang="en-US"/>
+            </a:defPPr>
+            <a:lvl1pPr marL="0" algn="l" defTabSz="457200" rtl="0" eaLnBrk="1" latinLnBrk="0" hangingPunct="1">
+              <a:defRPr sz="1800" kern="1200">
+                <a:solidFill>
+                  <a:schemeClr val="tx1"/>
+                </a:solidFill>
+                <a:latin typeface="+mn-lt"/>
+                <a:ea typeface="+mn-ea"/>
+                <a:cs typeface="+mn-cs"/>
+              </a:defRPr>
+            </a:lvl1pPr>
+            <a:lvl2pPr marL="457200" algn="l" defTabSz="457200" rtl="0" eaLnBrk="1" latinLnBrk="0" hangingPunct="1">
+              <a:defRPr sz="1800" kern="1200">
+                <a:solidFill>
+                  <a:schemeClr val="tx1"/>
+                </a:solidFill>
+                <a:latin typeface="+mn-lt"/>
+                <a:ea typeface="+mn-ea"/>
+                <a:cs typeface="+mn-cs"/>
+              </a:defRPr>
+            </a:lvl2pPr>
+            <a:lvl3pPr marL="914400" algn="l" defTabSz="457200" rtl="0" eaLnBrk="1" latinLnBrk="0" hangingPunct="1">
+              <a:defRPr sz="1800" kern="1200">
+                <a:solidFill>
+                  <a:schemeClr val="tx1"/>
+                </a:solidFill>
+                <a:latin typeface="+mn-lt"/>
+                <a:ea typeface="+mn-ea"/>
+                <a:cs typeface="+mn-cs"/>
+              </a:defRPr>
+            </a:lvl3pPr>
+            <a:lvl4pPr marL="1371600" algn="l" defTabSz="457200" rtl="0" eaLnBrk="1" latinLnBrk="0" hangingPunct="1">
+              <a:defRPr sz="1800" kern="1200">
+                <a:solidFill>
+                  <a:schemeClr val="tx1"/>
+                </a:solidFill>
+                <a:latin typeface="+mn-lt"/>
+                <a:ea typeface="+mn-ea"/>
+                <a:cs typeface="+mn-cs"/>
+              </a:defRPr>
+            </a:lvl4pPr>
+            <a:lvl5pPr marL="1828800" algn="l" defTabSz="457200" rtl="0" eaLnBrk="1" latinLnBrk="0" hangingPunct="1">
+              <a:defRPr sz="1800" kern="1200">
+                <a:solidFill>
+                  <a:schemeClr val="tx1"/>
+                </a:solidFill>
+                <a:latin typeface="+mn-lt"/>
+                <a:ea typeface="+mn-ea"/>
+                <a:cs typeface="+mn-cs"/>
+              </a:defRPr>
+            </a:lvl5pPr>
+            <a:lvl6pPr marL="2286000" algn="l" defTabSz="457200" rtl="0" eaLnBrk="1" latinLnBrk="0" hangingPunct="1">
+              <a:defRPr sz="1800" kern="1200">
+                <a:solidFill>
+                  <a:schemeClr val="tx1"/>
+                </a:solidFill>
+                <a:latin typeface="+mn-lt"/>
+                <a:ea typeface="+mn-ea"/>
+                <a:cs typeface="+mn-cs"/>
+              </a:defRPr>
+            </a:lvl6pPr>
+            <a:lvl7pPr marL="2743200" algn="l" defTabSz="457200" rtl="0" eaLnBrk="1" latinLnBrk="0" hangingPunct="1">
+              <a:defRPr sz="1800" kern="1200">
+                <a:solidFill>
+                  <a:schemeClr val="tx1"/>
+                </a:solidFill>
+                <a:latin typeface="+mn-lt"/>
+                <a:ea typeface="+mn-ea"/>
+                <a:cs typeface="+mn-cs"/>
+              </a:defRPr>
+            </a:lvl7pPr>
+            <a:lvl8pPr marL="3200400" algn="l" defTabSz="457200" rtl="0" eaLnBrk="1" latinLnBrk="0" hangingPunct="1">
+              <a:defRPr sz="1800" kern="1200">
+                <a:solidFill>
+                  <a:schemeClr val="tx1"/>
+                </a:solidFill>
+                <a:latin typeface="+mn-lt"/>
+                <a:ea typeface="+mn-ea"/>
+                <a:cs typeface="+mn-cs"/>
+              </a:defRPr>
+            </a:lvl8pPr>
+            <a:lvl9pPr marL="3657600" algn="l" defTabSz="457200" rtl="0" eaLnBrk="1" latinLnBrk="0" hangingPunct="1">
+              <a:defRPr sz="1800" kern="1200">
+                <a:solidFill>
+                  <a:schemeClr val="tx1"/>
+                </a:solidFill>
+                <a:latin typeface="+mn-lt"/>
+                <a:ea typeface="+mn-ea"/>
+                <a:cs typeface="+mn-cs"/>
+              </a:defRPr>
+            </a:lvl9pPr>
+          </a:lstStyle>
+          <a:p>
+            <a:r>
+              <a:rPr kumimoji="1" lang="ja-JP" altLang="en-US" sz="2400" b="1" dirty="0">
+                <a:latin typeface="BIZ UDPゴシック" panose="020B0400000000000000" pitchFamily="50" charset="-128"/>
+                <a:ea typeface="BIZ UDPゴシック" panose="020B0400000000000000" pitchFamily="50" charset="-128"/>
+              </a:rPr>
+              <a:t>手法</a:t>
+            </a:r>
+          </a:p>
+        </p:txBody>
+      </p:sp>
+      <p:sp>
+        <p:nvSpPr>
+          <p:cNvPr id="7" name="テキスト ボックス 1">
+            <a:extLst>
+              <a:ext uri="{FF2B5EF4-FFF2-40B4-BE49-F238E27FC236}">
+                <a16:creationId xmlns:a16="http://schemas.microsoft.com/office/drawing/2014/main" id="{5CE81C9E-6DBF-2DE1-CFBE-A2D37B22F29F}"/>
+              </a:ext>
+            </a:extLst>
+          </p:cNvPr>
+          <p:cNvSpPr txBox="1"/>
+          <p:nvPr/>
+        </p:nvSpPr>
+        <p:spPr>
+          <a:xfrm>
+            <a:off x="6690975" y="3429000"/>
+            <a:ext cx="4420099" cy="3033459"/>
+          </a:xfrm>
+          <a:prstGeom prst="rect">
+            <a:avLst/>
+          </a:prstGeom>
+          <a:noFill/>
+        </p:spPr>
+        <p:txBody>
+          <a:bodyPr wrap="square" rtlCol="0">
+            <a:spAutoFit/>
+          </a:bodyPr>
+          <a:lstStyle>
+            <a:defPPr>
+              <a:defRPr lang="en-US"/>
+            </a:defPPr>
+            <a:lvl1pPr marL="0" algn="l" defTabSz="457200" rtl="0" eaLnBrk="1" latinLnBrk="0" hangingPunct="1">
+              <a:defRPr sz="1800" kern="1200">
+                <a:solidFill>
+                  <a:schemeClr val="tx1"/>
+                </a:solidFill>
+                <a:latin typeface="+mn-lt"/>
+                <a:ea typeface="+mn-ea"/>
+                <a:cs typeface="+mn-cs"/>
+              </a:defRPr>
+            </a:lvl1pPr>
+            <a:lvl2pPr marL="457200" algn="l" defTabSz="457200" rtl="0" eaLnBrk="1" latinLnBrk="0" hangingPunct="1">
+              <a:defRPr sz="1800" kern="1200">
+                <a:solidFill>
+                  <a:schemeClr val="tx1"/>
+                </a:solidFill>
+                <a:latin typeface="+mn-lt"/>
+                <a:ea typeface="+mn-ea"/>
+                <a:cs typeface="+mn-cs"/>
+              </a:defRPr>
+            </a:lvl2pPr>
+            <a:lvl3pPr marL="914400" algn="l" defTabSz="457200" rtl="0" eaLnBrk="1" latinLnBrk="0" hangingPunct="1">
+              <a:defRPr sz="1800" kern="1200">
+                <a:solidFill>
+                  <a:schemeClr val="tx1"/>
+                </a:solidFill>
+                <a:latin typeface="+mn-lt"/>
+                <a:ea typeface="+mn-ea"/>
+                <a:cs typeface="+mn-cs"/>
+              </a:defRPr>
+            </a:lvl3pPr>
+            <a:lvl4pPr marL="1371600" algn="l" defTabSz="457200" rtl="0" eaLnBrk="1" latinLnBrk="0" hangingPunct="1">
+              <a:defRPr sz="1800" kern="1200">
+                <a:solidFill>
+                  <a:schemeClr val="tx1"/>
+                </a:solidFill>
+                <a:latin typeface="+mn-lt"/>
+                <a:ea typeface="+mn-ea"/>
+                <a:cs typeface="+mn-cs"/>
+              </a:defRPr>
+            </a:lvl4pPr>
+            <a:lvl5pPr marL="1828800" algn="l" defTabSz="457200" rtl="0" eaLnBrk="1" latinLnBrk="0" hangingPunct="1">
+              <a:defRPr sz="1800" kern="1200">
+                <a:solidFill>
+                  <a:schemeClr val="tx1"/>
+                </a:solidFill>
+                <a:latin typeface="+mn-lt"/>
+                <a:ea typeface="+mn-ea"/>
+                <a:cs typeface="+mn-cs"/>
+              </a:defRPr>
+            </a:lvl5pPr>
+            <a:lvl6pPr marL="2286000" algn="l" defTabSz="457200" rtl="0" eaLnBrk="1" latinLnBrk="0" hangingPunct="1">
+              <a:defRPr sz="1800" kern="1200">
+                <a:solidFill>
+                  <a:schemeClr val="tx1"/>
+                </a:solidFill>
+                <a:latin typeface="+mn-lt"/>
+                <a:ea typeface="+mn-ea"/>
+                <a:cs typeface="+mn-cs"/>
+              </a:defRPr>
+            </a:lvl6pPr>
+            <a:lvl7pPr marL="2743200" algn="l" defTabSz="457200" rtl="0" eaLnBrk="1" latinLnBrk="0" hangingPunct="1">
+              <a:defRPr sz="1800" kern="1200">
+                <a:solidFill>
+                  <a:schemeClr val="tx1"/>
+                </a:solidFill>
+                <a:latin typeface="+mn-lt"/>
+                <a:ea typeface="+mn-ea"/>
+                <a:cs typeface="+mn-cs"/>
+              </a:defRPr>
+            </a:lvl7pPr>
+            <a:lvl8pPr marL="3200400" algn="l" defTabSz="457200" rtl="0" eaLnBrk="1" latinLnBrk="0" hangingPunct="1">
+              <a:defRPr sz="1800" kern="1200">
+                <a:solidFill>
+                  <a:schemeClr val="tx1"/>
+                </a:solidFill>
+                <a:latin typeface="+mn-lt"/>
+                <a:ea typeface="+mn-ea"/>
+                <a:cs typeface="+mn-cs"/>
+              </a:defRPr>
+            </a:lvl8pPr>
+            <a:lvl9pPr marL="3657600" algn="l" defTabSz="457200" rtl="0" eaLnBrk="1" latinLnBrk="0" hangingPunct="1">
+              <a:defRPr sz="1800" kern="1200">
+                <a:solidFill>
+                  <a:schemeClr val="tx1"/>
+                </a:solidFill>
+                <a:latin typeface="+mn-lt"/>
+                <a:ea typeface="+mn-ea"/>
+                <a:cs typeface="+mn-cs"/>
+              </a:defRPr>
+            </a:lvl9pPr>
+          </a:lstStyle>
+          <a:p>
+            <a:pPr>
+              <a:lnSpc>
+                <a:spcPct val="110000"/>
+              </a:lnSpc>
+            </a:pPr>
+            <a:r>
+              <a:rPr lang="en-US" altLang="ja-JP" sz="1600" dirty="0">
+                <a:latin typeface="BIZ UDPゴシック" panose="020B0400000000000000" pitchFamily="50" charset="-128"/>
+                <a:ea typeface="BIZ UDPゴシック" panose="020B0400000000000000" pitchFamily="50" charset="-128"/>
+              </a:rPr>
+              <a:t>3</a:t>
+            </a:r>
+            <a:r>
+              <a:rPr lang="ja-JP" altLang="en-US" sz="1600" dirty="0">
+                <a:latin typeface="BIZ UDPゴシック" panose="020B0400000000000000" pitchFamily="50" charset="-128"/>
+                <a:ea typeface="BIZ UDPゴシック" panose="020B0400000000000000" pitchFamily="50" charset="-128"/>
+              </a:rPr>
+              <a:t>つの特徴に対し，</a:t>
+            </a:r>
+            <a:endParaRPr lang="en-US" altLang="ja-JP" sz="1600" dirty="0">
+              <a:latin typeface="BIZ UDPゴシック" panose="020B0400000000000000" pitchFamily="50" charset="-128"/>
+              <a:ea typeface="BIZ UDPゴシック" panose="020B0400000000000000" pitchFamily="50" charset="-128"/>
+            </a:endParaRPr>
+          </a:p>
+          <a:p>
+            <a:pPr>
+              <a:lnSpc>
+                <a:spcPct val="110000"/>
+              </a:lnSpc>
+            </a:pPr>
+            <a:r>
+              <a:rPr lang="ja-JP" altLang="en-US" sz="1600" dirty="0">
+                <a:latin typeface="BIZ UDPゴシック" panose="020B0400000000000000" pitchFamily="50" charset="-128"/>
+                <a:ea typeface="BIZ UDPゴシック" panose="020B0400000000000000" pitchFamily="50" charset="-128"/>
+              </a:rPr>
+              <a:t>以下</a:t>
+            </a:r>
+            <a:r>
+              <a:rPr lang="en-US" altLang="ja-JP" sz="1600" dirty="0">
+                <a:latin typeface="BIZ UDPゴシック" panose="020B0400000000000000" pitchFamily="50" charset="-128"/>
+                <a:ea typeface="BIZ UDPゴシック" panose="020B0400000000000000" pitchFamily="50" charset="-128"/>
+              </a:rPr>
+              <a:t>3</a:t>
+            </a:r>
+            <a:r>
+              <a:rPr lang="ja-JP" altLang="en-US" sz="1600" dirty="0">
+                <a:latin typeface="BIZ UDPゴシック" panose="020B0400000000000000" pitchFamily="50" charset="-128"/>
+                <a:ea typeface="BIZ UDPゴシック" panose="020B0400000000000000" pitchFamily="50" charset="-128"/>
+              </a:rPr>
+              <a:t>つの計算によってモデルを構築する．</a:t>
+            </a:r>
+            <a:endParaRPr lang="en-US" altLang="ja-JP" sz="1600" dirty="0">
+              <a:latin typeface="BIZ UDPゴシック" panose="020B0400000000000000" pitchFamily="50" charset="-128"/>
+              <a:ea typeface="BIZ UDPゴシック" panose="020B0400000000000000" pitchFamily="50" charset="-128"/>
+            </a:endParaRPr>
+          </a:p>
+          <a:p>
+            <a:pPr marL="342900" indent="-342900">
+              <a:lnSpc>
+                <a:spcPct val="110000"/>
+              </a:lnSpc>
+              <a:buFontTx/>
+              <a:buChar char="-"/>
+            </a:pPr>
+            <a:r>
+              <a:rPr kumimoji="1" lang="en-US" altLang="ja-JP" sz="1600" dirty="0">
+                <a:latin typeface="BIZ UDPゴシック" panose="020B0400000000000000" pitchFamily="50" charset="-128"/>
+                <a:ea typeface="BIZ UDPゴシック" panose="020B0400000000000000" pitchFamily="50" charset="-128"/>
+              </a:rPr>
+              <a:t>SVM</a:t>
+            </a:r>
+          </a:p>
+          <a:p>
+            <a:pPr marL="342900" indent="-342900">
+              <a:lnSpc>
+                <a:spcPct val="110000"/>
+              </a:lnSpc>
+              <a:buFontTx/>
+              <a:buChar char="-"/>
+            </a:pPr>
+            <a:r>
+              <a:rPr lang="ja-JP" altLang="en-US" sz="1600" dirty="0">
+                <a:latin typeface="BIZ UDPゴシック" panose="020B0400000000000000" pitchFamily="50" charset="-128"/>
+                <a:ea typeface="BIZ UDPゴシック" panose="020B0400000000000000" pitchFamily="50" charset="-128"/>
+              </a:rPr>
+              <a:t>ロジスティック回帰</a:t>
+            </a:r>
+            <a:endParaRPr lang="en-US" altLang="ja-JP" sz="1600" dirty="0">
+              <a:latin typeface="BIZ UDPゴシック" panose="020B0400000000000000" pitchFamily="50" charset="-128"/>
+              <a:ea typeface="BIZ UDPゴシック" panose="020B0400000000000000" pitchFamily="50" charset="-128"/>
+            </a:endParaRPr>
+          </a:p>
+          <a:p>
+            <a:pPr marL="342900" indent="-342900">
+              <a:lnSpc>
+                <a:spcPct val="110000"/>
+              </a:lnSpc>
+              <a:buFontTx/>
+              <a:buChar char="-"/>
+            </a:pPr>
+            <a:r>
+              <a:rPr kumimoji="1" lang="ja-JP" altLang="en-US" sz="1600" dirty="0">
+                <a:latin typeface="BIZ UDPゴシック" panose="020B0400000000000000" pitchFamily="50" charset="-128"/>
+                <a:ea typeface="BIZ UDPゴシック" panose="020B0400000000000000" pitchFamily="50" charset="-128"/>
+              </a:rPr>
+              <a:t>ランダムフォレスト</a:t>
+            </a:r>
+            <a:endParaRPr kumimoji="1" lang="en-US" altLang="ja-JP" sz="1600" dirty="0">
+              <a:latin typeface="BIZ UDPゴシック" panose="020B0400000000000000" pitchFamily="50" charset="-128"/>
+              <a:ea typeface="BIZ UDPゴシック" panose="020B0400000000000000" pitchFamily="50" charset="-128"/>
+            </a:endParaRPr>
+          </a:p>
+          <a:p>
+            <a:pPr marL="342900" indent="-342900">
+              <a:lnSpc>
+                <a:spcPct val="110000"/>
+              </a:lnSpc>
+              <a:buFontTx/>
+              <a:buChar char="-"/>
+            </a:pPr>
+            <a:endParaRPr lang="en-US" altLang="ja-JP" sz="1600" dirty="0">
+              <a:latin typeface="BIZ UDPゴシック" panose="020B0400000000000000" pitchFamily="50" charset="-128"/>
+              <a:ea typeface="BIZ UDPゴシック" panose="020B0400000000000000" pitchFamily="50" charset="-128"/>
+            </a:endParaRPr>
+          </a:p>
+          <a:p>
+            <a:pPr>
+              <a:lnSpc>
+                <a:spcPct val="110000"/>
+              </a:lnSpc>
+            </a:pPr>
+            <a:r>
+              <a:rPr kumimoji="1" lang="ja-JP" altLang="en-US" sz="1600" dirty="0">
+                <a:latin typeface="BIZ UDPゴシック" panose="020B0400000000000000" pitchFamily="50" charset="-128"/>
+                <a:ea typeface="BIZ UDPゴシック" panose="020B0400000000000000" pitchFamily="50" charset="-128"/>
+              </a:rPr>
+              <a:t>ベクトル変換には，</a:t>
+            </a:r>
+            <a:r>
+              <a:rPr kumimoji="1" lang="en-US" altLang="ja-JP" sz="1600" dirty="0">
+                <a:latin typeface="BIZ UDPゴシック" panose="020B0400000000000000" pitchFamily="50" charset="-128"/>
+                <a:ea typeface="BIZ UDPゴシック" panose="020B0400000000000000" pitchFamily="50" charset="-128"/>
+              </a:rPr>
+              <a:t> TF-IDF</a:t>
+            </a:r>
+            <a:r>
+              <a:rPr kumimoji="1" lang="ja-JP" altLang="en-US" sz="1600" dirty="0">
+                <a:latin typeface="BIZ UDPゴシック" panose="020B0400000000000000" pitchFamily="50" charset="-128"/>
+                <a:ea typeface="BIZ UDPゴシック" panose="020B0400000000000000" pitchFamily="50" charset="-128"/>
+              </a:rPr>
+              <a:t>を用いる．</a:t>
+            </a:r>
+            <a:endParaRPr kumimoji="1" lang="en-US" altLang="ja-JP" sz="1600" dirty="0">
+              <a:latin typeface="BIZ UDPゴシック" panose="020B0400000000000000" pitchFamily="50" charset="-128"/>
+              <a:ea typeface="BIZ UDPゴシック" panose="020B0400000000000000" pitchFamily="50" charset="-128"/>
+            </a:endParaRPr>
+          </a:p>
+          <a:p>
+            <a:pPr>
+              <a:lnSpc>
+                <a:spcPct val="110000"/>
+              </a:lnSpc>
+            </a:pPr>
+            <a:r>
+              <a:rPr lang="ja-JP" altLang="en-US" sz="1600" dirty="0">
+                <a:latin typeface="BIZ UDPゴシック" panose="020B0400000000000000" pitchFamily="50" charset="-128"/>
+                <a:ea typeface="BIZ UDPゴシック" panose="020B0400000000000000" pitchFamily="50" charset="-128"/>
+              </a:rPr>
+              <a:t>→ </a:t>
+            </a:r>
+            <a:r>
+              <a:rPr kumimoji="1" lang="ja-JP" altLang="en-US" sz="1600" dirty="0">
+                <a:latin typeface="BIZ UDPゴシック" panose="020B0400000000000000" pitchFamily="50" charset="-128"/>
+                <a:ea typeface="BIZ UDPゴシック" panose="020B0400000000000000" pitchFamily="50" charset="-128"/>
+              </a:rPr>
+              <a:t>文の長さの違いによる影響を受けにくい．</a:t>
+            </a:r>
+            <a:endParaRPr kumimoji="1" lang="en-US" altLang="ja-JP" sz="1600" dirty="0">
+              <a:latin typeface="BIZ UDPゴシック" panose="020B0400000000000000" pitchFamily="50" charset="-128"/>
+              <a:ea typeface="BIZ UDPゴシック" panose="020B0400000000000000" pitchFamily="50" charset="-128"/>
+            </a:endParaRPr>
+          </a:p>
+          <a:p>
+            <a:pPr>
+              <a:lnSpc>
+                <a:spcPct val="110000"/>
+              </a:lnSpc>
+            </a:pPr>
+            <a:endParaRPr lang="en-US" altLang="ja-JP" sz="1600" dirty="0">
+              <a:latin typeface="BIZ UDPゴシック" panose="020B0400000000000000" pitchFamily="50" charset="-128"/>
+              <a:ea typeface="BIZ UDPゴシック" panose="020B0400000000000000" pitchFamily="50" charset="-128"/>
+            </a:endParaRPr>
+          </a:p>
+          <a:p>
+            <a:pPr>
+              <a:lnSpc>
+                <a:spcPct val="110000"/>
+              </a:lnSpc>
+            </a:pPr>
+            <a:r>
+              <a:rPr kumimoji="1" lang="ja-JP" altLang="en-US" sz="1600" dirty="0">
+                <a:latin typeface="BIZ UDPゴシック" panose="020B0400000000000000" pitchFamily="50" charset="-128"/>
+                <a:ea typeface="BIZ UDPゴシック" panose="020B0400000000000000" pitchFamily="50" charset="-128"/>
+              </a:rPr>
+              <a:t>各</a:t>
+            </a:r>
+            <a:r>
+              <a:rPr kumimoji="1" lang="en-US" altLang="ja-JP" sz="1600" dirty="0">
+                <a:latin typeface="BIZ UDPゴシック" panose="020B0400000000000000" pitchFamily="50" charset="-128"/>
+                <a:ea typeface="BIZ UDPゴシック" panose="020B0400000000000000" pitchFamily="50" charset="-128"/>
+              </a:rPr>
+              <a:t>3</a:t>
+            </a:r>
+            <a:r>
+              <a:rPr kumimoji="1" lang="ja-JP" altLang="en-US" sz="1600" dirty="0">
+                <a:latin typeface="BIZ UDPゴシック" panose="020B0400000000000000" pitchFamily="50" charset="-128"/>
+                <a:ea typeface="BIZ UDPゴシック" panose="020B0400000000000000" pitchFamily="50" charset="-128"/>
+              </a:rPr>
+              <a:t>つの計算によって作成されたモデルを</a:t>
+            </a:r>
+            <a:endParaRPr kumimoji="1" lang="en-US" altLang="ja-JP" sz="1600" dirty="0">
+              <a:latin typeface="BIZ UDPゴシック" panose="020B0400000000000000" pitchFamily="50" charset="-128"/>
+              <a:ea typeface="BIZ UDPゴシック" panose="020B0400000000000000" pitchFamily="50" charset="-128"/>
+            </a:endParaRPr>
+          </a:p>
+          <a:p>
+            <a:pPr>
+              <a:lnSpc>
+                <a:spcPct val="110000"/>
+              </a:lnSpc>
+            </a:pPr>
+            <a:r>
+              <a:rPr lang="en-US" altLang="ja-JP" sz="1600" dirty="0">
+                <a:latin typeface="BIZ UDPゴシック" panose="020B0400000000000000" pitchFamily="50" charset="-128"/>
+                <a:ea typeface="BIZ UDPゴシック" panose="020B0400000000000000" pitchFamily="50" charset="-128"/>
+              </a:rPr>
+              <a:t>10</a:t>
+            </a:r>
+            <a:r>
+              <a:rPr lang="ja-JP" altLang="en-US" sz="1600" dirty="0">
+                <a:latin typeface="BIZ UDPゴシック" panose="020B0400000000000000" pitchFamily="50" charset="-128"/>
+                <a:ea typeface="BIZ UDPゴシック" panose="020B0400000000000000" pitchFamily="50" charset="-128"/>
+              </a:rPr>
+              <a:t>分割交差検証により評価する．</a:t>
+            </a:r>
+            <a:endParaRPr kumimoji="1" lang="en-US" altLang="ja-JP" sz="1600" dirty="0">
+              <a:latin typeface="BIZ UDPゴシック" panose="020B0400000000000000" pitchFamily="50" charset="-128"/>
+              <a:ea typeface="BIZ UDPゴシック" panose="020B0400000000000000" pitchFamily="50" charset="-128"/>
+            </a:endParaRPr>
+          </a:p>
+        </p:txBody>
+      </p:sp>
+      <p:sp>
+        <p:nvSpPr>
+          <p:cNvPr id="8" name="四角形: 角を丸くする 7">
+            <a:extLst>
+              <a:ext uri="{FF2B5EF4-FFF2-40B4-BE49-F238E27FC236}">
+                <a16:creationId xmlns:a16="http://schemas.microsoft.com/office/drawing/2014/main" id="{D7EFD76B-7061-06EC-4A8A-F584BCC71157}"/>
+              </a:ext>
+            </a:extLst>
+          </p:cNvPr>
+          <p:cNvSpPr/>
+          <p:nvPr/>
+        </p:nvSpPr>
+        <p:spPr>
+          <a:xfrm>
+            <a:off x="553489" y="1759410"/>
+            <a:ext cx="4025737" cy="4393739"/>
+          </a:xfrm>
+          <a:prstGeom prst="roundRect">
+            <a:avLst/>
+          </a:prstGeom>
+          <a:noFill/>
+          <a:ln w="38100">
+            <a:solidFill>
+              <a:schemeClr val="accent2">
+                <a:lumMod val="60000"/>
+                <a:lumOff val="40000"/>
+              </a:schemeClr>
+            </a:solidFill>
+          </a:ln>
+        </p:spPr>
+        <p:style>
+          <a:lnRef idx="2">
+            <a:schemeClr val="accent1">
+              <a:shade val="15000"/>
+            </a:schemeClr>
+          </a:lnRef>
+          <a:fillRef idx="1">
+            <a:schemeClr val="accent1"/>
+          </a:fillRef>
+          <a:effectRef idx="0">
+            <a:schemeClr val="accent1"/>
+          </a:effectRef>
+          <a:fontRef idx="minor">
+            <a:schemeClr val="lt1"/>
+          </a:fontRef>
+        </p:style>
+        <p:txBody>
+          <a:bodyPr rtlCol="0" anchor="ctr"/>
+          <a:lstStyle/>
+          <a:p>
+            <a:pPr>
+              <a:lnSpc>
+                <a:spcPct val="110000"/>
+              </a:lnSpc>
+            </a:pPr>
+            <a:r>
+              <a:rPr lang="en-US" altLang="ja-JP" sz="1400" dirty="0">
+                <a:solidFill>
+                  <a:schemeClr val="tx1"/>
+                </a:solidFill>
+                <a:latin typeface="BIZ UDPゴシック" panose="020B0400000000000000" pitchFamily="50" charset="-128"/>
+                <a:ea typeface="BIZ UDPゴシック" panose="020B0400000000000000" pitchFamily="50" charset="-128"/>
+              </a:rPr>
+              <a:t>【</a:t>
+            </a:r>
+            <a:r>
+              <a:rPr lang="ja-JP" altLang="en-US" sz="1400" dirty="0">
+                <a:solidFill>
+                  <a:schemeClr val="tx1"/>
+                </a:solidFill>
+                <a:latin typeface="BIZ UDPゴシック" panose="020B0400000000000000" pitchFamily="50" charset="-128"/>
+                <a:ea typeface="BIZ UDPゴシック" panose="020B0400000000000000" pitchFamily="50" charset="-128"/>
+              </a:rPr>
+              <a:t>早口言葉の特徴に対する着目点</a:t>
+            </a:r>
+            <a:r>
+              <a:rPr lang="en-US" altLang="ja-JP" sz="1400" dirty="0">
+                <a:solidFill>
+                  <a:schemeClr val="tx1"/>
+                </a:solidFill>
+                <a:latin typeface="BIZ UDPゴシック" panose="020B0400000000000000" pitchFamily="50" charset="-128"/>
+                <a:ea typeface="BIZ UDPゴシック" panose="020B0400000000000000" pitchFamily="50" charset="-128"/>
+              </a:rPr>
+              <a:t>】</a:t>
+            </a:r>
+          </a:p>
+          <a:p>
+            <a:pPr>
+              <a:lnSpc>
+                <a:spcPct val="110000"/>
+              </a:lnSpc>
+            </a:pPr>
+            <a:endParaRPr lang="en-US" altLang="ja-JP" sz="1400" dirty="0">
+              <a:solidFill>
+                <a:schemeClr val="tx1"/>
+              </a:solidFill>
+              <a:latin typeface="BIZ UDPゴシック" panose="020B0400000000000000" pitchFamily="50" charset="-128"/>
+              <a:ea typeface="BIZ UDPゴシック" panose="020B0400000000000000" pitchFamily="50" charset="-128"/>
+            </a:endParaRPr>
+          </a:p>
+          <a:p>
+            <a:pPr marL="342900" indent="-342900">
+              <a:lnSpc>
+                <a:spcPct val="110000"/>
+              </a:lnSpc>
+              <a:buFontTx/>
+              <a:buChar char="-"/>
+            </a:pPr>
+            <a:r>
+              <a:rPr lang="ja-JP" altLang="en-US" sz="1400" dirty="0">
+                <a:solidFill>
+                  <a:schemeClr val="tx1"/>
+                </a:solidFill>
+                <a:latin typeface="BIZ UDPゴシック" panose="020B0400000000000000" pitchFamily="50" charset="-128"/>
+                <a:ea typeface="BIZ UDPゴシック" panose="020B0400000000000000" pitchFamily="50" charset="-128"/>
+              </a:rPr>
+              <a:t>文全体の母音と子音の組み合わせ</a:t>
+            </a:r>
+            <a:br>
+              <a:rPr lang="en-US" altLang="ja-JP" sz="1400" dirty="0">
+                <a:solidFill>
+                  <a:schemeClr val="tx1"/>
+                </a:solidFill>
+                <a:latin typeface="BIZ UDPゴシック" panose="020B0400000000000000" pitchFamily="50" charset="-128"/>
+                <a:ea typeface="BIZ UDPゴシック" panose="020B0400000000000000" pitchFamily="50" charset="-128"/>
+              </a:rPr>
+            </a:br>
+            <a:r>
+              <a:rPr lang="en-US" altLang="ja-JP" sz="1400" dirty="0">
+                <a:solidFill>
+                  <a:schemeClr val="tx1"/>
+                </a:solidFill>
+                <a:latin typeface="BIZ UDPゴシック" panose="020B0400000000000000" pitchFamily="50" charset="-128"/>
+                <a:ea typeface="BIZ UDPゴシック" panose="020B0400000000000000" pitchFamily="50" charset="-128"/>
+              </a:rPr>
+              <a:t>- </a:t>
+            </a:r>
+            <a:r>
+              <a:rPr lang="ja-JP" altLang="en-US" sz="1400" dirty="0">
+                <a:solidFill>
+                  <a:schemeClr val="tx1"/>
+                </a:solidFill>
+                <a:latin typeface="BIZ UDPゴシック" panose="020B0400000000000000" pitchFamily="50" charset="-128"/>
+                <a:ea typeface="BIZ UDPゴシック" panose="020B0400000000000000" pitchFamily="50" charset="-128"/>
+              </a:rPr>
+              <a:t>バスガス爆発</a:t>
+            </a:r>
+            <a:br>
+              <a:rPr lang="en-US" altLang="ja-JP" sz="1400" dirty="0">
+                <a:solidFill>
+                  <a:schemeClr val="tx1"/>
+                </a:solidFill>
+                <a:latin typeface="BIZ UDPゴシック" panose="020B0400000000000000" pitchFamily="50" charset="-128"/>
+                <a:ea typeface="BIZ UDPゴシック" panose="020B0400000000000000" pitchFamily="50" charset="-128"/>
+              </a:rPr>
+            </a:br>
+            <a:r>
+              <a:rPr lang="en-US" altLang="ja-JP" sz="1400" dirty="0">
+                <a:solidFill>
+                  <a:schemeClr val="tx1"/>
+                </a:solidFill>
+                <a:latin typeface="BIZ UDPゴシック" panose="020B0400000000000000" pitchFamily="50" charset="-128"/>
+                <a:ea typeface="BIZ UDPゴシック" panose="020B0400000000000000" pitchFamily="50" charset="-128"/>
+              </a:rPr>
+              <a:t>- </a:t>
+            </a:r>
+            <a:r>
+              <a:rPr lang="en-US" altLang="ja-JP" sz="1400" dirty="0" err="1">
+                <a:solidFill>
+                  <a:schemeClr val="tx1"/>
+                </a:solidFill>
+                <a:latin typeface="BIZ UDPゴシック" panose="020B0400000000000000" pitchFamily="50" charset="-128"/>
+                <a:ea typeface="BIZ UDPゴシック" panose="020B0400000000000000" pitchFamily="50" charset="-128"/>
+              </a:rPr>
+              <a:t>basugasubakuhatsu</a:t>
+            </a:r>
+            <a:br>
+              <a:rPr lang="en-US" altLang="ja-JP" sz="1400" dirty="0">
+                <a:solidFill>
+                  <a:schemeClr val="tx1"/>
+                </a:solidFill>
+                <a:latin typeface="BIZ UDPゴシック" panose="020B0400000000000000" pitchFamily="50" charset="-128"/>
+                <a:ea typeface="BIZ UDPゴシック" panose="020B0400000000000000" pitchFamily="50" charset="-128"/>
+              </a:rPr>
+            </a:br>
+            <a:r>
+              <a:rPr lang="en-US" altLang="ja-JP" sz="1400" dirty="0">
+                <a:solidFill>
+                  <a:schemeClr val="tx1"/>
+                </a:solidFill>
+                <a:latin typeface="BIZ UDPゴシック" panose="020B0400000000000000" pitchFamily="50" charset="-128"/>
+                <a:ea typeface="BIZ UDPゴシック" panose="020B0400000000000000" pitchFamily="50" charset="-128"/>
+              </a:rPr>
+              <a:t>- </a:t>
+            </a:r>
+            <a:r>
+              <a:rPr lang="ja-JP" altLang="en-US" sz="1400" dirty="0">
+                <a:solidFill>
+                  <a:schemeClr val="tx1"/>
+                </a:solidFill>
+                <a:latin typeface="BIZ UDPゴシック" panose="020B0400000000000000" pitchFamily="50" charset="-128"/>
+                <a:ea typeface="BIZ UDPゴシック" panose="020B0400000000000000" pitchFamily="50" charset="-128"/>
+              </a:rPr>
+              <a:t>文字ベースの</a:t>
+            </a:r>
+            <a:r>
+              <a:rPr lang="en-US" altLang="ja-JP" sz="1400" dirty="0">
+                <a:solidFill>
+                  <a:schemeClr val="tx1"/>
+                </a:solidFill>
+                <a:latin typeface="BIZ UDPゴシック" panose="020B0400000000000000" pitchFamily="50" charset="-128"/>
+                <a:ea typeface="BIZ UDPゴシック" panose="020B0400000000000000" pitchFamily="50" charset="-128"/>
+              </a:rPr>
+              <a:t>unigram</a:t>
+            </a:r>
+            <a:r>
+              <a:rPr lang="ja-JP" altLang="en-US" sz="1400" dirty="0">
+                <a:solidFill>
+                  <a:schemeClr val="tx1"/>
+                </a:solidFill>
+                <a:latin typeface="BIZ UDPゴシック" panose="020B0400000000000000" pitchFamily="50" charset="-128"/>
+                <a:ea typeface="BIZ UDPゴシック" panose="020B0400000000000000" pitchFamily="50" charset="-128"/>
+              </a:rPr>
+              <a:t>で測定</a:t>
+            </a:r>
+            <a:endParaRPr lang="en-US" altLang="ja-JP" sz="1400" dirty="0">
+              <a:solidFill>
+                <a:schemeClr val="tx1"/>
+              </a:solidFill>
+              <a:latin typeface="BIZ UDPゴシック" panose="020B0400000000000000" pitchFamily="50" charset="-128"/>
+              <a:ea typeface="BIZ UDPゴシック" panose="020B0400000000000000" pitchFamily="50" charset="-128"/>
+            </a:endParaRPr>
+          </a:p>
+          <a:p>
+            <a:pPr>
+              <a:lnSpc>
+                <a:spcPct val="110000"/>
+              </a:lnSpc>
+            </a:pPr>
+            <a:endParaRPr lang="en-US" altLang="ja-JP" sz="1400" dirty="0">
+              <a:solidFill>
+                <a:schemeClr val="tx1"/>
+              </a:solidFill>
+              <a:latin typeface="BIZ UDPゴシック" panose="020B0400000000000000" pitchFamily="50" charset="-128"/>
+              <a:ea typeface="BIZ UDPゴシック" panose="020B0400000000000000" pitchFamily="50" charset="-128"/>
+            </a:endParaRPr>
+          </a:p>
+          <a:p>
+            <a:pPr marL="342900" indent="-342900">
+              <a:lnSpc>
+                <a:spcPct val="110000"/>
+              </a:lnSpc>
+              <a:buFontTx/>
+              <a:buChar char="-"/>
+            </a:pPr>
+            <a:r>
+              <a:rPr lang="ja-JP" altLang="en-US" sz="1400" dirty="0">
+                <a:solidFill>
+                  <a:schemeClr val="tx1"/>
+                </a:solidFill>
+                <a:latin typeface="BIZ UDPゴシック" panose="020B0400000000000000" pitchFamily="50" charset="-128"/>
+                <a:ea typeface="BIZ UDPゴシック" panose="020B0400000000000000" pitchFamily="50" charset="-128"/>
+              </a:rPr>
+              <a:t>単語と単語間の音の組み合わせ</a:t>
+            </a:r>
+            <a:br>
+              <a:rPr lang="en-US" altLang="ja-JP" sz="1400" dirty="0">
+                <a:solidFill>
+                  <a:schemeClr val="tx1"/>
+                </a:solidFill>
+                <a:latin typeface="BIZ UDPゴシック" panose="020B0400000000000000" pitchFamily="50" charset="-128"/>
+                <a:ea typeface="BIZ UDPゴシック" panose="020B0400000000000000" pitchFamily="50" charset="-128"/>
+              </a:rPr>
+            </a:br>
+            <a:r>
+              <a:rPr lang="en-US" altLang="ja-JP" sz="1400" dirty="0">
+                <a:solidFill>
+                  <a:schemeClr val="tx1"/>
+                </a:solidFill>
+                <a:latin typeface="BIZ UDPゴシック" panose="020B0400000000000000" pitchFamily="50" charset="-128"/>
+                <a:ea typeface="BIZ UDPゴシック" panose="020B0400000000000000" pitchFamily="50" charset="-128"/>
+              </a:rPr>
+              <a:t>- </a:t>
+            </a:r>
+            <a:r>
+              <a:rPr lang="ja-JP" altLang="en-US" sz="1400" dirty="0">
+                <a:solidFill>
+                  <a:schemeClr val="tx1"/>
+                </a:solidFill>
+                <a:latin typeface="BIZ UDPゴシック" panose="020B0400000000000000" pitchFamily="50" charset="-128"/>
+                <a:ea typeface="BIZ UDPゴシック" panose="020B0400000000000000" pitchFamily="50" charset="-128"/>
+              </a:rPr>
+              <a:t>バスガス爆発</a:t>
+            </a:r>
+            <a:br>
+              <a:rPr lang="en-US" altLang="ja-JP" sz="1400" dirty="0">
+                <a:solidFill>
+                  <a:schemeClr val="tx1"/>
+                </a:solidFill>
+                <a:latin typeface="BIZ UDPゴシック" panose="020B0400000000000000" pitchFamily="50" charset="-128"/>
+                <a:ea typeface="BIZ UDPゴシック" panose="020B0400000000000000" pitchFamily="50" charset="-128"/>
+              </a:rPr>
+            </a:br>
+            <a:r>
+              <a:rPr lang="en-US" altLang="ja-JP" sz="1400" dirty="0">
+                <a:solidFill>
+                  <a:schemeClr val="tx1"/>
+                </a:solidFill>
+                <a:latin typeface="BIZ UDPゴシック" panose="020B0400000000000000" pitchFamily="50" charset="-128"/>
+                <a:ea typeface="BIZ UDPゴシック" panose="020B0400000000000000" pitchFamily="50" charset="-128"/>
+              </a:rPr>
+              <a:t>- [“</a:t>
+            </a:r>
+            <a:r>
+              <a:rPr lang="ja-JP" altLang="en-US" sz="1400" dirty="0">
+                <a:solidFill>
+                  <a:schemeClr val="tx1"/>
+                </a:solidFill>
+                <a:latin typeface="BIZ UDPゴシック" panose="020B0400000000000000" pitchFamily="50" charset="-128"/>
+                <a:ea typeface="BIZ UDPゴシック" panose="020B0400000000000000" pitchFamily="50" charset="-128"/>
+              </a:rPr>
+              <a:t>バス</a:t>
+            </a:r>
+            <a:r>
+              <a:rPr lang="en-US" altLang="ja-JP" sz="1400" dirty="0">
+                <a:solidFill>
+                  <a:schemeClr val="tx1"/>
+                </a:solidFill>
+                <a:latin typeface="BIZ UDPゴシック" panose="020B0400000000000000" pitchFamily="50" charset="-128"/>
+                <a:ea typeface="BIZ UDPゴシック" panose="020B0400000000000000" pitchFamily="50" charset="-128"/>
+              </a:rPr>
+              <a:t>”,”</a:t>
+            </a:r>
+            <a:r>
+              <a:rPr lang="ja-JP" altLang="en-US" sz="1400" dirty="0">
+                <a:solidFill>
+                  <a:schemeClr val="tx1"/>
+                </a:solidFill>
+                <a:latin typeface="BIZ UDPゴシック" panose="020B0400000000000000" pitchFamily="50" charset="-128"/>
+                <a:ea typeface="BIZ UDPゴシック" panose="020B0400000000000000" pitchFamily="50" charset="-128"/>
+              </a:rPr>
+              <a:t>ガス</a:t>
+            </a:r>
+            <a:r>
+              <a:rPr lang="en-US" altLang="ja-JP" sz="1400" dirty="0">
+                <a:solidFill>
+                  <a:schemeClr val="tx1"/>
+                </a:solidFill>
+                <a:latin typeface="BIZ UDPゴシック" panose="020B0400000000000000" pitchFamily="50" charset="-128"/>
+                <a:ea typeface="BIZ UDPゴシック" panose="020B0400000000000000" pitchFamily="50" charset="-128"/>
+              </a:rPr>
+              <a:t>”,”</a:t>
+            </a:r>
+            <a:r>
+              <a:rPr lang="ja-JP" altLang="en-US" sz="1400" dirty="0">
+                <a:solidFill>
+                  <a:schemeClr val="tx1"/>
+                </a:solidFill>
+                <a:latin typeface="BIZ UDPゴシック" panose="020B0400000000000000" pitchFamily="50" charset="-128"/>
+                <a:ea typeface="BIZ UDPゴシック" panose="020B0400000000000000" pitchFamily="50" charset="-128"/>
+              </a:rPr>
+              <a:t>爆発</a:t>
+            </a:r>
+            <a:r>
+              <a:rPr lang="en-US" altLang="ja-JP" sz="1400" dirty="0">
+                <a:solidFill>
+                  <a:schemeClr val="tx1"/>
+                </a:solidFill>
+                <a:latin typeface="BIZ UDPゴシック" panose="020B0400000000000000" pitchFamily="50" charset="-128"/>
+                <a:ea typeface="BIZ UDPゴシック" panose="020B0400000000000000" pitchFamily="50" charset="-128"/>
+              </a:rPr>
+              <a:t>”]</a:t>
+            </a:r>
+            <a:br>
+              <a:rPr lang="en-US" altLang="ja-JP" sz="1400" dirty="0">
+                <a:solidFill>
+                  <a:schemeClr val="tx1"/>
+                </a:solidFill>
+                <a:latin typeface="BIZ UDPゴシック" panose="020B0400000000000000" pitchFamily="50" charset="-128"/>
+                <a:ea typeface="BIZ UDPゴシック" panose="020B0400000000000000" pitchFamily="50" charset="-128"/>
+              </a:rPr>
+            </a:br>
+            <a:r>
+              <a:rPr lang="en-US" altLang="ja-JP" sz="1400" dirty="0">
+                <a:solidFill>
+                  <a:schemeClr val="tx1"/>
+                </a:solidFill>
+                <a:latin typeface="BIZ UDPゴシック" panose="020B0400000000000000" pitchFamily="50" charset="-128"/>
+                <a:ea typeface="BIZ UDPゴシック" panose="020B0400000000000000" pitchFamily="50" charset="-128"/>
+              </a:rPr>
+              <a:t>- [“</a:t>
+            </a:r>
+            <a:r>
+              <a:rPr lang="en-US" altLang="ja-JP" sz="1400" dirty="0" err="1">
+                <a:solidFill>
+                  <a:schemeClr val="tx1"/>
+                </a:solidFill>
+                <a:latin typeface="BIZ UDPゴシック" panose="020B0400000000000000" pitchFamily="50" charset="-128"/>
+                <a:ea typeface="BIZ UDPゴシック" panose="020B0400000000000000" pitchFamily="50" charset="-128"/>
+              </a:rPr>
+              <a:t>su</a:t>
+            </a:r>
+            <a:r>
+              <a:rPr lang="en-US" altLang="ja-JP" sz="1400" dirty="0">
+                <a:solidFill>
+                  <a:schemeClr val="tx1"/>
+                </a:solidFill>
+                <a:latin typeface="BIZ UDPゴシック" panose="020B0400000000000000" pitchFamily="50" charset="-128"/>
+                <a:ea typeface="BIZ UDPゴシック" panose="020B0400000000000000" pitchFamily="50" charset="-128"/>
+              </a:rPr>
+              <a:t>”,”ga”,”</a:t>
+            </a:r>
+            <a:r>
+              <a:rPr lang="en-US" altLang="ja-JP" sz="1400" dirty="0" err="1">
+                <a:solidFill>
+                  <a:schemeClr val="tx1"/>
+                </a:solidFill>
+                <a:latin typeface="BIZ UDPゴシック" panose="020B0400000000000000" pitchFamily="50" charset="-128"/>
+                <a:ea typeface="BIZ UDPゴシック" panose="020B0400000000000000" pitchFamily="50" charset="-128"/>
+              </a:rPr>
+              <a:t>su</a:t>
+            </a:r>
+            <a:r>
+              <a:rPr lang="en-US" altLang="ja-JP" sz="1400" dirty="0">
+                <a:solidFill>
+                  <a:schemeClr val="tx1"/>
+                </a:solidFill>
+                <a:latin typeface="BIZ UDPゴシック" panose="020B0400000000000000" pitchFamily="50" charset="-128"/>
+                <a:ea typeface="BIZ UDPゴシック" panose="020B0400000000000000" pitchFamily="50" charset="-128"/>
+              </a:rPr>
+              <a:t>”,</a:t>
+            </a:r>
+            <a:r>
+              <a:rPr lang="en-US" altLang="ja-JP" sz="1400" dirty="0" err="1">
+                <a:solidFill>
+                  <a:schemeClr val="tx1"/>
+                </a:solidFill>
+                <a:latin typeface="BIZ UDPゴシック" panose="020B0400000000000000" pitchFamily="50" charset="-128"/>
+                <a:ea typeface="BIZ UDPゴシック" panose="020B0400000000000000" pitchFamily="50" charset="-128"/>
+              </a:rPr>
+              <a:t>ba</a:t>
+            </a:r>
+            <a:r>
+              <a:rPr lang="en-US" altLang="ja-JP" sz="1400" dirty="0">
+                <a:solidFill>
+                  <a:schemeClr val="tx1"/>
+                </a:solidFill>
+                <a:latin typeface="BIZ UDPゴシック" panose="020B0400000000000000" pitchFamily="50" charset="-128"/>
+                <a:ea typeface="BIZ UDPゴシック" panose="020B0400000000000000" pitchFamily="50" charset="-128"/>
+              </a:rPr>
+              <a:t>”]</a:t>
+            </a:r>
+            <a:br>
+              <a:rPr lang="en-US" altLang="ja-JP" sz="1400" dirty="0">
+                <a:solidFill>
+                  <a:schemeClr val="tx1"/>
+                </a:solidFill>
+                <a:latin typeface="BIZ UDPゴシック" panose="020B0400000000000000" pitchFamily="50" charset="-128"/>
+                <a:ea typeface="BIZ UDPゴシック" panose="020B0400000000000000" pitchFamily="50" charset="-128"/>
+              </a:rPr>
+            </a:br>
+            <a:r>
+              <a:rPr lang="en-US" altLang="ja-JP" sz="1400" dirty="0">
+                <a:solidFill>
+                  <a:schemeClr val="tx1"/>
+                </a:solidFill>
+                <a:latin typeface="BIZ UDPゴシック" panose="020B0400000000000000" pitchFamily="50" charset="-128"/>
+                <a:ea typeface="BIZ UDPゴシック" panose="020B0400000000000000" pitchFamily="50" charset="-128"/>
+              </a:rPr>
+              <a:t>- </a:t>
+            </a:r>
+            <a:r>
+              <a:rPr lang="ja-JP" altLang="en-US" sz="1400" dirty="0">
+                <a:solidFill>
+                  <a:schemeClr val="tx1"/>
+                </a:solidFill>
+                <a:latin typeface="BIZ UDPゴシック" panose="020B0400000000000000" pitchFamily="50" charset="-128"/>
+                <a:ea typeface="BIZ UDPゴシック" panose="020B0400000000000000" pitchFamily="50" charset="-128"/>
+              </a:rPr>
+              <a:t>文字ベースの</a:t>
+            </a:r>
+            <a:r>
+              <a:rPr lang="en-US" altLang="ja-JP" sz="1400" dirty="0">
+                <a:solidFill>
+                  <a:schemeClr val="tx1"/>
+                </a:solidFill>
+                <a:latin typeface="BIZ UDPゴシック" panose="020B0400000000000000" pitchFamily="50" charset="-128"/>
+                <a:ea typeface="BIZ UDPゴシック" panose="020B0400000000000000" pitchFamily="50" charset="-128"/>
+              </a:rPr>
+              <a:t>bigram</a:t>
+            </a:r>
+            <a:r>
+              <a:rPr lang="ja-JP" altLang="en-US" sz="1400" dirty="0">
+                <a:solidFill>
+                  <a:schemeClr val="tx1"/>
+                </a:solidFill>
+                <a:latin typeface="BIZ UDPゴシック" panose="020B0400000000000000" pitchFamily="50" charset="-128"/>
+                <a:ea typeface="BIZ UDPゴシック" panose="020B0400000000000000" pitchFamily="50" charset="-128"/>
+              </a:rPr>
+              <a:t>で測定</a:t>
+            </a:r>
+            <a:endParaRPr lang="en-US" altLang="ja-JP" sz="1400" dirty="0">
+              <a:solidFill>
+                <a:schemeClr val="tx1"/>
+              </a:solidFill>
+              <a:latin typeface="BIZ UDPゴシック" panose="020B0400000000000000" pitchFamily="50" charset="-128"/>
+              <a:ea typeface="BIZ UDPゴシック" panose="020B0400000000000000" pitchFamily="50" charset="-128"/>
+            </a:endParaRPr>
+          </a:p>
+          <a:p>
+            <a:pPr marL="342900" indent="-342900">
+              <a:lnSpc>
+                <a:spcPct val="110000"/>
+              </a:lnSpc>
+              <a:buFontTx/>
+              <a:buChar char="-"/>
+            </a:pPr>
+            <a:endParaRPr lang="en-US" altLang="ja-JP" sz="1400" dirty="0">
+              <a:solidFill>
+                <a:schemeClr val="tx1"/>
+              </a:solidFill>
+              <a:latin typeface="BIZ UDPゴシック" panose="020B0400000000000000" pitchFamily="50" charset="-128"/>
+              <a:ea typeface="BIZ UDPゴシック" panose="020B0400000000000000" pitchFamily="50" charset="-128"/>
+            </a:endParaRPr>
+          </a:p>
+          <a:p>
+            <a:pPr>
+              <a:lnSpc>
+                <a:spcPct val="110000"/>
+              </a:lnSpc>
+            </a:pPr>
+            <a:r>
+              <a:rPr lang="en-US" altLang="ja-JP" sz="1400" dirty="0">
+                <a:solidFill>
+                  <a:schemeClr val="tx1"/>
+                </a:solidFill>
+                <a:latin typeface="BIZ UDPゴシック" panose="020B0400000000000000" pitchFamily="50" charset="-128"/>
+                <a:ea typeface="BIZ UDPゴシック" panose="020B0400000000000000" pitchFamily="50" charset="-128"/>
+              </a:rPr>
+              <a:t>- </a:t>
+            </a:r>
+            <a:r>
+              <a:rPr lang="ja-JP" altLang="en-US" sz="1400" dirty="0">
+                <a:solidFill>
+                  <a:schemeClr val="tx1"/>
+                </a:solidFill>
+                <a:latin typeface="BIZ UDPゴシック" panose="020B0400000000000000" pitchFamily="50" charset="-128"/>
+                <a:ea typeface="BIZ UDPゴシック" panose="020B0400000000000000" pitchFamily="50" charset="-128"/>
+              </a:rPr>
+              <a:t>その両方</a:t>
+            </a:r>
+            <a:endParaRPr lang="en-US" altLang="ja-JP" sz="1400" dirty="0">
               <a:solidFill>
                 <a:schemeClr val="tx1"/>
               </a:solidFill>
@@ -12329,12 +15932,316 @@
                 <a:latin typeface="BIZ UDPゴシック" panose="020B0400000000000000" pitchFamily="50" charset="-128"/>
                 <a:ea typeface="BIZ UDPゴシック" panose="020B0400000000000000" pitchFamily="50" charset="-128"/>
               </a:rPr>
-              <a:t>モデル構築</a:t>
+              <a:t>実験結果</a:t>
             </a:r>
             <a:endParaRPr kumimoji="1" lang="ja-JP" altLang="en-US" sz="3600" dirty="0">
               <a:latin typeface="BIZ UDPゴシック" panose="020B0400000000000000" pitchFamily="50" charset="-128"/>
               <a:ea typeface="BIZ UDPゴシック" panose="020B0400000000000000" pitchFamily="50" charset="-128"/>
             </a:endParaRPr>
+          </a:p>
+        </p:txBody>
+      </p:sp>
+      <p:graphicFrame>
+        <p:nvGraphicFramePr>
+          <p:cNvPr id="2" name="グラフ 1">
+            <a:extLst>
+              <a:ext uri="{FF2B5EF4-FFF2-40B4-BE49-F238E27FC236}">
+                <a16:creationId xmlns:a16="http://schemas.microsoft.com/office/drawing/2014/main" id="{C3E723BE-F0E4-3193-58E8-A6F90B81C2D3}"/>
+              </a:ext>
+            </a:extLst>
+          </p:cNvPr>
+          <p:cNvGraphicFramePr>
+            <a:graphicFrameLocks/>
+          </p:cNvGraphicFramePr>
+          <p:nvPr>
+            <p:extLst>
+              <p:ext uri="{D42A27DB-BD31-4B8C-83A1-F6EECF244321}">
+                <p14:modId xmlns:p14="http://schemas.microsoft.com/office/powerpoint/2010/main" val="2636140832"/>
+              </p:ext>
+            </p:extLst>
+          </p:nvPr>
+        </p:nvGraphicFramePr>
+        <p:xfrm>
+          <a:off x="3956050" y="3877796"/>
+          <a:ext cx="3710262" cy="2980203"/>
+        </p:xfrm>
+        <a:graphic>
+          <a:graphicData uri="http://schemas.openxmlformats.org/drawingml/2006/chart">
+            <c:chart xmlns:c="http://schemas.openxmlformats.org/drawingml/2006/chart" xmlns:r="http://schemas.openxmlformats.org/officeDocument/2006/relationships" r:id="rId2"/>
+          </a:graphicData>
+        </a:graphic>
+      </p:graphicFrame>
+      <p:graphicFrame>
+        <p:nvGraphicFramePr>
+          <p:cNvPr id="3" name="グラフ 2">
+            <a:extLst>
+              <a:ext uri="{FF2B5EF4-FFF2-40B4-BE49-F238E27FC236}">
+                <a16:creationId xmlns:a16="http://schemas.microsoft.com/office/drawing/2014/main" id="{01203158-E65B-4A5D-BA04-6BBE5F7E27EA}"/>
+              </a:ext>
+            </a:extLst>
+          </p:cNvPr>
+          <p:cNvGraphicFramePr>
+            <a:graphicFrameLocks/>
+          </p:cNvGraphicFramePr>
+          <p:nvPr>
+            <p:extLst>
+              <p:ext uri="{D42A27DB-BD31-4B8C-83A1-F6EECF244321}">
+                <p14:modId xmlns:p14="http://schemas.microsoft.com/office/powerpoint/2010/main" val="2511412902"/>
+              </p:ext>
+            </p:extLst>
+          </p:nvPr>
+        </p:nvGraphicFramePr>
+        <p:xfrm>
+          <a:off x="194988" y="3877797"/>
+          <a:ext cx="3710262" cy="2980203"/>
+        </p:xfrm>
+        <a:graphic>
+          <a:graphicData uri="http://schemas.openxmlformats.org/drawingml/2006/chart">
+            <c:chart xmlns:c="http://schemas.openxmlformats.org/drawingml/2006/chart" xmlns:r="http://schemas.openxmlformats.org/officeDocument/2006/relationships" r:id="rId3"/>
+          </a:graphicData>
+        </a:graphic>
+      </p:graphicFrame>
+      <p:graphicFrame>
+        <p:nvGraphicFramePr>
+          <p:cNvPr id="5" name="グラフ 4">
+            <a:extLst>
+              <a:ext uri="{FF2B5EF4-FFF2-40B4-BE49-F238E27FC236}">
+                <a16:creationId xmlns:a16="http://schemas.microsoft.com/office/drawing/2014/main" id="{022F5046-3773-B35E-EF96-3D858C510A4E}"/>
+              </a:ext>
+            </a:extLst>
+          </p:cNvPr>
+          <p:cNvGraphicFramePr>
+            <a:graphicFrameLocks/>
+          </p:cNvGraphicFramePr>
+          <p:nvPr>
+            <p:extLst>
+              <p:ext uri="{D42A27DB-BD31-4B8C-83A1-F6EECF244321}">
+                <p14:modId xmlns:p14="http://schemas.microsoft.com/office/powerpoint/2010/main" val="3912018427"/>
+              </p:ext>
+            </p:extLst>
+          </p:nvPr>
+        </p:nvGraphicFramePr>
+        <p:xfrm>
+          <a:off x="3905250" y="948393"/>
+          <a:ext cx="3710262" cy="2980203"/>
+        </p:xfrm>
+        <a:graphic>
+          <a:graphicData uri="http://schemas.openxmlformats.org/drawingml/2006/chart">
+            <c:chart xmlns:c="http://schemas.openxmlformats.org/drawingml/2006/chart" xmlns:r="http://schemas.openxmlformats.org/officeDocument/2006/relationships" r:id="rId4"/>
+          </a:graphicData>
+        </a:graphic>
+      </p:graphicFrame>
+      <p:graphicFrame>
+        <p:nvGraphicFramePr>
+          <p:cNvPr id="6" name="グラフ 5">
+            <a:extLst>
+              <a:ext uri="{FF2B5EF4-FFF2-40B4-BE49-F238E27FC236}">
+                <a16:creationId xmlns:a16="http://schemas.microsoft.com/office/drawing/2014/main" id="{817C86E2-491A-0E98-BBC5-29062DBDAB74}"/>
+              </a:ext>
+            </a:extLst>
+          </p:cNvPr>
+          <p:cNvGraphicFramePr>
+            <a:graphicFrameLocks/>
+          </p:cNvGraphicFramePr>
+          <p:nvPr>
+            <p:extLst>
+              <p:ext uri="{D42A27DB-BD31-4B8C-83A1-F6EECF244321}">
+                <p14:modId xmlns:p14="http://schemas.microsoft.com/office/powerpoint/2010/main" val="2707025720"/>
+              </p:ext>
+            </p:extLst>
+          </p:nvPr>
+        </p:nvGraphicFramePr>
+        <p:xfrm>
+          <a:off x="194988" y="948394"/>
+          <a:ext cx="3710262" cy="2980203"/>
+        </p:xfrm>
+        <a:graphic>
+          <a:graphicData uri="http://schemas.openxmlformats.org/drawingml/2006/chart">
+            <c:chart xmlns:c="http://schemas.openxmlformats.org/drawingml/2006/chart" xmlns:r="http://schemas.openxmlformats.org/officeDocument/2006/relationships" r:id="rId5"/>
+          </a:graphicData>
+        </a:graphic>
+      </p:graphicFrame>
+      <p:sp>
+        <p:nvSpPr>
+          <p:cNvPr id="7" name="テキスト ボックス 6">
+            <a:extLst>
+              <a:ext uri="{FF2B5EF4-FFF2-40B4-BE49-F238E27FC236}">
+                <a16:creationId xmlns:a16="http://schemas.microsoft.com/office/drawing/2014/main" id="{A22966D0-9325-15C1-3CB0-40A1AD706025}"/>
+              </a:ext>
+            </a:extLst>
+          </p:cNvPr>
+          <p:cNvSpPr txBox="1"/>
+          <p:nvPr/>
+        </p:nvSpPr>
+        <p:spPr>
+          <a:xfrm>
+            <a:off x="7666312" y="1306393"/>
+            <a:ext cx="981074" cy="461665"/>
+          </a:xfrm>
+          <a:prstGeom prst="rect">
+            <a:avLst/>
+          </a:prstGeom>
+          <a:noFill/>
+        </p:spPr>
+        <p:txBody>
+          <a:bodyPr wrap="square" rtlCol="0">
+            <a:spAutoFit/>
+          </a:bodyPr>
+          <a:lstStyle/>
+          <a:p>
+            <a:r>
+              <a:rPr lang="ja-JP" altLang="en-US" sz="2400" b="1" dirty="0">
+                <a:latin typeface="BIZ UDPゴシック" panose="020B0400000000000000" pitchFamily="50" charset="-128"/>
+                <a:ea typeface="BIZ UDPゴシック" panose="020B0400000000000000" pitchFamily="50" charset="-128"/>
+              </a:rPr>
+              <a:t>考察</a:t>
+            </a:r>
+            <a:endParaRPr kumimoji="1" lang="en-US" altLang="ja-JP" sz="2400" b="1" dirty="0">
+              <a:latin typeface="BIZ UDPゴシック" panose="020B0400000000000000" pitchFamily="50" charset="-128"/>
+              <a:ea typeface="BIZ UDPゴシック" panose="020B0400000000000000" pitchFamily="50" charset="-128"/>
+            </a:endParaRPr>
+          </a:p>
+        </p:txBody>
+      </p:sp>
+      <p:sp>
+        <p:nvSpPr>
+          <p:cNvPr id="8" name="テキスト ボックス 7">
+            <a:extLst>
+              <a:ext uri="{FF2B5EF4-FFF2-40B4-BE49-F238E27FC236}">
+                <a16:creationId xmlns:a16="http://schemas.microsoft.com/office/drawing/2014/main" id="{2EFD141D-5533-72CE-7AA2-0B2295BC59AF}"/>
+              </a:ext>
+            </a:extLst>
+          </p:cNvPr>
+          <p:cNvSpPr txBox="1"/>
+          <p:nvPr/>
+        </p:nvSpPr>
+        <p:spPr>
+          <a:xfrm>
+            <a:off x="7717112" y="1847345"/>
+            <a:ext cx="4000500" cy="2182264"/>
+          </a:xfrm>
+          <a:prstGeom prst="rect">
+            <a:avLst/>
+          </a:prstGeom>
+          <a:noFill/>
+        </p:spPr>
+        <p:txBody>
+          <a:bodyPr wrap="square" rtlCol="0">
+            <a:spAutoFit/>
+          </a:bodyPr>
+          <a:lstStyle/>
+          <a:p>
+            <a:pPr>
+              <a:lnSpc>
+                <a:spcPct val="110000"/>
+              </a:lnSpc>
+            </a:pPr>
+            <a:r>
+              <a:rPr lang="ja-JP" altLang="en-US" dirty="0">
+                <a:latin typeface="BIZ UDPゴシック" panose="020B0400000000000000" pitchFamily="50" charset="-128"/>
+                <a:ea typeface="BIZ UDPゴシック" panose="020B0400000000000000" pitchFamily="50" charset="-128"/>
+              </a:rPr>
+              <a:t>順位</a:t>
+            </a:r>
+            <a:endParaRPr lang="en-US" altLang="ja-JP" dirty="0">
+              <a:latin typeface="BIZ UDPゴシック" panose="020B0400000000000000" pitchFamily="50" charset="-128"/>
+              <a:ea typeface="BIZ UDPゴシック" panose="020B0400000000000000" pitchFamily="50" charset="-128"/>
+            </a:endParaRPr>
+          </a:p>
+          <a:p>
+            <a:pPr marL="285750" indent="-285750">
+              <a:lnSpc>
+                <a:spcPct val="110000"/>
+              </a:lnSpc>
+              <a:buFontTx/>
+              <a:buChar char="-"/>
+            </a:pPr>
+            <a:r>
+              <a:rPr lang="ja-JP" altLang="en-US" dirty="0">
+                <a:latin typeface="BIZ UDPゴシック" panose="020B0400000000000000" pitchFamily="50" charset="-128"/>
+                <a:ea typeface="BIZ UDPゴシック" panose="020B0400000000000000" pitchFamily="50" charset="-128"/>
+              </a:rPr>
+              <a:t>ローマ字変換→</a:t>
+            </a:r>
+            <a:r>
+              <a:rPr lang="en-US" altLang="ja-JP" dirty="0">
+                <a:latin typeface="BIZ UDPゴシック" panose="020B0400000000000000" pitchFamily="50" charset="-128"/>
+                <a:ea typeface="BIZ UDPゴシック" panose="020B0400000000000000" pitchFamily="50" charset="-128"/>
+              </a:rPr>
+              <a:t>unigram</a:t>
+            </a:r>
+          </a:p>
+          <a:p>
+            <a:pPr marL="285750" indent="-285750">
+              <a:lnSpc>
+                <a:spcPct val="110000"/>
+              </a:lnSpc>
+              <a:buFontTx/>
+              <a:buChar char="-"/>
+            </a:pPr>
+            <a:r>
+              <a:rPr lang="ja-JP" altLang="en-US" dirty="0">
+                <a:latin typeface="BIZ UDPゴシック" panose="020B0400000000000000" pitchFamily="50" charset="-128"/>
+                <a:ea typeface="BIZ UDPゴシック" panose="020B0400000000000000" pitchFamily="50" charset="-128"/>
+              </a:rPr>
+              <a:t>両方の手法を合体</a:t>
+            </a:r>
+            <a:endParaRPr lang="en-US" altLang="ja-JP" dirty="0">
+              <a:latin typeface="BIZ UDPゴシック" panose="020B0400000000000000" pitchFamily="50" charset="-128"/>
+              <a:ea typeface="BIZ UDPゴシック" panose="020B0400000000000000" pitchFamily="50" charset="-128"/>
+            </a:endParaRPr>
+          </a:p>
+          <a:p>
+            <a:pPr marL="285750" indent="-285750">
+              <a:lnSpc>
+                <a:spcPct val="110000"/>
+              </a:lnSpc>
+              <a:buFontTx/>
+              <a:buChar char="-"/>
+            </a:pPr>
+            <a:r>
+              <a:rPr kumimoji="1" lang="ja-JP" altLang="en-US" dirty="0">
+                <a:latin typeface="BIZ UDPゴシック" panose="020B0400000000000000" pitchFamily="50" charset="-128"/>
+                <a:ea typeface="BIZ UDPゴシック" panose="020B0400000000000000" pitchFamily="50" charset="-128"/>
+              </a:rPr>
+              <a:t>文字間の音抽出→</a:t>
+            </a:r>
+            <a:r>
+              <a:rPr kumimoji="1" lang="en-US" altLang="ja-JP" dirty="0">
+                <a:latin typeface="BIZ UDPゴシック" panose="020B0400000000000000" pitchFamily="50" charset="-128"/>
+                <a:ea typeface="BIZ UDPゴシック" panose="020B0400000000000000" pitchFamily="50" charset="-128"/>
+              </a:rPr>
+              <a:t>bigram</a:t>
+            </a:r>
+            <a:endParaRPr lang="en-US" altLang="ja-JP" dirty="0">
+              <a:latin typeface="BIZ UDPゴシック" panose="020B0400000000000000" pitchFamily="50" charset="-128"/>
+              <a:ea typeface="BIZ UDPゴシック" panose="020B0400000000000000" pitchFamily="50" charset="-128"/>
+            </a:endParaRPr>
+          </a:p>
+          <a:p>
+            <a:pPr>
+              <a:lnSpc>
+                <a:spcPct val="110000"/>
+              </a:lnSpc>
+            </a:pPr>
+            <a:endParaRPr kumimoji="1" lang="en-US" altLang="ja-JP" dirty="0">
+              <a:latin typeface="BIZ UDPゴシック" panose="020B0400000000000000" pitchFamily="50" charset="-128"/>
+              <a:ea typeface="BIZ UDPゴシック" panose="020B0400000000000000" pitchFamily="50" charset="-128"/>
+            </a:endParaRPr>
+          </a:p>
+          <a:p>
+            <a:pPr>
+              <a:lnSpc>
+                <a:spcPct val="110000"/>
+              </a:lnSpc>
+            </a:pPr>
+            <a:r>
+              <a:rPr kumimoji="1" lang="ja-JP" altLang="en-US" dirty="0">
+                <a:latin typeface="BIZ UDPゴシック" panose="020B0400000000000000" pitchFamily="50" charset="-128"/>
+                <a:ea typeface="BIZ UDPゴシック" panose="020B0400000000000000" pitchFamily="50" charset="-128"/>
+              </a:rPr>
+              <a:t>全体的にランダムフォレストが良い精度を得た．</a:t>
+            </a:r>
           </a:p>
         </p:txBody>
       </p:sp>
@@ -12342,6 +16249,113 @@
     <p:extLst>
       <p:ext uri="{BB962C8B-B14F-4D97-AF65-F5344CB8AC3E}">
         <p14:creationId xmlns:p14="http://schemas.microsoft.com/office/powerpoint/2010/main" val="539303649"/>
+      </p:ext>
+    </p:extLst>
+  </p:cSld>
+  <p:clrMapOvr>
+    <a:masterClrMapping/>
+  </p:clrMapOvr>
+</p:sld>
+</file>
+
+<file path=ppt/slides/slide15.xml><?xml version="1.0" encoding="utf-8"?>
+<p:sld xmlns:a="http://schemas.openxmlformats.org/drawingml/2006/main" xmlns:r="http://schemas.openxmlformats.org/officeDocument/2006/relationships" xmlns:p="http://schemas.openxmlformats.org/presentationml/2006/main">
+  <p:cSld>
+    <p:spTree>
+      <p:nvGrpSpPr>
+        <p:cNvPr id="1" name="">
+          <a:extLst>
+            <a:ext uri="{FF2B5EF4-FFF2-40B4-BE49-F238E27FC236}">
+              <a16:creationId xmlns:a16="http://schemas.microsoft.com/office/drawing/2014/main" id="{8248BE55-62BC-C73B-97D6-FED00F1F53A0}"/>
+            </a:ext>
+          </a:extLst>
+        </p:cNvPr>
+        <p:cNvGrpSpPr/>
+        <p:nvPr/>
+      </p:nvGrpSpPr>
+      <p:grpSpPr>
+        <a:xfrm>
+          <a:off x="0" y="0"/>
+          <a:ext cx="0" cy="0"/>
+          <a:chOff x="0" y="0"/>
+          <a:chExt cx="0" cy="0"/>
+        </a:xfrm>
+      </p:grpSpPr>
+      <p:sp>
+        <p:nvSpPr>
+          <p:cNvPr id="4" name="正方形/長方形 3">
+            <a:extLst>
+              <a:ext uri="{FF2B5EF4-FFF2-40B4-BE49-F238E27FC236}">
+                <a16:creationId xmlns:a16="http://schemas.microsoft.com/office/drawing/2014/main" id="{E613C43D-D380-9FF1-1655-B01BB80E863B}"/>
+              </a:ext>
+            </a:extLst>
+          </p:cNvPr>
+          <p:cNvSpPr/>
+          <p:nvPr/>
+        </p:nvSpPr>
+        <p:spPr>
+          <a:xfrm>
+            <a:off x="0" y="-1"/>
+            <a:ext cx="12192000" cy="995881"/>
+          </a:xfrm>
+          <a:prstGeom prst="rect">
+            <a:avLst/>
+          </a:prstGeom>
+          <a:solidFill>
+            <a:schemeClr val="accent1">
+              <a:lumMod val="60000"/>
+              <a:lumOff val="40000"/>
+            </a:schemeClr>
+          </a:solidFill>
+          <a:ln>
+            <a:noFill/>
+          </a:ln>
+        </p:spPr>
+        <p:style>
+          <a:lnRef idx="2">
+            <a:schemeClr val="accent1">
+              <a:shade val="15000"/>
+            </a:schemeClr>
+          </a:lnRef>
+          <a:fillRef idx="1">
+            <a:schemeClr val="accent1"/>
+          </a:fillRef>
+          <a:effectRef idx="0">
+            <a:schemeClr val="accent1"/>
+          </a:effectRef>
+          <a:fontRef idx="minor">
+            <a:schemeClr val="lt1"/>
+          </a:fontRef>
+        </p:style>
+        <p:txBody>
+          <a:bodyPr rtlCol="0" anchor="ctr"/>
+          <a:lstStyle/>
+          <a:p>
+            <a:r>
+              <a:rPr lang="en-US" altLang="ja-JP" sz="3600" dirty="0">
+                <a:latin typeface="BIZ UDPゴシック" panose="020B0400000000000000" pitchFamily="50" charset="-128"/>
+                <a:ea typeface="BIZ UDPゴシック" panose="020B0400000000000000" pitchFamily="50" charset="-128"/>
+              </a:rPr>
+              <a:t>3.</a:t>
+            </a:r>
+            <a:r>
+              <a:rPr lang="ja-JP" altLang="en-US" sz="3600" dirty="0">
+                <a:latin typeface="BIZ UDPゴシック" panose="020B0400000000000000" pitchFamily="50" charset="-128"/>
+                <a:ea typeface="BIZ UDPゴシック" panose="020B0400000000000000" pitchFamily="50" charset="-128"/>
+              </a:rPr>
+              <a:t>実験結果</a:t>
+            </a:r>
+            <a:endParaRPr kumimoji="1" lang="ja-JP" altLang="en-US" sz="3600" dirty="0">
+              <a:latin typeface="BIZ UDPゴシック" panose="020B0400000000000000" pitchFamily="50" charset="-128"/>
+              <a:ea typeface="BIZ UDPゴシック" panose="020B0400000000000000" pitchFamily="50" charset="-128"/>
+            </a:endParaRPr>
+          </a:p>
+        </p:txBody>
+      </p:sp>
+    </p:spTree>
+    <p:extLst>
+      <p:ext uri="{BB962C8B-B14F-4D97-AF65-F5344CB8AC3E}">
+        <p14:creationId xmlns:p14="http://schemas.microsoft.com/office/powerpoint/2010/main" val="806214799"/>
       </p:ext>
     </p:extLst>
   </p:cSld>
@@ -12843,8 +16857,8 @@
         </p:nvSpPr>
         <p:spPr>
           <a:xfrm>
-            <a:off x="10450717" y="2437374"/>
-            <a:ext cx="1551161" cy="295915"/>
+            <a:off x="10456498" y="2145274"/>
+            <a:ext cx="1328533" cy="769891"/>
           </a:xfrm>
           <a:prstGeom prst="rect">
             <a:avLst/>
@@ -12867,7 +16881,7 @@
                 <a:latin typeface="BIZ UDPゴシック" panose="020B0400000000000000" pitchFamily="50" charset="-128"/>
                 <a:ea typeface="BIZ UDPゴシック" panose="020B0400000000000000" pitchFamily="50" charset="-128"/>
               </a:rPr>
-              <a:t>話題の重音テト</a:t>
+              <a:t>謎スペースを埋めてくれる重音テト</a:t>
             </a:r>
             <a:endParaRPr kumimoji="1" lang="ja-JP" altLang="en-US" sz="1400" dirty="0">
               <a:latin typeface="BIZ UDPゴシック" panose="020B0400000000000000" pitchFamily="50" charset="-128"/>

--- a/年末発表.pptx
+++ b/年末発表.pptx
@@ -132,7 +132,7 @@
 <file path=ppt/revisionInfo.xml><?xml version="1.0" encoding="utf-8"?>
 <p1510:revInfo xmlns:a="http://schemas.openxmlformats.org/drawingml/2006/main" xmlns:r="http://schemas.openxmlformats.org/officeDocument/2006/relationships" xmlns:p1510="http://schemas.microsoft.com/office/powerpoint/2015/10/main">
   <p1510:revLst>
-    <p1510:client id="{6C2B5661-DEFF-4BF7-8687-B5D5C7F51A35}" v="10" dt="2024-12-21T01:57:58.023"/>
+    <p1510:client id="{6C2B5661-DEFF-4BF7-8687-B5D5C7F51A35}" v="14" dt="2024-12-21T02:27:02.281"/>
   </p1510:revLst>
 </p1510:revInfo>
 </file>
@@ -142,12 +142,12 @@
   <pc:docChgLst>
     <pc:chgData name="谷　知紘(s21t317)" userId="a3db8153-261a-4ffb-baa1-abaad328fd73" providerId="ADAL" clId="{6C2B5661-DEFF-4BF7-8687-B5D5C7F51A35}"/>
     <pc:docChg chg="undo custSel addSld modSld">
-      <pc:chgData name="谷　知紘(s21t317)" userId="a3db8153-261a-4ffb-baa1-abaad328fd73" providerId="ADAL" clId="{6C2B5661-DEFF-4BF7-8687-B5D5C7F51A35}" dt="2024-12-21T02:14:30.570" v="1336" actId="1076"/>
+      <pc:chgData name="谷　知紘(s21t317)" userId="a3db8153-261a-4ffb-baa1-abaad328fd73" providerId="ADAL" clId="{6C2B5661-DEFF-4BF7-8687-B5D5C7F51A35}" dt="2024-12-21T02:28:17.025" v="1543" actId="20577"/>
       <pc:docMkLst>
         <pc:docMk/>
       </pc:docMkLst>
       <pc:sldChg chg="addSp delSp modSp mod">
-        <pc:chgData name="谷　知紘(s21t317)" userId="a3db8153-261a-4ffb-baa1-abaad328fd73" providerId="ADAL" clId="{6C2B5661-DEFF-4BF7-8687-B5D5C7F51A35}" dt="2024-12-21T02:14:30.570" v="1336" actId="1076"/>
+        <pc:chgData name="谷　知紘(s21t317)" userId="a3db8153-261a-4ffb-baa1-abaad328fd73" providerId="ADAL" clId="{6C2B5661-DEFF-4BF7-8687-B5D5C7F51A35}" dt="2024-12-21T02:23:30.162" v="1360" actId="1076"/>
         <pc:sldMkLst>
           <pc:docMk/>
           <pc:sldMk cId="2962790074" sldId="269"/>
@@ -160,12 +160,28 @@
             <ac:spMk id="2" creationId="{5F155457-3742-B26B-2DE7-E01FAB5EDD5D}"/>
           </ac:spMkLst>
         </pc:spChg>
+        <pc:spChg chg="add mod">
+          <ac:chgData name="谷　知紘(s21t317)" userId="a3db8153-261a-4ffb-baa1-abaad328fd73" providerId="ADAL" clId="{6C2B5661-DEFF-4BF7-8687-B5D5C7F51A35}" dt="2024-12-21T02:23:11.251" v="1358" actId="1076"/>
+          <ac:spMkLst>
+            <pc:docMk/>
+            <pc:sldMk cId="2962790074" sldId="269"/>
+            <ac:spMk id="2" creationId="{70BEF91D-BC42-F5D2-993B-9BD619EE287E}"/>
+          </ac:spMkLst>
+        </pc:spChg>
         <pc:spChg chg="del mod">
           <ac:chgData name="谷　知紘(s21t317)" userId="a3db8153-261a-4ffb-baa1-abaad328fd73" providerId="ADAL" clId="{6C2B5661-DEFF-4BF7-8687-B5D5C7F51A35}" dt="2024-12-21T01:34:44.752" v="964" actId="478"/>
           <ac:spMkLst>
             <pc:docMk/>
             <pc:sldMk cId="2962790074" sldId="269"/>
             <ac:spMk id="3" creationId="{29C3AD97-A3CB-B4AE-5880-74A560E57328}"/>
+          </ac:spMkLst>
+        </pc:spChg>
+        <pc:spChg chg="add mod">
+          <ac:chgData name="谷　知紘(s21t317)" userId="a3db8153-261a-4ffb-baa1-abaad328fd73" providerId="ADAL" clId="{6C2B5661-DEFF-4BF7-8687-B5D5C7F51A35}" dt="2024-12-21T02:23:22.033" v="1359" actId="1076"/>
+          <ac:spMkLst>
+            <pc:docMk/>
+            <pc:sldMk cId="2962790074" sldId="269"/>
+            <ac:spMk id="3" creationId="{BA37B7C9-E765-38F5-4BAB-BD70EC0B7811}"/>
           </ac:spMkLst>
         </pc:spChg>
         <pc:spChg chg="mod">
@@ -177,7 +193,7 @@
           </ac:spMkLst>
         </pc:spChg>
         <pc:spChg chg="add mod">
-          <ac:chgData name="谷　知紘(s21t317)" userId="a3db8153-261a-4ffb-baa1-abaad328fd73" providerId="ADAL" clId="{6C2B5661-DEFF-4BF7-8687-B5D5C7F51A35}" dt="2024-12-21T02:14:30.570" v="1336" actId="1076"/>
+          <ac:chgData name="谷　知紘(s21t317)" userId="a3db8153-261a-4ffb-baa1-abaad328fd73" providerId="ADAL" clId="{6C2B5661-DEFF-4BF7-8687-B5D5C7F51A35}" dt="2024-12-21T02:23:30.162" v="1360" actId="1076"/>
           <ac:spMkLst>
             <pc:docMk/>
             <pc:sldMk cId="2962790074" sldId="269"/>
@@ -185,15 +201,15 @@
           </ac:spMkLst>
         </pc:spChg>
         <pc:spChg chg="add mod">
-          <ac:chgData name="谷　知紘(s21t317)" userId="a3db8153-261a-4ffb-baa1-abaad328fd73" providerId="ADAL" clId="{6C2B5661-DEFF-4BF7-8687-B5D5C7F51A35}" dt="2024-12-21T02:14:30.570" v="1336" actId="1076"/>
+          <ac:chgData name="谷　知紘(s21t317)" userId="a3db8153-261a-4ffb-baa1-abaad328fd73" providerId="ADAL" clId="{6C2B5661-DEFF-4BF7-8687-B5D5C7F51A35}" dt="2024-12-21T02:23:30.162" v="1360" actId="1076"/>
           <ac:spMkLst>
             <pc:docMk/>
             <pc:sldMk cId="2962790074" sldId="269"/>
             <ac:spMk id="7" creationId="{5CE81C9E-6DBF-2DE1-CFBE-A2D37B22F29F}"/>
           </ac:spMkLst>
         </pc:spChg>
-        <pc:spChg chg="add mod">
-          <ac:chgData name="谷　知紘(s21t317)" userId="a3db8153-261a-4ffb-baa1-abaad328fd73" providerId="ADAL" clId="{6C2B5661-DEFF-4BF7-8687-B5D5C7F51A35}" dt="2024-12-21T01:55:37.454" v="1059" actId="1076"/>
+        <pc:spChg chg="add del mod">
+          <ac:chgData name="谷　知紘(s21t317)" userId="a3db8153-261a-4ffb-baa1-abaad328fd73" providerId="ADAL" clId="{6C2B5661-DEFF-4BF7-8687-B5D5C7F51A35}" dt="2024-12-21T02:22:05.552" v="1338" actId="478"/>
           <ac:spMkLst>
             <pc:docMk/>
             <pc:sldMk cId="2962790074" sldId="269"/>
@@ -202,7 +218,7 @@
         </pc:spChg>
       </pc:sldChg>
       <pc:sldChg chg="addSp modSp mod">
-        <pc:chgData name="谷　知紘(s21t317)" userId="a3db8153-261a-4ffb-baa1-abaad328fd73" providerId="ADAL" clId="{6C2B5661-DEFF-4BF7-8687-B5D5C7F51A35}" dt="2024-12-21T02:12:30.914" v="1329" actId="20577"/>
+        <pc:chgData name="谷　知紘(s21t317)" userId="a3db8153-261a-4ffb-baa1-abaad328fd73" providerId="ADAL" clId="{6C2B5661-DEFF-4BF7-8687-B5D5C7F51A35}" dt="2024-12-21T02:27:51.544" v="1516" actId="1076"/>
         <pc:sldMkLst>
           <pc:docMk/>
           <pc:sldMk cId="539303649" sldId="271"/>
@@ -216,7 +232,7 @@
           </ac:spMkLst>
         </pc:spChg>
         <pc:spChg chg="add mod">
-          <ac:chgData name="谷　知紘(s21t317)" userId="a3db8153-261a-4ffb-baa1-abaad328fd73" providerId="ADAL" clId="{6C2B5661-DEFF-4BF7-8687-B5D5C7F51A35}" dt="2024-12-21T01:57:39.372" v="1062" actId="1076"/>
+          <ac:chgData name="谷　知紘(s21t317)" userId="a3db8153-261a-4ffb-baa1-abaad328fd73" providerId="ADAL" clId="{6C2B5661-DEFF-4BF7-8687-B5D5C7F51A35}" dt="2024-12-21T02:27:51.544" v="1516" actId="1076"/>
           <ac:spMkLst>
             <pc:docMk/>
             <pc:sldMk cId="539303649" sldId="271"/>
@@ -224,11 +240,27 @@
           </ac:spMkLst>
         </pc:spChg>
         <pc:spChg chg="add mod">
-          <ac:chgData name="谷　知紘(s21t317)" userId="a3db8153-261a-4ffb-baa1-abaad328fd73" providerId="ADAL" clId="{6C2B5661-DEFF-4BF7-8687-B5D5C7F51A35}" dt="2024-12-21T02:12:30.914" v="1329" actId="20577"/>
+          <ac:chgData name="谷　知紘(s21t317)" userId="a3db8153-261a-4ffb-baa1-abaad328fd73" providerId="ADAL" clId="{6C2B5661-DEFF-4BF7-8687-B5D5C7F51A35}" dt="2024-12-21T02:26:24.646" v="1463" actId="20577"/>
           <ac:spMkLst>
             <pc:docMk/>
             <pc:sldMk cId="539303649" sldId="271"/>
             <ac:spMk id="8" creationId="{2EFD141D-5533-72CE-7AA2-0B2295BC59AF}"/>
+          </ac:spMkLst>
+        </pc:spChg>
+        <pc:spChg chg="add mod">
+          <ac:chgData name="谷　知紘(s21t317)" userId="a3db8153-261a-4ffb-baa1-abaad328fd73" providerId="ADAL" clId="{6C2B5661-DEFF-4BF7-8687-B5D5C7F51A35}" dt="2024-12-21T02:26:51.501" v="1466" actId="1076"/>
+          <ac:spMkLst>
+            <pc:docMk/>
+            <pc:sldMk cId="539303649" sldId="271"/>
+            <ac:spMk id="9" creationId="{89DE657E-39AE-A920-CC43-4AA42E5C306C}"/>
+          </ac:spMkLst>
+        </pc:spChg>
+        <pc:spChg chg="add mod">
+          <ac:chgData name="谷　知紘(s21t317)" userId="a3db8153-261a-4ffb-baa1-abaad328fd73" providerId="ADAL" clId="{6C2B5661-DEFF-4BF7-8687-B5D5C7F51A35}" dt="2024-12-21T02:27:45.531" v="1515" actId="14100"/>
+          <ac:spMkLst>
+            <pc:docMk/>
+            <pc:sldMk cId="539303649" sldId="271"/>
+            <ac:spMk id="10" creationId="{C4AE3A55-F5BD-2D9E-2A5E-3F87B5E308D3}"/>
           </ac:spMkLst>
         </pc:spChg>
         <pc:graphicFrameChg chg="add mod">
@@ -264,12 +296,20 @@
           </ac:graphicFrameMkLst>
         </pc:graphicFrameChg>
       </pc:sldChg>
-      <pc:sldChg chg="add">
-        <pc:chgData name="谷　知紘(s21t317)" userId="a3db8153-261a-4ffb-baa1-abaad328fd73" providerId="ADAL" clId="{6C2B5661-DEFF-4BF7-8687-B5D5C7F51A35}" dt="2024-12-21T01:37:50.769" v="1022" actId="2890"/>
+      <pc:sldChg chg="modSp add mod">
+        <pc:chgData name="谷　知紘(s21t317)" userId="a3db8153-261a-4ffb-baa1-abaad328fd73" providerId="ADAL" clId="{6C2B5661-DEFF-4BF7-8687-B5D5C7F51A35}" dt="2024-12-21T02:28:17.025" v="1543" actId="20577"/>
         <pc:sldMkLst>
           <pc:docMk/>
           <pc:sldMk cId="806214799" sldId="272"/>
         </pc:sldMkLst>
+        <pc:spChg chg="mod">
+          <ac:chgData name="谷　知紘(s21t317)" userId="a3db8153-261a-4ffb-baa1-abaad328fd73" providerId="ADAL" clId="{6C2B5661-DEFF-4BF7-8687-B5D5C7F51A35}" dt="2024-12-21T02:28:17.025" v="1543" actId="20577"/>
+          <ac:spMkLst>
+            <pc:docMk/>
+            <pc:sldMk cId="806214799" sldId="272"/>
+            <ac:spMk id="4" creationId="{E613C43D-D380-9FF1-1655-B01BB80E863B}"/>
+          </ac:spMkLst>
+        </pc:spChg>
       </pc:sldChg>
     </pc:docChg>
   </pc:docChgLst>
@@ -14781,7 +14821,7 @@
         </p:nvSpPr>
         <p:spPr>
           <a:xfrm>
-            <a:off x="5672108" y="3429000"/>
+            <a:off x="5507008" y="3607336"/>
             <a:ext cx="1018867" cy="461665"/>
           </a:xfrm>
           <a:prstGeom prst="rect">
@@ -14913,7 +14953,7 @@
         </p:nvSpPr>
         <p:spPr>
           <a:xfrm>
-            <a:off x="6690975" y="3429000"/>
+            <a:off x="6525875" y="3607336"/>
             <a:ext cx="4420099" cy="3033459"/>
           </a:xfrm>
           <a:prstGeom prst="rect">
@@ -15275,104 +15315,31 @@
       </p:sp>
       <p:sp>
         <p:nvSpPr>
-          <p:cNvPr id="8" name="四角形: 角を丸くする 7">
+          <p:cNvPr id="2" name="テキスト ボックス 1">
             <a:extLst>
               <a:ext uri="{FF2B5EF4-FFF2-40B4-BE49-F238E27FC236}">
-                <a16:creationId xmlns:a16="http://schemas.microsoft.com/office/drawing/2014/main" id="{D7EFD76B-7061-06EC-4A8A-F584BCC71157}"/>
+                <a16:creationId xmlns:a16="http://schemas.microsoft.com/office/drawing/2014/main" id="{70BEF91D-BC42-F5D2-993B-9BD619EE287E}"/>
               </a:ext>
             </a:extLst>
           </p:cNvPr>
-          <p:cNvSpPr/>
+          <p:cNvSpPr txBox="1"/>
           <p:nvPr/>
         </p:nvSpPr>
         <p:spPr>
           <a:xfrm>
-            <a:off x="553489" y="1759410"/>
-            <a:ext cx="4025737" cy="4393739"/>
+            <a:off x="532901" y="2113881"/>
+            <a:ext cx="4552950" cy="4107278"/>
           </a:xfrm>
-          <a:prstGeom prst="roundRect">
+          <a:prstGeom prst="rect">
             <a:avLst/>
           </a:prstGeom>
           <a:noFill/>
-          <a:ln w="38100">
-            <a:solidFill>
-              <a:schemeClr val="accent2">
-                <a:lumMod val="60000"/>
-                <a:lumOff val="40000"/>
-              </a:schemeClr>
-            </a:solidFill>
-          </a:ln>
         </p:spPr>
-        <p:style>
-          <a:lnRef idx="2">
-            <a:schemeClr val="accent1">
-              <a:shade val="15000"/>
-            </a:schemeClr>
-          </a:lnRef>
-          <a:fillRef idx="1">
-            <a:schemeClr val="accent1"/>
-          </a:fillRef>
-          <a:effectRef idx="0">
-            <a:schemeClr val="accent1"/>
-          </a:effectRef>
-          <a:fontRef idx="minor">
-            <a:schemeClr val="lt1"/>
-          </a:fontRef>
-        </p:style>
         <p:txBody>
-          <a:bodyPr rtlCol="0" anchor="ctr"/>
+          <a:bodyPr wrap="square" rtlCol="0">
+            <a:spAutoFit/>
+          </a:bodyPr>
           <a:lstStyle/>
-          <a:p>
-            <a:pPr>
-              <a:lnSpc>
-                <a:spcPct val="110000"/>
-              </a:lnSpc>
-            </a:pPr>
-            <a:r>
-              <a:rPr lang="en-US" altLang="ja-JP" sz="1400" dirty="0">
-                <a:solidFill>
-                  <a:schemeClr val="tx1"/>
-                </a:solidFill>
-                <a:latin typeface="BIZ UDPゴシック" panose="020B0400000000000000" pitchFamily="50" charset="-128"/>
-                <a:ea typeface="BIZ UDPゴシック" panose="020B0400000000000000" pitchFamily="50" charset="-128"/>
-              </a:rPr>
-              <a:t>【</a:t>
-            </a:r>
-            <a:r>
-              <a:rPr lang="ja-JP" altLang="en-US" sz="1400" dirty="0">
-                <a:solidFill>
-                  <a:schemeClr val="tx1"/>
-                </a:solidFill>
-                <a:latin typeface="BIZ UDPゴシック" panose="020B0400000000000000" pitchFamily="50" charset="-128"/>
-                <a:ea typeface="BIZ UDPゴシック" panose="020B0400000000000000" pitchFamily="50" charset="-128"/>
-              </a:rPr>
-              <a:t>早口言葉の特徴に対する着目点</a:t>
-            </a:r>
-            <a:r>
-              <a:rPr lang="en-US" altLang="ja-JP" sz="1400" dirty="0">
-                <a:solidFill>
-                  <a:schemeClr val="tx1"/>
-                </a:solidFill>
-                <a:latin typeface="BIZ UDPゴシック" panose="020B0400000000000000" pitchFamily="50" charset="-128"/>
-                <a:ea typeface="BIZ UDPゴシック" panose="020B0400000000000000" pitchFamily="50" charset="-128"/>
-              </a:rPr>
-              <a:t>】</a:t>
-            </a:r>
-          </a:p>
-          <a:p>
-            <a:pPr>
-              <a:lnSpc>
-                <a:spcPct val="110000"/>
-              </a:lnSpc>
-            </a:pPr>
-            <a:endParaRPr lang="en-US" altLang="ja-JP" sz="1400" dirty="0">
-              <a:solidFill>
-                <a:schemeClr val="tx1"/>
-              </a:solidFill>
-              <a:latin typeface="BIZ UDPゴシック" panose="020B0400000000000000" pitchFamily="50" charset="-128"/>
-              <a:ea typeface="BIZ UDPゴシック" panose="020B0400000000000000" pitchFamily="50" charset="-128"/>
-            </a:endParaRPr>
-          </a:p>
           <a:p>
             <a:pPr marL="342900" indent="-342900">
               <a:lnSpc>
@@ -15382,7 +15349,7 @@
               <a:buChar char="-"/>
             </a:pPr>
             <a:r>
-              <a:rPr lang="ja-JP" altLang="en-US" sz="1400" dirty="0">
+              <a:rPr lang="ja-JP" altLang="en-US" sz="2000" dirty="0">
                 <a:solidFill>
                   <a:schemeClr val="tx1"/>
                 </a:solidFill>
@@ -15392,7 +15359,7 @@
               <a:t>文全体の母音と子音の組み合わせ</a:t>
             </a:r>
             <a:br>
-              <a:rPr lang="en-US" altLang="ja-JP" sz="1400" dirty="0">
+              <a:rPr lang="en-US" altLang="ja-JP" sz="2000" dirty="0">
                 <a:solidFill>
                   <a:schemeClr val="tx1"/>
                 </a:solidFill>
@@ -15401,7 +15368,7 @@
               </a:rPr>
             </a:br>
             <a:r>
-              <a:rPr lang="en-US" altLang="ja-JP" sz="1400" dirty="0">
+              <a:rPr lang="en-US" altLang="ja-JP" sz="2000" dirty="0">
                 <a:solidFill>
                   <a:schemeClr val="tx1"/>
                 </a:solidFill>
@@ -15411,7 +15378,7 @@
               <a:t>- </a:t>
             </a:r>
             <a:r>
-              <a:rPr lang="ja-JP" altLang="en-US" sz="1400" dirty="0">
+              <a:rPr lang="ja-JP" altLang="en-US" sz="2000" dirty="0">
                 <a:solidFill>
                   <a:schemeClr val="tx1"/>
                 </a:solidFill>
@@ -15421,7 +15388,7 @@
               <a:t>バスガス爆発</a:t>
             </a:r>
             <a:br>
-              <a:rPr lang="en-US" altLang="ja-JP" sz="1400" dirty="0">
+              <a:rPr lang="en-US" altLang="ja-JP" sz="2000" dirty="0">
                 <a:solidFill>
                   <a:schemeClr val="tx1"/>
                 </a:solidFill>
@@ -15430,7 +15397,7 @@
               </a:rPr>
             </a:br>
             <a:r>
-              <a:rPr lang="en-US" altLang="ja-JP" sz="1400" dirty="0">
+              <a:rPr lang="en-US" altLang="ja-JP" sz="2000" dirty="0">
                 <a:solidFill>
                   <a:schemeClr val="tx1"/>
                 </a:solidFill>
@@ -15440,7 +15407,7 @@
               <a:t>- </a:t>
             </a:r>
             <a:r>
-              <a:rPr lang="en-US" altLang="ja-JP" sz="1400" dirty="0" err="1">
+              <a:rPr lang="en-US" altLang="ja-JP" sz="2000" dirty="0" err="1">
                 <a:solidFill>
                   <a:schemeClr val="tx1"/>
                 </a:solidFill>
@@ -15450,7 +15417,7 @@
               <a:t>basugasubakuhatsu</a:t>
             </a:r>
             <a:br>
-              <a:rPr lang="en-US" altLang="ja-JP" sz="1400" dirty="0">
+              <a:rPr lang="en-US" altLang="ja-JP" sz="2000" dirty="0">
                 <a:solidFill>
                   <a:schemeClr val="tx1"/>
                 </a:solidFill>
@@ -15459,7 +15426,7 @@
               </a:rPr>
             </a:br>
             <a:r>
-              <a:rPr lang="en-US" altLang="ja-JP" sz="1400" dirty="0">
+              <a:rPr lang="en-US" altLang="ja-JP" sz="2000" dirty="0">
                 <a:solidFill>
                   <a:schemeClr val="tx1"/>
                 </a:solidFill>
@@ -15469,7 +15436,7 @@
               <a:t>- </a:t>
             </a:r>
             <a:r>
-              <a:rPr lang="ja-JP" altLang="en-US" sz="1400" dirty="0">
+              <a:rPr lang="ja-JP" altLang="en-US" sz="2000" dirty="0">
                 <a:solidFill>
                   <a:schemeClr val="tx1"/>
                 </a:solidFill>
@@ -15479,7 +15446,7 @@
               <a:t>文字ベースの</a:t>
             </a:r>
             <a:r>
-              <a:rPr lang="en-US" altLang="ja-JP" sz="1400" dirty="0">
+              <a:rPr lang="en-US" altLang="ja-JP" sz="2000" dirty="0">
                 <a:solidFill>
                   <a:schemeClr val="tx1"/>
                 </a:solidFill>
@@ -15489,7 +15456,7 @@
               <a:t>unigram</a:t>
             </a:r>
             <a:r>
-              <a:rPr lang="ja-JP" altLang="en-US" sz="1400" dirty="0">
+              <a:rPr lang="ja-JP" altLang="en-US" sz="2000" dirty="0">
                 <a:solidFill>
                   <a:schemeClr val="tx1"/>
                 </a:solidFill>
@@ -15498,7 +15465,7 @@
               </a:rPr>
               <a:t>で測定</a:t>
             </a:r>
-            <a:endParaRPr lang="en-US" altLang="ja-JP" sz="1400" dirty="0">
+            <a:endParaRPr lang="en-US" altLang="ja-JP" sz="2000" dirty="0">
               <a:solidFill>
                 <a:schemeClr val="tx1"/>
               </a:solidFill>
@@ -15512,7 +15479,7 @@
                 <a:spcPct val="110000"/>
               </a:lnSpc>
             </a:pPr>
-            <a:endParaRPr lang="en-US" altLang="ja-JP" sz="1400" dirty="0">
+            <a:endParaRPr lang="en-US" altLang="ja-JP" sz="2000" dirty="0">
               <a:solidFill>
                 <a:schemeClr val="tx1"/>
               </a:solidFill>
@@ -15529,7 +15496,7 @@
               <a:buChar char="-"/>
             </a:pPr>
             <a:r>
-              <a:rPr lang="ja-JP" altLang="en-US" sz="1400" dirty="0">
+              <a:rPr lang="ja-JP" altLang="en-US" sz="2000" dirty="0">
                 <a:solidFill>
                   <a:schemeClr val="tx1"/>
                 </a:solidFill>
@@ -15539,7 +15506,7 @@
               <a:t>単語と単語間の音の組み合わせ</a:t>
             </a:r>
             <a:br>
-              <a:rPr lang="en-US" altLang="ja-JP" sz="1400" dirty="0">
+              <a:rPr lang="en-US" altLang="ja-JP" sz="2000" dirty="0">
                 <a:solidFill>
                   <a:schemeClr val="tx1"/>
                 </a:solidFill>
@@ -15548,7 +15515,7 @@
               </a:rPr>
             </a:br>
             <a:r>
-              <a:rPr lang="en-US" altLang="ja-JP" sz="1400" dirty="0">
+              <a:rPr lang="en-US" altLang="ja-JP" sz="2000" dirty="0">
                 <a:solidFill>
                   <a:schemeClr val="tx1"/>
                 </a:solidFill>
@@ -15558,7 +15525,7 @@
               <a:t>- </a:t>
             </a:r>
             <a:r>
-              <a:rPr lang="ja-JP" altLang="en-US" sz="1400" dirty="0">
+              <a:rPr lang="ja-JP" altLang="en-US" sz="2000" dirty="0">
                 <a:solidFill>
                   <a:schemeClr val="tx1"/>
                 </a:solidFill>
@@ -15568,7 +15535,7 @@
               <a:t>バスガス爆発</a:t>
             </a:r>
             <a:br>
-              <a:rPr lang="en-US" altLang="ja-JP" sz="1400" dirty="0">
+              <a:rPr lang="en-US" altLang="ja-JP" sz="2000" dirty="0">
                 <a:solidFill>
                   <a:schemeClr val="tx1"/>
                 </a:solidFill>
@@ -15577,7 +15544,7 @@
               </a:rPr>
             </a:br>
             <a:r>
-              <a:rPr lang="en-US" altLang="ja-JP" sz="1400" dirty="0">
+              <a:rPr lang="en-US" altLang="ja-JP" sz="2000" dirty="0">
                 <a:solidFill>
                   <a:schemeClr val="tx1"/>
                 </a:solidFill>
@@ -15587,7 +15554,7 @@
               <a:t>- [“</a:t>
             </a:r>
             <a:r>
-              <a:rPr lang="ja-JP" altLang="en-US" sz="1400" dirty="0">
+              <a:rPr lang="ja-JP" altLang="en-US" sz="2000" dirty="0">
                 <a:solidFill>
                   <a:schemeClr val="tx1"/>
                 </a:solidFill>
@@ -15597,7 +15564,7 @@
               <a:t>バス</a:t>
             </a:r>
             <a:r>
-              <a:rPr lang="en-US" altLang="ja-JP" sz="1400" dirty="0">
+              <a:rPr lang="en-US" altLang="ja-JP" sz="2000" dirty="0">
                 <a:solidFill>
                   <a:schemeClr val="tx1"/>
                 </a:solidFill>
@@ -15607,7 +15574,7 @@
               <a:t>”,”</a:t>
             </a:r>
             <a:r>
-              <a:rPr lang="ja-JP" altLang="en-US" sz="1400" dirty="0">
+              <a:rPr lang="ja-JP" altLang="en-US" sz="2000" dirty="0">
                 <a:solidFill>
                   <a:schemeClr val="tx1"/>
                 </a:solidFill>
@@ -15617,7 +15584,7 @@
               <a:t>ガス</a:t>
             </a:r>
             <a:r>
-              <a:rPr lang="en-US" altLang="ja-JP" sz="1400" dirty="0">
+              <a:rPr lang="en-US" altLang="ja-JP" sz="2000" dirty="0">
                 <a:solidFill>
                   <a:schemeClr val="tx1"/>
                 </a:solidFill>
@@ -15627,7 +15594,7 @@
               <a:t>”,”</a:t>
             </a:r>
             <a:r>
-              <a:rPr lang="ja-JP" altLang="en-US" sz="1400" dirty="0">
+              <a:rPr lang="ja-JP" altLang="en-US" sz="2000" dirty="0">
                 <a:solidFill>
                   <a:schemeClr val="tx1"/>
                 </a:solidFill>
@@ -15637,7 +15604,7 @@
               <a:t>爆発</a:t>
             </a:r>
             <a:r>
-              <a:rPr lang="en-US" altLang="ja-JP" sz="1400" dirty="0">
+              <a:rPr lang="en-US" altLang="ja-JP" sz="2000" dirty="0">
                 <a:solidFill>
                   <a:schemeClr val="tx1"/>
                 </a:solidFill>
@@ -15647,7 +15614,7 @@
               <a:t>”]</a:t>
             </a:r>
             <a:br>
-              <a:rPr lang="en-US" altLang="ja-JP" sz="1400" dirty="0">
+              <a:rPr lang="en-US" altLang="ja-JP" sz="2000" dirty="0">
                 <a:solidFill>
                   <a:schemeClr val="tx1"/>
                 </a:solidFill>
@@ -15656,7 +15623,7 @@
               </a:rPr>
             </a:br>
             <a:r>
-              <a:rPr lang="en-US" altLang="ja-JP" sz="1400" dirty="0">
+              <a:rPr lang="en-US" altLang="ja-JP" sz="2000" dirty="0">
                 <a:solidFill>
                   <a:schemeClr val="tx1"/>
                 </a:solidFill>
@@ -15666,7 +15633,7 @@
               <a:t>- [“</a:t>
             </a:r>
             <a:r>
-              <a:rPr lang="en-US" altLang="ja-JP" sz="1400" dirty="0" err="1">
+              <a:rPr lang="en-US" altLang="ja-JP" sz="2000" dirty="0" err="1">
                 <a:solidFill>
                   <a:schemeClr val="tx1"/>
                 </a:solidFill>
@@ -15676,7 +15643,7 @@
               <a:t>su</a:t>
             </a:r>
             <a:r>
-              <a:rPr lang="en-US" altLang="ja-JP" sz="1400" dirty="0">
+              <a:rPr lang="en-US" altLang="ja-JP" sz="2000" dirty="0">
                 <a:solidFill>
                   <a:schemeClr val="tx1"/>
                 </a:solidFill>
@@ -15686,7 +15653,7 @@
               <a:t>”,”ga”,”</a:t>
             </a:r>
             <a:r>
-              <a:rPr lang="en-US" altLang="ja-JP" sz="1400" dirty="0" err="1">
+              <a:rPr lang="en-US" altLang="ja-JP" sz="2000" dirty="0" err="1">
                 <a:solidFill>
                   <a:schemeClr val="tx1"/>
                 </a:solidFill>
@@ -15696,7 +15663,7 @@
               <a:t>su</a:t>
             </a:r>
             <a:r>
-              <a:rPr lang="en-US" altLang="ja-JP" sz="1400" dirty="0">
+              <a:rPr lang="en-US" altLang="ja-JP" sz="2000" dirty="0">
                 <a:solidFill>
                   <a:schemeClr val="tx1"/>
                 </a:solidFill>
@@ -15706,7 +15673,7 @@
               <a:t>”,</a:t>
             </a:r>
             <a:r>
-              <a:rPr lang="en-US" altLang="ja-JP" sz="1400" dirty="0" err="1">
+              <a:rPr lang="en-US" altLang="ja-JP" sz="2000" dirty="0" err="1">
                 <a:solidFill>
                   <a:schemeClr val="tx1"/>
                 </a:solidFill>
@@ -15716,7 +15683,7 @@
               <a:t>ba</a:t>
             </a:r>
             <a:r>
-              <a:rPr lang="en-US" altLang="ja-JP" sz="1400" dirty="0">
+              <a:rPr lang="en-US" altLang="ja-JP" sz="2000" dirty="0">
                 <a:solidFill>
                   <a:schemeClr val="tx1"/>
                 </a:solidFill>
@@ -15726,7 +15693,7 @@
               <a:t>”]</a:t>
             </a:r>
             <a:br>
-              <a:rPr lang="en-US" altLang="ja-JP" sz="1400" dirty="0">
+              <a:rPr lang="en-US" altLang="ja-JP" sz="2000" dirty="0">
                 <a:solidFill>
                   <a:schemeClr val="tx1"/>
                 </a:solidFill>
@@ -15735,7 +15702,7 @@
               </a:rPr>
             </a:br>
             <a:r>
-              <a:rPr lang="en-US" altLang="ja-JP" sz="1400" dirty="0">
+              <a:rPr lang="en-US" altLang="ja-JP" sz="2000" dirty="0">
                 <a:solidFill>
                   <a:schemeClr val="tx1"/>
                 </a:solidFill>
@@ -15745,7 +15712,7 @@
               <a:t>- </a:t>
             </a:r>
             <a:r>
-              <a:rPr lang="ja-JP" altLang="en-US" sz="1400" dirty="0">
+              <a:rPr lang="ja-JP" altLang="en-US" sz="2000" dirty="0">
                 <a:solidFill>
                   <a:schemeClr val="tx1"/>
                 </a:solidFill>
@@ -15755,7 +15722,7 @@
               <a:t>文字ベースの</a:t>
             </a:r>
             <a:r>
-              <a:rPr lang="en-US" altLang="ja-JP" sz="1400" dirty="0">
+              <a:rPr lang="en-US" altLang="ja-JP" sz="2000" dirty="0">
                 <a:solidFill>
                   <a:schemeClr val="tx1"/>
                 </a:solidFill>
@@ -15765,7 +15732,7 @@
               <a:t>bigram</a:t>
             </a:r>
             <a:r>
-              <a:rPr lang="ja-JP" altLang="en-US" sz="1400" dirty="0">
+              <a:rPr lang="ja-JP" altLang="en-US" sz="2000" dirty="0">
                 <a:solidFill>
                   <a:schemeClr val="tx1"/>
                 </a:solidFill>
@@ -15774,7 +15741,7 @@
               </a:rPr>
               <a:t>で測定</a:t>
             </a:r>
-            <a:endParaRPr lang="en-US" altLang="ja-JP" sz="1400" dirty="0">
+            <a:endParaRPr lang="en-US" altLang="ja-JP" sz="2000" dirty="0">
               <a:solidFill>
                 <a:schemeClr val="tx1"/>
               </a:solidFill>
@@ -15790,7 +15757,7 @@
               <a:buFontTx/>
               <a:buChar char="-"/>
             </a:pPr>
-            <a:endParaRPr lang="en-US" altLang="ja-JP" sz="1400" dirty="0">
+            <a:endParaRPr lang="en-US" altLang="ja-JP" sz="2000" dirty="0">
               <a:solidFill>
                 <a:schemeClr val="tx1"/>
               </a:solidFill>
@@ -15805,7 +15772,7 @@
               </a:lnSpc>
             </a:pPr>
             <a:r>
-              <a:rPr lang="en-US" altLang="ja-JP" sz="1400" dirty="0">
+              <a:rPr lang="en-US" altLang="ja-JP" sz="2000" dirty="0">
                 <a:solidFill>
                   <a:schemeClr val="tx1"/>
                 </a:solidFill>
@@ -15815,7 +15782,7 @@
               <a:t>- </a:t>
             </a:r>
             <a:r>
-              <a:rPr lang="ja-JP" altLang="en-US" sz="1400" dirty="0">
+              <a:rPr lang="ja-JP" altLang="en-US" sz="2000" dirty="0">
                 <a:solidFill>
                   <a:schemeClr val="tx1"/>
                 </a:solidFill>
@@ -15824,13 +15791,55 @@
               </a:rPr>
               <a:t>その両方</a:t>
             </a:r>
-            <a:endParaRPr lang="en-US" altLang="ja-JP" sz="1400" dirty="0">
+            <a:endParaRPr lang="en-US" altLang="ja-JP" sz="2000" dirty="0">
               <a:solidFill>
                 <a:schemeClr val="tx1"/>
               </a:solidFill>
               <a:latin typeface="BIZ UDPゴシック" panose="020B0400000000000000" pitchFamily="50" charset="-128"/>
               <a:ea typeface="BIZ UDPゴシック" panose="020B0400000000000000" pitchFamily="50" charset="-128"/>
             </a:endParaRPr>
+          </a:p>
+        </p:txBody>
+      </p:sp>
+      <p:sp>
+        <p:nvSpPr>
+          <p:cNvPr id="3" name="テキスト ボックス 2">
+            <a:extLst>
+              <a:ext uri="{FF2B5EF4-FFF2-40B4-BE49-F238E27FC236}">
+                <a16:creationId xmlns:a16="http://schemas.microsoft.com/office/drawing/2014/main" id="{BA37B7C9-E765-38F5-4BAB-BD70EC0B7811}"/>
+              </a:ext>
+            </a:extLst>
+          </p:cNvPr>
+          <p:cNvSpPr txBox="1"/>
+          <p:nvPr/>
+        </p:nvSpPr>
+        <p:spPr>
+          <a:xfrm>
+            <a:off x="196850" y="1405642"/>
+            <a:ext cx="4552950" cy="461665"/>
+          </a:xfrm>
+          <a:prstGeom prst="rect">
+            <a:avLst/>
+          </a:prstGeom>
+          <a:noFill/>
+        </p:spPr>
+        <p:txBody>
+          <a:bodyPr wrap="square" rtlCol="0">
+            <a:spAutoFit/>
+          </a:bodyPr>
+          <a:lstStyle/>
+          <a:p>
+            <a:r>
+              <a:rPr lang="ja-JP" altLang="en-US" sz="2400" b="1" dirty="0">
+                <a:solidFill>
+                  <a:schemeClr val="tx1"/>
+                </a:solidFill>
+                <a:latin typeface="BIZ UDPゴシック" panose="020B0400000000000000" pitchFamily="50" charset="-128"/>
+                <a:ea typeface="BIZ UDPゴシック" panose="020B0400000000000000" pitchFamily="50" charset="-128"/>
+              </a:rPr>
+              <a:t>早口言葉の特徴に対する着目点</a:t>
+            </a:r>
+            <a:endParaRPr kumimoji="1" lang="ja-JP" altLang="en-US" sz="2400" b="1" dirty="0"/>
           </a:p>
         </p:txBody>
       </p:sp>
@@ -16075,7 +16084,7 @@
         </p:nvSpPr>
         <p:spPr>
           <a:xfrm>
-            <a:off x="7666312" y="1306393"/>
+            <a:off x="7666312" y="1217304"/>
             <a:ext cx="981074" cy="461665"/>
           </a:xfrm>
           <a:prstGeom prst="rect">
@@ -16118,7 +16127,7 @@
         <p:spPr>
           <a:xfrm>
             <a:off x="7717112" y="1847345"/>
-            <a:ext cx="4000500" cy="2182264"/>
+            <a:ext cx="4000500" cy="3096360"/>
           </a:xfrm>
           <a:prstGeom prst="rect">
             <a:avLst/>
@@ -16242,6 +16251,257 @@
               </a:rPr>
               <a:t>全体的にランダムフォレストが良い精度を得た．</a:t>
             </a:r>
+            <a:endParaRPr kumimoji="1" lang="en-US" altLang="ja-JP" dirty="0">
+              <a:latin typeface="BIZ UDPゴシック" panose="020B0400000000000000" pitchFamily="50" charset="-128"/>
+              <a:ea typeface="BIZ UDPゴシック" panose="020B0400000000000000" pitchFamily="50" charset="-128"/>
+            </a:endParaRPr>
+          </a:p>
+          <a:p>
+            <a:pPr>
+              <a:lnSpc>
+                <a:spcPct val="110000"/>
+              </a:lnSpc>
+            </a:pPr>
+            <a:endParaRPr lang="en-US" altLang="ja-JP" dirty="0">
+              <a:latin typeface="BIZ UDPゴシック" panose="020B0400000000000000" pitchFamily="50" charset="-128"/>
+              <a:ea typeface="BIZ UDPゴシック" panose="020B0400000000000000" pitchFamily="50" charset="-128"/>
+            </a:endParaRPr>
+          </a:p>
+          <a:p>
+            <a:pPr>
+              <a:lnSpc>
+                <a:spcPct val="110000"/>
+              </a:lnSpc>
+            </a:pPr>
+            <a:r>
+              <a:rPr kumimoji="1" lang="en-US" altLang="ja-JP" dirty="0" err="1">
+                <a:latin typeface="BIZ UDPゴシック" panose="020B0400000000000000" pitchFamily="50" charset="-128"/>
+                <a:ea typeface="BIZ UDPゴシック" panose="020B0400000000000000" pitchFamily="50" charset="-128"/>
+              </a:rPr>
+              <a:t>Ipadic</a:t>
+            </a:r>
+            <a:r>
+              <a:rPr kumimoji="1" lang="ja-JP" altLang="en-US" dirty="0">
+                <a:latin typeface="BIZ UDPゴシック" panose="020B0400000000000000" pitchFamily="50" charset="-128"/>
+                <a:ea typeface="BIZ UDPゴシック" panose="020B0400000000000000" pitchFamily="50" charset="-128"/>
+              </a:rPr>
+              <a:t>による分かち書きの精度がイマイチだったことに原因があると推測</a:t>
+            </a:r>
+          </a:p>
+        </p:txBody>
+      </p:sp>
+      <p:sp>
+        <p:nvSpPr>
+          <p:cNvPr id="9" name="テキスト ボックス 8">
+            <a:extLst>
+              <a:ext uri="{FF2B5EF4-FFF2-40B4-BE49-F238E27FC236}">
+                <a16:creationId xmlns:a16="http://schemas.microsoft.com/office/drawing/2014/main" id="{89DE657E-39AE-A920-CC43-4AA42E5C306C}"/>
+              </a:ext>
+            </a:extLst>
+          </p:cNvPr>
+          <p:cNvSpPr txBox="1"/>
+          <p:nvPr/>
+        </p:nvSpPr>
+        <p:spPr>
+          <a:xfrm>
+            <a:off x="7717112" y="5137064"/>
+            <a:ext cx="3575050" cy="461665"/>
+          </a:xfrm>
+          <a:prstGeom prst="rect">
+            <a:avLst/>
+          </a:prstGeom>
+          <a:noFill/>
+        </p:spPr>
+        <p:txBody>
+          <a:bodyPr wrap="square" rtlCol="0">
+            <a:spAutoFit/>
+          </a:bodyPr>
+          <a:lstStyle/>
+          <a:p>
+            <a:r>
+              <a:rPr kumimoji="1" lang="ja-JP" altLang="en-US" sz="2400" b="1" dirty="0">
+                <a:latin typeface="BIZ UDPゴシック" panose="020B0400000000000000" pitchFamily="50" charset="-128"/>
+                <a:ea typeface="BIZ UDPゴシック" panose="020B0400000000000000" pitchFamily="50" charset="-128"/>
+              </a:rPr>
+              <a:t>実験データの分析結果</a:t>
+            </a:r>
+            <a:endParaRPr kumimoji="1" lang="en-US" altLang="ja-JP" sz="2400" b="1" dirty="0">
+              <a:latin typeface="BIZ UDPゴシック" panose="020B0400000000000000" pitchFamily="50" charset="-128"/>
+              <a:ea typeface="BIZ UDPゴシック" panose="020B0400000000000000" pitchFamily="50" charset="-128"/>
+            </a:endParaRPr>
+          </a:p>
+        </p:txBody>
+      </p:sp>
+      <p:sp>
+        <p:nvSpPr>
+          <p:cNvPr id="10" name="テキスト ボックス 1">
+            <a:extLst>
+              <a:ext uri="{FF2B5EF4-FFF2-40B4-BE49-F238E27FC236}">
+                <a16:creationId xmlns:a16="http://schemas.microsoft.com/office/drawing/2014/main" id="{C4AE3A55-F5BD-2D9E-2A5E-3F87B5E308D3}"/>
+              </a:ext>
+            </a:extLst>
+          </p:cNvPr>
+          <p:cNvSpPr txBox="1"/>
+          <p:nvPr/>
+        </p:nvSpPr>
+        <p:spPr>
+          <a:xfrm>
+            <a:off x="7717112" y="5709538"/>
+            <a:ext cx="4279900" cy="721736"/>
+          </a:xfrm>
+          <a:prstGeom prst="rect">
+            <a:avLst/>
+          </a:prstGeom>
+          <a:noFill/>
+        </p:spPr>
+        <p:txBody>
+          <a:bodyPr wrap="square" rtlCol="0">
+            <a:spAutoFit/>
+          </a:bodyPr>
+          <a:lstStyle>
+            <a:defPPr>
+              <a:defRPr lang="en-US"/>
+            </a:defPPr>
+            <a:lvl1pPr marL="0" algn="l" defTabSz="457200" rtl="0" eaLnBrk="1" latinLnBrk="0" hangingPunct="1">
+              <a:defRPr sz="1800" kern="1200">
+                <a:solidFill>
+                  <a:schemeClr val="tx1"/>
+                </a:solidFill>
+                <a:latin typeface="+mn-lt"/>
+                <a:ea typeface="+mn-ea"/>
+                <a:cs typeface="+mn-cs"/>
+              </a:defRPr>
+            </a:lvl1pPr>
+            <a:lvl2pPr marL="457200" algn="l" defTabSz="457200" rtl="0" eaLnBrk="1" latinLnBrk="0" hangingPunct="1">
+              <a:defRPr sz="1800" kern="1200">
+                <a:solidFill>
+                  <a:schemeClr val="tx1"/>
+                </a:solidFill>
+                <a:latin typeface="+mn-lt"/>
+                <a:ea typeface="+mn-ea"/>
+                <a:cs typeface="+mn-cs"/>
+              </a:defRPr>
+            </a:lvl2pPr>
+            <a:lvl3pPr marL="914400" algn="l" defTabSz="457200" rtl="0" eaLnBrk="1" latinLnBrk="0" hangingPunct="1">
+              <a:defRPr sz="1800" kern="1200">
+                <a:solidFill>
+                  <a:schemeClr val="tx1"/>
+                </a:solidFill>
+                <a:latin typeface="+mn-lt"/>
+                <a:ea typeface="+mn-ea"/>
+                <a:cs typeface="+mn-cs"/>
+              </a:defRPr>
+            </a:lvl3pPr>
+            <a:lvl4pPr marL="1371600" algn="l" defTabSz="457200" rtl="0" eaLnBrk="1" latinLnBrk="0" hangingPunct="1">
+              <a:defRPr sz="1800" kern="1200">
+                <a:solidFill>
+                  <a:schemeClr val="tx1"/>
+                </a:solidFill>
+                <a:latin typeface="+mn-lt"/>
+                <a:ea typeface="+mn-ea"/>
+                <a:cs typeface="+mn-cs"/>
+              </a:defRPr>
+            </a:lvl4pPr>
+            <a:lvl5pPr marL="1828800" algn="l" defTabSz="457200" rtl="0" eaLnBrk="1" latinLnBrk="0" hangingPunct="1">
+              <a:defRPr sz="1800" kern="1200">
+                <a:solidFill>
+                  <a:schemeClr val="tx1"/>
+                </a:solidFill>
+                <a:latin typeface="+mn-lt"/>
+                <a:ea typeface="+mn-ea"/>
+                <a:cs typeface="+mn-cs"/>
+              </a:defRPr>
+            </a:lvl5pPr>
+            <a:lvl6pPr marL="2286000" algn="l" defTabSz="457200" rtl="0" eaLnBrk="1" latinLnBrk="0" hangingPunct="1">
+              <a:defRPr sz="1800" kern="1200">
+                <a:solidFill>
+                  <a:schemeClr val="tx1"/>
+                </a:solidFill>
+                <a:latin typeface="+mn-lt"/>
+                <a:ea typeface="+mn-ea"/>
+                <a:cs typeface="+mn-cs"/>
+              </a:defRPr>
+            </a:lvl6pPr>
+            <a:lvl7pPr marL="2743200" algn="l" defTabSz="457200" rtl="0" eaLnBrk="1" latinLnBrk="0" hangingPunct="1">
+              <a:defRPr sz="1800" kern="1200">
+                <a:solidFill>
+                  <a:schemeClr val="tx1"/>
+                </a:solidFill>
+                <a:latin typeface="+mn-lt"/>
+                <a:ea typeface="+mn-ea"/>
+                <a:cs typeface="+mn-cs"/>
+              </a:defRPr>
+            </a:lvl7pPr>
+            <a:lvl8pPr marL="3200400" algn="l" defTabSz="457200" rtl="0" eaLnBrk="1" latinLnBrk="0" hangingPunct="1">
+              <a:defRPr sz="1800" kern="1200">
+                <a:solidFill>
+                  <a:schemeClr val="tx1"/>
+                </a:solidFill>
+                <a:latin typeface="+mn-lt"/>
+                <a:ea typeface="+mn-ea"/>
+                <a:cs typeface="+mn-cs"/>
+              </a:defRPr>
+            </a:lvl8pPr>
+            <a:lvl9pPr marL="3657600" algn="l" defTabSz="457200" rtl="0" eaLnBrk="1" latinLnBrk="0" hangingPunct="1">
+              <a:defRPr sz="1800" kern="1200">
+                <a:solidFill>
+                  <a:schemeClr val="tx1"/>
+                </a:solidFill>
+                <a:latin typeface="+mn-lt"/>
+                <a:ea typeface="+mn-ea"/>
+                <a:cs typeface="+mn-cs"/>
+              </a:defRPr>
+            </a:lvl9pPr>
+          </a:lstStyle>
+          <a:p>
+            <a:pPr>
+              <a:lnSpc>
+                <a:spcPct val="110000"/>
+              </a:lnSpc>
+            </a:pPr>
+            <a:r>
+              <a:rPr kumimoji="1" lang="ja-JP" altLang="en-US" sz="2000" dirty="0">
+                <a:latin typeface="BIZ UDPゴシック" panose="020B0400000000000000" pitchFamily="50" charset="-128"/>
+                <a:ea typeface="BIZ UDPゴシック" panose="020B0400000000000000" pitchFamily="50" charset="-128"/>
+              </a:rPr>
+              <a:t>ローマ字変換 </a:t>
+            </a:r>
+            <a:r>
+              <a:rPr kumimoji="1" lang="en-US" altLang="ja-JP" sz="2000" dirty="0">
+                <a:latin typeface="BIZ UDPゴシック" panose="020B0400000000000000" pitchFamily="50" charset="-128"/>
+                <a:ea typeface="BIZ UDPゴシック" panose="020B0400000000000000" pitchFamily="50" charset="-128"/>
+              </a:rPr>
+              <a:t>x </a:t>
+            </a:r>
+            <a:r>
+              <a:rPr kumimoji="1" lang="ja-JP" altLang="en-US" sz="2000" dirty="0">
+                <a:latin typeface="BIZ UDPゴシック" panose="020B0400000000000000" pitchFamily="50" charset="-128"/>
+                <a:ea typeface="BIZ UDPゴシック" panose="020B0400000000000000" pitchFamily="50" charset="-128"/>
+              </a:rPr>
+              <a:t>ランダムフォレスト</a:t>
+            </a:r>
+            <a:endParaRPr kumimoji="1" lang="en-US" altLang="ja-JP" sz="2000" dirty="0">
+              <a:latin typeface="BIZ UDPゴシック" panose="020B0400000000000000" pitchFamily="50" charset="-128"/>
+              <a:ea typeface="BIZ UDPゴシック" panose="020B0400000000000000" pitchFamily="50" charset="-128"/>
+            </a:endParaRPr>
+          </a:p>
+          <a:p>
+            <a:pPr>
+              <a:lnSpc>
+                <a:spcPct val="110000"/>
+              </a:lnSpc>
+            </a:pPr>
+            <a:r>
+              <a:rPr lang="ja-JP" altLang="en-US" sz="2000" dirty="0">
+                <a:latin typeface="BIZ UDPゴシック" panose="020B0400000000000000" pitchFamily="50" charset="-128"/>
+                <a:ea typeface="BIZ UDPゴシック" panose="020B0400000000000000" pitchFamily="50" charset="-128"/>
+              </a:rPr>
+              <a:t>によるモデルを採用．</a:t>
+            </a:r>
+            <a:endParaRPr kumimoji="1" lang="en-US" altLang="ja-JP" sz="2000" dirty="0">
+              <a:latin typeface="BIZ UDPゴシック" panose="020B0400000000000000" pitchFamily="50" charset="-128"/>
+              <a:ea typeface="BIZ UDPゴシック" panose="020B0400000000000000" pitchFamily="50" charset="-128"/>
+            </a:endParaRPr>
           </a:p>
         </p:txBody>
       </p:sp>
@@ -16332,23 +16592,12 @@
           <a:lstStyle/>
           <a:p>
             <a:r>
-              <a:rPr lang="en-US" altLang="ja-JP" sz="3600" dirty="0">
-                <a:latin typeface="BIZ UDPゴシック" panose="020B0400000000000000" pitchFamily="50" charset="-128"/>
-                <a:ea typeface="BIZ UDPゴシック" panose="020B0400000000000000" pitchFamily="50" charset="-128"/>
-              </a:rPr>
-              <a:t>3.</a:t>
-            </a:r>
-            <a:r>
-              <a:rPr lang="ja-JP" altLang="en-US" sz="3600" dirty="0">
-                <a:latin typeface="BIZ UDPゴシック" panose="020B0400000000000000" pitchFamily="50" charset="-128"/>
-                <a:ea typeface="BIZ UDPゴシック" panose="020B0400000000000000" pitchFamily="50" charset="-128"/>
-              </a:rPr>
-              <a:t>実験結果</a:t>
-            </a:r>
-            <a:endParaRPr kumimoji="1" lang="ja-JP" altLang="en-US" sz="3600" dirty="0">
-              <a:latin typeface="BIZ UDPゴシック" panose="020B0400000000000000" pitchFamily="50" charset="-128"/>
-              <a:ea typeface="BIZ UDPゴシック" panose="020B0400000000000000" pitchFamily="50" charset="-128"/>
-            </a:endParaRPr>
+              <a:rPr kumimoji="1" lang="ja-JP" altLang="en-US" sz="3600" dirty="0">
+                <a:latin typeface="BIZ UDPゴシック" panose="020B0400000000000000" pitchFamily="50" charset="-128"/>
+                <a:ea typeface="BIZ UDPゴシック" panose="020B0400000000000000" pitchFamily="50" charset="-128"/>
+              </a:rPr>
+              <a:t>今後の予定</a:t>
+            </a:r>
           </a:p>
         </p:txBody>
       </p:sp>

--- a/年末発表.pptx
+++ b/年末発表.pptx
@@ -132,7 +132,7 @@
 <file path=ppt/revisionInfo.xml><?xml version="1.0" encoding="utf-8"?>
 <p1510:revInfo xmlns:a="http://schemas.openxmlformats.org/drawingml/2006/main" xmlns:r="http://schemas.openxmlformats.org/officeDocument/2006/relationships" xmlns:p1510="http://schemas.microsoft.com/office/powerpoint/2015/10/main">
   <p1510:revLst>
-    <p1510:client id="{6C2B5661-DEFF-4BF7-8687-B5D5C7F51A35}" v="14" dt="2024-12-21T02:27:02.281"/>
+    <p1510:client id="{6C2B5661-DEFF-4BF7-8687-B5D5C7F51A35}" v="32" dt="2024-12-21T03:25:16.700"/>
   </p1510:revLst>
 </p1510:revInfo>
 </file>
@@ -141,13 +141,193 @@
 <pc:chgInfo xmlns:a="http://schemas.openxmlformats.org/drawingml/2006/main" xmlns:r="http://schemas.openxmlformats.org/officeDocument/2006/relationships" xmlns:ac="http://schemas.microsoft.com/office/drawing/2013/main/command" xmlns:pc="http://schemas.microsoft.com/office/powerpoint/2013/main/command">
   <pc:docChgLst>
     <pc:chgData name="谷　知紘(s21t317)" userId="a3db8153-261a-4ffb-baa1-abaad328fd73" providerId="ADAL" clId="{6C2B5661-DEFF-4BF7-8687-B5D5C7F51A35}"/>
-    <pc:docChg chg="undo custSel addSld modSld">
-      <pc:chgData name="谷　知紘(s21t317)" userId="a3db8153-261a-4ffb-baa1-abaad328fd73" providerId="ADAL" clId="{6C2B5661-DEFF-4BF7-8687-B5D5C7F51A35}" dt="2024-12-21T02:28:17.025" v="1543" actId="20577"/>
+    <pc:docChg chg="undo custSel addSld modSld modMainMaster">
+      <pc:chgData name="谷　知紘(s21t317)" userId="a3db8153-261a-4ffb-baa1-abaad328fd73" providerId="ADAL" clId="{6C2B5661-DEFF-4BF7-8687-B5D5C7F51A35}" dt="2024-12-21T03:24:55.218" v="2169" actId="20577"/>
       <pc:docMkLst>
         <pc:docMk/>
       </pc:docMkLst>
+      <pc:sldChg chg="modSp">
+        <pc:chgData name="谷　知紘(s21t317)" userId="a3db8153-261a-4ffb-baa1-abaad328fd73" providerId="ADAL" clId="{6C2B5661-DEFF-4BF7-8687-B5D5C7F51A35}" dt="2024-12-21T03:23:09.077" v="2152"/>
+        <pc:sldMkLst>
+          <pc:docMk/>
+          <pc:sldMk cId="718283160" sldId="256"/>
+        </pc:sldMkLst>
+        <pc:spChg chg="mod">
+          <ac:chgData name="谷　知紘(s21t317)" userId="a3db8153-261a-4ffb-baa1-abaad328fd73" providerId="ADAL" clId="{6C2B5661-DEFF-4BF7-8687-B5D5C7F51A35}" dt="2024-12-21T03:23:09.077" v="2152"/>
+          <ac:spMkLst>
+            <pc:docMk/>
+            <pc:sldMk cId="718283160" sldId="256"/>
+            <ac:spMk id="5" creationId="{FCFEF4CD-766D-53B6-9DDE-AAC32A81997C}"/>
+          </ac:spMkLst>
+        </pc:spChg>
+      </pc:sldChg>
+      <pc:sldChg chg="modSp">
+        <pc:chgData name="谷　知紘(s21t317)" userId="a3db8153-261a-4ffb-baa1-abaad328fd73" providerId="ADAL" clId="{6C2B5661-DEFF-4BF7-8687-B5D5C7F51A35}" dt="2024-12-21T03:23:26.256" v="2153"/>
+        <pc:sldMkLst>
+          <pc:docMk/>
+          <pc:sldMk cId="1542432316" sldId="257"/>
+        </pc:sldMkLst>
+        <pc:spChg chg="mod">
+          <ac:chgData name="谷　知紘(s21t317)" userId="a3db8153-261a-4ffb-baa1-abaad328fd73" providerId="ADAL" clId="{6C2B5661-DEFF-4BF7-8687-B5D5C7F51A35}" dt="2024-12-21T03:23:26.256" v="2153"/>
+          <ac:spMkLst>
+            <pc:docMk/>
+            <pc:sldMk cId="1542432316" sldId="257"/>
+            <ac:spMk id="12" creationId="{80EAFDE0-26CA-8121-B651-3AEEACEC1916}"/>
+          </ac:spMkLst>
+        </pc:spChg>
+      </pc:sldChg>
+      <pc:sldChg chg="modSp">
+        <pc:chgData name="谷　知紘(s21t317)" userId="a3db8153-261a-4ffb-baa1-abaad328fd73" providerId="ADAL" clId="{6C2B5661-DEFF-4BF7-8687-B5D5C7F51A35}" dt="2024-12-21T03:23:26.256" v="2153"/>
+        <pc:sldMkLst>
+          <pc:docMk/>
+          <pc:sldMk cId="2104044874" sldId="258"/>
+        </pc:sldMkLst>
+        <pc:spChg chg="mod">
+          <ac:chgData name="谷　知紘(s21t317)" userId="a3db8153-261a-4ffb-baa1-abaad328fd73" providerId="ADAL" clId="{6C2B5661-DEFF-4BF7-8687-B5D5C7F51A35}" dt="2024-12-21T03:23:26.256" v="2153"/>
+          <ac:spMkLst>
+            <pc:docMk/>
+            <pc:sldMk cId="2104044874" sldId="258"/>
+            <ac:spMk id="6" creationId="{6BAA1248-05E0-6777-EEEE-EE09C01226A9}"/>
+          </ac:spMkLst>
+        </pc:spChg>
+      </pc:sldChg>
+      <pc:sldChg chg="modSp">
+        <pc:chgData name="谷　知紘(s21t317)" userId="a3db8153-261a-4ffb-baa1-abaad328fd73" providerId="ADAL" clId="{6C2B5661-DEFF-4BF7-8687-B5D5C7F51A35}" dt="2024-12-21T03:23:26.256" v="2153"/>
+        <pc:sldMkLst>
+          <pc:docMk/>
+          <pc:sldMk cId="3849086588" sldId="259"/>
+        </pc:sldMkLst>
+        <pc:spChg chg="mod">
+          <ac:chgData name="谷　知紘(s21t317)" userId="a3db8153-261a-4ffb-baa1-abaad328fd73" providerId="ADAL" clId="{6C2B5661-DEFF-4BF7-8687-B5D5C7F51A35}" dt="2024-12-21T03:23:26.256" v="2153"/>
+          <ac:spMkLst>
+            <pc:docMk/>
+            <pc:sldMk cId="3849086588" sldId="259"/>
+            <ac:spMk id="9" creationId="{29EA9606-EE1C-5DF8-185A-6B4F275E52D1}"/>
+          </ac:spMkLst>
+        </pc:spChg>
+      </pc:sldChg>
+      <pc:sldChg chg="modSp">
+        <pc:chgData name="谷　知紘(s21t317)" userId="a3db8153-261a-4ffb-baa1-abaad328fd73" providerId="ADAL" clId="{6C2B5661-DEFF-4BF7-8687-B5D5C7F51A35}" dt="2024-12-21T03:23:26.256" v="2153"/>
+        <pc:sldMkLst>
+          <pc:docMk/>
+          <pc:sldMk cId="117810025" sldId="260"/>
+        </pc:sldMkLst>
+        <pc:spChg chg="mod">
+          <ac:chgData name="谷　知紘(s21t317)" userId="a3db8153-261a-4ffb-baa1-abaad328fd73" providerId="ADAL" clId="{6C2B5661-DEFF-4BF7-8687-B5D5C7F51A35}" dt="2024-12-21T03:23:26.256" v="2153"/>
+          <ac:spMkLst>
+            <pc:docMk/>
+            <pc:sldMk cId="117810025" sldId="260"/>
+            <ac:spMk id="3" creationId="{F6019562-6F05-8042-FA07-838559933634}"/>
+          </ac:spMkLst>
+        </pc:spChg>
+      </pc:sldChg>
+      <pc:sldChg chg="modSp">
+        <pc:chgData name="谷　知紘(s21t317)" userId="a3db8153-261a-4ffb-baa1-abaad328fd73" providerId="ADAL" clId="{6C2B5661-DEFF-4BF7-8687-B5D5C7F51A35}" dt="2024-12-21T03:23:26.256" v="2153"/>
+        <pc:sldMkLst>
+          <pc:docMk/>
+          <pc:sldMk cId="1122583501" sldId="261"/>
+        </pc:sldMkLst>
+        <pc:spChg chg="mod">
+          <ac:chgData name="谷　知紘(s21t317)" userId="a3db8153-261a-4ffb-baa1-abaad328fd73" providerId="ADAL" clId="{6C2B5661-DEFF-4BF7-8687-B5D5C7F51A35}" dt="2024-12-21T03:23:26.256" v="2153"/>
+          <ac:spMkLst>
+            <pc:docMk/>
+            <pc:sldMk cId="1122583501" sldId="261"/>
+            <ac:spMk id="3" creationId="{5DB6F546-C44C-3925-9118-E370C0377FD9}"/>
+          </ac:spMkLst>
+        </pc:spChg>
+      </pc:sldChg>
+      <pc:sldChg chg="modSp">
+        <pc:chgData name="谷　知紘(s21t317)" userId="a3db8153-261a-4ffb-baa1-abaad328fd73" providerId="ADAL" clId="{6C2B5661-DEFF-4BF7-8687-B5D5C7F51A35}" dt="2024-12-21T03:23:26.256" v="2153"/>
+        <pc:sldMkLst>
+          <pc:docMk/>
+          <pc:sldMk cId="1716504565" sldId="262"/>
+        </pc:sldMkLst>
+        <pc:spChg chg="mod">
+          <ac:chgData name="谷　知紘(s21t317)" userId="a3db8153-261a-4ffb-baa1-abaad328fd73" providerId="ADAL" clId="{6C2B5661-DEFF-4BF7-8687-B5D5C7F51A35}" dt="2024-12-21T03:23:26.256" v="2153"/>
+          <ac:spMkLst>
+            <pc:docMk/>
+            <pc:sldMk cId="1716504565" sldId="262"/>
+            <ac:spMk id="12" creationId="{484CA9CD-FEFA-EC27-142E-106E1996F72E}"/>
+          </ac:spMkLst>
+        </pc:spChg>
+      </pc:sldChg>
+      <pc:sldChg chg="modSp">
+        <pc:chgData name="谷　知紘(s21t317)" userId="a3db8153-261a-4ffb-baa1-abaad328fd73" providerId="ADAL" clId="{6C2B5661-DEFF-4BF7-8687-B5D5C7F51A35}" dt="2024-12-21T03:23:26.256" v="2153"/>
+        <pc:sldMkLst>
+          <pc:docMk/>
+          <pc:sldMk cId="285224269" sldId="264"/>
+        </pc:sldMkLst>
+        <pc:spChg chg="mod">
+          <ac:chgData name="谷　知紘(s21t317)" userId="a3db8153-261a-4ffb-baa1-abaad328fd73" providerId="ADAL" clId="{6C2B5661-DEFF-4BF7-8687-B5D5C7F51A35}" dt="2024-12-21T03:23:26.256" v="2153"/>
+          <ac:spMkLst>
+            <pc:docMk/>
+            <pc:sldMk cId="285224269" sldId="264"/>
+            <ac:spMk id="7" creationId="{6FD563B2-3C9D-BD85-9126-8F9C3D01EB7A}"/>
+          </ac:spMkLst>
+        </pc:spChg>
+      </pc:sldChg>
+      <pc:sldChg chg="modSp">
+        <pc:chgData name="谷　知紘(s21t317)" userId="a3db8153-261a-4ffb-baa1-abaad328fd73" providerId="ADAL" clId="{6C2B5661-DEFF-4BF7-8687-B5D5C7F51A35}" dt="2024-12-21T03:23:26.256" v="2153"/>
+        <pc:sldMkLst>
+          <pc:docMk/>
+          <pc:sldMk cId="395813214" sldId="265"/>
+        </pc:sldMkLst>
+        <pc:spChg chg="mod">
+          <ac:chgData name="谷　知紘(s21t317)" userId="a3db8153-261a-4ffb-baa1-abaad328fd73" providerId="ADAL" clId="{6C2B5661-DEFF-4BF7-8687-B5D5C7F51A35}" dt="2024-12-21T03:23:26.256" v="2153"/>
+          <ac:spMkLst>
+            <pc:docMk/>
+            <pc:sldMk cId="395813214" sldId="265"/>
+            <ac:spMk id="5" creationId="{674157F6-83BD-022F-0955-A1E5168495C0}"/>
+          </ac:spMkLst>
+        </pc:spChg>
+      </pc:sldChg>
+      <pc:sldChg chg="modSp">
+        <pc:chgData name="谷　知紘(s21t317)" userId="a3db8153-261a-4ffb-baa1-abaad328fd73" providerId="ADAL" clId="{6C2B5661-DEFF-4BF7-8687-B5D5C7F51A35}" dt="2024-12-21T03:23:26.256" v="2153"/>
+        <pc:sldMkLst>
+          <pc:docMk/>
+          <pc:sldMk cId="503107946" sldId="266"/>
+        </pc:sldMkLst>
+        <pc:spChg chg="mod">
+          <ac:chgData name="谷　知紘(s21t317)" userId="a3db8153-261a-4ffb-baa1-abaad328fd73" providerId="ADAL" clId="{6C2B5661-DEFF-4BF7-8687-B5D5C7F51A35}" dt="2024-12-21T03:23:26.256" v="2153"/>
+          <ac:spMkLst>
+            <pc:docMk/>
+            <pc:sldMk cId="503107946" sldId="266"/>
+            <ac:spMk id="10" creationId="{69CEEAB9-F91D-12F4-6E99-8977C3EA7757}"/>
+          </ac:spMkLst>
+        </pc:spChg>
+      </pc:sldChg>
+      <pc:sldChg chg="modSp">
+        <pc:chgData name="谷　知紘(s21t317)" userId="a3db8153-261a-4ffb-baa1-abaad328fd73" providerId="ADAL" clId="{6C2B5661-DEFF-4BF7-8687-B5D5C7F51A35}" dt="2024-12-21T03:23:26.256" v="2153"/>
+        <pc:sldMkLst>
+          <pc:docMk/>
+          <pc:sldMk cId="1004728229" sldId="267"/>
+        </pc:sldMkLst>
+        <pc:spChg chg="mod">
+          <ac:chgData name="谷　知紘(s21t317)" userId="a3db8153-261a-4ffb-baa1-abaad328fd73" providerId="ADAL" clId="{6C2B5661-DEFF-4BF7-8687-B5D5C7F51A35}" dt="2024-12-21T03:23:26.256" v="2153"/>
+          <ac:spMkLst>
+            <pc:docMk/>
+            <pc:sldMk cId="1004728229" sldId="267"/>
+            <ac:spMk id="11" creationId="{082B9EDB-8E40-ADA2-A03C-F6CADD68F292}"/>
+          </ac:spMkLst>
+        </pc:spChg>
+      </pc:sldChg>
+      <pc:sldChg chg="modSp">
+        <pc:chgData name="谷　知紘(s21t317)" userId="a3db8153-261a-4ffb-baa1-abaad328fd73" providerId="ADAL" clId="{6C2B5661-DEFF-4BF7-8687-B5D5C7F51A35}" dt="2024-12-21T03:23:26.256" v="2153"/>
+        <pc:sldMkLst>
+          <pc:docMk/>
+          <pc:sldMk cId="453686876" sldId="268"/>
+        </pc:sldMkLst>
+        <pc:spChg chg="mod">
+          <ac:chgData name="谷　知紘(s21t317)" userId="a3db8153-261a-4ffb-baa1-abaad328fd73" providerId="ADAL" clId="{6C2B5661-DEFF-4BF7-8687-B5D5C7F51A35}" dt="2024-12-21T03:23:26.256" v="2153"/>
+          <ac:spMkLst>
+            <pc:docMk/>
+            <pc:sldMk cId="453686876" sldId="268"/>
+            <ac:spMk id="11" creationId="{DED3E92B-71D3-6071-6EC5-2A44353EAB18}"/>
+          </ac:spMkLst>
+        </pc:spChg>
+      </pc:sldChg>
       <pc:sldChg chg="addSp delSp modSp mod">
-        <pc:chgData name="谷　知紘(s21t317)" userId="a3db8153-261a-4ffb-baa1-abaad328fd73" providerId="ADAL" clId="{6C2B5661-DEFF-4BF7-8687-B5D5C7F51A35}" dt="2024-12-21T02:23:30.162" v="1360" actId="1076"/>
+        <pc:chgData name="谷　知紘(s21t317)" userId="a3db8153-261a-4ffb-baa1-abaad328fd73" providerId="ADAL" clId="{6C2B5661-DEFF-4BF7-8687-B5D5C7F51A35}" dt="2024-12-21T03:23:26.256" v="2153"/>
         <pc:sldMkLst>
           <pc:docMk/>
           <pc:sldMk cId="2962790074" sldId="269"/>
@@ -161,7 +341,7 @@
           </ac:spMkLst>
         </pc:spChg>
         <pc:spChg chg="add mod">
-          <ac:chgData name="谷　知紘(s21t317)" userId="a3db8153-261a-4ffb-baa1-abaad328fd73" providerId="ADAL" clId="{6C2B5661-DEFF-4BF7-8687-B5D5C7F51A35}" dt="2024-12-21T02:23:11.251" v="1358" actId="1076"/>
+          <ac:chgData name="谷　知紘(s21t317)" userId="a3db8153-261a-4ffb-baa1-abaad328fd73" providerId="ADAL" clId="{6C2B5661-DEFF-4BF7-8687-B5D5C7F51A35}" dt="2024-12-21T03:06:37.138" v="1549" actId="20577"/>
           <ac:spMkLst>
             <pc:docMk/>
             <pc:sldMk cId="2962790074" sldId="269"/>
@@ -216,9 +396,17 @@
             <ac:spMk id="8" creationId="{D7EFD76B-7061-06EC-4A8A-F584BCC71157}"/>
           </ac:spMkLst>
         </pc:spChg>
+        <pc:spChg chg="mod">
+          <ac:chgData name="谷　知紘(s21t317)" userId="a3db8153-261a-4ffb-baa1-abaad328fd73" providerId="ADAL" clId="{6C2B5661-DEFF-4BF7-8687-B5D5C7F51A35}" dt="2024-12-21T03:23:26.256" v="2153"/>
+          <ac:spMkLst>
+            <pc:docMk/>
+            <pc:sldMk cId="2962790074" sldId="269"/>
+            <ac:spMk id="9" creationId="{85ADA9C4-C3C3-48BF-EA73-63564FD1313D}"/>
+          </ac:spMkLst>
+        </pc:spChg>
       </pc:sldChg>
       <pc:sldChg chg="addSp modSp mod">
-        <pc:chgData name="谷　知紘(s21t317)" userId="a3db8153-261a-4ffb-baa1-abaad328fd73" providerId="ADAL" clId="{6C2B5661-DEFF-4BF7-8687-B5D5C7F51A35}" dt="2024-12-21T02:27:51.544" v="1516" actId="1076"/>
+        <pc:chgData name="谷　知紘(s21t317)" userId="a3db8153-261a-4ffb-baa1-abaad328fd73" providerId="ADAL" clId="{6C2B5661-DEFF-4BF7-8687-B5D5C7F51A35}" dt="2024-12-21T03:23:26.256" v="2153"/>
         <pc:sldMkLst>
           <pc:docMk/>
           <pc:sldMk cId="539303649" sldId="271"/>
@@ -240,7 +428,7 @@
           </ac:spMkLst>
         </pc:spChg>
         <pc:spChg chg="add mod">
-          <ac:chgData name="谷　知紘(s21t317)" userId="a3db8153-261a-4ffb-baa1-abaad328fd73" providerId="ADAL" clId="{6C2B5661-DEFF-4BF7-8687-B5D5C7F51A35}" dt="2024-12-21T02:26:24.646" v="1463" actId="20577"/>
+          <ac:chgData name="谷　知紘(s21t317)" userId="a3db8153-261a-4ffb-baa1-abaad328fd73" providerId="ADAL" clId="{6C2B5661-DEFF-4BF7-8687-B5D5C7F51A35}" dt="2024-12-21T03:06:46.060" v="1551" actId="20577"/>
           <ac:spMkLst>
             <pc:docMk/>
             <pc:sldMk cId="539303649" sldId="271"/>
@@ -261,6 +449,14 @@
             <pc:docMk/>
             <pc:sldMk cId="539303649" sldId="271"/>
             <ac:spMk id="10" creationId="{C4AE3A55-F5BD-2D9E-2A5E-3F87B5E308D3}"/>
+          </ac:spMkLst>
+        </pc:spChg>
+        <pc:spChg chg="mod">
+          <ac:chgData name="谷　知紘(s21t317)" userId="a3db8153-261a-4ffb-baa1-abaad328fd73" providerId="ADAL" clId="{6C2B5661-DEFF-4BF7-8687-B5D5C7F51A35}" dt="2024-12-21T03:23:26.256" v="2153"/>
+          <ac:spMkLst>
+            <pc:docMk/>
+            <pc:sldMk cId="539303649" sldId="271"/>
+            <ac:spMk id="12" creationId="{6C9221CD-B824-2C27-CDC4-58C4F4C8DC06}"/>
           </ac:spMkLst>
         </pc:spChg>
         <pc:graphicFrameChg chg="add mod">
@@ -296,12 +492,20 @@
           </ac:graphicFrameMkLst>
         </pc:graphicFrameChg>
       </pc:sldChg>
-      <pc:sldChg chg="modSp add mod">
-        <pc:chgData name="谷　知紘(s21t317)" userId="a3db8153-261a-4ffb-baa1-abaad328fd73" providerId="ADAL" clId="{6C2B5661-DEFF-4BF7-8687-B5D5C7F51A35}" dt="2024-12-21T02:28:17.025" v="1543" actId="20577"/>
+      <pc:sldChg chg="addSp modSp add mod">
+        <pc:chgData name="谷　知紘(s21t317)" userId="a3db8153-261a-4ffb-baa1-abaad328fd73" providerId="ADAL" clId="{6C2B5661-DEFF-4BF7-8687-B5D5C7F51A35}" dt="2024-12-21T03:23:26.256" v="2153"/>
         <pc:sldMkLst>
           <pc:docMk/>
           <pc:sldMk cId="806214799" sldId="272"/>
         </pc:sldMkLst>
+        <pc:spChg chg="add mod">
+          <ac:chgData name="谷　知紘(s21t317)" userId="a3db8153-261a-4ffb-baa1-abaad328fd73" providerId="ADAL" clId="{6C2B5661-DEFF-4BF7-8687-B5D5C7F51A35}" dt="2024-12-21T03:15:07.388" v="2116" actId="1076"/>
+          <ac:spMkLst>
+            <pc:docMk/>
+            <pc:sldMk cId="806214799" sldId="272"/>
+            <ac:spMk id="2" creationId="{56EFFF68-D76E-E9E8-8246-E686B01257DA}"/>
+          </ac:spMkLst>
+        </pc:spChg>
         <pc:spChg chg="mod">
           <ac:chgData name="谷　知紘(s21t317)" userId="a3db8153-261a-4ffb-baa1-abaad328fd73" providerId="ADAL" clId="{6C2B5661-DEFF-4BF7-8687-B5D5C7F51A35}" dt="2024-12-21T02:28:17.025" v="1543" actId="20577"/>
           <ac:spMkLst>
@@ -310,7 +514,251 @@
             <ac:spMk id="4" creationId="{E613C43D-D380-9FF1-1655-B01BB80E863B}"/>
           </ac:spMkLst>
         </pc:spChg>
+        <pc:spChg chg="mod">
+          <ac:chgData name="谷　知紘(s21t317)" userId="a3db8153-261a-4ffb-baa1-abaad328fd73" providerId="ADAL" clId="{6C2B5661-DEFF-4BF7-8687-B5D5C7F51A35}" dt="2024-12-21T03:23:26.256" v="2153"/>
+          <ac:spMkLst>
+            <pc:docMk/>
+            <pc:sldMk cId="806214799" sldId="272"/>
+            <ac:spMk id="5" creationId="{95652108-8080-9B5D-0A78-9835A502362E}"/>
+          </ac:spMkLst>
+        </pc:spChg>
       </pc:sldChg>
+      <pc:sldMasterChg chg="modSp mod modSldLayout">
+        <pc:chgData name="谷　知紘(s21t317)" userId="a3db8153-261a-4ffb-baa1-abaad328fd73" providerId="ADAL" clId="{6C2B5661-DEFF-4BF7-8687-B5D5C7F51A35}" dt="2024-12-21T03:24:55.218" v="2169" actId="20577"/>
+        <pc:sldMasterMkLst>
+          <pc:docMk/>
+          <pc:sldMasterMk cId="2793132077" sldId="2147483648"/>
+        </pc:sldMasterMkLst>
+        <pc:spChg chg="mod">
+          <ac:chgData name="谷　知紘(s21t317)" userId="a3db8153-261a-4ffb-baa1-abaad328fd73" providerId="ADAL" clId="{6C2B5661-DEFF-4BF7-8687-B5D5C7F51A35}" dt="2024-12-21T03:22:22.646" v="2151" actId="20577"/>
+          <ac:spMkLst>
+            <pc:docMk/>
+            <pc:sldMasterMk cId="2793132077" sldId="2147483648"/>
+            <ac:spMk id="6" creationId="{13FC5EF8-5854-0FDD-01D2-E03BFAA61BAE}"/>
+          </ac:spMkLst>
+        </pc:spChg>
+        <pc:sldLayoutChg chg="addSp delSp modSp mod">
+          <pc:chgData name="谷　知紘(s21t317)" userId="a3db8153-261a-4ffb-baa1-abaad328fd73" providerId="ADAL" clId="{6C2B5661-DEFF-4BF7-8687-B5D5C7F51A35}" dt="2024-12-21T03:24:22.728" v="2163"/>
+          <pc:sldLayoutMkLst>
+            <pc:docMk/>
+            <pc:sldMasterMk cId="2793132077" sldId="2147483648"/>
+            <pc:sldLayoutMk cId="3437041407" sldId="2147483649"/>
+          </pc:sldLayoutMkLst>
+          <pc:spChg chg="del">
+            <ac:chgData name="谷　知紘(s21t317)" userId="a3db8153-261a-4ffb-baa1-abaad328fd73" providerId="ADAL" clId="{6C2B5661-DEFF-4BF7-8687-B5D5C7F51A35}" dt="2024-12-21T03:23:09.077" v="2152"/>
+            <ac:spMkLst>
+              <pc:docMk/>
+              <pc:sldMasterMk cId="2793132077" sldId="2147483648"/>
+              <pc:sldLayoutMk cId="3437041407" sldId="2147483649"/>
+              <ac:spMk id="4" creationId="{9D3EC8E9-DFDD-C1A0-FD06-A97CC3B96156}"/>
+            </ac:spMkLst>
+          </pc:spChg>
+          <pc:spChg chg="del">
+            <ac:chgData name="谷　知紘(s21t317)" userId="a3db8153-261a-4ffb-baa1-abaad328fd73" providerId="ADAL" clId="{6C2B5661-DEFF-4BF7-8687-B5D5C7F51A35}" dt="2024-12-21T03:23:09.077" v="2152"/>
+            <ac:spMkLst>
+              <pc:docMk/>
+              <pc:sldMasterMk cId="2793132077" sldId="2147483648"/>
+              <pc:sldLayoutMk cId="3437041407" sldId="2147483649"/>
+              <ac:spMk id="5" creationId="{FA7581E4-117A-4F07-C8C8-9BD0D9B3CCDF}"/>
+            </ac:spMkLst>
+          </pc:spChg>
+          <pc:spChg chg="add del mod">
+            <ac:chgData name="谷　知紘(s21t317)" userId="a3db8153-261a-4ffb-baa1-abaad328fd73" providerId="ADAL" clId="{6C2B5661-DEFF-4BF7-8687-B5D5C7F51A35}" dt="2024-12-21T03:23:09.077" v="2152"/>
+            <ac:spMkLst>
+              <pc:docMk/>
+              <pc:sldMasterMk cId="2793132077" sldId="2147483648"/>
+              <pc:sldLayoutMk cId="3437041407" sldId="2147483649"/>
+              <ac:spMk id="6" creationId="{BD27C12B-B12E-99F9-261F-05AD70D0C16B}"/>
+            </ac:spMkLst>
+          </pc:spChg>
+          <pc:spChg chg="add mod">
+            <ac:chgData name="谷　知紘(s21t317)" userId="a3db8153-261a-4ffb-baa1-abaad328fd73" providerId="ADAL" clId="{6C2B5661-DEFF-4BF7-8687-B5D5C7F51A35}" dt="2024-12-21T03:19:36.163" v="2139" actId="767"/>
+            <ac:spMkLst>
+              <pc:docMk/>
+              <pc:sldMasterMk cId="2793132077" sldId="2147483648"/>
+              <pc:sldLayoutMk cId="3437041407" sldId="2147483649"/>
+              <ac:spMk id="7" creationId="{D1218F6A-AF36-D1D6-7742-5FE75AB386ED}"/>
+            </ac:spMkLst>
+          </pc:spChg>
+          <pc:spChg chg="add del mod">
+            <ac:chgData name="谷　知紘(s21t317)" userId="a3db8153-261a-4ffb-baa1-abaad328fd73" providerId="ADAL" clId="{6C2B5661-DEFF-4BF7-8687-B5D5C7F51A35}" dt="2024-12-21T03:24:08.068" v="2156"/>
+            <ac:spMkLst>
+              <pc:docMk/>
+              <pc:sldMasterMk cId="2793132077" sldId="2147483648"/>
+              <pc:sldLayoutMk cId="3437041407" sldId="2147483649"/>
+              <ac:spMk id="8" creationId="{38E9BCDF-AEAB-62E5-D8C5-C37019963F8D}"/>
+            </ac:spMkLst>
+          </pc:spChg>
+          <pc:spChg chg="add del mod">
+            <ac:chgData name="谷　知紘(s21t317)" userId="a3db8153-261a-4ffb-baa1-abaad328fd73" providerId="ADAL" clId="{6C2B5661-DEFF-4BF7-8687-B5D5C7F51A35}" dt="2024-12-21T03:24:08.068" v="2156"/>
+            <ac:spMkLst>
+              <pc:docMk/>
+              <pc:sldMasterMk cId="2793132077" sldId="2147483648"/>
+              <pc:sldLayoutMk cId="3437041407" sldId="2147483649"/>
+              <ac:spMk id="9" creationId="{C2FB7D2A-26AA-DBBA-3278-95B54A26FFB5}"/>
+            </ac:spMkLst>
+          </pc:spChg>
+          <pc:spChg chg="add del mod">
+            <ac:chgData name="谷　知紘(s21t317)" userId="a3db8153-261a-4ffb-baa1-abaad328fd73" providerId="ADAL" clId="{6C2B5661-DEFF-4BF7-8687-B5D5C7F51A35}" dt="2024-12-21T03:24:08.068" v="2156"/>
+            <ac:spMkLst>
+              <pc:docMk/>
+              <pc:sldMasterMk cId="2793132077" sldId="2147483648"/>
+              <pc:sldLayoutMk cId="3437041407" sldId="2147483649"/>
+              <ac:spMk id="10" creationId="{5EF55820-F846-9719-B5E4-621D576ABAED}"/>
+            </ac:spMkLst>
+          </pc:spChg>
+          <pc:spChg chg="add del mod">
+            <ac:chgData name="谷　知紘(s21t317)" userId="a3db8153-261a-4ffb-baa1-abaad328fd73" providerId="ADAL" clId="{6C2B5661-DEFF-4BF7-8687-B5D5C7F51A35}" dt="2024-12-21T03:24:22.414" v="2162"/>
+            <ac:spMkLst>
+              <pc:docMk/>
+              <pc:sldMasterMk cId="2793132077" sldId="2147483648"/>
+              <pc:sldLayoutMk cId="3437041407" sldId="2147483649"/>
+              <ac:spMk id="11" creationId="{DD81B4E1-3CF0-4111-FAC4-E13C6B406972}"/>
+            </ac:spMkLst>
+          </pc:spChg>
+          <pc:spChg chg="add del mod">
+            <ac:chgData name="谷　知紘(s21t317)" userId="a3db8153-261a-4ffb-baa1-abaad328fd73" providerId="ADAL" clId="{6C2B5661-DEFF-4BF7-8687-B5D5C7F51A35}" dt="2024-12-21T03:24:22.414" v="2162"/>
+            <ac:spMkLst>
+              <pc:docMk/>
+              <pc:sldMasterMk cId="2793132077" sldId="2147483648"/>
+              <pc:sldLayoutMk cId="3437041407" sldId="2147483649"/>
+              <ac:spMk id="12" creationId="{653B8E0B-8941-DB1C-245B-86D8DB0CDB7E}"/>
+            </ac:spMkLst>
+          </pc:spChg>
+          <pc:spChg chg="add del mod">
+            <ac:chgData name="谷　知紘(s21t317)" userId="a3db8153-261a-4ffb-baa1-abaad328fd73" providerId="ADAL" clId="{6C2B5661-DEFF-4BF7-8687-B5D5C7F51A35}" dt="2024-12-21T03:24:22.414" v="2162"/>
+            <ac:spMkLst>
+              <pc:docMk/>
+              <pc:sldMasterMk cId="2793132077" sldId="2147483648"/>
+              <pc:sldLayoutMk cId="3437041407" sldId="2147483649"/>
+              <ac:spMk id="13" creationId="{0A7A3821-AB1E-C602-1E0E-7E3237D85960}"/>
+            </ac:spMkLst>
+          </pc:spChg>
+          <pc:spChg chg="add mod">
+            <ac:chgData name="谷　知紘(s21t317)" userId="a3db8153-261a-4ffb-baa1-abaad328fd73" providerId="ADAL" clId="{6C2B5661-DEFF-4BF7-8687-B5D5C7F51A35}" dt="2024-12-21T03:24:22.728" v="2163"/>
+            <ac:spMkLst>
+              <pc:docMk/>
+              <pc:sldMasterMk cId="2793132077" sldId="2147483648"/>
+              <pc:sldLayoutMk cId="3437041407" sldId="2147483649"/>
+              <ac:spMk id="14" creationId="{8D3DF3BE-3991-9B45-A296-F51A28168F11}"/>
+            </ac:spMkLst>
+          </pc:spChg>
+          <pc:spChg chg="add mod">
+            <ac:chgData name="谷　知紘(s21t317)" userId="a3db8153-261a-4ffb-baa1-abaad328fd73" providerId="ADAL" clId="{6C2B5661-DEFF-4BF7-8687-B5D5C7F51A35}" dt="2024-12-21T03:24:22.728" v="2163"/>
+            <ac:spMkLst>
+              <pc:docMk/>
+              <pc:sldMasterMk cId="2793132077" sldId="2147483648"/>
+              <pc:sldLayoutMk cId="3437041407" sldId="2147483649"/>
+              <ac:spMk id="15" creationId="{92EEE57B-F9D7-6DE4-E564-D4AF0578E359}"/>
+            </ac:spMkLst>
+          </pc:spChg>
+          <pc:spChg chg="add mod">
+            <ac:chgData name="谷　知紘(s21t317)" userId="a3db8153-261a-4ffb-baa1-abaad328fd73" providerId="ADAL" clId="{6C2B5661-DEFF-4BF7-8687-B5D5C7F51A35}" dt="2024-12-21T03:24:22.728" v="2163"/>
+            <ac:spMkLst>
+              <pc:docMk/>
+              <pc:sldMasterMk cId="2793132077" sldId="2147483648"/>
+              <pc:sldLayoutMk cId="3437041407" sldId="2147483649"/>
+              <ac:spMk id="16" creationId="{9E89CCAF-1790-3DA8-1EF0-07448A27E2FD}"/>
+            </ac:spMkLst>
+          </pc:spChg>
+        </pc:sldLayoutChg>
+        <pc:sldLayoutChg chg="addSp delSp modSp">
+          <pc:chgData name="谷　知紘(s21t317)" userId="a3db8153-261a-4ffb-baa1-abaad328fd73" providerId="ADAL" clId="{6C2B5661-DEFF-4BF7-8687-B5D5C7F51A35}" dt="2024-12-21T03:23:26.796" v="2154"/>
+          <pc:sldLayoutMkLst>
+            <pc:docMk/>
+            <pc:sldMasterMk cId="2793132077" sldId="2147483648"/>
+            <pc:sldLayoutMk cId="2939659974" sldId="2147483650"/>
+          </pc:sldLayoutMkLst>
+          <pc:spChg chg="del">
+            <ac:chgData name="谷　知紘(s21t317)" userId="a3db8153-261a-4ffb-baa1-abaad328fd73" providerId="ADAL" clId="{6C2B5661-DEFF-4BF7-8687-B5D5C7F51A35}" dt="2024-12-21T03:23:26.256" v="2153"/>
+            <ac:spMkLst>
+              <pc:docMk/>
+              <pc:sldMasterMk cId="2793132077" sldId="2147483648"/>
+              <pc:sldLayoutMk cId="2939659974" sldId="2147483650"/>
+              <ac:spMk id="4" creationId="{9B10A6BD-BF9A-022D-3BD7-DB2AE1D9903D}"/>
+            </ac:spMkLst>
+          </pc:spChg>
+          <pc:spChg chg="del">
+            <ac:chgData name="谷　知紘(s21t317)" userId="a3db8153-261a-4ffb-baa1-abaad328fd73" providerId="ADAL" clId="{6C2B5661-DEFF-4BF7-8687-B5D5C7F51A35}" dt="2024-12-21T03:23:26.256" v="2153"/>
+            <ac:spMkLst>
+              <pc:docMk/>
+              <pc:sldMasterMk cId="2793132077" sldId="2147483648"/>
+              <pc:sldLayoutMk cId="2939659974" sldId="2147483650"/>
+              <ac:spMk id="5" creationId="{BE3A10A4-8B81-9658-F58B-4AE7EED2C832}"/>
+            </ac:spMkLst>
+          </pc:spChg>
+          <pc:spChg chg="del">
+            <ac:chgData name="谷　知紘(s21t317)" userId="a3db8153-261a-4ffb-baa1-abaad328fd73" providerId="ADAL" clId="{6C2B5661-DEFF-4BF7-8687-B5D5C7F51A35}" dt="2024-12-21T03:23:26.256" v="2153"/>
+            <ac:spMkLst>
+              <pc:docMk/>
+              <pc:sldMasterMk cId="2793132077" sldId="2147483648"/>
+              <pc:sldLayoutMk cId="2939659974" sldId="2147483650"/>
+              <ac:spMk id="6" creationId="{23D789C8-C056-5131-0E9C-B04D5EE9BA2C}"/>
+            </ac:spMkLst>
+          </pc:spChg>
+          <pc:spChg chg="add mod">
+            <ac:chgData name="谷　知紘(s21t317)" userId="a3db8153-261a-4ffb-baa1-abaad328fd73" providerId="ADAL" clId="{6C2B5661-DEFF-4BF7-8687-B5D5C7F51A35}" dt="2024-12-21T03:23:26.796" v="2154"/>
+            <ac:spMkLst>
+              <pc:docMk/>
+              <pc:sldMasterMk cId="2793132077" sldId="2147483648"/>
+              <pc:sldLayoutMk cId="2939659974" sldId="2147483650"/>
+              <ac:spMk id="7" creationId="{26D90BD1-5BAF-05FC-AA1C-E6AFF91D0EBB}"/>
+            </ac:spMkLst>
+          </pc:spChg>
+          <pc:spChg chg="add mod">
+            <ac:chgData name="谷　知紘(s21t317)" userId="a3db8153-261a-4ffb-baa1-abaad328fd73" providerId="ADAL" clId="{6C2B5661-DEFF-4BF7-8687-B5D5C7F51A35}" dt="2024-12-21T03:23:26.796" v="2154"/>
+            <ac:spMkLst>
+              <pc:docMk/>
+              <pc:sldMasterMk cId="2793132077" sldId="2147483648"/>
+              <pc:sldLayoutMk cId="2939659974" sldId="2147483650"/>
+              <ac:spMk id="8" creationId="{278C307D-B488-760D-A735-35BA0497FD24}"/>
+            </ac:spMkLst>
+          </pc:spChg>
+          <pc:spChg chg="add mod">
+            <ac:chgData name="谷　知紘(s21t317)" userId="a3db8153-261a-4ffb-baa1-abaad328fd73" providerId="ADAL" clId="{6C2B5661-DEFF-4BF7-8687-B5D5C7F51A35}" dt="2024-12-21T03:23:26.796" v="2154"/>
+            <ac:spMkLst>
+              <pc:docMk/>
+              <pc:sldMasterMk cId="2793132077" sldId="2147483648"/>
+              <pc:sldLayoutMk cId="2939659974" sldId="2147483650"/>
+              <ac:spMk id="9" creationId="{6D5A11DF-BF7E-EFEF-E5EF-873C8191E348}"/>
+            </ac:spMkLst>
+          </pc:spChg>
+        </pc:sldLayoutChg>
+        <pc:sldLayoutChg chg="modSp mod">
+          <pc:chgData name="谷　知紘(s21t317)" userId="a3db8153-261a-4ffb-baa1-abaad328fd73" providerId="ADAL" clId="{6C2B5661-DEFF-4BF7-8687-B5D5C7F51A35}" dt="2024-12-21T03:24:39.282" v="2166" actId="20577"/>
+          <pc:sldLayoutMkLst>
+            <pc:docMk/>
+            <pc:sldMasterMk cId="2793132077" sldId="2147483648"/>
+            <pc:sldLayoutMk cId="2021748502" sldId="2147483651"/>
+          </pc:sldLayoutMkLst>
+          <pc:spChg chg="mod">
+            <ac:chgData name="谷　知紘(s21t317)" userId="a3db8153-261a-4ffb-baa1-abaad328fd73" providerId="ADAL" clId="{6C2B5661-DEFF-4BF7-8687-B5D5C7F51A35}" dt="2024-12-21T03:24:39.282" v="2166" actId="20577"/>
+            <ac:spMkLst>
+              <pc:docMk/>
+              <pc:sldMasterMk cId="2793132077" sldId="2147483648"/>
+              <pc:sldLayoutMk cId="2021748502" sldId="2147483651"/>
+              <ac:spMk id="6" creationId="{9390CCA7-112C-6DC5-95CF-743038C0D0CB}"/>
+            </ac:spMkLst>
+          </pc:spChg>
+        </pc:sldLayoutChg>
+        <pc:sldLayoutChg chg="modSp mod">
+          <pc:chgData name="谷　知紘(s21t317)" userId="a3db8153-261a-4ffb-baa1-abaad328fd73" providerId="ADAL" clId="{6C2B5661-DEFF-4BF7-8687-B5D5C7F51A35}" dt="2024-12-21T03:24:55.218" v="2169" actId="20577"/>
+          <pc:sldLayoutMkLst>
+            <pc:docMk/>
+            <pc:sldMasterMk cId="2793132077" sldId="2147483648"/>
+            <pc:sldLayoutMk cId="2074460875" sldId="2147483652"/>
+          </pc:sldLayoutMkLst>
+          <pc:spChg chg="mod">
+            <ac:chgData name="谷　知紘(s21t317)" userId="a3db8153-261a-4ffb-baa1-abaad328fd73" providerId="ADAL" clId="{6C2B5661-DEFF-4BF7-8687-B5D5C7F51A35}" dt="2024-12-21T03:24:55.218" v="2169" actId="20577"/>
+            <ac:spMkLst>
+              <pc:docMk/>
+              <pc:sldMasterMk cId="2793132077" sldId="2147483648"/>
+              <pc:sldLayoutMk cId="2074460875" sldId="2147483652"/>
+              <ac:spMk id="7" creationId="{8A830460-C393-C3EA-770B-3C3006016257}"/>
+            </ac:spMkLst>
+          </pc:spChg>
+        </pc:sldLayoutChg>
+      </pc:sldMasterChg>
     </pc:docChg>
   </pc:docChgLst>
 </pc:chgInfo>
@@ -8146,10 +8594,10 @@
       </p:sp>
       <p:sp>
         <p:nvSpPr>
-          <p:cNvPr id="4" name="日付プレースホルダー 3">
+          <p:cNvPr id="14" name="日付プレースホルダー 13">
             <a:extLst>
               <a:ext uri="{FF2B5EF4-FFF2-40B4-BE49-F238E27FC236}">
-                <a16:creationId xmlns:a16="http://schemas.microsoft.com/office/drawing/2014/main" id="{9D3EC8E9-DFDD-C1A0-FD06-A97CC3B96156}"/>
+                <a16:creationId xmlns:a16="http://schemas.microsoft.com/office/drawing/2014/main" id="{8D3DF3BE-3991-9B45-A296-F51A28168F11}"/>
               </a:ext>
             </a:extLst>
           </p:cNvPr>
@@ -8165,7 +8613,7 @@
           <a:bodyPr/>
           <a:lstStyle/>
           <a:p>
-            <a:fld id="{02782626-011F-44C0-9ACA-60A7883AD368}" type="datetimeFigureOut">
+            <a:fld id="{13459D57-1C01-4D57-8BE1-AB6F3634B93D}" type="datetime1">
               <a:rPr kumimoji="1" lang="ja-JP" altLang="en-US" smtClean="0"/>
               <a:t>2024/12/21</a:t>
             </a:fld>
@@ -8175,10 +8623,10 @@
       </p:sp>
       <p:sp>
         <p:nvSpPr>
-          <p:cNvPr id="5" name="フッター プレースホルダー 4">
+          <p:cNvPr id="15" name="フッター プレースホルダー 14">
             <a:extLst>
               <a:ext uri="{FF2B5EF4-FFF2-40B4-BE49-F238E27FC236}">
-                <a16:creationId xmlns:a16="http://schemas.microsoft.com/office/drawing/2014/main" id="{FA7581E4-117A-4F07-C8C8-9BD0D9B3CCDF}"/>
+                <a16:creationId xmlns:a16="http://schemas.microsoft.com/office/drawing/2014/main" id="{92EEE57B-F9D7-6DE4-E564-D4AF0578E359}"/>
               </a:ext>
             </a:extLst>
           </p:cNvPr>
@@ -8200,10 +8648,10 @@
       </p:sp>
       <p:sp>
         <p:nvSpPr>
-          <p:cNvPr id="6" name="スライド番号プレースホルダー 5">
+          <p:cNvPr id="16" name="スライド番号プレースホルダー 15">
             <a:extLst>
               <a:ext uri="{FF2B5EF4-FFF2-40B4-BE49-F238E27FC236}">
-                <a16:creationId xmlns:a16="http://schemas.microsoft.com/office/drawing/2014/main" id="{BD27C12B-B12E-99F9-261F-05AD70D0C16B}"/>
+                <a16:creationId xmlns:a16="http://schemas.microsoft.com/office/drawing/2014/main" id="{9E89CCAF-1790-3DA8-1EF0-07448A27E2FD}"/>
               </a:ext>
             </a:extLst>
           </p:cNvPr>
@@ -8220,10 +8668,15 @@
           <a:lstStyle/>
           <a:p>
             <a:fld id="{06FA27BD-C472-42E5-B90C-B428CEC397E3}" type="slidenum">
-              <a:rPr kumimoji="1" lang="ja-JP" altLang="en-US" smtClean="0"/>
+              <a:rPr lang="ja-JP" altLang="en-US" smtClean="0"/>
+              <a:pPr/>
               <a:t>‹#›</a:t>
             </a:fld>
-            <a:endParaRPr kumimoji="1" lang="ja-JP" altLang="en-US"/>
+            <a:r>
+              <a:rPr lang="en-US" altLang="ja-JP"/>
+              <a:t>/15</a:t>
+            </a:r>
+            <a:endParaRPr kumimoji="1" lang="ja-JP" altLang="en-US" dirty="0"/>
           </a:p>
         </p:txBody>
       </p:sp>
@@ -8395,7 +8848,7 @@
           <a:bodyPr/>
           <a:lstStyle/>
           <a:p>
-            <a:fld id="{02782626-011F-44C0-9ACA-60A7883AD368}" type="datetimeFigureOut">
+            <a:fld id="{76C22592-8361-44D3-B306-E866C38AE266}" type="datetime1">
               <a:rPr kumimoji="1" lang="ja-JP" altLang="en-US" smtClean="0"/>
               <a:t>2024/12/21</a:t>
             </a:fld>
@@ -8635,7 +9088,7 @@
           <a:bodyPr/>
           <a:lstStyle/>
           <a:p>
-            <a:fld id="{02782626-011F-44C0-9ACA-60A7883AD368}" type="datetimeFigureOut">
+            <a:fld id="{62394864-432F-4A0B-8F3D-B12EC427E677}" type="datetime1">
               <a:rPr kumimoji="1" lang="ja-JP" altLang="en-US" smtClean="0"/>
               <a:t>2024/12/21</a:t>
             </a:fld>
@@ -8846,10 +9299,10 @@
       </p:sp>
       <p:sp>
         <p:nvSpPr>
-          <p:cNvPr id="4" name="日付プレースホルダー 3">
+          <p:cNvPr id="7" name="日付プレースホルダー 6">
             <a:extLst>
               <a:ext uri="{FF2B5EF4-FFF2-40B4-BE49-F238E27FC236}">
-                <a16:creationId xmlns:a16="http://schemas.microsoft.com/office/drawing/2014/main" id="{9B10A6BD-BF9A-022D-3BD7-DB2AE1D9903D}"/>
+                <a16:creationId xmlns:a16="http://schemas.microsoft.com/office/drawing/2014/main" id="{26D90BD1-5BAF-05FC-AA1C-E6AFF91D0EBB}"/>
               </a:ext>
             </a:extLst>
           </p:cNvPr>
@@ -8865,7 +9318,7 @@
           <a:bodyPr/>
           <a:lstStyle/>
           <a:p>
-            <a:fld id="{02782626-011F-44C0-9ACA-60A7883AD368}" type="datetimeFigureOut">
+            <a:fld id="{7F284551-9A50-42B6-A8B0-244F4DA2DD4E}" type="datetime1">
               <a:rPr kumimoji="1" lang="ja-JP" altLang="en-US" smtClean="0"/>
               <a:t>2024/12/21</a:t>
             </a:fld>
@@ -8875,10 +9328,10 @@
       </p:sp>
       <p:sp>
         <p:nvSpPr>
-          <p:cNvPr id="5" name="フッター プレースホルダー 4">
+          <p:cNvPr id="8" name="フッター プレースホルダー 7">
             <a:extLst>
               <a:ext uri="{FF2B5EF4-FFF2-40B4-BE49-F238E27FC236}">
-                <a16:creationId xmlns:a16="http://schemas.microsoft.com/office/drawing/2014/main" id="{BE3A10A4-8B81-9658-F58B-4AE7EED2C832}"/>
+                <a16:creationId xmlns:a16="http://schemas.microsoft.com/office/drawing/2014/main" id="{278C307D-B488-760D-A735-35BA0497FD24}"/>
               </a:ext>
             </a:extLst>
           </p:cNvPr>
@@ -8900,10 +9353,10 @@
       </p:sp>
       <p:sp>
         <p:nvSpPr>
-          <p:cNvPr id="6" name="スライド番号プレースホルダー 5">
+          <p:cNvPr id="9" name="スライド番号プレースホルダー 8">
             <a:extLst>
               <a:ext uri="{FF2B5EF4-FFF2-40B4-BE49-F238E27FC236}">
-                <a16:creationId xmlns:a16="http://schemas.microsoft.com/office/drawing/2014/main" id="{23D789C8-C056-5131-0E9C-B04D5EE9BA2C}"/>
+                <a16:creationId xmlns:a16="http://schemas.microsoft.com/office/drawing/2014/main" id="{6D5A11DF-BF7E-EFEF-E5EF-873C8191E348}"/>
               </a:ext>
             </a:extLst>
           </p:cNvPr>
@@ -8920,10 +9373,15 @@
           <a:lstStyle/>
           <a:p>
             <a:fld id="{06FA27BD-C472-42E5-B90C-B428CEC397E3}" type="slidenum">
-              <a:rPr kumimoji="1" lang="ja-JP" altLang="en-US" smtClean="0"/>
+              <a:rPr lang="ja-JP" altLang="en-US" smtClean="0"/>
+              <a:pPr/>
               <a:t>‹#›</a:t>
             </a:fld>
-            <a:endParaRPr kumimoji="1" lang="ja-JP" altLang="en-US"/>
+            <a:r>
+              <a:rPr lang="en-US" altLang="ja-JP"/>
+              <a:t>/15</a:t>
+            </a:r>
+            <a:endParaRPr kumimoji="1" lang="ja-JP" altLang="en-US" dirty="0"/>
           </a:p>
         </p:txBody>
       </p:sp>
@@ -9140,7 +9598,7 @@
           <a:bodyPr/>
           <a:lstStyle/>
           <a:p>
-            <a:fld id="{02782626-011F-44C0-9ACA-60A7883AD368}" type="datetimeFigureOut">
+            <a:fld id="{C33CB530-880F-4F36-AE50-AC332B0AC42A}" type="datetime1">
               <a:rPr kumimoji="1" lang="ja-JP" altLang="en-US" smtClean="0"/>
               <a:t>2024/12/21</a:t>
             </a:fld>
@@ -9195,10 +9653,15 @@
           <a:lstStyle/>
           <a:p>
             <a:fld id="{06FA27BD-C472-42E5-B90C-B428CEC397E3}" type="slidenum">
-              <a:rPr kumimoji="1" lang="ja-JP" altLang="en-US" smtClean="0"/>
+              <a:rPr lang="ja-JP" altLang="en-US" smtClean="0"/>
+              <a:pPr/>
               <a:t>‹#›</a:t>
             </a:fld>
-            <a:endParaRPr kumimoji="1" lang="ja-JP" altLang="en-US"/>
+            <a:r>
+              <a:rPr lang="en-US" altLang="ja-JP" dirty="0"/>
+              <a:t>/15</a:t>
+            </a:r>
+            <a:endParaRPr kumimoji="1" lang="ja-JP" altLang="en-US" dirty="0"/>
           </a:p>
         </p:txBody>
       </p:sp>
@@ -9469,7 +9932,7 @@
           <a:bodyPr/>
           <a:lstStyle/>
           <a:p>
-            <a:fld id="{02782626-011F-44C0-9ACA-60A7883AD368}" type="datetimeFigureOut">
+            <a:fld id="{4C0DA9C0-9BC2-44FE-864C-5FC475EE857D}" type="datetime1">
               <a:rPr kumimoji="1" lang="ja-JP" altLang="en-US" smtClean="0"/>
               <a:t>2024/12/21</a:t>
             </a:fld>
@@ -9524,10 +9987,15 @@
           <a:lstStyle/>
           <a:p>
             <a:fld id="{06FA27BD-C472-42E5-B90C-B428CEC397E3}" type="slidenum">
-              <a:rPr kumimoji="1" lang="ja-JP" altLang="en-US" smtClean="0"/>
+              <a:rPr lang="ja-JP" altLang="en-US" smtClean="0"/>
+              <a:pPr/>
               <a:t>‹#›</a:t>
             </a:fld>
-            <a:endParaRPr kumimoji="1" lang="ja-JP" altLang="en-US"/>
+            <a:r>
+              <a:rPr lang="en-US" altLang="ja-JP" dirty="0"/>
+              <a:t>/15</a:t>
+            </a:r>
+            <a:endParaRPr kumimoji="1" lang="ja-JP" altLang="en-US" dirty="0"/>
           </a:p>
         </p:txBody>
       </p:sp>
@@ -9945,7 +10413,7 @@
           <a:bodyPr/>
           <a:lstStyle/>
           <a:p>
-            <a:fld id="{02782626-011F-44C0-9ACA-60A7883AD368}" type="datetimeFigureOut">
+            <a:fld id="{2188C92A-6329-496A-B5BC-AC20F63287B6}" type="datetime1">
               <a:rPr kumimoji="1" lang="ja-JP" altLang="en-US" smtClean="0"/>
               <a:t>2024/12/21</a:t>
             </a:fld>
@@ -10086,7 +10554,7 @@
           <a:bodyPr/>
           <a:lstStyle/>
           <a:p>
-            <a:fld id="{02782626-011F-44C0-9ACA-60A7883AD368}" type="datetimeFigureOut">
+            <a:fld id="{0E67FE41-E762-41F8-A231-424A05D0B572}" type="datetime1">
               <a:rPr kumimoji="1" lang="ja-JP" altLang="en-US" smtClean="0"/>
               <a:t>2024/12/21</a:t>
             </a:fld>
@@ -10199,7 +10667,7 @@
           <a:bodyPr/>
           <a:lstStyle/>
           <a:p>
-            <a:fld id="{02782626-011F-44C0-9ACA-60A7883AD368}" type="datetimeFigureOut">
+            <a:fld id="{0AF936C0-678F-4927-BB2A-888945FCBE7A}" type="datetime1">
               <a:rPr kumimoji="1" lang="ja-JP" altLang="en-US" smtClean="0"/>
               <a:t>2024/12/21</a:t>
             </a:fld>
@@ -10542,7 +11010,7 @@
           <a:bodyPr/>
           <a:lstStyle/>
           <a:p>
-            <a:fld id="{02782626-011F-44C0-9ACA-60A7883AD368}" type="datetimeFigureOut">
+            <a:fld id="{7057BAB5-6ACA-4C25-9F32-0EF818E007CA}" type="datetime1">
               <a:rPr kumimoji="1" lang="ja-JP" altLang="en-US" smtClean="0"/>
               <a:t>2024/12/21</a:t>
             </a:fld>
@@ -10830,7 +11298,7 @@
           <a:bodyPr/>
           <a:lstStyle/>
           <a:p>
-            <a:fld id="{02782626-011F-44C0-9ACA-60A7883AD368}" type="datetimeFigureOut">
+            <a:fld id="{9EF797EA-0282-4ABA-B74C-D22BE3E3EF75}" type="datetime1">
               <a:rPr kumimoji="1" lang="ja-JP" altLang="en-US" smtClean="0"/>
               <a:t>2024/12/21</a:t>
             </a:fld>
@@ -11103,7 +11571,7 @@
             </a:lvl1pPr>
           </a:lstStyle>
           <a:p>
-            <a:fld id="{02782626-011F-44C0-9ACA-60A7883AD368}" type="datetimeFigureOut">
+            <a:fld id="{0CB32B60-AA81-44CB-9E41-159B97F85660}" type="datetime1">
               <a:rPr kumimoji="1" lang="ja-JP" altLang="en-US" smtClean="0"/>
               <a:t>2024/12/21</a:t>
             </a:fld>
@@ -11194,10 +11662,15 @@
           </a:lstStyle>
           <a:p>
             <a:fld id="{06FA27BD-C472-42E5-B90C-B428CEC397E3}" type="slidenum">
-              <a:rPr kumimoji="1" lang="ja-JP" altLang="en-US" smtClean="0"/>
+              <a:rPr lang="ja-JP" altLang="en-US" smtClean="0"/>
+              <a:pPr/>
               <a:t>‹#›</a:t>
             </a:fld>
-            <a:endParaRPr kumimoji="1" lang="ja-JP" altLang="en-US"/>
+            <a:r>
+              <a:rPr lang="en-US" altLang="ja-JP" dirty="0"/>
+              <a:t>/15</a:t>
+            </a:r>
+            <a:endParaRPr kumimoji="1" lang="ja-JP" altLang="en-US" dirty="0"/>
           </a:p>
         </p:txBody>
       </p:sp>
@@ -11222,6 +11695,7 @@
     <p:sldLayoutId id="2147483658" r:id="rId10"/>
     <p:sldLayoutId id="2147483659" r:id="rId11"/>
   </p:sldLayoutIdLst>
+  <p:hf hdr="0" ftr="0" dt="0"/>
   <p:txStyles>
     <p:titleStyle>
       <a:lvl1pPr algn="l" defTabSz="914400" rtl="0" eaLnBrk="1" latinLnBrk="0" hangingPunct="1">
@@ -11685,6 +12159,40 @@
           </a:p>
         </p:txBody>
       </p:sp>
+      <p:sp>
+        <p:nvSpPr>
+          <p:cNvPr id="6" name="スライド番号プレースホルダー 5">
+            <a:extLst>
+              <a:ext uri="{FF2B5EF4-FFF2-40B4-BE49-F238E27FC236}">
+                <a16:creationId xmlns:a16="http://schemas.microsoft.com/office/drawing/2014/main" id="{DBFC1380-4C29-6BE5-3FEC-2FA084898DF0}"/>
+              </a:ext>
+            </a:extLst>
+          </p:cNvPr>
+          <p:cNvSpPr>
+            <a:spLocks noGrp="1"/>
+          </p:cNvSpPr>
+          <p:nvPr>
+            <p:ph type="sldNum" sz="quarter" idx="12"/>
+          </p:nvPr>
+        </p:nvSpPr>
+        <p:spPr/>
+        <p:txBody>
+          <a:bodyPr/>
+          <a:lstStyle/>
+          <a:p>
+            <a:fld id="{06FA27BD-C472-42E5-B90C-B428CEC397E3}" type="slidenum">
+              <a:rPr lang="ja-JP" altLang="en-US" smtClean="0"/>
+              <a:pPr/>
+              <a:t>1</a:t>
+            </a:fld>
+            <a:r>
+              <a:rPr lang="en-US" altLang="ja-JP"/>
+              <a:t>/15</a:t>
+            </a:r>
+            <a:endParaRPr kumimoji="1" lang="ja-JP" altLang="en-US" dirty="0"/>
+          </a:p>
+        </p:txBody>
+      </p:sp>
     </p:spTree>
     <p:extLst>
       <p:ext uri="{BB962C8B-B14F-4D97-AF65-F5344CB8AC3E}">
@@ -12803,6 +13311,40 @@
               <a:latin typeface="BIZ UDPゴシック" panose="020B0400000000000000" pitchFamily="50" charset="-128"/>
               <a:ea typeface="BIZ UDPゴシック" panose="020B0400000000000000" pitchFamily="50" charset="-128"/>
             </a:endParaRPr>
+          </a:p>
+        </p:txBody>
+      </p:sp>
+      <p:sp>
+        <p:nvSpPr>
+          <p:cNvPr id="11" name="スライド番号プレースホルダー 10">
+            <a:extLst>
+              <a:ext uri="{FF2B5EF4-FFF2-40B4-BE49-F238E27FC236}">
+                <a16:creationId xmlns:a16="http://schemas.microsoft.com/office/drawing/2014/main" id="{A9A26E7B-637D-9EC9-9C0E-AE9A72D81932}"/>
+              </a:ext>
+            </a:extLst>
+          </p:cNvPr>
+          <p:cNvSpPr>
+            <a:spLocks noGrp="1"/>
+          </p:cNvSpPr>
+          <p:nvPr>
+            <p:ph type="sldNum" sz="quarter" idx="12"/>
+          </p:nvPr>
+        </p:nvSpPr>
+        <p:spPr/>
+        <p:txBody>
+          <a:bodyPr/>
+          <a:lstStyle/>
+          <a:p>
+            <a:fld id="{06FA27BD-C472-42E5-B90C-B428CEC397E3}" type="slidenum">
+              <a:rPr lang="ja-JP" altLang="en-US" smtClean="0"/>
+              <a:pPr/>
+              <a:t>10</a:t>
+            </a:fld>
+            <a:r>
+              <a:rPr lang="en-US" altLang="ja-JP"/>
+              <a:t>/15</a:t>
+            </a:r>
+            <a:endParaRPr kumimoji="1" lang="ja-JP" altLang="en-US" dirty="0"/>
           </a:p>
         </p:txBody>
       </p:sp>
@@ -13352,6 +13894,40 @@
           </a:p>
         </p:txBody>
       </p:sp>
+      <p:sp>
+        <p:nvSpPr>
+          <p:cNvPr id="12" name="スライド番号プレースホルダー 11">
+            <a:extLst>
+              <a:ext uri="{FF2B5EF4-FFF2-40B4-BE49-F238E27FC236}">
+                <a16:creationId xmlns:a16="http://schemas.microsoft.com/office/drawing/2014/main" id="{9F4BF8BE-BB1B-100C-92BC-98D1D0422095}"/>
+              </a:ext>
+            </a:extLst>
+          </p:cNvPr>
+          <p:cNvSpPr>
+            <a:spLocks noGrp="1"/>
+          </p:cNvSpPr>
+          <p:nvPr>
+            <p:ph type="sldNum" sz="quarter" idx="12"/>
+          </p:nvPr>
+        </p:nvSpPr>
+        <p:spPr/>
+        <p:txBody>
+          <a:bodyPr/>
+          <a:lstStyle/>
+          <a:p>
+            <a:fld id="{06FA27BD-C472-42E5-B90C-B428CEC397E3}" type="slidenum">
+              <a:rPr lang="ja-JP" altLang="en-US" smtClean="0"/>
+              <a:pPr/>
+              <a:t>11</a:t>
+            </a:fld>
+            <a:r>
+              <a:rPr lang="en-US" altLang="ja-JP"/>
+              <a:t>/15</a:t>
+            </a:r>
+            <a:endParaRPr kumimoji="1" lang="ja-JP" altLang="en-US" dirty="0"/>
+          </a:p>
+        </p:txBody>
+      </p:sp>
     </p:spTree>
     <p:extLst>
       <p:ext uri="{BB962C8B-B14F-4D97-AF65-F5344CB8AC3E}">
@@ -14419,6 +14995,40 @@
               <a:latin typeface="BIZ UDPゴシック" panose="020B0400000000000000" pitchFamily="50" charset="-128"/>
               <a:ea typeface="BIZ UDPゴシック" panose="020B0400000000000000" pitchFamily="50" charset="-128"/>
             </a:endParaRPr>
+          </a:p>
+        </p:txBody>
+      </p:sp>
+      <p:sp>
+        <p:nvSpPr>
+          <p:cNvPr id="15" name="スライド番号プレースホルダー 14">
+            <a:extLst>
+              <a:ext uri="{FF2B5EF4-FFF2-40B4-BE49-F238E27FC236}">
+                <a16:creationId xmlns:a16="http://schemas.microsoft.com/office/drawing/2014/main" id="{E411380B-F1AD-06DD-3EED-8A9C9E036F96}"/>
+              </a:ext>
+            </a:extLst>
+          </p:cNvPr>
+          <p:cNvSpPr>
+            <a:spLocks noGrp="1"/>
+          </p:cNvSpPr>
+          <p:nvPr>
+            <p:ph type="sldNum" sz="quarter" idx="12"/>
+          </p:nvPr>
+        </p:nvSpPr>
+        <p:spPr/>
+        <p:txBody>
+          <a:bodyPr/>
+          <a:lstStyle/>
+          <a:p>
+            <a:fld id="{06FA27BD-C472-42E5-B90C-B428CEC397E3}" type="slidenum">
+              <a:rPr lang="ja-JP" altLang="en-US" smtClean="0"/>
+              <a:pPr/>
+              <a:t>12</a:t>
+            </a:fld>
+            <a:r>
+              <a:rPr lang="en-US" altLang="ja-JP"/>
+              <a:t>/15</a:t>
+            </a:r>
+            <a:endParaRPr kumimoji="1" lang="ja-JP" altLang="en-US" dirty="0"/>
           </a:p>
         </p:txBody>
       </p:sp>
@@ -15455,23 +16065,6 @@
               </a:rPr>
               <a:t>unigram</a:t>
             </a:r>
-            <a:r>
-              <a:rPr lang="ja-JP" altLang="en-US" sz="2000" dirty="0">
-                <a:solidFill>
-                  <a:schemeClr val="tx1"/>
-                </a:solidFill>
-                <a:latin typeface="BIZ UDPゴシック" panose="020B0400000000000000" pitchFamily="50" charset="-128"/>
-                <a:ea typeface="BIZ UDPゴシック" panose="020B0400000000000000" pitchFamily="50" charset="-128"/>
-              </a:rPr>
-              <a:t>で測定</a:t>
-            </a:r>
-            <a:endParaRPr lang="en-US" altLang="ja-JP" sz="2000" dirty="0">
-              <a:solidFill>
-                <a:schemeClr val="tx1"/>
-              </a:solidFill>
-              <a:latin typeface="BIZ UDPゴシック" panose="020B0400000000000000" pitchFamily="50" charset="-128"/>
-              <a:ea typeface="BIZ UDPゴシック" panose="020B0400000000000000" pitchFamily="50" charset="-128"/>
-            </a:endParaRPr>
           </a:p>
           <a:p>
             <a:pPr>
@@ -15731,23 +16324,6 @@
               </a:rPr>
               <a:t>bigram</a:t>
             </a:r>
-            <a:r>
-              <a:rPr lang="ja-JP" altLang="en-US" sz="2000" dirty="0">
-                <a:solidFill>
-                  <a:schemeClr val="tx1"/>
-                </a:solidFill>
-                <a:latin typeface="BIZ UDPゴシック" panose="020B0400000000000000" pitchFamily="50" charset="-128"/>
-                <a:ea typeface="BIZ UDPゴシック" panose="020B0400000000000000" pitchFamily="50" charset="-128"/>
-              </a:rPr>
-              <a:t>で測定</a:t>
-            </a:r>
-            <a:endParaRPr lang="en-US" altLang="ja-JP" sz="2000" dirty="0">
-              <a:solidFill>
-                <a:schemeClr val="tx1"/>
-              </a:solidFill>
-              <a:latin typeface="BIZ UDPゴシック" panose="020B0400000000000000" pitchFamily="50" charset="-128"/>
-              <a:ea typeface="BIZ UDPゴシック" panose="020B0400000000000000" pitchFamily="50" charset="-128"/>
-            </a:endParaRPr>
           </a:p>
           <a:p>
             <a:pPr marL="342900" indent="-342900">
@@ -15840,6 +16416,40 @@
               <a:t>早口言葉の特徴に対する着目点</a:t>
             </a:r>
             <a:endParaRPr kumimoji="1" lang="ja-JP" altLang="en-US" sz="2400" b="1" dirty="0"/>
+          </a:p>
+        </p:txBody>
+      </p:sp>
+      <p:sp>
+        <p:nvSpPr>
+          <p:cNvPr id="10" name="スライド番号プレースホルダー 9">
+            <a:extLst>
+              <a:ext uri="{FF2B5EF4-FFF2-40B4-BE49-F238E27FC236}">
+                <a16:creationId xmlns:a16="http://schemas.microsoft.com/office/drawing/2014/main" id="{620828DA-C0C4-0563-2FB0-C9748180CB74}"/>
+              </a:ext>
+            </a:extLst>
+          </p:cNvPr>
+          <p:cNvSpPr>
+            <a:spLocks noGrp="1"/>
+          </p:cNvSpPr>
+          <p:nvPr>
+            <p:ph type="sldNum" sz="quarter" idx="12"/>
+          </p:nvPr>
+        </p:nvSpPr>
+        <p:spPr/>
+        <p:txBody>
+          <a:bodyPr/>
+          <a:lstStyle/>
+          <a:p>
+            <a:fld id="{06FA27BD-C472-42E5-B90C-B428CEC397E3}" type="slidenum">
+              <a:rPr lang="ja-JP" altLang="en-US" smtClean="0"/>
+              <a:pPr/>
+              <a:t>13</a:t>
+            </a:fld>
+            <a:r>
+              <a:rPr lang="en-US" altLang="ja-JP"/>
+              <a:t>/15</a:t>
+            </a:r>
+            <a:endParaRPr kumimoji="1" lang="ja-JP" altLang="en-US" dirty="0"/>
           </a:p>
         </p:txBody>
       </p:sp>
@@ -16274,11 +16884,18 @@
               </a:lnSpc>
             </a:pPr>
             <a:r>
+              <a:rPr lang="en-US" altLang="ja-JP" dirty="0" err="1">
+                <a:latin typeface="BIZ UDPゴシック" panose="020B0400000000000000" pitchFamily="50" charset="-128"/>
+                <a:ea typeface="BIZ UDPゴシック" panose="020B0400000000000000" pitchFamily="50" charset="-128"/>
+              </a:rPr>
+              <a:t>i</a:t>
+            </a:r>
+            <a:r>
               <a:rPr kumimoji="1" lang="en-US" altLang="ja-JP" dirty="0" err="1">
                 <a:latin typeface="BIZ UDPゴシック" panose="020B0400000000000000" pitchFamily="50" charset="-128"/>
                 <a:ea typeface="BIZ UDPゴシック" panose="020B0400000000000000" pitchFamily="50" charset="-128"/>
               </a:rPr>
-              <a:t>Ipadic</a:t>
+              <a:t>padic</a:t>
             </a:r>
             <a:r>
               <a:rPr kumimoji="1" lang="ja-JP" altLang="en-US" dirty="0">
@@ -16502,6 +17119,40 @@
               <a:latin typeface="BIZ UDPゴシック" panose="020B0400000000000000" pitchFamily="50" charset="-128"/>
               <a:ea typeface="BIZ UDPゴシック" panose="020B0400000000000000" pitchFamily="50" charset="-128"/>
             </a:endParaRPr>
+          </a:p>
+        </p:txBody>
+      </p:sp>
+      <p:sp>
+        <p:nvSpPr>
+          <p:cNvPr id="13" name="スライド番号プレースホルダー 12">
+            <a:extLst>
+              <a:ext uri="{FF2B5EF4-FFF2-40B4-BE49-F238E27FC236}">
+                <a16:creationId xmlns:a16="http://schemas.microsoft.com/office/drawing/2014/main" id="{6DCD82C1-67C3-49EE-4FF0-695F57512B16}"/>
+              </a:ext>
+            </a:extLst>
+          </p:cNvPr>
+          <p:cNvSpPr>
+            <a:spLocks noGrp="1"/>
+          </p:cNvSpPr>
+          <p:nvPr>
+            <p:ph type="sldNum" sz="quarter" idx="12"/>
+          </p:nvPr>
+        </p:nvSpPr>
+        <p:spPr/>
+        <p:txBody>
+          <a:bodyPr/>
+          <a:lstStyle/>
+          <a:p>
+            <a:fld id="{06FA27BD-C472-42E5-B90C-B428CEC397E3}" type="slidenum">
+              <a:rPr lang="ja-JP" altLang="en-US" smtClean="0"/>
+              <a:pPr/>
+              <a:t>14</a:t>
+            </a:fld>
+            <a:r>
+              <a:rPr lang="en-US" altLang="ja-JP"/>
+              <a:t>/15</a:t>
+            </a:r>
+            <a:endParaRPr kumimoji="1" lang="ja-JP" altLang="en-US" dirty="0"/>
           </a:p>
         </p:txBody>
       </p:sp>
@@ -16598,6 +17249,296 @@
               </a:rPr>
               <a:t>今後の予定</a:t>
             </a:r>
+          </a:p>
+        </p:txBody>
+      </p:sp>
+      <p:sp>
+        <p:nvSpPr>
+          <p:cNvPr id="2" name="テキスト ボックス 1">
+            <a:extLst>
+              <a:ext uri="{FF2B5EF4-FFF2-40B4-BE49-F238E27FC236}">
+                <a16:creationId xmlns:a16="http://schemas.microsoft.com/office/drawing/2014/main" id="{56EFFF68-D76E-E9E8-8246-E686B01257DA}"/>
+              </a:ext>
+            </a:extLst>
+          </p:cNvPr>
+          <p:cNvSpPr txBox="1"/>
+          <p:nvPr/>
+        </p:nvSpPr>
+        <p:spPr>
+          <a:xfrm>
+            <a:off x="546100" y="1701800"/>
+            <a:ext cx="11220450" cy="3768724"/>
+          </a:xfrm>
+          <a:prstGeom prst="rect">
+            <a:avLst/>
+          </a:prstGeom>
+          <a:noFill/>
+        </p:spPr>
+        <p:txBody>
+          <a:bodyPr wrap="square" rtlCol="0">
+            <a:spAutoFit/>
+          </a:bodyPr>
+          <a:lstStyle/>
+          <a:p>
+            <a:pPr marL="285750" indent="-285750">
+              <a:lnSpc>
+                <a:spcPct val="110000"/>
+              </a:lnSpc>
+              <a:buFontTx/>
+              <a:buChar char="-"/>
+            </a:pPr>
+            <a:r>
+              <a:rPr kumimoji="1" lang="ja-JP" altLang="en-US" sz="2000" dirty="0">
+                <a:latin typeface="BIZ UDPゴシック" panose="020B0400000000000000" pitchFamily="50" charset="-128"/>
+                <a:ea typeface="BIZ UDPゴシック" panose="020B0400000000000000" pitchFamily="50" charset="-128"/>
+              </a:rPr>
+              <a:t>ローマ字変換 </a:t>
+            </a:r>
+            <a:r>
+              <a:rPr kumimoji="1" lang="en-US" altLang="ja-JP" sz="2000" dirty="0">
+                <a:latin typeface="BIZ UDPゴシック" panose="020B0400000000000000" pitchFamily="50" charset="-128"/>
+                <a:ea typeface="BIZ UDPゴシック" panose="020B0400000000000000" pitchFamily="50" charset="-128"/>
+              </a:rPr>
+              <a:t>x </a:t>
+            </a:r>
+            <a:r>
+              <a:rPr kumimoji="1" lang="ja-JP" altLang="en-US" sz="2000" dirty="0">
+                <a:latin typeface="BIZ UDPゴシック" panose="020B0400000000000000" pitchFamily="50" charset="-128"/>
+                <a:ea typeface="BIZ UDPゴシック" panose="020B0400000000000000" pitchFamily="50" charset="-128"/>
+              </a:rPr>
+              <a:t>ランダムフォレスト（文字ベースの</a:t>
+            </a:r>
+            <a:r>
+              <a:rPr kumimoji="1" lang="en-US" altLang="ja-JP" sz="2000" dirty="0">
+                <a:latin typeface="BIZ UDPゴシック" panose="020B0400000000000000" pitchFamily="50" charset="-128"/>
+                <a:ea typeface="BIZ UDPゴシック" panose="020B0400000000000000" pitchFamily="50" charset="-128"/>
+              </a:rPr>
+              <a:t>unigram</a:t>
+            </a:r>
+            <a:r>
+              <a:rPr kumimoji="1" lang="ja-JP" altLang="en-US" sz="2000" dirty="0">
+                <a:latin typeface="BIZ UDPゴシック" panose="020B0400000000000000" pitchFamily="50" charset="-128"/>
+                <a:ea typeface="BIZ UDPゴシック" panose="020B0400000000000000" pitchFamily="50" charset="-128"/>
+              </a:rPr>
+              <a:t>）の手法に対して，</a:t>
+            </a:r>
+            <a:br>
+              <a:rPr kumimoji="1" lang="en-US" altLang="ja-JP" sz="2000" dirty="0">
+                <a:latin typeface="BIZ UDPゴシック" panose="020B0400000000000000" pitchFamily="50" charset="-128"/>
+                <a:ea typeface="BIZ UDPゴシック" panose="020B0400000000000000" pitchFamily="50" charset="-128"/>
+              </a:rPr>
+            </a:br>
+            <a:r>
+              <a:rPr kumimoji="1" lang="en-US" altLang="ja-JP" sz="2000" dirty="0">
+                <a:latin typeface="BIZ UDPゴシック" panose="020B0400000000000000" pitchFamily="50" charset="-128"/>
+                <a:ea typeface="BIZ UDPゴシック" panose="020B0400000000000000" pitchFamily="50" charset="-128"/>
+              </a:rPr>
+              <a:t>- </a:t>
+            </a:r>
+            <a:r>
+              <a:rPr kumimoji="1" lang="en-US" altLang="ja-JP" sz="2000" dirty="0" err="1">
+                <a:latin typeface="BIZ UDPゴシック" panose="020B0400000000000000" pitchFamily="50" charset="-128"/>
+                <a:ea typeface="BIZ UDPゴシック" panose="020B0400000000000000" pitchFamily="50" charset="-128"/>
+              </a:rPr>
+              <a:t>uni</a:t>
+            </a:r>
+            <a:r>
+              <a:rPr kumimoji="1" lang="en-US" altLang="ja-JP" sz="2000" dirty="0">
+                <a:latin typeface="BIZ UDPゴシック" panose="020B0400000000000000" pitchFamily="50" charset="-128"/>
+                <a:ea typeface="BIZ UDPゴシック" panose="020B0400000000000000" pitchFamily="50" charset="-128"/>
+              </a:rPr>
+              <a:t>-gram</a:t>
+            </a:r>
+            <a:br>
+              <a:rPr lang="en-US" altLang="ja-JP" sz="2000" dirty="0">
+                <a:latin typeface="BIZ UDPゴシック" panose="020B0400000000000000" pitchFamily="50" charset="-128"/>
+                <a:ea typeface="BIZ UDPゴシック" panose="020B0400000000000000" pitchFamily="50" charset="-128"/>
+              </a:rPr>
+            </a:br>
+            <a:r>
+              <a:rPr lang="en-US" altLang="ja-JP" sz="2000" dirty="0">
+                <a:latin typeface="BIZ UDPゴシック" panose="020B0400000000000000" pitchFamily="50" charset="-128"/>
+                <a:ea typeface="BIZ UDPゴシック" panose="020B0400000000000000" pitchFamily="50" charset="-128"/>
+              </a:rPr>
+              <a:t>- bi-gram</a:t>
+            </a:r>
+            <a:br>
+              <a:rPr lang="en-US" altLang="ja-JP" sz="2000" dirty="0">
+                <a:latin typeface="BIZ UDPゴシック" panose="020B0400000000000000" pitchFamily="50" charset="-128"/>
+                <a:ea typeface="BIZ UDPゴシック" panose="020B0400000000000000" pitchFamily="50" charset="-128"/>
+              </a:rPr>
+            </a:br>
+            <a:r>
+              <a:rPr lang="en-US" altLang="ja-JP" sz="2000" dirty="0">
+                <a:latin typeface="BIZ UDPゴシック" panose="020B0400000000000000" pitchFamily="50" charset="-128"/>
+                <a:ea typeface="BIZ UDPゴシック" panose="020B0400000000000000" pitchFamily="50" charset="-128"/>
+              </a:rPr>
+              <a:t>- tri-gram</a:t>
+            </a:r>
+            <a:br>
+              <a:rPr lang="en-US" altLang="ja-JP" sz="2000" dirty="0">
+                <a:latin typeface="BIZ UDPゴシック" panose="020B0400000000000000" pitchFamily="50" charset="-128"/>
+                <a:ea typeface="BIZ UDPゴシック" panose="020B0400000000000000" pitchFamily="50" charset="-128"/>
+              </a:rPr>
+            </a:br>
+            <a:r>
+              <a:rPr lang="ja-JP" altLang="en-US" sz="2000" dirty="0">
+                <a:latin typeface="BIZ UDPゴシック" panose="020B0400000000000000" pitchFamily="50" charset="-128"/>
+                <a:ea typeface="BIZ UDPゴシック" panose="020B0400000000000000" pitchFamily="50" charset="-128"/>
+              </a:rPr>
+              <a:t>の</a:t>
+            </a:r>
+            <a:r>
+              <a:rPr lang="en-US" altLang="ja-JP" sz="2000" dirty="0">
+                <a:latin typeface="BIZ UDPゴシック" panose="020B0400000000000000" pitchFamily="50" charset="-128"/>
+                <a:ea typeface="BIZ UDPゴシック" panose="020B0400000000000000" pitchFamily="50" charset="-128"/>
+              </a:rPr>
+              <a:t>3</a:t>
+            </a:r>
+            <a:r>
+              <a:rPr lang="ja-JP" altLang="en-US" sz="2000" dirty="0">
+                <a:latin typeface="BIZ UDPゴシック" panose="020B0400000000000000" pitchFamily="50" charset="-128"/>
+                <a:ea typeface="BIZ UDPゴシック" panose="020B0400000000000000" pitchFamily="50" charset="-128"/>
+              </a:rPr>
+              <a:t>つに性能差があるかの検証．</a:t>
+            </a:r>
+            <a:endParaRPr lang="en-US" altLang="ja-JP" sz="2000" dirty="0">
+              <a:latin typeface="BIZ UDPゴシック" panose="020B0400000000000000" pitchFamily="50" charset="-128"/>
+              <a:ea typeface="BIZ UDPゴシック" panose="020B0400000000000000" pitchFamily="50" charset="-128"/>
+            </a:endParaRPr>
+          </a:p>
+          <a:p>
+            <a:pPr marL="285750" indent="-285750">
+              <a:lnSpc>
+                <a:spcPct val="110000"/>
+              </a:lnSpc>
+              <a:buFontTx/>
+              <a:buChar char="-"/>
+            </a:pPr>
+            <a:endParaRPr kumimoji="1" lang="en-US" altLang="ja-JP" sz="2000" dirty="0">
+              <a:latin typeface="BIZ UDPゴシック" panose="020B0400000000000000" pitchFamily="50" charset="-128"/>
+              <a:ea typeface="BIZ UDPゴシック" panose="020B0400000000000000" pitchFamily="50" charset="-128"/>
+            </a:endParaRPr>
+          </a:p>
+          <a:p>
+            <a:pPr marL="285750" indent="-285750">
+              <a:lnSpc>
+                <a:spcPct val="110000"/>
+              </a:lnSpc>
+              <a:buFontTx/>
+              <a:buChar char="-"/>
+            </a:pPr>
+            <a:r>
+              <a:rPr lang="ja-JP" altLang="en-US" sz="2000" dirty="0">
+                <a:latin typeface="BIZ UDPゴシック" panose="020B0400000000000000" pitchFamily="50" charset="-128"/>
+                <a:ea typeface="BIZ UDPゴシック" panose="020B0400000000000000" pitchFamily="50" charset="-128"/>
+              </a:rPr>
+              <a:t>最終的に選定したモデルで，早口言葉の要素による歌唱難易度推定が有効かを判定する．</a:t>
+            </a:r>
+            <a:endParaRPr lang="en-US" altLang="ja-JP" sz="2000" dirty="0">
+              <a:latin typeface="BIZ UDPゴシック" panose="020B0400000000000000" pitchFamily="50" charset="-128"/>
+              <a:ea typeface="BIZ UDPゴシック" panose="020B0400000000000000" pitchFamily="50" charset="-128"/>
+            </a:endParaRPr>
+          </a:p>
+          <a:p>
+            <a:pPr marL="285750" indent="-285750">
+              <a:lnSpc>
+                <a:spcPct val="110000"/>
+              </a:lnSpc>
+              <a:buFontTx/>
+              <a:buChar char="-"/>
+            </a:pPr>
+            <a:endParaRPr lang="en-US" altLang="ja-JP" sz="2000" dirty="0">
+              <a:latin typeface="BIZ UDPゴシック" panose="020B0400000000000000" pitchFamily="50" charset="-128"/>
+              <a:ea typeface="BIZ UDPゴシック" panose="020B0400000000000000" pitchFamily="50" charset="-128"/>
+            </a:endParaRPr>
+          </a:p>
+          <a:p>
+            <a:pPr marL="285750" indent="-285750">
+              <a:lnSpc>
+                <a:spcPct val="110000"/>
+              </a:lnSpc>
+              <a:buFontTx/>
+              <a:buChar char="-"/>
+            </a:pPr>
+            <a:r>
+              <a:rPr lang="ja-JP" altLang="en-US" sz="2000" dirty="0">
+                <a:latin typeface="BIZ UDPゴシック" panose="020B0400000000000000" pitchFamily="50" charset="-128"/>
+                <a:ea typeface="BIZ UDPゴシック" panose="020B0400000000000000" pitchFamily="50" charset="-128"/>
+              </a:rPr>
+              <a:t>新しい手法の模索＆検討</a:t>
+            </a:r>
+            <a:endParaRPr lang="en-US" altLang="ja-JP" sz="2000" dirty="0">
+              <a:latin typeface="BIZ UDPゴシック" panose="020B0400000000000000" pitchFamily="50" charset="-128"/>
+              <a:ea typeface="BIZ UDPゴシック" panose="020B0400000000000000" pitchFamily="50" charset="-128"/>
+            </a:endParaRPr>
+          </a:p>
+          <a:p>
+            <a:pPr marL="285750" indent="-285750">
+              <a:lnSpc>
+                <a:spcPct val="110000"/>
+              </a:lnSpc>
+              <a:buFontTx/>
+              <a:buChar char="-"/>
+            </a:pPr>
+            <a:endParaRPr lang="en-US" altLang="ja-JP" sz="2000" dirty="0">
+              <a:latin typeface="BIZ UDPゴシック" panose="020B0400000000000000" pitchFamily="50" charset="-128"/>
+              <a:ea typeface="BIZ UDPゴシック" panose="020B0400000000000000" pitchFamily="50" charset="-128"/>
+            </a:endParaRPr>
+          </a:p>
+          <a:p>
+            <a:pPr marL="285750" indent="-285750">
+              <a:lnSpc>
+                <a:spcPct val="110000"/>
+              </a:lnSpc>
+              <a:buFontTx/>
+              <a:buChar char="-"/>
+            </a:pPr>
+            <a:r>
+              <a:rPr lang="ja-JP" altLang="en-US" sz="2000" dirty="0">
+                <a:latin typeface="BIZ UDPゴシック" panose="020B0400000000000000" pitchFamily="50" charset="-128"/>
+                <a:ea typeface="BIZ UDPゴシック" panose="020B0400000000000000" pitchFamily="50" charset="-128"/>
+              </a:rPr>
+              <a:t>卒論執筆</a:t>
+            </a:r>
+            <a:endParaRPr lang="en-US" altLang="ja-JP" sz="2000" dirty="0">
+              <a:latin typeface="BIZ UDPゴシック" panose="020B0400000000000000" pitchFamily="50" charset="-128"/>
+              <a:ea typeface="BIZ UDPゴシック" panose="020B0400000000000000" pitchFamily="50" charset="-128"/>
+            </a:endParaRPr>
+          </a:p>
+        </p:txBody>
+      </p:sp>
+      <p:sp>
+        <p:nvSpPr>
+          <p:cNvPr id="6" name="スライド番号プレースホルダー 5">
+            <a:extLst>
+              <a:ext uri="{FF2B5EF4-FFF2-40B4-BE49-F238E27FC236}">
+                <a16:creationId xmlns:a16="http://schemas.microsoft.com/office/drawing/2014/main" id="{1DB858AA-916A-9897-C5D8-9B0B64EA0FEE}"/>
+              </a:ext>
+            </a:extLst>
+          </p:cNvPr>
+          <p:cNvSpPr>
+            <a:spLocks noGrp="1"/>
+          </p:cNvSpPr>
+          <p:nvPr>
+            <p:ph type="sldNum" sz="quarter" idx="12"/>
+          </p:nvPr>
+        </p:nvSpPr>
+        <p:spPr/>
+        <p:txBody>
+          <a:bodyPr/>
+          <a:lstStyle/>
+          <a:p>
+            <a:fld id="{06FA27BD-C472-42E5-B90C-B428CEC397E3}" type="slidenum">
+              <a:rPr lang="ja-JP" altLang="en-US" smtClean="0"/>
+              <a:pPr/>
+              <a:t>15</a:t>
+            </a:fld>
+            <a:r>
+              <a:rPr lang="en-US" altLang="ja-JP"/>
+              <a:t>/15</a:t>
+            </a:r>
+            <a:endParaRPr kumimoji="1" lang="ja-JP" altLang="en-US" dirty="0"/>
           </a:p>
         </p:txBody>
       </p:sp>
@@ -17236,6 +18177,40 @@
           </a:p>
         </p:txBody>
       </p:sp>
+      <p:sp>
+        <p:nvSpPr>
+          <p:cNvPr id="13" name="スライド番号プレースホルダー 12">
+            <a:extLst>
+              <a:ext uri="{FF2B5EF4-FFF2-40B4-BE49-F238E27FC236}">
+                <a16:creationId xmlns:a16="http://schemas.microsoft.com/office/drawing/2014/main" id="{CB6014FE-33AF-A0B9-3C48-21DA28F66AA9}"/>
+              </a:ext>
+            </a:extLst>
+          </p:cNvPr>
+          <p:cNvSpPr>
+            <a:spLocks noGrp="1"/>
+          </p:cNvSpPr>
+          <p:nvPr>
+            <p:ph type="sldNum" sz="quarter" idx="12"/>
+          </p:nvPr>
+        </p:nvSpPr>
+        <p:spPr/>
+        <p:txBody>
+          <a:bodyPr/>
+          <a:lstStyle/>
+          <a:p>
+            <a:fld id="{06FA27BD-C472-42E5-B90C-B428CEC397E3}" type="slidenum">
+              <a:rPr lang="ja-JP" altLang="en-US" smtClean="0"/>
+              <a:pPr/>
+              <a:t>2</a:t>
+            </a:fld>
+            <a:r>
+              <a:rPr lang="en-US" altLang="ja-JP"/>
+              <a:t>/15</a:t>
+            </a:r>
+            <a:endParaRPr kumimoji="1" lang="ja-JP" altLang="en-US" dirty="0"/>
+          </a:p>
+        </p:txBody>
+      </p:sp>
     </p:spTree>
     <p:extLst>
       <p:ext uri="{BB962C8B-B14F-4D97-AF65-F5344CB8AC3E}">
@@ -17686,6 +18661,40 @@
               </a:rPr>
               <a:t>課題点</a:t>
             </a:r>
+          </a:p>
+        </p:txBody>
+      </p:sp>
+      <p:sp>
+        <p:nvSpPr>
+          <p:cNvPr id="7" name="スライド番号プレースホルダー 6">
+            <a:extLst>
+              <a:ext uri="{FF2B5EF4-FFF2-40B4-BE49-F238E27FC236}">
+                <a16:creationId xmlns:a16="http://schemas.microsoft.com/office/drawing/2014/main" id="{EFA8E744-744E-3B86-92DA-8FB3FBA885F1}"/>
+              </a:ext>
+            </a:extLst>
+          </p:cNvPr>
+          <p:cNvSpPr>
+            <a:spLocks noGrp="1"/>
+          </p:cNvSpPr>
+          <p:nvPr>
+            <p:ph type="sldNum" sz="quarter" idx="12"/>
+          </p:nvPr>
+        </p:nvSpPr>
+        <p:spPr/>
+        <p:txBody>
+          <a:bodyPr/>
+          <a:lstStyle/>
+          <a:p>
+            <a:fld id="{06FA27BD-C472-42E5-B90C-B428CEC397E3}" type="slidenum">
+              <a:rPr lang="ja-JP" altLang="en-US" smtClean="0"/>
+              <a:pPr/>
+              <a:t>3</a:t>
+            </a:fld>
+            <a:r>
+              <a:rPr lang="en-US" altLang="ja-JP"/>
+              <a:t>/15</a:t>
+            </a:r>
+            <a:endParaRPr kumimoji="1" lang="ja-JP" altLang="en-US" dirty="0"/>
           </a:p>
         </p:txBody>
       </p:sp>
@@ -18290,6 +19299,40 @@
           </a:p>
         </p:txBody>
       </p:sp>
+      <p:sp>
+        <p:nvSpPr>
+          <p:cNvPr id="11" name="スライド番号プレースホルダー 10">
+            <a:extLst>
+              <a:ext uri="{FF2B5EF4-FFF2-40B4-BE49-F238E27FC236}">
+                <a16:creationId xmlns:a16="http://schemas.microsoft.com/office/drawing/2014/main" id="{8CFB7D3E-89B1-2152-6A20-F300B31158F7}"/>
+              </a:ext>
+            </a:extLst>
+          </p:cNvPr>
+          <p:cNvSpPr>
+            <a:spLocks noGrp="1"/>
+          </p:cNvSpPr>
+          <p:nvPr>
+            <p:ph type="sldNum" sz="quarter" idx="12"/>
+          </p:nvPr>
+        </p:nvSpPr>
+        <p:spPr/>
+        <p:txBody>
+          <a:bodyPr/>
+          <a:lstStyle/>
+          <a:p>
+            <a:fld id="{06FA27BD-C472-42E5-B90C-B428CEC397E3}" type="slidenum">
+              <a:rPr lang="ja-JP" altLang="en-US" smtClean="0"/>
+              <a:pPr/>
+              <a:t>4</a:t>
+            </a:fld>
+            <a:r>
+              <a:rPr lang="en-US" altLang="ja-JP"/>
+              <a:t>/15</a:t>
+            </a:r>
+            <a:endParaRPr kumimoji="1" lang="ja-JP" altLang="en-US" dirty="0"/>
+          </a:p>
+        </p:txBody>
+      </p:sp>
     </p:spTree>
     <p:extLst>
       <p:ext uri="{BB962C8B-B14F-4D97-AF65-F5344CB8AC3E}">
@@ -18923,6 +19966,40 @@
                 <a:ea typeface="BIZ UDPゴシック" panose="020B0400000000000000" pitchFamily="50" charset="-128"/>
               </a:rPr>
               <a:t>歌唱難易度が上がる</a:t>
+            </a:r>
+            <a:endParaRPr kumimoji="1" lang="ja-JP" altLang="en-US" dirty="0"/>
+          </a:p>
+        </p:txBody>
+      </p:sp>
+      <p:sp>
+        <p:nvSpPr>
+          <p:cNvPr id="7" name="スライド番号プレースホルダー 6">
+            <a:extLst>
+              <a:ext uri="{FF2B5EF4-FFF2-40B4-BE49-F238E27FC236}">
+                <a16:creationId xmlns:a16="http://schemas.microsoft.com/office/drawing/2014/main" id="{97A96B7A-CB49-0373-E358-AB53E64C7A8C}"/>
+              </a:ext>
+            </a:extLst>
+          </p:cNvPr>
+          <p:cNvSpPr>
+            <a:spLocks noGrp="1"/>
+          </p:cNvSpPr>
+          <p:nvPr>
+            <p:ph type="sldNum" sz="quarter" idx="12"/>
+          </p:nvPr>
+        </p:nvSpPr>
+        <p:spPr/>
+        <p:txBody>
+          <a:bodyPr/>
+          <a:lstStyle/>
+          <a:p>
+            <a:fld id="{06FA27BD-C472-42E5-B90C-B428CEC397E3}" type="slidenum">
+              <a:rPr lang="ja-JP" altLang="en-US" smtClean="0"/>
+              <a:pPr/>
+              <a:t>5</a:t>
+            </a:fld>
+            <a:r>
+              <a:rPr lang="en-US" altLang="ja-JP"/>
+              <a:t>/15</a:t>
             </a:r>
             <a:endParaRPr kumimoji="1" lang="ja-JP" altLang="en-US" dirty="0"/>
           </a:p>
@@ -21177,6 +22254,40 @@
               <a:latin typeface="BIZ UDPゴシック" panose="020B0400000000000000" pitchFamily="50" charset="-128"/>
               <a:ea typeface="BIZ UDPゴシック" panose="020B0400000000000000" pitchFamily="50" charset="-128"/>
             </a:endParaRPr>
+          </a:p>
+        </p:txBody>
+      </p:sp>
+      <p:sp>
+        <p:nvSpPr>
+          <p:cNvPr id="5" name="スライド番号プレースホルダー 4">
+            <a:extLst>
+              <a:ext uri="{FF2B5EF4-FFF2-40B4-BE49-F238E27FC236}">
+                <a16:creationId xmlns:a16="http://schemas.microsoft.com/office/drawing/2014/main" id="{05B04DEC-08C7-E791-7D70-BF74A86AB94C}"/>
+              </a:ext>
+            </a:extLst>
+          </p:cNvPr>
+          <p:cNvSpPr>
+            <a:spLocks noGrp="1"/>
+          </p:cNvSpPr>
+          <p:nvPr>
+            <p:ph type="sldNum" sz="quarter" idx="12"/>
+          </p:nvPr>
+        </p:nvSpPr>
+        <p:spPr/>
+        <p:txBody>
+          <a:bodyPr/>
+          <a:lstStyle/>
+          <a:p>
+            <a:fld id="{06FA27BD-C472-42E5-B90C-B428CEC397E3}" type="slidenum">
+              <a:rPr lang="ja-JP" altLang="en-US" smtClean="0"/>
+              <a:pPr/>
+              <a:t>6</a:t>
+            </a:fld>
+            <a:r>
+              <a:rPr lang="en-US" altLang="ja-JP"/>
+              <a:t>/15</a:t>
+            </a:r>
+            <a:endParaRPr kumimoji="1" lang="ja-JP" altLang="en-US" dirty="0"/>
           </a:p>
         </p:txBody>
       </p:sp>
@@ -22100,6 +23211,40 @@
           </a:p>
         </p:txBody>
       </p:sp>
+      <p:sp>
+        <p:nvSpPr>
+          <p:cNvPr id="13" name="スライド番号プレースホルダー 12">
+            <a:extLst>
+              <a:ext uri="{FF2B5EF4-FFF2-40B4-BE49-F238E27FC236}">
+                <a16:creationId xmlns:a16="http://schemas.microsoft.com/office/drawing/2014/main" id="{D43528AE-CC72-56E9-4CA9-3535DCD448E0}"/>
+              </a:ext>
+            </a:extLst>
+          </p:cNvPr>
+          <p:cNvSpPr>
+            <a:spLocks noGrp="1"/>
+          </p:cNvSpPr>
+          <p:nvPr>
+            <p:ph type="sldNum" sz="quarter" idx="12"/>
+          </p:nvPr>
+        </p:nvSpPr>
+        <p:spPr/>
+        <p:txBody>
+          <a:bodyPr/>
+          <a:lstStyle/>
+          <a:p>
+            <a:fld id="{06FA27BD-C472-42E5-B90C-B428CEC397E3}" type="slidenum">
+              <a:rPr lang="ja-JP" altLang="en-US" smtClean="0"/>
+              <a:pPr/>
+              <a:t>7</a:t>
+            </a:fld>
+            <a:r>
+              <a:rPr lang="en-US" altLang="ja-JP"/>
+              <a:t>/15</a:t>
+            </a:r>
+            <a:endParaRPr kumimoji="1" lang="ja-JP" altLang="en-US" dirty="0"/>
+          </a:p>
+        </p:txBody>
+      </p:sp>
     </p:spTree>
     <p:extLst>
       <p:ext uri="{BB962C8B-B14F-4D97-AF65-F5344CB8AC3E}">
@@ -23319,6 +24464,40 @@
               <a:latin typeface="BIZ UDPゴシック" panose="020B0400000000000000" pitchFamily="50" charset="-128"/>
               <a:ea typeface="BIZ UDPゴシック" panose="020B0400000000000000" pitchFamily="50" charset="-128"/>
             </a:endParaRPr>
+          </a:p>
+        </p:txBody>
+      </p:sp>
+      <p:sp>
+        <p:nvSpPr>
+          <p:cNvPr id="10" name="スライド番号プレースホルダー 9">
+            <a:extLst>
+              <a:ext uri="{FF2B5EF4-FFF2-40B4-BE49-F238E27FC236}">
+                <a16:creationId xmlns:a16="http://schemas.microsoft.com/office/drawing/2014/main" id="{1000177F-45DA-25C8-CEDE-B47D270B0197}"/>
+              </a:ext>
+            </a:extLst>
+          </p:cNvPr>
+          <p:cNvSpPr>
+            <a:spLocks noGrp="1"/>
+          </p:cNvSpPr>
+          <p:nvPr>
+            <p:ph type="sldNum" sz="quarter" idx="12"/>
+          </p:nvPr>
+        </p:nvSpPr>
+        <p:spPr/>
+        <p:txBody>
+          <a:bodyPr/>
+          <a:lstStyle/>
+          <a:p>
+            <a:fld id="{06FA27BD-C472-42E5-B90C-B428CEC397E3}" type="slidenum">
+              <a:rPr lang="ja-JP" altLang="en-US" smtClean="0"/>
+              <a:pPr/>
+              <a:t>8</a:t>
+            </a:fld>
+            <a:r>
+              <a:rPr lang="en-US" altLang="ja-JP"/>
+              <a:t>/15</a:t>
+            </a:r>
+            <a:endParaRPr kumimoji="1" lang="ja-JP" altLang="en-US" dirty="0"/>
           </a:p>
         </p:txBody>
       </p:sp>
@@ -24044,6 +25223,40 @@
               <a:latin typeface="BIZ UDPゴシック" panose="020B0400000000000000" pitchFamily="50" charset="-128"/>
               <a:ea typeface="BIZ UDPゴシック" panose="020B0400000000000000" pitchFamily="50" charset="-128"/>
             </a:endParaRPr>
+          </a:p>
+        </p:txBody>
+      </p:sp>
+      <p:sp>
+        <p:nvSpPr>
+          <p:cNvPr id="6" name="スライド番号プレースホルダー 5">
+            <a:extLst>
+              <a:ext uri="{FF2B5EF4-FFF2-40B4-BE49-F238E27FC236}">
+                <a16:creationId xmlns:a16="http://schemas.microsoft.com/office/drawing/2014/main" id="{07C40646-5439-3786-951C-06D867626EED}"/>
+              </a:ext>
+            </a:extLst>
+          </p:cNvPr>
+          <p:cNvSpPr>
+            <a:spLocks noGrp="1"/>
+          </p:cNvSpPr>
+          <p:nvPr>
+            <p:ph type="sldNum" sz="quarter" idx="12"/>
+          </p:nvPr>
+        </p:nvSpPr>
+        <p:spPr/>
+        <p:txBody>
+          <a:bodyPr/>
+          <a:lstStyle/>
+          <a:p>
+            <a:fld id="{06FA27BD-C472-42E5-B90C-B428CEC397E3}" type="slidenum">
+              <a:rPr lang="ja-JP" altLang="en-US" smtClean="0"/>
+              <a:pPr/>
+              <a:t>9</a:t>
+            </a:fld>
+            <a:r>
+              <a:rPr lang="en-US" altLang="ja-JP"/>
+              <a:t>/15</a:t>
+            </a:r>
+            <a:endParaRPr kumimoji="1" lang="ja-JP" altLang="en-US" dirty="0"/>
           </a:p>
         </p:txBody>
       </p:sp>

--- a/年末発表.pptx
+++ b/年末発表.pptx
@@ -142,7 +142,7 @@
   <pc:docChgLst>
     <pc:chgData name="谷　知紘(s21t317)" userId="a3db8153-261a-4ffb-baa1-abaad328fd73" providerId="ADAL" clId="{6C2B5661-DEFF-4BF7-8687-B5D5C7F51A35}"/>
     <pc:docChg chg="undo custSel addSld modSld modMainMaster">
-      <pc:chgData name="谷　知紘(s21t317)" userId="a3db8153-261a-4ffb-baa1-abaad328fd73" providerId="ADAL" clId="{6C2B5661-DEFF-4BF7-8687-B5D5C7F51A35}" dt="2024-12-21T03:24:55.218" v="2169" actId="20577"/>
+      <pc:chgData name="谷　知紘(s21t317)" userId="a3db8153-261a-4ffb-baa1-abaad328fd73" providerId="ADAL" clId="{6C2B5661-DEFF-4BF7-8687-B5D5C7F51A35}" dt="2024-12-21T03:44:56.422" v="2174" actId="1076"/>
       <pc:docMkLst>
         <pc:docMk/>
       </pc:docMkLst>
@@ -524,7 +524,7 @@
         </pc:spChg>
       </pc:sldChg>
       <pc:sldMasterChg chg="modSp mod modSldLayout">
-        <pc:chgData name="谷　知紘(s21t317)" userId="a3db8153-261a-4ffb-baa1-abaad328fd73" providerId="ADAL" clId="{6C2B5661-DEFF-4BF7-8687-B5D5C7F51A35}" dt="2024-12-21T03:24:55.218" v="2169" actId="20577"/>
+        <pc:chgData name="谷　知紘(s21t317)" userId="a3db8153-261a-4ffb-baa1-abaad328fd73" providerId="ADAL" clId="{6C2B5661-DEFF-4BF7-8687-B5D5C7F51A35}" dt="2024-12-21T03:44:56.422" v="2174" actId="1076"/>
         <pc:sldMasterMkLst>
           <pc:docMk/>
           <pc:sldMasterMk cId="2793132077" sldId="2147483648"/>
@@ -538,7 +538,7 @@
           </ac:spMkLst>
         </pc:spChg>
         <pc:sldLayoutChg chg="addSp delSp modSp mod">
-          <pc:chgData name="谷　知紘(s21t317)" userId="a3db8153-261a-4ffb-baa1-abaad328fd73" providerId="ADAL" clId="{6C2B5661-DEFF-4BF7-8687-B5D5C7F51A35}" dt="2024-12-21T03:24:22.728" v="2163"/>
+          <pc:chgData name="谷　知紘(s21t317)" userId="a3db8153-261a-4ffb-baa1-abaad328fd73" providerId="ADAL" clId="{6C2B5661-DEFF-4BF7-8687-B5D5C7F51A35}" dt="2024-12-21T03:44:56.422" v="2174" actId="1076"/>
           <pc:sldLayoutMkLst>
             <pc:docMk/>
             <pc:sldMasterMk cId="2793132077" sldId="2147483648"/>
@@ -653,7 +653,7 @@
             </ac:spMkLst>
           </pc:spChg>
           <pc:spChg chg="add mod">
-            <ac:chgData name="谷　知紘(s21t317)" userId="a3db8153-261a-4ffb-baa1-abaad328fd73" providerId="ADAL" clId="{6C2B5661-DEFF-4BF7-8687-B5D5C7F51A35}" dt="2024-12-21T03:24:22.728" v="2163"/>
+            <ac:chgData name="谷　知紘(s21t317)" userId="a3db8153-261a-4ffb-baa1-abaad328fd73" providerId="ADAL" clId="{6C2B5661-DEFF-4BF7-8687-B5D5C7F51A35}" dt="2024-12-21T03:44:56.422" v="2174" actId="1076"/>
             <ac:spMkLst>
               <pc:docMk/>
               <pc:sldMasterMk cId="2793132077" sldId="2147483648"/>
@@ -662,8 +662,8 @@
             </ac:spMkLst>
           </pc:spChg>
         </pc:sldLayoutChg>
-        <pc:sldLayoutChg chg="addSp delSp modSp">
-          <pc:chgData name="谷　知紘(s21t317)" userId="a3db8153-261a-4ffb-baa1-abaad328fd73" providerId="ADAL" clId="{6C2B5661-DEFF-4BF7-8687-B5D5C7F51A35}" dt="2024-12-21T03:23:26.796" v="2154"/>
+        <pc:sldLayoutChg chg="addSp delSp modSp mod">
+          <pc:chgData name="谷　知紘(s21t317)" userId="a3db8153-261a-4ffb-baa1-abaad328fd73" providerId="ADAL" clId="{6C2B5661-DEFF-4BF7-8687-B5D5C7F51A35}" dt="2024-12-21T03:44:17.432" v="2172" actId="1076"/>
           <pc:sldLayoutMkLst>
             <pc:docMk/>
             <pc:sldMasterMk cId="2793132077" sldId="2147483648"/>
@@ -715,7 +715,7 @@
             </ac:spMkLst>
           </pc:spChg>
           <pc:spChg chg="add mod">
-            <ac:chgData name="谷　知紘(s21t317)" userId="a3db8153-261a-4ffb-baa1-abaad328fd73" providerId="ADAL" clId="{6C2B5661-DEFF-4BF7-8687-B5D5C7F51A35}" dt="2024-12-21T03:23:26.796" v="2154"/>
+            <ac:chgData name="谷　知紘(s21t317)" userId="a3db8153-261a-4ffb-baa1-abaad328fd73" providerId="ADAL" clId="{6C2B5661-DEFF-4BF7-8687-B5D5C7F51A35}" dt="2024-12-21T03:44:17.432" v="2172" actId="1076"/>
             <ac:spMkLst>
               <pc:docMk/>
               <pc:sldMasterMk cId="2793132077" sldId="2147483648"/>
@@ -725,14 +725,14 @@
           </pc:spChg>
         </pc:sldLayoutChg>
         <pc:sldLayoutChg chg="modSp mod">
-          <pc:chgData name="谷　知紘(s21t317)" userId="a3db8153-261a-4ffb-baa1-abaad328fd73" providerId="ADAL" clId="{6C2B5661-DEFF-4BF7-8687-B5D5C7F51A35}" dt="2024-12-21T03:24:39.282" v="2166" actId="20577"/>
+          <pc:chgData name="谷　知紘(s21t317)" userId="a3db8153-261a-4ffb-baa1-abaad328fd73" providerId="ADAL" clId="{6C2B5661-DEFF-4BF7-8687-B5D5C7F51A35}" dt="2024-12-21T03:44:23.662" v="2173" actId="1076"/>
           <pc:sldLayoutMkLst>
             <pc:docMk/>
             <pc:sldMasterMk cId="2793132077" sldId="2147483648"/>
             <pc:sldLayoutMk cId="2021748502" sldId="2147483651"/>
           </pc:sldLayoutMkLst>
           <pc:spChg chg="mod">
-            <ac:chgData name="谷　知紘(s21t317)" userId="a3db8153-261a-4ffb-baa1-abaad328fd73" providerId="ADAL" clId="{6C2B5661-DEFF-4BF7-8687-B5D5C7F51A35}" dt="2024-12-21T03:24:39.282" v="2166" actId="20577"/>
+            <ac:chgData name="谷　知紘(s21t317)" userId="a3db8153-261a-4ffb-baa1-abaad328fd73" providerId="ADAL" clId="{6C2B5661-DEFF-4BF7-8687-B5D5C7F51A35}" dt="2024-12-21T03:44:23.662" v="2173" actId="1076"/>
             <ac:spMkLst>
               <pc:docMk/>
               <pc:sldMasterMk cId="2793132077" sldId="2147483648"/>
@@ -8662,7 +8662,12 @@
             <p:ph type="sldNum" sz="quarter" idx="12"/>
           </p:nvPr>
         </p:nvSpPr>
-        <p:spPr/>
+        <p:spPr>
+          <a:xfrm>
+            <a:off x="9448800" y="6492875"/>
+            <a:ext cx="2743200" cy="365125"/>
+          </a:xfrm>
+        </p:spPr>
         <p:txBody>
           <a:bodyPr/>
           <a:lstStyle/>
@@ -9367,7 +9372,12 @@
             <p:ph type="sldNum" sz="quarter" idx="12"/>
           </p:nvPr>
         </p:nvSpPr>
-        <p:spPr/>
+        <p:spPr>
+          <a:xfrm>
+            <a:off x="9448800" y="6492875"/>
+            <a:ext cx="2743200" cy="365125"/>
+          </a:xfrm>
+        </p:spPr>
         <p:txBody>
           <a:bodyPr/>
           <a:lstStyle/>
@@ -9647,7 +9657,12 @@
             <p:ph type="sldNum" sz="quarter" idx="12"/>
           </p:nvPr>
         </p:nvSpPr>
-        <p:spPr/>
+        <p:spPr>
+          <a:xfrm>
+            <a:off x="9448800" y="6492875"/>
+            <a:ext cx="2743200" cy="365125"/>
+          </a:xfrm>
+        </p:spPr>
         <p:txBody>
           <a:bodyPr/>
           <a:lstStyle/>

--- a/年末発表.pptx
+++ b/年末発表.pptx
@@ -142,7 +142,7 @@
   <pc:docChgLst>
     <pc:chgData name="谷　知紘(s21t317)" userId="a3db8153-261a-4ffb-baa1-abaad328fd73" providerId="ADAL" clId="{6C2B5661-DEFF-4BF7-8687-B5D5C7F51A35}"/>
     <pc:docChg chg="undo custSel addSld modSld modMainMaster">
-      <pc:chgData name="谷　知紘(s21t317)" userId="a3db8153-261a-4ffb-baa1-abaad328fd73" providerId="ADAL" clId="{6C2B5661-DEFF-4BF7-8687-B5D5C7F51A35}" dt="2024-12-21T03:44:56.422" v="2174" actId="1076"/>
+      <pc:chgData name="谷　知紘(s21t317)" userId="a3db8153-261a-4ffb-baa1-abaad328fd73" providerId="ADAL" clId="{6C2B5661-DEFF-4BF7-8687-B5D5C7F51A35}" dt="2024-12-21T07:16:43.580" v="3698" actId="20577"/>
       <pc:docMkLst>
         <pc:docMk/>
       </pc:docMkLst>
@@ -221,8 +221,8 @@
           </ac:spMkLst>
         </pc:spChg>
       </pc:sldChg>
-      <pc:sldChg chg="modSp">
-        <pc:chgData name="谷　知紘(s21t317)" userId="a3db8153-261a-4ffb-baa1-abaad328fd73" providerId="ADAL" clId="{6C2B5661-DEFF-4BF7-8687-B5D5C7F51A35}" dt="2024-12-21T03:23:26.256" v="2153"/>
+      <pc:sldChg chg="modSp modNotesTx">
+        <pc:chgData name="谷　知紘(s21t317)" userId="a3db8153-261a-4ffb-baa1-abaad328fd73" providerId="ADAL" clId="{6C2B5661-DEFF-4BF7-8687-B5D5C7F51A35}" dt="2024-12-21T05:33:27.704" v="3414" actId="20577"/>
         <pc:sldMkLst>
           <pc:docMk/>
           <pc:sldMk cId="1122583501" sldId="261"/>
@@ -236,8 +236,8 @@
           </ac:spMkLst>
         </pc:spChg>
       </pc:sldChg>
-      <pc:sldChg chg="modSp">
-        <pc:chgData name="谷　知紘(s21t317)" userId="a3db8153-261a-4ffb-baa1-abaad328fd73" providerId="ADAL" clId="{6C2B5661-DEFF-4BF7-8687-B5D5C7F51A35}" dt="2024-12-21T03:23:26.256" v="2153"/>
+      <pc:sldChg chg="modSp modNotesTx">
+        <pc:chgData name="谷　知紘(s21t317)" userId="a3db8153-261a-4ffb-baa1-abaad328fd73" providerId="ADAL" clId="{6C2B5661-DEFF-4BF7-8687-B5D5C7F51A35}" dt="2024-12-21T04:16:05.091" v="2432" actId="20577"/>
         <pc:sldMkLst>
           <pc:docMk/>
           <pc:sldMk cId="1716504565" sldId="262"/>
@@ -251,8 +251,8 @@
           </ac:spMkLst>
         </pc:spChg>
       </pc:sldChg>
-      <pc:sldChg chg="modSp">
-        <pc:chgData name="谷　知紘(s21t317)" userId="a3db8153-261a-4ffb-baa1-abaad328fd73" providerId="ADAL" clId="{6C2B5661-DEFF-4BF7-8687-B5D5C7F51A35}" dt="2024-12-21T03:23:26.256" v="2153"/>
+      <pc:sldChg chg="modSp modNotesTx">
+        <pc:chgData name="谷　知紘(s21t317)" userId="a3db8153-261a-4ffb-baa1-abaad328fd73" providerId="ADAL" clId="{6C2B5661-DEFF-4BF7-8687-B5D5C7F51A35}" dt="2024-12-21T07:06:00.698" v="3543" actId="20577"/>
         <pc:sldMkLst>
           <pc:docMk/>
           <pc:sldMk cId="285224269" sldId="264"/>
@@ -266,8 +266,8 @@
           </ac:spMkLst>
         </pc:spChg>
       </pc:sldChg>
-      <pc:sldChg chg="modSp">
-        <pc:chgData name="谷　知紘(s21t317)" userId="a3db8153-261a-4ffb-baa1-abaad328fd73" providerId="ADAL" clId="{6C2B5661-DEFF-4BF7-8687-B5D5C7F51A35}" dt="2024-12-21T03:23:26.256" v="2153"/>
+      <pc:sldChg chg="modSp mod modNotesTx">
+        <pc:chgData name="谷　知紘(s21t317)" userId="a3db8153-261a-4ffb-baa1-abaad328fd73" providerId="ADAL" clId="{6C2B5661-DEFF-4BF7-8687-B5D5C7F51A35}" dt="2024-12-21T07:07:05.244" v="3580" actId="20577"/>
         <pc:sldMkLst>
           <pc:docMk/>
           <pc:sldMk cId="395813214" sldId="265"/>
@@ -280,13 +280,29 @@
             <ac:spMk id="5" creationId="{674157F6-83BD-022F-0955-A1E5168495C0}"/>
           </ac:spMkLst>
         </pc:spChg>
+        <pc:spChg chg="mod">
+          <ac:chgData name="谷　知紘(s21t317)" userId="a3db8153-261a-4ffb-baa1-abaad328fd73" providerId="ADAL" clId="{6C2B5661-DEFF-4BF7-8687-B5D5C7F51A35}" dt="2024-12-21T04:22:01.940" v="2764" actId="20577"/>
+          <ac:spMkLst>
+            <pc:docMk/>
+            <pc:sldMk cId="395813214" sldId="265"/>
+            <ac:spMk id="12" creationId="{1A8DE479-19BB-5E34-3277-E5C53D18A488}"/>
+          </ac:spMkLst>
+        </pc:spChg>
       </pc:sldChg>
-      <pc:sldChg chg="modSp">
-        <pc:chgData name="谷　知紘(s21t317)" userId="a3db8153-261a-4ffb-baa1-abaad328fd73" providerId="ADAL" clId="{6C2B5661-DEFF-4BF7-8687-B5D5C7F51A35}" dt="2024-12-21T03:23:26.256" v="2153"/>
+      <pc:sldChg chg="modSp mod">
+        <pc:chgData name="谷　知紘(s21t317)" userId="a3db8153-261a-4ffb-baa1-abaad328fd73" providerId="ADAL" clId="{6C2B5661-DEFF-4BF7-8687-B5D5C7F51A35}" dt="2024-12-21T07:08:58.937" v="3582"/>
         <pc:sldMkLst>
           <pc:docMk/>
           <pc:sldMk cId="503107946" sldId="266"/>
         </pc:sldMkLst>
+        <pc:spChg chg="mod">
+          <ac:chgData name="谷　知紘(s21t317)" userId="a3db8153-261a-4ffb-baa1-abaad328fd73" providerId="ADAL" clId="{6C2B5661-DEFF-4BF7-8687-B5D5C7F51A35}" dt="2024-12-21T07:08:58.937" v="3582"/>
+          <ac:spMkLst>
+            <pc:docMk/>
+            <pc:sldMk cId="503107946" sldId="266"/>
+            <ac:spMk id="7" creationId="{789173B7-2453-0DC1-BADE-E16F158D78A1}"/>
+          </ac:spMkLst>
+        </pc:spChg>
         <pc:spChg chg="mod">
           <ac:chgData name="谷　知紘(s21t317)" userId="a3db8153-261a-4ffb-baa1-abaad328fd73" providerId="ADAL" clId="{6C2B5661-DEFF-4BF7-8687-B5D5C7F51A35}" dt="2024-12-21T03:23:26.256" v="2153"/>
           <ac:spMkLst>
@@ -296,12 +312,28 @@
           </ac:spMkLst>
         </pc:spChg>
       </pc:sldChg>
-      <pc:sldChg chg="modSp">
-        <pc:chgData name="谷　知紘(s21t317)" userId="a3db8153-261a-4ffb-baa1-abaad328fd73" providerId="ADAL" clId="{6C2B5661-DEFF-4BF7-8687-B5D5C7F51A35}" dt="2024-12-21T03:23:26.256" v="2153"/>
+      <pc:sldChg chg="modSp mod modNotesTx">
+        <pc:chgData name="谷　知紘(s21t317)" userId="a3db8153-261a-4ffb-baa1-abaad328fd73" providerId="ADAL" clId="{6C2B5661-DEFF-4BF7-8687-B5D5C7F51A35}" dt="2024-12-21T05:12:36.467" v="3350" actId="20577"/>
         <pc:sldMkLst>
           <pc:docMk/>
           <pc:sldMk cId="1004728229" sldId="267"/>
         </pc:sldMkLst>
+        <pc:spChg chg="mod">
+          <ac:chgData name="谷　知紘(s21t317)" userId="a3db8153-261a-4ffb-baa1-abaad328fd73" providerId="ADAL" clId="{6C2B5661-DEFF-4BF7-8687-B5D5C7F51A35}" dt="2024-12-21T05:12:36.467" v="3350" actId="20577"/>
+          <ac:spMkLst>
+            <pc:docMk/>
+            <pc:sldMk cId="1004728229" sldId="267"/>
+            <ac:spMk id="8" creationId="{1B1B0D73-CD81-0B72-7770-EBCC5677D992}"/>
+          </ac:spMkLst>
+        </pc:spChg>
+        <pc:spChg chg="mod">
+          <ac:chgData name="谷　知紘(s21t317)" userId="a3db8153-261a-4ffb-baa1-abaad328fd73" providerId="ADAL" clId="{6C2B5661-DEFF-4BF7-8687-B5D5C7F51A35}" dt="2024-12-21T05:12:08.794" v="3333" actId="6549"/>
+          <ac:spMkLst>
+            <pc:docMk/>
+            <pc:sldMk cId="1004728229" sldId="267"/>
+            <ac:spMk id="10" creationId="{334FB58B-7B24-5522-2D4C-9149BBB23876}"/>
+          </ac:spMkLst>
+        </pc:spChg>
         <pc:spChg chg="mod">
           <ac:chgData name="谷　知紘(s21t317)" userId="a3db8153-261a-4ffb-baa1-abaad328fd73" providerId="ADAL" clId="{6C2B5661-DEFF-4BF7-8687-B5D5C7F51A35}" dt="2024-12-21T03:23:26.256" v="2153"/>
           <ac:spMkLst>
@@ -327,7 +359,7 @@
         </pc:spChg>
       </pc:sldChg>
       <pc:sldChg chg="addSp delSp modSp mod">
-        <pc:chgData name="谷　知紘(s21t317)" userId="a3db8153-261a-4ffb-baa1-abaad328fd73" providerId="ADAL" clId="{6C2B5661-DEFF-4BF7-8687-B5D5C7F51A35}" dt="2024-12-21T03:23:26.256" v="2153"/>
+        <pc:chgData name="谷　知紘(s21t317)" userId="a3db8153-261a-4ffb-baa1-abaad328fd73" providerId="ADAL" clId="{6C2B5661-DEFF-4BF7-8687-B5D5C7F51A35}" dt="2024-12-21T07:14:34.761" v="3586" actId="313"/>
         <pc:sldMkLst>
           <pc:docMk/>
           <pc:sldMk cId="2962790074" sldId="269"/>
@@ -341,7 +373,7 @@
           </ac:spMkLst>
         </pc:spChg>
         <pc:spChg chg="add mod">
-          <ac:chgData name="谷　知紘(s21t317)" userId="a3db8153-261a-4ffb-baa1-abaad328fd73" providerId="ADAL" clId="{6C2B5661-DEFF-4BF7-8687-B5D5C7F51A35}" dt="2024-12-21T03:06:37.138" v="1549" actId="20577"/>
+          <ac:chgData name="谷　知紘(s21t317)" userId="a3db8153-261a-4ffb-baa1-abaad328fd73" providerId="ADAL" clId="{6C2B5661-DEFF-4BF7-8687-B5D5C7F51A35}" dt="2024-12-21T07:14:34.761" v="3586" actId="313"/>
           <ac:spMkLst>
             <pc:docMk/>
             <pc:sldMk cId="2962790074" sldId="269"/>
@@ -406,7 +438,7 @@
         </pc:spChg>
       </pc:sldChg>
       <pc:sldChg chg="addSp modSp mod">
-        <pc:chgData name="谷　知紘(s21t317)" userId="a3db8153-261a-4ffb-baa1-abaad328fd73" providerId="ADAL" clId="{6C2B5661-DEFF-4BF7-8687-B5D5C7F51A35}" dt="2024-12-21T03:23:26.256" v="2153"/>
+        <pc:chgData name="谷　知紘(s21t317)" userId="a3db8153-261a-4ffb-baa1-abaad328fd73" providerId="ADAL" clId="{6C2B5661-DEFF-4BF7-8687-B5D5C7F51A35}" dt="2024-12-21T07:16:43.580" v="3698" actId="20577"/>
         <pc:sldMkLst>
           <pc:docMk/>
           <pc:sldMk cId="539303649" sldId="271"/>
@@ -428,7 +460,7 @@
           </ac:spMkLst>
         </pc:spChg>
         <pc:spChg chg="add mod">
-          <ac:chgData name="谷　知紘(s21t317)" userId="a3db8153-261a-4ffb-baa1-abaad328fd73" providerId="ADAL" clId="{6C2B5661-DEFF-4BF7-8687-B5D5C7F51A35}" dt="2024-12-21T03:06:46.060" v="1551" actId="20577"/>
+          <ac:chgData name="谷　知紘(s21t317)" userId="a3db8153-261a-4ffb-baa1-abaad328fd73" providerId="ADAL" clId="{6C2B5661-DEFF-4BF7-8687-B5D5C7F51A35}" dt="2024-12-21T07:16:43.580" v="3698" actId="20577"/>
           <ac:spMkLst>
             <pc:docMk/>
             <pc:sldMk cId="539303649" sldId="271"/>
@@ -444,7 +476,7 @@
           </ac:spMkLst>
         </pc:spChg>
         <pc:spChg chg="add mod">
-          <ac:chgData name="谷　知紘(s21t317)" userId="a3db8153-261a-4ffb-baa1-abaad328fd73" providerId="ADAL" clId="{6C2B5661-DEFF-4BF7-8687-B5D5C7F51A35}" dt="2024-12-21T02:27:45.531" v="1515" actId="14100"/>
+          <ac:chgData name="谷　知紘(s21t317)" userId="a3db8153-261a-4ffb-baa1-abaad328fd73" providerId="ADAL" clId="{6C2B5661-DEFF-4BF7-8687-B5D5C7F51A35}" dt="2024-12-21T04:33:02.457" v="2884" actId="20577"/>
           <ac:spMkLst>
             <pc:docMk/>
             <pc:sldMk cId="539303649" sldId="271"/>
@@ -492,14 +524,14 @@
           </ac:graphicFrameMkLst>
         </pc:graphicFrameChg>
       </pc:sldChg>
-      <pc:sldChg chg="addSp modSp add mod">
-        <pc:chgData name="谷　知紘(s21t317)" userId="a3db8153-261a-4ffb-baa1-abaad328fd73" providerId="ADAL" clId="{6C2B5661-DEFF-4BF7-8687-B5D5C7F51A35}" dt="2024-12-21T03:23:26.256" v="2153"/>
+      <pc:sldChg chg="addSp modSp add mod modNotesTx">
+        <pc:chgData name="谷　知紘(s21t317)" userId="a3db8153-261a-4ffb-baa1-abaad328fd73" providerId="ADAL" clId="{6C2B5661-DEFF-4BF7-8687-B5D5C7F51A35}" dt="2024-12-21T04:34:32.152" v="2993" actId="20577"/>
         <pc:sldMkLst>
           <pc:docMk/>
           <pc:sldMk cId="806214799" sldId="272"/>
         </pc:sldMkLst>
         <pc:spChg chg="add mod">
-          <ac:chgData name="谷　知紘(s21t317)" userId="a3db8153-261a-4ffb-baa1-abaad328fd73" providerId="ADAL" clId="{6C2B5661-DEFF-4BF7-8687-B5D5C7F51A35}" dt="2024-12-21T03:15:07.388" v="2116" actId="1076"/>
+          <ac:chgData name="谷　知紘(s21t317)" userId="a3db8153-261a-4ffb-baa1-abaad328fd73" providerId="ADAL" clId="{6C2B5661-DEFF-4BF7-8687-B5D5C7F51A35}" dt="2024-12-21T04:34:32.152" v="2993" actId="20577"/>
           <ac:spMkLst>
             <pc:docMk/>
             <pc:sldMk cId="806214799" sldId="272"/>
@@ -8468,6 +8500,662 @@
 </p:notes>
 </file>
 
+<file path=ppt/notesSlides/notesSlide3.xml><?xml version="1.0" encoding="utf-8"?>
+<p:notes xmlns:a="http://schemas.openxmlformats.org/drawingml/2006/main" xmlns:r="http://schemas.openxmlformats.org/officeDocument/2006/relationships" xmlns:p="http://schemas.openxmlformats.org/presentationml/2006/main">
+  <p:cSld>
+    <p:spTree>
+      <p:nvGrpSpPr>
+        <p:cNvPr id="1" name=""/>
+        <p:cNvGrpSpPr/>
+        <p:nvPr/>
+      </p:nvGrpSpPr>
+      <p:grpSpPr>
+        <a:xfrm>
+          <a:off x="0" y="0"/>
+          <a:ext cx="0" cy="0"/>
+          <a:chOff x="0" y="0"/>
+          <a:chExt cx="0" cy="0"/>
+        </a:xfrm>
+      </p:grpSpPr>
+      <p:sp>
+        <p:nvSpPr>
+          <p:cNvPr id="2" name="スライド イメージ プレースホルダー 1"/>
+          <p:cNvSpPr>
+            <a:spLocks noGrp="1" noRot="1" noChangeAspect="1"/>
+          </p:cNvSpPr>
+          <p:nvPr>
+            <p:ph type="sldImg"/>
+          </p:nvPr>
+        </p:nvSpPr>
+        <p:spPr/>
+      </p:sp>
+      <p:sp>
+        <p:nvSpPr>
+          <p:cNvPr id="3" name="ノート プレースホルダー 2"/>
+          <p:cNvSpPr>
+            <a:spLocks noGrp="1"/>
+          </p:cNvSpPr>
+          <p:nvPr>
+            <p:ph type="body" idx="1"/>
+          </p:nvPr>
+        </p:nvSpPr>
+        <p:spPr/>
+        <p:txBody>
+          <a:bodyPr/>
+          <a:lstStyle/>
+          <a:p>
+            <a:r>
+              <a:rPr kumimoji="1" lang="ja-JP" altLang="en-US" dirty="0"/>
+              <a:t>正解データには，有志により</a:t>
+            </a:r>
+            <a:endParaRPr kumimoji="1" lang="en-US" altLang="ja-JP" dirty="0"/>
+          </a:p>
+          <a:p>
+            <a:r>
+              <a:rPr kumimoji="1" lang="ja-JP" altLang="en-US" dirty="0"/>
+              <a:t>全</a:t>
+            </a:r>
+            <a:r>
+              <a:rPr kumimoji="1" lang="en-US" altLang="ja-JP" dirty="0"/>
+              <a:t>40</a:t>
+            </a:r>
+            <a:r>
+              <a:rPr kumimoji="1" lang="ja-JP" altLang="en-US" dirty="0"/>
+              <a:t>曲に対して，前スライドで先述した歌唱難易度を適応し，その平均値と中央値をまとめたものを表</a:t>
+            </a:r>
+            <a:r>
+              <a:rPr kumimoji="1" lang="en-US" altLang="ja-JP" dirty="0"/>
+              <a:t>1</a:t>
+            </a:r>
+            <a:r>
+              <a:rPr kumimoji="1" lang="ja-JP" altLang="en-US" dirty="0"/>
+              <a:t>としました．</a:t>
+            </a:r>
+          </a:p>
+        </p:txBody>
+      </p:sp>
+      <p:sp>
+        <p:nvSpPr>
+          <p:cNvPr id="4" name="スライド番号プレースホルダー 3"/>
+          <p:cNvSpPr>
+            <a:spLocks noGrp="1"/>
+          </p:cNvSpPr>
+          <p:nvPr>
+            <p:ph type="sldNum" sz="quarter" idx="5"/>
+          </p:nvPr>
+        </p:nvSpPr>
+        <p:spPr/>
+        <p:txBody>
+          <a:bodyPr/>
+          <a:lstStyle/>
+          <a:p>
+            <a:fld id="{4CA84DB8-05C1-4437-A19B-C8667398B5DD}" type="slidenum">
+              <a:rPr kumimoji="1" lang="ja-JP" altLang="en-US" smtClean="0"/>
+              <a:t>6</a:t>
+            </a:fld>
+            <a:endParaRPr kumimoji="1" lang="ja-JP" altLang="en-US"/>
+          </a:p>
+        </p:txBody>
+      </p:sp>
+    </p:spTree>
+    <p:extLst>
+      <p:ext uri="{BB962C8B-B14F-4D97-AF65-F5344CB8AC3E}">
+        <p14:creationId xmlns:p14="http://schemas.microsoft.com/office/powerpoint/2010/main" val="2936160383"/>
+      </p:ext>
+    </p:extLst>
+  </p:cSld>
+  <p:clrMapOvr>
+    <a:masterClrMapping/>
+  </p:clrMapOvr>
+</p:notes>
+</file>
+
+<file path=ppt/notesSlides/notesSlide4.xml><?xml version="1.0" encoding="utf-8"?>
+<p:notes xmlns:a="http://schemas.openxmlformats.org/drawingml/2006/main" xmlns:r="http://schemas.openxmlformats.org/officeDocument/2006/relationships" xmlns:p="http://schemas.openxmlformats.org/presentationml/2006/main">
+  <p:cSld>
+    <p:spTree>
+      <p:nvGrpSpPr>
+        <p:cNvPr id="1" name=""/>
+        <p:cNvGrpSpPr/>
+        <p:nvPr/>
+      </p:nvGrpSpPr>
+      <p:grpSpPr>
+        <a:xfrm>
+          <a:off x="0" y="0"/>
+          <a:ext cx="0" cy="0"/>
+          <a:chOff x="0" y="0"/>
+          <a:chExt cx="0" cy="0"/>
+        </a:xfrm>
+      </p:grpSpPr>
+      <p:sp>
+        <p:nvSpPr>
+          <p:cNvPr id="2" name="スライド イメージ プレースホルダー 1"/>
+          <p:cNvSpPr>
+            <a:spLocks noGrp="1" noRot="1" noChangeAspect="1"/>
+          </p:cNvSpPr>
+          <p:nvPr>
+            <p:ph type="sldImg"/>
+          </p:nvPr>
+        </p:nvSpPr>
+        <p:spPr/>
+      </p:sp>
+      <p:sp>
+        <p:nvSpPr>
+          <p:cNvPr id="3" name="ノート プレースホルダー 2"/>
+          <p:cNvSpPr>
+            <a:spLocks noGrp="1"/>
+          </p:cNvSpPr>
+          <p:nvPr>
+            <p:ph type="body" idx="1"/>
+          </p:nvPr>
+        </p:nvSpPr>
+        <p:spPr/>
+        <p:txBody>
+          <a:bodyPr/>
+          <a:lstStyle/>
+          <a:p>
+            <a:r>
+              <a:rPr kumimoji="1" lang="ja-JP" altLang="en-US" dirty="0"/>
+              <a:t>平均値を閾値とした場合において，下位</a:t>
+            </a:r>
+            <a:r>
+              <a:rPr kumimoji="1" lang="en-US" altLang="ja-JP" dirty="0"/>
+              <a:t>20</a:t>
+            </a:r>
+            <a:r>
+              <a:rPr kumimoji="1" lang="ja-JP" altLang="en-US" dirty="0"/>
+              <a:t>曲を正しく分類できたときを</a:t>
+            </a:r>
+            <a:r>
+              <a:rPr kumimoji="1" lang="en-US" altLang="ja-JP" dirty="0" err="1"/>
+              <a:t>TruePositive</a:t>
+            </a:r>
+            <a:r>
+              <a:rPr kumimoji="1" lang="ja-JP" altLang="en-US" dirty="0"/>
+              <a:t>とした場合の</a:t>
+            </a:r>
+            <a:r>
+              <a:rPr kumimoji="1" lang="en-US" altLang="ja-JP" dirty="0"/>
+              <a:t>Recall</a:t>
+            </a:r>
+            <a:r>
+              <a:rPr kumimoji="1" lang="ja-JP" altLang="en-US" dirty="0"/>
+              <a:t>が</a:t>
+            </a:r>
+            <a:r>
+              <a:rPr kumimoji="1" lang="en-US" altLang="ja-JP" dirty="0"/>
+              <a:t>0.9</a:t>
+            </a:r>
+            <a:r>
+              <a:rPr kumimoji="1" lang="ja-JP" altLang="en-US" dirty="0"/>
+              <a:t>となりました．</a:t>
+            </a:r>
+            <a:endParaRPr kumimoji="1" lang="en-US" altLang="ja-JP" dirty="0"/>
+          </a:p>
+          <a:p>
+            <a:r>
+              <a:rPr kumimoji="1" lang="ja-JP" altLang="en-US" dirty="0"/>
+              <a:t>各性能が約</a:t>
+            </a:r>
+            <a:r>
+              <a:rPr kumimoji="1" lang="en-US" altLang="ja-JP" dirty="0"/>
+              <a:t>0.75</a:t>
+            </a:r>
+            <a:r>
+              <a:rPr kumimoji="1" lang="ja-JP" altLang="en-US" dirty="0"/>
+              <a:t>となり，</a:t>
+            </a:r>
+            <a:r>
+              <a:rPr lang="ja-JP" altLang="en-US" sz="1200" dirty="0">
+                <a:latin typeface="BIZ UDPゴシック" panose="020B0400000000000000" pitchFamily="50" charset="-128"/>
+                <a:ea typeface="BIZ UDPゴシック" panose="020B0400000000000000" pitchFamily="50" charset="-128"/>
+              </a:rPr>
+              <a:t>単位時間あたりの音素数による</a:t>
+            </a:r>
+            <a:r>
+              <a:rPr kumimoji="1" lang="ja-JP" altLang="en-US" sz="1200" dirty="0">
+                <a:latin typeface="BIZ UDPゴシック" panose="020B0400000000000000" pitchFamily="50" charset="-128"/>
+                <a:ea typeface="BIZ UDPゴシック" panose="020B0400000000000000" pitchFamily="50" charset="-128"/>
+              </a:rPr>
+              <a:t>算出法には高い有効性があることを確認しました．</a:t>
+            </a:r>
+            <a:endParaRPr kumimoji="1" lang="ja-JP" altLang="en-US" dirty="0"/>
+          </a:p>
+        </p:txBody>
+      </p:sp>
+      <p:sp>
+        <p:nvSpPr>
+          <p:cNvPr id="4" name="スライド番号プレースホルダー 3"/>
+          <p:cNvSpPr>
+            <a:spLocks noGrp="1"/>
+          </p:cNvSpPr>
+          <p:nvPr>
+            <p:ph type="sldNum" sz="quarter" idx="5"/>
+          </p:nvPr>
+        </p:nvSpPr>
+        <p:spPr/>
+        <p:txBody>
+          <a:bodyPr/>
+          <a:lstStyle/>
+          <a:p>
+            <a:fld id="{4CA84DB8-05C1-4437-A19B-C8667398B5DD}" type="slidenum">
+              <a:rPr kumimoji="1" lang="ja-JP" altLang="en-US" smtClean="0"/>
+              <a:t>7</a:t>
+            </a:fld>
+            <a:endParaRPr kumimoji="1" lang="ja-JP" altLang="en-US"/>
+          </a:p>
+        </p:txBody>
+      </p:sp>
+    </p:spTree>
+    <p:extLst>
+      <p:ext uri="{BB962C8B-B14F-4D97-AF65-F5344CB8AC3E}">
+        <p14:creationId xmlns:p14="http://schemas.microsoft.com/office/powerpoint/2010/main" val="95570162"/>
+      </p:ext>
+    </p:extLst>
+  </p:cSld>
+  <p:clrMapOvr>
+    <a:masterClrMapping/>
+  </p:clrMapOvr>
+</p:notes>
+</file>
+
+<file path=ppt/notesSlides/notesSlide5.xml><?xml version="1.0" encoding="utf-8"?>
+<p:notes xmlns:a="http://schemas.openxmlformats.org/drawingml/2006/main" xmlns:r="http://schemas.openxmlformats.org/officeDocument/2006/relationships" xmlns:p="http://schemas.openxmlformats.org/presentationml/2006/main">
+  <p:cSld>
+    <p:spTree>
+      <p:nvGrpSpPr>
+        <p:cNvPr id="1" name=""/>
+        <p:cNvGrpSpPr/>
+        <p:nvPr/>
+      </p:nvGrpSpPr>
+      <p:grpSpPr>
+        <a:xfrm>
+          <a:off x="0" y="0"/>
+          <a:ext cx="0" cy="0"/>
+          <a:chOff x="0" y="0"/>
+          <a:chExt cx="0" cy="0"/>
+        </a:xfrm>
+      </p:grpSpPr>
+      <p:sp>
+        <p:nvSpPr>
+          <p:cNvPr id="2" name="スライド イメージ プレースホルダー 1"/>
+          <p:cNvSpPr>
+            <a:spLocks noGrp="1" noRot="1" noChangeAspect="1"/>
+          </p:cNvSpPr>
+          <p:nvPr>
+            <p:ph type="sldImg"/>
+          </p:nvPr>
+        </p:nvSpPr>
+        <p:spPr/>
+      </p:sp>
+      <p:sp>
+        <p:nvSpPr>
+          <p:cNvPr id="3" name="ノート プレースホルダー 2"/>
+          <p:cNvSpPr>
+            <a:spLocks noGrp="1"/>
+          </p:cNvSpPr>
+          <p:nvPr>
+            <p:ph type="body" idx="1"/>
+          </p:nvPr>
+        </p:nvSpPr>
+        <p:spPr/>
+        <p:txBody>
+          <a:bodyPr/>
+          <a:lstStyle/>
+          <a:p>
+            <a:r>
+              <a:rPr kumimoji="1" lang="ja-JP" altLang="en-US" dirty="0"/>
+              <a:t>単語の難しさとはですが，</a:t>
+            </a:r>
+            <a:r>
+              <a:rPr kumimoji="1" lang="en-US" altLang="ja-JP" dirty="0"/>
+              <a:t>2</a:t>
+            </a:r>
+            <a:r>
+              <a:rPr kumimoji="1" lang="ja-JP" altLang="en-US" dirty="0"/>
+              <a:t>つの難しさがあると捉えました．</a:t>
+            </a:r>
+            <a:endParaRPr kumimoji="1" lang="en-US" altLang="ja-JP" dirty="0"/>
+          </a:p>
+          <a:p>
+            <a:r>
+              <a:rPr kumimoji="1" lang="ja-JP" altLang="en-US" dirty="0"/>
+              <a:t>まず</a:t>
+            </a:r>
+            <a:r>
+              <a:rPr kumimoji="1" lang="en-US" altLang="ja-JP" dirty="0"/>
+              <a:t>1</a:t>
+            </a:r>
+            <a:r>
+              <a:rPr kumimoji="1" lang="ja-JP" altLang="en-US" dirty="0"/>
+              <a:t>つ目は，単語に含まれる漢字が難しいかどうか</a:t>
+            </a:r>
+            <a:endParaRPr kumimoji="1" lang="en-US" altLang="ja-JP" dirty="0"/>
+          </a:p>
+          <a:p>
+            <a:endParaRPr kumimoji="1" lang="en-US" altLang="ja-JP" dirty="0"/>
+          </a:p>
+          <a:p>
+            <a:r>
+              <a:rPr kumimoji="1" lang="ja-JP" altLang="en-US" dirty="0"/>
+              <a:t>まずはこの仮定について検討します．</a:t>
+            </a:r>
+          </a:p>
+        </p:txBody>
+      </p:sp>
+      <p:sp>
+        <p:nvSpPr>
+          <p:cNvPr id="4" name="スライド番号プレースホルダー 3"/>
+          <p:cNvSpPr>
+            <a:spLocks noGrp="1"/>
+          </p:cNvSpPr>
+          <p:nvPr>
+            <p:ph type="sldNum" sz="quarter" idx="5"/>
+          </p:nvPr>
+        </p:nvSpPr>
+        <p:spPr/>
+        <p:txBody>
+          <a:bodyPr/>
+          <a:lstStyle/>
+          <a:p>
+            <a:fld id="{4CA84DB8-05C1-4437-A19B-C8667398B5DD}" type="slidenum">
+              <a:rPr kumimoji="1" lang="ja-JP" altLang="en-US" smtClean="0"/>
+              <a:t>8</a:t>
+            </a:fld>
+            <a:endParaRPr kumimoji="1" lang="ja-JP" altLang="en-US"/>
+          </a:p>
+        </p:txBody>
+      </p:sp>
+    </p:spTree>
+    <p:extLst>
+      <p:ext uri="{BB962C8B-B14F-4D97-AF65-F5344CB8AC3E}">
+        <p14:creationId xmlns:p14="http://schemas.microsoft.com/office/powerpoint/2010/main" val="3760289169"/>
+      </p:ext>
+    </p:extLst>
+  </p:cSld>
+  <p:clrMapOvr>
+    <a:masterClrMapping/>
+  </p:clrMapOvr>
+</p:notes>
+</file>
+
+<file path=ppt/notesSlides/notesSlide6.xml><?xml version="1.0" encoding="utf-8"?>
+<p:notes xmlns:a="http://schemas.openxmlformats.org/drawingml/2006/main" xmlns:r="http://schemas.openxmlformats.org/officeDocument/2006/relationships" xmlns:p="http://schemas.openxmlformats.org/presentationml/2006/main">
+  <p:cSld>
+    <p:spTree>
+      <p:nvGrpSpPr>
+        <p:cNvPr id="1" name=""/>
+        <p:cNvGrpSpPr/>
+        <p:nvPr/>
+      </p:nvGrpSpPr>
+      <p:grpSpPr>
+        <a:xfrm>
+          <a:off x="0" y="0"/>
+          <a:ext cx="0" cy="0"/>
+          <a:chOff x="0" y="0"/>
+          <a:chExt cx="0" cy="0"/>
+        </a:xfrm>
+      </p:grpSpPr>
+      <p:sp>
+        <p:nvSpPr>
+          <p:cNvPr id="2" name="スライド イメージ プレースホルダー 1"/>
+          <p:cNvSpPr>
+            <a:spLocks noGrp="1" noRot="1" noChangeAspect="1"/>
+          </p:cNvSpPr>
+          <p:nvPr>
+            <p:ph type="sldImg"/>
+          </p:nvPr>
+        </p:nvSpPr>
+        <p:spPr/>
+      </p:sp>
+      <p:sp>
+        <p:nvSpPr>
+          <p:cNvPr id="3" name="ノート プレースホルダー 2"/>
+          <p:cNvSpPr>
+            <a:spLocks noGrp="1"/>
+          </p:cNvSpPr>
+          <p:nvPr>
+            <p:ph type="body" idx="1"/>
+          </p:nvPr>
+        </p:nvSpPr>
+        <p:spPr/>
+        <p:txBody>
+          <a:bodyPr/>
+          <a:lstStyle/>
+          <a:p>
+            <a:r>
+              <a:rPr kumimoji="1" lang="en-US" altLang="ja-JP" dirty="0"/>
+              <a:t>VOCALOID</a:t>
+            </a:r>
+            <a:r>
+              <a:rPr kumimoji="1" lang="ja-JP" altLang="en-US" dirty="0"/>
+              <a:t>曲難易度表には</a:t>
+            </a:r>
+            <a:r>
+              <a:rPr kumimoji="1" lang="en-US" altLang="ja-JP" dirty="0"/>
+              <a:t>8</a:t>
+            </a:r>
+            <a:r>
+              <a:rPr kumimoji="1" lang="ja-JP" altLang="en-US" dirty="0"/>
+              <a:t>つのレベル区分があり，各レベルにおける級の振り分け具合の平均値をグラフに直したものがこちらになります．</a:t>
+            </a:r>
+          </a:p>
+        </p:txBody>
+      </p:sp>
+      <p:sp>
+        <p:nvSpPr>
+          <p:cNvPr id="4" name="スライド番号プレースホルダー 3"/>
+          <p:cNvSpPr>
+            <a:spLocks noGrp="1"/>
+          </p:cNvSpPr>
+          <p:nvPr>
+            <p:ph type="sldNum" sz="quarter" idx="5"/>
+          </p:nvPr>
+        </p:nvSpPr>
+        <p:spPr/>
+        <p:txBody>
+          <a:bodyPr/>
+          <a:lstStyle/>
+          <a:p>
+            <a:fld id="{4CA84DB8-05C1-4437-A19B-C8667398B5DD}" type="slidenum">
+              <a:rPr kumimoji="1" lang="ja-JP" altLang="en-US" smtClean="0"/>
+              <a:t>9</a:t>
+            </a:fld>
+            <a:endParaRPr kumimoji="1" lang="ja-JP" altLang="en-US"/>
+          </a:p>
+        </p:txBody>
+      </p:sp>
+    </p:spTree>
+    <p:extLst>
+      <p:ext uri="{BB962C8B-B14F-4D97-AF65-F5344CB8AC3E}">
+        <p14:creationId xmlns:p14="http://schemas.microsoft.com/office/powerpoint/2010/main" val="3172612603"/>
+      </p:ext>
+    </p:extLst>
+  </p:cSld>
+  <p:clrMapOvr>
+    <a:masterClrMapping/>
+  </p:clrMapOvr>
+</p:notes>
+</file>
+
+<file path=ppt/notesSlides/notesSlide7.xml><?xml version="1.0" encoding="utf-8"?>
+<p:notes xmlns:a="http://schemas.openxmlformats.org/drawingml/2006/main" xmlns:r="http://schemas.openxmlformats.org/officeDocument/2006/relationships" xmlns:p="http://schemas.openxmlformats.org/presentationml/2006/main">
+  <p:cSld>
+    <p:spTree>
+      <p:nvGrpSpPr>
+        <p:cNvPr id="1" name=""/>
+        <p:cNvGrpSpPr/>
+        <p:nvPr/>
+      </p:nvGrpSpPr>
+      <p:grpSpPr>
+        <a:xfrm>
+          <a:off x="0" y="0"/>
+          <a:ext cx="0" cy="0"/>
+          <a:chOff x="0" y="0"/>
+          <a:chExt cx="0" cy="0"/>
+        </a:xfrm>
+      </p:grpSpPr>
+      <p:sp>
+        <p:nvSpPr>
+          <p:cNvPr id="2" name="スライド イメージ プレースホルダー 1"/>
+          <p:cNvSpPr>
+            <a:spLocks noGrp="1" noRot="1" noChangeAspect="1"/>
+          </p:cNvSpPr>
+          <p:nvPr>
+            <p:ph type="sldImg"/>
+          </p:nvPr>
+        </p:nvSpPr>
+        <p:spPr/>
+      </p:sp>
+      <p:sp>
+        <p:nvSpPr>
+          <p:cNvPr id="3" name="ノート プレースホルダー 2"/>
+          <p:cNvSpPr>
+            <a:spLocks noGrp="1"/>
+          </p:cNvSpPr>
+          <p:nvPr>
+            <p:ph type="body" idx="1"/>
+          </p:nvPr>
+        </p:nvSpPr>
+        <p:spPr/>
+        <p:txBody>
+          <a:bodyPr/>
+          <a:lstStyle/>
+          <a:p>
+            <a:r>
+              <a:rPr kumimoji="1" lang="en-US" altLang="ja-JP" dirty="0"/>
+              <a:t>VOCALOID</a:t>
+            </a:r>
+            <a:r>
+              <a:rPr kumimoji="1" lang="ja-JP" altLang="en-US" dirty="0"/>
+              <a:t>曲難易度表のレベルに関わらず</a:t>
+            </a:r>
+          </a:p>
+        </p:txBody>
+      </p:sp>
+      <p:sp>
+        <p:nvSpPr>
+          <p:cNvPr id="4" name="スライド番号プレースホルダー 3"/>
+          <p:cNvSpPr>
+            <a:spLocks noGrp="1"/>
+          </p:cNvSpPr>
+          <p:nvPr>
+            <p:ph type="sldNum" sz="quarter" idx="5"/>
+          </p:nvPr>
+        </p:nvSpPr>
+        <p:spPr/>
+        <p:txBody>
+          <a:bodyPr/>
+          <a:lstStyle/>
+          <a:p>
+            <a:fld id="{4CA84DB8-05C1-4437-A19B-C8667398B5DD}" type="slidenum">
+              <a:rPr kumimoji="1" lang="ja-JP" altLang="en-US" smtClean="0"/>
+              <a:t>11</a:t>
+            </a:fld>
+            <a:endParaRPr kumimoji="1" lang="ja-JP" altLang="en-US"/>
+          </a:p>
+        </p:txBody>
+      </p:sp>
+    </p:spTree>
+    <p:extLst>
+      <p:ext uri="{BB962C8B-B14F-4D97-AF65-F5344CB8AC3E}">
+        <p14:creationId xmlns:p14="http://schemas.microsoft.com/office/powerpoint/2010/main" val="4247697262"/>
+      </p:ext>
+    </p:extLst>
+  </p:cSld>
+  <p:clrMapOvr>
+    <a:masterClrMapping/>
+  </p:clrMapOvr>
+</p:notes>
+</file>
+
+<file path=ppt/notesSlides/notesSlide8.xml><?xml version="1.0" encoding="utf-8"?>
+<p:notes xmlns:a="http://schemas.openxmlformats.org/drawingml/2006/main" xmlns:r="http://schemas.openxmlformats.org/officeDocument/2006/relationships" xmlns:p="http://schemas.openxmlformats.org/presentationml/2006/main">
+  <p:cSld>
+    <p:spTree>
+      <p:nvGrpSpPr>
+        <p:cNvPr id="1" name=""/>
+        <p:cNvGrpSpPr/>
+        <p:nvPr/>
+      </p:nvGrpSpPr>
+      <p:grpSpPr>
+        <a:xfrm>
+          <a:off x="0" y="0"/>
+          <a:ext cx="0" cy="0"/>
+          <a:chOff x="0" y="0"/>
+          <a:chExt cx="0" cy="0"/>
+        </a:xfrm>
+      </p:grpSpPr>
+      <p:sp>
+        <p:nvSpPr>
+          <p:cNvPr id="2" name="スライド イメージ プレースホルダー 1"/>
+          <p:cNvSpPr>
+            <a:spLocks noGrp="1" noRot="1" noChangeAspect="1"/>
+          </p:cNvSpPr>
+          <p:nvPr>
+            <p:ph type="sldImg"/>
+          </p:nvPr>
+        </p:nvSpPr>
+        <p:spPr/>
+      </p:sp>
+      <p:sp>
+        <p:nvSpPr>
+          <p:cNvPr id="3" name="ノート プレースホルダー 2"/>
+          <p:cNvSpPr>
+            <a:spLocks noGrp="1"/>
+          </p:cNvSpPr>
+          <p:nvPr>
+            <p:ph type="body" idx="1"/>
+          </p:nvPr>
+        </p:nvSpPr>
+        <p:spPr/>
+        <p:txBody>
+          <a:bodyPr/>
+          <a:lstStyle/>
+          <a:p>
+            <a:r>
+              <a:rPr kumimoji="1" lang="ja-JP" altLang="en-US" dirty="0"/>
+              <a:t>ユニグラム，バイグラム，トライグラム</a:t>
+            </a:r>
+          </a:p>
+        </p:txBody>
+      </p:sp>
+      <p:sp>
+        <p:nvSpPr>
+          <p:cNvPr id="4" name="スライド番号プレースホルダー 3"/>
+          <p:cNvSpPr>
+            <a:spLocks noGrp="1"/>
+          </p:cNvSpPr>
+          <p:nvPr>
+            <p:ph type="sldNum" sz="quarter" idx="5"/>
+          </p:nvPr>
+        </p:nvSpPr>
+        <p:spPr/>
+        <p:txBody>
+          <a:bodyPr/>
+          <a:lstStyle/>
+          <a:p>
+            <a:fld id="{4CA84DB8-05C1-4437-A19B-C8667398B5DD}" type="slidenum">
+              <a:rPr kumimoji="1" lang="ja-JP" altLang="en-US" smtClean="0"/>
+              <a:t>15</a:t>
+            </a:fld>
+            <a:endParaRPr kumimoji="1" lang="ja-JP" altLang="en-US"/>
+          </a:p>
+        </p:txBody>
+      </p:sp>
+    </p:spTree>
+    <p:extLst>
+      <p:ext uri="{BB962C8B-B14F-4D97-AF65-F5344CB8AC3E}">
+        <p14:creationId xmlns:p14="http://schemas.microsoft.com/office/powerpoint/2010/main" val="322217264"/>
+      </p:ext>
+    </p:extLst>
+  </p:cSld>
+  <p:clrMapOvr>
+    <a:masterClrMapping/>
+  </p:clrMapOvr>
+</p:notes>
+</file>
+
 <file path=ppt/slideLayouts/slideLayout1.xml><?xml version="1.0" encoding="utf-8"?>
 <p:sldLayout xmlns:a="http://schemas.openxmlformats.org/drawingml/2006/main" xmlns:r="http://schemas.openxmlformats.org/officeDocument/2006/relationships" xmlns:p="http://schemas.openxmlformats.org/presentationml/2006/main" type="title" preserve="1">
   <p:cSld name="タイトル スライド">
@@ -12992,24 +13680,6 @@
               </a:lnSpc>
             </a:pPr>
             <a:r>
-              <a:rPr lang="ja-JP" altLang="en-US" sz="2000" dirty="0">
-                <a:latin typeface="BIZ UDPゴシック" panose="020B0400000000000000" pitchFamily="50" charset="-128"/>
-                <a:ea typeface="BIZ UDPゴシック" panose="020B0400000000000000" pitchFamily="50" charset="-128"/>
-              </a:rPr>
-              <a:t>歌詞に含まれる各単語の親密度の平均値を測る．</a:t>
-            </a:r>
-            <a:endParaRPr lang="en-US" altLang="ja-JP" sz="2000" dirty="0">
-              <a:latin typeface="BIZ UDPゴシック" panose="020B0400000000000000" pitchFamily="50" charset="-128"/>
-              <a:ea typeface="BIZ UDPゴシック" panose="020B0400000000000000" pitchFamily="50" charset="-128"/>
-            </a:endParaRPr>
-          </a:p>
-          <a:p>
-            <a:pPr>
-              <a:lnSpc>
-                <a:spcPct val="110000"/>
-              </a:lnSpc>
-            </a:pPr>
-            <a:r>
               <a:rPr kumimoji="1" lang="ja-JP" altLang="en-US" sz="2000" dirty="0">
                 <a:latin typeface="BIZ UDPゴシック" panose="020B0400000000000000" pitchFamily="50" charset="-128"/>
                 <a:ea typeface="BIZ UDPゴシック" panose="020B0400000000000000" pitchFamily="50" charset="-128"/>
@@ -13048,7 +13718,7 @@
                 <a:latin typeface="BIZ UDPゴシック" panose="020B0400000000000000" pitchFamily="50" charset="-128"/>
                 <a:ea typeface="BIZ UDPゴシック" panose="020B0400000000000000" pitchFamily="50" charset="-128"/>
               </a:rPr>
-              <a:t>文字音声単語親密度</a:t>
+              <a:t>文字単語親密度</a:t>
             </a:r>
             <a:endParaRPr lang="en-US" altLang="zh-TW" sz="2000" dirty="0">
               <a:latin typeface="BIZ UDPゴシック" panose="020B0400000000000000" pitchFamily="50" charset="-128"/>
@@ -13088,7 +13758,7 @@
                 <a:latin typeface="BIZ UDPゴシック" panose="020B0400000000000000" pitchFamily="50" charset="-128"/>
                 <a:ea typeface="BIZ UDPゴシック" panose="020B0400000000000000" pitchFamily="50" charset="-128"/>
               </a:rPr>
-              <a:t>文字単語親密度</a:t>
+              <a:t>文字音声単語親密度</a:t>
             </a:r>
             <a:endParaRPr lang="en-US" altLang="ja-JP" sz="2000" dirty="0">
               <a:latin typeface="BIZ UDPゴシック" panose="020B0400000000000000" pitchFamily="50" charset="-128"/>
@@ -13117,7 +13787,25 @@
                 <a:latin typeface="BIZ UDPゴシック" panose="020B0400000000000000" pitchFamily="50" charset="-128"/>
                 <a:ea typeface="BIZ UDPゴシック" panose="020B0400000000000000" pitchFamily="50" charset="-128"/>
               </a:rPr>
-              <a:t>各レベルの平均値をグラフで可視化し，</a:t>
+              <a:t>各レベルの単語親密度の</a:t>
+            </a:r>
+            <a:endParaRPr lang="en-US" altLang="ja-JP" sz="2000" dirty="0">
+              <a:latin typeface="BIZ UDPゴシック" panose="020B0400000000000000" pitchFamily="50" charset="-128"/>
+              <a:ea typeface="BIZ UDPゴシック" panose="020B0400000000000000" pitchFamily="50" charset="-128"/>
+            </a:endParaRPr>
+          </a:p>
+          <a:p>
+            <a:pPr>
+              <a:lnSpc>
+                <a:spcPct val="110000"/>
+              </a:lnSpc>
+            </a:pPr>
+            <a:r>
+              <a:rPr lang="ja-JP" altLang="en-US" sz="2000" dirty="0">
+                <a:latin typeface="BIZ UDPゴシック" panose="020B0400000000000000" pitchFamily="50" charset="-128"/>
+                <a:ea typeface="BIZ UDPゴシック" panose="020B0400000000000000" pitchFamily="50" charset="-128"/>
+              </a:rPr>
+              <a:t>平均値をグラフで可視化し，</a:t>
             </a:r>
             <a:endParaRPr lang="en-US" altLang="ja-JP" sz="2000" dirty="0">
               <a:latin typeface="BIZ UDPゴシック" panose="020B0400000000000000" pitchFamily="50" charset="-128"/>
@@ -13503,7 +14191,7 @@
         </p:xfrm>
         <a:graphic>
           <a:graphicData uri="http://schemas.openxmlformats.org/drawingml/2006/chart">
-            <c:chart xmlns:c="http://schemas.openxmlformats.org/drawingml/2006/chart" xmlns:r="http://schemas.openxmlformats.org/officeDocument/2006/relationships" r:id="rId2"/>
+            <c:chart xmlns:c="http://schemas.openxmlformats.org/drawingml/2006/chart" xmlns:r="http://schemas.openxmlformats.org/officeDocument/2006/relationships" r:id="rId3"/>
           </a:graphicData>
         </a:graphic>
       </p:graphicFrame>
@@ -13862,7 +14550,7 @@
                 <a:latin typeface="BIZ UDPゴシック" panose="020B0400000000000000" pitchFamily="50" charset="-128"/>
                 <a:ea typeface="BIZ UDPゴシック" panose="020B0400000000000000" pitchFamily="50" charset="-128"/>
               </a:rPr>
-              <a:t>つの実験を踏まえた全体のまとめ</a:t>
+              <a:t>つの実験を踏まえたまとめ</a:t>
             </a:r>
           </a:p>
         </p:txBody>
@@ -13900,7 +14588,7 @@
                 <a:latin typeface="BIZ UDPゴシック" panose="020B0400000000000000" pitchFamily="50" charset="-128"/>
                 <a:ea typeface="BIZ UDPゴシック" panose="020B0400000000000000" pitchFamily="50" charset="-128"/>
               </a:rPr>
-              <a:t>歌詞に用いられる単語の難しさと歌唱難易度に関係性はない</a:t>
+              <a:t>歌詞に用いられる単語の難しさと歌唱難易度に相関はない</a:t>
             </a:r>
             <a:endParaRPr kumimoji="1" lang="ja-JP" altLang="en-US" sz="2400" dirty="0">
               <a:latin typeface="BIZ UDPゴシック" panose="020B0400000000000000" pitchFamily="50" charset="-128"/>
@@ -16071,6 +16759,16 @@
               <a:t>文字ベースの</a:t>
             </a:r>
             <a:r>
+              <a:rPr lang="en-US" altLang="ja-JP" sz="2000" dirty="0" err="1">
+                <a:solidFill>
+                  <a:schemeClr val="tx1"/>
+                </a:solidFill>
+                <a:latin typeface="BIZ UDPゴシック" panose="020B0400000000000000" pitchFamily="50" charset="-128"/>
+                <a:ea typeface="BIZ UDPゴシック" panose="020B0400000000000000" pitchFamily="50" charset="-128"/>
+              </a:rPr>
+              <a:t>uni</a:t>
+            </a:r>
+            <a:r>
               <a:rPr lang="en-US" altLang="ja-JP" sz="2000" dirty="0">
                 <a:solidFill>
                   <a:schemeClr val="tx1"/>
@@ -16078,7 +16776,7 @@
                 <a:latin typeface="BIZ UDPゴシック" panose="020B0400000000000000" pitchFamily="50" charset="-128"/>
                 <a:ea typeface="BIZ UDPゴシック" panose="020B0400000000000000" pitchFamily="50" charset="-128"/>
               </a:rPr>
-              <a:t>unigram</a:t>
+              <a:t>-gram</a:t>
             </a:r>
           </a:p>
           <a:p>
@@ -16278,7 +16976,7 @@
                 <a:latin typeface="BIZ UDPゴシック" panose="020B0400000000000000" pitchFamily="50" charset="-128"/>
                 <a:ea typeface="BIZ UDPゴシック" panose="020B0400000000000000" pitchFamily="50" charset="-128"/>
               </a:rPr>
-              <a:t>”,</a:t>
+              <a:t>”,”</a:t>
             </a:r>
             <a:r>
               <a:rPr lang="en-US" altLang="ja-JP" sz="2000" dirty="0" err="1">
@@ -16337,7 +17035,7 @@
                 <a:latin typeface="BIZ UDPゴシック" panose="020B0400000000000000" pitchFamily="50" charset="-128"/>
                 <a:ea typeface="BIZ UDPゴシック" panose="020B0400000000000000" pitchFamily="50" charset="-128"/>
               </a:rPr>
-              <a:t>bigram</a:t>
+              <a:t>bi-gram</a:t>
             </a:r>
           </a:p>
           <a:p>
@@ -16752,7 +17450,7 @@
         <p:spPr>
           <a:xfrm>
             <a:off x="7717112" y="1847345"/>
-            <a:ext cx="4000500" cy="3096360"/>
+            <a:ext cx="4000500" cy="2902782"/>
           </a:xfrm>
           <a:prstGeom prst="rect">
             <a:avLst/>
@@ -16771,13 +17469,13 @@
               </a:lnSpc>
             </a:pPr>
             <a:r>
-              <a:rPr lang="ja-JP" altLang="en-US" dirty="0">
-                <a:latin typeface="BIZ UDPゴシック" panose="020B0400000000000000" pitchFamily="50" charset="-128"/>
-                <a:ea typeface="BIZ UDPゴシック" panose="020B0400000000000000" pitchFamily="50" charset="-128"/>
-              </a:rPr>
-              <a:t>順位</a:t>
-            </a:r>
-            <a:endParaRPr lang="en-US" altLang="ja-JP" dirty="0">
+              <a:rPr lang="ja-JP" altLang="en-US" sz="1400" dirty="0">
+                <a:latin typeface="BIZ UDPゴシック" panose="020B0400000000000000" pitchFamily="50" charset="-128"/>
+                <a:ea typeface="BIZ UDPゴシック" panose="020B0400000000000000" pitchFamily="50" charset="-128"/>
+              </a:rPr>
+              <a:t>全ての評価指標において以下の順位</a:t>
+            </a:r>
+            <a:endParaRPr lang="en-US" altLang="ja-JP" sz="1400" dirty="0">
               <a:latin typeface="BIZ UDPゴシック" panose="020B0400000000000000" pitchFamily="50" charset="-128"/>
               <a:ea typeface="BIZ UDPゴシック" panose="020B0400000000000000" pitchFamily="50" charset="-128"/>
             </a:endParaRPr>
@@ -16791,18 +17489,25 @@
               <a:buChar char="-"/>
             </a:pPr>
             <a:r>
-              <a:rPr lang="ja-JP" altLang="en-US" dirty="0">
+              <a:rPr lang="ja-JP" altLang="en-US" sz="1400" dirty="0">
                 <a:latin typeface="BIZ UDPゴシック" panose="020B0400000000000000" pitchFamily="50" charset="-128"/>
                 <a:ea typeface="BIZ UDPゴシック" panose="020B0400000000000000" pitchFamily="50" charset="-128"/>
               </a:rPr>
               <a:t>ローマ字変換→</a:t>
             </a:r>
             <a:r>
-              <a:rPr lang="en-US" altLang="ja-JP" dirty="0">
-                <a:latin typeface="BIZ UDPゴシック" panose="020B0400000000000000" pitchFamily="50" charset="-128"/>
-                <a:ea typeface="BIZ UDPゴシック" panose="020B0400000000000000" pitchFamily="50" charset="-128"/>
-              </a:rPr>
-              <a:t>unigram</a:t>
+              <a:rPr lang="en-US" altLang="ja-JP" sz="1400" dirty="0" err="1">
+                <a:latin typeface="BIZ UDPゴシック" panose="020B0400000000000000" pitchFamily="50" charset="-128"/>
+                <a:ea typeface="BIZ UDPゴシック" panose="020B0400000000000000" pitchFamily="50" charset="-128"/>
+              </a:rPr>
+              <a:t>uni</a:t>
+            </a:r>
+            <a:r>
+              <a:rPr lang="en-US" altLang="ja-JP" sz="1400" dirty="0">
+                <a:latin typeface="BIZ UDPゴシック" panose="020B0400000000000000" pitchFamily="50" charset="-128"/>
+                <a:ea typeface="BIZ UDPゴシック" panose="020B0400000000000000" pitchFamily="50" charset="-128"/>
+              </a:rPr>
+              <a:t>-gram</a:t>
             </a:r>
           </a:p>
           <a:p>
@@ -16814,13 +17519,13 @@
               <a:buChar char="-"/>
             </a:pPr>
             <a:r>
-              <a:rPr lang="ja-JP" altLang="en-US" dirty="0">
+              <a:rPr lang="ja-JP" altLang="en-US" sz="1400" dirty="0">
                 <a:latin typeface="BIZ UDPゴシック" panose="020B0400000000000000" pitchFamily="50" charset="-128"/>
                 <a:ea typeface="BIZ UDPゴシック" panose="020B0400000000000000" pitchFamily="50" charset="-128"/>
               </a:rPr>
               <a:t>両方の手法を合体</a:t>
             </a:r>
-            <a:endParaRPr lang="en-US" altLang="ja-JP" dirty="0">
+            <a:endParaRPr lang="en-US" altLang="ja-JP" sz="1400" dirty="0">
               <a:latin typeface="BIZ UDPゴシック" panose="020B0400000000000000" pitchFamily="50" charset="-128"/>
               <a:ea typeface="BIZ UDPゴシック" panose="020B0400000000000000" pitchFamily="50" charset="-128"/>
             </a:endParaRPr>
@@ -16834,20 +17539,20 @@
               <a:buChar char="-"/>
             </a:pPr>
             <a:r>
-              <a:rPr kumimoji="1" lang="ja-JP" altLang="en-US" dirty="0">
+              <a:rPr kumimoji="1" lang="ja-JP" altLang="en-US" sz="1400" dirty="0">
                 <a:latin typeface="BIZ UDPゴシック" panose="020B0400000000000000" pitchFamily="50" charset="-128"/>
                 <a:ea typeface="BIZ UDPゴシック" panose="020B0400000000000000" pitchFamily="50" charset="-128"/>
               </a:rPr>
               <a:t>文字間の音抽出→</a:t>
             </a:r>
             <a:r>
-              <a:rPr kumimoji="1" lang="en-US" altLang="ja-JP" dirty="0">
-                <a:latin typeface="BIZ UDPゴシック" panose="020B0400000000000000" pitchFamily="50" charset="-128"/>
-                <a:ea typeface="BIZ UDPゴシック" panose="020B0400000000000000" pitchFamily="50" charset="-128"/>
-              </a:rPr>
-              <a:t>bigram</a:t>
-            </a:r>
-            <a:endParaRPr lang="en-US" altLang="ja-JP" dirty="0">
+              <a:rPr kumimoji="1" lang="en-US" altLang="ja-JP" sz="1400" dirty="0">
+                <a:latin typeface="BIZ UDPゴシック" panose="020B0400000000000000" pitchFamily="50" charset="-128"/>
+                <a:ea typeface="BIZ UDPゴシック" panose="020B0400000000000000" pitchFamily="50" charset="-128"/>
+              </a:rPr>
+              <a:t>bi-gram</a:t>
+            </a:r>
+            <a:endParaRPr lang="en-US" altLang="ja-JP" sz="1400" dirty="0">
               <a:latin typeface="BIZ UDPゴシック" panose="020B0400000000000000" pitchFamily="50" charset="-128"/>
               <a:ea typeface="BIZ UDPゴシック" panose="020B0400000000000000" pitchFamily="50" charset="-128"/>
             </a:endParaRPr>
@@ -16858,7 +17563,7 @@
                 <a:spcPct val="110000"/>
               </a:lnSpc>
             </a:pPr>
-            <a:endParaRPr kumimoji="1" lang="en-US" altLang="ja-JP" dirty="0">
+            <a:endParaRPr kumimoji="1" lang="en-US" altLang="ja-JP" sz="1400" dirty="0">
               <a:latin typeface="BIZ UDPゴシック" panose="020B0400000000000000" pitchFamily="50" charset="-128"/>
               <a:ea typeface="BIZ UDPゴシック" panose="020B0400000000000000" pitchFamily="50" charset="-128"/>
             </a:endParaRPr>
@@ -16870,13 +17575,27 @@
               </a:lnSpc>
             </a:pPr>
             <a:r>
-              <a:rPr kumimoji="1" lang="ja-JP" altLang="en-US" dirty="0">
-                <a:latin typeface="BIZ UDPゴシック" panose="020B0400000000000000" pitchFamily="50" charset="-128"/>
-                <a:ea typeface="BIZ UDPゴシック" panose="020B0400000000000000" pitchFamily="50" charset="-128"/>
-              </a:rPr>
-              <a:t>全体的にランダムフォレストが良い精度を得た．</a:t>
-            </a:r>
-            <a:endParaRPr kumimoji="1" lang="en-US" altLang="ja-JP" dirty="0">
+              <a:rPr kumimoji="1" lang="ja-JP" altLang="en-US" sz="1400" dirty="0">
+                <a:latin typeface="BIZ UDPゴシック" panose="020B0400000000000000" pitchFamily="50" charset="-128"/>
+                <a:ea typeface="BIZ UDPゴシック" panose="020B0400000000000000" pitchFamily="50" charset="-128"/>
+              </a:rPr>
+              <a:t>全体的にランダムフォレストが良い</a:t>
+            </a:r>
+            <a:r>
+              <a:rPr lang="ja-JP" altLang="en-US" sz="1400" dirty="0">
+                <a:latin typeface="BIZ UDPゴシック" panose="020B0400000000000000" pitchFamily="50" charset="-128"/>
+                <a:ea typeface="BIZ UDPゴシック" panose="020B0400000000000000" pitchFamily="50" charset="-128"/>
+              </a:rPr>
+              <a:t>結果</a:t>
+            </a:r>
+            <a:r>
+              <a:rPr kumimoji="1" lang="ja-JP" altLang="en-US" sz="1400" dirty="0">
+                <a:latin typeface="BIZ UDPゴシック" panose="020B0400000000000000" pitchFamily="50" charset="-128"/>
+                <a:ea typeface="BIZ UDPゴシック" panose="020B0400000000000000" pitchFamily="50" charset="-128"/>
+              </a:rPr>
+              <a:t>を得た．</a:t>
+            </a:r>
+            <a:endParaRPr kumimoji="1" lang="en-US" altLang="ja-JP" sz="1400" dirty="0">
               <a:latin typeface="BIZ UDPゴシック" panose="020B0400000000000000" pitchFamily="50" charset="-128"/>
               <a:ea typeface="BIZ UDPゴシック" panose="020B0400000000000000" pitchFamily="50" charset="-128"/>
             </a:endParaRPr>
@@ -16887,7 +17606,7 @@
                 <a:spcPct val="110000"/>
               </a:lnSpc>
             </a:pPr>
-            <a:endParaRPr lang="en-US" altLang="ja-JP" dirty="0">
+            <a:endParaRPr lang="en-US" altLang="ja-JP" sz="1400" dirty="0">
               <a:latin typeface="BIZ UDPゴシック" panose="020B0400000000000000" pitchFamily="50" charset="-128"/>
               <a:ea typeface="BIZ UDPゴシック" panose="020B0400000000000000" pitchFamily="50" charset="-128"/>
             </a:endParaRPr>
@@ -16899,25 +17618,89 @@
               </a:lnSpc>
             </a:pPr>
             <a:r>
-              <a:rPr lang="en-US" altLang="ja-JP" dirty="0" err="1">
+              <a:rPr lang="en-US" altLang="ja-JP" sz="1400" dirty="0">
+                <a:latin typeface="BIZ UDPゴシック" panose="020B0400000000000000" pitchFamily="50" charset="-128"/>
+                <a:ea typeface="BIZ UDPゴシック" panose="020B0400000000000000" pitchFamily="50" charset="-128"/>
+              </a:rPr>
+              <a:t>bi-gram</a:t>
+            </a:r>
+            <a:r>
+              <a:rPr lang="ja-JP" altLang="en-US" sz="1400" dirty="0">
+                <a:latin typeface="BIZ UDPゴシック" panose="020B0400000000000000" pitchFamily="50" charset="-128"/>
+                <a:ea typeface="BIZ UDPゴシック" panose="020B0400000000000000" pitchFamily="50" charset="-128"/>
+              </a:rPr>
+              <a:t>の手法は，</a:t>
+            </a:r>
+            <a:r>
+              <a:rPr lang="en-US" altLang="ja-JP" sz="1400" dirty="0" err="1">
+                <a:latin typeface="BIZ UDPゴシック" panose="020B0400000000000000" pitchFamily="50" charset="-128"/>
+                <a:ea typeface="BIZ UDPゴシック" panose="020B0400000000000000" pitchFamily="50" charset="-128"/>
+              </a:rPr>
+              <a:t>uni</a:t>
+            </a:r>
+            <a:r>
+              <a:rPr lang="en-US" altLang="ja-JP" sz="1400" dirty="0">
+                <a:latin typeface="BIZ UDPゴシック" panose="020B0400000000000000" pitchFamily="50" charset="-128"/>
+                <a:ea typeface="BIZ UDPゴシック" panose="020B0400000000000000" pitchFamily="50" charset="-128"/>
+              </a:rPr>
+              <a:t>-gram</a:t>
+            </a:r>
+            <a:r>
+              <a:rPr lang="ja-JP" altLang="en-US" sz="1400" dirty="0">
+                <a:latin typeface="BIZ UDPゴシック" panose="020B0400000000000000" pitchFamily="50" charset="-128"/>
+                <a:ea typeface="BIZ UDPゴシック" panose="020B0400000000000000" pitchFamily="50" charset="-128"/>
+              </a:rPr>
+              <a:t>の手法に比べ，単語内部の情報が欠落</a:t>
+            </a:r>
+            <a:endParaRPr lang="en-US" altLang="ja-JP" sz="1400" dirty="0">
+              <a:latin typeface="BIZ UDPゴシック" panose="020B0400000000000000" pitchFamily="50" charset="-128"/>
+              <a:ea typeface="BIZ UDPゴシック" panose="020B0400000000000000" pitchFamily="50" charset="-128"/>
+            </a:endParaRPr>
+          </a:p>
+          <a:p>
+            <a:pPr>
+              <a:lnSpc>
+                <a:spcPct val="110000"/>
+              </a:lnSpc>
+            </a:pPr>
+            <a:endParaRPr lang="en-US" altLang="ja-JP" sz="1400" dirty="0">
+              <a:latin typeface="BIZ UDPゴシック" panose="020B0400000000000000" pitchFamily="50" charset="-128"/>
+              <a:ea typeface="BIZ UDPゴシック" panose="020B0400000000000000" pitchFamily="50" charset="-128"/>
+            </a:endParaRPr>
+          </a:p>
+          <a:p>
+            <a:pPr>
+              <a:lnSpc>
+                <a:spcPct val="110000"/>
+              </a:lnSpc>
+            </a:pPr>
+            <a:r>
+              <a:rPr lang="ja-JP" altLang="en-US" sz="1400" dirty="0">
+                <a:latin typeface="BIZ UDPゴシック" panose="020B0400000000000000" pitchFamily="50" charset="-128"/>
+                <a:ea typeface="BIZ UDPゴシック" panose="020B0400000000000000" pitchFamily="50" charset="-128"/>
+              </a:rPr>
+              <a:t>また，</a:t>
+            </a:r>
+            <a:r>
+              <a:rPr lang="en-US" altLang="ja-JP" sz="1400" dirty="0" err="1">
                 <a:latin typeface="BIZ UDPゴシック" panose="020B0400000000000000" pitchFamily="50" charset="-128"/>
                 <a:ea typeface="BIZ UDPゴシック" panose="020B0400000000000000" pitchFamily="50" charset="-128"/>
               </a:rPr>
               <a:t>i</a:t>
             </a:r>
             <a:r>
-              <a:rPr kumimoji="1" lang="en-US" altLang="ja-JP" dirty="0" err="1">
+              <a:rPr kumimoji="1" lang="en-US" altLang="ja-JP" sz="1400" dirty="0" err="1">
                 <a:latin typeface="BIZ UDPゴシック" panose="020B0400000000000000" pitchFamily="50" charset="-128"/>
                 <a:ea typeface="BIZ UDPゴシック" panose="020B0400000000000000" pitchFamily="50" charset="-128"/>
               </a:rPr>
               <a:t>padic</a:t>
             </a:r>
             <a:r>
-              <a:rPr kumimoji="1" lang="ja-JP" altLang="en-US" dirty="0">
-                <a:latin typeface="BIZ UDPゴシック" panose="020B0400000000000000" pitchFamily="50" charset="-128"/>
-                <a:ea typeface="BIZ UDPゴシック" panose="020B0400000000000000" pitchFamily="50" charset="-128"/>
-              </a:rPr>
-              <a:t>による分かち書きの精度がイマイチだったことに原因があると推測</a:t>
+              <a:rPr kumimoji="1" lang="ja-JP" altLang="en-US" sz="1400" dirty="0">
+                <a:latin typeface="BIZ UDPゴシック" panose="020B0400000000000000" pitchFamily="50" charset="-128"/>
+                <a:ea typeface="BIZ UDPゴシック" panose="020B0400000000000000" pitchFamily="50" charset="-128"/>
+              </a:rPr>
+              <a:t>による分かち書きの精度がイマイチだったことにも原因があると推測</a:t>
             </a:r>
           </a:p>
         </p:txBody>
@@ -17321,21 +18104,7 @@
                 <a:latin typeface="BIZ UDPゴシック" panose="020B0400000000000000" pitchFamily="50" charset="-128"/>
                 <a:ea typeface="BIZ UDPゴシック" panose="020B0400000000000000" pitchFamily="50" charset="-128"/>
               </a:rPr>
-              <a:t>ランダムフォレスト（文字ベースの</a:t>
-            </a:r>
-            <a:r>
-              <a:rPr kumimoji="1" lang="en-US" altLang="ja-JP" sz="2000" dirty="0">
-                <a:latin typeface="BIZ UDPゴシック" panose="020B0400000000000000" pitchFamily="50" charset="-128"/>
-                <a:ea typeface="BIZ UDPゴシック" panose="020B0400000000000000" pitchFamily="50" charset="-128"/>
-              </a:rPr>
-              <a:t>unigram</a:t>
-            </a:r>
-            <a:r>
-              <a:rPr kumimoji="1" lang="ja-JP" altLang="en-US" sz="2000" dirty="0">
-                <a:latin typeface="BIZ UDPゴシック" panose="020B0400000000000000" pitchFamily="50" charset="-128"/>
-                <a:ea typeface="BIZ UDPゴシック" panose="020B0400000000000000" pitchFamily="50" charset="-128"/>
-              </a:rPr>
-              <a:t>）の手法に対して，</a:t>
+              <a:t>ランダムフォレストの手法に対して，</a:t>
             </a:r>
             <a:br>
               <a:rPr kumimoji="1" lang="en-US" altLang="ja-JP" sz="2000" dirty="0">
@@ -17481,7 +18250,7 @@
                 <a:latin typeface="BIZ UDPゴシック" panose="020B0400000000000000" pitchFamily="50" charset="-128"/>
                 <a:ea typeface="BIZ UDPゴシック" panose="020B0400000000000000" pitchFamily="50" charset="-128"/>
               </a:rPr>
-              <a:t>新しい手法の模索＆検討</a:t>
+              <a:t>新しい手法の模索＆検討（余力あれば）</a:t>
             </a:r>
             <a:endParaRPr lang="en-US" altLang="ja-JP" sz="2000" dirty="0">
               <a:latin typeface="BIZ UDPゴシック" panose="020B0400000000000000" pitchFamily="50" charset="-128"/>
@@ -17514,7 +18283,7 @@
                 <a:latin typeface="BIZ UDPゴシック" panose="020B0400000000000000" pitchFamily="50" charset="-128"/>
                 <a:ea typeface="BIZ UDPゴシック" panose="020B0400000000000000" pitchFamily="50" charset="-128"/>
               </a:rPr>
-              <a:t>卒論執筆</a:t>
+              <a:t>卒論執筆💪</a:t>
             </a:r>
             <a:endParaRPr lang="en-US" altLang="ja-JP" sz="2000" dirty="0">
               <a:latin typeface="BIZ UDPゴシック" panose="020B0400000000000000" pitchFamily="50" charset="-128"/>
@@ -21835,7 +22604,7 @@
           <p:nvPr/>
         </p:nvPicPr>
         <p:blipFill>
-          <a:blip r:embed="rId2"/>
+          <a:blip r:embed="rId3"/>
           <a:stretch>
             <a:fillRect/>
           </a:stretch>
@@ -22600,7 +23369,7 @@
           <p:nvPr/>
         </p:nvPicPr>
         <p:blipFill>
-          <a:blip r:embed="rId2"/>
+          <a:blip r:embed="rId3"/>
           <a:stretch>
             <a:fillRect/>
           </a:stretch>
@@ -22630,7 +23399,7 @@
           <p:nvPr/>
         </p:nvPicPr>
         <p:blipFill>
-          <a:blip r:embed="rId3"/>
+          <a:blip r:embed="rId4"/>
           <a:stretch>
             <a:fillRect/>
           </a:stretch>
@@ -24656,7 +25425,7 @@
         </p:xfrm>
         <a:graphic>
           <a:graphicData uri="http://schemas.openxmlformats.org/drawingml/2006/chart">
-            <c:chart xmlns:c="http://schemas.openxmlformats.org/drawingml/2006/chart" xmlns:r="http://schemas.openxmlformats.org/officeDocument/2006/relationships" r:id="rId2"/>
+            <c:chart xmlns:c="http://schemas.openxmlformats.org/drawingml/2006/chart" xmlns:r="http://schemas.openxmlformats.org/officeDocument/2006/relationships" r:id="rId3"/>
           </a:graphicData>
         </a:graphic>
       </p:graphicFrame>
@@ -25006,7 +25775,7 @@
         <p:spPr>
           <a:xfrm>
             <a:off x="7576337" y="5742264"/>
-            <a:ext cx="4209263" cy="721736"/>
+            <a:ext cx="4463263" cy="721736"/>
           </a:xfrm>
           <a:prstGeom prst="rect">
             <a:avLst/>
@@ -25123,25 +25892,7 @@
                 <a:latin typeface="BIZ UDPゴシック" panose="020B0400000000000000" pitchFamily="50" charset="-128"/>
                 <a:ea typeface="BIZ UDPゴシック" panose="020B0400000000000000" pitchFamily="50" charset="-128"/>
               </a:rPr>
-              <a:t>歌詞に使用される漢字より算出する</a:t>
-            </a:r>
-            <a:endParaRPr kumimoji="1" lang="en-US" altLang="ja-JP" sz="2000" dirty="0">
-              <a:latin typeface="BIZ UDPゴシック" panose="020B0400000000000000" pitchFamily="50" charset="-128"/>
-              <a:ea typeface="BIZ UDPゴシック" panose="020B0400000000000000" pitchFamily="50" charset="-128"/>
-            </a:endParaRPr>
-          </a:p>
-          <a:p>
-            <a:pPr>
-              <a:lnSpc>
-                <a:spcPct val="110000"/>
-              </a:lnSpc>
-            </a:pPr>
-            <a:r>
-              <a:rPr kumimoji="1" lang="ja-JP" altLang="en-US" sz="2000" dirty="0">
-                <a:latin typeface="BIZ UDPゴシック" panose="020B0400000000000000" pitchFamily="50" charset="-128"/>
-                <a:ea typeface="BIZ UDPゴシック" panose="020B0400000000000000" pitchFamily="50" charset="-128"/>
-              </a:rPr>
-              <a:t>歌唱難易度</a:t>
+              <a:t>歌詞に使用される漢字の難しさによる歌唱難易度</a:t>
             </a:r>
             <a:r>
               <a:rPr lang="ja-JP" altLang="en-US" sz="2000" dirty="0">
